--- a/SQL_seminar/SQL중상급활용_CH2.pptx
+++ b/SQL_seminar/SQL중상급활용_CH2.pptx
@@ -5,7 +5,7 @@
     <p:sldMasterId id="2147483660" r:id="rId1"/>
   </p:sldMasterIdLst>
   <p:notesMasterIdLst>
-    <p:notesMasterId r:id="rId31"/>
+    <p:notesMasterId r:id="rId34"/>
   </p:notesMasterIdLst>
   <p:sldIdLst>
     <p:sldId id="256" r:id="rId2"/>
@@ -34,9 +34,12 @@
     <p:sldId id="325" r:id="rId25"/>
     <p:sldId id="326" r:id="rId26"/>
     <p:sldId id="330" r:id="rId27"/>
-    <p:sldId id="331" r:id="rId28"/>
-    <p:sldId id="327" r:id="rId29"/>
-    <p:sldId id="329" r:id="rId30"/>
+    <p:sldId id="327" r:id="rId28"/>
+    <p:sldId id="333" r:id="rId29"/>
+    <p:sldId id="334" r:id="rId30"/>
+    <p:sldId id="331" r:id="rId31"/>
+    <p:sldId id="332" r:id="rId32"/>
+    <p:sldId id="329" r:id="rId33"/>
   </p:sldIdLst>
   <p:sldSz cx="9906000" cy="6858000" type="A4"/>
   <p:notesSz cx="6797675" cy="9926638"/>
@@ -166,8 +169,11 @@
             <p14:sldId id="325"/>
             <p14:sldId id="326"/>
             <p14:sldId id="330"/>
+            <p14:sldId id="327"/>
+            <p14:sldId id="333"/>
+            <p14:sldId id="334"/>
             <p14:sldId id="331"/>
-            <p14:sldId id="327"/>
+            <p14:sldId id="332"/>
             <p14:sldId id="329"/>
           </p14:sldIdLst>
         </p14:section>
@@ -293,7 +299,7 @@
           <a:p>
             <a:fld id="{D8A39DB1-8325-48EE-BEF6-3041915F6829}" type="datetimeFigureOut">
               <a:rPr lang="ko-KR" altLang="en-US" smtClean="0"/>
-              <a:t>2021-10-15</a:t>
+              <a:t>2021-10-17</a:t>
             </a:fld>
             <a:endParaRPr lang="ko-KR" altLang="en-US"/>
           </a:p>
@@ -17303,15 +17309,7 @@
             </a:pPr>
             <a:r>
               <a:rPr lang="en-US" altLang="ko-KR" dirty="0"/>
-              <a:t>(</a:t>
-            </a:r>
-            <a:r>
-              <a:rPr lang="ko-KR" altLang="en-US" dirty="0"/>
-              <a:t>단계별 </a:t>
-            </a:r>
-            <a:r>
-              <a:rPr lang="en-US" altLang="ko-KR" dirty="0"/>
-              <a:t>ID</a:t>
+              <a:t>(ID</a:t>
             </a:r>
             <a:r>
               <a:rPr lang="ko-KR" altLang="en-US" dirty="0"/>
@@ -18214,8 +18212,8 @@
         </p:nvSpPr>
         <p:spPr>
           <a:xfrm>
-            <a:off x="220453" y="738231"/>
-            <a:ext cx="7154523" cy="5155066"/>
+            <a:off x="363984" y="824496"/>
+            <a:ext cx="4826578" cy="1253998"/>
           </a:xfrm>
           <a:prstGeom prst="rect">
             <a:avLst/>
@@ -18253,7 +18251,19 @@
             </a:pPr>
             <a:r>
               <a:rPr lang="en-US" altLang="ko-KR" sz="1300" dirty="0"/>
-              <a:t>     1. TABLE FULL SCAN : </a:t>
+              <a:t>     1. </a:t>
+            </a:r>
+            <a:r>
+              <a:rPr lang="en-US" altLang="ko-KR" sz="1300" b="1" dirty="0">
+                <a:solidFill>
+                  <a:srgbClr val="FF0000"/>
+                </a:solidFill>
+              </a:rPr>
+              <a:t>TABLE FULL SCAN </a:t>
+            </a:r>
+            <a:r>
+              <a:rPr lang="en-US" altLang="ko-KR" sz="1300" dirty="0"/>
+              <a:t>: </a:t>
             </a:r>
             <a:r>
               <a:rPr lang="ko-KR" altLang="en-US" sz="1300" dirty="0"/>
@@ -18291,7 +18301,19 @@
             </a:pPr>
             <a:r>
               <a:rPr lang="en-US" altLang="ko-KR" sz="1300" dirty="0"/>
-              <a:t>     3. INDEX SCAN       : </a:t>
+              <a:t>     3. </a:t>
+            </a:r>
+            <a:r>
+              <a:rPr lang="en-US" altLang="ko-KR" sz="1300" b="1" dirty="0">
+                <a:solidFill>
+                  <a:srgbClr val="FF0000"/>
+                </a:solidFill>
+              </a:rPr>
+              <a:t>INDEX SCAN</a:t>
+            </a:r>
+            <a:r>
+              <a:rPr lang="en-US" altLang="ko-KR" sz="1300" dirty="0"/>
+              <a:t>       : </a:t>
             </a:r>
             <a:r>
               <a:rPr lang="ko-KR" altLang="en-US" sz="1300" dirty="0"/>
@@ -18301,281 +18323,427 @@
               <a:rPr lang="en-US" altLang="ko-KR" sz="1300" dirty="0"/>
               <a:t>SCAN</a:t>
             </a:r>
-          </a:p>
-          <a:p>
-            <a:pPr>
-              <a:lnSpc>
-                <a:spcPct val="150000"/>
-              </a:lnSpc>
-            </a:pPr>
-            <a:endParaRPr lang="en-US" altLang="ko-KR" sz="1300" dirty="0"/>
-          </a:p>
-          <a:p>
-            <a:pPr marL="285750" indent="-285750">
-              <a:lnSpc>
-                <a:spcPct val="150000"/>
-              </a:lnSpc>
-              <a:buFont typeface="Arial" panose="020B0604020202020204" pitchFamily="34" charset="0"/>
-              <a:buChar char="•"/>
-            </a:pPr>
-            <a:r>
-              <a:rPr lang="ko-KR" altLang="en-US" sz="1300" dirty="0"/>
-              <a:t>개발자들의 편견     </a:t>
-            </a:r>
-            <a:r>
-              <a:rPr lang="en-US" altLang="ko-KR" sz="1300" dirty="0"/>
-              <a:t>: TABLE FULL SCAN</a:t>
-            </a:r>
-            <a:r>
-              <a:rPr lang="ko-KR" altLang="en-US" sz="1300" dirty="0"/>
-              <a:t>은 성능이 좋지 않고</a:t>
-            </a:r>
-            <a:r>
-              <a:rPr lang="en-US" altLang="ko-KR" sz="1300" dirty="0"/>
-              <a:t>, INDEX SCAN</a:t>
-            </a:r>
-            <a:r>
-              <a:rPr lang="ko-KR" altLang="en-US" sz="1300" dirty="0"/>
-              <a:t>은 성능이 좋음</a:t>
-            </a:r>
-            <a:endParaRPr lang="en-US" altLang="ko-KR" sz="1300" dirty="0"/>
-          </a:p>
-          <a:p>
-            <a:pPr marL="285750" indent="-285750">
-              <a:lnSpc>
-                <a:spcPct val="150000"/>
-              </a:lnSpc>
-              <a:buFont typeface="Arial" panose="020B0604020202020204" pitchFamily="34" charset="0"/>
-              <a:buChar char="•"/>
-            </a:pPr>
-            <a:r>
-              <a:rPr lang="en-US" altLang="ko-KR" sz="1300" dirty="0"/>
-              <a:t>INDEX SCAN        : </a:t>
-            </a:r>
-            <a:r>
-              <a:rPr lang="ko-KR" altLang="en-US" sz="1300" dirty="0"/>
-              <a:t>많은 데이터에서 일부분만 </a:t>
-            </a:r>
-            <a:r>
-              <a:rPr lang="en-US" altLang="ko-KR" sz="1300" dirty="0"/>
-              <a:t>SELECT</a:t>
-            </a:r>
-            <a:r>
-              <a:rPr lang="ko-KR" altLang="en-US" sz="1300" dirty="0"/>
-              <a:t>하는 경우 유리함</a:t>
-            </a:r>
-            <a:endParaRPr lang="en-US" altLang="ko-KR" sz="1300" dirty="0"/>
-          </a:p>
-          <a:p>
-            <a:pPr marL="285750" indent="-285750">
-              <a:lnSpc>
-                <a:spcPct val="150000"/>
-              </a:lnSpc>
-              <a:buFont typeface="Arial" panose="020B0604020202020204" pitchFamily="34" charset="0"/>
-              <a:buChar char="•"/>
-            </a:pPr>
-            <a:r>
-              <a:rPr lang="en-US" altLang="ko-KR" sz="1300" dirty="0"/>
-              <a:t>TABLE FULL SCAN : </a:t>
-            </a:r>
-            <a:r>
-              <a:rPr lang="ko-KR" altLang="en-US" sz="1300" dirty="0"/>
-              <a:t>대부분의 데이터를 </a:t>
-            </a:r>
-            <a:r>
-              <a:rPr lang="en-US" altLang="ko-KR" sz="1300" dirty="0"/>
-              <a:t>SELECT</a:t>
-            </a:r>
-            <a:r>
-              <a:rPr lang="ko-KR" altLang="en-US" sz="1300" dirty="0"/>
-              <a:t>하는 경우 유리함</a:t>
-            </a:r>
-            <a:endParaRPr lang="en-US" altLang="ko-KR" sz="1300" dirty="0"/>
-          </a:p>
-          <a:p>
-            <a:pPr marL="285750" indent="-285750">
-              <a:lnSpc>
-                <a:spcPct val="150000"/>
-              </a:lnSpc>
-              <a:buFont typeface="Arial" panose="020B0604020202020204" pitchFamily="34" charset="0"/>
-              <a:buChar char="•"/>
-            </a:pPr>
-            <a:endParaRPr lang="en-US" altLang="ko-KR" sz="1300" dirty="0"/>
-          </a:p>
-          <a:p>
-            <a:pPr marL="285750" indent="-285750">
-              <a:lnSpc>
-                <a:spcPct val="150000"/>
-              </a:lnSpc>
-              <a:buFont typeface="Arial" panose="020B0604020202020204" pitchFamily="34" charset="0"/>
-              <a:buChar char="•"/>
-            </a:pPr>
-            <a:r>
-              <a:rPr lang="en-US" altLang="ko-KR" sz="1300" dirty="0"/>
-              <a:t>TABLE FULL SCAN</a:t>
-            </a:r>
-            <a:r>
-              <a:rPr lang="ko-KR" altLang="en-US" sz="1300" dirty="0"/>
-              <a:t>을 선택하는 경우</a:t>
-            </a:r>
-            <a:endParaRPr lang="en-US" altLang="ko-KR" sz="1300" dirty="0"/>
-          </a:p>
-          <a:p>
-            <a:pPr>
-              <a:lnSpc>
-                <a:spcPct val="150000"/>
-              </a:lnSpc>
-            </a:pPr>
-            <a:r>
-              <a:rPr lang="en-US" altLang="ko-KR" sz="1300" dirty="0"/>
-              <a:t>     1. </a:t>
-            </a:r>
-            <a:r>
-              <a:rPr lang="ko-KR" altLang="en-US" sz="1300" dirty="0"/>
-              <a:t>조건절의 컬럼에 </a:t>
-            </a:r>
-            <a:r>
-              <a:rPr lang="en-US" altLang="ko-KR" sz="1300" dirty="0"/>
-              <a:t>INDEX</a:t>
-            </a:r>
-            <a:r>
-              <a:rPr lang="ko-KR" altLang="en-US" sz="1300" dirty="0"/>
-              <a:t>가 없는 경우</a:t>
-            </a:r>
-            <a:endParaRPr lang="en-US" altLang="ko-KR" sz="1300" dirty="0"/>
-          </a:p>
-          <a:p>
-            <a:pPr>
-              <a:lnSpc>
-                <a:spcPct val="150000"/>
-              </a:lnSpc>
-            </a:pPr>
-            <a:r>
-              <a:rPr lang="en-US" altLang="ko-KR" sz="1300" dirty="0"/>
-              <a:t>     2. INDEX</a:t>
-            </a:r>
-            <a:r>
-              <a:rPr lang="ko-KR" altLang="en-US" sz="1300" dirty="0"/>
-              <a:t>가 있으나</a:t>
-            </a:r>
-            <a:r>
-              <a:rPr lang="en-US" altLang="ko-KR" sz="1300" dirty="0"/>
-              <a:t>, </a:t>
-            </a:r>
-            <a:r>
-              <a:rPr lang="ko-KR" altLang="en-US" sz="1300" dirty="0"/>
-              <a:t>조건을 만족하는 데이터가 테이블의 많은 양을 차지하는 경우</a:t>
-            </a:r>
-            <a:endParaRPr lang="en-US" altLang="ko-KR" sz="1300" dirty="0"/>
-          </a:p>
-          <a:p>
-            <a:pPr>
-              <a:lnSpc>
-                <a:spcPct val="150000"/>
-              </a:lnSpc>
-            </a:pPr>
-            <a:r>
-              <a:rPr lang="en-US" altLang="ko-KR" sz="1300" dirty="0"/>
-              <a:t>     3. INDEX</a:t>
-            </a:r>
-            <a:r>
-              <a:rPr lang="ko-KR" altLang="en-US" sz="1300" dirty="0"/>
-              <a:t>가 있으나</a:t>
-            </a:r>
-            <a:r>
-              <a:rPr lang="en-US" altLang="ko-KR" sz="1300" dirty="0"/>
-              <a:t>, </a:t>
-            </a:r>
-            <a:r>
-              <a:rPr lang="ko-KR" altLang="en-US" sz="1300" dirty="0"/>
-              <a:t>테이블의 데이터가 적어 </a:t>
-            </a:r>
-            <a:r>
-              <a:rPr lang="en-US" altLang="ko-KR" sz="1300" dirty="0"/>
-              <a:t>FULL SCAN</a:t>
-            </a:r>
-            <a:r>
-              <a:rPr lang="ko-KR" altLang="en-US" sz="1300" dirty="0"/>
-              <a:t>이 유리한 경우</a:t>
-            </a:r>
-            <a:endParaRPr lang="en-US" altLang="ko-KR" sz="1300" dirty="0"/>
-          </a:p>
-          <a:p>
-            <a:pPr>
-              <a:lnSpc>
-                <a:spcPct val="150000"/>
-              </a:lnSpc>
-            </a:pPr>
-            <a:endParaRPr lang="en-US" altLang="ko-KR" sz="1300" dirty="0"/>
-          </a:p>
-          <a:p>
-            <a:pPr marL="285750" indent="-285750">
-              <a:lnSpc>
-                <a:spcPct val="150000"/>
-              </a:lnSpc>
-              <a:buFont typeface="Arial" panose="020B0604020202020204" pitchFamily="34" charset="0"/>
-              <a:buChar char="•"/>
-            </a:pPr>
-            <a:r>
-              <a:rPr lang="en-US" altLang="ko-KR" sz="1300" dirty="0"/>
-              <a:t>ROWID SCAN</a:t>
-            </a:r>
-            <a:r>
-              <a:rPr lang="ko-KR" altLang="en-US" sz="1300" dirty="0"/>
-              <a:t>을 선택하는 경우</a:t>
-            </a:r>
-            <a:endParaRPr lang="en-US" altLang="ko-KR" sz="1300" dirty="0"/>
-          </a:p>
-          <a:p>
-            <a:pPr>
-              <a:lnSpc>
-                <a:spcPct val="150000"/>
-              </a:lnSpc>
-            </a:pPr>
-            <a:r>
-              <a:rPr lang="en-US" altLang="ko-KR" sz="1300" dirty="0"/>
-              <a:t>     1. </a:t>
-            </a:r>
-            <a:r>
-              <a:rPr lang="ko-KR" altLang="en-US" sz="1300" dirty="0"/>
-              <a:t>조건절에 </a:t>
-            </a:r>
-            <a:r>
-              <a:rPr lang="en-US" altLang="ko-KR" sz="1300" dirty="0"/>
-              <a:t>ROWID</a:t>
-            </a:r>
-            <a:r>
-              <a:rPr lang="ko-KR" altLang="en-US" sz="1300" dirty="0"/>
-              <a:t>를 명시하는 경우</a:t>
-            </a:r>
-            <a:endParaRPr lang="en-US" altLang="ko-KR" sz="1300" dirty="0"/>
-          </a:p>
-          <a:p>
-            <a:pPr>
-              <a:lnSpc>
-                <a:spcPct val="150000"/>
-              </a:lnSpc>
-            </a:pPr>
-            <a:r>
-              <a:rPr lang="en-US" altLang="ko-KR" sz="1300" dirty="0"/>
-              <a:t>     2. INDEX SCAN</a:t>
-            </a:r>
-            <a:r>
-              <a:rPr lang="ko-KR" altLang="en-US" sz="1300" dirty="0"/>
-              <a:t>을 통해 </a:t>
-            </a:r>
-            <a:r>
-              <a:rPr lang="en-US" altLang="ko-KR" sz="1300" dirty="0"/>
-              <a:t>ROWID</a:t>
-            </a:r>
-            <a:r>
-              <a:rPr lang="ko-KR" altLang="en-US" sz="1300" dirty="0"/>
-              <a:t> 조회 후 테이블에 접근할 경우</a:t>
-            </a:r>
-            <a:endParaRPr lang="en-US" altLang="ko-KR" sz="1300" dirty="0"/>
           </a:p>
         </p:txBody>
       </p:sp>
+      <p:grpSp>
+        <p:nvGrpSpPr>
+          <p:cNvPr id="6" name="그룹 5">
+            <a:extLst>
+              <a:ext uri="{FF2B5EF4-FFF2-40B4-BE49-F238E27FC236}">
+                <a16:creationId xmlns:a16="http://schemas.microsoft.com/office/drawing/2014/main" id="{EC3F6FBA-4341-475B-BA79-D43ADC33E4D5}"/>
+              </a:ext>
+            </a:extLst>
+          </p:cNvPr>
+          <p:cNvGrpSpPr/>
+          <p:nvPr/>
+        </p:nvGrpSpPr>
+        <p:grpSpPr>
+          <a:xfrm>
+            <a:off x="363984" y="2441349"/>
+            <a:ext cx="7538444" cy="2973136"/>
+            <a:chOff x="363984" y="1103915"/>
+            <a:chExt cx="7538444" cy="2973136"/>
+          </a:xfrm>
+        </p:grpSpPr>
+        <p:sp>
+          <p:nvSpPr>
+            <p:cNvPr id="7" name="직사각형 6">
+              <a:extLst>
+                <a:ext uri="{FF2B5EF4-FFF2-40B4-BE49-F238E27FC236}">
+                  <a16:creationId xmlns:a16="http://schemas.microsoft.com/office/drawing/2014/main" id="{40BEC6FF-6CA7-4E27-9BA1-5D5BBC4A4364}"/>
+                </a:ext>
+              </a:extLst>
+            </p:cNvPr>
+            <p:cNvSpPr/>
+            <p:nvPr/>
+          </p:nvSpPr>
+          <p:spPr>
+            <a:xfrm>
+              <a:off x="366747" y="1456089"/>
+              <a:ext cx="7535681" cy="2620962"/>
+            </a:xfrm>
+            <a:prstGeom prst="rect">
+              <a:avLst/>
+            </a:prstGeom>
+            <a:noFill/>
+          </p:spPr>
+          <p:style>
+            <a:lnRef idx="2">
+              <a:schemeClr val="accent1">
+                <a:shade val="50000"/>
+              </a:schemeClr>
+            </a:lnRef>
+            <a:fillRef idx="1">
+              <a:schemeClr val="accent1"/>
+            </a:fillRef>
+            <a:effectRef idx="0">
+              <a:schemeClr val="accent1"/>
+            </a:effectRef>
+            <a:fontRef idx="minor">
+              <a:schemeClr val="lt1"/>
+            </a:fontRef>
+          </p:style>
+          <p:txBody>
+            <a:bodyPr rtlCol="0" anchor="ctr"/>
+            <a:lstStyle/>
+            <a:p>
+              <a:pPr algn="ctr"/>
+              <a:endParaRPr lang="ko-KR" altLang="en-US">
+                <a:latin typeface="나눔고딕" panose="020B0600000101010101" charset="-127"/>
+                <a:ea typeface="나눔고딕" panose="020B0600000101010101" charset="-127"/>
+              </a:endParaRPr>
+            </a:p>
+          </p:txBody>
+        </p:sp>
+        <p:sp>
+          <p:nvSpPr>
+            <p:cNvPr id="8" name="자유형 23">
+              <a:extLst>
+                <a:ext uri="{FF2B5EF4-FFF2-40B4-BE49-F238E27FC236}">
+                  <a16:creationId xmlns:a16="http://schemas.microsoft.com/office/drawing/2014/main" id="{8BCD5CE6-B1B5-44AE-A1DC-02AD34A29AA1}"/>
+                </a:ext>
+              </a:extLst>
+            </p:cNvPr>
+            <p:cNvSpPr>
+              <a:spLocks noChangeArrowheads="1"/>
+            </p:cNvSpPr>
+            <p:nvPr/>
+          </p:nvSpPr>
+          <p:spPr bwMode="gray">
+            <a:xfrm>
+              <a:off x="363984" y="1103915"/>
+              <a:ext cx="2344710" cy="352174"/>
+            </a:xfrm>
+            <a:custGeom>
+              <a:avLst/>
+              <a:gdLst>
+                <a:gd name="connsiteX0" fmla="*/ 48729 w 1587995"/>
+                <a:gd name="connsiteY0" fmla="*/ 0 h 292361"/>
+                <a:gd name="connsiteX1" fmla="*/ 1539267 w 1587995"/>
+                <a:gd name="connsiteY1" fmla="*/ 0 h 292361"/>
+                <a:gd name="connsiteX2" fmla="*/ 1587995 w 1587995"/>
+                <a:gd name="connsiteY2" fmla="*/ 48728 h 292361"/>
+                <a:gd name="connsiteX3" fmla="*/ 1587995 w 1587995"/>
+                <a:gd name="connsiteY3" fmla="*/ 243633 h 292361"/>
+                <a:gd name="connsiteX4" fmla="*/ 1587994 w 1587995"/>
+                <a:gd name="connsiteY4" fmla="*/ 243636 h 292361"/>
+                <a:gd name="connsiteX5" fmla="*/ 1587994 w 1587995"/>
+                <a:gd name="connsiteY5" fmla="*/ 292361 h 292361"/>
+                <a:gd name="connsiteX6" fmla="*/ 1539267 w 1587995"/>
+                <a:gd name="connsiteY6" fmla="*/ 292361 h 292361"/>
+                <a:gd name="connsiteX7" fmla="*/ 48729 w 1587995"/>
+                <a:gd name="connsiteY7" fmla="*/ 292361 h 292361"/>
+                <a:gd name="connsiteX8" fmla="*/ 0 w 1587995"/>
+                <a:gd name="connsiteY8" fmla="*/ 292361 h 292361"/>
+                <a:gd name="connsiteX9" fmla="*/ 0 w 1587995"/>
+                <a:gd name="connsiteY9" fmla="*/ 152400 h 292361"/>
+                <a:gd name="connsiteX10" fmla="*/ 1 w 1587995"/>
+                <a:gd name="connsiteY10" fmla="*/ 152400 h 292361"/>
+                <a:gd name="connsiteX11" fmla="*/ 1 w 1587995"/>
+                <a:gd name="connsiteY11" fmla="*/ 48728 h 292361"/>
+                <a:gd name="connsiteX12" fmla="*/ 48729 w 1587995"/>
+                <a:gd name="connsiteY12" fmla="*/ 0 h 292361"/>
+              </a:gdLst>
+              <a:ahLst/>
+              <a:cxnLst>
+                <a:cxn ang="0">
+                  <a:pos x="connsiteX0" y="connsiteY0"/>
+                </a:cxn>
+                <a:cxn ang="0">
+                  <a:pos x="connsiteX1" y="connsiteY1"/>
+                </a:cxn>
+                <a:cxn ang="0">
+                  <a:pos x="connsiteX2" y="connsiteY2"/>
+                </a:cxn>
+                <a:cxn ang="0">
+                  <a:pos x="connsiteX3" y="connsiteY3"/>
+                </a:cxn>
+                <a:cxn ang="0">
+                  <a:pos x="connsiteX4" y="connsiteY4"/>
+                </a:cxn>
+                <a:cxn ang="0">
+                  <a:pos x="connsiteX5" y="connsiteY5"/>
+                </a:cxn>
+                <a:cxn ang="0">
+                  <a:pos x="connsiteX6" y="connsiteY6"/>
+                </a:cxn>
+                <a:cxn ang="0">
+                  <a:pos x="connsiteX7" y="connsiteY7"/>
+                </a:cxn>
+                <a:cxn ang="0">
+                  <a:pos x="connsiteX8" y="connsiteY8"/>
+                </a:cxn>
+                <a:cxn ang="0">
+                  <a:pos x="connsiteX9" y="connsiteY9"/>
+                </a:cxn>
+                <a:cxn ang="0">
+                  <a:pos x="connsiteX10" y="connsiteY10"/>
+                </a:cxn>
+                <a:cxn ang="0">
+                  <a:pos x="connsiteX11" y="connsiteY11"/>
+                </a:cxn>
+                <a:cxn ang="0">
+                  <a:pos x="connsiteX12" y="connsiteY12"/>
+                </a:cxn>
+              </a:cxnLst>
+              <a:rect l="l" t="t" r="r" b="b"/>
+              <a:pathLst>
+                <a:path w="1587995" h="292361">
+                  <a:moveTo>
+                    <a:pt x="48729" y="0"/>
+                  </a:moveTo>
+                  <a:lnTo>
+                    <a:pt x="1539267" y="0"/>
+                  </a:lnTo>
+                  <a:cubicBezTo>
+                    <a:pt x="1566179" y="0"/>
+                    <a:pt x="1587995" y="21816"/>
+                    <a:pt x="1587995" y="48728"/>
+                  </a:cubicBezTo>
+                  <a:lnTo>
+                    <a:pt x="1587995" y="243633"/>
+                  </a:lnTo>
+                  <a:lnTo>
+                    <a:pt x="1587994" y="243636"/>
+                  </a:lnTo>
+                  <a:lnTo>
+                    <a:pt x="1587994" y="292361"/>
+                  </a:lnTo>
+                  <a:lnTo>
+                    <a:pt x="1539267" y="292361"/>
+                  </a:lnTo>
+                  <a:lnTo>
+                    <a:pt x="48729" y="292361"/>
+                  </a:lnTo>
+                  <a:lnTo>
+                    <a:pt x="0" y="292361"/>
+                  </a:lnTo>
+                  <a:lnTo>
+                    <a:pt x="0" y="152400"/>
+                  </a:lnTo>
+                  <a:lnTo>
+                    <a:pt x="1" y="152400"/>
+                  </a:lnTo>
+                  <a:lnTo>
+                    <a:pt x="1" y="48728"/>
+                  </a:lnTo>
+                  <a:cubicBezTo>
+                    <a:pt x="1" y="21816"/>
+                    <a:pt x="21817" y="0"/>
+                    <a:pt x="48729" y="0"/>
+                  </a:cubicBezTo>
+                  <a:close/>
+                </a:path>
+              </a:pathLst>
+            </a:custGeom>
+            <a:solidFill>
+              <a:srgbClr val="002060"/>
+            </a:solidFill>
+            <a:ln w="9525" algn="ctr">
+              <a:solidFill>
+                <a:srgbClr val="002060"/>
+              </a:solidFill>
+              <a:miter lim="800000"/>
+              <a:headEnd/>
+              <a:tailEnd/>
+            </a:ln>
+            <a:effectLst>
+              <a:outerShdw blurRad="50800" dist="38100" dir="2700000" algn="tl" rotWithShape="0">
+                <a:prstClr val="black">
+                  <a:alpha val="40000"/>
+                </a:prstClr>
+              </a:outerShdw>
+            </a:effectLst>
+          </p:spPr>
+          <p:txBody>
+            <a:bodyPr wrap="square" lIns="72000" tIns="36000" rIns="72000" bIns="36000" anchor="ctr">
+              <a:noAutofit/>
+            </a:bodyPr>
+            <a:lstStyle/>
+            <a:p>
+              <a:pPr marR="0" lvl="0" algn="ctr" defTabSz="411163" eaLnBrk="0" fontAlgn="base" latinLnBrk="0" hangingPunct="0">
+                <a:spcBef>
+                  <a:spcPct val="0"/>
+                </a:spcBef>
+                <a:spcAft>
+                  <a:spcPct val="0"/>
+                </a:spcAft>
+                <a:buSzPct val="90000"/>
+                <a:tabLst>
+                  <a:tab pos="85725" algn="l"/>
+                </a:tabLst>
+                <a:defRPr/>
+              </a:pPr>
+              <a:r>
+                <a:rPr kumimoji="1" lang="ko-KR" altLang="en-US" sz="1200" b="1" i="0" u="none" strike="noStrike" kern="0" cap="none" spc="0" normalizeH="0" baseline="0" noProof="0" dirty="0">
+                  <a:ln>
+                    <a:noFill/>
+                  </a:ln>
+                  <a:solidFill>
+                    <a:schemeClr val="bg1"/>
+                  </a:solidFill>
+                  <a:effectLst/>
+                  <a:uLnTx/>
+                  <a:uFillTx/>
+                  <a:latin typeface="나눔고딕" panose="020B0600000101010101" charset="-127"/>
+                  <a:ea typeface="나눔고딕" panose="020B0600000101010101" charset="-127"/>
+                </a:rPr>
+                <a:t>실행계획 내 </a:t>
+              </a:r>
+              <a:r>
+                <a:rPr kumimoji="1" lang="en-US" altLang="ko-KR" sz="1200" b="1" i="0" u="none" strike="noStrike" kern="0" cap="none" spc="0" normalizeH="0" baseline="0" noProof="0" dirty="0">
+                  <a:ln>
+                    <a:noFill/>
+                  </a:ln>
+                  <a:solidFill>
+                    <a:schemeClr val="bg1"/>
+                  </a:solidFill>
+                  <a:effectLst/>
+                  <a:uLnTx/>
+                  <a:uFillTx/>
+                  <a:latin typeface="나눔고딕" panose="020B0600000101010101" charset="-127"/>
+                  <a:ea typeface="나눔고딕" panose="020B0600000101010101" charset="-127"/>
+                </a:rPr>
+                <a:t>SCAN OPERATION</a:t>
+              </a:r>
+            </a:p>
+          </p:txBody>
+        </p:sp>
+        <p:pic>
+          <p:nvPicPr>
+            <p:cNvPr id="9" name="Picture 2">
+              <a:extLst>
+                <a:ext uri="{FF2B5EF4-FFF2-40B4-BE49-F238E27FC236}">
+                  <a16:creationId xmlns:a16="http://schemas.microsoft.com/office/drawing/2014/main" id="{AE74CFAF-7ED7-430B-BD05-C54E8A91DC15}"/>
+                </a:ext>
+              </a:extLst>
+            </p:cNvPr>
+            <p:cNvPicPr>
+              <a:picLocks noChangeAspect="1" noChangeArrowheads="1"/>
+            </p:cNvPicPr>
+            <p:nvPr/>
+          </p:nvPicPr>
+          <p:blipFill>
+            <a:blip r:embed="rId2">
+              <a:extLst>
+                <a:ext uri="{28A0092B-C50C-407E-A947-70E740481C1C}">
+                  <a14:useLocalDpi xmlns:a14="http://schemas.microsoft.com/office/drawing/2010/main" val="0"/>
+                </a:ext>
+              </a:extLst>
+            </a:blip>
+            <a:srcRect/>
+            <a:stretch>
+              <a:fillRect/>
+            </a:stretch>
+          </p:blipFill>
+          <p:spPr bwMode="auto">
+            <a:xfrm>
+              <a:off x="491616" y="1576872"/>
+              <a:ext cx="7229924" cy="2399708"/>
+            </a:xfrm>
+            <a:prstGeom prst="rect">
+              <a:avLst/>
+            </a:prstGeom>
+            <a:noFill/>
+            <a:extLst>
+              <a:ext uri="{909E8E84-426E-40DD-AFC4-6F175D3DCCD1}">
+                <a14:hiddenFill xmlns:a14="http://schemas.microsoft.com/office/drawing/2010/main">
+                  <a:solidFill>
+                    <a:srgbClr val="FFFFFF"/>
+                  </a:solidFill>
+                </a14:hiddenFill>
+              </a:ext>
+            </a:extLst>
+          </p:spPr>
+        </p:pic>
+      </p:grpSp>
+      <p:cxnSp>
+        <p:nvCxnSpPr>
+          <p:cNvPr id="10" name="직선 연결선 9">
+            <a:extLst>
+              <a:ext uri="{FF2B5EF4-FFF2-40B4-BE49-F238E27FC236}">
+                <a16:creationId xmlns:a16="http://schemas.microsoft.com/office/drawing/2014/main" id="{6B38D96C-6479-45EC-A5BC-8F87B3BE0926}"/>
+              </a:ext>
+            </a:extLst>
+          </p:cNvPr>
+          <p:cNvCxnSpPr>
+            <a:cxnSpLocks/>
+          </p:cNvCxnSpPr>
+          <p:nvPr/>
+        </p:nvCxnSpPr>
+        <p:spPr>
+          <a:xfrm>
+            <a:off x="1414133" y="5090607"/>
+            <a:ext cx="1294561" cy="0"/>
+          </a:xfrm>
+          <a:prstGeom prst="line">
+            <a:avLst/>
+          </a:prstGeom>
+          <a:ln w="19050">
+            <a:solidFill>
+              <a:srgbClr val="FF0000"/>
+            </a:solidFill>
+          </a:ln>
+        </p:spPr>
+        <p:style>
+          <a:lnRef idx="1">
+            <a:schemeClr val="accent1"/>
+          </a:lnRef>
+          <a:fillRef idx="0">
+            <a:schemeClr val="accent1"/>
+          </a:fillRef>
+          <a:effectRef idx="0">
+            <a:schemeClr val="accent1"/>
+          </a:effectRef>
+          <a:fontRef idx="minor">
+            <a:schemeClr val="tx1"/>
+          </a:fontRef>
+        </p:style>
+      </p:cxnSp>
+      <p:cxnSp>
+        <p:nvCxnSpPr>
+          <p:cNvPr id="13" name="직선 연결선 12">
+            <a:extLst>
+              <a:ext uri="{FF2B5EF4-FFF2-40B4-BE49-F238E27FC236}">
+                <a16:creationId xmlns:a16="http://schemas.microsoft.com/office/drawing/2014/main" id="{1727584E-D257-4367-B48B-7CCBE5FE064E}"/>
+              </a:ext>
+            </a:extLst>
+          </p:cNvPr>
+          <p:cNvCxnSpPr>
+            <a:cxnSpLocks/>
+          </p:cNvCxnSpPr>
+          <p:nvPr/>
+        </p:nvCxnSpPr>
+        <p:spPr>
+          <a:xfrm>
+            <a:off x="1414133" y="4621905"/>
+            <a:ext cx="1294561" cy="0"/>
+          </a:xfrm>
+          <a:prstGeom prst="line">
+            <a:avLst/>
+          </a:prstGeom>
+          <a:ln w="19050">
+            <a:solidFill>
+              <a:srgbClr val="FF0000"/>
+            </a:solidFill>
+          </a:ln>
+        </p:spPr>
+        <p:style>
+          <a:lnRef idx="1">
+            <a:schemeClr val="accent1"/>
+          </a:lnRef>
+          <a:fillRef idx="0">
+            <a:schemeClr val="accent1"/>
+          </a:fillRef>
+          <a:effectRef idx="0">
+            <a:schemeClr val="accent1"/>
+          </a:effectRef>
+          <a:fontRef idx="minor">
+            <a:schemeClr val="tx1"/>
+          </a:fontRef>
+        </p:style>
+      </p:cxnSp>
     </p:spTree>
     <p:extLst>
       <p:ext uri="{BB962C8B-B14F-4D97-AF65-F5344CB8AC3E}">
@@ -18632,7 +18800,7 @@
                 <a:latin typeface="나눔고딕" panose="020B0600000101010101" charset="-127"/>
                 <a:ea typeface="나눔고딕" panose="020B0600000101010101" charset="-127"/>
               </a:rPr>
-              <a:t>3. SCAN OPERATION</a:t>
+              <a:t>4. TABLE FULL SCAN</a:t>
             </a:r>
             <a:endParaRPr lang="ko-KR" altLang="en-US" dirty="0">
               <a:latin typeface="나눔고딕" panose="020B0600000101010101" charset="-127"/>
@@ -18726,12 +18894,311 @@
           </a:p>
         </p:txBody>
       </p:sp>
+      <p:grpSp>
+        <p:nvGrpSpPr>
+          <p:cNvPr id="3" name="그룹 2">
+            <a:extLst>
+              <a:ext uri="{FF2B5EF4-FFF2-40B4-BE49-F238E27FC236}">
+                <a16:creationId xmlns:a16="http://schemas.microsoft.com/office/drawing/2014/main" id="{A086BB5D-78B4-45E3-82CD-5DA7940A0BE7}"/>
+              </a:ext>
+            </a:extLst>
+          </p:cNvPr>
+          <p:cNvGrpSpPr/>
+          <p:nvPr/>
+        </p:nvGrpSpPr>
+        <p:grpSpPr>
+          <a:xfrm>
+            <a:off x="2414723" y="2026640"/>
+            <a:ext cx="4980493" cy="3450598"/>
+            <a:chOff x="1084638" y="850269"/>
+            <a:chExt cx="7736721" cy="4776649"/>
+          </a:xfrm>
+        </p:grpSpPr>
+        <p:pic>
+          <p:nvPicPr>
+            <p:cNvPr id="11" name="그림 10">
+              <a:extLst>
+                <a:ext uri="{FF2B5EF4-FFF2-40B4-BE49-F238E27FC236}">
+                  <a16:creationId xmlns:a16="http://schemas.microsoft.com/office/drawing/2014/main" id="{CF5729D9-F261-412E-B38F-AF76D06E0E5A}"/>
+                </a:ext>
+              </a:extLst>
+            </p:cNvPr>
+            <p:cNvPicPr>
+              <a:picLocks noChangeAspect="1"/>
+            </p:cNvPicPr>
+            <p:nvPr/>
+          </p:nvPicPr>
+          <p:blipFill>
+            <a:blip r:embed="rId2"/>
+            <a:stretch>
+              <a:fillRect/>
+            </a:stretch>
+          </p:blipFill>
+          <p:spPr>
+            <a:xfrm>
+              <a:off x="1084642" y="1156815"/>
+              <a:ext cx="7736717" cy="4470103"/>
+            </a:xfrm>
+            <a:prstGeom prst="rect">
+              <a:avLst/>
+            </a:prstGeom>
+          </p:spPr>
+        </p:pic>
+        <p:sp>
+          <p:nvSpPr>
+            <p:cNvPr id="6" name="직사각형 5">
+              <a:extLst>
+                <a:ext uri="{FF2B5EF4-FFF2-40B4-BE49-F238E27FC236}">
+                  <a16:creationId xmlns:a16="http://schemas.microsoft.com/office/drawing/2014/main" id="{2438CC5E-8A61-4CE1-B59B-A184B0FF351D}"/>
+                </a:ext>
+              </a:extLst>
+            </p:cNvPr>
+            <p:cNvSpPr/>
+            <p:nvPr/>
+          </p:nvSpPr>
+          <p:spPr>
+            <a:xfrm>
+              <a:off x="1084641" y="1202443"/>
+              <a:ext cx="7662544" cy="4378848"/>
+            </a:xfrm>
+            <a:prstGeom prst="rect">
+              <a:avLst/>
+            </a:prstGeom>
+            <a:noFill/>
+          </p:spPr>
+          <p:style>
+            <a:lnRef idx="2">
+              <a:schemeClr val="accent1">
+                <a:shade val="50000"/>
+              </a:schemeClr>
+            </a:lnRef>
+            <a:fillRef idx="1">
+              <a:schemeClr val="accent1"/>
+            </a:fillRef>
+            <a:effectRef idx="0">
+              <a:schemeClr val="accent1"/>
+            </a:effectRef>
+            <a:fontRef idx="minor">
+              <a:schemeClr val="lt1"/>
+            </a:fontRef>
+          </p:style>
+          <p:txBody>
+            <a:bodyPr rtlCol="0" anchor="ctr"/>
+            <a:lstStyle/>
+            <a:p>
+              <a:pPr algn="ctr"/>
+              <a:endParaRPr lang="ko-KR" altLang="en-US">
+                <a:latin typeface="나눔고딕" panose="020B0600000101010101" charset="-127"/>
+                <a:ea typeface="나눔고딕" panose="020B0600000101010101" charset="-127"/>
+              </a:endParaRPr>
+            </a:p>
+          </p:txBody>
+        </p:sp>
+        <p:sp>
+          <p:nvSpPr>
+            <p:cNvPr id="8" name="자유형 23">
+              <a:extLst>
+                <a:ext uri="{FF2B5EF4-FFF2-40B4-BE49-F238E27FC236}">
+                  <a16:creationId xmlns:a16="http://schemas.microsoft.com/office/drawing/2014/main" id="{5740F4AD-9ABA-4A89-AEAF-317F52A355FD}"/>
+                </a:ext>
+              </a:extLst>
+            </p:cNvPr>
+            <p:cNvSpPr>
+              <a:spLocks noChangeArrowheads="1"/>
+            </p:cNvSpPr>
+            <p:nvPr/>
+          </p:nvSpPr>
+          <p:spPr bwMode="gray">
+            <a:xfrm>
+              <a:off x="1084638" y="850269"/>
+              <a:ext cx="2283568" cy="352175"/>
+            </a:xfrm>
+            <a:custGeom>
+              <a:avLst/>
+              <a:gdLst>
+                <a:gd name="connsiteX0" fmla="*/ 48729 w 1587995"/>
+                <a:gd name="connsiteY0" fmla="*/ 0 h 292361"/>
+                <a:gd name="connsiteX1" fmla="*/ 1539267 w 1587995"/>
+                <a:gd name="connsiteY1" fmla="*/ 0 h 292361"/>
+                <a:gd name="connsiteX2" fmla="*/ 1587995 w 1587995"/>
+                <a:gd name="connsiteY2" fmla="*/ 48728 h 292361"/>
+                <a:gd name="connsiteX3" fmla="*/ 1587995 w 1587995"/>
+                <a:gd name="connsiteY3" fmla="*/ 243633 h 292361"/>
+                <a:gd name="connsiteX4" fmla="*/ 1587994 w 1587995"/>
+                <a:gd name="connsiteY4" fmla="*/ 243636 h 292361"/>
+                <a:gd name="connsiteX5" fmla="*/ 1587994 w 1587995"/>
+                <a:gd name="connsiteY5" fmla="*/ 292361 h 292361"/>
+                <a:gd name="connsiteX6" fmla="*/ 1539267 w 1587995"/>
+                <a:gd name="connsiteY6" fmla="*/ 292361 h 292361"/>
+                <a:gd name="connsiteX7" fmla="*/ 48729 w 1587995"/>
+                <a:gd name="connsiteY7" fmla="*/ 292361 h 292361"/>
+                <a:gd name="connsiteX8" fmla="*/ 0 w 1587995"/>
+                <a:gd name="connsiteY8" fmla="*/ 292361 h 292361"/>
+                <a:gd name="connsiteX9" fmla="*/ 0 w 1587995"/>
+                <a:gd name="connsiteY9" fmla="*/ 152400 h 292361"/>
+                <a:gd name="connsiteX10" fmla="*/ 1 w 1587995"/>
+                <a:gd name="connsiteY10" fmla="*/ 152400 h 292361"/>
+                <a:gd name="connsiteX11" fmla="*/ 1 w 1587995"/>
+                <a:gd name="connsiteY11" fmla="*/ 48728 h 292361"/>
+                <a:gd name="connsiteX12" fmla="*/ 48729 w 1587995"/>
+                <a:gd name="connsiteY12" fmla="*/ 0 h 292361"/>
+              </a:gdLst>
+              <a:ahLst/>
+              <a:cxnLst>
+                <a:cxn ang="0">
+                  <a:pos x="connsiteX0" y="connsiteY0"/>
+                </a:cxn>
+                <a:cxn ang="0">
+                  <a:pos x="connsiteX1" y="connsiteY1"/>
+                </a:cxn>
+                <a:cxn ang="0">
+                  <a:pos x="connsiteX2" y="connsiteY2"/>
+                </a:cxn>
+                <a:cxn ang="0">
+                  <a:pos x="connsiteX3" y="connsiteY3"/>
+                </a:cxn>
+                <a:cxn ang="0">
+                  <a:pos x="connsiteX4" y="connsiteY4"/>
+                </a:cxn>
+                <a:cxn ang="0">
+                  <a:pos x="connsiteX5" y="connsiteY5"/>
+                </a:cxn>
+                <a:cxn ang="0">
+                  <a:pos x="connsiteX6" y="connsiteY6"/>
+                </a:cxn>
+                <a:cxn ang="0">
+                  <a:pos x="connsiteX7" y="connsiteY7"/>
+                </a:cxn>
+                <a:cxn ang="0">
+                  <a:pos x="connsiteX8" y="connsiteY8"/>
+                </a:cxn>
+                <a:cxn ang="0">
+                  <a:pos x="connsiteX9" y="connsiteY9"/>
+                </a:cxn>
+                <a:cxn ang="0">
+                  <a:pos x="connsiteX10" y="connsiteY10"/>
+                </a:cxn>
+                <a:cxn ang="0">
+                  <a:pos x="connsiteX11" y="connsiteY11"/>
+                </a:cxn>
+                <a:cxn ang="0">
+                  <a:pos x="connsiteX12" y="connsiteY12"/>
+                </a:cxn>
+              </a:cxnLst>
+              <a:rect l="l" t="t" r="r" b="b"/>
+              <a:pathLst>
+                <a:path w="1587995" h="292361">
+                  <a:moveTo>
+                    <a:pt x="48729" y="0"/>
+                  </a:moveTo>
+                  <a:lnTo>
+                    <a:pt x="1539267" y="0"/>
+                  </a:lnTo>
+                  <a:cubicBezTo>
+                    <a:pt x="1566179" y="0"/>
+                    <a:pt x="1587995" y="21816"/>
+                    <a:pt x="1587995" y="48728"/>
+                  </a:cubicBezTo>
+                  <a:lnTo>
+                    <a:pt x="1587995" y="243633"/>
+                  </a:lnTo>
+                  <a:lnTo>
+                    <a:pt x="1587994" y="243636"/>
+                  </a:lnTo>
+                  <a:lnTo>
+                    <a:pt x="1587994" y="292361"/>
+                  </a:lnTo>
+                  <a:lnTo>
+                    <a:pt x="1539267" y="292361"/>
+                  </a:lnTo>
+                  <a:lnTo>
+                    <a:pt x="48729" y="292361"/>
+                  </a:lnTo>
+                  <a:lnTo>
+                    <a:pt x="0" y="292361"/>
+                  </a:lnTo>
+                  <a:lnTo>
+                    <a:pt x="0" y="152400"/>
+                  </a:lnTo>
+                  <a:lnTo>
+                    <a:pt x="1" y="152400"/>
+                  </a:lnTo>
+                  <a:lnTo>
+                    <a:pt x="1" y="48728"/>
+                  </a:lnTo>
+                  <a:cubicBezTo>
+                    <a:pt x="1" y="21816"/>
+                    <a:pt x="21817" y="0"/>
+                    <a:pt x="48729" y="0"/>
+                  </a:cubicBezTo>
+                  <a:close/>
+                </a:path>
+              </a:pathLst>
+            </a:custGeom>
+            <a:solidFill>
+              <a:srgbClr val="002060"/>
+            </a:solidFill>
+            <a:ln w="9525" algn="ctr">
+              <a:solidFill>
+                <a:srgbClr val="002060"/>
+              </a:solidFill>
+              <a:miter lim="800000"/>
+              <a:headEnd/>
+              <a:tailEnd/>
+            </a:ln>
+            <a:effectLst>
+              <a:outerShdw blurRad="50800" dist="38100" dir="2700000" algn="tl" rotWithShape="0">
+                <a:prstClr val="black">
+                  <a:alpha val="40000"/>
+                </a:prstClr>
+              </a:outerShdw>
+            </a:effectLst>
+          </p:spPr>
+          <p:txBody>
+            <a:bodyPr wrap="square" lIns="72000" tIns="36000" rIns="72000" bIns="36000" anchor="ctr">
+              <a:noAutofit/>
+            </a:bodyPr>
+            <a:lstStyle/>
+            <a:p>
+              <a:pPr marR="0" lvl="0" algn="ctr" defTabSz="411163" eaLnBrk="0" fontAlgn="base" latinLnBrk="0" hangingPunct="0">
+                <a:spcBef>
+                  <a:spcPct val="0"/>
+                </a:spcBef>
+                <a:spcAft>
+                  <a:spcPct val="0"/>
+                </a:spcAft>
+                <a:buSzPct val="90000"/>
+                <a:tabLst>
+                  <a:tab pos="85725" algn="l"/>
+                </a:tabLst>
+                <a:defRPr/>
+              </a:pPr>
+              <a:r>
+                <a:rPr kumimoji="1" lang="en-US" altLang="ko-KR" sz="1200" b="1" i="0" u="none" strike="noStrike" kern="0" cap="none" spc="0" normalizeH="0" baseline="0" noProof="0" dirty="0">
+                  <a:ln>
+                    <a:noFill/>
+                  </a:ln>
+                  <a:solidFill>
+                    <a:schemeClr val="bg1"/>
+                  </a:solidFill>
+                  <a:effectLst/>
+                  <a:uLnTx/>
+                  <a:uFillTx/>
+                  <a:latin typeface="나눔고딕" panose="020B0600000101010101" charset="-127"/>
+                  <a:ea typeface="나눔고딕" panose="020B0600000101010101" charset="-127"/>
+                </a:rPr>
+                <a:t>TABLE FULL SCAN</a:t>
+              </a:r>
+            </a:p>
+          </p:txBody>
+        </p:sp>
+      </p:grpSp>
       <p:sp>
         <p:nvSpPr>
-          <p:cNvPr id="3" name="TextBox 2">
+          <p:cNvPr id="12" name="TextBox 11">
             <a:extLst>
               <a:ext uri="{FF2B5EF4-FFF2-40B4-BE49-F238E27FC236}">
-                <a16:creationId xmlns:a16="http://schemas.microsoft.com/office/drawing/2014/main" id="{43BD4B0A-C817-40FC-8794-1A803D7B2883}"/>
+                <a16:creationId xmlns:a16="http://schemas.microsoft.com/office/drawing/2014/main" id="{61A3678A-9D5F-4785-94BB-CC6DEB7638AC}"/>
               </a:ext>
             </a:extLst>
           </p:cNvPr>
@@ -18740,8 +19207,8 @@
         </p:nvSpPr>
         <p:spPr>
           <a:xfrm>
-            <a:off x="217129" y="637563"/>
-            <a:ext cx="9688871" cy="3354573"/>
+            <a:off x="363984" y="5544393"/>
+            <a:ext cx="9081973" cy="740203"/>
           </a:xfrm>
           <a:prstGeom prst="rect">
             <a:avLst/>
@@ -18762,8 +19229,89 @@
               <a:buChar char="•"/>
             </a:pPr>
             <a:r>
+              <a:rPr lang="en-US" altLang="ko-KR" sz="1500" dirty="0"/>
+              <a:t>HWM(High Water Mark, </a:t>
+            </a:r>
+            <a:r>
+              <a:rPr lang="ko-KR" altLang="en-US" sz="1500" dirty="0"/>
+              <a:t>고수위 마크</a:t>
+            </a:r>
+            <a:r>
+              <a:rPr lang="en-US" altLang="ko-KR" sz="1500" dirty="0"/>
+              <a:t>)</a:t>
+            </a:r>
+            <a:r>
+              <a:rPr lang="ko-KR" altLang="en-US" sz="1500" dirty="0"/>
+              <a:t>는 테이블에 데이터가 쓰여졌던 블록 상의 최상위 위치를 의미</a:t>
+            </a:r>
+            <a:endParaRPr lang="en-US" altLang="ko-KR" sz="1500" dirty="0"/>
+          </a:p>
+          <a:p>
+            <a:pPr marL="285750" indent="-285750">
+              <a:lnSpc>
+                <a:spcPct val="150000"/>
+              </a:lnSpc>
+              <a:buFont typeface="Arial" panose="020B0604020202020204" pitchFamily="34" charset="0"/>
+              <a:buChar char="•"/>
+            </a:pPr>
+            <a:r>
+              <a:rPr lang="en-US" altLang="ko-KR" sz="1500" dirty="0"/>
+              <a:t>HWM</a:t>
+            </a:r>
+            <a:r>
+              <a:rPr lang="ko-KR" altLang="en-US" sz="1500" dirty="0"/>
+              <a:t>까지 테이블의 모든 데이터를 읽어야 하기 때문에</a:t>
+            </a:r>
+            <a:r>
+              <a:rPr lang="en-US" altLang="ko-KR" sz="1500" dirty="0"/>
+              <a:t>, </a:t>
+            </a:r>
+            <a:r>
+              <a:rPr lang="ko-KR" altLang="en-US" sz="1500" dirty="0"/>
+              <a:t>모든 결과를 찾을 때까지 시간이 오래 걸림</a:t>
+            </a:r>
+            <a:endParaRPr lang="en-US" altLang="ko-KR" sz="1500" dirty="0"/>
+          </a:p>
+        </p:txBody>
+      </p:sp>
+      <p:sp>
+        <p:nvSpPr>
+          <p:cNvPr id="13" name="TextBox 12">
+            <a:extLst>
+              <a:ext uri="{FF2B5EF4-FFF2-40B4-BE49-F238E27FC236}">
+                <a16:creationId xmlns:a16="http://schemas.microsoft.com/office/drawing/2014/main" id="{291B8812-6E7F-4ADA-8377-5EACB7DCC78A}"/>
+              </a:ext>
+            </a:extLst>
+          </p:cNvPr>
+          <p:cNvSpPr txBox="1"/>
+          <p:nvPr/>
+        </p:nvSpPr>
+        <p:spPr>
+          <a:xfrm>
+            <a:off x="363984" y="645439"/>
+            <a:ext cx="6555705" cy="1253998"/>
+          </a:xfrm>
+          <a:prstGeom prst="rect">
+            <a:avLst/>
+          </a:prstGeom>
+          <a:noFill/>
+        </p:spPr>
+        <p:txBody>
+          <a:bodyPr wrap="none" rtlCol="0">
+            <a:spAutoFit/>
+          </a:bodyPr>
+          <a:lstStyle/>
+          <a:p>
+            <a:pPr marL="285750" indent="-285750">
+              <a:lnSpc>
+                <a:spcPct val="150000"/>
+              </a:lnSpc>
+              <a:buFont typeface="Arial" panose="020B0604020202020204" pitchFamily="34" charset="0"/>
+              <a:buChar char="•"/>
+            </a:pPr>
+            <a:r>
               <a:rPr lang="en-US" altLang="ko-KR" sz="1300" dirty="0"/>
-              <a:t>INDEX SCAN</a:t>
+              <a:t>TABLE FULL SCAN</a:t>
             </a:r>
             <a:r>
               <a:rPr lang="ko-KR" altLang="en-US" sz="1300" dirty="0"/>
@@ -18779,19 +19327,19 @@
             </a:pPr>
             <a:r>
               <a:rPr lang="en-US" altLang="ko-KR" sz="1300" dirty="0"/>
-              <a:t>     1. INDEX UNIQUE SCAN : UNIQUE INDEX</a:t>
+              <a:t>     1. </a:t>
             </a:r>
             <a:r>
               <a:rPr lang="ko-KR" altLang="en-US" sz="1300" dirty="0"/>
-              <a:t>를 이용하여</a:t>
+              <a:t>조건절의 컬럼에 </a:t>
             </a:r>
             <a:r>
               <a:rPr lang="en-US" altLang="ko-KR" sz="1300" dirty="0"/>
-              <a:t>, </a:t>
+              <a:t>INDEX</a:t>
             </a:r>
             <a:r>
               <a:rPr lang="ko-KR" altLang="en-US" sz="1300" dirty="0"/>
-              <a:t>데이터 블록에 접근</a:t>
+              <a:t>가 없는 경우</a:t>
             </a:r>
             <a:endParaRPr lang="en-US" altLang="ko-KR" sz="1300" dirty="0"/>
           </a:p>
@@ -18803,19 +19351,19 @@
             </a:pPr>
             <a:r>
               <a:rPr lang="en-US" altLang="ko-KR" sz="1300" dirty="0"/>
-              <a:t>                                       </a:t>
+              <a:t>     2. INDEX</a:t>
             </a:r>
             <a:r>
               <a:rPr lang="ko-KR" altLang="en-US" sz="1300" dirty="0"/>
-              <a:t>한 건 이하의 </a:t>
+              <a:t>가 있으나</a:t>
             </a:r>
             <a:r>
               <a:rPr lang="en-US" altLang="ko-KR" sz="1300" dirty="0"/>
-              <a:t>ROWID</a:t>
+              <a:t>, </a:t>
             </a:r>
             <a:r>
               <a:rPr lang="ko-KR" altLang="en-US" sz="1300" dirty="0"/>
-              <a:t>를 반환하는 방식</a:t>
+              <a:t>조건을 만족하는 데이터가 테이블의 많은 양을 차지하는 경우</a:t>
             </a:r>
             <a:endParaRPr lang="en-US" altLang="ko-KR" sz="1300" dirty="0"/>
           </a:p>
@@ -18827,264 +19375,182 @@
             </a:pPr>
             <a:r>
               <a:rPr lang="en-US" altLang="ko-KR" sz="1300" dirty="0"/>
-              <a:t>                                       </a:t>
-            </a:r>
-            <a:r>
-              <a:rPr lang="en-US" altLang="ko-KR" sz="1300" b="1" dirty="0">
-                <a:solidFill>
-                  <a:srgbClr val="FF0000"/>
-                </a:solidFill>
+              <a:t>     3. INDEX</a:t>
+            </a:r>
+            <a:r>
+              <a:rPr lang="ko-KR" altLang="en-US" sz="1300" dirty="0"/>
+              <a:t>가 있으나</a:t>
+            </a:r>
+            <a:r>
+              <a:rPr lang="en-US" altLang="ko-KR" sz="1300" dirty="0"/>
+              <a:t>, </a:t>
+            </a:r>
+            <a:r>
+              <a:rPr lang="ko-KR" altLang="en-US" sz="1300" dirty="0"/>
+              <a:t>테이블의 데이터가 적어 </a:t>
+            </a:r>
+            <a:r>
+              <a:rPr lang="en-US" altLang="ko-KR" sz="1300" dirty="0"/>
+              <a:t>FULL SCAN</a:t>
+            </a:r>
+            <a:r>
+              <a:rPr lang="ko-KR" altLang="en-US" sz="1300" dirty="0"/>
+              <a:t>이 유리한 경우</a:t>
+            </a:r>
+            <a:endParaRPr lang="en-US" altLang="ko-KR" sz="1300" dirty="0"/>
+          </a:p>
+        </p:txBody>
+      </p:sp>
+    </p:spTree>
+    <p:extLst>
+      <p:ext uri="{BB962C8B-B14F-4D97-AF65-F5344CB8AC3E}">
+        <p14:creationId xmlns:p14="http://schemas.microsoft.com/office/powerpoint/2010/main" val="2043914154"/>
+      </p:ext>
+    </p:extLst>
+  </p:cSld>
+  <p:clrMapOvr>
+    <a:masterClrMapping/>
+  </p:clrMapOvr>
+</p:sld>
+</file>
+
+<file path=ppt/slides/slide28.xml><?xml version="1.0" encoding="utf-8"?>
+<p:sld xmlns:a="http://schemas.openxmlformats.org/drawingml/2006/main" xmlns:r="http://schemas.openxmlformats.org/officeDocument/2006/relationships" xmlns:p="http://schemas.openxmlformats.org/presentationml/2006/main">
+  <p:cSld>
+    <p:spTree>
+      <p:nvGrpSpPr>
+        <p:cNvPr id="1" name=""/>
+        <p:cNvGrpSpPr/>
+        <p:nvPr/>
+      </p:nvGrpSpPr>
+      <p:grpSpPr>
+        <a:xfrm>
+          <a:off x="0" y="0"/>
+          <a:ext cx="0" cy="0"/>
+          <a:chOff x="0" y="0"/>
+          <a:chExt cx="0" cy="0"/>
+        </a:xfrm>
+      </p:grpSpPr>
+      <p:sp>
+        <p:nvSpPr>
+          <p:cNvPr id="47" name="텍스트 개체 틀 3">
+            <a:extLst>
+              <a:ext uri="{FF2B5EF4-FFF2-40B4-BE49-F238E27FC236}">
+                <a16:creationId xmlns:a16="http://schemas.microsoft.com/office/drawing/2014/main" id="{BD6E26C7-2547-444C-8643-2B2EEE99F2F4}"/>
+              </a:ext>
+            </a:extLst>
+          </p:cNvPr>
+          <p:cNvSpPr>
+            <a:spLocks noGrp="1"/>
+          </p:cNvSpPr>
+          <p:nvPr>
+            <p:ph type="body" sz="quarter" idx="13"/>
+          </p:nvPr>
+        </p:nvSpPr>
+        <p:spPr>
+          <a:xfrm>
+            <a:off x="6747393" y="62621"/>
+            <a:ext cx="2822735" cy="390525"/>
+          </a:xfrm>
+        </p:spPr>
+        <p:txBody>
+          <a:bodyPr/>
+          <a:lstStyle/>
+          <a:p>
+            <a:r>
+              <a:rPr lang="en-US" altLang="ko-KR" dirty="0">
+                <a:latin typeface="나눔고딕" panose="020D0604000000000000" pitchFamily="50" charset="-127"/>
+                <a:ea typeface="나눔고딕" panose="020D0604000000000000" pitchFamily="50" charset="-127"/>
               </a:rPr>
-              <a:t>UNIQUE INDEX</a:t>
-            </a:r>
-            <a:r>
-              <a:rPr lang="ko-KR" altLang="en-US" sz="1300" b="1" dirty="0">
-                <a:solidFill>
-                  <a:srgbClr val="FF0000"/>
-                </a:solidFill>
+              <a:t>Ⅱ. </a:t>
+            </a:r>
+            <a:r>
+              <a:rPr lang="ko-KR" altLang="en-US" dirty="0">
+                <a:latin typeface="나눔고딕" panose="020D0604000000000000" pitchFamily="50" charset="-127"/>
+                <a:ea typeface="나눔고딕" panose="020D0604000000000000" pitchFamily="50" charset="-127"/>
               </a:rPr>
-              <a:t>를 구성하는 모든 컬럼이 조건절에 </a:t>
-            </a:r>
-            <a:r>
-              <a:rPr lang="en-US" altLang="ko-KR" sz="1300" b="1" dirty="0">
-                <a:solidFill>
-                  <a:srgbClr val="FF0000"/>
-                </a:solidFill>
+              <a:t>실행계획</a:t>
+            </a:r>
+          </a:p>
+        </p:txBody>
+      </p:sp>
+      <p:sp>
+        <p:nvSpPr>
+          <p:cNvPr id="14" name="슬라이드 번호 개체 틀 2">
+            <a:extLst>
+              <a:ext uri="{FF2B5EF4-FFF2-40B4-BE49-F238E27FC236}">
+                <a16:creationId xmlns:a16="http://schemas.microsoft.com/office/drawing/2014/main" id="{E3626C26-BF47-4717-80D4-21BA55993E00}"/>
+              </a:ext>
+            </a:extLst>
+          </p:cNvPr>
+          <p:cNvSpPr>
+            <a:spLocks noGrp="1"/>
+          </p:cNvSpPr>
+          <p:nvPr>
+            <p:ph type="sldNum" sz="quarter" idx="12"/>
+          </p:nvPr>
+        </p:nvSpPr>
+        <p:spPr>
+          <a:xfrm>
+            <a:off x="4439346" y="6528442"/>
+            <a:ext cx="1029301" cy="276999"/>
+          </a:xfrm>
+        </p:spPr>
+        <p:txBody>
+          <a:bodyPr>
+            <a:normAutofit fontScale="92500"/>
+          </a:bodyPr>
+          <a:lstStyle/>
+          <a:p>
+            <a:fld id="{EBB166B3-33A6-45CA-B81B-F13BE7654232}" type="slidenum">
+              <a:rPr lang="ko-KR" altLang="en-US" smtClean="0">
+                <a:latin typeface="나눔고딕" panose="020B0600000101010101" charset="-127"/>
+                <a:ea typeface="나눔고딕" panose="020B0600000101010101" charset="-127"/>
               </a:rPr>
-              <a:t>‘=‘</a:t>
-            </a:r>
-            <a:r>
-              <a:rPr lang="ko-KR" altLang="en-US" sz="1300" b="1" dirty="0">
-                <a:solidFill>
-                  <a:srgbClr val="FF0000"/>
-                </a:solidFill>
-              </a:rPr>
-              <a:t>로 명시된 경우 발생</a:t>
-            </a:r>
-            <a:endParaRPr lang="en-US" altLang="ko-KR" sz="1300" b="1" dirty="0">
-              <a:solidFill>
-                <a:srgbClr val="FF0000"/>
-              </a:solidFill>
+              <a:t>27</a:t>
+            </a:fld>
+            <a:endParaRPr lang="ko-KR" altLang="en-US" dirty="0">
+              <a:latin typeface="나눔고딕" panose="020B0600000101010101" charset="-127"/>
+              <a:ea typeface="나눔고딕" panose="020B0600000101010101" charset="-127"/>
             </a:endParaRPr>
           </a:p>
+        </p:txBody>
+      </p:sp>
+      <p:sp>
+        <p:nvSpPr>
+          <p:cNvPr id="3" name="TextBox 2">
+            <a:extLst>
+              <a:ext uri="{FF2B5EF4-FFF2-40B4-BE49-F238E27FC236}">
+                <a16:creationId xmlns:a16="http://schemas.microsoft.com/office/drawing/2014/main" id="{43BD4B0A-C817-40FC-8794-1A803D7B2883}"/>
+              </a:ext>
+            </a:extLst>
+          </p:cNvPr>
+          <p:cNvSpPr txBox="1"/>
+          <p:nvPr/>
+        </p:nvSpPr>
+        <p:spPr>
+          <a:xfrm>
+            <a:off x="217129" y="637563"/>
+            <a:ext cx="473206" cy="353751"/>
+          </a:xfrm>
+          <a:prstGeom prst="rect">
+            <a:avLst/>
+          </a:prstGeom>
+          <a:noFill/>
+        </p:spPr>
+        <p:txBody>
+          <a:bodyPr wrap="none" rtlCol="0">
+            <a:spAutoFit/>
+          </a:bodyPr>
+          <a:lstStyle/>
           <a:p>
-            <a:pPr>
+            <a:pPr marL="285750" indent="-285750">
               <a:lnSpc>
                 <a:spcPct val="150000"/>
               </a:lnSpc>
+              <a:buFont typeface="Arial" panose="020B0604020202020204" pitchFamily="34" charset="0"/>
+              <a:buChar char="•"/>
             </a:pPr>
-            <a:r>
-              <a:rPr lang="en-US" altLang="ko-KR" sz="1300" dirty="0"/>
-              <a:t>     2. INDEX RANGE SCAN : INDEX</a:t>
-            </a:r>
-            <a:r>
-              <a:rPr lang="ko-KR" altLang="en-US" sz="1300" dirty="0"/>
-              <a:t>를 이용한 데이터 블록 접근 중</a:t>
-            </a:r>
-            <a:r>
-              <a:rPr lang="en-US" altLang="ko-KR" sz="1300" dirty="0"/>
-              <a:t>, </a:t>
-            </a:r>
-            <a:r>
-              <a:rPr lang="ko-KR" altLang="en-US" sz="1300" dirty="0"/>
-              <a:t>가장 일반적인 방식</a:t>
-            </a:r>
-            <a:endParaRPr lang="en-US" altLang="ko-KR" sz="1300" dirty="0"/>
-          </a:p>
-          <a:p>
-            <a:pPr>
-              <a:lnSpc>
-                <a:spcPct val="150000"/>
-              </a:lnSpc>
-            </a:pPr>
-            <a:r>
-              <a:rPr lang="en-US" altLang="ko-KR" sz="1300" dirty="0"/>
-              <a:t> 	                      INDEX</a:t>
-            </a:r>
-            <a:r>
-              <a:rPr lang="ko-KR" altLang="en-US" sz="1300" dirty="0"/>
-              <a:t>를 구성하는 선두 컬럼에 대해 범위 검색을 하는 방식</a:t>
-            </a:r>
-            <a:endParaRPr lang="en-US" altLang="ko-KR" sz="1300" dirty="0"/>
-          </a:p>
-          <a:p>
-            <a:pPr>
-              <a:lnSpc>
-                <a:spcPct val="150000"/>
-              </a:lnSpc>
-            </a:pPr>
-            <a:r>
-              <a:rPr lang="en-US" altLang="ko-KR" sz="1300" dirty="0"/>
-              <a:t>                                     </a:t>
-            </a:r>
-            <a:r>
-              <a:rPr lang="en-US" altLang="ko-KR" sz="1300" b="1" dirty="0">
-                <a:solidFill>
-                  <a:srgbClr val="FF0000"/>
-                </a:solidFill>
-              </a:rPr>
-              <a:t>INDEX</a:t>
-            </a:r>
-            <a:r>
-              <a:rPr lang="ko-KR" altLang="en-US" sz="1300" b="1" dirty="0">
-                <a:solidFill>
-                  <a:srgbClr val="FF0000"/>
-                </a:solidFill>
-              </a:rPr>
-              <a:t>를 구성하는 선두 컬럼이 조건절에 비교연산</a:t>
-            </a:r>
-            <a:r>
-              <a:rPr lang="en-US" altLang="ko-KR" sz="1300" b="1" dirty="0">
-                <a:solidFill>
-                  <a:srgbClr val="FF0000"/>
-                </a:solidFill>
-              </a:rPr>
-              <a:t>(&lt;, &gt;, BETWEEN, LIKE)</a:t>
-            </a:r>
-            <a:r>
-              <a:rPr lang="ko-KR" altLang="en-US" sz="1300" b="1" dirty="0">
-                <a:solidFill>
-                  <a:srgbClr val="FF0000"/>
-                </a:solidFill>
-              </a:rPr>
-              <a:t>되어질 때</a:t>
-            </a:r>
-            <a:r>
-              <a:rPr lang="en-US" altLang="ko-KR" sz="1300" b="1" dirty="0">
-                <a:solidFill>
-                  <a:srgbClr val="FF0000"/>
-                </a:solidFill>
-              </a:rPr>
-              <a:t>, </a:t>
-            </a:r>
-            <a:r>
-              <a:rPr lang="ko-KR" altLang="en-US" sz="1300" b="1" dirty="0">
-                <a:solidFill>
-                  <a:srgbClr val="FF0000"/>
-                </a:solidFill>
-              </a:rPr>
-              <a:t>이 방식으로</a:t>
-            </a:r>
-            <a:endParaRPr lang="en-US" altLang="ko-KR" sz="1300" b="1" dirty="0">
-              <a:solidFill>
-                <a:srgbClr val="FF0000"/>
-              </a:solidFill>
-            </a:endParaRPr>
-          </a:p>
-          <a:p>
-            <a:pPr>
-              <a:lnSpc>
-                <a:spcPct val="150000"/>
-              </a:lnSpc>
-            </a:pPr>
-            <a:r>
-              <a:rPr lang="en-US" altLang="ko-KR" sz="1300" b="1" dirty="0">
-                <a:solidFill>
-                  <a:srgbClr val="FF0000"/>
-                </a:solidFill>
-              </a:rPr>
-              <a:t>                                     </a:t>
-            </a:r>
-            <a:r>
-              <a:rPr lang="ko-KR" altLang="en-US" sz="1300" b="1" dirty="0">
-                <a:solidFill>
-                  <a:srgbClr val="FF0000"/>
-                </a:solidFill>
-              </a:rPr>
-              <a:t>처리됨</a:t>
-            </a:r>
-            <a:endParaRPr lang="en-US" altLang="ko-KR" sz="1300" b="1" dirty="0">
-              <a:solidFill>
-                <a:srgbClr val="FF0000"/>
-              </a:solidFill>
-            </a:endParaRPr>
-          </a:p>
-          <a:p>
-            <a:pPr>
-              <a:lnSpc>
-                <a:spcPct val="150000"/>
-              </a:lnSpc>
-            </a:pPr>
-            <a:r>
-              <a:rPr lang="en-US" altLang="ko-KR" sz="1300" dirty="0"/>
-              <a:t>     3. INDEX FULL SCAN    : </a:t>
-            </a:r>
-            <a:r>
-              <a:rPr lang="ko-KR" altLang="en-US" sz="1300" dirty="0"/>
-              <a:t>최적의 </a:t>
-            </a:r>
-            <a:r>
-              <a:rPr lang="en-US" altLang="ko-KR" sz="1300" dirty="0"/>
-              <a:t>INDEX</a:t>
-            </a:r>
-            <a:r>
-              <a:rPr lang="ko-KR" altLang="en-US" sz="1300" dirty="0"/>
-              <a:t>가 없을 때</a:t>
-            </a:r>
-            <a:r>
-              <a:rPr lang="en-US" altLang="ko-KR" sz="1300" dirty="0"/>
-              <a:t>, </a:t>
-            </a:r>
-            <a:r>
-              <a:rPr lang="ko-KR" altLang="en-US" sz="1300" dirty="0"/>
-              <a:t>차선으로 선택되는 방식</a:t>
-            </a:r>
-            <a:endParaRPr lang="en-US" altLang="ko-KR" sz="1300" dirty="0"/>
-          </a:p>
-          <a:p>
-            <a:pPr>
-              <a:lnSpc>
-                <a:spcPct val="150000"/>
-              </a:lnSpc>
-            </a:pPr>
-            <a:r>
-              <a:rPr lang="en-US" altLang="ko-KR" sz="1300" dirty="0"/>
-              <a:t>                                     INEDX </a:t>
-            </a:r>
-            <a:r>
-              <a:rPr lang="ko-KR" altLang="en-US" sz="1300" dirty="0"/>
-              <a:t>선두 컬럼이 조건절에 없으면</a:t>
-            </a:r>
-            <a:r>
-              <a:rPr lang="en-US" altLang="ko-KR" sz="1300" dirty="0"/>
-              <a:t> TABLE FULL SCAN</a:t>
-            </a:r>
-            <a:r>
-              <a:rPr lang="ko-KR" altLang="en-US" sz="1300" dirty="0"/>
-              <a:t>을 고려하나</a:t>
-            </a:r>
-            <a:r>
-              <a:rPr lang="en-US" altLang="ko-KR" sz="1300" dirty="0"/>
-              <a:t>, TABLE FULL SCAN</a:t>
-            </a:r>
-            <a:r>
-              <a:rPr lang="ko-KR" altLang="en-US" sz="1300" dirty="0"/>
-              <a:t>보다 </a:t>
-            </a:r>
-            <a:r>
-              <a:rPr lang="en-US" altLang="ko-KR" sz="1300" dirty="0"/>
-              <a:t>I/O</a:t>
-            </a:r>
-            <a:r>
-              <a:rPr lang="ko-KR" altLang="en-US" sz="1300" dirty="0"/>
-              <a:t>를</a:t>
-            </a:r>
-            <a:endParaRPr lang="en-US" altLang="ko-KR" sz="1300" dirty="0"/>
-          </a:p>
-          <a:p>
-            <a:pPr>
-              <a:lnSpc>
-                <a:spcPct val="150000"/>
-              </a:lnSpc>
-            </a:pPr>
-            <a:r>
-              <a:rPr lang="en-US" altLang="ko-KR" sz="1300" dirty="0"/>
-              <a:t>                                     </a:t>
-            </a:r>
-            <a:r>
-              <a:rPr lang="ko-KR" altLang="en-US" sz="1300" dirty="0"/>
-              <a:t>줄일 수 있거나 정렬된 결과를 쉽게 얻을 수 있을 경우 선택</a:t>
-            </a:r>
             <a:endParaRPr lang="en-US" altLang="ko-KR" sz="1300" dirty="0"/>
           </a:p>
         </p:txBody>
@@ -19103,8 +19569,8 @@
         </p:nvGrpSpPr>
         <p:grpSpPr>
           <a:xfrm>
-            <a:off x="1957638" y="4064390"/>
-            <a:ext cx="5990724" cy="2328097"/>
+            <a:off x="1447096" y="753189"/>
+            <a:ext cx="7011807" cy="2741852"/>
             <a:chOff x="1957638" y="4064390"/>
             <a:chExt cx="5990724" cy="2328097"/>
           </a:xfrm>
@@ -19501,10 +19967,379 @@
           </p:txBody>
         </p:sp>
       </p:grpSp>
+      <p:sp>
+        <p:nvSpPr>
+          <p:cNvPr id="16" name="제목 1">
+            <a:extLst>
+              <a:ext uri="{FF2B5EF4-FFF2-40B4-BE49-F238E27FC236}">
+                <a16:creationId xmlns:a16="http://schemas.microsoft.com/office/drawing/2014/main" id="{BDE76D3B-C372-4CA3-A4FD-33642B295B4F}"/>
+              </a:ext>
+            </a:extLst>
+          </p:cNvPr>
+          <p:cNvSpPr>
+            <a:spLocks noGrp="1"/>
+          </p:cNvSpPr>
+          <p:nvPr>
+            <p:ph type="title"/>
+          </p:nvPr>
+        </p:nvSpPr>
+        <p:spPr>
+          <a:xfrm>
+            <a:off x="363984" y="53269"/>
+            <a:ext cx="6587232" cy="408372"/>
+          </a:xfrm>
+        </p:spPr>
+        <p:txBody>
+          <a:bodyPr/>
+          <a:lstStyle/>
+          <a:p>
+            <a:r>
+              <a:rPr lang="en-US" altLang="ko-KR" dirty="0">
+                <a:latin typeface="나눔고딕" panose="020B0600000101010101" charset="-127"/>
+                <a:ea typeface="나눔고딕" panose="020B0600000101010101" charset="-127"/>
+              </a:rPr>
+              <a:t>5. INDEX SCAN </a:t>
+            </a:r>
+            <a:endParaRPr lang="ko-KR" altLang="en-US" dirty="0">
+              <a:latin typeface="나눔고딕" panose="020B0600000101010101" charset="-127"/>
+              <a:ea typeface="나눔고딕" panose="020B0600000101010101" charset="-127"/>
+            </a:endParaRPr>
+          </a:p>
+        </p:txBody>
+      </p:sp>
+      <p:sp>
+        <p:nvSpPr>
+          <p:cNvPr id="13" name="TextBox 12">
+            <a:extLst>
+              <a:ext uri="{FF2B5EF4-FFF2-40B4-BE49-F238E27FC236}">
+                <a16:creationId xmlns:a16="http://schemas.microsoft.com/office/drawing/2014/main" id="{B96F22CE-989A-4718-B72A-E7079D7F3053}"/>
+              </a:ext>
+            </a:extLst>
+          </p:cNvPr>
+          <p:cNvSpPr txBox="1"/>
+          <p:nvPr/>
+        </p:nvSpPr>
+        <p:spPr>
+          <a:xfrm>
+            <a:off x="217129" y="3558125"/>
+            <a:ext cx="8735084" cy="1854162"/>
+          </a:xfrm>
+          <a:prstGeom prst="rect">
+            <a:avLst/>
+          </a:prstGeom>
+          <a:noFill/>
+        </p:spPr>
+        <p:txBody>
+          <a:bodyPr wrap="none" rtlCol="0">
+            <a:spAutoFit/>
+          </a:bodyPr>
+          <a:lstStyle/>
+          <a:p>
+            <a:pPr marL="285750" indent="-285750">
+              <a:lnSpc>
+                <a:spcPct val="150000"/>
+              </a:lnSpc>
+              <a:buFont typeface="Arial" panose="020B0604020202020204" pitchFamily="34" charset="0"/>
+              <a:buChar char="•"/>
+            </a:pPr>
+            <a:r>
+              <a:rPr lang="en-US" altLang="ko-KR" sz="1300" dirty="0"/>
+              <a:t>INDEX</a:t>
+            </a:r>
+            <a:r>
+              <a:rPr lang="ko-KR" altLang="en-US" sz="1300" dirty="0"/>
+              <a:t>는 추가적인 쓰기 작업과 테이블의 검색 속도를 향상시키기 위한 자료구조임</a:t>
+            </a:r>
+            <a:endParaRPr lang="en-US" altLang="ko-KR" sz="1300" dirty="0"/>
+          </a:p>
+          <a:p>
+            <a:pPr marL="285750" indent="-285750">
+              <a:lnSpc>
+                <a:spcPct val="150000"/>
+              </a:lnSpc>
+              <a:buFont typeface="Arial" panose="020B0604020202020204" pitchFamily="34" charset="0"/>
+              <a:buChar char="•"/>
+            </a:pPr>
+            <a:r>
+              <a:rPr lang="ko-KR" altLang="en-US" sz="1300" dirty="0"/>
+              <a:t>우리가 책에서 원하는 내용을 찾을 때</a:t>
+            </a:r>
+            <a:r>
+              <a:rPr lang="en-US" altLang="ko-KR" sz="1300" dirty="0"/>
+              <a:t> </a:t>
+            </a:r>
+            <a:r>
+              <a:rPr lang="ko-KR" altLang="en-US" sz="1300" dirty="0"/>
+              <a:t>책의 모든 페이지를 들춰보며 해당 내용을 찾는다면</a:t>
+            </a:r>
+            <a:r>
+              <a:rPr lang="en-US" altLang="ko-KR" sz="1300" dirty="0"/>
+              <a:t>, </a:t>
+            </a:r>
+            <a:r>
+              <a:rPr lang="ko-KR" altLang="en-US" sz="1300" dirty="0"/>
+              <a:t>많은 시간이 소요됨</a:t>
+            </a:r>
+            <a:endParaRPr lang="en-US" altLang="ko-KR" sz="1300" dirty="0"/>
+          </a:p>
+          <a:p>
+            <a:pPr marL="285750" indent="-285750">
+              <a:lnSpc>
+                <a:spcPct val="150000"/>
+              </a:lnSpc>
+              <a:buFont typeface="Arial" panose="020B0604020202020204" pitchFamily="34" charset="0"/>
+              <a:buChar char="•"/>
+            </a:pPr>
+            <a:r>
+              <a:rPr lang="ko-KR" altLang="en-US" sz="1300" dirty="0"/>
+              <a:t>대신</a:t>
+            </a:r>
+            <a:r>
+              <a:rPr lang="en-US" altLang="ko-KR" sz="1300" dirty="0"/>
+              <a:t>, </a:t>
+            </a:r>
+            <a:r>
+              <a:rPr lang="ko-KR" altLang="en-US" sz="1300" dirty="0"/>
+              <a:t>책의 맨 앞 또는 맨 뒤에 존재하는 색인을 참조한다면</a:t>
+            </a:r>
+            <a:r>
+              <a:rPr lang="en-US" altLang="ko-KR" sz="1300" dirty="0"/>
+              <a:t> </a:t>
+            </a:r>
+            <a:r>
+              <a:rPr lang="ko-KR" altLang="en-US" sz="1300" dirty="0"/>
+              <a:t>원하는 내용을 빨리 찾을 수 있음</a:t>
+            </a:r>
+            <a:endParaRPr lang="en-US" altLang="ko-KR" sz="1300" dirty="0"/>
+          </a:p>
+          <a:p>
+            <a:pPr marL="285750" indent="-285750">
+              <a:lnSpc>
+                <a:spcPct val="150000"/>
+              </a:lnSpc>
+              <a:buFont typeface="Arial" panose="020B0604020202020204" pitchFamily="34" charset="0"/>
+              <a:buChar char="•"/>
+            </a:pPr>
+            <a:r>
+              <a:rPr lang="ko-KR" altLang="en-US" sz="1300" dirty="0"/>
+              <a:t>데이터베이스의 </a:t>
+            </a:r>
+            <a:r>
+              <a:rPr lang="en-US" altLang="ko-KR" sz="1300" dirty="0"/>
+              <a:t>INDEX</a:t>
+            </a:r>
+            <a:r>
+              <a:rPr lang="ko-KR" altLang="en-US" sz="1300" dirty="0"/>
+              <a:t>는 </a:t>
+            </a:r>
+            <a:r>
+              <a:rPr lang="en-US" altLang="ko-KR" sz="1300" dirty="0"/>
+              <a:t>‘</a:t>
+            </a:r>
+            <a:r>
+              <a:rPr lang="ko-KR" altLang="en-US" sz="1300" dirty="0"/>
+              <a:t>책의 색인</a:t>
+            </a:r>
+            <a:r>
+              <a:rPr lang="en-US" altLang="ko-KR" sz="1300" dirty="0"/>
+              <a:t>’</a:t>
+            </a:r>
+            <a:r>
+              <a:rPr lang="ko-KR" altLang="en-US" sz="1300" dirty="0"/>
+              <a:t>과 같은 역할을 수행함</a:t>
+            </a:r>
+            <a:endParaRPr lang="en-US" altLang="ko-KR" sz="1300" dirty="0"/>
+          </a:p>
+          <a:p>
+            <a:pPr marL="285750" indent="-285750">
+              <a:lnSpc>
+                <a:spcPct val="150000"/>
+              </a:lnSpc>
+              <a:buFont typeface="Arial" panose="020B0604020202020204" pitchFamily="34" charset="0"/>
+              <a:buChar char="•"/>
+            </a:pPr>
+            <a:r>
+              <a:rPr lang="ko-KR" altLang="en-US" sz="1300" dirty="0"/>
+              <a:t>테이블 내 특정 레코드를 조회할 때</a:t>
+            </a:r>
+            <a:r>
+              <a:rPr lang="en-US" altLang="ko-KR" sz="1300" dirty="0"/>
+              <a:t> </a:t>
+            </a:r>
+            <a:r>
+              <a:rPr lang="ko-KR" altLang="en-US" sz="1300" dirty="0"/>
+              <a:t>테이블 내 모든 레코드를 들춰본다면</a:t>
+            </a:r>
+            <a:r>
+              <a:rPr lang="en-US" altLang="ko-KR" sz="1300" dirty="0"/>
+              <a:t>, </a:t>
+            </a:r>
+            <a:r>
+              <a:rPr lang="ko-KR" altLang="en-US" sz="1300" dirty="0"/>
+              <a:t>많은 시간이 소요됨</a:t>
+            </a:r>
+            <a:endParaRPr lang="en-US" altLang="ko-KR" sz="1300" dirty="0"/>
+          </a:p>
+          <a:p>
+            <a:pPr marL="285750" indent="-285750">
+              <a:lnSpc>
+                <a:spcPct val="150000"/>
+              </a:lnSpc>
+              <a:buFont typeface="Arial" panose="020B0604020202020204" pitchFamily="34" charset="0"/>
+              <a:buChar char="•"/>
+            </a:pPr>
+            <a:r>
+              <a:rPr lang="ko-KR" altLang="en-US" sz="1300" dirty="0"/>
+              <a:t>대신</a:t>
+            </a:r>
+            <a:r>
+              <a:rPr lang="en-US" altLang="ko-KR" sz="1300" dirty="0"/>
+              <a:t>, </a:t>
+            </a:r>
+            <a:r>
+              <a:rPr lang="ko-KR" altLang="en-US" sz="1300" dirty="0"/>
+              <a:t>레코드의 주소를 포함한 </a:t>
+            </a:r>
+            <a:r>
+              <a:rPr lang="en-US" altLang="ko-KR" sz="1300" dirty="0"/>
+              <a:t>INDEX</a:t>
+            </a:r>
+            <a:r>
+              <a:rPr lang="ko-KR" altLang="en-US" sz="1300" dirty="0"/>
+              <a:t>를 참조한다면</a:t>
+            </a:r>
+            <a:r>
+              <a:rPr lang="en-US" altLang="ko-KR" sz="1300" dirty="0"/>
+              <a:t>, </a:t>
+            </a:r>
+            <a:r>
+              <a:rPr lang="ko-KR" altLang="en-US" sz="1300" dirty="0"/>
+              <a:t>특정 레코드를 빠르게 조회할 수 있음</a:t>
+            </a:r>
+            <a:endParaRPr lang="en-US" altLang="ko-KR" sz="1300" dirty="0"/>
+          </a:p>
+        </p:txBody>
+      </p:sp>
+      <p:sp>
+        <p:nvSpPr>
+          <p:cNvPr id="15" name="원호 14">
+            <a:extLst>
+              <a:ext uri="{FF2B5EF4-FFF2-40B4-BE49-F238E27FC236}">
+                <a16:creationId xmlns:a16="http://schemas.microsoft.com/office/drawing/2014/main" id="{748DAFE7-350B-4D95-8CEB-044E18609AF7}"/>
+              </a:ext>
+            </a:extLst>
+          </p:cNvPr>
+          <p:cNvSpPr/>
+          <p:nvPr/>
+        </p:nvSpPr>
+        <p:spPr>
+          <a:xfrm rot="18339133">
+            <a:off x="7812736" y="1716746"/>
+            <a:ext cx="1145535" cy="957002"/>
+          </a:xfrm>
+          <a:prstGeom prst="arc">
+            <a:avLst>
+              <a:gd name="adj1" fmla="val 17619960"/>
+              <a:gd name="adj2" fmla="val 0"/>
+            </a:avLst>
+          </a:prstGeom>
+          <a:ln>
+            <a:solidFill>
+              <a:srgbClr val="FF0000"/>
+            </a:solidFill>
+            <a:headEnd type="triangle"/>
+            <a:tailEnd type="none"/>
+          </a:ln>
+        </p:spPr>
+        <p:style>
+          <a:lnRef idx="1">
+            <a:schemeClr val="accent1"/>
+          </a:lnRef>
+          <a:fillRef idx="0">
+            <a:schemeClr val="accent1"/>
+          </a:fillRef>
+          <a:effectRef idx="0">
+            <a:schemeClr val="accent1"/>
+          </a:effectRef>
+          <a:fontRef idx="minor">
+            <a:schemeClr val="tx1"/>
+          </a:fontRef>
+        </p:style>
+        <p:txBody>
+          <a:bodyPr rtlCol="0" anchor="ctr"/>
+          <a:lstStyle/>
+          <a:p>
+            <a:pPr algn="ctr"/>
+            <a:endParaRPr lang="ko-KR" altLang="en-US"/>
+          </a:p>
+        </p:txBody>
+      </p:sp>
+      <p:sp>
+        <p:nvSpPr>
+          <p:cNvPr id="2" name="TextBox 1">
+            <a:extLst>
+              <a:ext uri="{FF2B5EF4-FFF2-40B4-BE49-F238E27FC236}">
+                <a16:creationId xmlns:a16="http://schemas.microsoft.com/office/drawing/2014/main" id="{67C3D485-0899-4627-B716-FE32F80308F9}"/>
+              </a:ext>
+            </a:extLst>
+          </p:cNvPr>
+          <p:cNvSpPr txBox="1"/>
+          <p:nvPr/>
+        </p:nvSpPr>
+        <p:spPr>
+          <a:xfrm>
+            <a:off x="8449065" y="1767002"/>
+            <a:ext cx="1404461" cy="553998"/>
+          </a:xfrm>
+          <a:prstGeom prst="rect">
+            <a:avLst/>
+          </a:prstGeom>
+          <a:noFill/>
+        </p:spPr>
+        <p:txBody>
+          <a:bodyPr wrap="square" rtlCol="0">
+            <a:spAutoFit/>
+          </a:bodyPr>
+          <a:lstStyle/>
+          <a:p>
+            <a:r>
+              <a:rPr lang="en-US" altLang="ko-KR" sz="1000" dirty="0"/>
+              <a:t>INDEX </a:t>
+            </a:r>
+            <a:r>
+              <a:rPr lang="ko-KR" altLang="en-US" sz="1000" dirty="0"/>
+              <a:t>내 </a:t>
+            </a:r>
+            <a:r>
+              <a:rPr lang="en-US" altLang="ko-KR" sz="1000" dirty="0"/>
+              <a:t>‘ROWID’</a:t>
+            </a:r>
+            <a:r>
+              <a:rPr lang="ko-KR" altLang="en-US" sz="1000" dirty="0"/>
+              <a:t>가 </a:t>
+            </a:r>
+            <a:r>
+              <a:rPr lang="en-US" altLang="ko-KR" sz="1000" dirty="0"/>
+              <a:t>‘POINTER’</a:t>
+            </a:r>
+            <a:r>
+              <a:rPr lang="ko-KR" altLang="en-US" sz="1000" dirty="0"/>
+              <a:t>역할을 </a:t>
+            </a:r>
+            <a:endParaRPr lang="en-US" altLang="ko-KR" sz="1000" dirty="0"/>
+          </a:p>
+          <a:p>
+            <a:r>
+              <a:rPr lang="ko-KR" altLang="en-US" sz="1000" dirty="0"/>
+              <a:t>수행</a:t>
+            </a:r>
+          </a:p>
+        </p:txBody>
+      </p:sp>
     </p:spTree>
     <p:extLst>
       <p:ext uri="{BB962C8B-B14F-4D97-AF65-F5344CB8AC3E}">
-        <p14:creationId xmlns:p14="http://schemas.microsoft.com/office/powerpoint/2010/main" val="4237486263"/>
+        <p14:creationId xmlns:p14="http://schemas.microsoft.com/office/powerpoint/2010/main" val="1473279457"/>
       </p:ext>
     </p:extLst>
   </p:cSld>
@@ -19514,7 +20349,1148 @@
 </p:sld>
 </file>
 
-<file path=ppt/slides/slide28.xml><?xml version="1.0" encoding="utf-8"?>
+<file path=ppt/slides/slide29.xml><?xml version="1.0" encoding="utf-8"?>
+<p:sld xmlns:a="http://schemas.openxmlformats.org/drawingml/2006/main" xmlns:r="http://schemas.openxmlformats.org/officeDocument/2006/relationships" xmlns:p="http://schemas.openxmlformats.org/presentationml/2006/main">
+  <p:cSld>
+    <p:spTree>
+      <p:nvGrpSpPr>
+        <p:cNvPr id="1" name=""/>
+        <p:cNvGrpSpPr/>
+        <p:nvPr/>
+      </p:nvGrpSpPr>
+      <p:grpSpPr>
+        <a:xfrm>
+          <a:off x="0" y="0"/>
+          <a:ext cx="0" cy="0"/>
+          <a:chOff x="0" y="0"/>
+          <a:chExt cx="0" cy="0"/>
+        </a:xfrm>
+      </p:grpSpPr>
+      <p:sp>
+        <p:nvSpPr>
+          <p:cNvPr id="47" name="텍스트 개체 틀 3">
+            <a:extLst>
+              <a:ext uri="{FF2B5EF4-FFF2-40B4-BE49-F238E27FC236}">
+                <a16:creationId xmlns:a16="http://schemas.microsoft.com/office/drawing/2014/main" id="{BD6E26C7-2547-444C-8643-2B2EEE99F2F4}"/>
+              </a:ext>
+            </a:extLst>
+          </p:cNvPr>
+          <p:cNvSpPr>
+            <a:spLocks noGrp="1"/>
+          </p:cNvSpPr>
+          <p:nvPr>
+            <p:ph type="body" sz="quarter" idx="13"/>
+          </p:nvPr>
+        </p:nvSpPr>
+        <p:spPr>
+          <a:xfrm>
+            <a:off x="6747393" y="62621"/>
+            <a:ext cx="2822735" cy="390525"/>
+          </a:xfrm>
+        </p:spPr>
+        <p:txBody>
+          <a:bodyPr/>
+          <a:lstStyle/>
+          <a:p>
+            <a:r>
+              <a:rPr lang="en-US" altLang="ko-KR" dirty="0">
+                <a:latin typeface="나눔고딕" panose="020D0604000000000000" pitchFamily="50" charset="-127"/>
+                <a:ea typeface="나눔고딕" panose="020D0604000000000000" pitchFamily="50" charset="-127"/>
+              </a:rPr>
+              <a:t>Ⅱ. </a:t>
+            </a:r>
+            <a:r>
+              <a:rPr lang="ko-KR" altLang="en-US" dirty="0">
+                <a:latin typeface="나눔고딕" panose="020D0604000000000000" pitchFamily="50" charset="-127"/>
+                <a:ea typeface="나눔고딕" panose="020D0604000000000000" pitchFamily="50" charset="-127"/>
+              </a:rPr>
+              <a:t>실행계획</a:t>
+            </a:r>
+          </a:p>
+        </p:txBody>
+      </p:sp>
+      <p:sp>
+        <p:nvSpPr>
+          <p:cNvPr id="14" name="슬라이드 번호 개체 틀 2">
+            <a:extLst>
+              <a:ext uri="{FF2B5EF4-FFF2-40B4-BE49-F238E27FC236}">
+                <a16:creationId xmlns:a16="http://schemas.microsoft.com/office/drawing/2014/main" id="{E3626C26-BF47-4717-80D4-21BA55993E00}"/>
+              </a:ext>
+            </a:extLst>
+          </p:cNvPr>
+          <p:cNvSpPr>
+            <a:spLocks noGrp="1"/>
+          </p:cNvSpPr>
+          <p:nvPr>
+            <p:ph type="sldNum" sz="quarter" idx="12"/>
+          </p:nvPr>
+        </p:nvSpPr>
+        <p:spPr>
+          <a:xfrm>
+            <a:off x="4439346" y="6528442"/>
+            <a:ext cx="1029301" cy="276999"/>
+          </a:xfrm>
+        </p:spPr>
+        <p:txBody>
+          <a:bodyPr>
+            <a:normAutofit fontScale="92500"/>
+          </a:bodyPr>
+          <a:lstStyle/>
+          <a:p>
+            <a:fld id="{EBB166B3-33A6-45CA-B81B-F13BE7654232}" type="slidenum">
+              <a:rPr lang="ko-KR" altLang="en-US" smtClean="0">
+                <a:latin typeface="나눔고딕" panose="020B0600000101010101" charset="-127"/>
+                <a:ea typeface="나눔고딕" panose="020B0600000101010101" charset="-127"/>
+              </a:rPr>
+              <a:t>28</a:t>
+            </a:fld>
+            <a:endParaRPr lang="ko-KR" altLang="en-US" dirty="0">
+              <a:latin typeface="나눔고딕" panose="020B0600000101010101" charset="-127"/>
+              <a:ea typeface="나눔고딕" panose="020B0600000101010101" charset="-127"/>
+            </a:endParaRPr>
+          </a:p>
+        </p:txBody>
+      </p:sp>
+      <p:sp>
+        <p:nvSpPr>
+          <p:cNvPr id="3" name="TextBox 2">
+            <a:extLst>
+              <a:ext uri="{FF2B5EF4-FFF2-40B4-BE49-F238E27FC236}">
+                <a16:creationId xmlns:a16="http://schemas.microsoft.com/office/drawing/2014/main" id="{43BD4B0A-C817-40FC-8794-1A803D7B2883}"/>
+              </a:ext>
+            </a:extLst>
+          </p:cNvPr>
+          <p:cNvSpPr txBox="1"/>
+          <p:nvPr/>
+        </p:nvSpPr>
+        <p:spPr>
+          <a:xfrm>
+            <a:off x="217129" y="637563"/>
+            <a:ext cx="473206" cy="353751"/>
+          </a:xfrm>
+          <a:prstGeom prst="rect">
+            <a:avLst/>
+          </a:prstGeom>
+          <a:noFill/>
+        </p:spPr>
+        <p:txBody>
+          <a:bodyPr wrap="none" rtlCol="0">
+            <a:spAutoFit/>
+          </a:bodyPr>
+          <a:lstStyle/>
+          <a:p>
+            <a:pPr marL="285750" indent="-285750">
+              <a:lnSpc>
+                <a:spcPct val="150000"/>
+              </a:lnSpc>
+              <a:buFont typeface="Arial" panose="020B0604020202020204" pitchFamily="34" charset="0"/>
+              <a:buChar char="•"/>
+            </a:pPr>
+            <a:endParaRPr lang="en-US" altLang="ko-KR" sz="1300" dirty="0"/>
+          </a:p>
+        </p:txBody>
+      </p:sp>
+      <p:sp>
+        <p:nvSpPr>
+          <p:cNvPr id="16" name="제목 1">
+            <a:extLst>
+              <a:ext uri="{FF2B5EF4-FFF2-40B4-BE49-F238E27FC236}">
+                <a16:creationId xmlns:a16="http://schemas.microsoft.com/office/drawing/2014/main" id="{BDE76D3B-C372-4CA3-A4FD-33642B295B4F}"/>
+              </a:ext>
+            </a:extLst>
+          </p:cNvPr>
+          <p:cNvSpPr>
+            <a:spLocks noGrp="1"/>
+          </p:cNvSpPr>
+          <p:nvPr>
+            <p:ph type="title"/>
+          </p:nvPr>
+        </p:nvSpPr>
+        <p:spPr>
+          <a:xfrm>
+            <a:off x="363984" y="53269"/>
+            <a:ext cx="6587232" cy="408372"/>
+          </a:xfrm>
+        </p:spPr>
+        <p:txBody>
+          <a:bodyPr/>
+          <a:lstStyle/>
+          <a:p>
+            <a:r>
+              <a:rPr lang="en-US" altLang="ko-KR" dirty="0">
+                <a:latin typeface="나눔고딕" panose="020B0600000101010101" charset="-127"/>
+                <a:ea typeface="나눔고딕" panose="020B0600000101010101" charset="-127"/>
+              </a:rPr>
+              <a:t>5. INDEX SCAN </a:t>
+            </a:r>
+            <a:endParaRPr lang="ko-KR" altLang="en-US" dirty="0">
+              <a:latin typeface="나눔고딕" panose="020B0600000101010101" charset="-127"/>
+              <a:ea typeface="나눔고딕" panose="020B0600000101010101" charset="-127"/>
+            </a:endParaRPr>
+          </a:p>
+        </p:txBody>
+      </p:sp>
+      <p:grpSp>
+        <p:nvGrpSpPr>
+          <p:cNvPr id="20" name="그룹 19">
+            <a:extLst>
+              <a:ext uri="{FF2B5EF4-FFF2-40B4-BE49-F238E27FC236}">
+                <a16:creationId xmlns:a16="http://schemas.microsoft.com/office/drawing/2014/main" id="{CF0EE886-7CB6-4BF5-9A86-29A86E355F40}"/>
+              </a:ext>
+            </a:extLst>
+          </p:cNvPr>
+          <p:cNvGrpSpPr/>
+          <p:nvPr/>
+        </p:nvGrpSpPr>
+        <p:grpSpPr>
+          <a:xfrm>
+            <a:off x="217129" y="814438"/>
+            <a:ext cx="5424038" cy="4915927"/>
+            <a:chOff x="1527178" y="894637"/>
+            <a:chExt cx="5424038" cy="3798133"/>
+          </a:xfrm>
+        </p:grpSpPr>
+        <p:sp>
+          <p:nvSpPr>
+            <p:cNvPr id="8" name="직사각형 7">
+              <a:extLst>
+                <a:ext uri="{FF2B5EF4-FFF2-40B4-BE49-F238E27FC236}">
+                  <a16:creationId xmlns:a16="http://schemas.microsoft.com/office/drawing/2014/main" id="{A93E00CC-A66B-450A-8596-8280E92C984D}"/>
+                </a:ext>
+              </a:extLst>
+            </p:cNvPr>
+            <p:cNvSpPr/>
+            <p:nvPr/>
+          </p:nvSpPr>
+          <p:spPr>
+            <a:xfrm>
+              <a:off x="1536997" y="1174009"/>
+              <a:ext cx="5414219" cy="3518761"/>
+            </a:xfrm>
+            <a:prstGeom prst="rect">
+              <a:avLst/>
+            </a:prstGeom>
+            <a:noFill/>
+          </p:spPr>
+          <p:style>
+            <a:lnRef idx="2">
+              <a:schemeClr val="accent1">
+                <a:shade val="50000"/>
+              </a:schemeClr>
+            </a:lnRef>
+            <a:fillRef idx="1">
+              <a:schemeClr val="accent1"/>
+            </a:fillRef>
+            <a:effectRef idx="0">
+              <a:schemeClr val="accent1"/>
+            </a:effectRef>
+            <a:fontRef idx="minor">
+              <a:schemeClr val="lt1"/>
+            </a:fontRef>
+          </p:style>
+          <p:txBody>
+            <a:bodyPr rtlCol="0" anchor="ctr"/>
+            <a:lstStyle/>
+            <a:p>
+              <a:pPr algn="ctr"/>
+              <a:endParaRPr lang="ko-KR" altLang="en-US">
+                <a:latin typeface="나눔고딕" panose="020B0600000101010101" charset="-127"/>
+                <a:ea typeface="나눔고딕" panose="020B0600000101010101" charset="-127"/>
+              </a:endParaRPr>
+            </a:p>
+          </p:txBody>
+        </p:sp>
+        <p:sp>
+          <p:nvSpPr>
+            <p:cNvPr id="9" name="자유형 23">
+              <a:extLst>
+                <a:ext uri="{FF2B5EF4-FFF2-40B4-BE49-F238E27FC236}">
+                  <a16:creationId xmlns:a16="http://schemas.microsoft.com/office/drawing/2014/main" id="{970EE929-A530-4385-9184-D84EFDF06EF8}"/>
+                </a:ext>
+              </a:extLst>
+            </p:cNvPr>
+            <p:cNvSpPr>
+              <a:spLocks noChangeArrowheads="1"/>
+            </p:cNvSpPr>
+            <p:nvPr/>
+          </p:nvSpPr>
+          <p:spPr bwMode="gray">
+            <a:xfrm>
+              <a:off x="1527178" y="894637"/>
+              <a:ext cx="1724304" cy="273315"/>
+            </a:xfrm>
+            <a:custGeom>
+              <a:avLst/>
+              <a:gdLst>
+                <a:gd name="connsiteX0" fmla="*/ 48729 w 1587995"/>
+                <a:gd name="connsiteY0" fmla="*/ 0 h 292361"/>
+                <a:gd name="connsiteX1" fmla="*/ 1539267 w 1587995"/>
+                <a:gd name="connsiteY1" fmla="*/ 0 h 292361"/>
+                <a:gd name="connsiteX2" fmla="*/ 1587995 w 1587995"/>
+                <a:gd name="connsiteY2" fmla="*/ 48728 h 292361"/>
+                <a:gd name="connsiteX3" fmla="*/ 1587995 w 1587995"/>
+                <a:gd name="connsiteY3" fmla="*/ 243633 h 292361"/>
+                <a:gd name="connsiteX4" fmla="*/ 1587994 w 1587995"/>
+                <a:gd name="connsiteY4" fmla="*/ 243636 h 292361"/>
+                <a:gd name="connsiteX5" fmla="*/ 1587994 w 1587995"/>
+                <a:gd name="connsiteY5" fmla="*/ 292361 h 292361"/>
+                <a:gd name="connsiteX6" fmla="*/ 1539267 w 1587995"/>
+                <a:gd name="connsiteY6" fmla="*/ 292361 h 292361"/>
+                <a:gd name="connsiteX7" fmla="*/ 48729 w 1587995"/>
+                <a:gd name="connsiteY7" fmla="*/ 292361 h 292361"/>
+                <a:gd name="connsiteX8" fmla="*/ 0 w 1587995"/>
+                <a:gd name="connsiteY8" fmla="*/ 292361 h 292361"/>
+                <a:gd name="connsiteX9" fmla="*/ 0 w 1587995"/>
+                <a:gd name="connsiteY9" fmla="*/ 152400 h 292361"/>
+                <a:gd name="connsiteX10" fmla="*/ 1 w 1587995"/>
+                <a:gd name="connsiteY10" fmla="*/ 152400 h 292361"/>
+                <a:gd name="connsiteX11" fmla="*/ 1 w 1587995"/>
+                <a:gd name="connsiteY11" fmla="*/ 48728 h 292361"/>
+                <a:gd name="connsiteX12" fmla="*/ 48729 w 1587995"/>
+                <a:gd name="connsiteY12" fmla="*/ 0 h 292361"/>
+              </a:gdLst>
+              <a:ahLst/>
+              <a:cxnLst>
+                <a:cxn ang="0">
+                  <a:pos x="connsiteX0" y="connsiteY0"/>
+                </a:cxn>
+                <a:cxn ang="0">
+                  <a:pos x="connsiteX1" y="connsiteY1"/>
+                </a:cxn>
+                <a:cxn ang="0">
+                  <a:pos x="connsiteX2" y="connsiteY2"/>
+                </a:cxn>
+                <a:cxn ang="0">
+                  <a:pos x="connsiteX3" y="connsiteY3"/>
+                </a:cxn>
+                <a:cxn ang="0">
+                  <a:pos x="connsiteX4" y="connsiteY4"/>
+                </a:cxn>
+                <a:cxn ang="0">
+                  <a:pos x="connsiteX5" y="connsiteY5"/>
+                </a:cxn>
+                <a:cxn ang="0">
+                  <a:pos x="connsiteX6" y="connsiteY6"/>
+                </a:cxn>
+                <a:cxn ang="0">
+                  <a:pos x="connsiteX7" y="connsiteY7"/>
+                </a:cxn>
+                <a:cxn ang="0">
+                  <a:pos x="connsiteX8" y="connsiteY8"/>
+                </a:cxn>
+                <a:cxn ang="0">
+                  <a:pos x="connsiteX9" y="connsiteY9"/>
+                </a:cxn>
+                <a:cxn ang="0">
+                  <a:pos x="connsiteX10" y="connsiteY10"/>
+                </a:cxn>
+                <a:cxn ang="0">
+                  <a:pos x="connsiteX11" y="connsiteY11"/>
+                </a:cxn>
+                <a:cxn ang="0">
+                  <a:pos x="connsiteX12" y="connsiteY12"/>
+                </a:cxn>
+              </a:cxnLst>
+              <a:rect l="l" t="t" r="r" b="b"/>
+              <a:pathLst>
+                <a:path w="1587995" h="292361">
+                  <a:moveTo>
+                    <a:pt x="48729" y="0"/>
+                  </a:moveTo>
+                  <a:lnTo>
+                    <a:pt x="1539267" y="0"/>
+                  </a:lnTo>
+                  <a:cubicBezTo>
+                    <a:pt x="1566179" y="0"/>
+                    <a:pt x="1587995" y="21816"/>
+                    <a:pt x="1587995" y="48728"/>
+                  </a:cubicBezTo>
+                  <a:lnTo>
+                    <a:pt x="1587995" y="243633"/>
+                  </a:lnTo>
+                  <a:lnTo>
+                    <a:pt x="1587994" y="243636"/>
+                  </a:lnTo>
+                  <a:lnTo>
+                    <a:pt x="1587994" y="292361"/>
+                  </a:lnTo>
+                  <a:lnTo>
+                    <a:pt x="1539267" y="292361"/>
+                  </a:lnTo>
+                  <a:lnTo>
+                    <a:pt x="48729" y="292361"/>
+                  </a:lnTo>
+                  <a:lnTo>
+                    <a:pt x="0" y="292361"/>
+                  </a:lnTo>
+                  <a:lnTo>
+                    <a:pt x="0" y="152400"/>
+                  </a:lnTo>
+                  <a:lnTo>
+                    <a:pt x="1" y="152400"/>
+                  </a:lnTo>
+                  <a:lnTo>
+                    <a:pt x="1" y="48728"/>
+                  </a:lnTo>
+                  <a:cubicBezTo>
+                    <a:pt x="1" y="21816"/>
+                    <a:pt x="21817" y="0"/>
+                    <a:pt x="48729" y="0"/>
+                  </a:cubicBezTo>
+                  <a:close/>
+                </a:path>
+              </a:pathLst>
+            </a:custGeom>
+            <a:solidFill>
+              <a:srgbClr val="002060"/>
+            </a:solidFill>
+            <a:ln w="9525" algn="ctr">
+              <a:solidFill>
+                <a:srgbClr val="002060"/>
+              </a:solidFill>
+              <a:miter lim="800000"/>
+              <a:headEnd/>
+              <a:tailEnd/>
+            </a:ln>
+            <a:effectLst>
+              <a:outerShdw blurRad="50800" dist="38100" dir="2700000" algn="tl" rotWithShape="0">
+                <a:prstClr val="black">
+                  <a:alpha val="40000"/>
+                </a:prstClr>
+              </a:outerShdw>
+            </a:effectLst>
+          </p:spPr>
+          <p:txBody>
+            <a:bodyPr wrap="square" lIns="72000" tIns="36000" rIns="72000" bIns="36000" anchor="ctr">
+              <a:noAutofit/>
+            </a:bodyPr>
+            <a:lstStyle/>
+            <a:p>
+              <a:pPr marR="0" lvl="0" algn="ctr" defTabSz="411163" eaLnBrk="0" fontAlgn="base" latinLnBrk="0" hangingPunct="0">
+                <a:spcBef>
+                  <a:spcPct val="0"/>
+                </a:spcBef>
+                <a:spcAft>
+                  <a:spcPct val="0"/>
+                </a:spcAft>
+                <a:buSzPct val="90000"/>
+                <a:tabLst>
+                  <a:tab pos="85725" algn="l"/>
+                </a:tabLst>
+                <a:defRPr/>
+              </a:pPr>
+              <a:r>
+                <a:rPr kumimoji="1" lang="en-US" altLang="ko-KR" sz="1200" b="1" kern="0" dirty="0">
+                  <a:solidFill>
+                    <a:schemeClr val="bg1"/>
+                  </a:solidFill>
+                  <a:latin typeface="나눔고딕" panose="020B0600000101010101" charset="-127"/>
+                  <a:ea typeface="나눔고딕" panose="020B0600000101010101" charset="-127"/>
+                </a:rPr>
+                <a:t>INDEX</a:t>
+              </a:r>
+              <a:endParaRPr kumimoji="1" lang="en-US" altLang="ko-KR" sz="1200" b="1" i="0" u="none" strike="noStrike" kern="0" cap="none" spc="0" normalizeH="0" baseline="0" noProof="0" dirty="0">
+                <a:ln>
+                  <a:noFill/>
+                </a:ln>
+                <a:solidFill>
+                  <a:schemeClr val="bg1"/>
+                </a:solidFill>
+                <a:effectLst/>
+                <a:uLnTx/>
+                <a:uFillTx/>
+                <a:latin typeface="나눔고딕" panose="020B0600000101010101" charset="-127"/>
+                <a:ea typeface="나눔고딕" panose="020B0600000101010101" charset="-127"/>
+              </a:endParaRPr>
+            </a:p>
+          </p:txBody>
+        </p:sp>
+        <p:pic>
+          <p:nvPicPr>
+            <p:cNvPr id="17" name="그림 16">
+              <a:extLst>
+                <a:ext uri="{FF2B5EF4-FFF2-40B4-BE49-F238E27FC236}">
+                  <a16:creationId xmlns:a16="http://schemas.microsoft.com/office/drawing/2014/main" id="{0F97DBCB-6605-421F-97F9-472C2111737B}"/>
+                </a:ext>
+              </a:extLst>
+            </p:cNvPr>
+            <p:cNvPicPr>
+              <a:picLocks noChangeAspect="1"/>
+            </p:cNvPicPr>
+            <p:nvPr/>
+          </p:nvPicPr>
+          <p:blipFill>
+            <a:blip r:embed="rId2"/>
+            <a:stretch>
+              <a:fillRect/>
+            </a:stretch>
+          </p:blipFill>
+          <p:spPr>
+            <a:xfrm>
+              <a:off x="1687003" y="1300995"/>
+              <a:ext cx="2152650" cy="3257550"/>
+            </a:xfrm>
+            <a:prstGeom prst="rect">
+              <a:avLst/>
+            </a:prstGeom>
+          </p:spPr>
+        </p:pic>
+        <p:pic>
+          <p:nvPicPr>
+            <p:cNvPr id="19" name="그림 18">
+              <a:extLst>
+                <a:ext uri="{FF2B5EF4-FFF2-40B4-BE49-F238E27FC236}">
+                  <a16:creationId xmlns:a16="http://schemas.microsoft.com/office/drawing/2014/main" id="{D4E51349-2E44-4ACB-9015-8B6D608C7293}"/>
+                </a:ext>
+              </a:extLst>
+            </p:cNvPr>
+            <p:cNvPicPr>
+              <a:picLocks noChangeAspect="1"/>
+            </p:cNvPicPr>
+            <p:nvPr/>
+          </p:nvPicPr>
+          <p:blipFill>
+            <a:blip r:embed="rId3"/>
+            <a:stretch>
+              <a:fillRect/>
+            </a:stretch>
+          </p:blipFill>
+          <p:spPr>
+            <a:xfrm>
+              <a:off x="3989659" y="1291470"/>
+              <a:ext cx="2800350" cy="3267075"/>
+            </a:xfrm>
+            <a:prstGeom prst="rect">
+              <a:avLst/>
+            </a:prstGeom>
+          </p:spPr>
+        </p:pic>
+      </p:grpSp>
+      <p:sp>
+        <p:nvSpPr>
+          <p:cNvPr id="22" name="TextBox 21">
+            <a:extLst>
+              <a:ext uri="{FF2B5EF4-FFF2-40B4-BE49-F238E27FC236}">
+                <a16:creationId xmlns:a16="http://schemas.microsoft.com/office/drawing/2014/main" id="{2C4FBADD-7B85-40EA-AA64-8B2ED1482AC2}"/>
+              </a:ext>
+            </a:extLst>
+          </p:cNvPr>
+          <p:cNvSpPr txBox="1"/>
+          <p:nvPr/>
+        </p:nvSpPr>
+        <p:spPr>
+          <a:xfrm>
+            <a:off x="5641167" y="1107957"/>
+            <a:ext cx="4310795" cy="3868367"/>
+          </a:xfrm>
+          <a:prstGeom prst="rect">
+            <a:avLst/>
+          </a:prstGeom>
+          <a:noFill/>
+        </p:spPr>
+        <p:txBody>
+          <a:bodyPr wrap="none" rtlCol="0">
+            <a:spAutoFit/>
+          </a:bodyPr>
+          <a:lstStyle/>
+          <a:p>
+            <a:pPr marL="171450" indent="-171450">
+              <a:lnSpc>
+                <a:spcPct val="150000"/>
+              </a:lnSpc>
+              <a:buFont typeface="Arial" panose="020B0604020202020204" pitchFamily="34" charset="0"/>
+              <a:buChar char="•"/>
+            </a:pPr>
+            <a:r>
+              <a:rPr lang="en-US" altLang="ko-KR" sz="1100" b="1" dirty="0">
+                <a:solidFill>
+                  <a:srgbClr val="FF0000"/>
+                </a:solidFill>
+              </a:rPr>
+              <a:t>INDEX</a:t>
+            </a:r>
+            <a:r>
+              <a:rPr lang="ko-KR" altLang="en-US" sz="1100" b="1" dirty="0">
+                <a:solidFill>
+                  <a:srgbClr val="FF0000"/>
+                </a:solidFill>
+              </a:rPr>
+              <a:t>는 </a:t>
+            </a:r>
+            <a:r>
+              <a:rPr lang="en-US" altLang="ko-KR" sz="1100" b="1" dirty="0">
+                <a:solidFill>
+                  <a:srgbClr val="FF0000"/>
+                </a:solidFill>
+              </a:rPr>
+              <a:t>‘INDEX</a:t>
+            </a:r>
+            <a:r>
+              <a:rPr lang="ko-KR" altLang="en-US" sz="1100" b="1" dirty="0">
+                <a:solidFill>
+                  <a:srgbClr val="FF0000"/>
+                </a:solidFill>
+              </a:rPr>
+              <a:t> </a:t>
+            </a:r>
+            <a:r>
+              <a:rPr lang="en-US" altLang="ko-KR" sz="1100" b="1" dirty="0">
+                <a:solidFill>
+                  <a:srgbClr val="FF0000"/>
+                </a:solidFill>
+              </a:rPr>
+              <a:t>KEY’</a:t>
+            </a:r>
+            <a:r>
+              <a:rPr lang="ko-KR" altLang="en-US" sz="1100" b="1" dirty="0">
+                <a:solidFill>
+                  <a:srgbClr val="FF0000"/>
+                </a:solidFill>
+              </a:rPr>
+              <a:t>로 정렬되어 있음</a:t>
+            </a:r>
+            <a:endParaRPr lang="en-US" altLang="ko-KR" sz="1100" b="1" dirty="0">
+              <a:solidFill>
+                <a:srgbClr val="FF0000"/>
+              </a:solidFill>
+            </a:endParaRPr>
+          </a:p>
+          <a:p>
+            <a:pPr marL="171450" indent="-171450">
+              <a:lnSpc>
+                <a:spcPct val="150000"/>
+              </a:lnSpc>
+              <a:buFont typeface="Arial" panose="020B0604020202020204" pitchFamily="34" charset="0"/>
+              <a:buChar char="•"/>
+            </a:pPr>
+            <a:r>
+              <a:rPr lang="ko-KR" altLang="en-US" sz="1100" b="1" dirty="0">
+                <a:solidFill>
+                  <a:srgbClr val="FF0000"/>
+                </a:solidFill>
+              </a:rPr>
+              <a:t>이에 따라 원하는 데이터를 빠르게 조회함</a:t>
+            </a:r>
+            <a:endParaRPr lang="en-US" altLang="ko-KR" sz="1100" b="1" dirty="0">
+              <a:solidFill>
+                <a:srgbClr val="FF0000"/>
+              </a:solidFill>
+            </a:endParaRPr>
+          </a:p>
+          <a:p>
+            <a:pPr marL="171450" indent="-171450">
+              <a:lnSpc>
+                <a:spcPct val="150000"/>
+              </a:lnSpc>
+              <a:buFont typeface="Arial" panose="020B0604020202020204" pitchFamily="34" charset="0"/>
+              <a:buChar char="•"/>
+            </a:pPr>
+            <a:r>
+              <a:rPr lang="en-US" altLang="ko-KR" sz="1100" dirty="0"/>
+              <a:t>INDEX</a:t>
+            </a:r>
+            <a:r>
+              <a:rPr lang="ko-KR" altLang="en-US" sz="1100" dirty="0"/>
+              <a:t>는 </a:t>
+            </a:r>
+            <a:r>
+              <a:rPr lang="en-US" altLang="ko-KR" sz="1100" dirty="0"/>
+              <a:t>INDEX KEY</a:t>
+            </a:r>
+            <a:r>
+              <a:rPr lang="ko-KR" altLang="en-US" sz="1100" dirty="0"/>
+              <a:t>를 기준으로 오름차순 및 내림차순</a:t>
+            </a:r>
+            <a:endParaRPr lang="en-US" altLang="ko-KR" sz="1100" dirty="0"/>
+          </a:p>
+          <a:p>
+            <a:pPr>
+              <a:lnSpc>
+                <a:spcPct val="150000"/>
+              </a:lnSpc>
+            </a:pPr>
+            <a:r>
+              <a:rPr lang="en-US" altLang="ko-KR" sz="1100" dirty="0"/>
+              <a:t>   </a:t>
+            </a:r>
+            <a:r>
+              <a:rPr lang="ko-KR" altLang="en-US" sz="1100" dirty="0"/>
+              <a:t>탐색이 가능함</a:t>
+            </a:r>
+            <a:endParaRPr lang="en-US" altLang="ko-KR" sz="1100" dirty="0"/>
+          </a:p>
+          <a:p>
+            <a:pPr marL="171450" indent="-171450">
+              <a:lnSpc>
+                <a:spcPct val="150000"/>
+              </a:lnSpc>
+              <a:buFont typeface="Arial" panose="020B0604020202020204" pitchFamily="34" charset="0"/>
+              <a:buChar char="•"/>
+            </a:pPr>
+            <a:r>
+              <a:rPr lang="ko-KR" altLang="en-US" sz="1100" dirty="0"/>
+              <a:t>하나의 테이블에 여러 개의 </a:t>
+            </a:r>
+            <a:r>
+              <a:rPr lang="en-US" altLang="ko-KR" sz="1100" dirty="0"/>
+              <a:t>INDEX</a:t>
+            </a:r>
+            <a:r>
+              <a:rPr lang="ko-KR" altLang="en-US" sz="1100" dirty="0"/>
+              <a:t>를 생성할 수 있음</a:t>
+            </a:r>
+            <a:endParaRPr lang="en-US" altLang="ko-KR" sz="1100" dirty="0"/>
+          </a:p>
+          <a:p>
+            <a:pPr>
+              <a:lnSpc>
+                <a:spcPct val="150000"/>
+              </a:lnSpc>
+            </a:pPr>
+            <a:endParaRPr lang="en-US" altLang="ko-KR" sz="1100" dirty="0"/>
+          </a:p>
+          <a:p>
+            <a:pPr marL="171450" indent="-171450">
+              <a:lnSpc>
+                <a:spcPct val="150000"/>
+              </a:lnSpc>
+              <a:buFont typeface="Arial" panose="020B0604020202020204" pitchFamily="34" charset="0"/>
+              <a:buChar char="•"/>
+            </a:pPr>
+            <a:r>
+              <a:rPr lang="en-US" altLang="ko-KR" sz="1100" dirty="0"/>
+              <a:t>Unique INDEX : </a:t>
+            </a:r>
+            <a:r>
+              <a:rPr lang="ko-KR" altLang="en-US" sz="1100" dirty="0"/>
+              <a:t>해당 </a:t>
+            </a:r>
+            <a:r>
+              <a:rPr lang="en-US" altLang="ko-KR" sz="1100" dirty="0"/>
+              <a:t>INDEX</a:t>
+            </a:r>
+            <a:r>
+              <a:rPr lang="ko-KR" altLang="en-US" sz="1100" dirty="0"/>
+              <a:t>에 중복된 값이 없음</a:t>
+            </a:r>
+            <a:endParaRPr lang="en-US" altLang="ko-KR" sz="1100" dirty="0"/>
+          </a:p>
+          <a:p>
+            <a:pPr>
+              <a:lnSpc>
+                <a:spcPct val="150000"/>
+              </a:lnSpc>
+            </a:pPr>
+            <a:r>
+              <a:rPr lang="en-US" altLang="ko-KR" sz="1100" dirty="0"/>
+              <a:t>                        </a:t>
+            </a:r>
+            <a:r>
+              <a:rPr lang="ko-KR" altLang="en-US" sz="1100" dirty="0"/>
+              <a:t>정의된 </a:t>
+            </a:r>
+            <a:r>
+              <a:rPr lang="en-US" altLang="ko-KR" sz="1100" dirty="0"/>
+              <a:t>PK</a:t>
+            </a:r>
+            <a:r>
+              <a:rPr lang="ko-KR" altLang="en-US" sz="1100" dirty="0"/>
+              <a:t>에 의해 자동으로 생성되는 </a:t>
+            </a:r>
+            <a:r>
+              <a:rPr lang="en-US" altLang="ko-KR" sz="1100" dirty="0"/>
+              <a:t>INDEX</a:t>
+            </a:r>
+            <a:r>
+              <a:rPr lang="ko-KR" altLang="en-US" sz="1100" dirty="0"/>
+              <a:t>는</a:t>
+            </a:r>
+            <a:endParaRPr lang="en-US" altLang="ko-KR" sz="1100" dirty="0"/>
+          </a:p>
+          <a:p>
+            <a:pPr>
+              <a:lnSpc>
+                <a:spcPct val="150000"/>
+              </a:lnSpc>
+            </a:pPr>
+            <a:r>
+              <a:rPr lang="en-US" altLang="ko-KR" sz="1100" dirty="0"/>
+              <a:t>                        Unique INDEX</a:t>
+            </a:r>
+            <a:r>
+              <a:rPr lang="ko-KR" altLang="en-US" sz="1100" dirty="0"/>
+              <a:t>임</a:t>
+            </a:r>
+            <a:endParaRPr lang="en-US" altLang="ko-KR" sz="1100" dirty="0"/>
+          </a:p>
+          <a:p>
+            <a:pPr marL="171450" indent="-171450">
+              <a:lnSpc>
+                <a:spcPct val="150000"/>
+              </a:lnSpc>
+              <a:buFont typeface="Arial" panose="020B0604020202020204" pitchFamily="34" charset="0"/>
+              <a:buChar char="•"/>
+            </a:pPr>
+            <a:r>
+              <a:rPr lang="en-US" altLang="ko-KR" sz="1100" dirty="0"/>
+              <a:t>Non Unique INDEX : </a:t>
+            </a:r>
+            <a:r>
+              <a:rPr lang="ko-KR" altLang="en-US" sz="1100" dirty="0"/>
+              <a:t>해당 </a:t>
+            </a:r>
+            <a:r>
+              <a:rPr lang="en-US" altLang="ko-KR" sz="1100" dirty="0"/>
+              <a:t>INDEX</a:t>
+            </a:r>
+            <a:r>
+              <a:rPr lang="ko-KR" altLang="en-US" sz="1100" dirty="0"/>
+              <a:t>에 중복된 값 허용</a:t>
+            </a:r>
+            <a:endParaRPr lang="en-US" altLang="ko-KR" sz="1100" dirty="0"/>
+          </a:p>
+          <a:p>
+            <a:pPr marL="171450" indent="-171450">
+              <a:lnSpc>
+                <a:spcPct val="150000"/>
+              </a:lnSpc>
+              <a:buFont typeface="Arial" panose="020B0604020202020204" pitchFamily="34" charset="0"/>
+              <a:buChar char="•"/>
+            </a:pPr>
+            <a:endParaRPr lang="en-US" altLang="ko-KR" sz="1100" dirty="0"/>
+          </a:p>
+          <a:p>
+            <a:pPr marL="171450" indent="-171450">
+              <a:lnSpc>
+                <a:spcPct val="150000"/>
+              </a:lnSpc>
+              <a:buFont typeface="Arial" panose="020B0604020202020204" pitchFamily="34" charset="0"/>
+              <a:buChar char="•"/>
+            </a:pPr>
+            <a:r>
+              <a:rPr lang="ko-KR" altLang="en-US" sz="1100" dirty="0"/>
+              <a:t>하나의 </a:t>
+            </a:r>
+            <a:r>
+              <a:rPr lang="en-US" altLang="ko-KR" sz="1100" dirty="0"/>
+              <a:t>INDEX</a:t>
+            </a:r>
+            <a:r>
+              <a:rPr lang="ko-KR" altLang="en-US" sz="1100" dirty="0"/>
+              <a:t>는 여러 개의 컬럼으로 구성될 수 있음</a:t>
+            </a:r>
+            <a:endParaRPr lang="en-US" altLang="ko-KR" sz="1100" dirty="0"/>
+          </a:p>
+          <a:p>
+            <a:pPr marL="171450" indent="-171450">
+              <a:lnSpc>
+                <a:spcPct val="150000"/>
+              </a:lnSpc>
+              <a:buFont typeface="Arial" panose="020B0604020202020204" pitchFamily="34" charset="0"/>
+              <a:buChar char="•"/>
+            </a:pPr>
+            <a:r>
+              <a:rPr lang="en-US" altLang="ko-KR" sz="1100" dirty="0"/>
+              <a:t>Single Column INDEX : </a:t>
+            </a:r>
+            <a:r>
+              <a:rPr lang="ko-KR" altLang="en-US" sz="1100" dirty="0"/>
+              <a:t>한 개의 컬럼으로 구성된 </a:t>
+            </a:r>
+            <a:r>
+              <a:rPr lang="en-US" altLang="ko-KR" sz="1100" dirty="0"/>
+              <a:t>INDEX</a:t>
+            </a:r>
+          </a:p>
+          <a:p>
+            <a:pPr marL="171450" indent="-171450">
+              <a:lnSpc>
+                <a:spcPct val="150000"/>
+              </a:lnSpc>
+              <a:buFont typeface="Arial" panose="020B0604020202020204" pitchFamily="34" charset="0"/>
+              <a:buChar char="•"/>
+            </a:pPr>
+            <a:r>
+              <a:rPr lang="en-US" altLang="ko-KR" sz="1100" dirty="0"/>
+              <a:t>Composite INDEX : </a:t>
+            </a:r>
+            <a:r>
+              <a:rPr lang="ko-KR" altLang="en-US" sz="1100" dirty="0"/>
+              <a:t>두 개 이상의 컬럼으로 구성된 </a:t>
+            </a:r>
+            <a:r>
+              <a:rPr lang="en-US" altLang="ko-KR" sz="1100" dirty="0"/>
+              <a:t>INDEX</a:t>
+            </a:r>
+          </a:p>
+          <a:p>
+            <a:pPr>
+              <a:lnSpc>
+                <a:spcPct val="150000"/>
+              </a:lnSpc>
+            </a:pPr>
+            <a:r>
+              <a:rPr lang="en-US" altLang="ko-KR" sz="1100" dirty="0"/>
+              <a:t>                             </a:t>
+            </a:r>
+            <a:r>
+              <a:rPr lang="ko-KR" altLang="en-US" sz="1100" dirty="0"/>
+              <a:t>컬럼을 지정한 순서에 따라 정렬 실시</a:t>
+            </a:r>
+            <a:endParaRPr lang="en-US" altLang="ko-KR" sz="1100" dirty="0"/>
+          </a:p>
+        </p:txBody>
+      </p:sp>
+      <p:cxnSp>
+        <p:nvCxnSpPr>
+          <p:cNvPr id="27" name="직선 연결선 26">
+            <a:extLst>
+              <a:ext uri="{FF2B5EF4-FFF2-40B4-BE49-F238E27FC236}">
+                <a16:creationId xmlns:a16="http://schemas.microsoft.com/office/drawing/2014/main" id="{EF00D81C-F021-4A24-B96C-A5116CE13955}"/>
+              </a:ext>
+            </a:extLst>
+          </p:cNvPr>
+          <p:cNvCxnSpPr>
+            <a:cxnSpLocks/>
+          </p:cNvCxnSpPr>
+          <p:nvPr/>
+        </p:nvCxnSpPr>
+        <p:spPr>
+          <a:xfrm>
+            <a:off x="845389" y="5539385"/>
+            <a:ext cx="0" cy="499106"/>
+          </a:xfrm>
+          <a:prstGeom prst="line">
+            <a:avLst/>
+          </a:prstGeom>
+          <a:ln>
+            <a:solidFill>
+              <a:srgbClr val="FF0000"/>
+            </a:solidFill>
+          </a:ln>
+        </p:spPr>
+        <p:style>
+          <a:lnRef idx="1">
+            <a:schemeClr val="accent1"/>
+          </a:lnRef>
+          <a:fillRef idx="0">
+            <a:schemeClr val="accent1"/>
+          </a:fillRef>
+          <a:effectRef idx="0">
+            <a:schemeClr val="accent1"/>
+          </a:effectRef>
+          <a:fontRef idx="minor">
+            <a:schemeClr val="tx1"/>
+          </a:fontRef>
+        </p:style>
+      </p:cxnSp>
+      <p:cxnSp>
+        <p:nvCxnSpPr>
+          <p:cNvPr id="29" name="직선 연결선 28">
+            <a:extLst>
+              <a:ext uri="{FF2B5EF4-FFF2-40B4-BE49-F238E27FC236}">
+                <a16:creationId xmlns:a16="http://schemas.microsoft.com/office/drawing/2014/main" id="{94DCB95A-2380-494B-A6A6-BE1F62C2D01C}"/>
+              </a:ext>
+            </a:extLst>
+          </p:cNvPr>
+          <p:cNvCxnSpPr>
+            <a:cxnSpLocks/>
+          </p:cNvCxnSpPr>
+          <p:nvPr/>
+        </p:nvCxnSpPr>
+        <p:spPr>
+          <a:xfrm>
+            <a:off x="1854679" y="5539385"/>
+            <a:ext cx="0" cy="499106"/>
+          </a:xfrm>
+          <a:prstGeom prst="line">
+            <a:avLst/>
+          </a:prstGeom>
+          <a:ln>
+            <a:solidFill>
+              <a:srgbClr val="FF0000"/>
+            </a:solidFill>
+          </a:ln>
+        </p:spPr>
+        <p:style>
+          <a:lnRef idx="1">
+            <a:schemeClr val="accent1"/>
+          </a:lnRef>
+          <a:fillRef idx="0">
+            <a:schemeClr val="accent1"/>
+          </a:fillRef>
+          <a:effectRef idx="0">
+            <a:schemeClr val="accent1"/>
+          </a:effectRef>
+          <a:fontRef idx="minor">
+            <a:schemeClr val="tx1"/>
+          </a:fontRef>
+        </p:style>
+      </p:cxnSp>
+      <p:cxnSp>
+        <p:nvCxnSpPr>
+          <p:cNvPr id="34" name="직선 연결선 33">
+            <a:extLst>
+              <a:ext uri="{FF2B5EF4-FFF2-40B4-BE49-F238E27FC236}">
+                <a16:creationId xmlns:a16="http://schemas.microsoft.com/office/drawing/2014/main" id="{94ECF766-4CBF-4E58-9AAC-8972A0F6ADDB}"/>
+              </a:ext>
+            </a:extLst>
+          </p:cNvPr>
+          <p:cNvCxnSpPr/>
+          <p:nvPr/>
+        </p:nvCxnSpPr>
+        <p:spPr>
+          <a:xfrm>
+            <a:off x="845389" y="6038491"/>
+            <a:ext cx="1009290" cy="0"/>
+          </a:xfrm>
+          <a:prstGeom prst="line">
+            <a:avLst/>
+          </a:prstGeom>
+          <a:ln>
+            <a:solidFill>
+              <a:srgbClr val="FF0000"/>
+            </a:solidFill>
+          </a:ln>
+        </p:spPr>
+        <p:style>
+          <a:lnRef idx="1">
+            <a:schemeClr val="accent1"/>
+          </a:lnRef>
+          <a:fillRef idx="0">
+            <a:schemeClr val="accent1"/>
+          </a:fillRef>
+          <a:effectRef idx="0">
+            <a:schemeClr val="accent1"/>
+          </a:effectRef>
+          <a:fontRef idx="minor">
+            <a:schemeClr val="tx1"/>
+          </a:fontRef>
+        </p:style>
+      </p:cxnSp>
+      <p:sp>
+        <p:nvSpPr>
+          <p:cNvPr id="36" name="원호 35">
+            <a:extLst>
+              <a:ext uri="{FF2B5EF4-FFF2-40B4-BE49-F238E27FC236}">
+                <a16:creationId xmlns:a16="http://schemas.microsoft.com/office/drawing/2014/main" id="{6DFF047C-1D38-4E27-BF64-0A0AD0817C9C}"/>
+              </a:ext>
+            </a:extLst>
+          </p:cNvPr>
+          <p:cNvSpPr/>
+          <p:nvPr/>
+        </p:nvSpPr>
+        <p:spPr>
+          <a:xfrm rot="8962677">
+            <a:off x="1515405" y="5211992"/>
+            <a:ext cx="1190443" cy="1052423"/>
+          </a:xfrm>
+          <a:prstGeom prst="arc">
+            <a:avLst/>
+          </a:prstGeom>
+          <a:ln>
+            <a:solidFill>
+              <a:srgbClr val="FF0000"/>
+            </a:solidFill>
+            <a:headEnd type="triangle"/>
+          </a:ln>
+        </p:spPr>
+        <p:style>
+          <a:lnRef idx="1">
+            <a:schemeClr val="accent1"/>
+          </a:lnRef>
+          <a:fillRef idx="0">
+            <a:schemeClr val="accent1"/>
+          </a:fillRef>
+          <a:effectRef idx="0">
+            <a:schemeClr val="accent1"/>
+          </a:effectRef>
+          <a:fontRef idx="minor">
+            <a:schemeClr val="tx1"/>
+          </a:fontRef>
+        </p:style>
+        <p:txBody>
+          <a:bodyPr rtlCol="0" anchor="ctr"/>
+          <a:lstStyle/>
+          <a:p>
+            <a:pPr algn="ctr"/>
+            <a:endParaRPr lang="ko-KR" altLang="en-US"/>
+          </a:p>
+        </p:txBody>
+      </p:sp>
+      <p:sp>
+        <p:nvSpPr>
+          <p:cNvPr id="38" name="TextBox 37">
+            <a:extLst>
+              <a:ext uri="{FF2B5EF4-FFF2-40B4-BE49-F238E27FC236}">
+                <a16:creationId xmlns:a16="http://schemas.microsoft.com/office/drawing/2014/main" id="{9EDAE029-921E-437E-B3FD-84BB65C0C649}"/>
+              </a:ext>
+            </a:extLst>
+          </p:cNvPr>
+          <p:cNvSpPr txBox="1"/>
+          <p:nvPr/>
+        </p:nvSpPr>
+        <p:spPr>
+          <a:xfrm>
+            <a:off x="2363170" y="5971857"/>
+            <a:ext cx="2506012" cy="400110"/>
+          </a:xfrm>
+          <a:prstGeom prst="rect">
+            <a:avLst/>
+          </a:prstGeom>
+          <a:noFill/>
+        </p:spPr>
+        <p:txBody>
+          <a:bodyPr wrap="square" rtlCol="0">
+            <a:spAutoFit/>
+          </a:bodyPr>
+          <a:lstStyle/>
+          <a:p>
+            <a:r>
+              <a:rPr lang="ko-KR" altLang="en-US" sz="1000" dirty="0"/>
+              <a:t>해당 </a:t>
+            </a:r>
+            <a:r>
+              <a:rPr lang="en-US" altLang="ko-KR" sz="1000" dirty="0"/>
+              <a:t>INDEX</a:t>
+            </a:r>
+            <a:r>
+              <a:rPr lang="ko-KR" altLang="en-US" sz="1000" dirty="0"/>
+              <a:t>는 두 개의 컬럼으로 구성됨</a:t>
+            </a:r>
+            <a:endParaRPr lang="en-US" altLang="ko-KR" sz="1000" dirty="0"/>
+          </a:p>
+          <a:p>
+            <a:r>
+              <a:rPr lang="en-US" altLang="ko-KR" sz="1000" dirty="0"/>
+              <a:t>INDEX KEY = (FirstName, </a:t>
+            </a:r>
+            <a:r>
+              <a:rPr lang="en-US" altLang="ko-KR" sz="1000" dirty="0" err="1"/>
+              <a:t>LastName</a:t>
+            </a:r>
+            <a:r>
+              <a:rPr lang="en-US" altLang="ko-KR" sz="1000" dirty="0"/>
+              <a:t>)</a:t>
+            </a:r>
+            <a:endParaRPr lang="ko-KR" altLang="en-US" sz="1000" dirty="0"/>
+          </a:p>
+        </p:txBody>
+      </p:sp>
+    </p:spTree>
+    <p:extLst>
+      <p:ext uri="{BB962C8B-B14F-4D97-AF65-F5344CB8AC3E}">
+        <p14:creationId xmlns:p14="http://schemas.microsoft.com/office/powerpoint/2010/main" val="470375731"/>
+      </p:ext>
+    </p:extLst>
+  </p:cSld>
+  <p:clrMapOvr>
+    <a:masterClrMapping/>
+  </p:clrMapOvr>
+</p:sld>
+</file>
+
+<file path=ppt/slides/slide3.xml><?xml version="1.0" encoding="utf-8"?>
 <p:sld xmlns:a="http://schemas.openxmlformats.org/drawingml/2006/main" xmlns:r="http://schemas.openxmlformats.org/officeDocument/2006/relationships" xmlns:p="http://schemas.openxmlformats.org/presentationml/2006/main">
   <p:cSld>
     <p:spTree>
@@ -19557,15 +21533,426 @@
                 <a:latin typeface="나눔고딕" panose="020B0600000101010101" charset="-127"/>
                 <a:ea typeface="나눔고딕" panose="020B0600000101010101" charset="-127"/>
               </a:rPr>
-              <a:t>3. SCAN OPERATION</a:t>
-            </a:r>
-            <a:endParaRPr lang="ko-KR" altLang="en-US" dirty="0">
+              <a:t>1. SUBQUERY </a:t>
+            </a:r>
+            <a:r>
+              <a:rPr lang="ko-KR" altLang="en-US" dirty="0">
+                <a:latin typeface="나눔고딕" panose="020B0600000101010101" charset="-127"/>
+                <a:ea typeface="나눔고딕" panose="020B0600000101010101" charset="-127"/>
+              </a:rPr>
+              <a:t>종류</a:t>
+            </a:r>
+          </a:p>
+        </p:txBody>
+      </p:sp>
+      <p:sp>
+        <p:nvSpPr>
+          <p:cNvPr id="3" name="슬라이드 번호 개체 틀 2">
+            <a:extLst>
+              <a:ext uri="{FF2B5EF4-FFF2-40B4-BE49-F238E27FC236}">
+                <a16:creationId xmlns:a16="http://schemas.microsoft.com/office/drawing/2014/main" id="{52605890-CC5B-48CD-9CC1-694880517276}"/>
+              </a:ext>
+            </a:extLst>
+          </p:cNvPr>
+          <p:cNvSpPr>
+            <a:spLocks noGrp="1"/>
+          </p:cNvSpPr>
+          <p:nvPr>
+            <p:ph type="sldNum" sz="quarter" idx="12"/>
+          </p:nvPr>
+        </p:nvSpPr>
+        <p:spPr/>
+        <p:txBody>
+          <a:bodyPr>
+            <a:normAutofit fontScale="92500"/>
+          </a:bodyPr>
+          <a:lstStyle/>
+          <a:p>
+            <a:fld id="{EBB166B3-33A6-45CA-B81B-F13BE7654232}" type="slidenum">
+              <a:rPr lang="ko-KR" altLang="en-US" smtClean="0">
+                <a:latin typeface="나눔고딕" panose="020B0600000101010101" charset="-127"/>
+                <a:ea typeface="나눔고딕" panose="020B0600000101010101" charset="-127"/>
+              </a:rPr>
+              <a:t>2</a:t>
+            </a:fld>
+            <a:endParaRPr lang="ko-KR" altLang="en-US">
               <a:latin typeface="나눔고딕" panose="020B0600000101010101" charset="-127"/>
               <a:ea typeface="나눔고딕" panose="020B0600000101010101" charset="-127"/>
             </a:endParaRPr>
           </a:p>
         </p:txBody>
       </p:sp>
+      <p:sp>
+        <p:nvSpPr>
+          <p:cNvPr id="47" name="텍스트 개체 틀 3">
+            <a:extLst>
+              <a:ext uri="{FF2B5EF4-FFF2-40B4-BE49-F238E27FC236}">
+                <a16:creationId xmlns:a16="http://schemas.microsoft.com/office/drawing/2014/main" id="{BD6E26C7-2547-444C-8643-2B2EEE99F2F4}"/>
+              </a:ext>
+            </a:extLst>
+          </p:cNvPr>
+          <p:cNvSpPr>
+            <a:spLocks noGrp="1"/>
+          </p:cNvSpPr>
+          <p:nvPr>
+            <p:ph type="body" sz="quarter" idx="13"/>
+          </p:nvPr>
+        </p:nvSpPr>
+        <p:spPr>
+          <a:xfrm>
+            <a:off x="6747393" y="62621"/>
+            <a:ext cx="2822735" cy="390525"/>
+          </a:xfrm>
+        </p:spPr>
+        <p:txBody>
+          <a:bodyPr/>
+          <a:lstStyle/>
+          <a:p>
+            <a:r>
+              <a:rPr lang="en-US" altLang="ko-KR" dirty="0">
+                <a:latin typeface="나눔고딕" panose="020B0600000101010101" charset="-127"/>
+                <a:ea typeface="나눔고딕" panose="020B0600000101010101" charset="-127"/>
+              </a:rPr>
+              <a:t>Ⅰ. SUBQUERY </a:t>
+            </a:r>
+            <a:r>
+              <a:rPr lang="ko-KR" altLang="en-US" dirty="0">
+                <a:latin typeface="나눔고딕" panose="020B0600000101010101" charset="-127"/>
+                <a:ea typeface="나눔고딕" panose="020B0600000101010101" charset="-127"/>
+              </a:rPr>
+              <a:t>종류와 활용</a:t>
+            </a:r>
+          </a:p>
+        </p:txBody>
+      </p:sp>
+      <p:sp>
+        <p:nvSpPr>
+          <p:cNvPr id="4" name="TextBox 3">
+            <a:extLst>
+              <a:ext uri="{FF2B5EF4-FFF2-40B4-BE49-F238E27FC236}">
+                <a16:creationId xmlns:a16="http://schemas.microsoft.com/office/drawing/2014/main" id="{AADEDC90-8739-4034-9C72-9415D8188AB0}"/>
+              </a:ext>
+            </a:extLst>
+          </p:cNvPr>
+          <p:cNvSpPr txBox="1"/>
+          <p:nvPr/>
+        </p:nvSpPr>
+        <p:spPr>
+          <a:xfrm>
+            <a:off x="363984" y="855677"/>
+            <a:ext cx="8356839" cy="1441613"/>
+          </a:xfrm>
+          <a:prstGeom prst="rect">
+            <a:avLst/>
+          </a:prstGeom>
+          <a:noFill/>
+        </p:spPr>
+        <p:txBody>
+          <a:bodyPr wrap="none" rtlCol="0">
+            <a:spAutoFit/>
+          </a:bodyPr>
+          <a:lstStyle/>
+          <a:p>
+            <a:pPr marL="285750" indent="-285750">
+              <a:lnSpc>
+                <a:spcPct val="150000"/>
+              </a:lnSpc>
+              <a:buFont typeface="Arial" panose="020B0604020202020204" pitchFamily="34" charset="0"/>
+              <a:buChar char="•"/>
+            </a:pPr>
+            <a:r>
+              <a:rPr lang="en-US" altLang="ko-KR" sz="1200" dirty="0"/>
+              <a:t>SUBQUERY(</a:t>
+            </a:r>
+            <a:r>
+              <a:rPr lang="ko-KR" altLang="en-US" sz="1200" dirty="0" err="1"/>
+              <a:t>서브쿼리</a:t>
+            </a:r>
+            <a:r>
+              <a:rPr lang="en-US" altLang="ko-KR" sz="1200" dirty="0"/>
+              <a:t>) : </a:t>
+            </a:r>
+            <a:r>
+              <a:rPr lang="ko-KR" altLang="en-US" sz="1200" dirty="0"/>
+              <a:t>하나의 </a:t>
+            </a:r>
+            <a:r>
+              <a:rPr lang="en-US" altLang="ko-KR" sz="1200" dirty="0"/>
+              <a:t>SQL </a:t>
+            </a:r>
+            <a:r>
+              <a:rPr lang="ko-KR" altLang="en-US" sz="1200" dirty="0"/>
+              <a:t>문장 내에서 괄호로 묶인 별도의 </a:t>
+            </a:r>
+            <a:r>
+              <a:rPr lang="en-US" altLang="ko-KR" sz="1200" dirty="0"/>
+              <a:t>Query Block(</a:t>
+            </a:r>
+            <a:r>
+              <a:rPr lang="ko-KR" altLang="en-US" sz="1200" dirty="0"/>
+              <a:t>쿼리 블록</a:t>
+            </a:r>
+            <a:r>
+              <a:rPr lang="en-US" altLang="ko-KR" sz="1200" dirty="0"/>
+              <a:t>)</a:t>
+            </a:r>
+          </a:p>
+          <a:p>
+            <a:pPr marL="285750" indent="-285750">
+              <a:lnSpc>
+                <a:spcPct val="150000"/>
+              </a:lnSpc>
+              <a:buFont typeface="Arial" panose="020B0604020202020204" pitchFamily="34" charset="0"/>
+              <a:buChar char="•"/>
+            </a:pPr>
+            <a:r>
+              <a:rPr lang="ko-KR" altLang="en-US" sz="1200" dirty="0" err="1"/>
+              <a:t>서브쿼리</a:t>
+            </a:r>
+            <a:r>
+              <a:rPr lang="ko-KR" altLang="en-US" sz="1200" dirty="0"/>
+              <a:t> 종류</a:t>
+            </a:r>
+            <a:endParaRPr lang="en-US" altLang="ko-KR" sz="1200" dirty="0"/>
+          </a:p>
+          <a:p>
+            <a:pPr>
+              <a:lnSpc>
+                <a:spcPct val="150000"/>
+              </a:lnSpc>
+            </a:pPr>
+            <a:r>
+              <a:rPr lang="en-US" altLang="ko-KR" sz="1200" dirty="0"/>
+              <a:t>     1. SCALAR SUBQUERY : </a:t>
+            </a:r>
+            <a:r>
+              <a:rPr lang="ko-KR" altLang="en-US" sz="1200" dirty="0"/>
+              <a:t>한 레코드당 정확히 하나의 컬럼 </a:t>
+            </a:r>
+            <a:r>
+              <a:rPr lang="ko-KR" altLang="en-US" sz="1200" dirty="0" err="1"/>
+              <a:t>값만을</a:t>
+            </a:r>
+            <a:r>
+              <a:rPr lang="ko-KR" altLang="en-US" sz="1200" dirty="0"/>
+              <a:t> 반환하기 위해</a:t>
+            </a:r>
+            <a:r>
+              <a:rPr lang="en-US" altLang="ko-KR" sz="1200" dirty="0"/>
+              <a:t>, </a:t>
+            </a:r>
+            <a:r>
+              <a:rPr lang="ko-KR" altLang="en-US" sz="1200" dirty="0"/>
+              <a:t>주로 </a:t>
+            </a:r>
+            <a:r>
+              <a:rPr lang="en-US" altLang="ko-KR" sz="1200" dirty="0"/>
+              <a:t>SELECT</a:t>
+            </a:r>
+            <a:r>
+              <a:rPr lang="ko-KR" altLang="en-US" sz="1200" dirty="0"/>
+              <a:t>절에 사용된 </a:t>
+            </a:r>
+            <a:r>
+              <a:rPr lang="ko-KR" altLang="en-US" sz="1200" dirty="0" err="1"/>
+              <a:t>서브쿼리</a:t>
+            </a:r>
+            <a:endParaRPr lang="en-US" altLang="ko-KR" sz="1200" dirty="0"/>
+          </a:p>
+          <a:p>
+            <a:pPr>
+              <a:lnSpc>
+                <a:spcPct val="150000"/>
+              </a:lnSpc>
+            </a:pPr>
+            <a:r>
+              <a:rPr lang="en-US" altLang="ko-KR" sz="1200" dirty="0"/>
+              <a:t>     2. INLINE VIEW          : FROM</a:t>
+            </a:r>
+            <a:r>
+              <a:rPr lang="ko-KR" altLang="en-US" sz="1200" dirty="0"/>
+              <a:t>절에 나타나는 </a:t>
+            </a:r>
+            <a:r>
+              <a:rPr lang="ko-KR" altLang="en-US" sz="1200" dirty="0" err="1"/>
+              <a:t>서브쿼리</a:t>
+            </a:r>
+            <a:endParaRPr lang="en-US" altLang="ko-KR" sz="1200" dirty="0"/>
+          </a:p>
+          <a:p>
+            <a:pPr>
+              <a:lnSpc>
+                <a:spcPct val="150000"/>
+              </a:lnSpc>
+            </a:pPr>
+            <a:r>
+              <a:rPr lang="en-US" altLang="ko-KR" sz="1200" dirty="0"/>
+              <a:t>     3. NESTED SUBQUERY : </a:t>
+            </a:r>
+            <a:r>
+              <a:rPr lang="ko-KR" altLang="en-US" sz="1200" dirty="0"/>
+              <a:t>결과집합을 한정하기 위해 </a:t>
+            </a:r>
+            <a:r>
+              <a:rPr lang="en-US" altLang="ko-KR" sz="1200" dirty="0"/>
+              <a:t>WHERE</a:t>
+            </a:r>
+            <a:r>
+              <a:rPr lang="ko-KR" altLang="en-US" sz="1200" dirty="0"/>
+              <a:t>절에 사용된 </a:t>
+            </a:r>
+            <a:r>
+              <a:rPr lang="ko-KR" altLang="en-US" sz="1200" dirty="0" err="1"/>
+              <a:t>서브쿼리</a:t>
+            </a:r>
+            <a:r>
+              <a:rPr lang="en-US" altLang="ko-KR" sz="1200" dirty="0"/>
+              <a:t> </a:t>
+            </a:r>
+          </a:p>
+        </p:txBody>
+      </p:sp>
+      <p:grpSp>
+        <p:nvGrpSpPr>
+          <p:cNvPr id="13" name="그룹 12">
+            <a:extLst>
+              <a:ext uri="{FF2B5EF4-FFF2-40B4-BE49-F238E27FC236}">
+                <a16:creationId xmlns:a16="http://schemas.microsoft.com/office/drawing/2014/main" id="{15D4348A-13E5-4356-9401-5115AAB051B7}"/>
+              </a:ext>
+            </a:extLst>
+          </p:cNvPr>
+          <p:cNvGrpSpPr/>
+          <p:nvPr/>
+        </p:nvGrpSpPr>
+        <p:grpSpPr>
+          <a:xfrm>
+            <a:off x="606847" y="2699821"/>
+            <a:ext cx="6419850" cy="3218633"/>
+            <a:chOff x="481012" y="2672451"/>
+            <a:chExt cx="6419850" cy="3218633"/>
+          </a:xfrm>
+        </p:grpSpPr>
+        <p:pic>
+          <p:nvPicPr>
+            <p:cNvPr id="8" name="그림 7">
+              <a:extLst>
+                <a:ext uri="{FF2B5EF4-FFF2-40B4-BE49-F238E27FC236}">
+                  <a16:creationId xmlns:a16="http://schemas.microsoft.com/office/drawing/2014/main" id="{802A8635-5B4A-451C-A384-D99B63ED2245}"/>
+                </a:ext>
+              </a:extLst>
+            </p:cNvPr>
+            <p:cNvPicPr>
+              <a:picLocks noChangeAspect="1"/>
+            </p:cNvPicPr>
+            <p:nvPr/>
+          </p:nvPicPr>
+          <p:blipFill>
+            <a:blip r:embed="rId2"/>
+            <a:stretch>
+              <a:fillRect/>
+            </a:stretch>
+          </p:blipFill>
+          <p:spPr>
+            <a:xfrm>
+              <a:off x="481012" y="2672451"/>
+              <a:ext cx="6353175" cy="885825"/>
+            </a:xfrm>
+            <a:prstGeom prst="rect">
+              <a:avLst/>
+            </a:prstGeom>
+          </p:spPr>
+        </p:pic>
+        <p:pic>
+          <p:nvPicPr>
+            <p:cNvPr id="10" name="그림 9">
+              <a:extLst>
+                <a:ext uri="{FF2B5EF4-FFF2-40B4-BE49-F238E27FC236}">
+                  <a16:creationId xmlns:a16="http://schemas.microsoft.com/office/drawing/2014/main" id="{4B15A1DF-909F-4835-BAEC-EF472779AFA1}"/>
+                </a:ext>
+              </a:extLst>
+            </p:cNvPr>
+            <p:cNvPicPr>
+              <a:picLocks noChangeAspect="1"/>
+            </p:cNvPicPr>
+            <p:nvPr/>
+          </p:nvPicPr>
+          <p:blipFill>
+            <a:blip r:embed="rId3"/>
+            <a:stretch>
+              <a:fillRect/>
+            </a:stretch>
+          </p:blipFill>
+          <p:spPr>
+            <a:xfrm>
+              <a:off x="481012" y="3876955"/>
+              <a:ext cx="6419850" cy="800100"/>
+            </a:xfrm>
+            <a:prstGeom prst="rect">
+              <a:avLst/>
+            </a:prstGeom>
+          </p:spPr>
+        </p:pic>
+        <p:pic>
+          <p:nvPicPr>
+            <p:cNvPr id="12" name="그림 11">
+              <a:extLst>
+                <a:ext uri="{FF2B5EF4-FFF2-40B4-BE49-F238E27FC236}">
+                  <a16:creationId xmlns:a16="http://schemas.microsoft.com/office/drawing/2014/main" id="{8678A0D3-98F3-4E09-9B16-8F5E56A6FE21}"/>
+                </a:ext>
+              </a:extLst>
+            </p:cNvPr>
+            <p:cNvPicPr>
+              <a:picLocks noChangeAspect="1"/>
+            </p:cNvPicPr>
+            <p:nvPr/>
+          </p:nvPicPr>
+          <p:blipFill>
+            <a:blip r:embed="rId4"/>
+            <a:stretch>
+              <a:fillRect/>
+            </a:stretch>
+          </p:blipFill>
+          <p:spPr>
+            <a:xfrm>
+              <a:off x="547687" y="4995734"/>
+              <a:ext cx="6286500" cy="895350"/>
+            </a:xfrm>
+            <a:prstGeom prst="rect">
+              <a:avLst/>
+            </a:prstGeom>
+          </p:spPr>
+        </p:pic>
+      </p:grpSp>
+    </p:spTree>
+    <p:extLst>
+      <p:ext uri="{BB962C8B-B14F-4D97-AF65-F5344CB8AC3E}">
+        <p14:creationId xmlns:p14="http://schemas.microsoft.com/office/powerpoint/2010/main" val="2328535874"/>
+      </p:ext>
+    </p:extLst>
+  </p:cSld>
+  <p:clrMapOvr>
+    <a:masterClrMapping/>
+  </p:clrMapOvr>
+</p:sld>
+</file>
+
+<file path=ppt/slides/slide30.xml><?xml version="1.0" encoding="utf-8"?>
+<p:sld xmlns:a="http://schemas.openxmlformats.org/drawingml/2006/main" xmlns:r="http://schemas.openxmlformats.org/officeDocument/2006/relationships" xmlns:p="http://schemas.openxmlformats.org/presentationml/2006/main">
+  <p:cSld>
+    <p:spTree>
+      <p:nvGrpSpPr>
+        <p:cNvPr id="1" name=""/>
+        <p:cNvGrpSpPr/>
+        <p:nvPr/>
+      </p:nvGrpSpPr>
+      <p:grpSpPr>
+        <a:xfrm>
+          <a:off x="0" y="0"/>
+          <a:ext cx="0" cy="0"/>
+          <a:chOff x="0" y="0"/>
+          <a:chExt cx="0" cy="0"/>
+        </a:xfrm>
+      </p:grpSpPr>
       <p:sp>
         <p:nvSpPr>
           <p:cNvPr id="47" name="텍스트 개체 틀 3">
@@ -19642,7 +22029,7 @@
                 <a:latin typeface="나눔고딕" panose="020B0600000101010101" charset="-127"/>
                 <a:ea typeface="나눔고딕" panose="020B0600000101010101" charset="-127"/>
               </a:rPr>
-              <a:t>27</a:t>
+              <a:t>29</a:t>
             </a:fld>
             <a:endParaRPr lang="ko-KR" altLang="en-US" dirty="0">
               <a:latin typeface="나눔고딕" panose="020B0600000101010101" charset="-127"/>
@@ -19651,40 +22038,437 @@
           </a:p>
         </p:txBody>
       </p:sp>
-      <p:pic>
-        <p:nvPicPr>
-          <p:cNvPr id="11" name="그림 10">
+      <p:sp>
+        <p:nvSpPr>
+          <p:cNvPr id="3" name="TextBox 2">
             <a:extLst>
               <a:ext uri="{FF2B5EF4-FFF2-40B4-BE49-F238E27FC236}">
-                <a16:creationId xmlns:a16="http://schemas.microsoft.com/office/drawing/2014/main" id="{CF5729D9-F261-412E-B38F-AF76D06E0E5A}"/>
+                <a16:creationId xmlns:a16="http://schemas.microsoft.com/office/drawing/2014/main" id="{43BD4B0A-C817-40FC-8794-1A803D7B2883}"/>
               </a:ext>
             </a:extLst>
           </p:cNvPr>
-          <p:cNvPicPr>
-            <a:picLocks noChangeAspect="1"/>
-          </p:cNvPicPr>
+          <p:cNvSpPr txBox="1"/>
           <p:nvPr/>
-        </p:nvPicPr>
-        <p:blipFill>
-          <a:blip r:embed="rId2"/>
-          <a:stretch>
-            <a:fillRect/>
-          </a:stretch>
-        </p:blipFill>
+        </p:nvSpPr>
         <p:spPr>
           <a:xfrm>
-            <a:off x="1524000" y="852181"/>
-            <a:ext cx="6858000" cy="3962400"/>
+            <a:off x="217129" y="861850"/>
+            <a:ext cx="9688871" cy="3354573"/>
           </a:xfrm>
           <a:prstGeom prst="rect">
             <a:avLst/>
           </a:prstGeom>
+          <a:noFill/>
         </p:spPr>
-      </p:pic>
+        <p:txBody>
+          <a:bodyPr wrap="none" rtlCol="0">
+            <a:spAutoFit/>
+          </a:bodyPr>
+          <a:lstStyle/>
+          <a:p>
+            <a:pPr marL="285750" indent="-285750">
+              <a:lnSpc>
+                <a:spcPct val="150000"/>
+              </a:lnSpc>
+              <a:buFont typeface="Arial" panose="020B0604020202020204" pitchFamily="34" charset="0"/>
+              <a:buChar char="•"/>
+            </a:pPr>
+            <a:r>
+              <a:rPr lang="en-US" altLang="ko-KR" sz="1300" dirty="0"/>
+              <a:t>INDEX SCAN</a:t>
+            </a:r>
+            <a:r>
+              <a:rPr lang="ko-KR" altLang="en-US" sz="1300" dirty="0"/>
+              <a:t>을 선택하는 경우</a:t>
+            </a:r>
+            <a:endParaRPr lang="en-US" altLang="ko-KR" sz="1300" dirty="0"/>
+          </a:p>
+          <a:p>
+            <a:pPr>
+              <a:lnSpc>
+                <a:spcPct val="150000"/>
+              </a:lnSpc>
+            </a:pPr>
+            <a:r>
+              <a:rPr lang="en-US" altLang="ko-KR" sz="1300" dirty="0"/>
+              <a:t>     1. INDEX UNIQUE SCAN : UNIQUE INDEX</a:t>
+            </a:r>
+            <a:r>
+              <a:rPr lang="ko-KR" altLang="en-US" sz="1300" dirty="0"/>
+              <a:t>를 이용하여</a:t>
+            </a:r>
+            <a:r>
+              <a:rPr lang="en-US" altLang="ko-KR" sz="1300" dirty="0"/>
+              <a:t>, </a:t>
+            </a:r>
+            <a:r>
+              <a:rPr lang="ko-KR" altLang="en-US" sz="1300" dirty="0"/>
+              <a:t>데이터 블록에 접근</a:t>
+            </a:r>
+            <a:endParaRPr lang="en-US" altLang="ko-KR" sz="1300" dirty="0"/>
+          </a:p>
+          <a:p>
+            <a:pPr>
+              <a:lnSpc>
+                <a:spcPct val="150000"/>
+              </a:lnSpc>
+            </a:pPr>
+            <a:r>
+              <a:rPr lang="en-US" altLang="ko-KR" sz="1300" dirty="0"/>
+              <a:t>                                       </a:t>
+            </a:r>
+            <a:r>
+              <a:rPr lang="ko-KR" altLang="en-US" sz="1300" dirty="0"/>
+              <a:t>한 건 이하의 </a:t>
+            </a:r>
+            <a:r>
+              <a:rPr lang="en-US" altLang="ko-KR" sz="1300" dirty="0"/>
+              <a:t>ROWID</a:t>
+            </a:r>
+            <a:r>
+              <a:rPr lang="ko-KR" altLang="en-US" sz="1300" dirty="0"/>
+              <a:t>를 반환하는 방식</a:t>
+            </a:r>
+            <a:endParaRPr lang="en-US" altLang="ko-KR" sz="1300" dirty="0"/>
+          </a:p>
+          <a:p>
+            <a:pPr>
+              <a:lnSpc>
+                <a:spcPct val="150000"/>
+              </a:lnSpc>
+            </a:pPr>
+            <a:r>
+              <a:rPr lang="en-US" altLang="ko-KR" sz="1300" dirty="0"/>
+              <a:t>                                       </a:t>
+            </a:r>
+            <a:r>
+              <a:rPr lang="en-US" altLang="ko-KR" sz="1300" b="1" dirty="0">
+                <a:solidFill>
+                  <a:srgbClr val="FF0000"/>
+                </a:solidFill>
+              </a:rPr>
+              <a:t>UNIQUE INDEX</a:t>
+            </a:r>
+            <a:r>
+              <a:rPr lang="ko-KR" altLang="en-US" sz="1300" b="1" dirty="0">
+                <a:solidFill>
+                  <a:srgbClr val="FF0000"/>
+                </a:solidFill>
+              </a:rPr>
+              <a:t>를 구성하는 모든 컬럼이 조건절에 </a:t>
+            </a:r>
+            <a:r>
+              <a:rPr lang="en-US" altLang="ko-KR" sz="1300" b="1" dirty="0">
+                <a:solidFill>
+                  <a:srgbClr val="FF0000"/>
+                </a:solidFill>
+              </a:rPr>
+              <a:t>‘=‘</a:t>
+            </a:r>
+            <a:r>
+              <a:rPr lang="ko-KR" altLang="en-US" sz="1300" b="1" dirty="0">
+                <a:solidFill>
+                  <a:srgbClr val="FF0000"/>
+                </a:solidFill>
+              </a:rPr>
+              <a:t>로 명시된 경우 발생</a:t>
+            </a:r>
+            <a:endParaRPr lang="en-US" altLang="ko-KR" sz="1300" b="1" dirty="0">
+              <a:solidFill>
+                <a:srgbClr val="FF0000"/>
+              </a:solidFill>
+            </a:endParaRPr>
+          </a:p>
+          <a:p>
+            <a:pPr>
+              <a:lnSpc>
+                <a:spcPct val="150000"/>
+              </a:lnSpc>
+            </a:pPr>
+            <a:r>
+              <a:rPr lang="en-US" altLang="ko-KR" sz="1300" dirty="0"/>
+              <a:t>     2. INDEX RANGE SCAN : INDEX</a:t>
+            </a:r>
+            <a:r>
+              <a:rPr lang="ko-KR" altLang="en-US" sz="1300" dirty="0"/>
+              <a:t>를 이용한 데이터 블록 접근 중</a:t>
+            </a:r>
+            <a:r>
+              <a:rPr lang="en-US" altLang="ko-KR" sz="1300" dirty="0"/>
+              <a:t>, </a:t>
+            </a:r>
+            <a:r>
+              <a:rPr lang="ko-KR" altLang="en-US" sz="1300" dirty="0"/>
+              <a:t>가장 일반적인 방식</a:t>
+            </a:r>
+            <a:endParaRPr lang="en-US" altLang="ko-KR" sz="1300" dirty="0"/>
+          </a:p>
+          <a:p>
+            <a:pPr>
+              <a:lnSpc>
+                <a:spcPct val="150000"/>
+              </a:lnSpc>
+            </a:pPr>
+            <a:r>
+              <a:rPr lang="en-US" altLang="ko-KR" sz="1300" dirty="0"/>
+              <a:t> 	                      INDEX</a:t>
+            </a:r>
+            <a:r>
+              <a:rPr lang="ko-KR" altLang="en-US" sz="1300" dirty="0"/>
+              <a:t>를 구성하는 선두 컬럼에 대해 범위 검색을 하는 방식</a:t>
+            </a:r>
+            <a:endParaRPr lang="en-US" altLang="ko-KR" sz="1300" dirty="0"/>
+          </a:p>
+          <a:p>
+            <a:pPr>
+              <a:lnSpc>
+                <a:spcPct val="150000"/>
+              </a:lnSpc>
+            </a:pPr>
+            <a:r>
+              <a:rPr lang="en-US" altLang="ko-KR" sz="1300" dirty="0"/>
+              <a:t>                                     </a:t>
+            </a:r>
+            <a:r>
+              <a:rPr lang="en-US" altLang="ko-KR" sz="1300" b="1" dirty="0">
+                <a:solidFill>
+                  <a:srgbClr val="FF0000"/>
+                </a:solidFill>
+              </a:rPr>
+              <a:t>INDEX</a:t>
+            </a:r>
+            <a:r>
+              <a:rPr lang="ko-KR" altLang="en-US" sz="1300" b="1" dirty="0">
+                <a:solidFill>
+                  <a:srgbClr val="FF0000"/>
+                </a:solidFill>
+              </a:rPr>
+              <a:t>를 구성하는 선두 컬럼이 조건절에 비교연산</a:t>
+            </a:r>
+            <a:r>
+              <a:rPr lang="en-US" altLang="ko-KR" sz="1300" b="1" dirty="0">
+                <a:solidFill>
+                  <a:srgbClr val="FF0000"/>
+                </a:solidFill>
+              </a:rPr>
+              <a:t>(&lt;, &gt;, BETWEEN, LIKE)</a:t>
+            </a:r>
+            <a:r>
+              <a:rPr lang="ko-KR" altLang="en-US" sz="1300" b="1" dirty="0">
+                <a:solidFill>
+                  <a:srgbClr val="FF0000"/>
+                </a:solidFill>
+              </a:rPr>
+              <a:t>되어질 때</a:t>
+            </a:r>
+            <a:r>
+              <a:rPr lang="en-US" altLang="ko-KR" sz="1300" b="1" dirty="0">
+                <a:solidFill>
+                  <a:srgbClr val="FF0000"/>
+                </a:solidFill>
+              </a:rPr>
+              <a:t>, </a:t>
+            </a:r>
+            <a:r>
+              <a:rPr lang="ko-KR" altLang="en-US" sz="1300" b="1" dirty="0">
+                <a:solidFill>
+                  <a:srgbClr val="FF0000"/>
+                </a:solidFill>
+              </a:rPr>
+              <a:t>이 방식으로</a:t>
+            </a:r>
+            <a:endParaRPr lang="en-US" altLang="ko-KR" sz="1300" b="1" dirty="0">
+              <a:solidFill>
+                <a:srgbClr val="FF0000"/>
+              </a:solidFill>
+            </a:endParaRPr>
+          </a:p>
+          <a:p>
+            <a:pPr>
+              <a:lnSpc>
+                <a:spcPct val="150000"/>
+              </a:lnSpc>
+            </a:pPr>
+            <a:r>
+              <a:rPr lang="en-US" altLang="ko-KR" sz="1300" b="1" dirty="0">
+                <a:solidFill>
+                  <a:srgbClr val="FF0000"/>
+                </a:solidFill>
+              </a:rPr>
+              <a:t>                                     </a:t>
+            </a:r>
+            <a:r>
+              <a:rPr lang="ko-KR" altLang="en-US" sz="1300" b="1" dirty="0">
+                <a:solidFill>
+                  <a:srgbClr val="FF0000"/>
+                </a:solidFill>
+              </a:rPr>
+              <a:t>처리됨</a:t>
+            </a:r>
+            <a:endParaRPr lang="en-US" altLang="ko-KR" sz="1300" b="1" dirty="0">
+              <a:solidFill>
+                <a:srgbClr val="FF0000"/>
+              </a:solidFill>
+            </a:endParaRPr>
+          </a:p>
+          <a:p>
+            <a:pPr>
+              <a:lnSpc>
+                <a:spcPct val="150000"/>
+              </a:lnSpc>
+            </a:pPr>
+            <a:r>
+              <a:rPr lang="en-US" altLang="ko-KR" sz="1300" dirty="0"/>
+              <a:t>     3. INDEX FULL SCAN    : </a:t>
+            </a:r>
+            <a:r>
+              <a:rPr lang="ko-KR" altLang="en-US" sz="1300" dirty="0"/>
+              <a:t>최적의 </a:t>
+            </a:r>
+            <a:r>
+              <a:rPr lang="en-US" altLang="ko-KR" sz="1300" dirty="0"/>
+              <a:t>INDEX</a:t>
+            </a:r>
+            <a:r>
+              <a:rPr lang="ko-KR" altLang="en-US" sz="1300" dirty="0"/>
+              <a:t>가 없을 때</a:t>
+            </a:r>
+            <a:r>
+              <a:rPr lang="en-US" altLang="ko-KR" sz="1300" dirty="0"/>
+              <a:t>, </a:t>
+            </a:r>
+            <a:r>
+              <a:rPr lang="ko-KR" altLang="en-US" sz="1300" dirty="0"/>
+              <a:t>차선으로 선택되는 방식</a:t>
+            </a:r>
+            <a:endParaRPr lang="en-US" altLang="ko-KR" sz="1300" dirty="0"/>
+          </a:p>
+          <a:p>
+            <a:pPr>
+              <a:lnSpc>
+                <a:spcPct val="150000"/>
+              </a:lnSpc>
+            </a:pPr>
+            <a:r>
+              <a:rPr lang="en-US" altLang="ko-KR" sz="1300" dirty="0"/>
+              <a:t>                                     </a:t>
+            </a:r>
+            <a:r>
+              <a:rPr lang="en-US" altLang="ko-KR" sz="1300" b="1" dirty="0">
+                <a:solidFill>
+                  <a:srgbClr val="FF0000"/>
+                </a:solidFill>
+              </a:rPr>
+              <a:t>INEDX </a:t>
+            </a:r>
+            <a:r>
+              <a:rPr lang="ko-KR" altLang="en-US" sz="1300" b="1" dirty="0">
+                <a:solidFill>
+                  <a:srgbClr val="FF0000"/>
+                </a:solidFill>
+              </a:rPr>
+              <a:t>선두 컬럼이 조건절에 없으면</a:t>
+            </a:r>
+            <a:r>
+              <a:rPr lang="en-US" altLang="ko-KR" sz="1300" b="1" dirty="0">
+                <a:solidFill>
+                  <a:srgbClr val="FF0000"/>
+                </a:solidFill>
+              </a:rPr>
+              <a:t> TABLE FULL SCAN</a:t>
+            </a:r>
+            <a:r>
+              <a:rPr lang="ko-KR" altLang="en-US" sz="1300" b="1" dirty="0">
+                <a:solidFill>
+                  <a:srgbClr val="FF0000"/>
+                </a:solidFill>
+              </a:rPr>
+              <a:t>을 고려</a:t>
+            </a:r>
+            <a:r>
+              <a:rPr lang="ko-KR" altLang="en-US" sz="1300" dirty="0"/>
+              <a:t>하나</a:t>
+            </a:r>
+            <a:r>
+              <a:rPr lang="en-US" altLang="ko-KR" sz="1300" dirty="0"/>
+              <a:t>, TABLE FULL SCAN</a:t>
+            </a:r>
+            <a:r>
+              <a:rPr lang="ko-KR" altLang="en-US" sz="1300" dirty="0"/>
+              <a:t>보다 </a:t>
+            </a:r>
+            <a:r>
+              <a:rPr lang="en-US" altLang="ko-KR" sz="1300" dirty="0"/>
+              <a:t>I/O</a:t>
+            </a:r>
+            <a:r>
+              <a:rPr lang="ko-KR" altLang="en-US" sz="1300" dirty="0"/>
+              <a:t>를</a:t>
+            </a:r>
+            <a:endParaRPr lang="en-US" altLang="ko-KR" sz="1300" dirty="0"/>
+          </a:p>
+          <a:p>
+            <a:pPr>
+              <a:lnSpc>
+                <a:spcPct val="150000"/>
+              </a:lnSpc>
+            </a:pPr>
+            <a:r>
+              <a:rPr lang="en-US" altLang="ko-KR" sz="1300" dirty="0"/>
+              <a:t>                                     </a:t>
+            </a:r>
+            <a:r>
+              <a:rPr lang="ko-KR" altLang="en-US" sz="1300" dirty="0"/>
+              <a:t>줄일 수 있거나 정렬된 결과를 쉽게 얻을 수 있을 경우 선택</a:t>
+            </a:r>
+            <a:endParaRPr lang="en-US" altLang="ko-KR" sz="1300" dirty="0"/>
+          </a:p>
+        </p:txBody>
+      </p:sp>
+      <p:sp>
+        <p:nvSpPr>
+          <p:cNvPr id="16" name="제목 1">
+            <a:extLst>
+              <a:ext uri="{FF2B5EF4-FFF2-40B4-BE49-F238E27FC236}">
+                <a16:creationId xmlns:a16="http://schemas.microsoft.com/office/drawing/2014/main" id="{BDE76D3B-C372-4CA3-A4FD-33642B295B4F}"/>
+              </a:ext>
+            </a:extLst>
+          </p:cNvPr>
+          <p:cNvSpPr>
+            <a:spLocks noGrp="1"/>
+          </p:cNvSpPr>
+          <p:nvPr>
+            <p:ph type="title"/>
+          </p:nvPr>
+        </p:nvSpPr>
+        <p:spPr>
+          <a:xfrm>
+            <a:off x="363984" y="53269"/>
+            <a:ext cx="6587232" cy="408372"/>
+          </a:xfrm>
+        </p:spPr>
+        <p:txBody>
+          <a:bodyPr/>
+          <a:lstStyle/>
+          <a:p>
+            <a:r>
+              <a:rPr lang="en-US" altLang="ko-KR" dirty="0">
+                <a:latin typeface="나눔고딕" panose="020B0600000101010101" charset="-127"/>
+                <a:ea typeface="나눔고딕" panose="020B0600000101010101" charset="-127"/>
+              </a:rPr>
+              <a:t>5. INDEX SCAN </a:t>
+            </a:r>
+            <a:endParaRPr lang="ko-KR" altLang="en-US" dirty="0">
+              <a:latin typeface="나눔고딕" panose="020B0600000101010101" charset="-127"/>
+              <a:ea typeface="나눔고딕" panose="020B0600000101010101" charset="-127"/>
+            </a:endParaRPr>
+          </a:p>
+        </p:txBody>
+      </p:sp>
     </p:spTree>
     <p:extLst>
       <p:ext uri="{BB962C8B-B14F-4D97-AF65-F5344CB8AC3E}">
-        <p14:creationId xmlns:p14="http://schemas.microsoft.com/office/powerpoint/2010/main" val="2043914154"/>
+        <p14:creationId xmlns:p14="http://schemas.microsoft.com/office/powerpoint/2010/main" val="4237486263"/>
       </p:ext>
     </p:extLst>
   </p:cSld>
@@ -19694,7 +22478,7 @@
 </p:sld>
 </file>
 
-<file path=ppt/slides/slide29.xml><?xml version="1.0" encoding="utf-8"?>
+<file path=ppt/slides/slide31.xml><?xml version="1.0" encoding="utf-8"?>
 <p:sld xmlns:a="http://schemas.openxmlformats.org/drawingml/2006/main" xmlns:r="http://schemas.openxmlformats.org/officeDocument/2006/relationships" xmlns:p="http://schemas.openxmlformats.org/presentationml/2006/main">
   <p:cSld>
     <p:spTree>
@@ -19737,7 +22521,252 @@
                 <a:latin typeface="나눔고딕" panose="020B0600000101010101" charset="-127"/>
                 <a:ea typeface="나눔고딕" panose="020B0600000101010101" charset="-127"/>
               </a:rPr>
-              <a:t>3. JOIN OPERATION</a:t>
+              <a:t>6. ROWID SCAN</a:t>
+            </a:r>
+            <a:endParaRPr lang="ko-KR" altLang="en-US" dirty="0">
+              <a:latin typeface="나눔고딕" panose="020B0600000101010101" charset="-127"/>
+              <a:ea typeface="나눔고딕" panose="020B0600000101010101" charset="-127"/>
+            </a:endParaRPr>
+          </a:p>
+        </p:txBody>
+      </p:sp>
+      <p:sp>
+        <p:nvSpPr>
+          <p:cNvPr id="47" name="텍스트 개체 틀 3">
+            <a:extLst>
+              <a:ext uri="{FF2B5EF4-FFF2-40B4-BE49-F238E27FC236}">
+                <a16:creationId xmlns:a16="http://schemas.microsoft.com/office/drawing/2014/main" id="{BD6E26C7-2547-444C-8643-2B2EEE99F2F4}"/>
+              </a:ext>
+            </a:extLst>
+          </p:cNvPr>
+          <p:cNvSpPr>
+            <a:spLocks noGrp="1"/>
+          </p:cNvSpPr>
+          <p:nvPr>
+            <p:ph type="body" sz="quarter" idx="13"/>
+          </p:nvPr>
+        </p:nvSpPr>
+        <p:spPr>
+          <a:xfrm>
+            <a:off x="6747393" y="62621"/>
+            <a:ext cx="2822735" cy="390525"/>
+          </a:xfrm>
+        </p:spPr>
+        <p:txBody>
+          <a:bodyPr/>
+          <a:lstStyle/>
+          <a:p>
+            <a:r>
+              <a:rPr lang="en-US" altLang="ko-KR" dirty="0">
+                <a:latin typeface="나눔고딕" panose="020D0604000000000000" pitchFamily="50" charset="-127"/>
+                <a:ea typeface="나눔고딕" panose="020D0604000000000000" pitchFamily="50" charset="-127"/>
+              </a:rPr>
+              <a:t>Ⅱ. </a:t>
+            </a:r>
+            <a:r>
+              <a:rPr lang="ko-KR" altLang="en-US" dirty="0">
+                <a:latin typeface="나눔고딕" panose="020D0604000000000000" pitchFamily="50" charset="-127"/>
+                <a:ea typeface="나눔고딕" panose="020D0604000000000000" pitchFamily="50" charset="-127"/>
+              </a:rPr>
+              <a:t>실행계획</a:t>
+            </a:r>
+          </a:p>
+        </p:txBody>
+      </p:sp>
+      <p:sp>
+        <p:nvSpPr>
+          <p:cNvPr id="14" name="슬라이드 번호 개체 틀 2">
+            <a:extLst>
+              <a:ext uri="{FF2B5EF4-FFF2-40B4-BE49-F238E27FC236}">
+                <a16:creationId xmlns:a16="http://schemas.microsoft.com/office/drawing/2014/main" id="{E3626C26-BF47-4717-80D4-21BA55993E00}"/>
+              </a:ext>
+            </a:extLst>
+          </p:cNvPr>
+          <p:cNvSpPr>
+            <a:spLocks noGrp="1"/>
+          </p:cNvSpPr>
+          <p:nvPr>
+            <p:ph type="sldNum" sz="quarter" idx="12"/>
+          </p:nvPr>
+        </p:nvSpPr>
+        <p:spPr>
+          <a:xfrm>
+            <a:off x="4439346" y="6528442"/>
+            <a:ext cx="1029301" cy="276999"/>
+          </a:xfrm>
+        </p:spPr>
+        <p:txBody>
+          <a:bodyPr>
+            <a:normAutofit fontScale="92500"/>
+          </a:bodyPr>
+          <a:lstStyle/>
+          <a:p>
+            <a:fld id="{EBB166B3-33A6-45CA-B81B-F13BE7654232}" type="slidenum">
+              <a:rPr lang="ko-KR" altLang="en-US" smtClean="0">
+                <a:latin typeface="나눔고딕" panose="020B0600000101010101" charset="-127"/>
+                <a:ea typeface="나눔고딕" panose="020B0600000101010101" charset="-127"/>
+              </a:rPr>
+              <a:t>30</a:t>
+            </a:fld>
+            <a:endParaRPr lang="ko-KR" altLang="en-US" dirty="0">
+              <a:latin typeface="나눔고딕" panose="020B0600000101010101" charset="-127"/>
+              <a:ea typeface="나눔고딕" panose="020B0600000101010101" charset="-127"/>
+            </a:endParaRPr>
+          </a:p>
+        </p:txBody>
+      </p:sp>
+      <p:sp>
+        <p:nvSpPr>
+          <p:cNvPr id="3" name="TextBox 2">
+            <a:extLst>
+              <a:ext uri="{FF2B5EF4-FFF2-40B4-BE49-F238E27FC236}">
+                <a16:creationId xmlns:a16="http://schemas.microsoft.com/office/drawing/2014/main" id="{43BD4B0A-C817-40FC-8794-1A803D7B2883}"/>
+              </a:ext>
+            </a:extLst>
+          </p:cNvPr>
+          <p:cNvSpPr txBox="1"/>
+          <p:nvPr/>
+        </p:nvSpPr>
+        <p:spPr>
+          <a:xfrm>
+            <a:off x="220453" y="738231"/>
+            <a:ext cx="5109604" cy="953915"/>
+          </a:xfrm>
+          <a:prstGeom prst="rect">
+            <a:avLst/>
+          </a:prstGeom>
+          <a:noFill/>
+        </p:spPr>
+        <p:txBody>
+          <a:bodyPr wrap="none" rtlCol="0">
+            <a:spAutoFit/>
+          </a:bodyPr>
+          <a:lstStyle/>
+          <a:p>
+            <a:pPr marL="285750" indent="-285750">
+              <a:lnSpc>
+                <a:spcPct val="150000"/>
+              </a:lnSpc>
+              <a:buFont typeface="Arial" panose="020B0604020202020204" pitchFamily="34" charset="0"/>
+              <a:buChar char="•"/>
+            </a:pPr>
+            <a:r>
+              <a:rPr lang="en-US" altLang="ko-KR" sz="1300" dirty="0"/>
+              <a:t>ROWID SCAN</a:t>
+            </a:r>
+            <a:r>
+              <a:rPr lang="ko-KR" altLang="en-US" sz="1300" dirty="0"/>
+              <a:t>을 선택하는 경우</a:t>
+            </a:r>
+            <a:endParaRPr lang="en-US" altLang="ko-KR" sz="1300" dirty="0"/>
+          </a:p>
+          <a:p>
+            <a:pPr>
+              <a:lnSpc>
+                <a:spcPct val="150000"/>
+              </a:lnSpc>
+            </a:pPr>
+            <a:r>
+              <a:rPr lang="en-US" altLang="ko-KR" sz="1300" dirty="0"/>
+              <a:t>     1. </a:t>
+            </a:r>
+            <a:r>
+              <a:rPr lang="ko-KR" altLang="en-US" sz="1300" dirty="0"/>
+              <a:t>조건절에 </a:t>
+            </a:r>
+            <a:r>
+              <a:rPr lang="en-US" altLang="ko-KR" sz="1300" dirty="0"/>
+              <a:t>ROWID</a:t>
+            </a:r>
+            <a:r>
+              <a:rPr lang="ko-KR" altLang="en-US" sz="1300" dirty="0"/>
+              <a:t>를 명시하는 경우</a:t>
+            </a:r>
+            <a:endParaRPr lang="en-US" altLang="ko-KR" sz="1300" dirty="0"/>
+          </a:p>
+          <a:p>
+            <a:pPr>
+              <a:lnSpc>
+                <a:spcPct val="150000"/>
+              </a:lnSpc>
+            </a:pPr>
+            <a:r>
+              <a:rPr lang="en-US" altLang="ko-KR" sz="1300" dirty="0"/>
+              <a:t>     2. INDEX SCAN</a:t>
+            </a:r>
+            <a:r>
+              <a:rPr lang="ko-KR" altLang="en-US" sz="1300" dirty="0"/>
+              <a:t>을 통해 </a:t>
+            </a:r>
+            <a:r>
+              <a:rPr lang="en-US" altLang="ko-KR" sz="1300" dirty="0"/>
+              <a:t>ROWID</a:t>
+            </a:r>
+            <a:r>
+              <a:rPr lang="ko-KR" altLang="en-US" sz="1300" dirty="0"/>
+              <a:t> 조회 후 테이블에 접근할 경우</a:t>
+            </a:r>
+            <a:endParaRPr lang="en-US" altLang="ko-KR" sz="1300" dirty="0"/>
+          </a:p>
+        </p:txBody>
+      </p:sp>
+    </p:spTree>
+    <p:extLst>
+      <p:ext uri="{BB962C8B-B14F-4D97-AF65-F5344CB8AC3E}">
+        <p14:creationId xmlns:p14="http://schemas.microsoft.com/office/powerpoint/2010/main" val="2966585950"/>
+      </p:ext>
+    </p:extLst>
+  </p:cSld>
+  <p:clrMapOvr>
+    <a:masterClrMapping/>
+  </p:clrMapOvr>
+</p:sld>
+</file>
+
+<file path=ppt/slides/slide32.xml><?xml version="1.0" encoding="utf-8"?>
+<p:sld xmlns:a="http://schemas.openxmlformats.org/drawingml/2006/main" xmlns:r="http://schemas.openxmlformats.org/officeDocument/2006/relationships" xmlns:p="http://schemas.openxmlformats.org/presentationml/2006/main">
+  <p:cSld>
+    <p:spTree>
+      <p:nvGrpSpPr>
+        <p:cNvPr id="1" name=""/>
+        <p:cNvGrpSpPr/>
+        <p:nvPr/>
+      </p:nvGrpSpPr>
+      <p:grpSpPr>
+        <a:xfrm>
+          <a:off x="0" y="0"/>
+          <a:ext cx="0" cy="0"/>
+          <a:chOff x="0" y="0"/>
+          <a:chExt cx="0" cy="0"/>
+        </a:xfrm>
+      </p:grpSpPr>
+      <p:sp>
+        <p:nvSpPr>
+          <p:cNvPr id="2" name="제목 1">
+            <a:extLst>
+              <a:ext uri="{FF2B5EF4-FFF2-40B4-BE49-F238E27FC236}">
+                <a16:creationId xmlns:a16="http://schemas.microsoft.com/office/drawing/2014/main" id="{F35C43C8-4428-4D97-87C2-6ACA5057AB6C}"/>
+              </a:ext>
+            </a:extLst>
+          </p:cNvPr>
+          <p:cNvSpPr>
+            <a:spLocks noGrp="1"/>
+          </p:cNvSpPr>
+          <p:nvPr>
+            <p:ph type="title"/>
+          </p:nvPr>
+        </p:nvSpPr>
+        <p:spPr/>
+        <p:txBody>
+          <a:bodyPr/>
+          <a:lstStyle/>
+          <a:p>
+            <a:r>
+              <a:rPr lang="en-US" altLang="ko-KR" dirty="0">
+                <a:latin typeface="나눔고딕" panose="020B0600000101010101" charset="-127"/>
+                <a:ea typeface="나눔고딕" panose="020B0600000101010101" charset="-127"/>
+              </a:rPr>
+              <a:t>7. JOIN OPERATION</a:t>
             </a:r>
             <a:endParaRPr lang="ko-KR" altLang="en-US" dirty="0">
               <a:latin typeface="나눔고딕" panose="020B0600000101010101" charset="-127"/>
@@ -20127,7 +23156,7 @@
                 <a:latin typeface="나눔고딕" panose="020B0600000101010101" charset="-127"/>
                 <a:ea typeface="나눔고딕" panose="020B0600000101010101" charset="-127"/>
               </a:rPr>
-              <a:t>28</a:t>
+              <a:t>31</a:t>
             </a:fld>
             <a:endParaRPr lang="ko-KR" altLang="en-US" dirty="0">
               <a:latin typeface="나눔고딕" panose="020B0600000101010101" charset="-127"/>
@@ -20150,10 +23179,10 @@
         </p:nvGrpSpPr>
         <p:grpSpPr>
           <a:xfrm>
-            <a:off x="4975273" y="693113"/>
-            <a:ext cx="4725370" cy="3060625"/>
-            <a:chOff x="5017101" y="626001"/>
-            <a:chExt cx="4725370" cy="3060625"/>
+            <a:off x="4983662" y="713751"/>
+            <a:ext cx="4716981" cy="3039987"/>
+            <a:chOff x="5025490" y="646639"/>
+            <a:chExt cx="4716981" cy="3039987"/>
           </a:xfrm>
         </p:grpSpPr>
         <p:pic>
@@ -20269,7 +23298,7 @@
           </p:nvSpPr>
           <p:spPr bwMode="gray">
             <a:xfrm>
-              <a:off x="5017101" y="626001"/>
+              <a:off x="5025490" y="646639"/>
               <a:ext cx="1825543" cy="352174"/>
             </a:xfrm>
             <a:custGeom>
@@ -20456,452 +23485,6 @@
     <p:extLst>
       <p:ext uri="{BB962C8B-B14F-4D97-AF65-F5344CB8AC3E}">
         <p14:creationId xmlns:p14="http://schemas.microsoft.com/office/powerpoint/2010/main" val="4187868611"/>
-      </p:ext>
-    </p:extLst>
-  </p:cSld>
-  <p:clrMapOvr>
-    <a:masterClrMapping/>
-  </p:clrMapOvr>
-</p:sld>
-</file>
-
-<file path=ppt/slides/slide3.xml><?xml version="1.0" encoding="utf-8"?>
-<p:sld xmlns:a="http://schemas.openxmlformats.org/drawingml/2006/main" xmlns:r="http://schemas.openxmlformats.org/officeDocument/2006/relationships" xmlns:p="http://schemas.openxmlformats.org/presentationml/2006/main">
-  <p:cSld>
-    <p:spTree>
-      <p:nvGrpSpPr>
-        <p:cNvPr id="1" name=""/>
-        <p:cNvGrpSpPr/>
-        <p:nvPr/>
-      </p:nvGrpSpPr>
-      <p:grpSpPr>
-        <a:xfrm>
-          <a:off x="0" y="0"/>
-          <a:ext cx="0" cy="0"/>
-          <a:chOff x="0" y="0"/>
-          <a:chExt cx="0" cy="0"/>
-        </a:xfrm>
-      </p:grpSpPr>
-      <p:sp>
-        <p:nvSpPr>
-          <p:cNvPr id="2" name="제목 1">
-            <a:extLst>
-              <a:ext uri="{FF2B5EF4-FFF2-40B4-BE49-F238E27FC236}">
-                <a16:creationId xmlns:a16="http://schemas.microsoft.com/office/drawing/2014/main" id="{F35C43C8-4428-4D97-87C2-6ACA5057AB6C}"/>
-              </a:ext>
-            </a:extLst>
-          </p:cNvPr>
-          <p:cNvSpPr>
-            <a:spLocks noGrp="1"/>
-          </p:cNvSpPr>
-          <p:nvPr>
-            <p:ph type="title"/>
-          </p:nvPr>
-        </p:nvSpPr>
-        <p:spPr/>
-        <p:txBody>
-          <a:bodyPr/>
-          <a:lstStyle/>
-          <a:p>
-            <a:r>
-              <a:rPr lang="en-US" altLang="ko-KR" dirty="0">
-                <a:latin typeface="나눔고딕" panose="020B0600000101010101" charset="-127"/>
-                <a:ea typeface="나눔고딕" panose="020B0600000101010101" charset="-127"/>
-              </a:rPr>
-              <a:t>1. SUBQUERY </a:t>
-            </a:r>
-            <a:r>
-              <a:rPr lang="ko-KR" altLang="en-US" dirty="0">
-                <a:latin typeface="나눔고딕" panose="020B0600000101010101" charset="-127"/>
-                <a:ea typeface="나눔고딕" panose="020B0600000101010101" charset="-127"/>
-              </a:rPr>
-              <a:t>종류</a:t>
-            </a:r>
-          </a:p>
-        </p:txBody>
-      </p:sp>
-      <p:sp>
-        <p:nvSpPr>
-          <p:cNvPr id="3" name="슬라이드 번호 개체 틀 2">
-            <a:extLst>
-              <a:ext uri="{FF2B5EF4-FFF2-40B4-BE49-F238E27FC236}">
-                <a16:creationId xmlns:a16="http://schemas.microsoft.com/office/drawing/2014/main" id="{52605890-CC5B-48CD-9CC1-694880517276}"/>
-              </a:ext>
-            </a:extLst>
-          </p:cNvPr>
-          <p:cNvSpPr>
-            <a:spLocks noGrp="1"/>
-          </p:cNvSpPr>
-          <p:nvPr>
-            <p:ph type="sldNum" sz="quarter" idx="12"/>
-          </p:nvPr>
-        </p:nvSpPr>
-        <p:spPr/>
-        <p:txBody>
-          <a:bodyPr>
-            <a:normAutofit fontScale="92500"/>
-          </a:bodyPr>
-          <a:lstStyle/>
-          <a:p>
-            <a:fld id="{EBB166B3-33A6-45CA-B81B-F13BE7654232}" type="slidenum">
-              <a:rPr lang="ko-KR" altLang="en-US" smtClean="0">
-                <a:latin typeface="나눔고딕" panose="020B0600000101010101" charset="-127"/>
-                <a:ea typeface="나눔고딕" panose="020B0600000101010101" charset="-127"/>
-              </a:rPr>
-              <a:t>2</a:t>
-            </a:fld>
-            <a:endParaRPr lang="ko-KR" altLang="en-US">
-              <a:latin typeface="나눔고딕" panose="020B0600000101010101" charset="-127"/>
-              <a:ea typeface="나눔고딕" panose="020B0600000101010101" charset="-127"/>
-            </a:endParaRPr>
-          </a:p>
-        </p:txBody>
-      </p:sp>
-      <p:sp>
-        <p:nvSpPr>
-          <p:cNvPr id="47" name="텍스트 개체 틀 3">
-            <a:extLst>
-              <a:ext uri="{FF2B5EF4-FFF2-40B4-BE49-F238E27FC236}">
-                <a16:creationId xmlns:a16="http://schemas.microsoft.com/office/drawing/2014/main" id="{BD6E26C7-2547-444C-8643-2B2EEE99F2F4}"/>
-              </a:ext>
-            </a:extLst>
-          </p:cNvPr>
-          <p:cNvSpPr>
-            <a:spLocks noGrp="1"/>
-          </p:cNvSpPr>
-          <p:nvPr>
-            <p:ph type="body" sz="quarter" idx="13"/>
-          </p:nvPr>
-        </p:nvSpPr>
-        <p:spPr>
-          <a:xfrm>
-            <a:off x="6747393" y="62621"/>
-            <a:ext cx="2822735" cy="390525"/>
-          </a:xfrm>
-        </p:spPr>
-        <p:txBody>
-          <a:bodyPr/>
-          <a:lstStyle/>
-          <a:p>
-            <a:r>
-              <a:rPr lang="en-US" altLang="ko-KR" dirty="0">
-                <a:latin typeface="나눔고딕" panose="020B0600000101010101" charset="-127"/>
-                <a:ea typeface="나눔고딕" panose="020B0600000101010101" charset="-127"/>
-              </a:rPr>
-              <a:t>Ⅰ. SUBQUERY </a:t>
-            </a:r>
-            <a:r>
-              <a:rPr lang="ko-KR" altLang="en-US" dirty="0">
-                <a:latin typeface="나눔고딕" panose="020B0600000101010101" charset="-127"/>
-                <a:ea typeface="나눔고딕" panose="020B0600000101010101" charset="-127"/>
-              </a:rPr>
-              <a:t>종류와 활용</a:t>
-            </a:r>
-          </a:p>
-        </p:txBody>
-      </p:sp>
-      <p:sp>
-        <p:nvSpPr>
-          <p:cNvPr id="4" name="TextBox 3">
-            <a:extLst>
-              <a:ext uri="{FF2B5EF4-FFF2-40B4-BE49-F238E27FC236}">
-                <a16:creationId xmlns:a16="http://schemas.microsoft.com/office/drawing/2014/main" id="{AADEDC90-8739-4034-9C72-9415D8188AB0}"/>
-              </a:ext>
-            </a:extLst>
-          </p:cNvPr>
-          <p:cNvSpPr txBox="1"/>
-          <p:nvPr/>
-        </p:nvSpPr>
-        <p:spPr>
-          <a:xfrm>
-            <a:off x="363984" y="855677"/>
-            <a:ext cx="8356839" cy="1441613"/>
-          </a:xfrm>
-          <a:prstGeom prst="rect">
-            <a:avLst/>
-          </a:prstGeom>
-          <a:noFill/>
-        </p:spPr>
-        <p:txBody>
-          <a:bodyPr wrap="none" rtlCol="0">
-            <a:spAutoFit/>
-          </a:bodyPr>
-          <a:lstStyle/>
-          <a:p>
-            <a:pPr marL="285750" indent="-285750">
-              <a:lnSpc>
-                <a:spcPct val="150000"/>
-              </a:lnSpc>
-              <a:buFont typeface="Arial" panose="020B0604020202020204" pitchFamily="34" charset="0"/>
-              <a:buChar char="•"/>
-            </a:pPr>
-            <a:r>
-              <a:rPr lang="en-US" altLang="ko-KR" sz="1200" dirty="0"/>
-              <a:t>SUBQUERY(</a:t>
-            </a:r>
-            <a:r>
-              <a:rPr lang="ko-KR" altLang="en-US" sz="1200" dirty="0" err="1"/>
-              <a:t>서브쿼리</a:t>
-            </a:r>
-            <a:r>
-              <a:rPr lang="en-US" altLang="ko-KR" sz="1200" dirty="0"/>
-              <a:t>) : </a:t>
-            </a:r>
-            <a:r>
-              <a:rPr lang="ko-KR" altLang="en-US" sz="1200" dirty="0"/>
-              <a:t>하나의 </a:t>
-            </a:r>
-            <a:r>
-              <a:rPr lang="en-US" altLang="ko-KR" sz="1200" dirty="0"/>
-              <a:t>SQL </a:t>
-            </a:r>
-            <a:r>
-              <a:rPr lang="ko-KR" altLang="en-US" sz="1200" dirty="0"/>
-              <a:t>문장 내에서 괄호로 묶인 별도의 </a:t>
-            </a:r>
-            <a:r>
-              <a:rPr lang="en-US" altLang="ko-KR" sz="1200" dirty="0"/>
-              <a:t>Query Block(</a:t>
-            </a:r>
-            <a:r>
-              <a:rPr lang="ko-KR" altLang="en-US" sz="1200" dirty="0"/>
-              <a:t>쿼리 블록</a:t>
-            </a:r>
-            <a:r>
-              <a:rPr lang="en-US" altLang="ko-KR" sz="1200" dirty="0"/>
-              <a:t>)</a:t>
-            </a:r>
-          </a:p>
-          <a:p>
-            <a:pPr marL="285750" indent="-285750">
-              <a:lnSpc>
-                <a:spcPct val="150000"/>
-              </a:lnSpc>
-              <a:buFont typeface="Arial" panose="020B0604020202020204" pitchFamily="34" charset="0"/>
-              <a:buChar char="•"/>
-            </a:pPr>
-            <a:r>
-              <a:rPr lang="ko-KR" altLang="en-US" sz="1200" dirty="0" err="1"/>
-              <a:t>서브쿼리</a:t>
-            </a:r>
-            <a:r>
-              <a:rPr lang="ko-KR" altLang="en-US" sz="1200" dirty="0"/>
-              <a:t> 종류</a:t>
-            </a:r>
-            <a:endParaRPr lang="en-US" altLang="ko-KR" sz="1200" dirty="0"/>
-          </a:p>
-          <a:p>
-            <a:pPr>
-              <a:lnSpc>
-                <a:spcPct val="150000"/>
-              </a:lnSpc>
-            </a:pPr>
-            <a:r>
-              <a:rPr lang="en-US" altLang="ko-KR" sz="1200" dirty="0"/>
-              <a:t>     1. SCALAR SUBQUERY : </a:t>
-            </a:r>
-            <a:r>
-              <a:rPr lang="ko-KR" altLang="en-US" sz="1200" dirty="0"/>
-              <a:t>한 레코드당 정확히 하나의 컬럼 </a:t>
-            </a:r>
-            <a:r>
-              <a:rPr lang="ko-KR" altLang="en-US" sz="1200" dirty="0" err="1"/>
-              <a:t>값만을</a:t>
-            </a:r>
-            <a:r>
-              <a:rPr lang="ko-KR" altLang="en-US" sz="1200" dirty="0"/>
-              <a:t> 반환하기 위해</a:t>
-            </a:r>
-            <a:r>
-              <a:rPr lang="en-US" altLang="ko-KR" sz="1200" dirty="0"/>
-              <a:t>, </a:t>
-            </a:r>
-            <a:r>
-              <a:rPr lang="ko-KR" altLang="en-US" sz="1200" dirty="0"/>
-              <a:t>주로 </a:t>
-            </a:r>
-            <a:r>
-              <a:rPr lang="en-US" altLang="ko-KR" sz="1200" dirty="0"/>
-              <a:t>SELECT</a:t>
-            </a:r>
-            <a:r>
-              <a:rPr lang="ko-KR" altLang="en-US" sz="1200" dirty="0"/>
-              <a:t>절에 사용된 </a:t>
-            </a:r>
-            <a:r>
-              <a:rPr lang="ko-KR" altLang="en-US" sz="1200" dirty="0" err="1"/>
-              <a:t>서브쿼리</a:t>
-            </a:r>
-            <a:endParaRPr lang="en-US" altLang="ko-KR" sz="1200" dirty="0"/>
-          </a:p>
-          <a:p>
-            <a:pPr>
-              <a:lnSpc>
-                <a:spcPct val="150000"/>
-              </a:lnSpc>
-            </a:pPr>
-            <a:r>
-              <a:rPr lang="en-US" altLang="ko-KR" sz="1200" dirty="0"/>
-              <a:t>     2. INLINE VIEW          : FROM</a:t>
-            </a:r>
-            <a:r>
-              <a:rPr lang="ko-KR" altLang="en-US" sz="1200" dirty="0"/>
-              <a:t>절에 나타나는 </a:t>
-            </a:r>
-            <a:r>
-              <a:rPr lang="ko-KR" altLang="en-US" sz="1200" dirty="0" err="1"/>
-              <a:t>서브쿼리</a:t>
-            </a:r>
-            <a:endParaRPr lang="en-US" altLang="ko-KR" sz="1200" dirty="0"/>
-          </a:p>
-          <a:p>
-            <a:pPr>
-              <a:lnSpc>
-                <a:spcPct val="150000"/>
-              </a:lnSpc>
-            </a:pPr>
-            <a:r>
-              <a:rPr lang="en-US" altLang="ko-KR" sz="1200" dirty="0"/>
-              <a:t>     3. NESTED SUBQUERY : </a:t>
-            </a:r>
-            <a:r>
-              <a:rPr lang="ko-KR" altLang="en-US" sz="1200" dirty="0"/>
-              <a:t>결과집합을 한정하기 위해 </a:t>
-            </a:r>
-            <a:r>
-              <a:rPr lang="en-US" altLang="ko-KR" sz="1200" dirty="0"/>
-              <a:t>WHERE</a:t>
-            </a:r>
-            <a:r>
-              <a:rPr lang="ko-KR" altLang="en-US" sz="1200" dirty="0"/>
-              <a:t>절에 사용된 </a:t>
-            </a:r>
-            <a:r>
-              <a:rPr lang="ko-KR" altLang="en-US" sz="1200" dirty="0" err="1"/>
-              <a:t>서브쿼리</a:t>
-            </a:r>
-            <a:r>
-              <a:rPr lang="en-US" altLang="ko-KR" sz="1200" dirty="0"/>
-              <a:t> </a:t>
-            </a:r>
-          </a:p>
-        </p:txBody>
-      </p:sp>
-      <p:grpSp>
-        <p:nvGrpSpPr>
-          <p:cNvPr id="13" name="그룹 12">
-            <a:extLst>
-              <a:ext uri="{FF2B5EF4-FFF2-40B4-BE49-F238E27FC236}">
-                <a16:creationId xmlns:a16="http://schemas.microsoft.com/office/drawing/2014/main" id="{15D4348A-13E5-4356-9401-5115AAB051B7}"/>
-              </a:ext>
-            </a:extLst>
-          </p:cNvPr>
-          <p:cNvGrpSpPr/>
-          <p:nvPr/>
-        </p:nvGrpSpPr>
-        <p:grpSpPr>
-          <a:xfrm>
-            <a:off x="606847" y="2699821"/>
-            <a:ext cx="6419850" cy="3218633"/>
-            <a:chOff x="481012" y="2672451"/>
-            <a:chExt cx="6419850" cy="3218633"/>
-          </a:xfrm>
-        </p:grpSpPr>
-        <p:pic>
-          <p:nvPicPr>
-            <p:cNvPr id="8" name="그림 7">
-              <a:extLst>
-                <a:ext uri="{FF2B5EF4-FFF2-40B4-BE49-F238E27FC236}">
-                  <a16:creationId xmlns:a16="http://schemas.microsoft.com/office/drawing/2014/main" id="{802A8635-5B4A-451C-A384-D99B63ED2245}"/>
-                </a:ext>
-              </a:extLst>
-            </p:cNvPr>
-            <p:cNvPicPr>
-              <a:picLocks noChangeAspect="1"/>
-            </p:cNvPicPr>
-            <p:nvPr/>
-          </p:nvPicPr>
-          <p:blipFill>
-            <a:blip r:embed="rId2"/>
-            <a:stretch>
-              <a:fillRect/>
-            </a:stretch>
-          </p:blipFill>
-          <p:spPr>
-            <a:xfrm>
-              <a:off x="481012" y="2672451"/>
-              <a:ext cx="6353175" cy="885825"/>
-            </a:xfrm>
-            <a:prstGeom prst="rect">
-              <a:avLst/>
-            </a:prstGeom>
-          </p:spPr>
-        </p:pic>
-        <p:pic>
-          <p:nvPicPr>
-            <p:cNvPr id="10" name="그림 9">
-              <a:extLst>
-                <a:ext uri="{FF2B5EF4-FFF2-40B4-BE49-F238E27FC236}">
-                  <a16:creationId xmlns:a16="http://schemas.microsoft.com/office/drawing/2014/main" id="{4B15A1DF-909F-4835-BAEC-EF472779AFA1}"/>
-                </a:ext>
-              </a:extLst>
-            </p:cNvPr>
-            <p:cNvPicPr>
-              <a:picLocks noChangeAspect="1"/>
-            </p:cNvPicPr>
-            <p:nvPr/>
-          </p:nvPicPr>
-          <p:blipFill>
-            <a:blip r:embed="rId3"/>
-            <a:stretch>
-              <a:fillRect/>
-            </a:stretch>
-          </p:blipFill>
-          <p:spPr>
-            <a:xfrm>
-              <a:off x="481012" y="3876955"/>
-              <a:ext cx="6419850" cy="800100"/>
-            </a:xfrm>
-            <a:prstGeom prst="rect">
-              <a:avLst/>
-            </a:prstGeom>
-          </p:spPr>
-        </p:pic>
-        <p:pic>
-          <p:nvPicPr>
-            <p:cNvPr id="12" name="그림 11">
-              <a:extLst>
-                <a:ext uri="{FF2B5EF4-FFF2-40B4-BE49-F238E27FC236}">
-                  <a16:creationId xmlns:a16="http://schemas.microsoft.com/office/drawing/2014/main" id="{8678A0D3-98F3-4E09-9B16-8F5E56A6FE21}"/>
-                </a:ext>
-              </a:extLst>
-            </p:cNvPr>
-            <p:cNvPicPr>
-              <a:picLocks noChangeAspect="1"/>
-            </p:cNvPicPr>
-            <p:nvPr/>
-          </p:nvPicPr>
-          <p:blipFill>
-            <a:blip r:embed="rId4"/>
-            <a:stretch>
-              <a:fillRect/>
-            </a:stretch>
-          </p:blipFill>
-          <p:spPr>
-            <a:xfrm>
-              <a:off x="547687" y="4995734"/>
-              <a:ext cx="6286500" cy="895350"/>
-            </a:xfrm>
-            <a:prstGeom prst="rect">
-              <a:avLst/>
-            </a:prstGeom>
-          </p:spPr>
-        </p:pic>
-      </p:grpSp>
-    </p:spTree>
-    <p:extLst>
-      <p:ext uri="{BB962C8B-B14F-4D97-AF65-F5344CB8AC3E}">
-        <p14:creationId xmlns:p14="http://schemas.microsoft.com/office/powerpoint/2010/main" val="2328535874"/>
       </p:ext>
     </p:extLst>
   </p:cSld>
@@ -22269,10 +24852,10 @@
         </p:nvGrpSpPr>
         <p:grpSpPr>
           <a:xfrm>
-            <a:off x="666144" y="1135072"/>
-            <a:ext cx="5885658" cy="3730544"/>
-            <a:chOff x="275726" y="804561"/>
-            <a:chExt cx="2769478" cy="4832841"/>
+            <a:off x="670241" y="1126446"/>
+            <a:ext cx="5881561" cy="3739170"/>
+            <a:chOff x="277654" y="793386"/>
+            <a:chExt cx="2767550" cy="4844016"/>
           </a:xfrm>
         </p:grpSpPr>
         <p:sp>
@@ -22341,7 +24924,7 @@
           </p:nvSpPr>
           <p:spPr bwMode="gray">
             <a:xfrm>
-              <a:off x="275726" y="804561"/>
+              <a:off x="279785" y="793386"/>
               <a:ext cx="969531" cy="360001"/>
             </a:xfrm>
             <a:custGeom>

--- a/SQL_seminar/SQL중상급활용_CH2.pptx
+++ b/SQL_seminar/SQL중상급활용_CH2.pptx
@@ -5,7 +5,7 @@
     <p:sldMasterId id="2147483660" r:id="rId1"/>
   </p:sldMasterIdLst>
   <p:notesMasterIdLst>
-    <p:notesMasterId r:id="rId34"/>
+    <p:notesMasterId r:id="rId36"/>
   </p:notesMasterIdLst>
   <p:sldIdLst>
     <p:sldId id="256" r:id="rId2"/>
@@ -35,11 +35,13 @@
     <p:sldId id="326" r:id="rId26"/>
     <p:sldId id="330" r:id="rId27"/>
     <p:sldId id="327" r:id="rId28"/>
-    <p:sldId id="333" r:id="rId29"/>
-    <p:sldId id="334" r:id="rId30"/>
-    <p:sldId id="331" r:id="rId31"/>
-    <p:sldId id="332" r:id="rId32"/>
-    <p:sldId id="329" r:id="rId33"/>
+    <p:sldId id="336" r:id="rId29"/>
+    <p:sldId id="333" r:id="rId30"/>
+    <p:sldId id="334" r:id="rId31"/>
+    <p:sldId id="331" r:id="rId32"/>
+    <p:sldId id="335" r:id="rId33"/>
+    <p:sldId id="332" r:id="rId34"/>
+    <p:sldId id="329" r:id="rId35"/>
   </p:sldIdLst>
   <p:sldSz cx="9906000" cy="6858000" type="A4"/>
   <p:notesSz cx="6797675" cy="9926638"/>
@@ -170,9 +172,11 @@
             <p14:sldId id="326"/>
             <p14:sldId id="330"/>
             <p14:sldId id="327"/>
+            <p14:sldId id="336"/>
             <p14:sldId id="333"/>
             <p14:sldId id="334"/>
             <p14:sldId id="331"/>
+            <p14:sldId id="335"/>
             <p14:sldId id="332"/>
             <p14:sldId id="329"/>
           </p14:sldIdLst>
@@ -18282,11 +18286,23 @@
             </a:pPr>
             <a:r>
               <a:rPr lang="en-US" altLang="ko-KR" sz="1300" dirty="0"/>
-              <a:t>     2. ROWID SCAN      : ROWID</a:t>
+              <a:t>     2. </a:t>
+            </a:r>
+            <a:r>
+              <a:rPr lang="en-US" altLang="ko-KR" sz="1300" b="1" dirty="0">
+                <a:solidFill>
+                  <a:srgbClr val="FF0000"/>
+                </a:solidFill>
+              </a:rPr>
+              <a:t>INDEX SCAN</a:t>
+            </a:r>
+            <a:r>
+              <a:rPr lang="en-US" altLang="ko-KR" sz="1300" dirty="0"/>
+              <a:t>       : </a:t>
             </a:r>
             <a:r>
               <a:rPr lang="ko-KR" altLang="en-US" sz="1300" dirty="0"/>
-              <a:t>를 기준으로 데이터를 </a:t>
+              <a:t>인덱스를 사용하여 데이터를 </a:t>
             </a:r>
             <a:r>
               <a:rPr lang="en-US" altLang="ko-KR" sz="1300" dirty="0"/>
@@ -18301,23 +18317,11 @@
             </a:pPr>
             <a:r>
               <a:rPr lang="en-US" altLang="ko-KR" sz="1300" dirty="0"/>
-              <a:t>     3. </a:t>
-            </a:r>
-            <a:r>
-              <a:rPr lang="en-US" altLang="ko-KR" sz="1300" b="1" dirty="0">
-                <a:solidFill>
-                  <a:srgbClr val="FF0000"/>
-                </a:solidFill>
-              </a:rPr>
-              <a:t>INDEX SCAN</a:t>
-            </a:r>
-            <a:r>
-              <a:rPr lang="en-US" altLang="ko-KR" sz="1300" dirty="0"/>
-              <a:t>       : </a:t>
+              <a:t>     3. ROWID SCAN      : ROWID</a:t>
             </a:r>
             <a:r>
               <a:rPr lang="ko-KR" altLang="en-US" sz="1300" dirty="0"/>
-              <a:t>인덱스를 사용하여 데이터를 </a:t>
+              <a:t>를 기준으로 데이터를 </a:t>
             </a:r>
             <a:r>
               <a:rPr lang="en-US" altLang="ko-KR" sz="1300" dirty="0"/>
@@ -19433,6 +19437,161 @@
       </p:grpSpPr>
       <p:sp>
         <p:nvSpPr>
+          <p:cNvPr id="2" name="제목 1">
+            <a:extLst>
+              <a:ext uri="{FF2B5EF4-FFF2-40B4-BE49-F238E27FC236}">
+                <a16:creationId xmlns:a16="http://schemas.microsoft.com/office/drawing/2014/main" id="{F35C43C8-4428-4D97-87C2-6ACA5057AB6C}"/>
+              </a:ext>
+            </a:extLst>
+          </p:cNvPr>
+          <p:cNvSpPr>
+            <a:spLocks noGrp="1"/>
+          </p:cNvSpPr>
+          <p:nvPr>
+            <p:ph type="title"/>
+          </p:nvPr>
+        </p:nvSpPr>
+        <p:spPr/>
+        <p:txBody>
+          <a:bodyPr/>
+          <a:lstStyle/>
+          <a:p>
+            <a:r>
+              <a:rPr lang="en-US" altLang="ko-KR" dirty="0">
+                <a:latin typeface="나눔고딕" panose="020B0600000101010101" charset="-127"/>
+                <a:ea typeface="나눔고딕" panose="020B0600000101010101" charset="-127"/>
+              </a:rPr>
+              <a:t>4. TABLE FULL SCAN</a:t>
+            </a:r>
+            <a:endParaRPr lang="ko-KR" altLang="en-US" dirty="0">
+              <a:latin typeface="나눔고딕" panose="020B0600000101010101" charset="-127"/>
+              <a:ea typeface="나눔고딕" panose="020B0600000101010101" charset="-127"/>
+            </a:endParaRPr>
+          </a:p>
+        </p:txBody>
+      </p:sp>
+      <p:sp>
+        <p:nvSpPr>
+          <p:cNvPr id="47" name="텍스트 개체 틀 3">
+            <a:extLst>
+              <a:ext uri="{FF2B5EF4-FFF2-40B4-BE49-F238E27FC236}">
+                <a16:creationId xmlns:a16="http://schemas.microsoft.com/office/drawing/2014/main" id="{BD6E26C7-2547-444C-8643-2B2EEE99F2F4}"/>
+              </a:ext>
+            </a:extLst>
+          </p:cNvPr>
+          <p:cNvSpPr>
+            <a:spLocks noGrp="1"/>
+          </p:cNvSpPr>
+          <p:nvPr>
+            <p:ph type="body" sz="quarter" idx="13"/>
+          </p:nvPr>
+        </p:nvSpPr>
+        <p:spPr>
+          <a:xfrm>
+            <a:off x="6747393" y="62621"/>
+            <a:ext cx="2822735" cy="390525"/>
+          </a:xfrm>
+        </p:spPr>
+        <p:txBody>
+          <a:bodyPr/>
+          <a:lstStyle/>
+          <a:p>
+            <a:r>
+              <a:rPr lang="en-US" altLang="ko-KR" dirty="0">
+                <a:latin typeface="나눔고딕" panose="020D0604000000000000" pitchFamily="50" charset="-127"/>
+                <a:ea typeface="나눔고딕" panose="020D0604000000000000" pitchFamily="50" charset="-127"/>
+              </a:rPr>
+              <a:t>Ⅱ. </a:t>
+            </a:r>
+            <a:r>
+              <a:rPr lang="ko-KR" altLang="en-US" dirty="0">
+                <a:latin typeface="나눔고딕" panose="020D0604000000000000" pitchFamily="50" charset="-127"/>
+                <a:ea typeface="나눔고딕" panose="020D0604000000000000" pitchFamily="50" charset="-127"/>
+              </a:rPr>
+              <a:t>실행계획</a:t>
+            </a:r>
+          </a:p>
+        </p:txBody>
+      </p:sp>
+      <p:sp>
+        <p:nvSpPr>
+          <p:cNvPr id="13" name="TextBox 12">
+            <a:extLst>
+              <a:ext uri="{FF2B5EF4-FFF2-40B4-BE49-F238E27FC236}">
+                <a16:creationId xmlns:a16="http://schemas.microsoft.com/office/drawing/2014/main" id="{291B8812-6E7F-4ADA-8377-5EACB7DCC78A}"/>
+              </a:ext>
+            </a:extLst>
+          </p:cNvPr>
+          <p:cNvSpPr txBox="1"/>
+          <p:nvPr/>
+        </p:nvSpPr>
+        <p:spPr>
+          <a:xfrm>
+            <a:off x="363984" y="645439"/>
+            <a:ext cx="3013261" cy="353751"/>
+          </a:xfrm>
+          <a:prstGeom prst="rect">
+            <a:avLst/>
+          </a:prstGeom>
+          <a:noFill/>
+        </p:spPr>
+        <p:txBody>
+          <a:bodyPr wrap="none" rtlCol="0">
+            <a:spAutoFit/>
+          </a:bodyPr>
+          <a:lstStyle/>
+          <a:p>
+            <a:pPr marL="285750" indent="-285750">
+              <a:lnSpc>
+                <a:spcPct val="150000"/>
+              </a:lnSpc>
+              <a:buFont typeface="Arial" panose="020B0604020202020204" pitchFamily="34" charset="0"/>
+              <a:buChar char="•"/>
+            </a:pPr>
+            <a:r>
+              <a:rPr lang="en-US" altLang="ko-KR" sz="1300" dirty="0"/>
+              <a:t>TABLE FULL SCAN </a:t>
+            </a:r>
+            <a:r>
+              <a:rPr lang="ko-KR" altLang="en-US" sz="1300" dirty="0"/>
+              <a:t>예시 추가 필요</a:t>
+            </a:r>
+            <a:endParaRPr lang="en-US" altLang="ko-KR" sz="1300" dirty="0"/>
+          </a:p>
+        </p:txBody>
+      </p:sp>
+    </p:spTree>
+    <p:extLst>
+      <p:ext uri="{BB962C8B-B14F-4D97-AF65-F5344CB8AC3E}">
+        <p14:creationId xmlns:p14="http://schemas.microsoft.com/office/powerpoint/2010/main" val="3151709736"/>
+      </p:ext>
+    </p:extLst>
+  </p:cSld>
+  <p:clrMapOvr>
+    <a:masterClrMapping/>
+  </p:clrMapOvr>
+</p:sld>
+</file>
+
+<file path=ppt/slides/slide29.xml><?xml version="1.0" encoding="utf-8"?>
+<p:sld xmlns:a="http://schemas.openxmlformats.org/drawingml/2006/main" xmlns:r="http://schemas.openxmlformats.org/officeDocument/2006/relationships" xmlns:p="http://schemas.openxmlformats.org/presentationml/2006/main">
+  <p:cSld>
+    <p:spTree>
+      <p:nvGrpSpPr>
+        <p:cNvPr id="1" name=""/>
+        <p:cNvGrpSpPr/>
+        <p:nvPr/>
+      </p:nvGrpSpPr>
+      <p:grpSpPr>
+        <a:xfrm>
+          <a:off x="0" y="0"/>
+          <a:ext cx="0" cy="0"/>
+          <a:chOff x="0" y="0"/>
+          <a:chExt cx="0" cy="0"/>
+        </a:xfrm>
+      </p:grpSpPr>
+      <p:sp>
+        <p:nvSpPr>
           <p:cNvPr id="47" name="텍스트 개체 틀 3">
             <a:extLst>
               <a:ext uri="{FF2B5EF4-FFF2-40B4-BE49-F238E27FC236}">
@@ -19507,7 +19666,7 @@
                 <a:latin typeface="나눔고딕" panose="020B0600000101010101" charset="-127"/>
                 <a:ea typeface="나눔고딕" panose="020B0600000101010101" charset="-127"/>
               </a:rPr>
-              <a:t>27</a:t>
+              <a:t>28</a:t>
             </a:fld>
             <a:endParaRPr lang="ko-KR" altLang="en-US" dirty="0">
               <a:latin typeface="나눔고딕" panose="020B0600000101010101" charset="-127"/>
@@ -20349,7 +20508,453 @@
 </p:sld>
 </file>
 
-<file path=ppt/slides/slide29.xml><?xml version="1.0" encoding="utf-8"?>
+<file path=ppt/slides/slide3.xml><?xml version="1.0" encoding="utf-8"?>
+<p:sld xmlns:a="http://schemas.openxmlformats.org/drawingml/2006/main" xmlns:r="http://schemas.openxmlformats.org/officeDocument/2006/relationships" xmlns:p="http://schemas.openxmlformats.org/presentationml/2006/main">
+  <p:cSld>
+    <p:spTree>
+      <p:nvGrpSpPr>
+        <p:cNvPr id="1" name=""/>
+        <p:cNvGrpSpPr/>
+        <p:nvPr/>
+      </p:nvGrpSpPr>
+      <p:grpSpPr>
+        <a:xfrm>
+          <a:off x="0" y="0"/>
+          <a:ext cx="0" cy="0"/>
+          <a:chOff x="0" y="0"/>
+          <a:chExt cx="0" cy="0"/>
+        </a:xfrm>
+      </p:grpSpPr>
+      <p:sp>
+        <p:nvSpPr>
+          <p:cNvPr id="2" name="제목 1">
+            <a:extLst>
+              <a:ext uri="{FF2B5EF4-FFF2-40B4-BE49-F238E27FC236}">
+                <a16:creationId xmlns:a16="http://schemas.microsoft.com/office/drawing/2014/main" id="{F35C43C8-4428-4D97-87C2-6ACA5057AB6C}"/>
+              </a:ext>
+            </a:extLst>
+          </p:cNvPr>
+          <p:cNvSpPr>
+            <a:spLocks noGrp="1"/>
+          </p:cNvSpPr>
+          <p:nvPr>
+            <p:ph type="title"/>
+          </p:nvPr>
+        </p:nvSpPr>
+        <p:spPr/>
+        <p:txBody>
+          <a:bodyPr/>
+          <a:lstStyle/>
+          <a:p>
+            <a:r>
+              <a:rPr lang="en-US" altLang="ko-KR" dirty="0">
+                <a:latin typeface="나눔고딕" panose="020B0600000101010101" charset="-127"/>
+                <a:ea typeface="나눔고딕" panose="020B0600000101010101" charset="-127"/>
+              </a:rPr>
+              <a:t>1. SUBQUERY </a:t>
+            </a:r>
+            <a:r>
+              <a:rPr lang="ko-KR" altLang="en-US" dirty="0">
+                <a:latin typeface="나눔고딕" panose="020B0600000101010101" charset="-127"/>
+                <a:ea typeface="나눔고딕" panose="020B0600000101010101" charset="-127"/>
+              </a:rPr>
+              <a:t>종류</a:t>
+            </a:r>
+          </a:p>
+        </p:txBody>
+      </p:sp>
+      <p:sp>
+        <p:nvSpPr>
+          <p:cNvPr id="3" name="슬라이드 번호 개체 틀 2">
+            <a:extLst>
+              <a:ext uri="{FF2B5EF4-FFF2-40B4-BE49-F238E27FC236}">
+                <a16:creationId xmlns:a16="http://schemas.microsoft.com/office/drawing/2014/main" id="{52605890-CC5B-48CD-9CC1-694880517276}"/>
+              </a:ext>
+            </a:extLst>
+          </p:cNvPr>
+          <p:cNvSpPr>
+            <a:spLocks noGrp="1"/>
+          </p:cNvSpPr>
+          <p:nvPr>
+            <p:ph type="sldNum" sz="quarter" idx="12"/>
+          </p:nvPr>
+        </p:nvSpPr>
+        <p:spPr/>
+        <p:txBody>
+          <a:bodyPr>
+            <a:normAutofit fontScale="92500"/>
+          </a:bodyPr>
+          <a:lstStyle/>
+          <a:p>
+            <a:fld id="{EBB166B3-33A6-45CA-B81B-F13BE7654232}" type="slidenum">
+              <a:rPr lang="ko-KR" altLang="en-US" smtClean="0">
+                <a:latin typeface="나눔고딕" panose="020B0600000101010101" charset="-127"/>
+                <a:ea typeface="나눔고딕" panose="020B0600000101010101" charset="-127"/>
+              </a:rPr>
+              <a:t>2</a:t>
+            </a:fld>
+            <a:endParaRPr lang="ko-KR" altLang="en-US">
+              <a:latin typeface="나눔고딕" panose="020B0600000101010101" charset="-127"/>
+              <a:ea typeface="나눔고딕" panose="020B0600000101010101" charset="-127"/>
+            </a:endParaRPr>
+          </a:p>
+        </p:txBody>
+      </p:sp>
+      <p:sp>
+        <p:nvSpPr>
+          <p:cNvPr id="47" name="텍스트 개체 틀 3">
+            <a:extLst>
+              <a:ext uri="{FF2B5EF4-FFF2-40B4-BE49-F238E27FC236}">
+                <a16:creationId xmlns:a16="http://schemas.microsoft.com/office/drawing/2014/main" id="{BD6E26C7-2547-444C-8643-2B2EEE99F2F4}"/>
+              </a:ext>
+            </a:extLst>
+          </p:cNvPr>
+          <p:cNvSpPr>
+            <a:spLocks noGrp="1"/>
+          </p:cNvSpPr>
+          <p:nvPr>
+            <p:ph type="body" sz="quarter" idx="13"/>
+          </p:nvPr>
+        </p:nvSpPr>
+        <p:spPr>
+          <a:xfrm>
+            <a:off x="6747393" y="62621"/>
+            <a:ext cx="2822735" cy="390525"/>
+          </a:xfrm>
+        </p:spPr>
+        <p:txBody>
+          <a:bodyPr/>
+          <a:lstStyle/>
+          <a:p>
+            <a:r>
+              <a:rPr lang="en-US" altLang="ko-KR" dirty="0">
+                <a:latin typeface="나눔고딕" panose="020B0600000101010101" charset="-127"/>
+                <a:ea typeface="나눔고딕" panose="020B0600000101010101" charset="-127"/>
+              </a:rPr>
+              <a:t>Ⅰ. SUBQUERY </a:t>
+            </a:r>
+            <a:r>
+              <a:rPr lang="ko-KR" altLang="en-US" dirty="0">
+                <a:latin typeface="나눔고딕" panose="020B0600000101010101" charset="-127"/>
+                <a:ea typeface="나눔고딕" panose="020B0600000101010101" charset="-127"/>
+              </a:rPr>
+              <a:t>종류와 활용</a:t>
+            </a:r>
+          </a:p>
+        </p:txBody>
+      </p:sp>
+      <p:sp>
+        <p:nvSpPr>
+          <p:cNvPr id="4" name="TextBox 3">
+            <a:extLst>
+              <a:ext uri="{FF2B5EF4-FFF2-40B4-BE49-F238E27FC236}">
+                <a16:creationId xmlns:a16="http://schemas.microsoft.com/office/drawing/2014/main" id="{AADEDC90-8739-4034-9C72-9415D8188AB0}"/>
+              </a:ext>
+            </a:extLst>
+          </p:cNvPr>
+          <p:cNvSpPr txBox="1"/>
+          <p:nvPr/>
+        </p:nvSpPr>
+        <p:spPr>
+          <a:xfrm>
+            <a:off x="363984" y="855677"/>
+            <a:ext cx="8356839" cy="1441613"/>
+          </a:xfrm>
+          <a:prstGeom prst="rect">
+            <a:avLst/>
+          </a:prstGeom>
+          <a:noFill/>
+        </p:spPr>
+        <p:txBody>
+          <a:bodyPr wrap="none" rtlCol="0">
+            <a:spAutoFit/>
+          </a:bodyPr>
+          <a:lstStyle/>
+          <a:p>
+            <a:pPr marL="285750" indent="-285750">
+              <a:lnSpc>
+                <a:spcPct val="150000"/>
+              </a:lnSpc>
+              <a:buFont typeface="Arial" panose="020B0604020202020204" pitchFamily="34" charset="0"/>
+              <a:buChar char="•"/>
+            </a:pPr>
+            <a:r>
+              <a:rPr lang="en-US" altLang="ko-KR" sz="1200" dirty="0"/>
+              <a:t>SUBQUERY(</a:t>
+            </a:r>
+            <a:r>
+              <a:rPr lang="ko-KR" altLang="en-US" sz="1200" dirty="0" err="1"/>
+              <a:t>서브쿼리</a:t>
+            </a:r>
+            <a:r>
+              <a:rPr lang="en-US" altLang="ko-KR" sz="1200" dirty="0"/>
+              <a:t>) : </a:t>
+            </a:r>
+            <a:r>
+              <a:rPr lang="ko-KR" altLang="en-US" sz="1200" dirty="0"/>
+              <a:t>하나의 </a:t>
+            </a:r>
+            <a:r>
+              <a:rPr lang="en-US" altLang="ko-KR" sz="1200" dirty="0"/>
+              <a:t>SQL </a:t>
+            </a:r>
+            <a:r>
+              <a:rPr lang="ko-KR" altLang="en-US" sz="1200" dirty="0"/>
+              <a:t>문장 내에서 괄호로 묶인 별도의 </a:t>
+            </a:r>
+            <a:r>
+              <a:rPr lang="en-US" altLang="ko-KR" sz="1200" dirty="0"/>
+              <a:t>Query Block(</a:t>
+            </a:r>
+            <a:r>
+              <a:rPr lang="ko-KR" altLang="en-US" sz="1200" dirty="0"/>
+              <a:t>쿼리 블록</a:t>
+            </a:r>
+            <a:r>
+              <a:rPr lang="en-US" altLang="ko-KR" sz="1200" dirty="0"/>
+              <a:t>)</a:t>
+            </a:r>
+          </a:p>
+          <a:p>
+            <a:pPr marL="285750" indent="-285750">
+              <a:lnSpc>
+                <a:spcPct val="150000"/>
+              </a:lnSpc>
+              <a:buFont typeface="Arial" panose="020B0604020202020204" pitchFamily="34" charset="0"/>
+              <a:buChar char="•"/>
+            </a:pPr>
+            <a:r>
+              <a:rPr lang="ko-KR" altLang="en-US" sz="1200" dirty="0" err="1"/>
+              <a:t>서브쿼리</a:t>
+            </a:r>
+            <a:r>
+              <a:rPr lang="ko-KR" altLang="en-US" sz="1200" dirty="0"/>
+              <a:t> 종류</a:t>
+            </a:r>
+            <a:endParaRPr lang="en-US" altLang="ko-KR" sz="1200" dirty="0"/>
+          </a:p>
+          <a:p>
+            <a:pPr>
+              <a:lnSpc>
+                <a:spcPct val="150000"/>
+              </a:lnSpc>
+            </a:pPr>
+            <a:r>
+              <a:rPr lang="en-US" altLang="ko-KR" sz="1200" dirty="0"/>
+              <a:t>     1. SCALAR SUBQUERY : </a:t>
+            </a:r>
+            <a:r>
+              <a:rPr lang="ko-KR" altLang="en-US" sz="1200" dirty="0"/>
+              <a:t>한 레코드당 정확히 하나의 컬럼 </a:t>
+            </a:r>
+            <a:r>
+              <a:rPr lang="ko-KR" altLang="en-US" sz="1200" dirty="0" err="1"/>
+              <a:t>값만을</a:t>
+            </a:r>
+            <a:r>
+              <a:rPr lang="ko-KR" altLang="en-US" sz="1200" dirty="0"/>
+              <a:t> 반환하기 위해</a:t>
+            </a:r>
+            <a:r>
+              <a:rPr lang="en-US" altLang="ko-KR" sz="1200" dirty="0"/>
+              <a:t>, </a:t>
+            </a:r>
+            <a:r>
+              <a:rPr lang="ko-KR" altLang="en-US" sz="1200" dirty="0"/>
+              <a:t>주로 </a:t>
+            </a:r>
+            <a:r>
+              <a:rPr lang="en-US" altLang="ko-KR" sz="1200" dirty="0"/>
+              <a:t>SELECT</a:t>
+            </a:r>
+            <a:r>
+              <a:rPr lang="ko-KR" altLang="en-US" sz="1200" dirty="0"/>
+              <a:t>절에 사용된 </a:t>
+            </a:r>
+            <a:r>
+              <a:rPr lang="ko-KR" altLang="en-US" sz="1200" dirty="0" err="1"/>
+              <a:t>서브쿼리</a:t>
+            </a:r>
+            <a:endParaRPr lang="en-US" altLang="ko-KR" sz="1200" dirty="0"/>
+          </a:p>
+          <a:p>
+            <a:pPr>
+              <a:lnSpc>
+                <a:spcPct val="150000"/>
+              </a:lnSpc>
+            </a:pPr>
+            <a:r>
+              <a:rPr lang="en-US" altLang="ko-KR" sz="1200" dirty="0"/>
+              <a:t>     2. INLINE VIEW          : FROM</a:t>
+            </a:r>
+            <a:r>
+              <a:rPr lang="ko-KR" altLang="en-US" sz="1200" dirty="0"/>
+              <a:t>절에 나타나는 </a:t>
+            </a:r>
+            <a:r>
+              <a:rPr lang="ko-KR" altLang="en-US" sz="1200" dirty="0" err="1"/>
+              <a:t>서브쿼리</a:t>
+            </a:r>
+            <a:endParaRPr lang="en-US" altLang="ko-KR" sz="1200" dirty="0"/>
+          </a:p>
+          <a:p>
+            <a:pPr>
+              <a:lnSpc>
+                <a:spcPct val="150000"/>
+              </a:lnSpc>
+            </a:pPr>
+            <a:r>
+              <a:rPr lang="en-US" altLang="ko-KR" sz="1200" dirty="0"/>
+              <a:t>     3. NESTED SUBQUERY : </a:t>
+            </a:r>
+            <a:r>
+              <a:rPr lang="ko-KR" altLang="en-US" sz="1200" dirty="0"/>
+              <a:t>결과집합을 한정하기 위해 </a:t>
+            </a:r>
+            <a:r>
+              <a:rPr lang="en-US" altLang="ko-KR" sz="1200" dirty="0"/>
+              <a:t>WHERE</a:t>
+            </a:r>
+            <a:r>
+              <a:rPr lang="ko-KR" altLang="en-US" sz="1200" dirty="0"/>
+              <a:t>절에 사용된 </a:t>
+            </a:r>
+            <a:r>
+              <a:rPr lang="ko-KR" altLang="en-US" sz="1200" dirty="0" err="1"/>
+              <a:t>서브쿼리</a:t>
+            </a:r>
+            <a:r>
+              <a:rPr lang="en-US" altLang="ko-KR" sz="1200" dirty="0"/>
+              <a:t> </a:t>
+            </a:r>
+          </a:p>
+        </p:txBody>
+      </p:sp>
+      <p:grpSp>
+        <p:nvGrpSpPr>
+          <p:cNvPr id="13" name="그룹 12">
+            <a:extLst>
+              <a:ext uri="{FF2B5EF4-FFF2-40B4-BE49-F238E27FC236}">
+                <a16:creationId xmlns:a16="http://schemas.microsoft.com/office/drawing/2014/main" id="{15D4348A-13E5-4356-9401-5115AAB051B7}"/>
+              </a:ext>
+            </a:extLst>
+          </p:cNvPr>
+          <p:cNvGrpSpPr/>
+          <p:nvPr/>
+        </p:nvGrpSpPr>
+        <p:grpSpPr>
+          <a:xfrm>
+            <a:off x="606847" y="2699821"/>
+            <a:ext cx="6419850" cy="3218633"/>
+            <a:chOff x="481012" y="2672451"/>
+            <a:chExt cx="6419850" cy="3218633"/>
+          </a:xfrm>
+        </p:grpSpPr>
+        <p:pic>
+          <p:nvPicPr>
+            <p:cNvPr id="8" name="그림 7">
+              <a:extLst>
+                <a:ext uri="{FF2B5EF4-FFF2-40B4-BE49-F238E27FC236}">
+                  <a16:creationId xmlns:a16="http://schemas.microsoft.com/office/drawing/2014/main" id="{802A8635-5B4A-451C-A384-D99B63ED2245}"/>
+                </a:ext>
+              </a:extLst>
+            </p:cNvPr>
+            <p:cNvPicPr>
+              <a:picLocks noChangeAspect="1"/>
+            </p:cNvPicPr>
+            <p:nvPr/>
+          </p:nvPicPr>
+          <p:blipFill>
+            <a:blip r:embed="rId2"/>
+            <a:stretch>
+              <a:fillRect/>
+            </a:stretch>
+          </p:blipFill>
+          <p:spPr>
+            <a:xfrm>
+              <a:off x="481012" y="2672451"/>
+              <a:ext cx="6353175" cy="885825"/>
+            </a:xfrm>
+            <a:prstGeom prst="rect">
+              <a:avLst/>
+            </a:prstGeom>
+          </p:spPr>
+        </p:pic>
+        <p:pic>
+          <p:nvPicPr>
+            <p:cNvPr id="10" name="그림 9">
+              <a:extLst>
+                <a:ext uri="{FF2B5EF4-FFF2-40B4-BE49-F238E27FC236}">
+                  <a16:creationId xmlns:a16="http://schemas.microsoft.com/office/drawing/2014/main" id="{4B15A1DF-909F-4835-BAEC-EF472779AFA1}"/>
+                </a:ext>
+              </a:extLst>
+            </p:cNvPr>
+            <p:cNvPicPr>
+              <a:picLocks noChangeAspect="1"/>
+            </p:cNvPicPr>
+            <p:nvPr/>
+          </p:nvPicPr>
+          <p:blipFill>
+            <a:blip r:embed="rId3"/>
+            <a:stretch>
+              <a:fillRect/>
+            </a:stretch>
+          </p:blipFill>
+          <p:spPr>
+            <a:xfrm>
+              <a:off x="481012" y="3876955"/>
+              <a:ext cx="6419850" cy="800100"/>
+            </a:xfrm>
+            <a:prstGeom prst="rect">
+              <a:avLst/>
+            </a:prstGeom>
+          </p:spPr>
+        </p:pic>
+        <p:pic>
+          <p:nvPicPr>
+            <p:cNvPr id="12" name="그림 11">
+              <a:extLst>
+                <a:ext uri="{FF2B5EF4-FFF2-40B4-BE49-F238E27FC236}">
+                  <a16:creationId xmlns:a16="http://schemas.microsoft.com/office/drawing/2014/main" id="{8678A0D3-98F3-4E09-9B16-8F5E56A6FE21}"/>
+                </a:ext>
+              </a:extLst>
+            </p:cNvPr>
+            <p:cNvPicPr>
+              <a:picLocks noChangeAspect="1"/>
+            </p:cNvPicPr>
+            <p:nvPr/>
+          </p:nvPicPr>
+          <p:blipFill>
+            <a:blip r:embed="rId4"/>
+            <a:stretch>
+              <a:fillRect/>
+            </a:stretch>
+          </p:blipFill>
+          <p:spPr>
+            <a:xfrm>
+              <a:off x="547687" y="4995734"/>
+              <a:ext cx="6286500" cy="895350"/>
+            </a:xfrm>
+            <a:prstGeom prst="rect">
+              <a:avLst/>
+            </a:prstGeom>
+          </p:spPr>
+        </p:pic>
+      </p:grpSp>
+    </p:spTree>
+    <p:extLst>
+      <p:ext uri="{BB962C8B-B14F-4D97-AF65-F5344CB8AC3E}">
+        <p14:creationId xmlns:p14="http://schemas.microsoft.com/office/powerpoint/2010/main" val="2328535874"/>
+      </p:ext>
+    </p:extLst>
+  </p:cSld>
+  <p:clrMapOvr>
+    <a:masterClrMapping/>
+  </p:clrMapOvr>
+</p:sld>
+</file>
+
+<file path=ppt/slides/slide30.xml><?xml version="1.0" encoding="utf-8"?>
 <p:sld xmlns:a="http://schemas.openxmlformats.org/drawingml/2006/main" xmlns:r="http://schemas.openxmlformats.org/officeDocument/2006/relationships" xmlns:p="http://schemas.openxmlformats.org/presentationml/2006/main">
   <p:cSld>
     <p:spTree>
@@ -20442,7 +21047,7 @@
                 <a:latin typeface="나눔고딕" panose="020B0600000101010101" charset="-127"/>
                 <a:ea typeface="나눔고딕" panose="020B0600000101010101" charset="-127"/>
               </a:rPr>
-              <a:t>28</a:t>
+              <a:t>29</a:t>
             </a:fld>
             <a:endParaRPr lang="ko-KR" altLang="en-US" dirty="0">
               <a:latin typeface="나눔고딕" panose="020B0600000101010101" charset="-127"/>
@@ -21490,994 +22095,6 @@
 </p:sld>
 </file>
 
-<file path=ppt/slides/slide3.xml><?xml version="1.0" encoding="utf-8"?>
-<p:sld xmlns:a="http://schemas.openxmlformats.org/drawingml/2006/main" xmlns:r="http://schemas.openxmlformats.org/officeDocument/2006/relationships" xmlns:p="http://schemas.openxmlformats.org/presentationml/2006/main">
-  <p:cSld>
-    <p:spTree>
-      <p:nvGrpSpPr>
-        <p:cNvPr id="1" name=""/>
-        <p:cNvGrpSpPr/>
-        <p:nvPr/>
-      </p:nvGrpSpPr>
-      <p:grpSpPr>
-        <a:xfrm>
-          <a:off x="0" y="0"/>
-          <a:ext cx="0" cy="0"/>
-          <a:chOff x="0" y="0"/>
-          <a:chExt cx="0" cy="0"/>
-        </a:xfrm>
-      </p:grpSpPr>
-      <p:sp>
-        <p:nvSpPr>
-          <p:cNvPr id="2" name="제목 1">
-            <a:extLst>
-              <a:ext uri="{FF2B5EF4-FFF2-40B4-BE49-F238E27FC236}">
-                <a16:creationId xmlns:a16="http://schemas.microsoft.com/office/drawing/2014/main" id="{F35C43C8-4428-4D97-87C2-6ACA5057AB6C}"/>
-              </a:ext>
-            </a:extLst>
-          </p:cNvPr>
-          <p:cNvSpPr>
-            <a:spLocks noGrp="1"/>
-          </p:cNvSpPr>
-          <p:nvPr>
-            <p:ph type="title"/>
-          </p:nvPr>
-        </p:nvSpPr>
-        <p:spPr/>
-        <p:txBody>
-          <a:bodyPr/>
-          <a:lstStyle/>
-          <a:p>
-            <a:r>
-              <a:rPr lang="en-US" altLang="ko-KR" dirty="0">
-                <a:latin typeface="나눔고딕" panose="020B0600000101010101" charset="-127"/>
-                <a:ea typeface="나눔고딕" panose="020B0600000101010101" charset="-127"/>
-              </a:rPr>
-              <a:t>1. SUBQUERY </a:t>
-            </a:r>
-            <a:r>
-              <a:rPr lang="ko-KR" altLang="en-US" dirty="0">
-                <a:latin typeface="나눔고딕" panose="020B0600000101010101" charset="-127"/>
-                <a:ea typeface="나눔고딕" panose="020B0600000101010101" charset="-127"/>
-              </a:rPr>
-              <a:t>종류</a:t>
-            </a:r>
-          </a:p>
-        </p:txBody>
-      </p:sp>
-      <p:sp>
-        <p:nvSpPr>
-          <p:cNvPr id="3" name="슬라이드 번호 개체 틀 2">
-            <a:extLst>
-              <a:ext uri="{FF2B5EF4-FFF2-40B4-BE49-F238E27FC236}">
-                <a16:creationId xmlns:a16="http://schemas.microsoft.com/office/drawing/2014/main" id="{52605890-CC5B-48CD-9CC1-694880517276}"/>
-              </a:ext>
-            </a:extLst>
-          </p:cNvPr>
-          <p:cNvSpPr>
-            <a:spLocks noGrp="1"/>
-          </p:cNvSpPr>
-          <p:nvPr>
-            <p:ph type="sldNum" sz="quarter" idx="12"/>
-          </p:nvPr>
-        </p:nvSpPr>
-        <p:spPr/>
-        <p:txBody>
-          <a:bodyPr>
-            <a:normAutofit fontScale="92500"/>
-          </a:bodyPr>
-          <a:lstStyle/>
-          <a:p>
-            <a:fld id="{EBB166B3-33A6-45CA-B81B-F13BE7654232}" type="slidenum">
-              <a:rPr lang="ko-KR" altLang="en-US" smtClean="0">
-                <a:latin typeface="나눔고딕" panose="020B0600000101010101" charset="-127"/>
-                <a:ea typeface="나눔고딕" panose="020B0600000101010101" charset="-127"/>
-              </a:rPr>
-              <a:t>2</a:t>
-            </a:fld>
-            <a:endParaRPr lang="ko-KR" altLang="en-US">
-              <a:latin typeface="나눔고딕" panose="020B0600000101010101" charset="-127"/>
-              <a:ea typeface="나눔고딕" panose="020B0600000101010101" charset="-127"/>
-            </a:endParaRPr>
-          </a:p>
-        </p:txBody>
-      </p:sp>
-      <p:sp>
-        <p:nvSpPr>
-          <p:cNvPr id="47" name="텍스트 개체 틀 3">
-            <a:extLst>
-              <a:ext uri="{FF2B5EF4-FFF2-40B4-BE49-F238E27FC236}">
-                <a16:creationId xmlns:a16="http://schemas.microsoft.com/office/drawing/2014/main" id="{BD6E26C7-2547-444C-8643-2B2EEE99F2F4}"/>
-              </a:ext>
-            </a:extLst>
-          </p:cNvPr>
-          <p:cNvSpPr>
-            <a:spLocks noGrp="1"/>
-          </p:cNvSpPr>
-          <p:nvPr>
-            <p:ph type="body" sz="quarter" idx="13"/>
-          </p:nvPr>
-        </p:nvSpPr>
-        <p:spPr>
-          <a:xfrm>
-            <a:off x="6747393" y="62621"/>
-            <a:ext cx="2822735" cy="390525"/>
-          </a:xfrm>
-        </p:spPr>
-        <p:txBody>
-          <a:bodyPr/>
-          <a:lstStyle/>
-          <a:p>
-            <a:r>
-              <a:rPr lang="en-US" altLang="ko-KR" dirty="0">
-                <a:latin typeface="나눔고딕" panose="020B0600000101010101" charset="-127"/>
-                <a:ea typeface="나눔고딕" panose="020B0600000101010101" charset="-127"/>
-              </a:rPr>
-              <a:t>Ⅰ. SUBQUERY </a:t>
-            </a:r>
-            <a:r>
-              <a:rPr lang="ko-KR" altLang="en-US" dirty="0">
-                <a:latin typeface="나눔고딕" panose="020B0600000101010101" charset="-127"/>
-                <a:ea typeface="나눔고딕" panose="020B0600000101010101" charset="-127"/>
-              </a:rPr>
-              <a:t>종류와 활용</a:t>
-            </a:r>
-          </a:p>
-        </p:txBody>
-      </p:sp>
-      <p:sp>
-        <p:nvSpPr>
-          <p:cNvPr id="4" name="TextBox 3">
-            <a:extLst>
-              <a:ext uri="{FF2B5EF4-FFF2-40B4-BE49-F238E27FC236}">
-                <a16:creationId xmlns:a16="http://schemas.microsoft.com/office/drawing/2014/main" id="{AADEDC90-8739-4034-9C72-9415D8188AB0}"/>
-              </a:ext>
-            </a:extLst>
-          </p:cNvPr>
-          <p:cNvSpPr txBox="1"/>
-          <p:nvPr/>
-        </p:nvSpPr>
-        <p:spPr>
-          <a:xfrm>
-            <a:off x="363984" y="855677"/>
-            <a:ext cx="8356839" cy="1441613"/>
-          </a:xfrm>
-          <a:prstGeom prst="rect">
-            <a:avLst/>
-          </a:prstGeom>
-          <a:noFill/>
-        </p:spPr>
-        <p:txBody>
-          <a:bodyPr wrap="none" rtlCol="0">
-            <a:spAutoFit/>
-          </a:bodyPr>
-          <a:lstStyle/>
-          <a:p>
-            <a:pPr marL="285750" indent="-285750">
-              <a:lnSpc>
-                <a:spcPct val="150000"/>
-              </a:lnSpc>
-              <a:buFont typeface="Arial" panose="020B0604020202020204" pitchFamily="34" charset="0"/>
-              <a:buChar char="•"/>
-            </a:pPr>
-            <a:r>
-              <a:rPr lang="en-US" altLang="ko-KR" sz="1200" dirty="0"/>
-              <a:t>SUBQUERY(</a:t>
-            </a:r>
-            <a:r>
-              <a:rPr lang="ko-KR" altLang="en-US" sz="1200" dirty="0" err="1"/>
-              <a:t>서브쿼리</a:t>
-            </a:r>
-            <a:r>
-              <a:rPr lang="en-US" altLang="ko-KR" sz="1200" dirty="0"/>
-              <a:t>) : </a:t>
-            </a:r>
-            <a:r>
-              <a:rPr lang="ko-KR" altLang="en-US" sz="1200" dirty="0"/>
-              <a:t>하나의 </a:t>
-            </a:r>
-            <a:r>
-              <a:rPr lang="en-US" altLang="ko-KR" sz="1200" dirty="0"/>
-              <a:t>SQL </a:t>
-            </a:r>
-            <a:r>
-              <a:rPr lang="ko-KR" altLang="en-US" sz="1200" dirty="0"/>
-              <a:t>문장 내에서 괄호로 묶인 별도의 </a:t>
-            </a:r>
-            <a:r>
-              <a:rPr lang="en-US" altLang="ko-KR" sz="1200" dirty="0"/>
-              <a:t>Query Block(</a:t>
-            </a:r>
-            <a:r>
-              <a:rPr lang="ko-KR" altLang="en-US" sz="1200" dirty="0"/>
-              <a:t>쿼리 블록</a:t>
-            </a:r>
-            <a:r>
-              <a:rPr lang="en-US" altLang="ko-KR" sz="1200" dirty="0"/>
-              <a:t>)</a:t>
-            </a:r>
-          </a:p>
-          <a:p>
-            <a:pPr marL="285750" indent="-285750">
-              <a:lnSpc>
-                <a:spcPct val="150000"/>
-              </a:lnSpc>
-              <a:buFont typeface="Arial" panose="020B0604020202020204" pitchFamily="34" charset="0"/>
-              <a:buChar char="•"/>
-            </a:pPr>
-            <a:r>
-              <a:rPr lang="ko-KR" altLang="en-US" sz="1200" dirty="0" err="1"/>
-              <a:t>서브쿼리</a:t>
-            </a:r>
-            <a:r>
-              <a:rPr lang="ko-KR" altLang="en-US" sz="1200" dirty="0"/>
-              <a:t> 종류</a:t>
-            </a:r>
-            <a:endParaRPr lang="en-US" altLang="ko-KR" sz="1200" dirty="0"/>
-          </a:p>
-          <a:p>
-            <a:pPr>
-              <a:lnSpc>
-                <a:spcPct val="150000"/>
-              </a:lnSpc>
-            </a:pPr>
-            <a:r>
-              <a:rPr lang="en-US" altLang="ko-KR" sz="1200" dirty="0"/>
-              <a:t>     1. SCALAR SUBQUERY : </a:t>
-            </a:r>
-            <a:r>
-              <a:rPr lang="ko-KR" altLang="en-US" sz="1200" dirty="0"/>
-              <a:t>한 레코드당 정확히 하나의 컬럼 </a:t>
-            </a:r>
-            <a:r>
-              <a:rPr lang="ko-KR" altLang="en-US" sz="1200" dirty="0" err="1"/>
-              <a:t>값만을</a:t>
-            </a:r>
-            <a:r>
-              <a:rPr lang="ko-KR" altLang="en-US" sz="1200" dirty="0"/>
-              <a:t> 반환하기 위해</a:t>
-            </a:r>
-            <a:r>
-              <a:rPr lang="en-US" altLang="ko-KR" sz="1200" dirty="0"/>
-              <a:t>, </a:t>
-            </a:r>
-            <a:r>
-              <a:rPr lang="ko-KR" altLang="en-US" sz="1200" dirty="0"/>
-              <a:t>주로 </a:t>
-            </a:r>
-            <a:r>
-              <a:rPr lang="en-US" altLang="ko-KR" sz="1200" dirty="0"/>
-              <a:t>SELECT</a:t>
-            </a:r>
-            <a:r>
-              <a:rPr lang="ko-KR" altLang="en-US" sz="1200" dirty="0"/>
-              <a:t>절에 사용된 </a:t>
-            </a:r>
-            <a:r>
-              <a:rPr lang="ko-KR" altLang="en-US" sz="1200" dirty="0" err="1"/>
-              <a:t>서브쿼리</a:t>
-            </a:r>
-            <a:endParaRPr lang="en-US" altLang="ko-KR" sz="1200" dirty="0"/>
-          </a:p>
-          <a:p>
-            <a:pPr>
-              <a:lnSpc>
-                <a:spcPct val="150000"/>
-              </a:lnSpc>
-            </a:pPr>
-            <a:r>
-              <a:rPr lang="en-US" altLang="ko-KR" sz="1200" dirty="0"/>
-              <a:t>     2. INLINE VIEW          : FROM</a:t>
-            </a:r>
-            <a:r>
-              <a:rPr lang="ko-KR" altLang="en-US" sz="1200" dirty="0"/>
-              <a:t>절에 나타나는 </a:t>
-            </a:r>
-            <a:r>
-              <a:rPr lang="ko-KR" altLang="en-US" sz="1200" dirty="0" err="1"/>
-              <a:t>서브쿼리</a:t>
-            </a:r>
-            <a:endParaRPr lang="en-US" altLang="ko-KR" sz="1200" dirty="0"/>
-          </a:p>
-          <a:p>
-            <a:pPr>
-              <a:lnSpc>
-                <a:spcPct val="150000"/>
-              </a:lnSpc>
-            </a:pPr>
-            <a:r>
-              <a:rPr lang="en-US" altLang="ko-KR" sz="1200" dirty="0"/>
-              <a:t>     3. NESTED SUBQUERY : </a:t>
-            </a:r>
-            <a:r>
-              <a:rPr lang="ko-KR" altLang="en-US" sz="1200" dirty="0"/>
-              <a:t>결과집합을 한정하기 위해 </a:t>
-            </a:r>
-            <a:r>
-              <a:rPr lang="en-US" altLang="ko-KR" sz="1200" dirty="0"/>
-              <a:t>WHERE</a:t>
-            </a:r>
-            <a:r>
-              <a:rPr lang="ko-KR" altLang="en-US" sz="1200" dirty="0"/>
-              <a:t>절에 사용된 </a:t>
-            </a:r>
-            <a:r>
-              <a:rPr lang="ko-KR" altLang="en-US" sz="1200" dirty="0" err="1"/>
-              <a:t>서브쿼리</a:t>
-            </a:r>
-            <a:r>
-              <a:rPr lang="en-US" altLang="ko-KR" sz="1200" dirty="0"/>
-              <a:t> </a:t>
-            </a:r>
-          </a:p>
-        </p:txBody>
-      </p:sp>
-      <p:grpSp>
-        <p:nvGrpSpPr>
-          <p:cNvPr id="13" name="그룹 12">
-            <a:extLst>
-              <a:ext uri="{FF2B5EF4-FFF2-40B4-BE49-F238E27FC236}">
-                <a16:creationId xmlns:a16="http://schemas.microsoft.com/office/drawing/2014/main" id="{15D4348A-13E5-4356-9401-5115AAB051B7}"/>
-              </a:ext>
-            </a:extLst>
-          </p:cNvPr>
-          <p:cNvGrpSpPr/>
-          <p:nvPr/>
-        </p:nvGrpSpPr>
-        <p:grpSpPr>
-          <a:xfrm>
-            <a:off x="606847" y="2699821"/>
-            <a:ext cx="6419850" cy="3218633"/>
-            <a:chOff x="481012" y="2672451"/>
-            <a:chExt cx="6419850" cy="3218633"/>
-          </a:xfrm>
-        </p:grpSpPr>
-        <p:pic>
-          <p:nvPicPr>
-            <p:cNvPr id="8" name="그림 7">
-              <a:extLst>
-                <a:ext uri="{FF2B5EF4-FFF2-40B4-BE49-F238E27FC236}">
-                  <a16:creationId xmlns:a16="http://schemas.microsoft.com/office/drawing/2014/main" id="{802A8635-5B4A-451C-A384-D99B63ED2245}"/>
-                </a:ext>
-              </a:extLst>
-            </p:cNvPr>
-            <p:cNvPicPr>
-              <a:picLocks noChangeAspect="1"/>
-            </p:cNvPicPr>
-            <p:nvPr/>
-          </p:nvPicPr>
-          <p:blipFill>
-            <a:blip r:embed="rId2"/>
-            <a:stretch>
-              <a:fillRect/>
-            </a:stretch>
-          </p:blipFill>
-          <p:spPr>
-            <a:xfrm>
-              <a:off x="481012" y="2672451"/>
-              <a:ext cx="6353175" cy="885825"/>
-            </a:xfrm>
-            <a:prstGeom prst="rect">
-              <a:avLst/>
-            </a:prstGeom>
-          </p:spPr>
-        </p:pic>
-        <p:pic>
-          <p:nvPicPr>
-            <p:cNvPr id="10" name="그림 9">
-              <a:extLst>
-                <a:ext uri="{FF2B5EF4-FFF2-40B4-BE49-F238E27FC236}">
-                  <a16:creationId xmlns:a16="http://schemas.microsoft.com/office/drawing/2014/main" id="{4B15A1DF-909F-4835-BAEC-EF472779AFA1}"/>
-                </a:ext>
-              </a:extLst>
-            </p:cNvPr>
-            <p:cNvPicPr>
-              <a:picLocks noChangeAspect="1"/>
-            </p:cNvPicPr>
-            <p:nvPr/>
-          </p:nvPicPr>
-          <p:blipFill>
-            <a:blip r:embed="rId3"/>
-            <a:stretch>
-              <a:fillRect/>
-            </a:stretch>
-          </p:blipFill>
-          <p:spPr>
-            <a:xfrm>
-              <a:off x="481012" y="3876955"/>
-              <a:ext cx="6419850" cy="800100"/>
-            </a:xfrm>
-            <a:prstGeom prst="rect">
-              <a:avLst/>
-            </a:prstGeom>
-          </p:spPr>
-        </p:pic>
-        <p:pic>
-          <p:nvPicPr>
-            <p:cNvPr id="12" name="그림 11">
-              <a:extLst>
-                <a:ext uri="{FF2B5EF4-FFF2-40B4-BE49-F238E27FC236}">
-                  <a16:creationId xmlns:a16="http://schemas.microsoft.com/office/drawing/2014/main" id="{8678A0D3-98F3-4E09-9B16-8F5E56A6FE21}"/>
-                </a:ext>
-              </a:extLst>
-            </p:cNvPr>
-            <p:cNvPicPr>
-              <a:picLocks noChangeAspect="1"/>
-            </p:cNvPicPr>
-            <p:nvPr/>
-          </p:nvPicPr>
-          <p:blipFill>
-            <a:blip r:embed="rId4"/>
-            <a:stretch>
-              <a:fillRect/>
-            </a:stretch>
-          </p:blipFill>
-          <p:spPr>
-            <a:xfrm>
-              <a:off x="547687" y="4995734"/>
-              <a:ext cx="6286500" cy="895350"/>
-            </a:xfrm>
-            <a:prstGeom prst="rect">
-              <a:avLst/>
-            </a:prstGeom>
-          </p:spPr>
-        </p:pic>
-      </p:grpSp>
-    </p:spTree>
-    <p:extLst>
-      <p:ext uri="{BB962C8B-B14F-4D97-AF65-F5344CB8AC3E}">
-        <p14:creationId xmlns:p14="http://schemas.microsoft.com/office/powerpoint/2010/main" val="2328535874"/>
-      </p:ext>
-    </p:extLst>
-  </p:cSld>
-  <p:clrMapOvr>
-    <a:masterClrMapping/>
-  </p:clrMapOvr>
-</p:sld>
-</file>
-
-<file path=ppt/slides/slide30.xml><?xml version="1.0" encoding="utf-8"?>
-<p:sld xmlns:a="http://schemas.openxmlformats.org/drawingml/2006/main" xmlns:r="http://schemas.openxmlformats.org/officeDocument/2006/relationships" xmlns:p="http://schemas.openxmlformats.org/presentationml/2006/main">
-  <p:cSld>
-    <p:spTree>
-      <p:nvGrpSpPr>
-        <p:cNvPr id="1" name=""/>
-        <p:cNvGrpSpPr/>
-        <p:nvPr/>
-      </p:nvGrpSpPr>
-      <p:grpSpPr>
-        <a:xfrm>
-          <a:off x="0" y="0"/>
-          <a:ext cx="0" cy="0"/>
-          <a:chOff x="0" y="0"/>
-          <a:chExt cx="0" cy="0"/>
-        </a:xfrm>
-      </p:grpSpPr>
-      <p:sp>
-        <p:nvSpPr>
-          <p:cNvPr id="47" name="텍스트 개체 틀 3">
-            <a:extLst>
-              <a:ext uri="{FF2B5EF4-FFF2-40B4-BE49-F238E27FC236}">
-                <a16:creationId xmlns:a16="http://schemas.microsoft.com/office/drawing/2014/main" id="{BD6E26C7-2547-444C-8643-2B2EEE99F2F4}"/>
-              </a:ext>
-            </a:extLst>
-          </p:cNvPr>
-          <p:cNvSpPr>
-            <a:spLocks noGrp="1"/>
-          </p:cNvSpPr>
-          <p:nvPr>
-            <p:ph type="body" sz="quarter" idx="13"/>
-          </p:nvPr>
-        </p:nvSpPr>
-        <p:spPr>
-          <a:xfrm>
-            <a:off x="6747393" y="62621"/>
-            <a:ext cx="2822735" cy="390525"/>
-          </a:xfrm>
-        </p:spPr>
-        <p:txBody>
-          <a:bodyPr/>
-          <a:lstStyle/>
-          <a:p>
-            <a:r>
-              <a:rPr lang="en-US" altLang="ko-KR" dirty="0">
-                <a:latin typeface="나눔고딕" panose="020D0604000000000000" pitchFamily="50" charset="-127"/>
-                <a:ea typeface="나눔고딕" panose="020D0604000000000000" pitchFamily="50" charset="-127"/>
-              </a:rPr>
-              <a:t>Ⅱ. </a:t>
-            </a:r>
-            <a:r>
-              <a:rPr lang="ko-KR" altLang="en-US" dirty="0">
-                <a:latin typeface="나눔고딕" panose="020D0604000000000000" pitchFamily="50" charset="-127"/>
-                <a:ea typeface="나눔고딕" panose="020D0604000000000000" pitchFamily="50" charset="-127"/>
-              </a:rPr>
-              <a:t>실행계획</a:t>
-            </a:r>
-          </a:p>
-        </p:txBody>
-      </p:sp>
-      <p:sp>
-        <p:nvSpPr>
-          <p:cNvPr id="14" name="슬라이드 번호 개체 틀 2">
-            <a:extLst>
-              <a:ext uri="{FF2B5EF4-FFF2-40B4-BE49-F238E27FC236}">
-                <a16:creationId xmlns:a16="http://schemas.microsoft.com/office/drawing/2014/main" id="{E3626C26-BF47-4717-80D4-21BA55993E00}"/>
-              </a:ext>
-            </a:extLst>
-          </p:cNvPr>
-          <p:cNvSpPr>
-            <a:spLocks noGrp="1"/>
-          </p:cNvSpPr>
-          <p:nvPr>
-            <p:ph type="sldNum" sz="quarter" idx="12"/>
-          </p:nvPr>
-        </p:nvSpPr>
-        <p:spPr>
-          <a:xfrm>
-            <a:off x="4439346" y="6528442"/>
-            <a:ext cx="1029301" cy="276999"/>
-          </a:xfrm>
-        </p:spPr>
-        <p:txBody>
-          <a:bodyPr>
-            <a:normAutofit fontScale="92500"/>
-          </a:bodyPr>
-          <a:lstStyle/>
-          <a:p>
-            <a:fld id="{EBB166B3-33A6-45CA-B81B-F13BE7654232}" type="slidenum">
-              <a:rPr lang="ko-KR" altLang="en-US" smtClean="0">
-                <a:latin typeface="나눔고딕" panose="020B0600000101010101" charset="-127"/>
-                <a:ea typeface="나눔고딕" panose="020B0600000101010101" charset="-127"/>
-              </a:rPr>
-              <a:t>29</a:t>
-            </a:fld>
-            <a:endParaRPr lang="ko-KR" altLang="en-US" dirty="0">
-              <a:latin typeface="나눔고딕" panose="020B0600000101010101" charset="-127"/>
-              <a:ea typeface="나눔고딕" panose="020B0600000101010101" charset="-127"/>
-            </a:endParaRPr>
-          </a:p>
-        </p:txBody>
-      </p:sp>
-      <p:sp>
-        <p:nvSpPr>
-          <p:cNvPr id="3" name="TextBox 2">
-            <a:extLst>
-              <a:ext uri="{FF2B5EF4-FFF2-40B4-BE49-F238E27FC236}">
-                <a16:creationId xmlns:a16="http://schemas.microsoft.com/office/drawing/2014/main" id="{43BD4B0A-C817-40FC-8794-1A803D7B2883}"/>
-              </a:ext>
-            </a:extLst>
-          </p:cNvPr>
-          <p:cNvSpPr txBox="1"/>
-          <p:nvPr/>
-        </p:nvSpPr>
-        <p:spPr>
-          <a:xfrm>
-            <a:off x="217129" y="861850"/>
-            <a:ext cx="9688871" cy="3354573"/>
-          </a:xfrm>
-          <a:prstGeom prst="rect">
-            <a:avLst/>
-          </a:prstGeom>
-          <a:noFill/>
-        </p:spPr>
-        <p:txBody>
-          <a:bodyPr wrap="none" rtlCol="0">
-            <a:spAutoFit/>
-          </a:bodyPr>
-          <a:lstStyle/>
-          <a:p>
-            <a:pPr marL="285750" indent="-285750">
-              <a:lnSpc>
-                <a:spcPct val="150000"/>
-              </a:lnSpc>
-              <a:buFont typeface="Arial" panose="020B0604020202020204" pitchFamily="34" charset="0"/>
-              <a:buChar char="•"/>
-            </a:pPr>
-            <a:r>
-              <a:rPr lang="en-US" altLang="ko-KR" sz="1300" dirty="0"/>
-              <a:t>INDEX SCAN</a:t>
-            </a:r>
-            <a:r>
-              <a:rPr lang="ko-KR" altLang="en-US" sz="1300" dirty="0"/>
-              <a:t>을 선택하는 경우</a:t>
-            </a:r>
-            <a:endParaRPr lang="en-US" altLang="ko-KR" sz="1300" dirty="0"/>
-          </a:p>
-          <a:p>
-            <a:pPr>
-              <a:lnSpc>
-                <a:spcPct val="150000"/>
-              </a:lnSpc>
-            </a:pPr>
-            <a:r>
-              <a:rPr lang="en-US" altLang="ko-KR" sz="1300" dirty="0"/>
-              <a:t>     1. INDEX UNIQUE SCAN : UNIQUE INDEX</a:t>
-            </a:r>
-            <a:r>
-              <a:rPr lang="ko-KR" altLang="en-US" sz="1300" dirty="0"/>
-              <a:t>를 이용하여</a:t>
-            </a:r>
-            <a:r>
-              <a:rPr lang="en-US" altLang="ko-KR" sz="1300" dirty="0"/>
-              <a:t>, </a:t>
-            </a:r>
-            <a:r>
-              <a:rPr lang="ko-KR" altLang="en-US" sz="1300" dirty="0"/>
-              <a:t>데이터 블록에 접근</a:t>
-            </a:r>
-            <a:endParaRPr lang="en-US" altLang="ko-KR" sz="1300" dirty="0"/>
-          </a:p>
-          <a:p>
-            <a:pPr>
-              <a:lnSpc>
-                <a:spcPct val="150000"/>
-              </a:lnSpc>
-            </a:pPr>
-            <a:r>
-              <a:rPr lang="en-US" altLang="ko-KR" sz="1300" dirty="0"/>
-              <a:t>                                       </a:t>
-            </a:r>
-            <a:r>
-              <a:rPr lang="ko-KR" altLang="en-US" sz="1300" dirty="0"/>
-              <a:t>한 건 이하의 </a:t>
-            </a:r>
-            <a:r>
-              <a:rPr lang="en-US" altLang="ko-KR" sz="1300" dirty="0"/>
-              <a:t>ROWID</a:t>
-            </a:r>
-            <a:r>
-              <a:rPr lang="ko-KR" altLang="en-US" sz="1300" dirty="0"/>
-              <a:t>를 반환하는 방식</a:t>
-            </a:r>
-            <a:endParaRPr lang="en-US" altLang="ko-KR" sz="1300" dirty="0"/>
-          </a:p>
-          <a:p>
-            <a:pPr>
-              <a:lnSpc>
-                <a:spcPct val="150000"/>
-              </a:lnSpc>
-            </a:pPr>
-            <a:r>
-              <a:rPr lang="en-US" altLang="ko-KR" sz="1300" dirty="0"/>
-              <a:t>                                       </a:t>
-            </a:r>
-            <a:r>
-              <a:rPr lang="en-US" altLang="ko-KR" sz="1300" b="1" dirty="0">
-                <a:solidFill>
-                  <a:srgbClr val="FF0000"/>
-                </a:solidFill>
-              </a:rPr>
-              <a:t>UNIQUE INDEX</a:t>
-            </a:r>
-            <a:r>
-              <a:rPr lang="ko-KR" altLang="en-US" sz="1300" b="1" dirty="0">
-                <a:solidFill>
-                  <a:srgbClr val="FF0000"/>
-                </a:solidFill>
-              </a:rPr>
-              <a:t>를 구성하는 모든 컬럼이 조건절에 </a:t>
-            </a:r>
-            <a:r>
-              <a:rPr lang="en-US" altLang="ko-KR" sz="1300" b="1" dirty="0">
-                <a:solidFill>
-                  <a:srgbClr val="FF0000"/>
-                </a:solidFill>
-              </a:rPr>
-              <a:t>‘=‘</a:t>
-            </a:r>
-            <a:r>
-              <a:rPr lang="ko-KR" altLang="en-US" sz="1300" b="1" dirty="0">
-                <a:solidFill>
-                  <a:srgbClr val="FF0000"/>
-                </a:solidFill>
-              </a:rPr>
-              <a:t>로 명시된 경우 발생</a:t>
-            </a:r>
-            <a:endParaRPr lang="en-US" altLang="ko-KR" sz="1300" b="1" dirty="0">
-              <a:solidFill>
-                <a:srgbClr val="FF0000"/>
-              </a:solidFill>
-            </a:endParaRPr>
-          </a:p>
-          <a:p>
-            <a:pPr>
-              <a:lnSpc>
-                <a:spcPct val="150000"/>
-              </a:lnSpc>
-            </a:pPr>
-            <a:r>
-              <a:rPr lang="en-US" altLang="ko-KR" sz="1300" dirty="0"/>
-              <a:t>     2. INDEX RANGE SCAN : INDEX</a:t>
-            </a:r>
-            <a:r>
-              <a:rPr lang="ko-KR" altLang="en-US" sz="1300" dirty="0"/>
-              <a:t>를 이용한 데이터 블록 접근 중</a:t>
-            </a:r>
-            <a:r>
-              <a:rPr lang="en-US" altLang="ko-KR" sz="1300" dirty="0"/>
-              <a:t>, </a:t>
-            </a:r>
-            <a:r>
-              <a:rPr lang="ko-KR" altLang="en-US" sz="1300" dirty="0"/>
-              <a:t>가장 일반적인 방식</a:t>
-            </a:r>
-            <a:endParaRPr lang="en-US" altLang="ko-KR" sz="1300" dirty="0"/>
-          </a:p>
-          <a:p>
-            <a:pPr>
-              <a:lnSpc>
-                <a:spcPct val="150000"/>
-              </a:lnSpc>
-            </a:pPr>
-            <a:r>
-              <a:rPr lang="en-US" altLang="ko-KR" sz="1300" dirty="0"/>
-              <a:t> 	                      INDEX</a:t>
-            </a:r>
-            <a:r>
-              <a:rPr lang="ko-KR" altLang="en-US" sz="1300" dirty="0"/>
-              <a:t>를 구성하는 선두 컬럼에 대해 범위 검색을 하는 방식</a:t>
-            </a:r>
-            <a:endParaRPr lang="en-US" altLang="ko-KR" sz="1300" dirty="0"/>
-          </a:p>
-          <a:p>
-            <a:pPr>
-              <a:lnSpc>
-                <a:spcPct val="150000"/>
-              </a:lnSpc>
-            </a:pPr>
-            <a:r>
-              <a:rPr lang="en-US" altLang="ko-KR" sz="1300" dirty="0"/>
-              <a:t>                                     </a:t>
-            </a:r>
-            <a:r>
-              <a:rPr lang="en-US" altLang="ko-KR" sz="1300" b="1" dirty="0">
-                <a:solidFill>
-                  <a:srgbClr val="FF0000"/>
-                </a:solidFill>
-              </a:rPr>
-              <a:t>INDEX</a:t>
-            </a:r>
-            <a:r>
-              <a:rPr lang="ko-KR" altLang="en-US" sz="1300" b="1" dirty="0">
-                <a:solidFill>
-                  <a:srgbClr val="FF0000"/>
-                </a:solidFill>
-              </a:rPr>
-              <a:t>를 구성하는 선두 컬럼이 조건절에 비교연산</a:t>
-            </a:r>
-            <a:r>
-              <a:rPr lang="en-US" altLang="ko-KR" sz="1300" b="1" dirty="0">
-                <a:solidFill>
-                  <a:srgbClr val="FF0000"/>
-                </a:solidFill>
-              </a:rPr>
-              <a:t>(&lt;, &gt;, BETWEEN, LIKE)</a:t>
-            </a:r>
-            <a:r>
-              <a:rPr lang="ko-KR" altLang="en-US" sz="1300" b="1" dirty="0">
-                <a:solidFill>
-                  <a:srgbClr val="FF0000"/>
-                </a:solidFill>
-              </a:rPr>
-              <a:t>되어질 때</a:t>
-            </a:r>
-            <a:r>
-              <a:rPr lang="en-US" altLang="ko-KR" sz="1300" b="1" dirty="0">
-                <a:solidFill>
-                  <a:srgbClr val="FF0000"/>
-                </a:solidFill>
-              </a:rPr>
-              <a:t>, </a:t>
-            </a:r>
-            <a:r>
-              <a:rPr lang="ko-KR" altLang="en-US" sz="1300" b="1" dirty="0">
-                <a:solidFill>
-                  <a:srgbClr val="FF0000"/>
-                </a:solidFill>
-              </a:rPr>
-              <a:t>이 방식으로</a:t>
-            </a:r>
-            <a:endParaRPr lang="en-US" altLang="ko-KR" sz="1300" b="1" dirty="0">
-              <a:solidFill>
-                <a:srgbClr val="FF0000"/>
-              </a:solidFill>
-            </a:endParaRPr>
-          </a:p>
-          <a:p>
-            <a:pPr>
-              <a:lnSpc>
-                <a:spcPct val="150000"/>
-              </a:lnSpc>
-            </a:pPr>
-            <a:r>
-              <a:rPr lang="en-US" altLang="ko-KR" sz="1300" b="1" dirty="0">
-                <a:solidFill>
-                  <a:srgbClr val="FF0000"/>
-                </a:solidFill>
-              </a:rPr>
-              <a:t>                                     </a:t>
-            </a:r>
-            <a:r>
-              <a:rPr lang="ko-KR" altLang="en-US" sz="1300" b="1" dirty="0">
-                <a:solidFill>
-                  <a:srgbClr val="FF0000"/>
-                </a:solidFill>
-              </a:rPr>
-              <a:t>처리됨</a:t>
-            </a:r>
-            <a:endParaRPr lang="en-US" altLang="ko-KR" sz="1300" b="1" dirty="0">
-              <a:solidFill>
-                <a:srgbClr val="FF0000"/>
-              </a:solidFill>
-            </a:endParaRPr>
-          </a:p>
-          <a:p>
-            <a:pPr>
-              <a:lnSpc>
-                <a:spcPct val="150000"/>
-              </a:lnSpc>
-            </a:pPr>
-            <a:r>
-              <a:rPr lang="en-US" altLang="ko-KR" sz="1300" dirty="0"/>
-              <a:t>     3. INDEX FULL SCAN    : </a:t>
-            </a:r>
-            <a:r>
-              <a:rPr lang="ko-KR" altLang="en-US" sz="1300" dirty="0"/>
-              <a:t>최적의 </a:t>
-            </a:r>
-            <a:r>
-              <a:rPr lang="en-US" altLang="ko-KR" sz="1300" dirty="0"/>
-              <a:t>INDEX</a:t>
-            </a:r>
-            <a:r>
-              <a:rPr lang="ko-KR" altLang="en-US" sz="1300" dirty="0"/>
-              <a:t>가 없을 때</a:t>
-            </a:r>
-            <a:r>
-              <a:rPr lang="en-US" altLang="ko-KR" sz="1300" dirty="0"/>
-              <a:t>, </a:t>
-            </a:r>
-            <a:r>
-              <a:rPr lang="ko-KR" altLang="en-US" sz="1300" dirty="0"/>
-              <a:t>차선으로 선택되는 방식</a:t>
-            </a:r>
-            <a:endParaRPr lang="en-US" altLang="ko-KR" sz="1300" dirty="0"/>
-          </a:p>
-          <a:p>
-            <a:pPr>
-              <a:lnSpc>
-                <a:spcPct val="150000"/>
-              </a:lnSpc>
-            </a:pPr>
-            <a:r>
-              <a:rPr lang="en-US" altLang="ko-KR" sz="1300" dirty="0"/>
-              <a:t>                                     </a:t>
-            </a:r>
-            <a:r>
-              <a:rPr lang="en-US" altLang="ko-KR" sz="1300" b="1" dirty="0">
-                <a:solidFill>
-                  <a:srgbClr val="FF0000"/>
-                </a:solidFill>
-              </a:rPr>
-              <a:t>INEDX </a:t>
-            </a:r>
-            <a:r>
-              <a:rPr lang="ko-KR" altLang="en-US" sz="1300" b="1" dirty="0">
-                <a:solidFill>
-                  <a:srgbClr val="FF0000"/>
-                </a:solidFill>
-              </a:rPr>
-              <a:t>선두 컬럼이 조건절에 없으면</a:t>
-            </a:r>
-            <a:r>
-              <a:rPr lang="en-US" altLang="ko-KR" sz="1300" b="1" dirty="0">
-                <a:solidFill>
-                  <a:srgbClr val="FF0000"/>
-                </a:solidFill>
-              </a:rPr>
-              <a:t> TABLE FULL SCAN</a:t>
-            </a:r>
-            <a:r>
-              <a:rPr lang="ko-KR" altLang="en-US" sz="1300" b="1" dirty="0">
-                <a:solidFill>
-                  <a:srgbClr val="FF0000"/>
-                </a:solidFill>
-              </a:rPr>
-              <a:t>을 고려</a:t>
-            </a:r>
-            <a:r>
-              <a:rPr lang="ko-KR" altLang="en-US" sz="1300" dirty="0"/>
-              <a:t>하나</a:t>
-            </a:r>
-            <a:r>
-              <a:rPr lang="en-US" altLang="ko-KR" sz="1300" dirty="0"/>
-              <a:t>, TABLE FULL SCAN</a:t>
-            </a:r>
-            <a:r>
-              <a:rPr lang="ko-KR" altLang="en-US" sz="1300" dirty="0"/>
-              <a:t>보다 </a:t>
-            </a:r>
-            <a:r>
-              <a:rPr lang="en-US" altLang="ko-KR" sz="1300" dirty="0"/>
-              <a:t>I/O</a:t>
-            </a:r>
-            <a:r>
-              <a:rPr lang="ko-KR" altLang="en-US" sz="1300" dirty="0"/>
-              <a:t>를</a:t>
-            </a:r>
-            <a:endParaRPr lang="en-US" altLang="ko-KR" sz="1300" dirty="0"/>
-          </a:p>
-          <a:p>
-            <a:pPr>
-              <a:lnSpc>
-                <a:spcPct val="150000"/>
-              </a:lnSpc>
-            </a:pPr>
-            <a:r>
-              <a:rPr lang="en-US" altLang="ko-KR" sz="1300" dirty="0"/>
-              <a:t>                                     </a:t>
-            </a:r>
-            <a:r>
-              <a:rPr lang="ko-KR" altLang="en-US" sz="1300" dirty="0"/>
-              <a:t>줄일 수 있거나 정렬된 결과를 쉽게 얻을 수 있을 경우 선택</a:t>
-            </a:r>
-            <a:endParaRPr lang="en-US" altLang="ko-KR" sz="1300" dirty="0"/>
-          </a:p>
-        </p:txBody>
-      </p:sp>
-      <p:sp>
-        <p:nvSpPr>
-          <p:cNvPr id="16" name="제목 1">
-            <a:extLst>
-              <a:ext uri="{FF2B5EF4-FFF2-40B4-BE49-F238E27FC236}">
-                <a16:creationId xmlns:a16="http://schemas.microsoft.com/office/drawing/2014/main" id="{BDE76D3B-C372-4CA3-A4FD-33642B295B4F}"/>
-              </a:ext>
-            </a:extLst>
-          </p:cNvPr>
-          <p:cNvSpPr>
-            <a:spLocks noGrp="1"/>
-          </p:cNvSpPr>
-          <p:nvPr>
-            <p:ph type="title"/>
-          </p:nvPr>
-        </p:nvSpPr>
-        <p:spPr>
-          <a:xfrm>
-            <a:off x="363984" y="53269"/>
-            <a:ext cx="6587232" cy="408372"/>
-          </a:xfrm>
-        </p:spPr>
-        <p:txBody>
-          <a:bodyPr/>
-          <a:lstStyle/>
-          <a:p>
-            <a:r>
-              <a:rPr lang="en-US" altLang="ko-KR" dirty="0">
-                <a:latin typeface="나눔고딕" panose="020B0600000101010101" charset="-127"/>
-                <a:ea typeface="나눔고딕" panose="020B0600000101010101" charset="-127"/>
-              </a:rPr>
-              <a:t>5. INDEX SCAN </a:t>
-            </a:r>
-            <a:endParaRPr lang="ko-KR" altLang="en-US" dirty="0">
-              <a:latin typeface="나눔고딕" panose="020B0600000101010101" charset="-127"/>
-              <a:ea typeface="나눔고딕" panose="020B0600000101010101" charset="-127"/>
-            </a:endParaRPr>
-          </a:p>
-        </p:txBody>
-      </p:sp>
-    </p:spTree>
-    <p:extLst>
-      <p:ext uri="{BB962C8B-B14F-4D97-AF65-F5344CB8AC3E}">
-        <p14:creationId xmlns:p14="http://schemas.microsoft.com/office/powerpoint/2010/main" val="4237486263"/>
-      </p:ext>
-    </p:extLst>
-  </p:cSld>
-  <p:clrMapOvr>
-    <a:masterClrMapping/>
-  </p:clrMapOvr>
-</p:sld>
-</file>
-
 <file path=ppt/slides/slide31.xml><?xml version="1.0" encoding="utf-8"?>
 <p:sld xmlns:a="http://schemas.openxmlformats.org/drawingml/2006/main" xmlns:r="http://schemas.openxmlformats.org/officeDocument/2006/relationships" xmlns:p="http://schemas.openxmlformats.org/presentationml/2006/main">
   <p:cSld>
@@ -22495,41 +22112,6 @@
           <a:chExt cx="0" cy="0"/>
         </a:xfrm>
       </p:grpSpPr>
-      <p:sp>
-        <p:nvSpPr>
-          <p:cNvPr id="2" name="제목 1">
-            <a:extLst>
-              <a:ext uri="{FF2B5EF4-FFF2-40B4-BE49-F238E27FC236}">
-                <a16:creationId xmlns:a16="http://schemas.microsoft.com/office/drawing/2014/main" id="{F35C43C8-4428-4D97-87C2-6ACA5057AB6C}"/>
-              </a:ext>
-            </a:extLst>
-          </p:cNvPr>
-          <p:cNvSpPr>
-            <a:spLocks noGrp="1"/>
-          </p:cNvSpPr>
-          <p:nvPr>
-            <p:ph type="title"/>
-          </p:nvPr>
-        </p:nvSpPr>
-        <p:spPr/>
-        <p:txBody>
-          <a:bodyPr/>
-          <a:lstStyle/>
-          <a:p>
-            <a:r>
-              <a:rPr lang="en-US" altLang="ko-KR" dirty="0">
-                <a:latin typeface="나눔고딕" panose="020B0600000101010101" charset="-127"/>
-                <a:ea typeface="나눔고딕" panose="020B0600000101010101" charset="-127"/>
-              </a:rPr>
-              <a:t>6. ROWID SCAN</a:t>
-            </a:r>
-            <a:endParaRPr lang="ko-KR" altLang="en-US" dirty="0">
-              <a:latin typeface="나눔고딕" panose="020B0600000101010101" charset="-127"/>
-              <a:ea typeface="나눔고딕" panose="020B0600000101010101" charset="-127"/>
-            </a:endParaRPr>
-          </a:p>
-        </p:txBody>
-      </p:sp>
       <p:sp>
         <p:nvSpPr>
           <p:cNvPr id="47" name="텍스트 개체 틀 3">
@@ -22629,6 +22211,785 @@
         </p:nvSpPr>
         <p:spPr>
           <a:xfrm>
+            <a:off x="217129" y="861850"/>
+            <a:ext cx="9688871" cy="3354573"/>
+          </a:xfrm>
+          <a:prstGeom prst="rect">
+            <a:avLst/>
+          </a:prstGeom>
+          <a:noFill/>
+        </p:spPr>
+        <p:txBody>
+          <a:bodyPr wrap="none" rtlCol="0">
+            <a:spAutoFit/>
+          </a:bodyPr>
+          <a:lstStyle/>
+          <a:p>
+            <a:pPr marL="285750" indent="-285750">
+              <a:lnSpc>
+                <a:spcPct val="150000"/>
+              </a:lnSpc>
+              <a:buFont typeface="Arial" panose="020B0604020202020204" pitchFamily="34" charset="0"/>
+              <a:buChar char="•"/>
+            </a:pPr>
+            <a:r>
+              <a:rPr lang="en-US" altLang="ko-KR" sz="1300" dirty="0"/>
+              <a:t>INDEX SCAN</a:t>
+            </a:r>
+            <a:r>
+              <a:rPr lang="ko-KR" altLang="en-US" sz="1300" dirty="0"/>
+              <a:t>을 선택하는 경우</a:t>
+            </a:r>
+            <a:endParaRPr lang="en-US" altLang="ko-KR" sz="1300" dirty="0"/>
+          </a:p>
+          <a:p>
+            <a:pPr>
+              <a:lnSpc>
+                <a:spcPct val="150000"/>
+              </a:lnSpc>
+            </a:pPr>
+            <a:r>
+              <a:rPr lang="en-US" altLang="ko-KR" sz="1300" dirty="0"/>
+              <a:t>     1. INDEX UNIQUE SCAN : UNIQUE INDEX</a:t>
+            </a:r>
+            <a:r>
+              <a:rPr lang="ko-KR" altLang="en-US" sz="1300" dirty="0"/>
+              <a:t>를 이용하여</a:t>
+            </a:r>
+            <a:r>
+              <a:rPr lang="en-US" altLang="ko-KR" sz="1300" dirty="0"/>
+              <a:t>, </a:t>
+            </a:r>
+            <a:r>
+              <a:rPr lang="ko-KR" altLang="en-US" sz="1300" dirty="0"/>
+              <a:t>데이터 블록에 접근</a:t>
+            </a:r>
+            <a:endParaRPr lang="en-US" altLang="ko-KR" sz="1300" dirty="0"/>
+          </a:p>
+          <a:p>
+            <a:pPr>
+              <a:lnSpc>
+                <a:spcPct val="150000"/>
+              </a:lnSpc>
+            </a:pPr>
+            <a:r>
+              <a:rPr lang="en-US" altLang="ko-KR" sz="1300" dirty="0"/>
+              <a:t>                                       </a:t>
+            </a:r>
+            <a:r>
+              <a:rPr lang="ko-KR" altLang="en-US" sz="1300" dirty="0"/>
+              <a:t>한 건 이하의 </a:t>
+            </a:r>
+            <a:r>
+              <a:rPr lang="en-US" altLang="ko-KR" sz="1300" dirty="0"/>
+              <a:t>ROWID</a:t>
+            </a:r>
+            <a:r>
+              <a:rPr lang="ko-KR" altLang="en-US" sz="1300" dirty="0"/>
+              <a:t>를 반환하는 방식</a:t>
+            </a:r>
+            <a:endParaRPr lang="en-US" altLang="ko-KR" sz="1300" dirty="0"/>
+          </a:p>
+          <a:p>
+            <a:pPr>
+              <a:lnSpc>
+                <a:spcPct val="150000"/>
+              </a:lnSpc>
+            </a:pPr>
+            <a:r>
+              <a:rPr lang="en-US" altLang="ko-KR" sz="1300" dirty="0"/>
+              <a:t>                                       </a:t>
+            </a:r>
+            <a:r>
+              <a:rPr lang="en-US" altLang="ko-KR" sz="1300" b="1" dirty="0">
+                <a:solidFill>
+                  <a:srgbClr val="FF0000"/>
+                </a:solidFill>
+              </a:rPr>
+              <a:t>UNIQUE INDEX</a:t>
+            </a:r>
+            <a:r>
+              <a:rPr lang="ko-KR" altLang="en-US" sz="1300" b="1" dirty="0">
+                <a:solidFill>
+                  <a:srgbClr val="FF0000"/>
+                </a:solidFill>
+              </a:rPr>
+              <a:t>를 구성하는 모든 컬럼이 조건절에 </a:t>
+            </a:r>
+            <a:r>
+              <a:rPr lang="en-US" altLang="ko-KR" sz="1300" b="1" dirty="0">
+                <a:solidFill>
+                  <a:srgbClr val="FF0000"/>
+                </a:solidFill>
+              </a:rPr>
+              <a:t>‘=‘</a:t>
+            </a:r>
+            <a:r>
+              <a:rPr lang="ko-KR" altLang="en-US" sz="1300" b="1" dirty="0">
+                <a:solidFill>
+                  <a:srgbClr val="FF0000"/>
+                </a:solidFill>
+              </a:rPr>
+              <a:t>로 명시된 경우 발생</a:t>
+            </a:r>
+            <a:endParaRPr lang="en-US" altLang="ko-KR" sz="1300" b="1" dirty="0">
+              <a:solidFill>
+                <a:srgbClr val="FF0000"/>
+              </a:solidFill>
+            </a:endParaRPr>
+          </a:p>
+          <a:p>
+            <a:pPr>
+              <a:lnSpc>
+                <a:spcPct val="150000"/>
+              </a:lnSpc>
+            </a:pPr>
+            <a:r>
+              <a:rPr lang="en-US" altLang="ko-KR" sz="1300" dirty="0"/>
+              <a:t>     2. INDEX RANGE SCAN : INDEX</a:t>
+            </a:r>
+            <a:r>
+              <a:rPr lang="ko-KR" altLang="en-US" sz="1300" dirty="0"/>
+              <a:t>를 이용한 데이터 블록 접근 중</a:t>
+            </a:r>
+            <a:r>
+              <a:rPr lang="en-US" altLang="ko-KR" sz="1300" dirty="0"/>
+              <a:t>, </a:t>
+            </a:r>
+            <a:r>
+              <a:rPr lang="ko-KR" altLang="en-US" sz="1300" dirty="0"/>
+              <a:t>가장 일반적인 방식</a:t>
+            </a:r>
+            <a:endParaRPr lang="en-US" altLang="ko-KR" sz="1300" dirty="0"/>
+          </a:p>
+          <a:p>
+            <a:pPr>
+              <a:lnSpc>
+                <a:spcPct val="150000"/>
+              </a:lnSpc>
+            </a:pPr>
+            <a:r>
+              <a:rPr lang="en-US" altLang="ko-KR" sz="1300" dirty="0"/>
+              <a:t> 	                      INDEX</a:t>
+            </a:r>
+            <a:r>
+              <a:rPr lang="ko-KR" altLang="en-US" sz="1300" dirty="0"/>
+              <a:t>를 구성하는 선두 컬럼에 대해 범위 검색을 하는 방식</a:t>
+            </a:r>
+            <a:endParaRPr lang="en-US" altLang="ko-KR" sz="1300" dirty="0"/>
+          </a:p>
+          <a:p>
+            <a:pPr>
+              <a:lnSpc>
+                <a:spcPct val="150000"/>
+              </a:lnSpc>
+            </a:pPr>
+            <a:r>
+              <a:rPr lang="en-US" altLang="ko-KR" sz="1300" dirty="0"/>
+              <a:t>                                     </a:t>
+            </a:r>
+            <a:r>
+              <a:rPr lang="en-US" altLang="ko-KR" sz="1300" b="1" dirty="0">
+                <a:solidFill>
+                  <a:srgbClr val="FF0000"/>
+                </a:solidFill>
+              </a:rPr>
+              <a:t>INDEX</a:t>
+            </a:r>
+            <a:r>
+              <a:rPr lang="ko-KR" altLang="en-US" sz="1300" b="1" dirty="0">
+                <a:solidFill>
+                  <a:srgbClr val="FF0000"/>
+                </a:solidFill>
+              </a:rPr>
+              <a:t>를 구성하는 선두 컬럼이 조건절에 비교연산</a:t>
+            </a:r>
+            <a:r>
+              <a:rPr lang="en-US" altLang="ko-KR" sz="1300" b="1" dirty="0">
+                <a:solidFill>
+                  <a:srgbClr val="FF0000"/>
+                </a:solidFill>
+              </a:rPr>
+              <a:t>(&lt;, &gt;, BETWEEN, LIKE)</a:t>
+            </a:r>
+            <a:r>
+              <a:rPr lang="ko-KR" altLang="en-US" sz="1300" b="1" dirty="0">
+                <a:solidFill>
+                  <a:srgbClr val="FF0000"/>
+                </a:solidFill>
+              </a:rPr>
+              <a:t>되어질 때</a:t>
+            </a:r>
+            <a:r>
+              <a:rPr lang="en-US" altLang="ko-KR" sz="1300" b="1" dirty="0">
+                <a:solidFill>
+                  <a:srgbClr val="FF0000"/>
+                </a:solidFill>
+              </a:rPr>
+              <a:t>, </a:t>
+            </a:r>
+            <a:r>
+              <a:rPr lang="ko-KR" altLang="en-US" sz="1300" b="1" dirty="0">
+                <a:solidFill>
+                  <a:srgbClr val="FF0000"/>
+                </a:solidFill>
+              </a:rPr>
+              <a:t>이 방식으로</a:t>
+            </a:r>
+            <a:endParaRPr lang="en-US" altLang="ko-KR" sz="1300" b="1" dirty="0">
+              <a:solidFill>
+                <a:srgbClr val="FF0000"/>
+              </a:solidFill>
+            </a:endParaRPr>
+          </a:p>
+          <a:p>
+            <a:pPr>
+              <a:lnSpc>
+                <a:spcPct val="150000"/>
+              </a:lnSpc>
+            </a:pPr>
+            <a:r>
+              <a:rPr lang="en-US" altLang="ko-KR" sz="1300" b="1" dirty="0">
+                <a:solidFill>
+                  <a:srgbClr val="FF0000"/>
+                </a:solidFill>
+              </a:rPr>
+              <a:t>                                     </a:t>
+            </a:r>
+            <a:r>
+              <a:rPr lang="ko-KR" altLang="en-US" sz="1300" b="1" dirty="0">
+                <a:solidFill>
+                  <a:srgbClr val="FF0000"/>
+                </a:solidFill>
+              </a:rPr>
+              <a:t>처리됨</a:t>
+            </a:r>
+            <a:endParaRPr lang="en-US" altLang="ko-KR" sz="1300" b="1" dirty="0">
+              <a:solidFill>
+                <a:srgbClr val="FF0000"/>
+              </a:solidFill>
+            </a:endParaRPr>
+          </a:p>
+          <a:p>
+            <a:pPr>
+              <a:lnSpc>
+                <a:spcPct val="150000"/>
+              </a:lnSpc>
+            </a:pPr>
+            <a:r>
+              <a:rPr lang="en-US" altLang="ko-KR" sz="1300" dirty="0"/>
+              <a:t>     3. INDEX FULL SCAN    : </a:t>
+            </a:r>
+            <a:r>
+              <a:rPr lang="ko-KR" altLang="en-US" sz="1300" dirty="0"/>
+              <a:t>최적의 </a:t>
+            </a:r>
+            <a:r>
+              <a:rPr lang="en-US" altLang="ko-KR" sz="1300" dirty="0"/>
+              <a:t>INDEX</a:t>
+            </a:r>
+            <a:r>
+              <a:rPr lang="ko-KR" altLang="en-US" sz="1300" dirty="0"/>
+              <a:t>가 없을 때</a:t>
+            </a:r>
+            <a:r>
+              <a:rPr lang="en-US" altLang="ko-KR" sz="1300" dirty="0"/>
+              <a:t>, </a:t>
+            </a:r>
+            <a:r>
+              <a:rPr lang="ko-KR" altLang="en-US" sz="1300" dirty="0"/>
+              <a:t>차선으로 선택되는 방식</a:t>
+            </a:r>
+            <a:endParaRPr lang="en-US" altLang="ko-KR" sz="1300" dirty="0"/>
+          </a:p>
+          <a:p>
+            <a:pPr>
+              <a:lnSpc>
+                <a:spcPct val="150000"/>
+              </a:lnSpc>
+            </a:pPr>
+            <a:r>
+              <a:rPr lang="en-US" altLang="ko-KR" sz="1300" dirty="0"/>
+              <a:t>                                     </a:t>
+            </a:r>
+            <a:r>
+              <a:rPr lang="en-US" altLang="ko-KR" sz="1300" b="1" dirty="0">
+                <a:solidFill>
+                  <a:srgbClr val="FF0000"/>
+                </a:solidFill>
+              </a:rPr>
+              <a:t>INEDX </a:t>
+            </a:r>
+            <a:r>
+              <a:rPr lang="ko-KR" altLang="en-US" sz="1300" b="1" dirty="0">
+                <a:solidFill>
+                  <a:srgbClr val="FF0000"/>
+                </a:solidFill>
+              </a:rPr>
+              <a:t>선두 컬럼이 조건절에 없으면</a:t>
+            </a:r>
+            <a:r>
+              <a:rPr lang="en-US" altLang="ko-KR" sz="1300" b="1" dirty="0">
+                <a:solidFill>
+                  <a:srgbClr val="FF0000"/>
+                </a:solidFill>
+              </a:rPr>
+              <a:t> TABLE FULL SCAN</a:t>
+            </a:r>
+            <a:r>
+              <a:rPr lang="ko-KR" altLang="en-US" sz="1300" b="1" dirty="0">
+                <a:solidFill>
+                  <a:srgbClr val="FF0000"/>
+                </a:solidFill>
+              </a:rPr>
+              <a:t>을 고려</a:t>
+            </a:r>
+            <a:r>
+              <a:rPr lang="ko-KR" altLang="en-US" sz="1300" dirty="0"/>
+              <a:t>하나</a:t>
+            </a:r>
+            <a:r>
+              <a:rPr lang="en-US" altLang="ko-KR" sz="1300" dirty="0"/>
+              <a:t>, TABLE FULL SCAN</a:t>
+            </a:r>
+            <a:r>
+              <a:rPr lang="ko-KR" altLang="en-US" sz="1300" dirty="0"/>
+              <a:t>보다 </a:t>
+            </a:r>
+            <a:r>
+              <a:rPr lang="en-US" altLang="ko-KR" sz="1300" dirty="0"/>
+              <a:t>I/O</a:t>
+            </a:r>
+            <a:r>
+              <a:rPr lang="ko-KR" altLang="en-US" sz="1300" dirty="0"/>
+              <a:t>를</a:t>
+            </a:r>
+            <a:endParaRPr lang="en-US" altLang="ko-KR" sz="1300" dirty="0"/>
+          </a:p>
+          <a:p>
+            <a:pPr>
+              <a:lnSpc>
+                <a:spcPct val="150000"/>
+              </a:lnSpc>
+            </a:pPr>
+            <a:r>
+              <a:rPr lang="en-US" altLang="ko-KR" sz="1300" dirty="0"/>
+              <a:t>                                     </a:t>
+            </a:r>
+            <a:r>
+              <a:rPr lang="ko-KR" altLang="en-US" sz="1300" dirty="0"/>
+              <a:t>줄일 수 있거나 정렬된 결과를 쉽게 얻을 수 있을 경우 선택</a:t>
+            </a:r>
+            <a:endParaRPr lang="en-US" altLang="ko-KR" sz="1300" dirty="0"/>
+          </a:p>
+        </p:txBody>
+      </p:sp>
+      <p:sp>
+        <p:nvSpPr>
+          <p:cNvPr id="16" name="제목 1">
+            <a:extLst>
+              <a:ext uri="{FF2B5EF4-FFF2-40B4-BE49-F238E27FC236}">
+                <a16:creationId xmlns:a16="http://schemas.microsoft.com/office/drawing/2014/main" id="{BDE76D3B-C372-4CA3-A4FD-33642B295B4F}"/>
+              </a:ext>
+            </a:extLst>
+          </p:cNvPr>
+          <p:cNvSpPr>
+            <a:spLocks noGrp="1"/>
+          </p:cNvSpPr>
+          <p:nvPr>
+            <p:ph type="title"/>
+          </p:nvPr>
+        </p:nvSpPr>
+        <p:spPr>
+          <a:xfrm>
+            <a:off x="363984" y="53269"/>
+            <a:ext cx="6587232" cy="408372"/>
+          </a:xfrm>
+        </p:spPr>
+        <p:txBody>
+          <a:bodyPr/>
+          <a:lstStyle/>
+          <a:p>
+            <a:r>
+              <a:rPr lang="en-US" altLang="ko-KR" dirty="0">
+                <a:latin typeface="나눔고딕" panose="020B0600000101010101" charset="-127"/>
+                <a:ea typeface="나눔고딕" panose="020B0600000101010101" charset="-127"/>
+              </a:rPr>
+              <a:t>5. INDEX SCAN </a:t>
+            </a:r>
+            <a:endParaRPr lang="ko-KR" altLang="en-US" dirty="0">
+              <a:latin typeface="나눔고딕" panose="020B0600000101010101" charset="-127"/>
+              <a:ea typeface="나눔고딕" panose="020B0600000101010101" charset="-127"/>
+            </a:endParaRPr>
+          </a:p>
+        </p:txBody>
+      </p:sp>
+    </p:spTree>
+    <p:extLst>
+      <p:ext uri="{BB962C8B-B14F-4D97-AF65-F5344CB8AC3E}">
+        <p14:creationId xmlns:p14="http://schemas.microsoft.com/office/powerpoint/2010/main" val="4237486263"/>
+      </p:ext>
+    </p:extLst>
+  </p:cSld>
+  <p:clrMapOvr>
+    <a:masterClrMapping/>
+  </p:clrMapOvr>
+</p:sld>
+</file>
+
+<file path=ppt/slides/slide32.xml><?xml version="1.0" encoding="utf-8"?>
+<p:sld xmlns:a="http://schemas.openxmlformats.org/drawingml/2006/main" xmlns:r="http://schemas.openxmlformats.org/officeDocument/2006/relationships" xmlns:p="http://schemas.openxmlformats.org/presentationml/2006/main">
+  <p:cSld>
+    <p:spTree>
+      <p:nvGrpSpPr>
+        <p:cNvPr id="1" name=""/>
+        <p:cNvGrpSpPr/>
+        <p:nvPr/>
+      </p:nvGrpSpPr>
+      <p:grpSpPr>
+        <a:xfrm>
+          <a:off x="0" y="0"/>
+          <a:ext cx="0" cy="0"/>
+          <a:chOff x="0" y="0"/>
+          <a:chExt cx="0" cy="0"/>
+        </a:xfrm>
+      </p:grpSpPr>
+      <p:sp>
+        <p:nvSpPr>
+          <p:cNvPr id="47" name="텍스트 개체 틀 3">
+            <a:extLst>
+              <a:ext uri="{FF2B5EF4-FFF2-40B4-BE49-F238E27FC236}">
+                <a16:creationId xmlns:a16="http://schemas.microsoft.com/office/drawing/2014/main" id="{BD6E26C7-2547-444C-8643-2B2EEE99F2F4}"/>
+              </a:ext>
+            </a:extLst>
+          </p:cNvPr>
+          <p:cNvSpPr>
+            <a:spLocks noGrp="1"/>
+          </p:cNvSpPr>
+          <p:nvPr>
+            <p:ph type="body" sz="quarter" idx="13"/>
+          </p:nvPr>
+        </p:nvSpPr>
+        <p:spPr>
+          <a:xfrm>
+            <a:off x="6747393" y="62621"/>
+            <a:ext cx="2822735" cy="390525"/>
+          </a:xfrm>
+        </p:spPr>
+        <p:txBody>
+          <a:bodyPr/>
+          <a:lstStyle/>
+          <a:p>
+            <a:r>
+              <a:rPr lang="en-US" altLang="ko-KR" dirty="0">
+                <a:latin typeface="나눔고딕" panose="020D0604000000000000" pitchFamily="50" charset="-127"/>
+                <a:ea typeface="나눔고딕" panose="020D0604000000000000" pitchFamily="50" charset="-127"/>
+              </a:rPr>
+              <a:t>Ⅱ. </a:t>
+            </a:r>
+            <a:r>
+              <a:rPr lang="ko-KR" altLang="en-US" dirty="0">
+                <a:latin typeface="나눔고딕" panose="020D0604000000000000" pitchFamily="50" charset="-127"/>
+                <a:ea typeface="나눔고딕" panose="020D0604000000000000" pitchFamily="50" charset="-127"/>
+              </a:rPr>
+              <a:t>실행계획</a:t>
+            </a:r>
+          </a:p>
+        </p:txBody>
+      </p:sp>
+      <p:sp>
+        <p:nvSpPr>
+          <p:cNvPr id="14" name="슬라이드 번호 개체 틀 2">
+            <a:extLst>
+              <a:ext uri="{FF2B5EF4-FFF2-40B4-BE49-F238E27FC236}">
+                <a16:creationId xmlns:a16="http://schemas.microsoft.com/office/drawing/2014/main" id="{E3626C26-BF47-4717-80D4-21BA55993E00}"/>
+              </a:ext>
+            </a:extLst>
+          </p:cNvPr>
+          <p:cNvSpPr>
+            <a:spLocks noGrp="1"/>
+          </p:cNvSpPr>
+          <p:nvPr>
+            <p:ph type="sldNum" sz="quarter" idx="12"/>
+          </p:nvPr>
+        </p:nvSpPr>
+        <p:spPr>
+          <a:xfrm>
+            <a:off x="4439346" y="6528442"/>
+            <a:ext cx="1029301" cy="276999"/>
+          </a:xfrm>
+        </p:spPr>
+        <p:txBody>
+          <a:bodyPr>
+            <a:normAutofit fontScale="92500"/>
+          </a:bodyPr>
+          <a:lstStyle/>
+          <a:p>
+            <a:fld id="{EBB166B3-33A6-45CA-B81B-F13BE7654232}" type="slidenum">
+              <a:rPr lang="ko-KR" altLang="en-US" smtClean="0">
+                <a:latin typeface="나눔고딕" panose="020B0600000101010101" charset="-127"/>
+                <a:ea typeface="나눔고딕" panose="020B0600000101010101" charset="-127"/>
+              </a:rPr>
+              <a:t>31</a:t>
+            </a:fld>
+            <a:endParaRPr lang="ko-KR" altLang="en-US" dirty="0">
+              <a:latin typeface="나눔고딕" panose="020B0600000101010101" charset="-127"/>
+              <a:ea typeface="나눔고딕" panose="020B0600000101010101" charset="-127"/>
+            </a:endParaRPr>
+          </a:p>
+        </p:txBody>
+      </p:sp>
+      <p:sp>
+        <p:nvSpPr>
+          <p:cNvPr id="3" name="TextBox 2">
+            <a:extLst>
+              <a:ext uri="{FF2B5EF4-FFF2-40B4-BE49-F238E27FC236}">
+                <a16:creationId xmlns:a16="http://schemas.microsoft.com/office/drawing/2014/main" id="{43BD4B0A-C817-40FC-8794-1A803D7B2883}"/>
+              </a:ext>
+            </a:extLst>
+          </p:cNvPr>
+          <p:cNvSpPr txBox="1"/>
+          <p:nvPr/>
+        </p:nvSpPr>
+        <p:spPr>
+          <a:xfrm>
+            <a:off x="217129" y="861850"/>
+            <a:ext cx="2625142" cy="353751"/>
+          </a:xfrm>
+          <a:prstGeom prst="rect">
+            <a:avLst/>
+          </a:prstGeom>
+          <a:noFill/>
+        </p:spPr>
+        <p:txBody>
+          <a:bodyPr wrap="none" rtlCol="0">
+            <a:spAutoFit/>
+          </a:bodyPr>
+          <a:lstStyle/>
+          <a:p>
+            <a:pPr marL="285750" indent="-285750">
+              <a:lnSpc>
+                <a:spcPct val="150000"/>
+              </a:lnSpc>
+              <a:buFont typeface="Arial" panose="020B0604020202020204" pitchFamily="34" charset="0"/>
+              <a:buChar char="•"/>
+            </a:pPr>
+            <a:r>
+              <a:rPr lang="en-US" altLang="ko-KR" sz="1300" dirty="0"/>
+              <a:t>INDEX SCAN </a:t>
+            </a:r>
+            <a:r>
+              <a:rPr lang="ko-KR" altLang="en-US" sz="1300" dirty="0"/>
+              <a:t>예시 추가 필요</a:t>
+            </a:r>
+            <a:endParaRPr lang="en-US" altLang="ko-KR" sz="1300" dirty="0"/>
+          </a:p>
+        </p:txBody>
+      </p:sp>
+      <p:sp>
+        <p:nvSpPr>
+          <p:cNvPr id="16" name="제목 1">
+            <a:extLst>
+              <a:ext uri="{FF2B5EF4-FFF2-40B4-BE49-F238E27FC236}">
+                <a16:creationId xmlns:a16="http://schemas.microsoft.com/office/drawing/2014/main" id="{BDE76D3B-C372-4CA3-A4FD-33642B295B4F}"/>
+              </a:ext>
+            </a:extLst>
+          </p:cNvPr>
+          <p:cNvSpPr>
+            <a:spLocks noGrp="1"/>
+          </p:cNvSpPr>
+          <p:nvPr>
+            <p:ph type="title"/>
+          </p:nvPr>
+        </p:nvSpPr>
+        <p:spPr>
+          <a:xfrm>
+            <a:off x="363984" y="53269"/>
+            <a:ext cx="6587232" cy="408372"/>
+          </a:xfrm>
+        </p:spPr>
+        <p:txBody>
+          <a:bodyPr/>
+          <a:lstStyle/>
+          <a:p>
+            <a:r>
+              <a:rPr lang="en-US" altLang="ko-KR" dirty="0">
+                <a:latin typeface="나눔고딕" panose="020B0600000101010101" charset="-127"/>
+                <a:ea typeface="나눔고딕" panose="020B0600000101010101" charset="-127"/>
+              </a:rPr>
+              <a:t>5. INDEX SCAN </a:t>
+            </a:r>
+            <a:endParaRPr lang="ko-KR" altLang="en-US" dirty="0">
+              <a:latin typeface="나눔고딕" panose="020B0600000101010101" charset="-127"/>
+              <a:ea typeface="나눔고딕" panose="020B0600000101010101" charset="-127"/>
+            </a:endParaRPr>
+          </a:p>
+        </p:txBody>
+      </p:sp>
+    </p:spTree>
+    <p:extLst>
+      <p:ext uri="{BB962C8B-B14F-4D97-AF65-F5344CB8AC3E}">
+        <p14:creationId xmlns:p14="http://schemas.microsoft.com/office/powerpoint/2010/main" val="3792975170"/>
+      </p:ext>
+    </p:extLst>
+  </p:cSld>
+  <p:clrMapOvr>
+    <a:masterClrMapping/>
+  </p:clrMapOvr>
+</p:sld>
+</file>
+
+<file path=ppt/slides/slide33.xml><?xml version="1.0" encoding="utf-8"?>
+<p:sld xmlns:a="http://schemas.openxmlformats.org/drawingml/2006/main" xmlns:r="http://schemas.openxmlformats.org/officeDocument/2006/relationships" xmlns:p="http://schemas.openxmlformats.org/presentationml/2006/main">
+  <p:cSld>
+    <p:spTree>
+      <p:nvGrpSpPr>
+        <p:cNvPr id="1" name=""/>
+        <p:cNvGrpSpPr/>
+        <p:nvPr/>
+      </p:nvGrpSpPr>
+      <p:grpSpPr>
+        <a:xfrm>
+          <a:off x="0" y="0"/>
+          <a:ext cx="0" cy="0"/>
+          <a:chOff x="0" y="0"/>
+          <a:chExt cx="0" cy="0"/>
+        </a:xfrm>
+      </p:grpSpPr>
+      <p:sp>
+        <p:nvSpPr>
+          <p:cNvPr id="2" name="제목 1">
+            <a:extLst>
+              <a:ext uri="{FF2B5EF4-FFF2-40B4-BE49-F238E27FC236}">
+                <a16:creationId xmlns:a16="http://schemas.microsoft.com/office/drawing/2014/main" id="{F35C43C8-4428-4D97-87C2-6ACA5057AB6C}"/>
+              </a:ext>
+            </a:extLst>
+          </p:cNvPr>
+          <p:cNvSpPr>
+            <a:spLocks noGrp="1"/>
+          </p:cNvSpPr>
+          <p:nvPr>
+            <p:ph type="title"/>
+          </p:nvPr>
+        </p:nvSpPr>
+        <p:spPr/>
+        <p:txBody>
+          <a:bodyPr/>
+          <a:lstStyle/>
+          <a:p>
+            <a:r>
+              <a:rPr lang="en-US" altLang="ko-KR" dirty="0">
+                <a:latin typeface="나눔고딕" panose="020B0600000101010101" charset="-127"/>
+                <a:ea typeface="나눔고딕" panose="020B0600000101010101" charset="-127"/>
+              </a:rPr>
+              <a:t>6. ROWID SCAN</a:t>
+            </a:r>
+            <a:endParaRPr lang="ko-KR" altLang="en-US" dirty="0">
+              <a:latin typeface="나눔고딕" panose="020B0600000101010101" charset="-127"/>
+              <a:ea typeface="나눔고딕" panose="020B0600000101010101" charset="-127"/>
+            </a:endParaRPr>
+          </a:p>
+        </p:txBody>
+      </p:sp>
+      <p:sp>
+        <p:nvSpPr>
+          <p:cNvPr id="47" name="텍스트 개체 틀 3">
+            <a:extLst>
+              <a:ext uri="{FF2B5EF4-FFF2-40B4-BE49-F238E27FC236}">
+                <a16:creationId xmlns:a16="http://schemas.microsoft.com/office/drawing/2014/main" id="{BD6E26C7-2547-444C-8643-2B2EEE99F2F4}"/>
+              </a:ext>
+            </a:extLst>
+          </p:cNvPr>
+          <p:cNvSpPr>
+            <a:spLocks noGrp="1"/>
+          </p:cNvSpPr>
+          <p:nvPr>
+            <p:ph type="body" sz="quarter" idx="13"/>
+          </p:nvPr>
+        </p:nvSpPr>
+        <p:spPr>
+          <a:xfrm>
+            <a:off x="6747393" y="62621"/>
+            <a:ext cx="2822735" cy="390525"/>
+          </a:xfrm>
+        </p:spPr>
+        <p:txBody>
+          <a:bodyPr/>
+          <a:lstStyle/>
+          <a:p>
+            <a:r>
+              <a:rPr lang="en-US" altLang="ko-KR" dirty="0">
+                <a:latin typeface="나눔고딕" panose="020D0604000000000000" pitchFamily="50" charset="-127"/>
+                <a:ea typeface="나눔고딕" panose="020D0604000000000000" pitchFamily="50" charset="-127"/>
+              </a:rPr>
+              <a:t>Ⅱ. </a:t>
+            </a:r>
+            <a:r>
+              <a:rPr lang="ko-KR" altLang="en-US" dirty="0">
+                <a:latin typeface="나눔고딕" panose="020D0604000000000000" pitchFamily="50" charset="-127"/>
+                <a:ea typeface="나눔고딕" panose="020D0604000000000000" pitchFamily="50" charset="-127"/>
+              </a:rPr>
+              <a:t>실행계획</a:t>
+            </a:r>
+          </a:p>
+        </p:txBody>
+      </p:sp>
+      <p:sp>
+        <p:nvSpPr>
+          <p:cNvPr id="14" name="슬라이드 번호 개체 틀 2">
+            <a:extLst>
+              <a:ext uri="{FF2B5EF4-FFF2-40B4-BE49-F238E27FC236}">
+                <a16:creationId xmlns:a16="http://schemas.microsoft.com/office/drawing/2014/main" id="{E3626C26-BF47-4717-80D4-21BA55993E00}"/>
+              </a:ext>
+            </a:extLst>
+          </p:cNvPr>
+          <p:cNvSpPr>
+            <a:spLocks noGrp="1"/>
+          </p:cNvSpPr>
+          <p:nvPr>
+            <p:ph type="sldNum" sz="quarter" idx="12"/>
+          </p:nvPr>
+        </p:nvSpPr>
+        <p:spPr>
+          <a:xfrm>
+            <a:off x="4439346" y="6528442"/>
+            <a:ext cx="1029301" cy="276999"/>
+          </a:xfrm>
+        </p:spPr>
+        <p:txBody>
+          <a:bodyPr>
+            <a:normAutofit fontScale="92500"/>
+          </a:bodyPr>
+          <a:lstStyle/>
+          <a:p>
+            <a:fld id="{EBB166B3-33A6-45CA-B81B-F13BE7654232}" type="slidenum">
+              <a:rPr lang="ko-KR" altLang="en-US" smtClean="0">
+                <a:latin typeface="나눔고딕" panose="020B0600000101010101" charset="-127"/>
+                <a:ea typeface="나눔고딕" panose="020B0600000101010101" charset="-127"/>
+              </a:rPr>
+              <a:t>32</a:t>
+            </a:fld>
+            <a:endParaRPr lang="ko-KR" altLang="en-US" dirty="0">
+              <a:latin typeface="나눔고딕" panose="020B0600000101010101" charset="-127"/>
+              <a:ea typeface="나눔고딕" panose="020B0600000101010101" charset="-127"/>
+            </a:endParaRPr>
+          </a:p>
+        </p:txBody>
+      </p:sp>
+      <p:sp>
+        <p:nvSpPr>
+          <p:cNvPr id="3" name="TextBox 2">
+            <a:extLst>
+              <a:ext uri="{FF2B5EF4-FFF2-40B4-BE49-F238E27FC236}">
+                <a16:creationId xmlns:a16="http://schemas.microsoft.com/office/drawing/2014/main" id="{43BD4B0A-C817-40FC-8794-1A803D7B2883}"/>
+              </a:ext>
+            </a:extLst>
+          </p:cNvPr>
+          <p:cNvSpPr txBox="1"/>
+          <p:nvPr/>
+        </p:nvSpPr>
+        <p:spPr>
+          <a:xfrm>
             <a:off x="220453" y="738231"/>
             <a:ext cx="5109604" cy="953915"/>
           </a:xfrm>
@@ -22723,7 +23084,7 @@
 </p:sld>
 </file>
 
-<file path=ppt/slides/slide32.xml><?xml version="1.0" encoding="utf-8"?>
+<file path=ppt/slides/slide34.xml><?xml version="1.0" encoding="utf-8"?>
 <p:sld xmlns:a="http://schemas.openxmlformats.org/drawingml/2006/main" xmlns:r="http://schemas.openxmlformats.org/officeDocument/2006/relationships" xmlns:p="http://schemas.openxmlformats.org/presentationml/2006/main">
   <p:cSld>
     <p:spTree>
@@ -23156,7 +23517,7 @@
                 <a:latin typeface="나눔고딕" panose="020B0600000101010101" charset="-127"/>
                 <a:ea typeface="나눔고딕" panose="020B0600000101010101" charset="-127"/>
               </a:rPr>
-              <a:t>31</a:t>
+              <a:t>33</a:t>
             </a:fld>
             <a:endParaRPr lang="ko-KR" altLang="en-US" dirty="0">
               <a:latin typeface="나눔고딕" panose="020B0600000101010101" charset="-127"/>

--- a/SQL_seminar/SQL중상급활용_CH2.pptx
+++ b/SQL_seminar/SQL중상급활용_CH2.pptx
@@ -5,7 +5,7 @@
     <p:sldMasterId id="2147483660" r:id="rId1"/>
   </p:sldMasterIdLst>
   <p:notesMasterIdLst>
-    <p:notesMasterId r:id="rId36"/>
+    <p:notesMasterId r:id="rId47"/>
   </p:notesMasterIdLst>
   <p:sldIdLst>
     <p:sldId id="256" r:id="rId2"/>
@@ -40,8 +40,19 @@
     <p:sldId id="334" r:id="rId31"/>
     <p:sldId id="331" r:id="rId32"/>
     <p:sldId id="335" r:id="rId33"/>
-    <p:sldId id="332" r:id="rId34"/>
-    <p:sldId id="329" r:id="rId35"/>
+    <p:sldId id="337" r:id="rId34"/>
+    <p:sldId id="332" r:id="rId35"/>
+    <p:sldId id="339" r:id="rId36"/>
+    <p:sldId id="340" r:id="rId37"/>
+    <p:sldId id="341" r:id="rId38"/>
+    <p:sldId id="329" r:id="rId39"/>
+    <p:sldId id="338" r:id="rId40"/>
+    <p:sldId id="343" r:id="rId41"/>
+    <p:sldId id="347" r:id="rId42"/>
+    <p:sldId id="342" r:id="rId43"/>
+    <p:sldId id="344" r:id="rId44"/>
+    <p:sldId id="345" r:id="rId45"/>
+    <p:sldId id="346" r:id="rId46"/>
   </p:sldIdLst>
   <p:sldSz cx="9906000" cy="6858000" type="A4"/>
   <p:notesSz cx="6797675" cy="9926638"/>
@@ -177,8 +188,19 @@
             <p14:sldId id="334"/>
             <p14:sldId id="331"/>
             <p14:sldId id="335"/>
+            <p14:sldId id="337"/>
             <p14:sldId id="332"/>
+            <p14:sldId id="339"/>
+            <p14:sldId id="340"/>
+            <p14:sldId id="341"/>
             <p14:sldId id="329"/>
+            <p14:sldId id="338"/>
+            <p14:sldId id="343"/>
+            <p14:sldId id="347"/>
+            <p14:sldId id="342"/>
+            <p14:sldId id="344"/>
+            <p14:sldId id="345"/>
+            <p14:sldId id="346"/>
           </p14:sldIdLst>
         </p14:section>
       </p14:sectionLst>
@@ -303,7 +325,7 @@
           <a:p>
             <a:fld id="{D8A39DB1-8325-48EE-BEF6-3041915F6829}" type="datetimeFigureOut">
               <a:rPr lang="ko-KR" altLang="en-US" smtClean="0"/>
-              <a:t>2021-10-17</a:t>
+              <a:t>2021-10-19</a:t>
             </a:fld>
             <a:endParaRPr lang="ko-KR" altLang="en-US"/>
           </a:p>
@@ -18912,10 +18934,10 @@
         </p:nvGrpSpPr>
         <p:grpSpPr>
           <a:xfrm>
-            <a:off x="2414723" y="2026640"/>
-            <a:ext cx="4980493" cy="3450598"/>
-            <a:chOff x="1084638" y="850269"/>
-            <a:chExt cx="7736721" cy="4776649"/>
+            <a:off x="2406334" y="1932400"/>
+            <a:ext cx="4988882" cy="3544838"/>
+            <a:chOff x="1071606" y="719813"/>
+            <a:chExt cx="7749753" cy="4907105"/>
           </a:xfrm>
         </p:grpSpPr>
         <p:pic>
@@ -19014,8 +19036,8 @@
           </p:nvSpPr>
           <p:spPr bwMode="gray">
             <a:xfrm>
-              <a:off x="1084638" y="850269"/>
-              <a:ext cx="2283568" cy="352175"/>
+              <a:off x="1071606" y="719813"/>
+              <a:ext cx="2283569" cy="482632"/>
             </a:xfrm>
             <a:custGeom>
               <a:avLst/>
@@ -19513,53 +19535,342 @@
           </a:p>
         </p:txBody>
       </p:sp>
-      <p:sp>
-        <p:nvSpPr>
-          <p:cNvPr id="13" name="TextBox 12">
+      <p:grpSp>
+        <p:nvGrpSpPr>
+          <p:cNvPr id="9" name="그룹 8">
             <a:extLst>
               <a:ext uri="{FF2B5EF4-FFF2-40B4-BE49-F238E27FC236}">
-                <a16:creationId xmlns:a16="http://schemas.microsoft.com/office/drawing/2014/main" id="{291B8812-6E7F-4ADA-8377-5EACB7DCC78A}"/>
+                <a16:creationId xmlns:a16="http://schemas.microsoft.com/office/drawing/2014/main" id="{DBA3DCE4-1A2E-4A04-BEA0-33EF19807F7B}"/>
               </a:ext>
             </a:extLst>
           </p:cNvPr>
-          <p:cNvSpPr txBox="1"/>
+          <p:cNvGrpSpPr/>
           <p:nvPr/>
-        </p:nvSpPr>
-        <p:spPr>
+        </p:nvGrpSpPr>
+        <p:grpSpPr>
           <a:xfrm>
-            <a:off x="363984" y="645439"/>
-            <a:ext cx="3013261" cy="353751"/>
+            <a:off x="2035260" y="1501650"/>
+            <a:ext cx="5835480" cy="3854700"/>
+            <a:chOff x="355595" y="1103194"/>
+            <a:chExt cx="5407642" cy="3401694"/>
           </a:xfrm>
-          <a:prstGeom prst="rect">
-            <a:avLst/>
-          </a:prstGeom>
-          <a:noFill/>
-        </p:spPr>
-        <p:txBody>
-          <a:bodyPr wrap="none" rtlCol="0">
-            <a:spAutoFit/>
-          </a:bodyPr>
-          <a:lstStyle/>
-          <a:p>
-            <a:pPr marL="285750" indent="-285750">
-              <a:lnSpc>
-                <a:spcPct val="150000"/>
-              </a:lnSpc>
-              <a:buFont typeface="Arial" panose="020B0604020202020204" pitchFamily="34" charset="0"/>
-              <a:buChar char="•"/>
-            </a:pPr>
-            <a:r>
-              <a:rPr lang="en-US" altLang="ko-KR" sz="1300" dirty="0"/>
-              <a:t>TABLE FULL SCAN </a:t>
-            </a:r>
-            <a:r>
-              <a:rPr lang="ko-KR" altLang="en-US" sz="1300" dirty="0"/>
-              <a:t>예시 추가 필요</a:t>
-            </a:r>
-            <a:endParaRPr lang="en-US" altLang="ko-KR" sz="1300" dirty="0"/>
-          </a:p>
-        </p:txBody>
-      </p:sp>
+        </p:grpSpPr>
+        <p:pic>
+          <p:nvPicPr>
+            <p:cNvPr id="6" name="그림 5">
+              <a:extLst>
+                <a:ext uri="{FF2B5EF4-FFF2-40B4-BE49-F238E27FC236}">
+                  <a16:creationId xmlns:a16="http://schemas.microsoft.com/office/drawing/2014/main" id="{D6573B7E-6665-4689-AD0F-9BED4A531734}"/>
+                </a:ext>
+              </a:extLst>
+            </p:cNvPr>
+            <p:cNvPicPr>
+              <a:picLocks noChangeAspect="1"/>
+            </p:cNvPicPr>
+            <p:nvPr/>
+          </p:nvPicPr>
+          <p:blipFill>
+            <a:blip r:embed="rId2"/>
+            <a:stretch>
+              <a:fillRect/>
+            </a:stretch>
+          </p:blipFill>
+          <p:spPr>
+            <a:xfrm>
+              <a:off x="510220" y="1768766"/>
+              <a:ext cx="2867025" cy="971550"/>
+            </a:xfrm>
+            <a:prstGeom prst="rect">
+              <a:avLst/>
+            </a:prstGeom>
+          </p:spPr>
+        </p:pic>
+        <p:pic>
+          <p:nvPicPr>
+            <p:cNvPr id="8" name="그림 7">
+              <a:extLst>
+                <a:ext uri="{FF2B5EF4-FFF2-40B4-BE49-F238E27FC236}">
+                  <a16:creationId xmlns:a16="http://schemas.microsoft.com/office/drawing/2014/main" id="{1547CBEF-1EB4-4F03-9F3D-1553D845F1CC}"/>
+                </a:ext>
+              </a:extLst>
+            </p:cNvPr>
+            <p:cNvPicPr>
+              <a:picLocks noChangeAspect="1"/>
+            </p:cNvPicPr>
+            <p:nvPr/>
+          </p:nvPicPr>
+          <p:blipFill>
+            <a:blip r:embed="rId3"/>
+            <a:stretch>
+              <a:fillRect/>
+            </a:stretch>
+          </p:blipFill>
+          <p:spPr>
+            <a:xfrm>
+              <a:off x="510220" y="2873098"/>
+              <a:ext cx="5172075" cy="1514475"/>
+            </a:xfrm>
+            <a:prstGeom prst="rect">
+              <a:avLst/>
+            </a:prstGeom>
+          </p:spPr>
+        </p:pic>
+        <p:sp>
+          <p:nvSpPr>
+            <p:cNvPr id="11" name="직사각형 10">
+              <a:extLst>
+                <a:ext uri="{FF2B5EF4-FFF2-40B4-BE49-F238E27FC236}">
+                  <a16:creationId xmlns:a16="http://schemas.microsoft.com/office/drawing/2014/main" id="{4B67E732-F5C0-4B75-BA0F-94A0D495DAF6}"/>
+                </a:ext>
+              </a:extLst>
+            </p:cNvPr>
+            <p:cNvSpPr/>
+            <p:nvPr/>
+          </p:nvSpPr>
+          <p:spPr>
+            <a:xfrm>
+              <a:off x="363984" y="1517957"/>
+              <a:ext cx="5399253" cy="2986931"/>
+            </a:xfrm>
+            <a:prstGeom prst="rect">
+              <a:avLst/>
+            </a:prstGeom>
+            <a:noFill/>
+          </p:spPr>
+          <p:style>
+            <a:lnRef idx="2">
+              <a:schemeClr val="accent1">
+                <a:shade val="50000"/>
+              </a:schemeClr>
+            </a:lnRef>
+            <a:fillRef idx="1">
+              <a:schemeClr val="accent1"/>
+            </a:fillRef>
+            <a:effectRef idx="0">
+              <a:schemeClr val="accent1"/>
+            </a:effectRef>
+            <a:fontRef idx="minor">
+              <a:schemeClr val="lt1"/>
+            </a:fontRef>
+          </p:style>
+          <p:txBody>
+            <a:bodyPr rtlCol="0" anchor="ctr"/>
+            <a:lstStyle/>
+            <a:p>
+              <a:pPr algn="ctr"/>
+              <a:endParaRPr lang="ko-KR" altLang="en-US">
+                <a:latin typeface="나눔고딕" panose="020B0600000101010101" charset="-127"/>
+                <a:ea typeface="나눔고딕" panose="020B0600000101010101" charset="-127"/>
+              </a:endParaRPr>
+            </a:p>
+          </p:txBody>
+        </p:sp>
+        <p:sp>
+          <p:nvSpPr>
+            <p:cNvPr id="12" name="자유형 23">
+              <a:extLst>
+                <a:ext uri="{FF2B5EF4-FFF2-40B4-BE49-F238E27FC236}">
+                  <a16:creationId xmlns:a16="http://schemas.microsoft.com/office/drawing/2014/main" id="{EC81F710-D502-4633-B37C-E188B5C5ECAD}"/>
+                </a:ext>
+              </a:extLst>
+            </p:cNvPr>
+            <p:cNvSpPr>
+              <a:spLocks noChangeArrowheads="1"/>
+            </p:cNvSpPr>
+            <p:nvPr/>
+          </p:nvSpPr>
+          <p:spPr bwMode="gray">
+            <a:xfrm>
+              <a:off x="355595" y="1103194"/>
+              <a:ext cx="1724304" cy="414763"/>
+            </a:xfrm>
+            <a:custGeom>
+              <a:avLst/>
+              <a:gdLst>
+                <a:gd name="connsiteX0" fmla="*/ 48729 w 1587995"/>
+                <a:gd name="connsiteY0" fmla="*/ 0 h 292361"/>
+                <a:gd name="connsiteX1" fmla="*/ 1539267 w 1587995"/>
+                <a:gd name="connsiteY1" fmla="*/ 0 h 292361"/>
+                <a:gd name="connsiteX2" fmla="*/ 1587995 w 1587995"/>
+                <a:gd name="connsiteY2" fmla="*/ 48728 h 292361"/>
+                <a:gd name="connsiteX3" fmla="*/ 1587995 w 1587995"/>
+                <a:gd name="connsiteY3" fmla="*/ 243633 h 292361"/>
+                <a:gd name="connsiteX4" fmla="*/ 1587994 w 1587995"/>
+                <a:gd name="connsiteY4" fmla="*/ 243636 h 292361"/>
+                <a:gd name="connsiteX5" fmla="*/ 1587994 w 1587995"/>
+                <a:gd name="connsiteY5" fmla="*/ 292361 h 292361"/>
+                <a:gd name="connsiteX6" fmla="*/ 1539267 w 1587995"/>
+                <a:gd name="connsiteY6" fmla="*/ 292361 h 292361"/>
+                <a:gd name="connsiteX7" fmla="*/ 48729 w 1587995"/>
+                <a:gd name="connsiteY7" fmla="*/ 292361 h 292361"/>
+                <a:gd name="connsiteX8" fmla="*/ 0 w 1587995"/>
+                <a:gd name="connsiteY8" fmla="*/ 292361 h 292361"/>
+                <a:gd name="connsiteX9" fmla="*/ 0 w 1587995"/>
+                <a:gd name="connsiteY9" fmla="*/ 152400 h 292361"/>
+                <a:gd name="connsiteX10" fmla="*/ 1 w 1587995"/>
+                <a:gd name="connsiteY10" fmla="*/ 152400 h 292361"/>
+                <a:gd name="connsiteX11" fmla="*/ 1 w 1587995"/>
+                <a:gd name="connsiteY11" fmla="*/ 48728 h 292361"/>
+                <a:gd name="connsiteX12" fmla="*/ 48729 w 1587995"/>
+                <a:gd name="connsiteY12" fmla="*/ 0 h 292361"/>
+              </a:gdLst>
+              <a:ahLst/>
+              <a:cxnLst>
+                <a:cxn ang="0">
+                  <a:pos x="connsiteX0" y="connsiteY0"/>
+                </a:cxn>
+                <a:cxn ang="0">
+                  <a:pos x="connsiteX1" y="connsiteY1"/>
+                </a:cxn>
+                <a:cxn ang="0">
+                  <a:pos x="connsiteX2" y="connsiteY2"/>
+                </a:cxn>
+                <a:cxn ang="0">
+                  <a:pos x="connsiteX3" y="connsiteY3"/>
+                </a:cxn>
+                <a:cxn ang="0">
+                  <a:pos x="connsiteX4" y="connsiteY4"/>
+                </a:cxn>
+                <a:cxn ang="0">
+                  <a:pos x="connsiteX5" y="connsiteY5"/>
+                </a:cxn>
+                <a:cxn ang="0">
+                  <a:pos x="connsiteX6" y="connsiteY6"/>
+                </a:cxn>
+                <a:cxn ang="0">
+                  <a:pos x="connsiteX7" y="connsiteY7"/>
+                </a:cxn>
+                <a:cxn ang="0">
+                  <a:pos x="connsiteX8" y="connsiteY8"/>
+                </a:cxn>
+                <a:cxn ang="0">
+                  <a:pos x="connsiteX9" y="connsiteY9"/>
+                </a:cxn>
+                <a:cxn ang="0">
+                  <a:pos x="connsiteX10" y="connsiteY10"/>
+                </a:cxn>
+                <a:cxn ang="0">
+                  <a:pos x="connsiteX11" y="connsiteY11"/>
+                </a:cxn>
+                <a:cxn ang="0">
+                  <a:pos x="connsiteX12" y="connsiteY12"/>
+                </a:cxn>
+              </a:cxnLst>
+              <a:rect l="l" t="t" r="r" b="b"/>
+              <a:pathLst>
+                <a:path w="1587995" h="292361">
+                  <a:moveTo>
+                    <a:pt x="48729" y="0"/>
+                  </a:moveTo>
+                  <a:lnTo>
+                    <a:pt x="1539267" y="0"/>
+                  </a:lnTo>
+                  <a:cubicBezTo>
+                    <a:pt x="1566179" y="0"/>
+                    <a:pt x="1587995" y="21816"/>
+                    <a:pt x="1587995" y="48728"/>
+                  </a:cubicBezTo>
+                  <a:lnTo>
+                    <a:pt x="1587995" y="243633"/>
+                  </a:lnTo>
+                  <a:lnTo>
+                    <a:pt x="1587994" y="243636"/>
+                  </a:lnTo>
+                  <a:lnTo>
+                    <a:pt x="1587994" y="292361"/>
+                  </a:lnTo>
+                  <a:lnTo>
+                    <a:pt x="1539267" y="292361"/>
+                  </a:lnTo>
+                  <a:lnTo>
+                    <a:pt x="48729" y="292361"/>
+                  </a:lnTo>
+                  <a:lnTo>
+                    <a:pt x="0" y="292361"/>
+                  </a:lnTo>
+                  <a:lnTo>
+                    <a:pt x="0" y="152400"/>
+                  </a:lnTo>
+                  <a:lnTo>
+                    <a:pt x="1" y="152400"/>
+                  </a:lnTo>
+                  <a:lnTo>
+                    <a:pt x="1" y="48728"/>
+                  </a:lnTo>
+                  <a:cubicBezTo>
+                    <a:pt x="1" y="21816"/>
+                    <a:pt x="21817" y="0"/>
+                    <a:pt x="48729" y="0"/>
+                  </a:cubicBezTo>
+                  <a:close/>
+                </a:path>
+              </a:pathLst>
+            </a:custGeom>
+            <a:solidFill>
+              <a:srgbClr val="002060"/>
+            </a:solidFill>
+            <a:ln w="9525" algn="ctr">
+              <a:solidFill>
+                <a:srgbClr val="002060"/>
+              </a:solidFill>
+              <a:miter lim="800000"/>
+              <a:headEnd/>
+              <a:tailEnd/>
+            </a:ln>
+            <a:effectLst>
+              <a:outerShdw blurRad="50800" dist="38100" dir="2700000" algn="tl" rotWithShape="0">
+                <a:prstClr val="black">
+                  <a:alpha val="40000"/>
+                </a:prstClr>
+              </a:outerShdw>
+            </a:effectLst>
+          </p:spPr>
+          <p:txBody>
+            <a:bodyPr wrap="square" lIns="72000" tIns="36000" rIns="72000" bIns="36000" anchor="ctr">
+              <a:noAutofit/>
+            </a:bodyPr>
+            <a:lstStyle/>
+            <a:p>
+              <a:pPr marR="0" lvl="0" algn="ctr" defTabSz="411163" eaLnBrk="0" fontAlgn="base" latinLnBrk="0" hangingPunct="0">
+                <a:spcBef>
+                  <a:spcPct val="0"/>
+                </a:spcBef>
+                <a:spcAft>
+                  <a:spcPct val="0"/>
+                </a:spcAft>
+                <a:buSzPct val="90000"/>
+                <a:tabLst>
+                  <a:tab pos="85725" algn="l"/>
+                </a:tabLst>
+                <a:defRPr/>
+              </a:pPr>
+              <a:r>
+                <a:rPr kumimoji="1" lang="en-US" altLang="ko-KR" sz="1200" b="1" kern="0" dirty="0">
+                  <a:solidFill>
+                    <a:schemeClr val="bg1"/>
+                  </a:solidFill>
+                  <a:latin typeface="나눔고딕" panose="020B0600000101010101" charset="-127"/>
+                  <a:ea typeface="나눔고딕" panose="020B0600000101010101" charset="-127"/>
+                </a:rPr>
+                <a:t>TABLE FULL SCAN</a:t>
+              </a:r>
+              <a:endParaRPr kumimoji="1" lang="en-US" altLang="ko-KR" sz="1200" b="1" i="0" u="none" strike="noStrike" kern="0" cap="none" spc="0" normalizeH="0" baseline="0" noProof="0" dirty="0">
+                <a:ln>
+                  <a:noFill/>
+                </a:ln>
+                <a:solidFill>
+                  <a:schemeClr val="bg1"/>
+                </a:solidFill>
+                <a:effectLst/>
+                <a:uLnTx/>
+                <a:uFillTx/>
+                <a:latin typeface="나눔고딕" panose="020B0600000101010101" charset="-127"/>
+                <a:ea typeface="나눔고딕" panose="020B0600000101010101" charset="-127"/>
+              </a:endParaRPr>
+            </a:p>
+          </p:txBody>
+        </p:sp>
+      </p:grpSp>
     </p:spTree>
     <p:extLst>
       <p:ext uri="{BB962C8B-B14F-4D97-AF65-F5344CB8AC3E}">
@@ -22741,53 +23052,6 @@
       </p:sp>
       <p:sp>
         <p:nvSpPr>
-          <p:cNvPr id="3" name="TextBox 2">
-            <a:extLst>
-              <a:ext uri="{FF2B5EF4-FFF2-40B4-BE49-F238E27FC236}">
-                <a16:creationId xmlns:a16="http://schemas.microsoft.com/office/drawing/2014/main" id="{43BD4B0A-C817-40FC-8794-1A803D7B2883}"/>
-              </a:ext>
-            </a:extLst>
-          </p:cNvPr>
-          <p:cNvSpPr txBox="1"/>
-          <p:nvPr/>
-        </p:nvSpPr>
-        <p:spPr>
-          <a:xfrm>
-            <a:off x="217129" y="861850"/>
-            <a:ext cx="2625142" cy="353751"/>
-          </a:xfrm>
-          <a:prstGeom prst="rect">
-            <a:avLst/>
-          </a:prstGeom>
-          <a:noFill/>
-        </p:spPr>
-        <p:txBody>
-          <a:bodyPr wrap="none" rtlCol="0">
-            <a:spAutoFit/>
-          </a:bodyPr>
-          <a:lstStyle/>
-          <a:p>
-            <a:pPr marL="285750" indent="-285750">
-              <a:lnSpc>
-                <a:spcPct val="150000"/>
-              </a:lnSpc>
-              <a:buFont typeface="Arial" panose="020B0604020202020204" pitchFamily="34" charset="0"/>
-              <a:buChar char="•"/>
-            </a:pPr>
-            <a:r>
-              <a:rPr lang="en-US" altLang="ko-KR" sz="1300" dirty="0"/>
-              <a:t>INDEX SCAN </a:t>
-            </a:r>
-            <a:r>
-              <a:rPr lang="ko-KR" altLang="en-US" sz="1300" dirty="0"/>
-              <a:t>예시 추가 필요</a:t>
-            </a:r>
-            <a:endParaRPr lang="en-US" altLang="ko-KR" sz="1300" dirty="0"/>
-          </a:p>
-        </p:txBody>
-      </p:sp>
-      <p:sp>
-        <p:nvSpPr>
           <p:cNvPr id="16" name="제목 1">
             <a:extLst>
               <a:ext uri="{FF2B5EF4-FFF2-40B4-BE49-F238E27FC236}">
@@ -22826,6 +23090,678 @@
           </a:p>
         </p:txBody>
       </p:sp>
+      <p:grpSp>
+        <p:nvGrpSpPr>
+          <p:cNvPr id="12" name="그룹 11">
+            <a:extLst>
+              <a:ext uri="{FF2B5EF4-FFF2-40B4-BE49-F238E27FC236}">
+                <a16:creationId xmlns:a16="http://schemas.microsoft.com/office/drawing/2014/main" id="{ABEE1316-7F16-4FD7-8525-B747652C70BD}"/>
+              </a:ext>
+            </a:extLst>
+          </p:cNvPr>
+          <p:cNvGrpSpPr/>
+          <p:nvPr/>
+        </p:nvGrpSpPr>
+        <p:grpSpPr>
+          <a:xfrm>
+            <a:off x="263767" y="887628"/>
+            <a:ext cx="7886604" cy="2275021"/>
+            <a:chOff x="200383" y="703071"/>
+            <a:chExt cx="7886604" cy="2275021"/>
+          </a:xfrm>
+        </p:grpSpPr>
+        <p:pic>
+          <p:nvPicPr>
+            <p:cNvPr id="6" name="그림 5">
+              <a:extLst>
+                <a:ext uri="{FF2B5EF4-FFF2-40B4-BE49-F238E27FC236}">
+                  <a16:creationId xmlns:a16="http://schemas.microsoft.com/office/drawing/2014/main" id="{0A904A8C-EF71-45E1-9783-C42BD16A195C}"/>
+                </a:ext>
+              </a:extLst>
+            </p:cNvPr>
+            <p:cNvPicPr>
+              <a:picLocks noChangeAspect="1"/>
+            </p:cNvPicPr>
+            <p:nvPr/>
+          </p:nvPicPr>
+          <p:blipFill>
+            <a:blip r:embed="rId2"/>
+            <a:stretch>
+              <a:fillRect/>
+            </a:stretch>
+          </p:blipFill>
+          <p:spPr>
+            <a:xfrm>
+              <a:off x="3061394" y="1127213"/>
+              <a:ext cx="4891369" cy="1680958"/>
+            </a:xfrm>
+            <a:prstGeom prst="rect">
+              <a:avLst/>
+            </a:prstGeom>
+          </p:spPr>
+        </p:pic>
+        <p:sp>
+          <p:nvSpPr>
+            <p:cNvPr id="10" name="직사각형 9">
+              <a:extLst>
+                <a:ext uri="{FF2B5EF4-FFF2-40B4-BE49-F238E27FC236}">
+                  <a16:creationId xmlns:a16="http://schemas.microsoft.com/office/drawing/2014/main" id="{3AC52778-A9B5-4A6C-9C9A-EC5AE87687F3}"/>
+                </a:ext>
+              </a:extLst>
+            </p:cNvPr>
+            <p:cNvSpPr/>
+            <p:nvPr/>
+          </p:nvSpPr>
+          <p:spPr>
+            <a:xfrm>
+              <a:off x="210170" y="1066972"/>
+              <a:ext cx="7876817" cy="1911120"/>
+            </a:xfrm>
+            <a:prstGeom prst="rect">
+              <a:avLst/>
+            </a:prstGeom>
+            <a:noFill/>
+          </p:spPr>
+          <p:style>
+            <a:lnRef idx="2">
+              <a:schemeClr val="accent1">
+                <a:shade val="50000"/>
+              </a:schemeClr>
+            </a:lnRef>
+            <a:fillRef idx="1">
+              <a:schemeClr val="accent1"/>
+            </a:fillRef>
+            <a:effectRef idx="0">
+              <a:schemeClr val="accent1"/>
+            </a:effectRef>
+            <a:fontRef idx="minor">
+              <a:schemeClr val="lt1"/>
+            </a:fontRef>
+          </p:style>
+          <p:txBody>
+            <a:bodyPr rtlCol="0" anchor="ctr"/>
+            <a:lstStyle/>
+            <a:p>
+              <a:pPr algn="ctr"/>
+              <a:endParaRPr lang="ko-KR" altLang="en-US">
+                <a:latin typeface="나눔고딕" panose="020B0600000101010101" charset="-127"/>
+                <a:ea typeface="나눔고딕" panose="020B0600000101010101" charset="-127"/>
+              </a:endParaRPr>
+            </a:p>
+          </p:txBody>
+        </p:sp>
+        <p:sp>
+          <p:nvSpPr>
+            <p:cNvPr id="11" name="자유형 23">
+              <a:extLst>
+                <a:ext uri="{FF2B5EF4-FFF2-40B4-BE49-F238E27FC236}">
+                  <a16:creationId xmlns:a16="http://schemas.microsoft.com/office/drawing/2014/main" id="{845B6D43-EC7C-41C0-B5DB-F5128B2CE458}"/>
+                </a:ext>
+              </a:extLst>
+            </p:cNvPr>
+            <p:cNvSpPr>
+              <a:spLocks noChangeArrowheads="1"/>
+            </p:cNvSpPr>
+            <p:nvPr/>
+          </p:nvSpPr>
+          <p:spPr bwMode="gray">
+            <a:xfrm>
+              <a:off x="200383" y="703071"/>
+              <a:ext cx="1724304" cy="353752"/>
+            </a:xfrm>
+            <a:custGeom>
+              <a:avLst/>
+              <a:gdLst>
+                <a:gd name="connsiteX0" fmla="*/ 48729 w 1587995"/>
+                <a:gd name="connsiteY0" fmla="*/ 0 h 292361"/>
+                <a:gd name="connsiteX1" fmla="*/ 1539267 w 1587995"/>
+                <a:gd name="connsiteY1" fmla="*/ 0 h 292361"/>
+                <a:gd name="connsiteX2" fmla="*/ 1587995 w 1587995"/>
+                <a:gd name="connsiteY2" fmla="*/ 48728 h 292361"/>
+                <a:gd name="connsiteX3" fmla="*/ 1587995 w 1587995"/>
+                <a:gd name="connsiteY3" fmla="*/ 243633 h 292361"/>
+                <a:gd name="connsiteX4" fmla="*/ 1587994 w 1587995"/>
+                <a:gd name="connsiteY4" fmla="*/ 243636 h 292361"/>
+                <a:gd name="connsiteX5" fmla="*/ 1587994 w 1587995"/>
+                <a:gd name="connsiteY5" fmla="*/ 292361 h 292361"/>
+                <a:gd name="connsiteX6" fmla="*/ 1539267 w 1587995"/>
+                <a:gd name="connsiteY6" fmla="*/ 292361 h 292361"/>
+                <a:gd name="connsiteX7" fmla="*/ 48729 w 1587995"/>
+                <a:gd name="connsiteY7" fmla="*/ 292361 h 292361"/>
+                <a:gd name="connsiteX8" fmla="*/ 0 w 1587995"/>
+                <a:gd name="connsiteY8" fmla="*/ 292361 h 292361"/>
+                <a:gd name="connsiteX9" fmla="*/ 0 w 1587995"/>
+                <a:gd name="connsiteY9" fmla="*/ 152400 h 292361"/>
+                <a:gd name="connsiteX10" fmla="*/ 1 w 1587995"/>
+                <a:gd name="connsiteY10" fmla="*/ 152400 h 292361"/>
+                <a:gd name="connsiteX11" fmla="*/ 1 w 1587995"/>
+                <a:gd name="connsiteY11" fmla="*/ 48728 h 292361"/>
+                <a:gd name="connsiteX12" fmla="*/ 48729 w 1587995"/>
+                <a:gd name="connsiteY12" fmla="*/ 0 h 292361"/>
+              </a:gdLst>
+              <a:ahLst/>
+              <a:cxnLst>
+                <a:cxn ang="0">
+                  <a:pos x="connsiteX0" y="connsiteY0"/>
+                </a:cxn>
+                <a:cxn ang="0">
+                  <a:pos x="connsiteX1" y="connsiteY1"/>
+                </a:cxn>
+                <a:cxn ang="0">
+                  <a:pos x="connsiteX2" y="connsiteY2"/>
+                </a:cxn>
+                <a:cxn ang="0">
+                  <a:pos x="connsiteX3" y="connsiteY3"/>
+                </a:cxn>
+                <a:cxn ang="0">
+                  <a:pos x="connsiteX4" y="connsiteY4"/>
+                </a:cxn>
+                <a:cxn ang="0">
+                  <a:pos x="connsiteX5" y="connsiteY5"/>
+                </a:cxn>
+                <a:cxn ang="0">
+                  <a:pos x="connsiteX6" y="connsiteY6"/>
+                </a:cxn>
+                <a:cxn ang="0">
+                  <a:pos x="connsiteX7" y="connsiteY7"/>
+                </a:cxn>
+                <a:cxn ang="0">
+                  <a:pos x="connsiteX8" y="connsiteY8"/>
+                </a:cxn>
+                <a:cxn ang="0">
+                  <a:pos x="connsiteX9" y="connsiteY9"/>
+                </a:cxn>
+                <a:cxn ang="0">
+                  <a:pos x="connsiteX10" y="connsiteY10"/>
+                </a:cxn>
+                <a:cxn ang="0">
+                  <a:pos x="connsiteX11" y="connsiteY11"/>
+                </a:cxn>
+                <a:cxn ang="0">
+                  <a:pos x="connsiteX12" y="connsiteY12"/>
+                </a:cxn>
+              </a:cxnLst>
+              <a:rect l="l" t="t" r="r" b="b"/>
+              <a:pathLst>
+                <a:path w="1587995" h="292361">
+                  <a:moveTo>
+                    <a:pt x="48729" y="0"/>
+                  </a:moveTo>
+                  <a:lnTo>
+                    <a:pt x="1539267" y="0"/>
+                  </a:lnTo>
+                  <a:cubicBezTo>
+                    <a:pt x="1566179" y="0"/>
+                    <a:pt x="1587995" y="21816"/>
+                    <a:pt x="1587995" y="48728"/>
+                  </a:cubicBezTo>
+                  <a:lnTo>
+                    <a:pt x="1587995" y="243633"/>
+                  </a:lnTo>
+                  <a:lnTo>
+                    <a:pt x="1587994" y="243636"/>
+                  </a:lnTo>
+                  <a:lnTo>
+                    <a:pt x="1587994" y="292361"/>
+                  </a:lnTo>
+                  <a:lnTo>
+                    <a:pt x="1539267" y="292361"/>
+                  </a:lnTo>
+                  <a:lnTo>
+                    <a:pt x="48729" y="292361"/>
+                  </a:lnTo>
+                  <a:lnTo>
+                    <a:pt x="0" y="292361"/>
+                  </a:lnTo>
+                  <a:lnTo>
+                    <a:pt x="0" y="152400"/>
+                  </a:lnTo>
+                  <a:lnTo>
+                    <a:pt x="1" y="152400"/>
+                  </a:lnTo>
+                  <a:lnTo>
+                    <a:pt x="1" y="48728"/>
+                  </a:lnTo>
+                  <a:cubicBezTo>
+                    <a:pt x="1" y="21816"/>
+                    <a:pt x="21817" y="0"/>
+                    <a:pt x="48729" y="0"/>
+                  </a:cubicBezTo>
+                  <a:close/>
+                </a:path>
+              </a:pathLst>
+            </a:custGeom>
+            <a:solidFill>
+              <a:srgbClr val="002060"/>
+            </a:solidFill>
+            <a:ln w="9525" algn="ctr">
+              <a:solidFill>
+                <a:srgbClr val="002060"/>
+              </a:solidFill>
+              <a:miter lim="800000"/>
+              <a:headEnd/>
+              <a:tailEnd/>
+            </a:ln>
+            <a:effectLst>
+              <a:outerShdw blurRad="50800" dist="38100" dir="2700000" algn="tl" rotWithShape="0">
+                <a:prstClr val="black">
+                  <a:alpha val="40000"/>
+                </a:prstClr>
+              </a:outerShdw>
+            </a:effectLst>
+          </p:spPr>
+          <p:txBody>
+            <a:bodyPr wrap="square" lIns="72000" tIns="36000" rIns="72000" bIns="36000" anchor="ctr">
+              <a:noAutofit/>
+            </a:bodyPr>
+            <a:lstStyle/>
+            <a:p>
+              <a:pPr marR="0" lvl="0" algn="ctr" defTabSz="411163" eaLnBrk="0" fontAlgn="base" latinLnBrk="0" hangingPunct="0">
+                <a:spcBef>
+                  <a:spcPct val="0"/>
+                </a:spcBef>
+                <a:spcAft>
+                  <a:spcPct val="0"/>
+                </a:spcAft>
+                <a:buSzPct val="90000"/>
+                <a:tabLst>
+                  <a:tab pos="85725" algn="l"/>
+                </a:tabLst>
+                <a:defRPr/>
+              </a:pPr>
+              <a:r>
+                <a:rPr kumimoji="1" lang="en-US" altLang="ko-KR" sz="1200" b="1" kern="0" dirty="0">
+                  <a:solidFill>
+                    <a:schemeClr val="bg1"/>
+                  </a:solidFill>
+                  <a:latin typeface="나눔고딕" panose="020B0600000101010101" charset="-127"/>
+                  <a:ea typeface="나눔고딕" panose="020B0600000101010101" charset="-127"/>
+                </a:rPr>
+                <a:t>INDEX UNIQUE SCAN</a:t>
+              </a:r>
+              <a:endParaRPr kumimoji="1" lang="en-US" altLang="ko-KR" sz="1200" b="1" i="0" u="none" strike="noStrike" kern="0" cap="none" spc="0" normalizeH="0" baseline="0" noProof="0" dirty="0">
+                <a:ln>
+                  <a:noFill/>
+                </a:ln>
+                <a:solidFill>
+                  <a:schemeClr val="bg1"/>
+                </a:solidFill>
+                <a:effectLst/>
+                <a:uLnTx/>
+                <a:uFillTx/>
+                <a:latin typeface="나눔고딕" panose="020B0600000101010101" charset="-127"/>
+                <a:ea typeface="나눔고딕" panose="020B0600000101010101" charset="-127"/>
+              </a:endParaRPr>
+            </a:p>
+          </p:txBody>
+        </p:sp>
+        <p:pic>
+          <p:nvPicPr>
+            <p:cNvPr id="9" name="그림 8">
+              <a:extLst>
+                <a:ext uri="{FF2B5EF4-FFF2-40B4-BE49-F238E27FC236}">
+                  <a16:creationId xmlns:a16="http://schemas.microsoft.com/office/drawing/2014/main" id="{A0D1C394-D55D-478A-A99E-C145A082798B}"/>
+                </a:ext>
+              </a:extLst>
+            </p:cNvPr>
+            <p:cNvPicPr>
+              <a:picLocks noChangeAspect="1"/>
+            </p:cNvPicPr>
+            <p:nvPr/>
+          </p:nvPicPr>
+          <p:blipFill>
+            <a:blip r:embed="rId3"/>
+            <a:stretch>
+              <a:fillRect/>
+            </a:stretch>
+          </p:blipFill>
+          <p:spPr>
+            <a:xfrm>
+              <a:off x="335421" y="1127213"/>
+              <a:ext cx="2591749" cy="1288816"/>
+            </a:xfrm>
+            <a:prstGeom prst="rect">
+              <a:avLst/>
+            </a:prstGeom>
+          </p:spPr>
+        </p:pic>
+      </p:grpSp>
+      <p:grpSp>
+        <p:nvGrpSpPr>
+          <p:cNvPr id="19" name="그룹 18">
+            <a:extLst>
+              <a:ext uri="{FF2B5EF4-FFF2-40B4-BE49-F238E27FC236}">
+                <a16:creationId xmlns:a16="http://schemas.microsoft.com/office/drawing/2014/main" id="{B556B824-4FBE-4739-A56D-DC28AC3B74AC}"/>
+              </a:ext>
+            </a:extLst>
+          </p:cNvPr>
+          <p:cNvGrpSpPr/>
+          <p:nvPr/>
+        </p:nvGrpSpPr>
+        <p:grpSpPr>
+          <a:xfrm>
+            <a:off x="273554" y="3457570"/>
+            <a:ext cx="7885206" cy="2270818"/>
+            <a:chOff x="273554" y="3138789"/>
+            <a:chExt cx="7885206" cy="2270818"/>
+          </a:xfrm>
+        </p:grpSpPr>
+        <p:pic>
+          <p:nvPicPr>
+            <p:cNvPr id="15" name="그림 14">
+              <a:extLst>
+                <a:ext uri="{FF2B5EF4-FFF2-40B4-BE49-F238E27FC236}">
+                  <a16:creationId xmlns:a16="http://schemas.microsoft.com/office/drawing/2014/main" id="{7555098E-E9BB-4B1B-9693-5220EB869F83}"/>
+                </a:ext>
+              </a:extLst>
+            </p:cNvPr>
+            <p:cNvPicPr>
+              <a:picLocks noChangeAspect="1"/>
+            </p:cNvPicPr>
+            <p:nvPr/>
+          </p:nvPicPr>
+          <p:blipFill>
+            <a:blip r:embed="rId4"/>
+            <a:stretch>
+              <a:fillRect/>
+            </a:stretch>
+          </p:blipFill>
+          <p:spPr>
+            <a:xfrm>
+              <a:off x="335738" y="3583423"/>
+              <a:ext cx="2781300" cy="1257300"/>
+            </a:xfrm>
+            <a:prstGeom prst="rect">
+              <a:avLst/>
+            </a:prstGeom>
+          </p:spPr>
+        </p:pic>
+        <p:pic>
+          <p:nvPicPr>
+            <p:cNvPr id="18" name="그림 17">
+              <a:extLst>
+                <a:ext uri="{FF2B5EF4-FFF2-40B4-BE49-F238E27FC236}">
+                  <a16:creationId xmlns:a16="http://schemas.microsoft.com/office/drawing/2014/main" id="{E7B76CF0-F55A-4E98-9A51-2ED8D9F0D7B6}"/>
+                </a:ext>
+              </a:extLst>
+            </p:cNvPr>
+            <p:cNvPicPr>
+              <a:picLocks noChangeAspect="1"/>
+            </p:cNvPicPr>
+            <p:nvPr/>
+          </p:nvPicPr>
+          <p:blipFill>
+            <a:blip r:embed="rId5"/>
+            <a:stretch>
+              <a:fillRect/>
+            </a:stretch>
+          </p:blipFill>
+          <p:spPr>
+            <a:xfrm>
+              <a:off x="3117038" y="3554752"/>
+              <a:ext cx="4969949" cy="1596040"/>
+            </a:xfrm>
+            <a:prstGeom prst="rect">
+              <a:avLst/>
+            </a:prstGeom>
+          </p:spPr>
+        </p:pic>
+        <p:sp>
+          <p:nvSpPr>
+            <p:cNvPr id="20" name="직사각형 19">
+              <a:extLst>
+                <a:ext uri="{FF2B5EF4-FFF2-40B4-BE49-F238E27FC236}">
+                  <a16:creationId xmlns:a16="http://schemas.microsoft.com/office/drawing/2014/main" id="{0BF81E15-43CF-468D-85C6-E0CE76D8FAE6}"/>
+                </a:ext>
+              </a:extLst>
+            </p:cNvPr>
+            <p:cNvSpPr/>
+            <p:nvPr/>
+          </p:nvSpPr>
+          <p:spPr>
+            <a:xfrm>
+              <a:off x="281943" y="3498487"/>
+              <a:ext cx="7876817" cy="1911120"/>
+            </a:xfrm>
+            <a:prstGeom prst="rect">
+              <a:avLst/>
+            </a:prstGeom>
+            <a:noFill/>
+          </p:spPr>
+          <p:style>
+            <a:lnRef idx="2">
+              <a:schemeClr val="accent1">
+                <a:shade val="50000"/>
+              </a:schemeClr>
+            </a:lnRef>
+            <a:fillRef idx="1">
+              <a:schemeClr val="accent1"/>
+            </a:fillRef>
+            <a:effectRef idx="0">
+              <a:schemeClr val="accent1"/>
+            </a:effectRef>
+            <a:fontRef idx="minor">
+              <a:schemeClr val="lt1"/>
+            </a:fontRef>
+          </p:style>
+          <p:txBody>
+            <a:bodyPr rtlCol="0" anchor="ctr"/>
+            <a:lstStyle/>
+            <a:p>
+              <a:pPr algn="ctr"/>
+              <a:endParaRPr lang="ko-KR" altLang="en-US">
+                <a:latin typeface="나눔고딕" panose="020B0600000101010101" charset="-127"/>
+                <a:ea typeface="나눔고딕" panose="020B0600000101010101" charset="-127"/>
+              </a:endParaRPr>
+            </a:p>
+          </p:txBody>
+        </p:sp>
+        <p:sp>
+          <p:nvSpPr>
+            <p:cNvPr id="21" name="자유형 23">
+              <a:extLst>
+                <a:ext uri="{FF2B5EF4-FFF2-40B4-BE49-F238E27FC236}">
+                  <a16:creationId xmlns:a16="http://schemas.microsoft.com/office/drawing/2014/main" id="{B1C5583C-FFEB-4FCF-AFC1-E1EA6520DEB3}"/>
+                </a:ext>
+              </a:extLst>
+            </p:cNvPr>
+            <p:cNvSpPr>
+              <a:spLocks noChangeArrowheads="1"/>
+            </p:cNvSpPr>
+            <p:nvPr/>
+          </p:nvSpPr>
+          <p:spPr bwMode="gray">
+            <a:xfrm>
+              <a:off x="273554" y="3138789"/>
+              <a:ext cx="1724304" cy="353752"/>
+            </a:xfrm>
+            <a:custGeom>
+              <a:avLst/>
+              <a:gdLst>
+                <a:gd name="connsiteX0" fmla="*/ 48729 w 1587995"/>
+                <a:gd name="connsiteY0" fmla="*/ 0 h 292361"/>
+                <a:gd name="connsiteX1" fmla="*/ 1539267 w 1587995"/>
+                <a:gd name="connsiteY1" fmla="*/ 0 h 292361"/>
+                <a:gd name="connsiteX2" fmla="*/ 1587995 w 1587995"/>
+                <a:gd name="connsiteY2" fmla="*/ 48728 h 292361"/>
+                <a:gd name="connsiteX3" fmla="*/ 1587995 w 1587995"/>
+                <a:gd name="connsiteY3" fmla="*/ 243633 h 292361"/>
+                <a:gd name="connsiteX4" fmla="*/ 1587994 w 1587995"/>
+                <a:gd name="connsiteY4" fmla="*/ 243636 h 292361"/>
+                <a:gd name="connsiteX5" fmla="*/ 1587994 w 1587995"/>
+                <a:gd name="connsiteY5" fmla="*/ 292361 h 292361"/>
+                <a:gd name="connsiteX6" fmla="*/ 1539267 w 1587995"/>
+                <a:gd name="connsiteY6" fmla="*/ 292361 h 292361"/>
+                <a:gd name="connsiteX7" fmla="*/ 48729 w 1587995"/>
+                <a:gd name="connsiteY7" fmla="*/ 292361 h 292361"/>
+                <a:gd name="connsiteX8" fmla="*/ 0 w 1587995"/>
+                <a:gd name="connsiteY8" fmla="*/ 292361 h 292361"/>
+                <a:gd name="connsiteX9" fmla="*/ 0 w 1587995"/>
+                <a:gd name="connsiteY9" fmla="*/ 152400 h 292361"/>
+                <a:gd name="connsiteX10" fmla="*/ 1 w 1587995"/>
+                <a:gd name="connsiteY10" fmla="*/ 152400 h 292361"/>
+                <a:gd name="connsiteX11" fmla="*/ 1 w 1587995"/>
+                <a:gd name="connsiteY11" fmla="*/ 48728 h 292361"/>
+                <a:gd name="connsiteX12" fmla="*/ 48729 w 1587995"/>
+                <a:gd name="connsiteY12" fmla="*/ 0 h 292361"/>
+              </a:gdLst>
+              <a:ahLst/>
+              <a:cxnLst>
+                <a:cxn ang="0">
+                  <a:pos x="connsiteX0" y="connsiteY0"/>
+                </a:cxn>
+                <a:cxn ang="0">
+                  <a:pos x="connsiteX1" y="connsiteY1"/>
+                </a:cxn>
+                <a:cxn ang="0">
+                  <a:pos x="connsiteX2" y="connsiteY2"/>
+                </a:cxn>
+                <a:cxn ang="0">
+                  <a:pos x="connsiteX3" y="connsiteY3"/>
+                </a:cxn>
+                <a:cxn ang="0">
+                  <a:pos x="connsiteX4" y="connsiteY4"/>
+                </a:cxn>
+                <a:cxn ang="0">
+                  <a:pos x="connsiteX5" y="connsiteY5"/>
+                </a:cxn>
+                <a:cxn ang="0">
+                  <a:pos x="connsiteX6" y="connsiteY6"/>
+                </a:cxn>
+                <a:cxn ang="0">
+                  <a:pos x="connsiteX7" y="connsiteY7"/>
+                </a:cxn>
+                <a:cxn ang="0">
+                  <a:pos x="connsiteX8" y="connsiteY8"/>
+                </a:cxn>
+                <a:cxn ang="0">
+                  <a:pos x="connsiteX9" y="connsiteY9"/>
+                </a:cxn>
+                <a:cxn ang="0">
+                  <a:pos x="connsiteX10" y="connsiteY10"/>
+                </a:cxn>
+                <a:cxn ang="0">
+                  <a:pos x="connsiteX11" y="connsiteY11"/>
+                </a:cxn>
+                <a:cxn ang="0">
+                  <a:pos x="connsiteX12" y="connsiteY12"/>
+                </a:cxn>
+              </a:cxnLst>
+              <a:rect l="l" t="t" r="r" b="b"/>
+              <a:pathLst>
+                <a:path w="1587995" h="292361">
+                  <a:moveTo>
+                    <a:pt x="48729" y="0"/>
+                  </a:moveTo>
+                  <a:lnTo>
+                    <a:pt x="1539267" y="0"/>
+                  </a:lnTo>
+                  <a:cubicBezTo>
+                    <a:pt x="1566179" y="0"/>
+                    <a:pt x="1587995" y="21816"/>
+                    <a:pt x="1587995" y="48728"/>
+                  </a:cubicBezTo>
+                  <a:lnTo>
+                    <a:pt x="1587995" y="243633"/>
+                  </a:lnTo>
+                  <a:lnTo>
+                    <a:pt x="1587994" y="243636"/>
+                  </a:lnTo>
+                  <a:lnTo>
+                    <a:pt x="1587994" y="292361"/>
+                  </a:lnTo>
+                  <a:lnTo>
+                    <a:pt x="1539267" y="292361"/>
+                  </a:lnTo>
+                  <a:lnTo>
+                    <a:pt x="48729" y="292361"/>
+                  </a:lnTo>
+                  <a:lnTo>
+                    <a:pt x="0" y="292361"/>
+                  </a:lnTo>
+                  <a:lnTo>
+                    <a:pt x="0" y="152400"/>
+                  </a:lnTo>
+                  <a:lnTo>
+                    <a:pt x="1" y="152400"/>
+                  </a:lnTo>
+                  <a:lnTo>
+                    <a:pt x="1" y="48728"/>
+                  </a:lnTo>
+                  <a:cubicBezTo>
+                    <a:pt x="1" y="21816"/>
+                    <a:pt x="21817" y="0"/>
+                    <a:pt x="48729" y="0"/>
+                  </a:cubicBezTo>
+                  <a:close/>
+                </a:path>
+              </a:pathLst>
+            </a:custGeom>
+            <a:solidFill>
+              <a:srgbClr val="002060"/>
+            </a:solidFill>
+            <a:ln w="9525" algn="ctr">
+              <a:solidFill>
+                <a:srgbClr val="002060"/>
+              </a:solidFill>
+              <a:miter lim="800000"/>
+              <a:headEnd/>
+              <a:tailEnd/>
+            </a:ln>
+            <a:effectLst>
+              <a:outerShdw blurRad="50800" dist="38100" dir="2700000" algn="tl" rotWithShape="0">
+                <a:prstClr val="black">
+                  <a:alpha val="40000"/>
+                </a:prstClr>
+              </a:outerShdw>
+            </a:effectLst>
+          </p:spPr>
+          <p:txBody>
+            <a:bodyPr wrap="square" lIns="72000" tIns="36000" rIns="72000" bIns="36000" anchor="ctr">
+              <a:noAutofit/>
+            </a:bodyPr>
+            <a:lstStyle/>
+            <a:p>
+              <a:pPr marR="0" lvl="0" algn="ctr" defTabSz="411163" eaLnBrk="0" fontAlgn="base" latinLnBrk="0" hangingPunct="0">
+                <a:spcBef>
+                  <a:spcPct val="0"/>
+                </a:spcBef>
+                <a:spcAft>
+                  <a:spcPct val="0"/>
+                </a:spcAft>
+                <a:buSzPct val="90000"/>
+                <a:tabLst>
+                  <a:tab pos="85725" algn="l"/>
+                </a:tabLst>
+                <a:defRPr/>
+              </a:pPr>
+              <a:r>
+                <a:rPr kumimoji="1" lang="en-US" altLang="ko-KR" sz="1200" b="1" kern="0" dirty="0">
+                  <a:solidFill>
+                    <a:schemeClr val="bg1"/>
+                  </a:solidFill>
+                  <a:latin typeface="나눔고딕" panose="020B0600000101010101" charset="-127"/>
+                  <a:ea typeface="나눔고딕" panose="020B0600000101010101" charset="-127"/>
+                </a:rPr>
+                <a:t>INDEX RANGE SCAN</a:t>
+              </a:r>
+              <a:endParaRPr kumimoji="1" lang="en-US" altLang="ko-KR" sz="1200" b="1" i="0" u="none" strike="noStrike" kern="0" cap="none" spc="0" normalizeH="0" baseline="0" noProof="0" dirty="0">
+                <a:ln>
+                  <a:noFill/>
+                </a:ln>
+                <a:solidFill>
+                  <a:schemeClr val="bg1"/>
+                </a:solidFill>
+                <a:effectLst/>
+                <a:uLnTx/>
+                <a:uFillTx/>
+                <a:latin typeface="나눔고딕" panose="020B0600000101010101" charset="-127"/>
+                <a:ea typeface="나눔고딕" panose="020B0600000101010101" charset="-127"/>
+              </a:endParaRPr>
+            </a:p>
+          </p:txBody>
+        </p:sp>
+      </p:grpSp>
     </p:spTree>
     <p:extLst>
       <p:ext uri="{BB962C8B-B14F-4D97-AF65-F5344CB8AC3E}">
@@ -22856,41 +23792,6 @@
           <a:chExt cx="0" cy="0"/>
         </a:xfrm>
       </p:grpSpPr>
-      <p:sp>
-        <p:nvSpPr>
-          <p:cNvPr id="2" name="제목 1">
-            <a:extLst>
-              <a:ext uri="{FF2B5EF4-FFF2-40B4-BE49-F238E27FC236}">
-                <a16:creationId xmlns:a16="http://schemas.microsoft.com/office/drawing/2014/main" id="{F35C43C8-4428-4D97-87C2-6ACA5057AB6C}"/>
-              </a:ext>
-            </a:extLst>
-          </p:cNvPr>
-          <p:cNvSpPr>
-            <a:spLocks noGrp="1"/>
-          </p:cNvSpPr>
-          <p:nvPr>
-            <p:ph type="title"/>
-          </p:nvPr>
-        </p:nvSpPr>
-        <p:spPr/>
-        <p:txBody>
-          <a:bodyPr/>
-          <a:lstStyle/>
-          <a:p>
-            <a:r>
-              <a:rPr lang="en-US" altLang="ko-KR" dirty="0">
-                <a:latin typeface="나눔고딕" panose="020B0600000101010101" charset="-127"/>
-                <a:ea typeface="나눔고딕" panose="020B0600000101010101" charset="-127"/>
-              </a:rPr>
-              <a:t>6. ROWID SCAN</a:t>
-            </a:r>
-            <a:endParaRPr lang="ko-KR" altLang="en-US" dirty="0">
-              <a:latin typeface="나눔고딕" panose="020B0600000101010101" charset="-127"/>
-              <a:ea typeface="나눔고딕" panose="020B0600000101010101" charset="-127"/>
-            </a:endParaRPr>
-          </a:p>
-        </p:txBody>
-      </p:sp>
       <p:sp>
         <p:nvSpPr>
           <p:cNvPr id="47" name="텍스트 개체 틀 3">
@@ -22978,10 +23879,386 @@
       </p:sp>
       <p:sp>
         <p:nvSpPr>
-          <p:cNvPr id="3" name="TextBox 2">
+          <p:cNvPr id="16" name="제목 1">
             <a:extLst>
               <a:ext uri="{FF2B5EF4-FFF2-40B4-BE49-F238E27FC236}">
-                <a16:creationId xmlns:a16="http://schemas.microsoft.com/office/drawing/2014/main" id="{43BD4B0A-C817-40FC-8794-1A803D7B2883}"/>
+                <a16:creationId xmlns:a16="http://schemas.microsoft.com/office/drawing/2014/main" id="{BDE76D3B-C372-4CA3-A4FD-33642B295B4F}"/>
+              </a:ext>
+            </a:extLst>
+          </p:cNvPr>
+          <p:cNvSpPr>
+            <a:spLocks noGrp="1"/>
+          </p:cNvSpPr>
+          <p:nvPr>
+            <p:ph type="title"/>
+          </p:nvPr>
+        </p:nvSpPr>
+        <p:spPr>
+          <a:xfrm>
+            <a:off x="363984" y="53269"/>
+            <a:ext cx="6587232" cy="408372"/>
+          </a:xfrm>
+        </p:spPr>
+        <p:txBody>
+          <a:bodyPr/>
+          <a:lstStyle/>
+          <a:p>
+            <a:r>
+              <a:rPr lang="en-US" altLang="ko-KR" dirty="0">
+                <a:latin typeface="나눔고딕" panose="020B0600000101010101" charset="-127"/>
+                <a:ea typeface="나눔고딕" panose="020B0600000101010101" charset="-127"/>
+              </a:rPr>
+              <a:t>5. INDEX SCAN </a:t>
+            </a:r>
+            <a:endParaRPr lang="ko-KR" altLang="en-US" dirty="0">
+              <a:latin typeface="나눔고딕" panose="020B0600000101010101" charset="-127"/>
+              <a:ea typeface="나눔고딕" panose="020B0600000101010101" charset="-127"/>
+            </a:endParaRPr>
+          </a:p>
+        </p:txBody>
+      </p:sp>
+      <p:grpSp>
+        <p:nvGrpSpPr>
+          <p:cNvPr id="7" name="그룹 6">
+            <a:extLst>
+              <a:ext uri="{FF2B5EF4-FFF2-40B4-BE49-F238E27FC236}">
+                <a16:creationId xmlns:a16="http://schemas.microsoft.com/office/drawing/2014/main" id="{FFAFA5F4-EAA7-44BE-9D84-FF8E8051B295}"/>
+              </a:ext>
+            </a:extLst>
+          </p:cNvPr>
+          <p:cNvGrpSpPr/>
+          <p:nvPr/>
+        </p:nvGrpSpPr>
+        <p:grpSpPr>
+          <a:xfrm>
+            <a:off x="363984" y="1718138"/>
+            <a:ext cx="7878215" cy="2275021"/>
+            <a:chOff x="272156" y="887628"/>
+            <a:chExt cx="7878215" cy="2275021"/>
+          </a:xfrm>
+        </p:grpSpPr>
+        <p:sp>
+          <p:nvSpPr>
+            <p:cNvPr id="10" name="직사각형 9">
+              <a:extLst>
+                <a:ext uri="{FF2B5EF4-FFF2-40B4-BE49-F238E27FC236}">
+                  <a16:creationId xmlns:a16="http://schemas.microsoft.com/office/drawing/2014/main" id="{3AC52778-A9B5-4A6C-9C9A-EC5AE87687F3}"/>
+                </a:ext>
+              </a:extLst>
+            </p:cNvPr>
+            <p:cNvSpPr/>
+            <p:nvPr/>
+          </p:nvSpPr>
+          <p:spPr>
+            <a:xfrm>
+              <a:off x="273554" y="1251529"/>
+              <a:ext cx="7876817" cy="1911120"/>
+            </a:xfrm>
+            <a:prstGeom prst="rect">
+              <a:avLst/>
+            </a:prstGeom>
+            <a:noFill/>
+          </p:spPr>
+          <p:style>
+            <a:lnRef idx="2">
+              <a:schemeClr val="accent1">
+                <a:shade val="50000"/>
+              </a:schemeClr>
+            </a:lnRef>
+            <a:fillRef idx="1">
+              <a:schemeClr val="accent1"/>
+            </a:fillRef>
+            <a:effectRef idx="0">
+              <a:schemeClr val="accent1"/>
+            </a:effectRef>
+            <a:fontRef idx="minor">
+              <a:schemeClr val="lt1"/>
+            </a:fontRef>
+          </p:style>
+          <p:txBody>
+            <a:bodyPr rtlCol="0" anchor="ctr"/>
+            <a:lstStyle/>
+            <a:p>
+              <a:pPr algn="ctr"/>
+              <a:endParaRPr lang="ko-KR" altLang="en-US">
+                <a:latin typeface="나눔고딕" panose="020B0600000101010101" charset="-127"/>
+                <a:ea typeface="나눔고딕" panose="020B0600000101010101" charset="-127"/>
+              </a:endParaRPr>
+            </a:p>
+          </p:txBody>
+        </p:sp>
+        <p:sp>
+          <p:nvSpPr>
+            <p:cNvPr id="11" name="자유형 23">
+              <a:extLst>
+                <a:ext uri="{FF2B5EF4-FFF2-40B4-BE49-F238E27FC236}">
+                  <a16:creationId xmlns:a16="http://schemas.microsoft.com/office/drawing/2014/main" id="{845B6D43-EC7C-41C0-B5DB-F5128B2CE458}"/>
+                </a:ext>
+              </a:extLst>
+            </p:cNvPr>
+            <p:cNvSpPr>
+              <a:spLocks noChangeArrowheads="1"/>
+            </p:cNvSpPr>
+            <p:nvPr/>
+          </p:nvSpPr>
+          <p:spPr bwMode="gray">
+            <a:xfrm>
+              <a:off x="272156" y="887628"/>
+              <a:ext cx="1724304" cy="353752"/>
+            </a:xfrm>
+            <a:custGeom>
+              <a:avLst/>
+              <a:gdLst>
+                <a:gd name="connsiteX0" fmla="*/ 48729 w 1587995"/>
+                <a:gd name="connsiteY0" fmla="*/ 0 h 292361"/>
+                <a:gd name="connsiteX1" fmla="*/ 1539267 w 1587995"/>
+                <a:gd name="connsiteY1" fmla="*/ 0 h 292361"/>
+                <a:gd name="connsiteX2" fmla="*/ 1587995 w 1587995"/>
+                <a:gd name="connsiteY2" fmla="*/ 48728 h 292361"/>
+                <a:gd name="connsiteX3" fmla="*/ 1587995 w 1587995"/>
+                <a:gd name="connsiteY3" fmla="*/ 243633 h 292361"/>
+                <a:gd name="connsiteX4" fmla="*/ 1587994 w 1587995"/>
+                <a:gd name="connsiteY4" fmla="*/ 243636 h 292361"/>
+                <a:gd name="connsiteX5" fmla="*/ 1587994 w 1587995"/>
+                <a:gd name="connsiteY5" fmla="*/ 292361 h 292361"/>
+                <a:gd name="connsiteX6" fmla="*/ 1539267 w 1587995"/>
+                <a:gd name="connsiteY6" fmla="*/ 292361 h 292361"/>
+                <a:gd name="connsiteX7" fmla="*/ 48729 w 1587995"/>
+                <a:gd name="connsiteY7" fmla="*/ 292361 h 292361"/>
+                <a:gd name="connsiteX8" fmla="*/ 0 w 1587995"/>
+                <a:gd name="connsiteY8" fmla="*/ 292361 h 292361"/>
+                <a:gd name="connsiteX9" fmla="*/ 0 w 1587995"/>
+                <a:gd name="connsiteY9" fmla="*/ 152400 h 292361"/>
+                <a:gd name="connsiteX10" fmla="*/ 1 w 1587995"/>
+                <a:gd name="connsiteY10" fmla="*/ 152400 h 292361"/>
+                <a:gd name="connsiteX11" fmla="*/ 1 w 1587995"/>
+                <a:gd name="connsiteY11" fmla="*/ 48728 h 292361"/>
+                <a:gd name="connsiteX12" fmla="*/ 48729 w 1587995"/>
+                <a:gd name="connsiteY12" fmla="*/ 0 h 292361"/>
+              </a:gdLst>
+              <a:ahLst/>
+              <a:cxnLst>
+                <a:cxn ang="0">
+                  <a:pos x="connsiteX0" y="connsiteY0"/>
+                </a:cxn>
+                <a:cxn ang="0">
+                  <a:pos x="connsiteX1" y="connsiteY1"/>
+                </a:cxn>
+                <a:cxn ang="0">
+                  <a:pos x="connsiteX2" y="connsiteY2"/>
+                </a:cxn>
+                <a:cxn ang="0">
+                  <a:pos x="connsiteX3" y="connsiteY3"/>
+                </a:cxn>
+                <a:cxn ang="0">
+                  <a:pos x="connsiteX4" y="connsiteY4"/>
+                </a:cxn>
+                <a:cxn ang="0">
+                  <a:pos x="connsiteX5" y="connsiteY5"/>
+                </a:cxn>
+                <a:cxn ang="0">
+                  <a:pos x="connsiteX6" y="connsiteY6"/>
+                </a:cxn>
+                <a:cxn ang="0">
+                  <a:pos x="connsiteX7" y="connsiteY7"/>
+                </a:cxn>
+                <a:cxn ang="0">
+                  <a:pos x="connsiteX8" y="connsiteY8"/>
+                </a:cxn>
+                <a:cxn ang="0">
+                  <a:pos x="connsiteX9" y="connsiteY9"/>
+                </a:cxn>
+                <a:cxn ang="0">
+                  <a:pos x="connsiteX10" y="connsiteY10"/>
+                </a:cxn>
+                <a:cxn ang="0">
+                  <a:pos x="connsiteX11" y="connsiteY11"/>
+                </a:cxn>
+                <a:cxn ang="0">
+                  <a:pos x="connsiteX12" y="connsiteY12"/>
+                </a:cxn>
+              </a:cxnLst>
+              <a:rect l="l" t="t" r="r" b="b"/>
+              <a:pathLst>
+                <a:path w="1587995" h="292361">
+                  <a:moveTo>
+                    <a:pt x="48729" y="0"/>
+                  </a:moveTo>
+                  <a:lnTo>
+                    <a:pt x="1539267" y="0"/>
+                  </a:lnTo>
+                  <a:cubicBezTo>
+                    <a:pt x="1566179" y="0"/>
+                    <a:pt x="1587995" y="21816"/>
+                    <a:pt x="1587995" y="48728"/>
+                  </a:cubicBezTo>
+                  <a:lnTo>
+                    <a:pt x="1587995" y="243633"/>
+                  </a:lnTo>
+                  <a:lnTo>
+                    <a:pt x="1587994" y="243636"/>
+                  </a:lnTo>
+                  <a:lnTo>
+                    <a:pt x="1587994" y="292361"/>
+                  </a:lnTo>
+                  <a:lnTo>
+                    <a:pt x="1539267" y="292361"/>
+                  </a:lnTo>
+                  <a:lnTo>
+                    <a:pt x="48729" y="292361"/>
+                  </a:lnTo>
+                  <a:lnTo>
+                    <a:pt x="0" y="292361"/>
+                  </a:lnTo>
+                  <a:lnTo>
+                    <a:pt x="0" y="152400"/>
+                  </a:lnTo>
+                  <a:lnTo>
+                    <a:pt x="1" y="152400"/>
+                  </a:lnTo>
+                  <a:lnTo>
+                    <a:pt x="1" y="48728"/>
+                  </a:lnTo>
+                  <a:cubicBezTo>
+                    <a:pt x="1" y="21816"/>
+                    <a:pt x="21817" y="0"/>
+                    <a:pt x="48729" y="0"/>
+                  </a:cubicBezTo>
+                  <a:close/>
+                </a:path>
+              </a:pathLst>
+            </a:custGeom>
+            <a:solidFill>
+              <a:srgbClr val="002060"/>
+            </a:solidFill>
+            <a:ln w="9525" algn="ctr">
+              <a:solidFill>
+                <a:srgbClr val="002060"/>
+              </a:solidFill>
+              <a:miter lim="800000"/>
+              <a:headEnd/>
+              <a:tailEnd/>
+            </a:ln>
+            <a:effectLst>
+              <a:outerShdw blurRad="50800" dist="38100" dir="2700000" algn="tl" rotWithShape="0">
+                <a:prstClr val="black">
+                  <a:alpha val="40000"/>
+                </a:prstClr>
+              </a:outerShdw>
+            </a:effectLst>
+          </p:spPr>
+          <p:txBody>
+            <a:bodyPr wrap="square" lIns="72000" tIns="36000" rIns="72000" bIns="36000" anchor="ctr">
+              <a:noAutofit/>
+            </a:bodyPr>
+            <a:lstStyle/>
+            <a:p>
+              <a:pPr marR="0" lvl="0" algn="ctr" defTabSz="411163" eaLnBrk="0" fontAlgn="base" latinLnBrk="0" hangingPunct="0">
+                <a:spcBef>
+                  <a:spcPct val="0"/>
+                </a:spcBef>
+                <a:spcAft>
+                  <a:spcPct val="0"/>
+                </a:spcAft>
+                <a:buSzPct val="90000"/>
+                <a:tabLst>
+                  <a:tab pos="85725" algn="l"/>
+                </a:tabLst>
+                <a:defRPr/>
+              </a:pPr>
+              <a:r>
+                <a:rPr kumimoji="1" lang="en-US" altLang="ko-KR" sz="1200" b="1" kern="0" dirty="0">
+                  <a:solidFill>
+                    <a:schemeClr val="bg1"/>
+                  </a:solidFill>
+                  <a:latin typeface="나눔고딕" panose="020B0600000101010101" charset="-127"/>
+                  <a:ea typeface="나눔고딕" panose="020B0600000101010101" charset="-127"/>
+                </a:rPr>
+                <a:t>INDEX FULL SCAN</a:t>
+              </a:r>
+              <a:endParaRPr kumimoji="1" lang="en-US" altLang="ko-KR" sz="1200" b="1" i="0" u="none" strike="noStrike" kern="0" cap="none" spc="0" normalizeH="0" baseline="0" noProof="0" dirty="0">
+                <a:ln>
+                  <a:noFill/>
+                </a:ln>
+                <a:solidFill>
+                  <a:schemeClr val="bg1"/>
+                </a:solidFill>
+                <a:effectLst/>
+                <a:uLnTx/>
+                <a:uFillTx/>
+                <a:latin typeface="나눔고딕" panose="020B0600000101010101" charset="-127"/>
+                <a:ea typeface="나눔고딕" panose="020B0600000101010101" charset="-127"/>
+              </a:endParaRPr>
+            </a:p>
+          </p:txBody>
+        </p:sp>
+        <p:pic>
+          <p:nvPicPr>
+            <p:cNvPr id="3" name="그림 2">
+              <a:extLst>
+                <a:ext uri="{FF2B5EF4-FFF2-40B4-BE49-F238E27FC236}">
+                  <a16:creationId xmlns:a16="http://schemas.microsoft.com/office/drawing/2014/main" id="{6856B314-5E09-46BA-B33E-2D893346182A}"/>
+                </a:ext>
+              </a:extLst>
+            </p:cNvPr>
+            <p:cNvPicPr>
+              <a:picLocks noChangeAspect="1"/>
+            </p:cNvPicPr>
+            <p:nvPr/>
+          </p:nvPicPr>
+          <p:blipFill>
+            <a:blip r:embed="rId2"/>
+            <a:stretch>
+              <a:fillRect/>
+            </a:stretch>
+          </p:blipFill>
+          <p:spPr>
+            <a:xfrm>
+              <a:off x="369741" y="1411113"/>
+              <a:ext cx="2771775" cy="1257300"/>
+            </a:xfrm>
+            <a:prstGeom prst="rect">
+              <a:avLst/>
+            </a:prstGeom>
+          </p:spPr>
+        </p:pic>
+        <p:pic>
+          <p:nvPicPr>
+            <p:cNvPr id="5" name="그림 4">
+              <a:extLst>
+                <a:ext uri="{FF2B5EF4-FFF2-40B4-BE49-F238E27FC236}">
+                  <a16:creationId xmlns:a16="http://schemas.microsoft.com/office/drawing/2014/main" id="{700E83E6-12A2-44DB-93FC-B1F11337B9A8}"/>
+                </a:ext>
+              </a:extLst>
+            </p:cNvPr>
+            <p:cNvPicPr>
+              <a:picLocks noChangeAspect="1"/>
+            </p:cNvPicPr>
+            <p:nvPr/>
+          </p:nvPicPr>
+          <p:blipFill>
+            <a:blip r:embed="rId3"/>
+            <a:stretch>
+              <a:fillRect/>
+            </a:stretch>
+          </p:blipFill>
+          <p:spPr>
+            <a:xfrm>
+              <a:off x="3374777" y="1379023"/>
+              <a:ext cx="4687043" cy="1656131"/>
+            </a:xfrm>
+            <a:prstGeom prst="rect">
+              <a:avLst/>
+            </a:prstGeom>
+          </p:spPr>
+        </p:pic>
+      </p:grpSp>
+      <p:sp>
+        <p:nvSpPr>
+          <p:cNvPr id="22" name="TextBox 21">
+            <a:extLst>
+              <a:ext uri="{FF2B5EF4-FFF2-40B4-BE49-F238E27FC236}">
+                <a16:creationId xmlns:a16="http://schemas.microsoft.com/office/drawing/2014/main" id="{0729BF10-7BBC-4E51-8C34-5C81B172B561}"/>
               </a:ext>
             </a:extLst>
           </p:cNvPr>
@@ -22990,8 +24267,8 @@
         </p:nvSpPr>
         <p:spPr>
           <a:xfrm>
-            <a:off x="220453" y="738231"/>
-            <a:ext cx="5109604" cy="953915"/>
+            <a:off x="363984" y="4152743"/>
+            <a:ext cx="8032776" cy="653833"/>
           </a:xfrm>
           <a:prstGeom prst="rect">
             <a:avLst/>
@@ -23013,59 +24290,65 @@
             </a:pPr>
             <a:r>
               <a:rPr lang="en-US" altLang="ko-KR" sz="1300" dirty="0"/>
-              <a:t>ROWID SCAN</a:t>
+              <a:t>‘SCORE_SNO_CNO_PK’ INDEX</a:t>
             </a:r>
             <a:r>
               <a:rPr lang="ko-KR" altLang="en-US" sz="1300" dirty="0"/>
-              <a:t>을 선택하는 경우</a:t>
+              <a:t>는 </a:t>
+            </a:r>
+            <a:r>
+              <a:rPr lang="en-US" altLang="ko-KR" sz="1300" dirty="0"/>
+              <a:t>(SNO, CNO)</a:t>
+            </a:r>
+            <a:r>
+              <a:rPr lang="ko-KR" altLang="en-US" sz="1300" dirty="0"/>
+              <a:t>로 구성되어 있음</a:t>
             </a:r>
             <a:endParaRPr lang="en-US" altLang="ko-KR" sz="1300" dirty="0"/>
           </a:p>
           <a:p>
-            <a:pPr>
+            <a:pPr marL="285750" indent="-285750">
               <a:lnSpc>
                 <a:spcPct val="150000"/>
               </a:lnSpc>
+              <a:buFont typeface="Arial" panose="020B0604020202020204" pitchFamily="34" charset="0"/>
+              <a:buChar char="•"/>
             </a:pPr>
             <a:r>
+              <a:rPr lang="ko-KR" altLang="en-US" sz="1300" dirty="0"/>
+              <a:t>해당 </a:t>
+            </a:r>
+            <a:r>
               <a:rPr lang="en-US" altLang="ko-KR" sz="1300" dirty="0"/>
-              <a:t>     1. </a:t>
+              <a:t>INDEX</a:t>
             </a:r>
             <a:r>
               <a:rPr lang="ko-KR" altLang="en-US" sz="1300" dirty="0"/>
-              <a:t>조건절에 </a:t>
+              <a:t>의 </a:t>
+            </a:r>
+            <a:r>
+              <a:rPr lang="ko-KR" altLang="en-US" sz="1300" dirty="0" err="1"/>
+              <a:t>선두컬럼이</a:t>
+            </a:r>
+            <a:r>
+              <a:rPr lang="ko-KR" altLang="en-US" sz="1300" dirty="0"/>
+              <a:t> 아닌 컬럼에 </a:t>
             </a:r>
             <a:r>
               <a:rPr lang="en-US" altLang="ko-KR" sz="1300" dirty="0"/>
-              <a:t>ROWID</a:t>
+              <a:t>WHERE </a:t>
             </a:r>
             <a:r>
               <a:rPr lang="ko-KR" altLang="en-US" sz="1300" dirty="0"/>
-              <a:t>를 명시하는 경우</a:t>
-            </a:r>
-            <a:endParaRPr lang="en-US" altLang="ko-KR" sz="1300" dirty="0"/>
-          </a:p>
-          <a:p>
-            <a:pPr>
-              <a:lnSpc>
-                <a:spcPct val="150000"/>
-              </a:lnSpc>
-            </a:pPr>
+              <a:t>조건이 걸려있기 때문에</a:t>
+            </a:r>
             <a:r>
               <a:rPr lang="en-US" altLang="ko-KR" sz="1300" dirty="0"/>
-              <a:t>     2. INDEX SCAN</a:t>
+              <a:t>, INDEX FULL SCAN</a:t>
             </a:r>
             <a:r>
               <a:rPr lang="ko-KR" altLang="en-US" sz="1300" dirty="0"/>
-              <a:t>을 통해 </a:t>
-            </a:r>
-            <a:r>
-              <a:rPr lang="en-US" altLang="ko-KR" sz="1300" dirty="0"/>
-              <a:t>ROWID</a:t>
-            </a:r>
-            <a:r>
-              <a:rPr lang="ko-KR" altLang="en-US" sz="1300" dirty="0"/>
-              <a:t> 조회 후 테이블에 접근할 경우</a:t>
+              <a:t>이 발생함</a:t>
             </a:r>
             <a:endParaRPr lang="en-US" altLang="ko-KR" sz="1300" dirty="0"/>
           </a:p>
@@ -23074,7 +24357,7 @@
     </p:spTree>
     <p:extLst>
       <p:ext uri="{BB962C8B-B14F-4D97-AF65-F5344CB8AC3E}">
-        <p14:creationId xmlns:p14="http://schemas.microsoft.com/office/powerpoint/2010/main" val="2966585950"/>
+        <p14:creationId xmlns:p14="http://schemas.microsoft.com/office/powerpoint/2010/main" val="1748310665"/>
       </p:ext>
     </p:extLst>
   </p:cSld>
@@ -23127,7 +24410,2622 @@
                 <a:latin typeface="나눔고딕" panose="020B0600000101010101" charset="-127"/>
                 <a:ea typeface="나눔고딕" panose="020B0600000101010101" charset="-127"/>
               </a:rPr>
-              <a:t>7. JOIN OPERATION</a:t>
+              <a:t>6. ROWID SCAN</a:t>
+            </a:r>
+            <a:endParaRPr lang="ko-KR" altLang="en-US" dirty="0">
+              <a:latin typeface="나눔고딕" panose="020B0600000101010101" charset="-127"/>
+              <a:ea typeface="나눔고딕" panose="020B0600000101010101" charset="-127"/>
+            </a:endParaRPr>
+          </a:p>
+        </p:txBody>
+      </p:sp>
+      <p:sp>
+        <p:nvSpPr>
+          <p:cNvPr id="47" name="텍스트 개체 틀 3">
+            <a:extLst>
+              <a:ext uri="{FF2B5EF4-FFF2-40B4-BE49-F238E27FC236}">
+                <a16:creationId xmlns:a16="http://schemas.microsoft.com/office/drawing/2014/main" id="{BD6E26C7-2547-444C-8643-2B2EEE99F2F4}"/>
+              </a:ext>
+            </a:extLst>
+          </p:cNvPr>
+          <p:cNvSpPr>
+            <a:spLocks noGrp="1"/>
+          </p:cNvSpPr>
+          <p:nvPr>
+            <p:ph type="body" sz="quarter" idx="13"/>
+          </p:nvPr>
+        </p:nvSpPr>
+        <p:spPr>
+          <a:xfrm>
+            <a:off x="6747393" y="62621"/>
+            <a:ext cx="2822735" cy="390525"/>
+          </a:xfrm>
+        </p:spPr>
+        <p:txBody>
+          <a:bodyPr/>
+          <a:lstStyle/>
+          <a:p>
+            <a:r>
+              <a:rPr lang="en-US" altLang="ko-KR" dirty="0">
+                <a:latin typeface="나눔고딕" panose="020D0604000000000000" pitchFamily="50" charset="-127"/>
+                <a:ea typeface="나눔고딕" panose="020D0604000000000000" pitchFamily="50" charset="-127"/>
+              </a:rPr>
+              <a:t>Ⅱ. </a:t>
+            </a:r>
+            <a:r>
+              <a:rPr lang="ko-KR" altLang="en-US" dirty="0">
+                <a:latin typeface="나눔고딕" panose="020D0604000000000000" pitchFamily="50" charset="-127"/>
+                <a:ea typeface="나눔고딕" panose="020D0604000000000000" pitchFamily="50" charset="-127"/>
+              </a:rPr>
+              <a:t>실행계획</a:t>
+            </a:r>
+          </a:p>
+        </p:txBody>
+      </p:sp>
+      <p:sp>
+        <p:nvSpPr>
+          <p:cNvPr id="14" name="슬라이드 번호 개체 틀 2">
+            <a:extLst>
+              <a:ext uri="{FF2B5EF4-FFF2-40B4-BE49-F238E27FC236}">
+                <a16:creationId xmlns:a16="http://schemas.microsoft.com/office/drawing/2014/main" id="{E3626C26-BF47-4717-80D4-21BA55993E00}"/>
+              </a:ext>
+            </a:extLst>
+          </p:cNvPr>
+          <p:cNvSpPr>
+            <a:spLocks noGrp="1"/>
+          </p:cNvSpPr>
+          <p:nvPr>
+            <p:ph type="sldNum" sz="quarter" idx="12"/>
+          </p:nvPr>
+        </p:nvSpPr>
+        <p:spPr>
+          <a:xfrm>
+            <a:off x="4439346" y="6528442"/>
+            <a:ext cx="1029301" cy="276999"/>
+          </a:xfrm>
+        </p:spPr>
+        <p:txBody>
+          <a:bodyPr>
+            <a:normAutofit fontScale="92500"/>
+          </a:bodyPr>
+          <a:lstStyle/>
+          <a:p>
+            <a:fld id="{EBB166B3-33A6-45CA-B81B-F13BE7654232}" type="slidenum">
+              <a:rPr lang="ko-KR" altLang="en-US" smtClean="0">
+                <a:latin typeface="나눔고딕" panose="020B0600000101010101" charset="-127"/>
+                <a:ea typeface="나눔고딕" panose="020B0600000101010101" charset="-127"/>
+              </a:rPr>
+              <a:t>33</a:t>
+            </a:fld>
+            <a:endParaRPr lang="ko-KR" altLang="en-US" dirty="0">
+              <a:latin typeface="나눔고딕" panose="020B0600000101010101" charset="-127"/>
+              <a:ea typeface="나눔고딕" panose="020B0600000101010101" charset="-127"/>
+            </a:endParaRPr>
+          </a:p>
+        </p:txBody>
+      </p:sp>
+      <p:sp>
+        <p:nvSpPr>
+          <p:cNvPr id="3" name="TextBox 2">
+            <a:extLst>
+              <a:ext uri="{FF2B5EF4-FFF2-40B4-BE49-F238E27FC236}">
+                <a16:creationId xmlns:a16="http://schemas.microsoft.com/office/drawing/2014/main" id="{43BD4B0A-C817-40FC-8794-1A803D7B2883}"/>
+              </a:ext>
+            </a:extLst>
+          </p:cNvPr>
+          <p:cNvSpPr txBox="1"/>
+          <p:nvPr/>
+        </p:nvSpPr>
+        <p:spPr>
+          <a:xfrm>
+            <a:off x="447874" y="3921984"/>
+            <a:ext cx="5109604" cy="953915"/>
+          </a:xfrm>
+          <a:prstGeom prst="rect">
+            <a:avLst/>
+          </a:prstGeom>
+          <a:noFill/>
+        </p:spPr>
+        <p:txBody>
+          <a:bodyPr wrap="none" rtlCol="0">
+            <a:spAutoFit/>
+          </a:bodyPr>
+          <a:lstStyle/>
+          <a:p>
+            <a:pPr marL="285750" indent="-285750">
+              <a:lnSpc>
+                <a:spcPct val="150000"/>
+              </a:lnSpc>
+              <a:buFont typeface="Arial" panose="020B0604020202020204" pitchFamily="34" charset="0"/>
+              <a:buChar char="•"/>
+            </a:pPr>
+            <a:r>
+              <a:rPr lang="en-US" altLang="ko-KR" sz="1300" dirty="0"/>
+              <a:t>ROWID SCAN</a:t>
+            </a:r>
+            <a:r>
+              <a:rPr lang="ko-KR" altLang="en-US" sz="1300" dirty="0"/>
+              <a:t>을 선택하는 경우</a:t>
+            </a:r>
+            <a:endParaRPr lang="en-US" altLang="ko-KR" sz="1300" dirty="0"/>
+          </a:p>
+          <a:p>
+            <a:pPr>
+              <a:lnSpc>
+                <a:spcPct val="150000"/>
+              </a:lnSpc>
+            </a:pPr>
+            <a:r>
+              <a:rPr lang="en-US" altLang="ko-KR" sz="1300" dirty="0"/>
+              <a:t>     1. </a:t>
+            </a:r>
+            <a:r>
+              <a:rPr lang="ko-KR" altLang="en-US" sz="1300" dirty="0"/>
+              <a:t>조건절에 </a:t>
+            </a:r>
+            <a:r>
+              <a:rPr lang="en-US" altLang="ko-KR" sz="1300" dirty="0"/>
+              <a:t>ROWID</a:t>
+            </a:r>
+            <a:r>
+              <a:rPr lang="ko-KR" altLang="en-US" sz="1300" dirty="0"/>
+              <a:t>를 명시하는 경우</a:t>
+            </a:r>
+            <a:endParaRPr lang="en-US" altLang="ko-KR" sz="1300" dirty="0"/>
+          </a:p>
+          <a:p>
+            <a:pPr>
+              <a:lnSpc>
+                <a:spcPct val="150000"/>
+              </a:lnSpc>
+            </a:pPr>
+            <a:r>
+              <a:rPr lang="en-US" altLang="ko-KR" sz="1300" dirty="0"/>
+              <a:t>     2. INDEX SCAN</a:t>
+            </a:r>
+            <a:r>
+              <a:rPr lang="ko-KR" altLang="en-US" sz="1300" dirty="0"/>
+              <a:t>을 통해 </a:t>
+            </a:r>
+            <a:r>
+              <a:rPr lang="en-US" altLang="ko-KR" sz="1300" dirty="0"/>
+              <a:t>ROWID</a:t>
+            </a:r>
+            <a:r>
+              <a:rPr lang="ko-KR" altLang="en-US" sz="1300" dirty="0"/>
+              <a:t> 조회 후 테이블에 접근할 경우</a:t>
+            </a:r>
+            <a:endParaRPr lang="en-US" altLang="ko-KR" sz="1300" dirty="0"/>
+          </a:p>
+        </p:txBody>
+      </p:sp>
+      <p:grpSp>
+        <p:nvGrpSpPr>
+          <p:cNvPr id="8" name="그룹 7">
+            <a:extLst>
+              <a:ext uri="{FF2B5EF4-FFF2-40B4-BE49-F238E27FC236}">
+                <a16:creationId xmlns:a16="http://schemas.microsoft.com/office/drawing/2014/main" id="{D802A67B-07D3-4F37-AC6D-95185B51B4C4}"/>
+              </a:ext>
+            </a:extLst>
+          </p:cNvPr>
+          <p:cNvGrpSpPr/>
+          <p:nvPr/>
+        </p:nvGrpSpPr>
+        <p:grpSpPr>
+          <a:xfrm>
+            <a:off x="439485" y="2114183"/>
+            <a:ext cx="7885206" cy="1634643"/>
+            <a:chOff x="432494" y="2298070"/>
+            <a:chExt cx="7885206" cy="1634643"/>
+          </a:xfrm>
+        </p:grpSpPr>
+        <p:pic>
+          <p:nvPicPr>
+            <p:cNvPr id="5" name="그림 4">
+              <a:extLst>
+                <a:ext uri="{FF2B5EF4-FFF2-40B4-BE49-F238E27FC236}">
+                  <a16:creationId xmlns:a16="http://schemas.microsoft.com/office/drawing/2014/main" id="{566C9FDD-983C-4914-8B17-DED5BCBFF7E9}"/>
+                </a:ext>
+              </a:extLst>
+            </p:cNvPr>
+            <p:cNvPicPr>
+              <a:picLocks noChangeAspect="1"/>
+            </p:cNvPicPr>
+            <p:nvPr/>
+          </p:nvPicPr>
+          <p:blipFill>
+            <a:blip r:embed="rId2"/>
+            <a:stretch>
+              <a:fillRect/>
+            </a:stretch>
+          </p:blipFill>
+          <p:spPr>
+            <a:xfrm>
+              <a:off x="586573" y="2837117"/>
+              <a:ext cx="2390775" cy="733425"/>
+            </a:xfrm>
+            <a:prstGeom prst="rect">
+              <a:avLst/>
+            </a:prstGeom>
+          </p:spPr>
+        </p:pic>
+        <p:pic>
+          <p:nvPicPr>
+            <p:cNvPr id="7" name="그림 6">
+              <a:extLst>
+                <a:ext uri="{FF2B5EF4-FFF2-40B4-BE49-F238E27FC236}">
+                  <a16:creationId xmlns:a16="http://schemas.microsoft.com/office/drawing/2014/main" id="{8E32AF9C-8FE8-4275-9D6D-2E1A64115CEB}"/>
+                </a:ext>
+              </a:extLst>
+            </p:cNvPr>
+            <p:cNvPicPr>
+              <a:picLocks noChangeAspect="1"/>
+            </p:cNvPicPr>
+            <p:nvPr/>
+          </p:nvPicPr>
+          <p:blipFill>
+            <a:blip r:embed="rId3"/>
+            <a:stretch>
+              <a:fillRect/>
+            </a:stretch>
+          </p:blipFill>
+          <p:spPr>
+            <a:xfrm>
+              <a:off x="3135516" y="2801336"/>
+              <a:ext cx="4951471" cy="993634"/>
+            </a:xfrm>
+            <a:prstGeom prst="rect">
+              <a:avLst/>
+            </a:prstGeom>
+          </p:spPr>
+        </p:pic>
+        <p:sp>
+          <p:nvSpPr>
+            <p:cNvPr id="10" name="직사각형 9">
+              <a:extLst>
+                <a:ext uri="{FF2B5EF4-FFF2-40B4-BE49-F238E27FC236}">
+                  <a16:creationId xmlns:a16="http://schemas.microsoft.com/office/drawing/2014/main" id="{2FC4FCDF-C60F-4646-A98F-4E812DECD79C}"/>
+                </a:ext>
+              </a:extLst>
+            </p:cNvPr>
+            <p:cNvSpPr/>
+            <p:nvPr/>
+          </p:nvSpPr>
+          <p:spPr>
+            <a:xfrm>
+              <a:off x="440883" y="2663592"/>
+              <a:ext cx="7876817" cy="1269121"/>
+            </a:xfrm>
+            <a:prstGeom prst="rect">
+              <a:avLst/>
+            </a:prstGeom>
+            <a:noFill/>
+          </p:spPr>
+          <p:style>
+            <a:lnRef idx="2">
+              <a:schemeClr val="accent1">
+                <a:shade val="50000"/>
+              </a:schemeClr>
+            </a:lnRef>
+            <a:fillRef idx="1">
+              <a:schemeClr val="accent1"/>
+            </a:fillRef>
+            <a:effectRef idx="0">
+              <a:schemeClr val="accent1"/>
+            </a:effectRef>
+            <a:fontRef idx="minor">
+              <a:schemeClr val="lt1"/>
+            </a:fontRef>
+          </p:style>
+          <p:txBody>
+            <a:bodyPr rtlCol="0" anchor="ctr"/>
+            <a:lstStyle/>
+            <a:p>
+              <a:pPr algn="ctr"/>
+              <a:endParaRPr lang="ko-KR" altLang="en-US">
+                <a:latin typeface="나눔고딕" panose="020B0600000101010101" charset="-127"/>
+                <a:ea typeface="나눔고딕" panose="020B0600000101010101" charset="-127"/>
+              </a:endParaRPr>
+            </a:p>
+          </p:txBody>
+        </p:sp>
+        <p:sp>
+          <p:nvSpPr>
+            <p:cNvPr id="11" name="자유형 23">
+              <a:extLst>
+                <a:ext uri="{FF2B5EF4-FFF2-40B4-BE49-F238E27FC236}">
+                  <a16:creationId xmlns:a16="http://schemas.microsoft.com/office/drawing/2014/main" id="{C6F24326-D876-4165-8B0F-97A74475CE22}"/>
+                </a:ext>
+              </a:extLst>
+            </p:cNvPr>
+            <p:cNvSpPr>
+              <a:spLocks noChangeArrowheads="1"/>
+            </p:cNvSpPr>
+            <p:nvPr/>
+          </p:nvSpPr>
+          <p:spPr bwMode="gray">
+            <a:xfrm>
+              <a:off x="432494" y="2298070"/>
+              <a:ext cx="1724304" cy="353752"/>
+            </a:xfrm>
+            <a:custGeom>
+              <a:avLst/>
+              <a:gdLst>
+                <a:gd name="connsiteX0" fmla="*/ 48729 w 1587995"/>
+                <a:gd name="connsiteY0" fmla="*/ 0 h 292361"/>
+                <a:gd name="connsiteX1" fmla="*/ 1539267 w 1587995"/>
+                <a:gd name="connsiteY1" fmla="*/ 0 h 292361"/>
+                <a:gd name="connsiteX2" fmla="*/ 1587995 w 1587995"/>
+                <a:gd name="connsiteY2" fmla="*/ 48728 h 292361"/>
+                <a:gd name="connsiteX3" fmla="*/ 1587995 w 1587995"/>
+                <a:gd name="connsiteY3" fmla="*/ 243633 h 292361"/>
+                <a:gd name="connsiteX4" fmla="*/ 1587994 w 1587995"/>
+                <a:gd name="connsiteY4" fmla="*/ 243636 h 292361"/>
+                <a:gd name="connsiteX5" fmla="*/ 1587994 w 1587995"/>
+                <a:gd name="connsiteY5" fmla="*/ 292361 h 292361"/>
+                <a:gd name="connsiteX6" fmla="*/ 1539267 w 1587995"/>
+                <a:gd name="connsiteY6" fmla="*/ 292361 h 292361"/>
+                <a:gd name="connsiteX7" fmla="*/ 48729 w 1587995"/>
+                <a:gd name="connsiteY7" fmla="*/ 292361 h 292361"/>
+                <a:gd name="connsiteX8" fmla="*/ 0 w 1587995"/>
+                <a:gd name="connsiteY8" fmla="*/ 292361 h 292361"/>
+                <a:gd name="connsiteX9" fmla="*/ 0 w 1587995"/>
+                <a:gd name="connsiteY9" fmla="*/ 152400 h 292361"/>
+                <a:gd name="connsiteX10" fmla="*/ 1 w 1587995"/>
+                <a:gd name="connsiteY10" fmla="*/ 152400 h 292361"/>
+                <a:gd name="connsiteX11" fmla="*/ 1 w 1587995"/>
+                <a:gd name="connsiteY11" fmla="*/ 48728 h 292361"/>
+                <a:gd name="connsiteX12" fmla="*/ 48729 w 1587995"/>
+                <a:gd name="connsiteY12" fmla="*/ 0 h 292361"/>
+              </a:gdLst>
+              <a:ahLst/>
+              <a:cxnLst>
+                <a:cxn ang="0">
+                  <a:pos x="connsiteX0" y="connsiteY0"/>
+                </a:cxn>
+                <a:cxn ang="0">
+                  <a:pos x="connsiteX1" y="connsiteY1"/>
+                </a:cxn>
+                <a:cxn ang="0">
+                  <a:pos x="connsiteX2" y="connsiteY2"/>
+                </a:cxn>
+                <a:cxn ang="0">
+                  <a:pos x="connsiteX3" y="connsiteY3"/>
+                </a:cxn>
+                <a:cxn ang="0">
+                  <a:pos x="connsiteX4" y="connsiteY4"/>
+                </a:cxn>
+                <a:cxn ang="0">
+                  <a:pos x="connsiteX5" y="connsiteY5"/>
+                </a:cxn>
+                <a:cxn ang="0">
+                  <a:pos x="connsiteX6" y="connsiteY6"/>
+                </a:cxn>
+                <a:cxn ang="0">
+                  <a:pos x="connsiteX7" y="connsiteY7"/>
+                </a:cxn>
+                <a:cxn ang="0">
+                  <a:pos x="connsiteX8" y="connsiteY8"/>
+                </a:cxn>
+                <a:cxn ang="0">
+                  <a:pos x="connsiteX9" y="connsiteY9"/>
+                </a:cxn>
+                <a:cxn ang="0">
+                  <a:pos x="connsiteX10" y="connsiteY10"/>
+                </a:cxn>
+                <a:cxn ang="0">
+                  <a:pos x="connsiteX11" y="connsiteY11"/>
+                </a:cxn>
+                <a:cxn ang="0">
+                  <a:pos x="connsiteX12" y="connsiteY12"/>
+                </a:cxn>
+              </a:cxnLst>
+              <a:rect l="l" t="t" r="r" b="b"/>
+              <a:pathLst>
+                <a:path w="1587995" h="292361">
+                  <a:moveTo>
+                    <a:pt x="48729" y="0"/>
+                  </a:moveTo>
+                  <a:lnTo>
+                    <a:pt x="1539267" y="0"/>
+                  </a:lnTo>
+                  <a:cubicBezTo>
+                    <a:pt x="1566179" y="0"/>
+                    <a:pt x="1587995" y="21816"/>
+                    <a:pt x="1587995" y="48728"/>
+                  </a:cubicBezTo>
+                  <a:lnTo>
+                    <a:pt x="1587995" y="243633"/>
+                  </a:lnTo>
+                  <a:lnTo>
+                    <a:pt x="1587994" y="243636"/>
+                  </a:lnTo>
+                  <a:lnTo>
+                    <a:pt x="1587994" y="292361"/>
+                  </a:lnTo>
+                  <a:lnTo>
+                    <a:pt x="1539267" y="292361"/>
+                  </a:lnTo>
+                  <a:lnTo>
+                    <a:pt x="48729" y="292361"/>
+                  </a:lnTo>
+                  <a:lnTo>
+                    <a:pt x="0" y="292361"/>
+                  </a:lnTo>
+                  <a:lnTo>
+                    <a:pt x="0" y="152400"/>
+                  </a:lnTo>
+                  <a:lnTo>
+                    <a:pt x="1" y="152400"/>
+                  </a:lnTo>
+                  <a:lnTo>
+                    <a:pt x="1" y="48728"/>
+                  </a:lnTo>
+                  <a:cubicBezTo>
+                    <a:pt x="1" y="21816"/>
+                    <a:pt x="21817" y="0"/>
+                    <a:pt x="48729" y="0"/>
+                  </a:cubicBezTo>
+                  <a:close/>
+                </a:path>
+              </a:pathLst>
+            </a:custGeom>
+            <a:solidFill>
+              <a:srgbClr val="002060"/>
+            </a:solidFill>
+            <a:ln w="9525" algn="ctr">
+              <a:solidFill>
+                <a:srgbClr val="002060"/>
+              </a:solidFill>
+              <a:miter lim="800000"/>
+              <a:headEnd/>
+              <a:tailEnd/>
+            </a:ln>
+            <a:effectLst>
+              <a:outerShdw blurRad="50800" dist="38100" dir="2700000" algn="tl" rotWithShape="0">
+                <a:prstClr val="black">
+                  <a:alpha val="40000"/>
+                </a:prstClr>
+              </a:outerShdw>
+            </a:effectLst>
+          </p:spPr>
+          <p:txBody>
+            <a:bodyPr wrap="square" lIns="72000" tIns="36000" rIns="72000" bIns="36000" anchor="ctr">
+              <a:noAutofit/>
+            </a:bodyPr>
+            <a:lstStyle/>
+            <a:p>
+              <a:pPr marR="0" lvl="0" algn="ctr" defTabSz="411163" eaLnBrk="0" fontAlgn="base" latinLnBrk="0" hangingPunct="0">
+                <a:spcBef>
+                  <a:spcPct val="0"/>
+                </a:spcBef>
+                <a:spcAft>
+                  <a:spcPct val="0"/>
+                </a:spcAft>
+                <a:buSzPct val="90000"/>
+                <a:tabLst>
+                  <a:tab pos="85725" algn="l"/>
+                </a:tabLst>
+                <a:defRPr/>
+              </a:pPr>
+              <a:r>
+                <a:rPr kumimoji="1" lang="en-US" altLang="ko-KR" sz="1200" b="1" i="0" u="none" strike="noStrike" kern="0" cap="none" spc="0" normalizeH="0" baseline="0" noProof="0" dirty="0">
+                  <a:ln>
+                    <a:noFill/>
+                  </a:ln>
+                  <a:solidFill>
+                    <a:schemeClr val="bg1"/>
+                  </a:solidFill>
+                  <a:effectLst/>
+                  <a:uLnTx/>
+                  <a:uFillTx/>
+                  <a:latin typeface="나눔고딕" panose="020B0600000101010101" charset="-127"/>
+                  <a:ea typeface="나눔고딕" panose="020B0600000101010101" charset="-127"/>
+                </a:rPr>
+                <a:t>ROWID SCAN</a:t>
+              </a:r>
+            </a:p>
+          </p:txBody>
+        </p:sp>
+      </p:grpSp>
+    </p:spTree>
+    <p:extLst>
+      <p:ext uri="{BB962C8B-B14F-4D97-AF65-F5344CB8AC3E}">
+        <p14:creationId xmlns:p14="http://schemas.microsoft.com/office/powerpoint/2010/main" val="2966585950"/>
+      </p:ext>
+    </p:extLst>
+  </p:cSld>
+  <p:clrMapOvr>
+    <a:masterClrMapping/>
+  </p:clrMapOvr>
+</p:sld>
+</file>
+
+<file path=ppt/slides/slide35.xml><?xml version="1.0" encoding="utf-8"?>
+<p:sld xmlns:a="http://schemas.openxmlformats.org/drawingml/2006/main" xmlns:r="http://schemas.openxmlformats.org/officeDocument/2006/relationships" xmlns:p="http://schemas.openxmlformats.org/presentationml/2006/main">
+  <p:cSld>
+    <p:spTree>
+      <p:nvGrpSpPr>
+        <p:cNvPr id="1" name=""/>
+        <p:cNvGrpSpPr/>
+        <p:nvPr/>
+      </p:nvGrpSpPr>
+      <p:grpSpPr>
+        <a:xfrm>
+          <a:off x="0" y="0"/>
+          <a:ext cx="0" cy="0"/>
+          <a:chOff x="0" y="0"/>
+          <a:chExt cx="0" cy="0"/>
+        </a:xfrm>
+      </p:grpSpPr>
+      <p:sp>
+        <p:nvSpPr>
+          <p:cNvPr id="2" name="제목 1">
+            <a:extLst>
+              <a:ext uri="{FF2B5EF4-FFF2-40B4-BE49-F238E27FC236}">
+                <a16:creationId xmlns:a16="http://schemas.microsoft.com/office/drawing/2014/main" id="{F35C43C8-4428-4D97-87C2-6ACA5057AB6C}"/>
+              </a:ext>
+            </a:extLst>
+          </p:cNvPr>
+          <p:cNvSpPr>
+            <a:spLocks noGrp="1"/>
+          </p:cNvSpPr>
+          <p:nvPr>
+            <p:ph type="title"/>
+          </p:nvPr>
+        </p:nvSpPr>
+        <p:spPr/>
+        <p:txBody>
+          <a:bodyPr/>
+          <a:lstStyle/>
+          <a:p>
+            <a:r>
+              <a:rPr lang="en-US" altLang="ko-KR" dirty="0">
+                <a:latin typeface="나눔고딕" panose="020B0600000101010101" charset="-127"/>
+                <a:ea typeface="나눔고딕" panose="020B0600000101010101" charset="-127"/>
+              </a:rPr>
+              <a:t>7. PREDICATE INFORMATION</a:t>
+            </a:r>
+            <a:endParaRPr lang="ko-KR" altLang="en-US" dirty="0">
+              <a:latin typeface="나눔고딕" panose="020B0600000101010101" charset="-127"/>
+              <a:ea typeface="나눔고딕" panose="020B0600000101010101" charset="-127"/>
+            </a:endParaRPr>
+          </a:p>
+        </p:txBody>
+      </p:sp>
+      <p:sp>
+        <p:nvSpPr>
+          <p:cNvPr id="47" name="텍스트 개체 틀 3">
+            <a:extLst>
+              <a:ext uri="{FF2B5EF4-FFF2-40B4-BE49-F238E27FC236}">
+                <a16:creationId xmlns:a16="http://schemas.microsoft.com/office/drawing/2014/main" id="{BD6E26C7-2547-444C-8643-2B2EEE99F2F4}"/>
+              </a:ext>
+            </a:extLst>
+          </p:cNvPr>
+          <p:cNvSpPr>
+            <a:spLocks noGrp="1"/>
+          </p:cNvSpPr>
+          <p:nvPr>
+            <p:ph type="body" sz="quarter" idx="13"/>
+          </p:nvPr>
+        </p:nvSpPr>
+        <p:spPr>
+          <a:xfrm>
+            <a:off x="6747393" y="62621"/>
+            <a:ext cx="2822735" cy="390525"/>
+          </a:xfrm>
+        </p:spPr>
+        <p:txBody>
+          <a:bodyPr/>
+          <a:lstStyle/>
+          <a:p>
+            <a:r>
+              <a:rPr lang="en-US" altLang="ko-KR" dirty="0">
+                <a:latin typeface="나눔고딕" panose="020D0604000000000000" pitchFamily="50" charset="-127"/>
+                <a:ea typeface="나눔고딕" panose="020D0604000000000000" pitchFamily="50" charset="-127"/>
+              </a:rPr>
+              <a:t>Ⅱ. </a:t>
+            </a:r>
+            <a:r>
+              <a:rPr lang="ko-KR" altLang="en-US" dirty="0">
+                <a:latin typeface="나눔고딕" panose="020D0604000000000000" pitchFamily="50" charset="-127"/>
+                <a:ea typeface="나눔고딕" panose="020D0604000000000000" pitchFamily="50" charset="-127"/>
+              </a:rPr>
+              <a:t>실행계획</a:t>
+            </a:r>
+          </a:p>
+        </p:txBody>
+      </p:sp>
+      <p:sp>
+        <p:nvSpPr>
+          <p:cNvPr id="14" name="슬라이드 번호 개체 틀 2">
+            <a:extLst>
+              <a:ext uri="{FF2B5EF4-FFF2-40B4-BE49-F238E27FC236}">
+                <a16:creationId xmlns:a16="http://schemas.microsoft.com/office/drawing/2014/main" id="{E3626C26-BF47-4717-80D4-21BA55993E00}"/>
+              </a:ext>
+            </a:extLst>
+          </p:cNvPr>
+          <p:cNvSpPr>
+            <a:spLocks noGrp="1"/>
+          </p:cNvSpPr>
+          <p:nvPr>
+            <p:ph type="sldNum" sz="quarter" idx="12"/>
+          </p:nvPr>
+        </p:nvSpPr>
+        <p:spPr>
+          <a:xfrm>
+            <a:off x="4439346" y="6528442"/>
+            <a:ext cx="1029301" cy="276999"/>
+          </a:xfrm>
+        </p:spPr>
+        <p:txBody>
+          <a:bodyPr>
+            <a:normAutofit fontScale="92500"/>
+          </a:bodyPr>
+          <a:lstStyle/>
+          <a:p>
+            <a:fld id="{EBB166B3-33A6-45CA-B81B-F13BE7654232}" type="slidenum">
+              <a:rPr lang="ko-KR" altLang="en-US" smtClean="0">
+                <a:latin typeface="나눔고딕" panose="020B0600000101010101" charset="-127"/>
+                <a:ea typeface="나눔고딕" panose="020B0600000101010101" charset="-127"/>
+              </a:rPr>
+              <a:t>34</a:t>
+            </a:fld>
+            <a:endParaRPr lang="ko-KR" altLang="en-US" dirty="0">
+              <a:latin typeface="나눔고딕" panose="020B0600000101010101" charset="-127"/>
+              <a:ea typeface="나눔고딕" panose="020B0600000101010101" charset="-127"/>
+            </a:endParaRPr>
+          </a:p>
+        </p:txBody>
+      </p:sp>
+      <p:sp>
+        <p:nvSpPr>
+          <p:cNvPr id="12" name="TextBox 11">
+            <a:extLst>
+              <a:ext uri="{FF2B5EF4-FFF2-40B4-BE49-F238E27FC236}">
+                <a16:creationId xmlns:a16="http://schemas.microsoft.com/office/drawing/2014/main" id="{0CFA1CB7-68AA-4809-A254-60E3F40F4127}"/>
+              </a:ext>
+            </a:extLst>
+          </p:cNvPr>
+          <p:cNvSpPr txBox="1"/>
+          <p:nvPr/>
+        </p:nvSpPr>
+        <p:spPr>
+          <a:xfrm>
+            <a:off x="160662" y="952278"/>
+            <a:ext cx="9584675" cy="1554080"/>
+          </a:xfrm>
+          <a:prstGeom prst="rect">
+            <a:avLst/>
+          </a:prstGeom>
+          <a:noFill/>
+        </p:spPr>
+        <p:txBody>
+          <a:bodyPr wrap="none" rtlCol="0">
+            <a:spAutoFit/>
+          </a:bodyPr>
+          <a:lstStyle/>
+          <a:p>
+            <a:pPr marL="285750" indent="-285750">
+              <a:lnSpc>
+                <a:spcPct val="150000"/>
+              </a:lnSpc>
+              <a:buFont typeface="Arial" panose="020B0604020202020204" pitchFamily="34" charset="0"/>
+              <a:buChar char="•"/>
+            </a:pPr>
+            <a:r>
+              <a:rPr lang="en-US" altLang="ko-KR" sz="1300" dirty="0"/>
+              <a:t>PREDICATE INFORMATION </a:t>
+            </a:r>
+            <a:r>
+              <a:rPr lang="ko-KR" altLang="en-US" sz="1300" dirty="0"/>
+              <a:t>종류</a:t>
+            </a:r>
+            <a:endParaRPr lang="en-US" altLang="ko-KR" sz="1300" dirty="0"/>
+          </a:p>
+          <a:p>
+            <a:pPr>
+              <a:lnSpc>
+                <a:spcPct val="150000"/>
+              </a:lnSpc>
+            </a:pPr>
+            <a:r>
+              <a:rPr lang="en-US" altLang="ko-KR" sz="1300" dirty="0"/>
+              <a:t>     1. INDEX</a:t>
+            </a:r>
+            <a:r>
+              <a:rPr lang="ko-KR" altLang="en-US" sz="1300" dirty="0"/>
+              <a:t> </a:t>
+            </a:r>
+            <a:r>
+              <a:rPr lang="en-US" altLang="ko-KR" sz="1300" dirty="0"/>
+              <a:t>ACCESS PREDICATE : INDEX</a:t>
+            </a:r>
+            <a:r>
+              <a:rPr lang="ko-KR" altLang="en-US" sz="1300" dirty="0"/>
+              <a:t>를 통해 </a:t>
+            </a:r>
+            <a:r>
+              <a:rPr lang="en-US" altLang="ko-KR" sz="1300" dirty="0"/>
+              <a:t>SCAN</a:t>
+            </a:r>
+            <a:r>
+              <a:rPr lang="ko-KR" altLang="en-US" sz="1300" dirty="0"/>
+              <a:t>의 범위를 결정하는데 영향을 미치는 </a:t>
+            </a:r>
+            <a:r>
+              <a:rPr lang="ko-KR" altLang="en-US" sz="1300" dirty="0" err="1"/>
+              <a:t>조건절</a:t>
+            </a:r>
+            <a:endParaRPr lang="en-US" altLang="ko-KR" sz="1300" dirty="0"/>
+          </a:p>
+          <a:p>
+            <a:pPr>
+              <a:lnSpc>
+                <a:spcPct val="150000"/>
+              </a:lnSpc>
+            </a:pPr>
+            <a:r>
+              <a:rPr lang="en-US" altLang="ko-KR" sz="1300" dirty="0"/>
+              <a:t>     2. INDEX FILTER PREDICATE : INDEX</a:t>
+            </a:r>
+            <a:r>
+              <a:rPr lang="ko-KR" altLang="en-US" sz="1300" dirty="0"/>
+              <a:t>를 활용했으나 </a:t>
+            </a:r>
+            <a:r>
+              <a:rPr lang="en-US" altLang="ko-KR" sz="1300" dirty="0"/>
+              <a:t>SCAN</a:t>
+            </a:r>
+            <a:r>
+              <a:rPr lang="ko-KR" altLang="en-US" sz="1300" dirty="0"/>
+              <a:t>의 범위를 결정하는데 영향을 미치지 못하는 </a:t>
+            </a:r>
+            <a:r>
+              <a:rPr lang="ko-KR" altLang="en-US" sz="1300" dirty="0" err="1"/>
+              <a:t>조건절</a:t>
+            </a:r>
+            <a:endParaRPr lang="en-US" altLang="ko-KR" sz="1300" dirty="0"/>
+          </a:p>
+          <a:p>
+            <a:pPr>
+              <a:lnSpc>
+                <a:spcPct val="150000"/>
+              </a:lnSpc>
+            </a:pPr>
+            <a:r>
+              <a:rPr lang="en-US" altLang="ko-KR" sz="1300" dirty="0"/>
+              <a:t>     3. TABLE ACCESS PREDICATE : NL JOIN</a:t>
+            </a:r>
+            <a:r>
+              <a:rPr lang="ko-KR" altLang="en-US" sz="1300" dirty="0"/>
+              <a:t>을 제외한 </a:t>
+            </a:r>
+            <a:r>
+              <a:rPr lang="en-US" altLang="ko-KR" sz="1300" dirty="0"/>
+              <a:t>JOIN</a:t>
+            </a:r>
+            <a:r>
+              <a:rPr lang="ko-KR" altLang="en-US" sz="1300" dirty="0"/>
+              <a:t>에서 발생하며</a:t>
+            </a:r>
+            <a:r>
+              <a:rPr lang="en-US" altLang="ko-KR" sz="1300" dirty="0"/>
+              <a:t>, </a:t>
+            </a:r>
+            <a:r>
+              <a:rPr lang="ko-KR" altLang="en-US" sz="1300" dirty="0"/>
+              <a:t>결과 값의 범위를 결정하는데 영향을 미치는 </a:t>
+            </a:r>
+            <a:r>
+              <a:rPr lang="ko-KR" altLang="en-US" sz="1300" dirty="0" err="1"/>
+              <a:t>조건절</a:t>
+            </a:r>
+            <a:endParaRPr lang="en-US" altLang="ko-KR" sz="1300" dirty="0"/>
+          </a:p>
+          <a:p>
+            <a:pPr>
+              <a:lnSpc>
+                <a:spcPct val="150000"/>
+              </a:lnSpc>
+            </a:pPr>
+            <a:r>
+              <a:rPr lang="en-US" altLang="ko-KR" sz="1300" dirty="0"/>
+              <a:t>     4. TABLE FILTER PREDICATE : </a:t>
+            </a:r>
+            <a:r>
+              <a:rPr lang="ko-KR" altLang="en-US" sz="1300" dirty="0"/>
+              <a:t>테이블 </a:t>
+            </a:r>
+            <a:r>
+              <a:rPr lang="en-US" altLang="ko-KR" sz="1300" dirty="0"/>
+              <a:t>SCAN </a:t>
+            </a:r>
+            <a:r>
+              <a:rPr lang="ko-KR" altLang="en-US" sz="1300" dirty="0"/>
+              <a:t>후</a:t>
+            </a:r>
+            <a:r>
+              <a:rPr lang="en-US" altLang="ko-KR" sz="1300" dirty="0"/>
+              <a:t>, </a:t>
+            </a:r>
+            <a:r>
+              <a:rPr lang="ko-KR" altLang="en-US" sz="1300" dirty="0"/>
+              <a:t>최종 결과 집합 포함 여부를 결정하는데 영향을 미치는 </a:t>
+            </a:r>
+            <a:r>
+              <a:rPr lang="ko-KR" altLang="en-US" sz="1300" dirty="0" err="1"/>
+              <a:t>조건절</a:t>
+            </a:r>
+            <a:endParaRPr lang="en-US" altLang="ko-KR" sz="1300" dirty="0"/>
+          </a:p>
+        </p:txBody>
+      </p:sp>
+    </p:spTree>
+    <p:extLst>
+      <p:ext uri="{BB962C8B-B14F-4D97-AF65-F5344CB8AC3E}">
+        <p14:creationId xmlns:p14="http://schemas.microsoft.com/office/powerpoint/2010/main" val="3281807399"/>
+      </p:ext>
+    </p:extLst>
+  </p:cSld>
+  <p:clrMapOvr>
+    <a:masterClrMapping/>
+  </p:clrMapOvr>
+</p:sld>
+</file>
+
+<file path=ppt/slides/slide36.xml><?xml version="1.0" encoding="utf-8"?>
+<p:sld xmlns:a="http://schemas.openxmlformats.org/drawingml/2006/main" xmlns:r="http://schemas.openxmlformats.org/officeDocument/2006/relationships" xmlns:p="http://schemas.openxmlformats.org/presentationml/2006/main">
+  <p:cSld>
+    <p:spTree>
+      <p:nvGrpSpPr>
+        <p:cNvPr id="1" name=""/>
+        <p:cNvGrpSpPr/>
+        <p:nvPr/>
+      </p:nvGrpSpPr>
+      <p:grpSpPr>
+        <a:xfrm>
+          <a:off x="0" y="0"/>
+          <a:ext cx="0" cy="0"/>
+          <a:chOff x="0" y="0"/>
+          <a:chExt cx="0" cy="0"/>
+        </a:xfrm>
+      </p:grpSpPr>
+      <p:sp>
+        <p:nvSpPr>
+          <p:cNvPr id="2" name="제목 1">
+            <a:extLst>
+              <a:ext uri="{FF2B5EF4-FFF2-40B4-BE49-F238E27FC236}">
+                <a16:creationId xmlns:a16="http://schemas.microsoft.com/office/drawing/2014/main" id="{F35C43C8-4428-4D97-87C2-6ACA5057AB6C}"/>
+              </a:ext>
+            </a:extLst>
+          </p:cNvPr>
+          <p:cNvSpPr>
+            <a:spLocks noGrp="1"/>
+          </p:cNvSpPr>
+          <p:nvPr>
+            <p:ph type="title"/>
+          </p:nvPr>
+        </p:nvSpPr>
+        <p:spPr>
+          <a:xfrm>
+            <a:off x="363984" y="53269"/>
+            <a:ext cx="7102218" cy="408372"/>
+          </a:xfrm>
+        </p:spPr>
+        <p:txBody>
+          <a:bodyPr/>
+          <a:lstStyle/>
+          <a:p>
+            <a:r>
+              <a:rPr lang="en-US" altLang="ko-KR" dirty="0">
+                <a:latin typeface="나눔고딕" panose="020B0600000101010101" charset="-127"/>
+                <a:ea typeface="나눔고딕" panose="020B0600000101010101" charset="-127"/>
+              </a:rPr>
+              <a:t>8. TABLE FILTER PREDICATE &amp; TABLE ACCESS PREDICATE</a:t>
+            </a:r>
+            <a:endParaRPr lang="ko-KR" altLang="en-US" dirty="0">
+              <a:latin typeface="나눔고딕" panose="020B0600000101010101" charset="-127"/>
+              <a:ea typeface="나눔고딕" panose="020B0600000101010101" charset="-127"/>
+            </a:endParaRPr>
+          </a:p>
+        </p:txBody>
+      </p:sp>
+      <p:sp>
+        <p:nvSpPr>
+          <p:cNvPr id="47" name="텍스트 개체 틀 3">
+            <a:extLst>
+              <a:ext uri="{FF2B5EF4-FFF2-40B4-BE49-F238E27FC236}">
+                <a16:creationId xmlns:a16="http://schemas.microsoft.com/office/drawing/2014/main" id="{BD6E26C7-2547-444C-8643-2B2EEE99F2F4}"/>
+              </a:ext>
+            </a:extLst>
+          </p:cNvPr>
+          <p:cNvSpPr>
+            <a:spLocks noGrp="1"/>
+          </p:cNvSpPr>
+          <p:nvPr>
+            <p:ph type="body" sz="quarter" idx="13"/>
+          </p:nvPr>
+        </p:nvSpPr>
+        <p:spPr>
+          <a:xfrm>
+            <a:off x="6747393" y="62621"/>
+            <a:ext cx="2822735" cy="390525"/>
+          </a:xfrm>
+        </p:spPr>
+        <p:txBody>
+          <a:bodyPr/>
+          <a:lstStyle/>
+          <a:p>
+            <a:r>
+              <a:rPr lang="en-US" altLang="ko-KR" dirty="0">
+                <a:latin typeface="나눔고딕" panose="020D0604000000000000" pitchFamily="50" charset="-127"/>
+                <a:ea typeface="나눔고딕" panose="020D0604000000000000" pitchFamily="50" charset="-127"/>
+              </a:rPr>
+              <a:t>Ⅱ. </a:t>
+            </a:r>
+            <a:r>
+              <a:rPr lang="ko-KR" altLang="en-US" dirty="0">
+                <a:latin typeface="나눔고딕" panose="020D0604000000000000" pitchFamily="50" charset="-127"/>
+                <a:ea typeface="나눔고딕" panose="020D0604000000000000" pitchFamily="50" charset="-127"/>
+              </a:rPr>
+              <a:t>실행계획</a:t>
+            </a:r>
+          </a:p>
+        </p:txBody>
+      </p:sp>
+      <p:sp>
+        <p:nvSpPr>
+          <p:cNvPr id="14" name="슬라이드 번호 개체 틀 2">
+            <a:extLst>
+              <a:ext uri="{FF2B5EF4-FFF2-40B4-BE49-F238E27FC236}">
+                <a16:creationId xmlns:a16="http://schemas.microsoft.com/office/drawing/2014/main" id="{E3626C26-BF47-4717-80D4-21BA55993E00}"/>
+              </a:ext>
+            </a:extLst>
+          </p:cNvPr>
+          <p:cNvSpPr>
+            <a:spLocks noGrp="1"/>
+          </p:cNvSpPr>
+          <p:nvPr>
+            <p:ph type="sldNum" sz="quarter" idx="12"/>
+          </p:nvPr>
+        </p:nvSpPr>
+        <p:spPr>
+          <a:xfrm>
+            <a:off x="4439346" y="6528442"/>
+            <a:ext cx="1029301" cy="276999"/>
+          </a:xfrm>
+        </p:spPr>
+        <p:txBody>
+          <a:bodyPr>
+            <a:normAutofit fontScale="92500"/>
+          </a:bodyPr>
+          <a:lstStyle/>
+          <a:p>
+            <a:fld id="{EBB166B3-33A6-45CA-B81B-F13BE7654232}" type="slidenum">
+              <a:rPr lang="ko-KR" altLang="en-US" smtClean="0">
+                <a:latin typeface="나눔고딕" panose="020B0600000101010101" charset="-127"/>
+                <a:ea typeface="나눔고딕" panose="020B0600000101010101" charset="-127"/>
+              </a:rPr>
+              <a:t>35</a:t>
+            </a:fld>
+            <a:endParaRPr lang="ko-KR" altLang="en-US" dirty="0">
+              <a:latin typeface="나눔고딕" panose="020B0600000101010101" charset="-127"/>
+              <a:ea typeface="나눔고딕" panose="020B0600000101010101" charset="-127"/>
+            </a:endParaRPr>
+          </a:p>
+        </p:txBody>
+      </p:sp>
+      <p:grpSp>
+        <p:nvGrpSpPr>
+          <p:cNvPr id="5" name="그룹 4">
+            <a:extLst>
+              <a:ext uri="{FF2B5EF4-FFF2-40B4-BE49-F238E27FC236}">
+                <a16:creationId xmlns:a16="http://schemas.microsoft.com/office/drawing/2014/main" id="{8B70B881-BD68-420C-8D47-000D33A28A21}"/>
+              </a:ext>
+            </a:extLst>
+          </p:cNvPr>
+          <p:cNvGrpSpPr/>
+          <p:nvPr/>
+        </p:nvGrpSpPr>
+        <p:grpSpPr>
+          <a:xfrm>
+            <a:off x="363984" y="681656"/>
+            <a:ext cx="7885207" cy="2368822"/>
+            <a:chOff x="273553" y="1060178"/>
+            <a:chExt cx="7885207" cy="2368822"/>
+          </a:xfrm>
+        </p:grpSpPr>
+        <p:pic>
+          <p:nvPicPr>
+            <p:cNvPr id="6" name="그림 5">
+              <a:extLst>
+                <a:ext uri="{FF2B5EF4-FFF2-40B4-BE49-F238E27FC236}">
+                  <a16:creationId xmlns:a16="http://schemas.microsoft.com/office/drawing/2014/main" id="{74DFB293-3108-4910-AC66-E4DE655263C3}"/>
+                </a:ext>
+              </a:extLst>
+            </p:cNvPr>
+            <p:cNvPicPr>
+              <a:picLocks noChangeAspect="1"/>
+            </p:cNvPicPr>
+            <p:nvPr/>
+          </p:nvPicPr>
+          <p:blipFill rotWithShape="1">
+            <a:blip r:embed="rId2"/>
+            <a:srcRect b="3299"/>
+            <a:stretch/>
+          </p:blipFill>
+          <p:spPr>
+            <a:xfrm>
+              <a:off x="543449" y="1560468"/>
+              <a:ext cx="2762250" cy="1409235"/>
+            </a:xfrm>
+            <a:prstGeom prst="rect">
+              <a:avLst/>
+            </a:prstGeom>
+          </p:spPr>
+        </p:pic>
+        <p:pic>
+          <p:nvPicPr>
+            <p:cNvPr id="4" name="그림 3">
+              <a:extLst>
+                <a:ext uri="{FF2B5EF4-FFF2-40B4-BE49-F238E27FC236}">
+                  <a16:creationId xmlns:a16="http://schemas.microsoft.com/office/drawing/2014/main" id="{22CB3A15-AE95-47CF-AD1E-493EB019B946}"/>
+                </a:ext>
+              </a:extLst>
+            </p:cNvPr>
+            <p:cNvPicPr>
+              <a:picLocks noChangeAspect="1"/>
+            </p:cNvPicPr>
+            <p:nvPr/>
+          </p:nvPicPr>
+          <p:blipFill>
+            <a:blip r:embed="rId3"/>
+            <a:stretch>
+              <a:fillRect/>
+            </a:stretch>
+          </p:blipFill>
+          <p:spPr>
+            <a:xfrm>
+              <a:off x="3466838" y="1457128"/>
+              <a:ext cx="4544648" cy="1880837"/>
+            </a:xfrm>
+            <a:prstGeom prst="rect">
+              <a:avLst/>
+            </a:prstGeom>
+          </p:spPr>
+        </p:pic>
+        <p:sp>
+          <p:nvSpPr>
+            <p:cNvPr id="9" name="직사각형 8">
+              <a:extLst>
+                <a:ext uri="{FF2B5EF4-FFF2-40B4-BE49-F238E27FC236}">
+                  <a16:creationId xmlns:a16="http://schemas.microsoft.com/office/drawing/2014/main" id="{6DA6DB02-D83E-4C42-AD0B-C827825ED722}"/>
+                </a:ext>
+              </a:extLst>
+            </p:cNvPr>
+            <p:cNvSpPr/>
+            <p:nvPr/>
+          </p:nvSpPr>
+          <p:spPr>
+            <a:xfrm>
+              <a:off x="281943" y="1413824"/>
+              <a:ext cx="7876817" cy="2015176"/>
+            </a:xfrm>
+            <a:prstGeom prst="rect">
+              <a:avLst/>
+            </a:prstGeom>
+            <a:noFill/>
+          </p:spPr>
+          <p:style>
+            <a:lnRef idx="2">
+              <a:schemeClr val="accent1">
+                <a:shade val="50000"/>
+              </a:schemeClr>
+            </a:lnRef>
+            <a:fillRef idx="1">
+              <a:schemeClr val="accent1"/>
+            </a:fillRef>
+            <a:effectRef idx="0">
+              <a:schemeClr val="accent1"/>
+            </a:effectRef>
+            <a:fontRef idx="minor">
+              <a:schemeClr val="lt1"/>
+            </a:fontRef>
+          </p:style>
+          <p:txBody>
+            <a:bodyPr rtlCol="0" anchor="ctr"/>
+            <a:lstStyle/>
+            <a:p>
+              <a:pPr algn="ctr"/>
+              <a:endParaRPr lang="ko-KR" altLang="en-US">
+                <a:latin typeface="나눔고딕" panose="020B0600000101010101" charset="-127"/>
+                <a:ea typeface="나눔고딕" panose="020B0600000101010101" charset="-127"/>
+              </a:endParaRPr>
+            </a:p>
+          </p:txBody>
+        </p:sp>
+        <p:sp>
+          <p:nvSpPr>
+            <p:cNvPr id="10" name="자유형 23">
+              <a:extLst>
+                <a:ext uri="{FF2B5EF4-FFF2-40B4-BE49-F238E27FC236}">
+                  <a16:creationId xmlns:a16="http://schemas.microsoft.com/office/drawing/2014/main" id="{A36C9529-E8F8-4E7E-94BC-19C83F4A1BF1}"/>
+                </a:ext>
+              </a:extLst>
+            </p:cNvPr>
+            <p:cNvSpPr>
+              <a:spLocks noChangeArrowheads="1"/>
+            </p:cNvSpPr>
+            <p:nvPr/>
+          </p:nvSpPr>
+          <p:spPr bwMode="gray">
+            <a:xfrm>
+              <a:off x="273553" y="1060178"/>
+              <a:ext cx="2159253" cy="353752"/>
+            </a:xfrm>
+            <a:custGeom>
+              <a:avLst/>
+              <a:gdLst>
+                <a:gd name="connsiteX0" fmla="*/ 48729 w 1587995"/>
+                <a:gd name="connsiteY0" fmla="*/ 0 h 292361"/>
+                <a:gd name="connsiteX1" fmla="*/ 1539267 w 1587995"/>
+                <a:gd name="connsiteY1" fmla="*/ 0 h 292361"/>
+                <a:gd name="connsiteX2" fmla="*/ 1587995 w 1587995"/>
+                <a:gd name="connsiteY2" fmla="*/ 48728 h 292361"/>
+                <a:gd name="connsiteX3" fmla="*/ 1587995 w 1587995"/>
+                <a:gd name="connsiteY3" fmla="*/ 243633 h 292361"/>
+                <a:gd name="connsiteX4" fmla="*/ 1587994 w 1587995"/>
+                <a:gd name="connsiteY4" fmla="*/ 243636 h 292361"/>
+                <a:gd name="connsiteX5" fmla="*/ 1587994 w 1587995"/>
+                <a:gd name="connsiteY5" fmla="*/ 292361 h 292361"/>
+                <a:gd name="connsiteX6" fmla="*/ 1539267 w 1587995"/>
+                <a:gd name="connsiteY6" fmla="*/ 292361 h 292361"/>
+                <a:gd name="connsiteX7" fmla="*/ 48729 w 1587995"/>
+                <a:gd name="connsiteY7" fmla="*/ 292361 h 292361"/>
+                <a:gd name="connsiteX8" fmla="*/ 0 w 1587995"/>
+                <a:gd name="connsiteY8" fmla="*/ 292361 h 292361"/>
+                <a:gd name="connsiteX9" fmla="*/ 0 w 1587995"/>
+                <a:gd name="connsiteY9" fmla="*/ 152400 h 292361"/>
+                <a:gd name="connsiteX10" fmla="*/ 1 w 1587995"/>
+                <a:gd name="connsiteY10" fmla="*/ 152400 h 292361"/>
+                <a:gd name="connsiteX11" fmla="*/ 1 w 1587995"/>
+                <a:gd name="connsiteY11" fmla="*/ 48728 h 292361"/>
+                <a:gd name="connsiteX12" fmla="*/ 48729 w 1587995"/>
+                <a:gd name="connsiteY12" fmla="*/ 0 h 292361"/>
+              </a:gdLst>
+              <a:ahLst/>
+              <a:cxnLst>
+                <a:cxn ang="0">
+                  <a:pos x="connsiteX0" y="connsiteY0"/>
+                </a:cxn>
+                <a:cxn ang="0">
+                  <a:pos x="connsiteX1" y="connsiteY1"/>
+                </a:cxn>
+                <a:cxn ang="0">
+                  <a:pos x="connsiteX2" y="connsiteY2"/>
+                </a:cxn>
+                <a:cxn ang="0">
+                  <a:pos x="connsiteX3" y="connsiteY3"/>
+                </a:cxn>
+                <a:cxn ang="0">
+                  <a:pos x="connsiteX4" y="connsiteY4"/>
+                </a:cxn>
+                <a:cxn ang="0">
+                  <a:pos x="connsiteX5" y="connsiteY5"/>
+                </a:cxn>
+                <a:cxn ang="0">
+                  <a:pos x="connsiteX6" y="connsiteY6"/>
+                </a:cxn>
+                <a:cxn ang="0">
+                  <a:pos x="connsiteX7" y="connsiteY7"/>
+                </a:cxn>
+                <a:cxn ang="0">
+                  <a:pos x="connsiteX8" y="connsiteY8"/>
+                </a:cxn>
+                <a:cxn ang="0">
+                  <a:pos x="connsiteX9" y="connsiteY9"/>
+                </a:cxn>
+                <a:cxn ang="0">
+                  <a:pos x="connsiteX10" y="connsiteY10"/>
+                </a:cxn>
+                <a:cxn ang="0">
+                  <a:pos x="connsiteX11" y="connsiteY11"/>
+                </a:cxn>
+                <a:cxn ang="0">
+                  <a:pos x="connsiteX12" y="connsiteY12"/>
+                </a:cxn>
+              </a:cxnLst>
+              <a:rect l="l" t="t" r="r" b="b"/>
+              <a:pathLst>
+                <a:path w="1587995" h="292361">
+                  <a:moveTo>
+                    <a:pt x="48729" y="0"/>
+                  </a:moveTo>
+                  <a:lnTo>
+                    <a:pt x="1539267" y="0"/>
+                  </a:lnTo>
+                  <a:cubicBezTo>
+                    <a:pt x="1566179" y="0"/>
+                    <a:pt x="1587995" y="21816"/>
+                    <a:pt x="1587995" y="48728"/>
+                  </a:cubicBezTo>
+                  <a:lnTo>
+                    <a:pt x="1587995" y="243633"/>
+                  </a:lnTo>
+                  <a:lnTo>
+                    <a:pt x="1587994" y="243636"/>
+                  </a:lnTo>
+                  <a:lnTo>
+                    <a:pt x="1587994" y="292361"/>
+                  </a:lnTo>
+                  <a:lnTo>
+                    <a:pt x="1539267" y="292361"/>
+                  </a:lnTo>
+                  <a:lnTo>
+                    <a:pt x="48729" y="292361"/>
+                  </a:lnTo>
+                  <a:lnTo>
+                    <a:pt x="0" y="292361"/>
+                  </a:lnTo>
+                  <a:lnTo>
+                    <a:pt x="0" y="152400"/>
+                  </a:lnTo>
+                  <a:lnTo>
+                    <a:pt x="1" y="152400"/>
+                  </a:lnTo>
+                  <a:lnTo>
+                    <a:pt x="1" y="48728"/>
+                  </a:lnTo>
+                  <a:cubicBezTo>
+                    <a:pt x="1" y="21816"/>
+                    <a:pt x="21817" y="0"/>
+                    <a:pt x="48729" y="0"/>
+                  </a:cubicBezTo>
+                  <a:close/>
+                </a:path>
+              </a:pathLst>
+            </a:custGeom>
+            <a:solidFill>
+              <a:srgbClr val="002060"/>
+            </a:solidFill>
+            <a:ln w="9525" algn="ctr">
+              <a:solidFill>
+                <a:srgbClr val="002060"/>
+              </a:solidFill>
+              <a:miter lim="800000"/>
+              <a:headEnd/>
+              <a:tailEnd/>
+            </a:ln>
+            <a:effectLst>
+              <a:outerShdw blurRad="50800" dist="38100" dir="2700000" algn="tl" rotWithShape="0">
+                <a:prstClr val="black">
+                  <a:alpha val="40000"/>
+                </a:prstClr>
+              </a:outerShdw>
+            </a:effectLst>
+          </p:spPr>
+          <p:txBody>
+            <a:bodyPr wrap="square" lIns="72000" tIns="36000" rIns="72000" bIns="36000" anchor="ctr">
+              <a:noAutofit/>
+            </a:bodyPr>
+            <a:lstStyle/>
+            <a:p>
+              <a:pPr marR="0" lvl="0" algn="ctr" defTabSz="411163" eaLnBrk="0" fontAlgn="base" latinLnBrk="0" hangingPunct="0">
+                <a:spcBef>
+                  <a:spcPct val="0"/>
+                </a:spcBef>
+                <a:spcAft>
+                  <a:spcPct val="0"/>
+                </a:spcAft>
+                <a:buSzPct val="90000"/>
+                <a:tabLst>
+                  <a:tab pos="85725" algn="l"/>
+                </a:tabLst>
+                <a:defRPr/>
+              </a:pPr>
+              <a:r>
+                <a:rPr kumimoji="1" lang="en-US" altLang="ko-KR" sz="1200" b="1" kern="0" dirty="0">
+                  <a:solidFill>
+                    <a:schemeClr val="bg1"/>
+                  </a:solidFill>
+                  <a:latin typeface="나눔고딕" panose="020B0600000101010101" charset="-127"/>
+                  <a:ea typeface="나눔고딕" panose="020B0600000101010101" charset="-127"/>
+                </a:rPr>
+                <a:t>TABLE FILTER PREDICATE</a:t>
+              </a:r>
+              <a:endParaRPr kumimoji="1" lang="en-US" altLang="ko-KR" sz="1200" b="1" i="0" u="none" strike="noStrike" kern="0" cap="none" spc="0" normalizeH="0" baseline="0" noProof="0" dirty="0">
+                <a:ln>
+                  <a:noFill/>
+                </a:ln>
+                <a:solidFill>
+                  <a:schemeClr val="bg1"/>
+                </a:solidFill>
+                <a:effectLst/>
+                <a:uLnTx/>
+                <a:uFillTx/>
+                <a:latin typeface="나눔고딕" panose="020B0600000101010101" charset="-127"/>
+                <a:ea typeface="나눔고딕" panose="020B0600000101010101" charset="-127"/>
+              </a:endParaRPr>
+            </a:p>
+          </p:txBody>
+        </p:sp>
+      </p:grpSp>
+      <p:grpSp>
+        <p:nvGrpSpPr>
+          <p:cNvPr id="11" name="그룹 10">
+            <a:extLst>
+              <a:ext uri="{FF2B5EF4-FFF2-40B4-BE49-F238E27FC236}">
+                <a16:creationId xmlns:a16="http://schemas.microsoft.com/office/drawing/2014/main" id="{574EA63F-9BF8-4DD3-AE01-DA813E5244FB}"/>
+              </a:ext>
+            </a:extLst>
+          </p:cNvPr>
+          <p:cNvGrpSpPr/>
+          <p:nvPr/>
+        </p:nvGrpSpPr>
+        <p:grpSpPr>
+          <a:xfrm>
+            <a:off x="363984" y="3246863"/>
+            <a:ext cx="7868428" cy="2929481"/>
+            <a:chOff x="380763" y="3129404"/>
+            <a:chExt cx="7868428" cy="2929481"/>
+          </a:xfrm>
+        </p:grpSpPr>
+        <p:pic>
+          <p:nvPicPr>
+            <p:cNvPr id="15" name="그림 14">
+              <a:extLst>
+                <a:ext uri="{FF2B5EF4-FFF2-40B4-BE49-F238E27FC236}">
+                  <a16:creationId xmlns:a16="http://schemas.microsoft.com/office/drawing/2014/main" id="{36A75966-E2DA-4AF7-81C9-7EF924EC4F5F}"/>
+                </a:ext>
+              </a:extLst>
+            </p:cNvPr>
+            <p:cNvPicPr>
+              <a:picLocks noChangeAspect="1"/>
+            </p:cNvPicPr>
+            <p:nvPr/>
+          </p:nvPicPr>
+          <p:blipFill rotWithShape="1">
+            <a:blip r:embed="rId4"/>
+            <a:srcRect l="3772" t="18003"/>
+            <a:stretch/>
+          </p:blipFill>
+          <p:spPr>
+            <a:xfrm>
+              <a:off x="3604595" y="3620624"/>
+              <a:ext cx="4579333" cy="2193671"/>
+            </a:xfrm>
+            <a:prstGeom prst="rect">
+              <a:avLst/>
+            </a:prstGeom>
+          </p:spPr>
+        </p:pic>
+        <p:sp>
+          <p:nvSpPr>
+            <p:cNvPr id="16" name="직사각형 15">
+              <a:extLst>
+                <a:ext uri="{FF2B5EF4-FFF2-40B4-BE49-F238E27FC236}">
+                  <a16:creationId xmlns:a16="http://schemas.microsoft.com/office/drawing/2014/main" id="{2820A575-0E73-43EB-AA24-B1E8F38B2B91}"/>
+                </a:ext>
+              </a:extLst>
+            </p:cNvPr>
+            <p:cNvSpPr/>
+            <p:nvPr/>
+          </p:nvSpPr>
+          <p:spPr>
+            <a:xfrm>
+              <a:off x="382755" y="3511568"/>
+              <a:ext cx="7866436" cy="2547317"/>
+            </a:xfrm>
+            <a:prstGeom prst="rect">
+              <a:avLst/>
+            </a:prstGeom>
+            <a:noFill/>
+          </p:spPr>
+          <p:style>
+            <a:lnRef idx="2">
+              <a:schemeClr val="accent1">
+                <a:shade val="50000"/>
+              </a:schemeClr>
+            </a:lnRef>
+            <a:fillRef idx="1">
+              <a:schemeClr val="accent1"/>
+            </a:fillRef>
+            <a:effectRef idx="0">
+              <a:schemeClr val="accent1"/>
+            </a:effectRef>
+            <a:fontRef idx="minor">
+              <a:schemeClr val="lt1"/>
+            </a:fontRef>
+          </p:style>
+          <p:txBody>
+            <a:bodyPr rtlCol="0" anchor="ctr"/>
+            <a:lstStyle/>
+            <a:p>
+              <a:pPr algn="ctr"/>
+              <a:endParaRPr lang="ko-KR" altLang="en-US">
+                <a:latin typeface="나눔고딕" panose="020B0600000101010101" charset="-127"/>
+                <a:ea typeface="나눔고딕" panose="020B0600000101010101" charset="-127"/>
+              </a:endParaRPr>
+            </a:p>
+          </p:txBody>
+        </p:sp>
+        <p:sp>
+          <p:nvSpPr>
+            <p:cNvPr id="17" name="자유형 23">
+              <a:extLst>
+                <a:ext uri="{FF2B5EF4-FFF2-40B4-BE49-F238E27FC236}">
+                  <a16:creationId xmlns:a16="http://schemas.microsoft.com/office/drawing/2014/main" id="{2069E160-93ED-4F8D-9CF6-6599A41045D3}"/>
+                </a:ext>
+              </a:extLst>
+            </p:cNvPr>
+            <p:cNvSpPr>
+              <a:spLocks noChangeArrowheads="1"/>
+            </p:cNvSpPr>
+            <p:nvPr/>
+          </p:nvSpPr>
+          <p:spPr bwMode="gray">
+            <a:xfrm>
+              <a:off x="380763" y="3129404"/>
+              <a:ext cx="2099434" cy="373775"/>
+            </a:xfrm>
+            <a:custGeom>
+              <a:avLst/>
+              <a:gdLst>
+                <a:gd name="connsiteX0" fmla="*/ 48729 w 1587995"/>
+                <a:gd name="connsiteY0" fmla="*/ 0 h 292361"/>
+                <a:gd name="connsiteX1" fmla="*/ 1539267 w 1587995"/>
+                <a:gd name="connsiteY1" fmla="*/ 0 h 292361"/>
+                <a:gd name="connsiteX2" fmla="*/ 1587995 w 1587995"/>
+                <a:gd name="connsiteY2" fmla="*/ 48728 h 292361"/>
+                <a:gd name="connsiteX3" fmla="*/ 1587995 w 1587995"/>
+                <a:gd name="connsiteY3" fmla="*/ 243633 h 292361"/>
+                <a:gd name="connsiteX4" fmla="*/ 1587994 w 1587995"/>
+                <a:gd name="connsiteY4" fmla="*/ 243636 h 292361"/>
+                <a:gd name="connsiteX5" fmla="*/ 1587994 w 1587995"/>
+                <a:gd name="connsiteY5" fmla="*/ 292361 h 292361"/>
+                <a:gd name="connsiteX6" fmla="*/ 1539267 w 1587995"/>
+                <a:gd name="connsiteY6" fmla="*/ 292361 h 292361"/>
+                <a:gd name="connsiteX7" fmla="*/ 48729 w 1587995"/>
+                <a:gd name="connsiteY7" fmla="*/ 292361 h 292361"/>
+                <a:gd name="connsiteX8" fmla="*/ 0 w 1587995"/>
+                <a:gd name="connsiteY8" fmla="*/ 292361 h 292361"/>
+                <a:gd name="connsiteX9" fmla="*/ 0 w 1587995"/>
+                <a:gd name="connsiteY9" fmla="*/ 152400 h 292361"/>
+                <a:gd name="connsiteX10" fmla="*/ 1 w 1587995"/>
+                <a:gd name="connsiteY10" fmla="*/ 152400 h 292361"/>
+                <a:gd name="connsiteX11" fmla="*/ 1 w 1587995"/>
+                <a:gd name="connsiteY11" fmla="*/ 48728 h 292361"/>
+                <a:gd name="connsiteX12" fmla="*/ 48729 w 1587995"/>
+                <a:gd name="connsiteY12" fmla="*/ 0 h 292361"/>
+              </a:gdLst>
+              <a:ahLst/>
+              <a:cxnLst>
+                <a:cxn ang="0">
+                  <a:pos x="connsiteX0" y="connsiteY0"/>
+                </a:cxn>
+                <a:cxn ang="0">
+                  <a:pos x="connsiteX1" y="connsiteY1"/>
+                </a:cxn>
+                <a:cxn ang="0">
+                  <a:pos x="connsiteX2" y="connsiteY2"/>
+                </a:cxn>
+                <a:cxn ang="0">
+                  <a:pos x="connsiteX3" y="connsiteY3"/>
+                </a:cxn>
+                <a:cxn ang="0">
+                  <a:pos x="connsiteX4" y="connsiteY4"/>
+                </a:cxn>
+                <a:cxn ang="0">
+                  <a:pos x="connsiteX5" y="connsiteY5"/>
+                </a:cxn>
+                <a:cxn ang="0">
+                  <a:pos x="connsiteX6" y="connsiteY6"/>
+                </a:cxn>
+                <a:cxn ang="0">
+                  <a:pos x="connsiteX7" y="connsiteY7"/>
+                </a:cxn>
+                <a:cxn ang="0">
+                  <a:pos x="connsiteX8" y="connsiteY8"/>
+                </a:cxn>
+                <a:cxn ang="0">
+                  <a:pos x="connsiteX9" y="connsiteY9"/>
+                </a:cxn>
+                <a:cxn ang="0">
+                  <a:pos x="connsiteX10" y="connsiteY10"/>
+                </a:cxn>
+                <a:cxn ang="0">
+                  <a:pos x="connsiteX11" y="connsiteY11"/>
+                </a:cxn>
+                <a:cxn ang="0">
+                  <a:pos x="connsiteX12" y="connsiteY12"/>
+                </a:cxn>
+              </a:cxnLst>
+              <a:rect l="l" t="t" r="r" b="b"/>
+              <a:pathLst>
+                <a:path w="1587995" h="292361">
+                  <a:moveTo>
+                    <a:pt x="48729" y="0"/>
+                  </a:moveTo>
+                  <a:lnTo>
+                    <a:pt x="1539267" y="0"/>
+                  </a:lnTo>
+                  <a:cubicBezTo>
+                    <a:pt x="1566179" y="0"/>
+                    <a:pt x="1587995" y="21816"/>
+                    <a:pt x="1587995" y="48728"/>
+                  </a:cubicBezTo>
+                  <a:lnTo>
+                    <a:pt x="1587995" y="243633"/>
+                  </a:lnTo>
+                  <a:lnTo>
+                    <a:pt x="1587994" y="243636"/>
+                  </a:lnTo>
+                  <a:lnTo>
+                    <a:pt x="1587994" y="292361"/>
+                  </a:lnTo>
+                  <a:lnTo>
+                    <a:pt x="1539267" y="292361"/>
+                  </a:lnTo>
+                  <a:lnTo>
+                    <a:pt x="48729" y="292361"/>
+                  </a:lnTo>
+                  <a:lnTo>
+                    <a:pt x="0" y="292361"/>
+                  </a:lnTo>
+                  <a:lnTo>
+                    <a:pt x="0" y="152400"/>
+                  </a:lnTo>
+                  <a:lnTo>
+                    <a:pt x="1" y="152400"/>
+                  </a:lnTo>
+                  <a:lnTo>
+                    <a:pt x="1" y="48728"/>
+                  </a:lnTo>
+                  <a:cubicBezTo>
+                    <a:pt x="1" y="21816"/>
+                    <a:pt x="21817" y="0"/>
+                    <a:pt x="48729" y="0"/>
+                  </a:cubicBezTo>
+                  <a:close/>
+                </a:path>
+              </a:pathLst>
+            </a:custGeom>
+            <a:solidFill>
+              <a:srgbClr val="002060"/>
+            </a:solidFill>
+            <a:ln w="9525" algn="ctr">
+              <a:solidFill>
+                <a:srgbClr val="002060"/>
+              </a:solidFill>
+              <a:miter lim="800000"/>
+              <a:headEnd/>
+              <a:tailEnd/>
+            </a:ln>
+            <a:effectLst>
+              <a:outerShdw blurRad="50800" dist="38100" dir="2700000" algn="tl" rotWithShape="0">
+                <a:prstClr val="black">
+                  <a:alpha val="40000"/>
+                </a:prstClr>
+              </a:outerShdw>
+            </a:effectLst>
+          </p:spPr>
+          <p:txBody>
+            <a:bodyPr wrap="square" lIns="72000" tIns="36000" rIns="72000" bIns="36000" anchor="ctr">
+              <a:noAutofit/>
+            </a:bodyPr>
+            <a:lstStyle/>
+            <a:p>
+              <a:pPr marR="0" lvl="0" algn="ctr" defTabSz="411163" eaLnBrk="0" fontAlgn="base" latinLnBrk="0" hangingPunct="0">
+                <a:spcBef>
+                  <a:spcPct val="0"/>
+                </a:spcBef>
+                <a:spcAft>
+                  <a:spcPct val="0"/>
+                </a:spcAft>
+                <a:buSzPct val="90000"/>
+                <a:tabLst>
+                  <a:tab pos="85725" algn="l"/>
+                </a:tabLst>
+                <a:defRPr/>
+              </a:pPr>
+              <a:r>
+                <a:rPr kumimoji="1" lang="en-US" altLang="ko-KR" sz="1200" b="1" kern="0" dirty="0">
+                  <a:solidFill>
+                    <a:schemeClr val="bg1"/>
+                  </a:solidFill>
+                  <a:latin typeface="나눔고딕" panose="020B0600000101010101" charset="-127"/>
+                  <a:ea typeface="나눔고딕" panose="020B0600000101010101" charset="-127"/>
+                </a:rPr>
+                <a:t>TABLE ACCESS PREDICATE</a:t>
+              </a:r>
+              <a:endParaRPr kumimoji="1" lang="en-US" altLang="ko-KR" sz="1200" b="1" i="0" u="none" strike="noStrike" kern="0" cap="none" spc="0" normalizeH="0" baseline="0" noProof="0" dirty="0">
+                <a:ln>
+                  <a:noFill/>
+                </a:ln>
+                <a:solidFill>
+                  <a:schemeClr val="bg1"/>
+                </a:solidFill>
+                <a:effectLst/>
+                <a:uLnTx/>
+                <a:uFillTx/>
+                <a:latin typeface="나눔고딕" panose="020B0600000101010101" charset="-127"/>
+                <a:ea typeface="나눔고딕" panose="020B0600000101010101" charset="-127"/>
+              </a:endParaRPr>
+            </a:p>
+          </p:txBody>
+        </p:sp>
+        <p:pic>
+          <p:nvPicPr>
+            <p:cNvPr id="8" name="그림 7">
+              <a:extLst>
+                <a:ext uri="{FF2B5EF4-FFF2-40B4-BE49-F238E27FC236}">
+                  <a16:creationId xmlns:a16="http://schemas.microsoft.com/office/drawing/2014/main" id="{70F40DEB-8ED3-4383-9D28-25E4B2BB4A4C}"/>
+                </a:ext>
+              </a:extLst>
+            </p:cNvPr>
+            <p:cNvPicPr>
+              <a:picLocks noChangeAspect="1"/>
+            </p:cNvPicPr>
+            <p:nvPr/>
+          </p:nvPicPr>
+          <p:blipFill>
+            <a:blip r:embed="rId5"/>
+            <a:stretch>
+              <a:fillRect/>
+            </a:stretch>
+          </p:blipFill>
+          <p:spPr>
+            <a:xfrm>
+              <a:off x="614830" y="3719032"/>
+              <a:ext cx="1400175" cy="1466850"/>
+            </a:xfrm>
+            <a:prstGeom prst="rect">
+              <a:avLst/>
+            </a:prstGeom>
+          </p:spPr>
+        </p:pic>
+      </p:grpSp>
+    </p:spTree>
+    <p:extLst>
+      <p:ext uri="{BB962C8B-B14F-4D97-AF65-F5344CB8AC3E}">
+        <p14:creationId xmlns:p14="http://schemas.microsoft.com/office/powerpoint/2010/main" val="160959909"/>
+      </p:ext>
+    </p:extLst>
+  </p:cSld>
+  <p:clrMapOvr>
+    <a:masterClrMapping/>
+  </p:clrMapOvr>
+</p:sld>
+</file>
+
+<file path=ppt/slides/slide37.xml><?xml version="1.0" encoding="utf-8"?>
+<p:sld xmlns:a="http://schemas.openxmlformats.org/drawingml/2006/main" xmlns:r="http://schemas.openxmlformats.org/officeDocument/2006/relationships" xmlns:p="http://schemas.openxmlformats.org/presentationml/2006/main">
+  <p:cSld>
+    <p:spTree>
+      <p:nvGrpSpPr>
+        <p:cNvPr id="1" name=""/>
+        <p:cNvGrpSpPr/>
+        <p:nvPr/>
+      </p:nvGrpSpPr>
+      <p:grpSpPr>
+        <a:xfrm>
+          <a:off x="0" y="0"/>
+          <a:ext cx="0" cy="0"/>
+          <a:chOff x="0" y="0"/>
+          <a:chExt cx="0" cy="0"/>
+        </a:xfrm>
+      </p:grpSpPr>
+      <p:sp>
+        <p:nvSpPr>
+          <p:cNvPr id="2" name="제목 1">
+            <a:extLst>
+              <a:ext uri="{FF2B5EF4-FFF2-40B4-BE49-F238E27FC236}">
+                <a16:creationId xmlns:a16="http://schemas.microsoft.com/office/drawing/2014/main" id="{F35C43C8-4428-4D97-87C2-6ACA5057AB6C}"/>
+              </a:ext>
+            </a:extLst>
+          </p:cNvPr>
+          <p:cNvSpPr>
+            <a:spLocks noGrp="1"/>
+          </p:cNvSpPr>
+          <p:nvPr>
+            <p:ph type="title"/>
+          </p:nvPr>
+        </p:nvSpPr>
+        <p:spPr>
+          <a:xfrm>
+            <a:off x="363983" y="53269"/>
+            <a:ext cx="7395833" cy="408372"/>
+          </a:xfrm>
+        </p:spPr>
+        <p:txBody>
+          <a:bodyPr/>
+          <a:lstStyle/>
+          <a:p>
+            <a:r>
+              <a:rPr lang="en-US" altLang="ko-KR" dirty="0">
+                <a:latin typeface="나눔고딕" panose="020B0600000101010101" charset="-127"/>
+                <a:ea typeface="나눔고딕" panose="020B0600000101010101" charset="-127"/>
+              </a:rPr>
+              <a:t>9. INDEX FILTER PREDICATE &amp; INDEX ACCESS PREDICATE</a:t>
+            </a:r>
+            <a:endParaRPr lang="ko-KR" altLang="en-US" dirty="0">
+              <a:latin typeface="나눔고딕" panose="020B0600000101010101" charset="-127"/>
+              <a:ea typeface="나눔고딕" panose="020B0600000101010101" charset="-127"/>
+            </a:endParaRPr>
+          </a:p>
+        </p:txBody>
+      </p:sp>
+      <p:sp>
+        <p:nvSpPr>
+          <p:cNvPr id="47" name="텍스트 개체 틀 3">
+            <a:extLst>
+              <a:ext uri="{FF2B5EF4-FFF2-40B4-BE49-F238E27FC236}">
+                <a16:creationId xmlns:a16="http://schemas.microsoft.com/office/drawing/2014/main" id="{BD6E26C7-2547-444C-8643-2B2EEE99F2F4}"/>
+              </a:ext>
+            </a:extLst>
+          </p:cNvPr>
+          <p:cNvSpPr>
+            <a:spLocks noGrp="1"/>
+          </p:cNvSpPr>
+          <p:nvPr>
+            <p:ph type="body" sz="quarter" idx="13"/>
+          </p:nvPr>
+        </p:nvSpPr>
+        <p:spPr>
+          <a:xfrm>
+            <a:off x="6747393" y="62621"/>
+            <a:ext cx="2822735" cy="390525"/>
+          </a:xfrm>
+        </p:spPr>
+        <p:txBody>
+          <a:bodyPr/>
+          <a:lstStyle/>
+          <a:p>
+            <a:r>
+              <a:rPr lang="en-US" altLang="ko-KR" dirty="0">
+                <a:latin typeface="나눔고딕" panose="020D0604000000000000" pitchFamily="50" charset="-127"/>
+                <a:ea typeface="나눔고딕" panose="020D0604000000000000" pitchFamily="50" charset="-127"/>
+              </a:rPr>
+              <a:t>Ⅱ. </a:t>
+            </a:r>
+            <a:r>
+              <a:rPr lang="ko-KR" altLang="en-US" dirty="0">
+                <a:latin typeface="나눔고딕" panose="020D0604000000000000" pitchFamily="50" charset="-127"/>
+                <a:ea typeface="나눔고딕" panose="020D0604000000000000" pitchFamily="50" charset="-127"/>
+              </a:rPr>
+              <a:t>실행계획</a:t>
+            </a:r>
+          </a:p>
+        </p:txBody>
+      </p:sp>
+      <p:sp>
+        <p:nvSpPr>
+          <p:cNvPr id="14" name="슬라이드 번호 개체 틀 2">
+            <a:extLst>
+              <a:ext uri="{FF2B5EF4-FFF2-40B4-BE49-F238E27FC236}">
+                <a16:creationId xmlns:a16="http://schemas.microsoft.com/office/drawing/2014/main" id="{E3626C26-BF47-4717-80D4-21BA55993E00}"/>
+              </a:ext>
+            </a:extLst>
+          </p:cNvPr>
+          <p:cNvSpPr>
+            <a:spLocks noGrp="1"/>
+          </p:cNvSpPr>
+          <p:nvPr>
+            <p:ph type="sldNum" sz="quarter" idx="12"/>
+          </p:nvPr>
+        </p:nvSpPr>
+        <p:spPr>
+          <a:xfrm>
+            <a:off x="4439346" y="6528442"/>
+            <a:ext cx="1029301" cy="276999"/>
+          </a:xfrm>
+        </p:spPr>
+        <p:txBody>
+          <a:bodyPr>
+            <a:normAutofit fontScale="92500"/>
+          </a:bodyPr>
+          <a:lstStyle/>
+          <a:p>
+            <a:fld id="{EBB166B3-33A6-45CA-B81B-F13BE7654232}" type="slidenum">
+              <a:rPr lang="ko-KR" altLang="en-US" smtClean="0">
+                <a:latin typeface="나눔고딕" panose="020B0600000101010101" charset="-127"/>
+                <a:ea typeface="나눔고딕" panose="020B0600000101010101" charset="-127"/>
+              </a:rPr>
+              <a:t>36</a:t>
+            </a:fld>
+            <a:endParaRPr lang="ko-KR" altLang="en-US" dirty="0">
+              <a:latin typeface="나눔고딕" panose="020B0600000101010101" charset="-127"/>
+              <a:ea typeface="나눔고딕" panose="020B0600000101010101" charset="-127"/>
+            </a:endParaRPr>
+          </a:p>
+        </p:txBody>
+      </p:sp>
+      <p:grpSp>
+        <p:nvGrpSpPr>
+          <p:cNvPr id="13" name="그룹 12">
+            <a:extLst>
+              <a:ext uri="{FF2B5EF4-FFF2-40B4-BE49-F238E27FC236}">
+                <a16:creationId xmlns:a16="http://schemas.microsoft.com/office/drawing/2014/main" id="{2DFC0F28-E662-4230-A05A-2BD4ECE0DBAA}"/>
+              </a:ext>
+            </a:extLst>
+          </p:cNvPr>
+          <p:cNvGrpSpPr/>
+          <p:nvPr/>
+        </p:nvGrpSpPr>
+        <p:grpSpPr>
+          <a:xfrm>
+            <a:off x="424573" y="1729427"/>
+            <a:ext cx="8209565" cy="2577025"/>
+            <a:chOff x="355925" y="1718138"/>
+            <a:chExt cx="7886274" cy="2275021"/>
+          </a:xfrm>
+        </p:grpSpPr>
+        <p:grpSp>
+          <p:nvGrpSpPr>
+            <p:cNvPr id="6" name="그룹 5">
+              <a:extLst>
+                <a:ext uri="{FF2B5EF4-FFF2-40B4-BE49-F238E27FC236}">
+                  <a16:creationId xmlns:a16="http://schemas.microsoft.com/office/drawing/2014/main" id="{F599B018-6CCB-40A4-976D-6AC2398B6E17}"/>
+                </a:ext>
+              </a:extLst>
+            </p:cNvPr>
+            <p:cNvGrpSpPr/>
+            <p:nvPr/>
+          </p:nvGrpSpPr>
+          <p:grpSpPr>
+            <a:xfrm>
+              <a:off x="355925" y="1718138"/>
+              <a:ext cx="7886274" cy="2275021"/>
+              <a:chOff x="264097" y="887628"/>
+              <a:chExt cx="7886274" cy="2275021"/>
+            </a:xfrm>
+          </p:grpSpPr>
+          <p:sp>
+            <p:nvSpPr>
+              <p:cNvPr id="7" name="직사각형 6">
+                <a:extLst>
+                  <a:ext uri="{FF2B5EF4-FFF2-40B4-BE49-F238E27FC236}">
+                    <a16:creationId xmlns:a16="http://schemas.microsoft.com/office/drawing/2014/main" id="{B027B9F0-EE8B-4690-A131-44325BAF1D79}"/>
+                  </a:ext>
+                </a:extLst>
+              </p:cNvPr>
+              <p:cNvSpPr/>
+              <p:nvPr/>
+            </p:nvSpPr>
+            <p:spPr>
+              <a:xfrm>
+                <a:off x="273554" y="1251529"/>
+                <a:ext cx="7876817" cy="1911120"/>
+              </a:xfrm>
+              <a:prstGeom prst="rect">
+                <a:avLst/>
+              </a:prstGeom>
+              <a:noFill/>
+            </p:spPr>
+            <p:style>
+              <a:lnRef idx="2">
+                <a:schemeClr val="accent1">
+                  <a:shade val="50000"/>
+                </a:schemeClr>
+              </a:lnRef>
+              <a:fillRef idx="1">
+                <a:schemeClr val="accent1"/>
+              </a:fillRef>
+              <a:effectRef idx="0">
+                <a:schemeClr val="accent1"/>
+              </a:effectRef>
+              <a:fontRef idx="minor">
+                <a:schemeClr val="lt1"/>
+              </a:fontRef>
+            </p:style>
+            <p:txBody>
+              <a:bodyPr rtlCol="0" anchor="ctr"/>
+              <a:lstStyle/>
+              <a:p>
+                <a:pPr algn="ctr"/>
+                <a:endParaRPr lang="ko-KR" altLang="en-US">
+                  <a:latin typeface="나눔고딕" panose="020B0600000101010101" charset="-127"/>
+                  <a:ea typeface="나눔고딕" panose="020B0600000101010101" charset="-127"/>
+                </a:endParaRPr>
+              </a:p>
+            </p:txBody>
+          </p:sp>
+          <p:sp>
+            <p:nvSpPr>
+              <p:cNvPr id="8" name="자유형 23">
+                <a:extLst>
+                  <a:ext uri="{FF2B5EF4-FFF2-40B4-BE49-F238E27FC236}">
+                    <a16:creationId xmlns:a16="http://schemas.microsoft.com/office/drawing/2014/main" id="{A6593E73-505C-4B05-9E75-87232E4BCBBF}"/>
+                  </a:ext>
+                </a:extLst>
+              </p:cNvPr>
+              <p:cNvSpPr>
+                <a:spLocks noChangeArrowheads="1"/>
+              </p:cNvSpPr>
+              <p:nvPr/>
+            </p:nvSpPr>
+            <p:spPr bwMode="gray">
+              <a:xfrm>
+                <a:off x="264097" y="887628"/>
+                <a:ext cx="3985895" cy="353752"/>
+              </a:xfrm>
+              <a:custGeom>
+                <a:avLst/>
+                <a:gdLst>
+                  <a:gd name="connsiteX0" fmla="*/ 48729 w 1587995"/>
+                  <a:gd name="connsiteY0" fmla="*/ 0 h 292361"/>
+                  <a:gd name="connsiteX1" fmla="*/ 1539267 w 1587995"/>
+                  <a:gd name="connsiteY1" fmla="*/ 0 h 292361"/>
+                  <a:gd name="connsiteX2" fmla="*/ 1587995 w 1587995"/>
+                  <a:gd name="connsiteY2" fmla="*/ 48728 h 292361"/>
+                  <a:gd name="connsiteX3" fmla="*/ 1587995 w 1587995"/>
+                  <a:gd name="connsiteY3" fmla="*/ 243633 h 292361"/>
+                  <a:gd name="connsiteX4" fmla="*/ 1587994 w 1587995"/>
+                  <a:gd name="connsiteY4" fmla="*/ 243636 h 292361"/>
+                  <a:gd name="connsiteX5" fmla="*/ 1587994 w 1587995"/>
+                  <a:gd name="connsiteY5" fmla="*/ 292361 h 292361"/>
+                  <a:gd name="connsiteX6" fmla="*/ 1539267 w 1587995"/>
+                  <a:gd name="connsiteY6" fmla="*/ 292361 h 292361"/>
+                  <a:gd name="connsiteX7" fmla="*/ 48729 w 1587995"/>
+                  <a:gd name="connsiteY7" fmla="*/ 292361 h 292361"/>
+                  <a:gd name="connsiteX8" fmla="*/ 0 w 1587995"/>
+                  <a:gd name="connsiteY8" fmla="*/ 292361 h 292361"/>
+                  <a:gd name="connsiteX9" fmla="*/ 0 w 1587995"/>
+                  <a:gd name="connsiteY9" fmla="*/ 152400 h 292361"/>
+                  <a:gd name="connsiteX10" fmla="*/ 1 w 1587995"/>
+                  <a:gd name="connsiteY10" fmla="*/ 152400 h 292361"/>
+                  <a:gd name="connsiteX11" fmla="*/ 1 w 1587995"/>
+                  <a:gd name="connsiteY11" fmla="*/ 48728 h 292361"/>
+                  <a:gd name="connsiteX12" fmla="*/ 48729 w 1587995"/>
+                  <a:gd name="connsiteY12" fmla="*/ 0 h 292361"/>
+                </a:gdLst>
+                <a:ahLst/>
+                <a:cxnLst>
+                  <a:cxn ang="0">
+                    <a:pos x="connsiteX0" y="connsiteY0"/>
+                  </a:cxn>
+                  <a:cxn ang="0">
+                    <a:pos x="connsiteX1" y="connsiteY1"/>
+                  </a:cxn>
+                  <a:cxn ang="0">
+                    <a:pos x="connsiteX2" y="connsiteY2"/>
+                  </a:cxn>
+                  <a:cxn ang="0">
+                    <a:pos x="connsiteX3" y="connsiteY3"/>
+                  </a:cxn>
+                  <a:cxn ang="0">
+                    <a:pos x="connsiteX4" y="connsiteY4"/>
+                  </a:cxn>
+                  <a:cxn ang="0">
+                    <a:pos x="connsiteX5" y="connsiteY5"/>
+                  </a:cxn>
+                  <a:cxn ang="0">
+                    <a:pos x="connsiteX6" y="connsiteY6"/>
+                  </a:cxn>
+                  <a:cxn ang="0">
+                    <a:pos x="connsiteX7" y="connsiteY7"/>
+                  </a:cxn>
+                  <a:cxn ang="0">
+                    <a:pos x="connsiteX8" y="connsiteY8"/>
+                  </a:cxn>
+                  <a:cxn ang="0">
+                    <a:pos x="connsiteX9" y="connsiteY9"/>
+                  </a:cxn>
+                  <a:cxn ang="0">
+                    <a:pos x="connsiteX10" y="connsiteY10"/>
+                  </a:cxn>
+                  <a:cxn ang="0">
+                    <a:pos x="connsiteX11" y="connsiteY11"/>
+                  </a:cxn>
+                  <a:cxn ang="0">
+                    <a:pos x="connsiteX12" y="connsiteY12"/>
+                  </a:cxn>
+                </a:cxnLst>
+                <a:rect l="l" t="t" r="r" b="b"/>
+                <a:pathLst>
+                  <a:path w="1587995" h="292361">
+                    <a:moveTo>
+                      <a:pt x="48729" y="0"/>
+                    </a:moveTo>
+                    <a:lnTo>
+                      <a:pt x="1539267" y="0"/>
+                    </a:lnTo>
+                    <a:cubicBezTo>
+                      <a:pt x="1566179" y="0"/>
+                      <a:pt x="1587995" y="21816"/>
+                      <a:pt x="1587995" y="48728"/>
+                    </a:cubicBezTo>
+                    <a:lnTo>
+                      <a:pt x="1587995" y="243633"/>
+                    </a:lnTo>
+                    <a:lnTo>
+                      <a:pt x="1587994" y="243636"/>
+                    </a:lnTo>
+                    <a:lnTo>
+                      <a:pt x="1587994" y="292361"/>
+                    </a:lnTo>
+                    <a:lnTo>
+                      <a:pt x="1539267" y="292361"/>
+                    </a:lnTo>
+                    <a:lnTo>
+                      <a:pt x="48729" y="292361"/>
+                    </a:lnTo>
+                    <a:lnTo>
+                      <a:pt x="0" y="292361"/>
+                    </a:lnTo>
+                    <a:lnTo>
+                      <a:pt x="0" y="152400"/>
+                    </a:lnTo>
+                    <a:lnTo>
+                      <a:pt x="1" y="152400"/>
+                    </a:lnTo>
+                    <a:lnTo>
+                      <a:pt x="1" y="48728"/>
+                    </a:lnTo>
+                    <a:cubicBezTo>
+                      <a:pt x="1" y="21816"/>
+                      <a:pt x="21817" y="0"/>
+                      <a:pt x="48729" y="0"/>
+                    </a:cubicBezTo>
+                    <a:close/>
+                  </a:path>
+                </a:pathLst>
+              </a:custGeom>
+              <a:solidFill>
+                <a:srgbClr val="002060"/>
+              </a:solidFill>
+              <a:ln w="9525" algn="ctr">
+                <a:solidFill>
+                  <a:srgbClr val="002060"/>
+                </a:solidFill>
+                <a:miter lim="800000"/>
+                <a:headEnd/>
+                <a:tailEnd/>
+              </a:ln>
+              <a:effectLst>
+                <a:outerShdw blurRad="50800" dist="38100" dir="2700000" algn="tl" rotWithShape="0">
+                  <a:prstClr val="black">
+                    <a:alpha val="40000"/>
+                  </a:prstClr>
+                </a:outerShdw>
+              </a:effectLst>
+            </p:spPr>
+            <p:txBody>
+              <a:bodyPr wrap="square" lIns="72000" tIns="36000" rIns="72000" bIns="36000" anchor="ctr">
+                <a:noAutofit/>
+              </a:bodyPr>
+              <a:lstStyle/>
+              <a:p>
+                <a:pPr marR="0" lvl="0" algn="ctr" defTabSz="411163" eaLnBrk="0" fontAlgn="base" latinLnBrk="0" hangingPunct="0">
+                  <a:spcBef>
+                    <a:spcPct val="0"/>
+                  </a:spcBef>
+                  <a:spcAft>
+                    <a:spcPct val="0"/>
+                  </a:spcAft>
+                  <a:buSzPct val="90000"/>
+                  <a:tabLst>
+                    <a:tab pos="85725" algn="l"/>
+                  </a:tabLst>
+                  <a:defRPr/>
+                </a:pPr>
+                <a:r>
+                  <a:rPr kumimoji="1" lang="en-US" altLang="ko-KR" sz="1200" b="1" kern="0" dirty="0">
+                    <a:solidFill>
+                      <a:schemeClr val="bg1"/>
+                    </a:solidFill>
+                    <a:latin typeface="나눔고딕" panose="020B0600000101010101" charset="-127"/>
+                    <a:ea typeface="나눔고딕" panose="020B0600000101010101" charset="-127"/>
+                  </a:rPr>
+                  <a:t>INDEX FILTER PREDICATE &amp; INDEX ACESS PREDICATE</a:t>
+                </a:r>
+                <a:endParaRPr kumimoji="1" lang="en-US" altLang="ko-KR" sz="1200" b="1" i="0" u="none" strike="noStrike" kern="0" cap="none" spc="0" normalizeH="0" baseline="0" noProof="0" dirty="0">
+                  <a:ln>
+                    <a:noFill/>
+                  </a:ln>
+                  <a:solidFill>
+                    <a:schemeClr val="bg1"/>
+                  </a:solidFill>
+                  <a:effectLst/>
+                  <a:uLnTx/>
+                  <a:uFillTx/>
+                  <a:latin typeface="나눔고딕" panose="020B0600000101010101" charset="-127"/>
+                  <a:ea typeface="나눔고딕" panose="020B0600000101010101" charset="-127"/>
+                </a:endParaRPr>
+              </a:p>
+            </p:txBody>
+          </p:sp>
+        </p:grpSp>
+        <p:pic>
+          <p:nvPicPr>
+            <p:cNvPr id="4" name="그림 3">
+              <a:extLst>
+                <a:ext uri="{FF2B5EF4-FFF2-40B4-BE49-F238E27FC236}">
+                  <a16:creationId xmlns:a16="http://schemas.microsoft.com/office/drawing/2014/main" id="{7CDEF6BF-AF99-4ED1-816D-99C7DBEA2B96}"/>
+                </a:ext>
+              </a:extLst>
+            </p:cNvPr>
+            <p:cNvPicPr>
+              <a:picLocks noChangeAspect="1"/>
+            </p:cNvPicPr>
+            <p:nvPr/>
+          </p:nvPicPr>
+          <p:blipFill>
+            <a:blip r:embed="rId2"/>
+            <a:stretch>
+              <a:fillRect/>
+            </a:stretch>
+          </p:blipFill>
+          <p:spPr>
+            <a:xfrm>
+              <a:off x="569752" y="2300608"/>
+              <a:ext cx="2743200" cy="1400175"/>
+            </a:xfrm>
+            <a:prstGeom prst="rect">
+              <a:avLst/>
+            </a:prstGeom>
+          </p:spPr>
+        </p:pic>
+        <p:pic>
+          <p:nvPicPr>
+            <p:cNvPr id="11" name="그림 10">
+              <a:extLst>
+                <a:ext uri="{FF2B5EF4-FFF2-40B4-BE49-F238E27FC236}">
+                  <a16:creationId xmlns:a16="http://schemas.microsoft.com/office/drawing/2014/main" id="{ED2D5565-57C1-48F3-91BA-AFA6FAAA9CEA}"/>
+                </a:ext>
+              </a:extLst>
+            </p:cNvPr>
+            <p:cNvPicPr>
+              <a:picLocks noChangeAspect="1"/>
+            </p:cNvPicPr>
+            <p:nvPr/>
+          </p:nvPicPr>
+          <p:blipFill>
+            <a:blip r:embed="rId3"/>
+            <a:stretch>
+              <a:fillRect/>
+            </a:stretch>
+          </p:blipFill>
+          <p:spPr>
+            <a:xfrm>
+              <a:off x="3446550" y="2177269"/>
+              <a:ext cx="4712210" cy="1639309"/>
+            </a:xfrm>
+            <a:prstGeom prst="rect">
+              <a:avLst/>
+            </a:prstGeom>
+          </p:spPr>
+        </p:pic>
+      </p:grpSp>
+      <p:sp>
+        <p:nvSpPr>
+          <p:cNvPr id="16" name="TextBox 15">
+            <a:extLst>
+              <a:ext uri="{FF2B5EF4-FFF2-40B4-BE49-F238E27FC236}">
+                <a16:creationId xmlns:a16="http://schemas.microsoft.com/office/drawing/2014/main" id="{B57E4FA7-8C78-4E54-953B-5E53E2E0146F}"/>
+              </a:ext>
+            </a:extLst>
+          </p:cNvPr>
+          <p:cNvSpPr txBox="1"/>
+          <p:nvPr/>
+        </p:nvSpPr>
+        <p:spPr>
+          <a:xfrm>
+            <a:off x="432962" y="4401867"/>
+            <a:ext cx="9071201" cy="653833"/>
+          </a:xfrm>
+          <a:prstGeom prst="rect">
+            <a:avLst/>
+          </a:prstGeom>
+          <a:noFill/>
+        </p:spPr>
+        <p:txBody>
+          <a:bodyPr wrap="none" rtlCol="0">
+            <a:spAutoFit/>
+          </a:bodyPr>
+          <a:lstStyle/>
+          <a:p>
+            <a:pPr marL="285750" indent="-285750">
+              <a:lnSpc>
+                <a:spcPct val="150000"/>
+              </a:lnSpc>
+              <a:buFont typeface="Arial" panose="020B0604020202020204" pitchFamily="34" charset="0"/>
+              <a:buChar char="•"/>
+            </a:pPr>
+            <a:r>
+              <a:rPr lang="en-US" altLang="ko-KR" sz="1300" dirty="0"/>
+              <a:t>SNO</a:t>
+            </a:r>
+            <a:r>
+              <a:rPr lang="ko-KR" altLang="en-US" sz="1300" dirty="0"/>
+              <a:t>컬럼은 </a:t>
+            </a:r>
+            <a:r>
+              <a:rPr lang="en-US" altLang="ko-KR" sz="1300" dirty="0"/>
+              <a:t>INDEX</a:t>
+            </a:r>
+            <a:r>
+              <a:rPr lang="ko-KR" altLang="en-US" sz="1300" dirty="0"/>
+              <a:t>의 선두 컬럼이기 때문에</a:t>
+            </a:r>
+            <a:r>
+              <a:rPr lang="en-US" altLang="ko-KR" sz="1300" dirty="0"/>
+              <a:t>, INDEX</a:t>
+            </a:r>
+            <a:r>
+              <a:rPr lang="ko-KR" altLang="en-US" sz="1300" dirty="0"/>
+              <a:t> </a:t>
+            </a:r>
+            <a:r>
+              <a:rPr lang="en-US" altLang="ko-KR" sz="1300" dirty="0"/>
+              <a:t>SCAN</a:t>
+            </a:r>
+            <a:r>
+              <a:rPr lang="ko-KR" altLang="en-US" sz="1300" dirty="0"/>
+              <a:t>의 범위를 결정하는데 영향을 미치는 컬럼임</a:t>
+            </a:r>
+            <a:endParaRPr lang="en-US" altLang="ko-KR" sz="1300" dirty="0"/>
+          </a:p>
+          <a:p>
+            <a:pPr marL="285750" indent="-285750">
+              <a:lnSpc>
+                <a:spcPct val="150000"/>
+              </a:lnSpc>
+              <a:buFont typeface="Arial" panose="020B0604020202020204" pitchFamily="34" charset="0"/>
+              <a:buChar char="•"/>
+            </a:pPr>
+            <a:r>
+              <a:rPr lang="en-US" altLang="ko-KR" sz="1300" dirty="0"/>
+              <a:t>RESULT</a:t>
+            </a:r>
+            <a:r>
+              <a:rPr lang="ko-KR" altLang="en-US" sz="1300" dirty="0"/>
+              <a:t>컬럼은 </a:t>
+            </a:r>
+            <a:r>
+              <a:rPr lang="en-US" altLang="ko-KR" sz="1300" dirty="0"/>
+              <a:t>INDEX</a:t>
+            </a:r>
+            <a:r>
+              <a:rPr lang="ko-KR" altLang="en-US" sz="1300" dirty="0"/>
+              <a:t> </a:t>
+            </a:r>
+            <a:r>
+              <a:rPr lang="en-US" altLang="ko-KR" sz="1300" dirty="0"/>
+              <a:t>KEY</a:t>
+            </a:r>
+            <a:r>
+              <a:rPr lang="ko-KR" altLang="en-US" sz="1300" dirty="0"/>
+              <a:t>에 존재하지 않기 때문에</a:t>
+            </a:r>
+            <a:r>
+              <a:rPr lang="en-US" altLang="ko-KR" sz="1300" dirty="0"/>
+              <a:t>, INDEX</a:t>
+            </a:r>
+            <a:r>
+              <a:rPr lang="ko-KR" altLang="en-US" sz="1300" dirty="0"/>
+              <a:t> </a:t>
+            </a:r>
+            <a:r>
+              <a:rPr lang="en-US" altLang="ko-KR" sz="1300" dirty="0"/>
+              <a:t>SCAN</a:t>
+            </a:r>
+            <a:r>
+              <a:rPr lang="ko-KR" altLang="en-US" sz="1300" dirty="0"/>
+              <a:t>의 범위를 결정하는데 영향을 미치지 않는 컬럼임</a:t>
+            </a:r>
+            <a:r>
+              <a:rPr lang="en-US" altLang="ko-KR" sz="1300" dirty="0"/>
+              <a:t> </a:t>
+            </a:r>
+          </a:p>
+        </p:txBody>
+      </p:sp>
+    </p:spTree>
+    <p:extLst>
+      <p:ext uri="{BB962C8B-B14F-4D97-AF65-F5344CB8AC3E}">
+        <p14:creationId xmlns:p14="http://schemas.microsoft.com/office/powerpoint/2010/main" val="2918771018"/>
+      </p:ext>
+    </p:extLst>
+  </p:cSld>
+  <p:clrMapOvr>
+    <a:masterClrMapping/>
+  </p:clrMapOvr>
+</p:sld>
+</file>
+
+<file path=ppt/slides/slide38.xml><?xml version="1.0" encoding="utf-8"?>
+<p:sld xmlns:a="http://schemas.openxmlformats.org/drawingml/2006/main" xmlns:r="http://schemas.openxmlformats.org/officeDocument/2006/relationships" xmlns:p="http://schemas.openxmlformats.org/presentationml/2006/main">
+  <p:cSld>
+    <p:spTree>
+      <p:nvGrpSpPr>
+        <p:cNvPr id="1" name=""/>
+        <p:cNvGrpSpPr/>
+        <p:nvPr/>
+      </p:nvGrpSpPr>
+      <p:grpSpPr>
+        <a:xfrm>
+          <a:off x="0" y="0"/>
+          <a:ext cx="0" cy="0"/>
+          <a:chOff x="0" y="0"/>
+          <a:chExt cx="0" cy="0"/>
+        </a:xfrm>
+      </p:grpSpPr>
+      <p:sp>
+        <p:nvSpPr>
+          <p:cNvPr id="2" name="제목 1">
+            <a:extLst>
+              <a:ext uri="{FF2B5EF4-FFF2-40B4-BE49-F238E27FC236}">
+                <a16:creationId xmlns:a16="http://schemas.microsoft.com/office/drawing/2014/main" id="{F35C43C8-4428-4D97-87C2-6ACA5057AB6C}"/>
+              </a:ext>
+            </a:extLst>
+          </p:cNvPr>
+          <p:cNvSpPr>
+            <a:spLocks noGrp="1"/>
+          </p:cNvSpPr>
+          <p:nvPr>
+            <p:ph type="title"/>
+          </p:nvPr>
+        </p:nvSpPr>
+        <p:spPr/>
+        <p:txBody>
+          <a:bodyPr/>
+          <a:lstStyle/>
+          <a:p>
+            <a:r>
+              <a:rPr lang="en-US" altLang="ko-KR" dirty="0">
+                <a:latin typeface="나눔고딕" panose="020B0600000101010101" charset="-127"/>
+                <a:ea typeface="나눔고딕" panose="020B0600000101010101" charset="-127"/>
+              </a:rPr>
+              <a:t>10. JOIN OPERATION</a:t>
+            </a:r>
+            <a:endParaRPr lang="ko-KR" altLang="en-US" dirty="0">
+              <a:latin typeface="나눔고딕" panose="020B0600000101010101" charset="-127"/>
+              <a:ea typeface="나눔고딕" panose="020B0600000101010101" charset="-127"/>
+            </a:endParaRPr>
+          </a:p>
+        </p:txBody>
+      </p:sp>
+      <p:sp>
+        <p:nvSpPr>
+          <p:cNvPr id="47" name="텍스트 개체 틀 3">
+            <a:extLst>
+              <a:ext uri="{FF2B5EF4-FFF2-40B4-BE49-F238E27FC236}">
+                <a16:creationId xmlns:a16="http://schemas.microsoft.com/office/drawing/2014/main" id="{BD6E26C7-2547-444C-8643-2B2EEE99F2F4}"/>
+              </a:ext>
+            </a:extLst>
+          </p:cNvPr>
+          <p:cNvSpPr>
+            <a:spLocks noGrp="1"/>
+          </p:cNvSpPr>
+          <p:nvPr>
+            <p:ph type="body" sz="quarter" idx="13"/>
+          </p:nvPr>
+        </p:nvSpPr>
+        <p:spPr>
+          <a:xfrm>
+            <a:off x="6747393" y="62621"/>
+            <a:ext cx="2822735" cy="390525"/>
+          </a:xfrm>
+        </p:spPr>
+        <p:txBody>
+          <a:bodyPr/>
+          <a:lstStyle/>
+          <a:p>
+            <a:r>
+              <a:rPr lang="en-US" altLang="ko-KR" dirty="0">
+                <a:latin typeface="나눔고딕" panose="020D0604000000000000" pitchFamily="50" charset="-127"/>
+                <a:ea typeface="나눔고딕" panose="020D0604000000000000" pitchFamily="50" charset="-127"/>
+              </a:rPr>
+              <a:t>Ⅱ. </a:t>
+            </a:r>
+            <a:r>
+              <a:rPr lang="ko-KR" altLang="en-US" dirty="0">
+                <a:latin typeface="나눔고딕" panose="020D0604000000000000" pitchFamily="50" charset="-127"/>
+                <a:ea typeface="나눔고딕" panose="020D0604000000000000" pitchFamily="50" charset="-127"/>
+              </a:rPr>
+              <a:t>실행계획</a:t>
+            </a:r>
+          </a:p>
+        </p:txBody>
+      </p:sp>
+      <p:sp>
+        <p:nvSpPr>
+          <p:cNvPr id="8" name="슬라이드 번호 개체 틀 2">
+            <a:extLst>
+              <a:ext uri="{FF2B5EF4-FFF2-40B4-BE49-F238E27FC236}">
+                <a16:creationId xmlns:a16="http://schemas.microsoft.com/office/drawing/2014/main" id="{04551D9F-A373-412B-9564-CCFAEDE5BC72}"/>
+              </a:ext>
+            </a:extLst>
+          </p:cNvPr>
+          <p:cNvSpPr>
+            <a:spLocks noGrp="1"/>
+          </p:cNvSpPr>
+          <p:nvPr>
+            <p:ph type="sldNum" sz="quarter" idx="12"/>
+          </p:nvPr>
+        </p:nvSpPr>
+        <p:spPr>
+          <a:xfrm>
+            <a:off x="4439346" y="6528442"/>
+            <a:ext cx="1029301" cy="276999"/>
+          </a:xfrm>
+        </p:spPr>
+        <p:txBody>
+          <a:bodyPr>
+            <a:normAutofit fontScale="92500"/>
+          </a:bodyPr>
+          <a:lstStyle/>
+          <a:p>
+            <a:fld id="{EBB166B3-33A6-45CA-B81B-F13BE7654232}" type="slidenum">
+              <a:rPr lang="ko-KR" altLang="en-US" smtClean="0">
+                <a:latin typeface="나눔고딕" panose="020B0600000101010101" charset="-127"/>
+                <a:ea typeface="나눔고딕" panose="020B0600000101010101" charset="-127"/>
+              </a:rPr>
+              <a:t>37</a:t>
+            </a:fld>
+            <a:endParaRPr lang="ko-KR" altLang="en-US" dirty="0">
+              <a:latin typeface="나눔고딕" panose="020B0600000101010101" charset="-127"/>
+              <a:ea typeface="나눔고딕" panose="020B0600000101010101" charset="-127"/>
+            </a:endParaRPr>
+          </a:p>
+        </p:txBody>
+      </p:sp>
+      <p:sp>
+        <p:nvSpPr>
+          <p:cNvPr id="15" name="TextBox 14">
+            <a:extLst>
+              <a:ext uri="{FF2B5EF4-FFF2-40B4-BE49-F238E27FC236}">
+                <a16:creationId xmlns:a16="http://schemas.microsoft.com/office/drawing/2014/main" id="{573FF14A-2EB5-4DCD-B682-E23C008B831F}"/>
+              </a:ext>
+            </a:extLst>
+          </p:cNvPr>
+          <p:cNvSpPr txBox="1"/>
+          <p:nvPr/>
+        </p:nvSpPr>
+        <p:spPr>
+          <a:xfrm>
+            <a:off x="363984" y="883219"/>
+            <a:ext cx="2400209" cy="1253998"/>
+          </a:xfrm>
+          <a:prstGeom prst="rect">
+            <a:avLst/>
+          </a:prstGeom>
+          <a:noFill/>
+        </p:spPr>
+        <p:txBody>
+          <a:bodyPr wrap="none" rtlCol="0">
+            <a:spAutoFit/>
+          </a:bodyPr>
+          <a:lstStyle/>
+          <a:p>
+            <a:pPr marL="285750" indent="-285750">
+              <a:lnSpc>
+                <a:spcPct val="150000"/>
+              </a:lnSpc>
+              <a:buFont typeface="Arial" panose="020B0604020202020204" pitchFamily="34" charset="0"/>
+              <a:buChar char="•"/>
+            </a:pPr>
+            <a:r>
+              <a:rPr lang="en-US" altLang="ko-KR" sz="1300" dirty="0"/>
+              <a:t>JOIN OPERATION</a:t>
+            </a:r>
+            <a:r>
+              <a:rPr lang="ko-KR" altLang="en-US" sz="1300" dirty="0"/>
+              <a:t>의 종류</a:t>
+            </a:r>
+            <a:endParaRPr lang="en-US" altLang="ko-KR" sz="1300" dirty="0"/>
+          </a:p>
+          <a:p>
+            <a:pPr>
+              <a:lnSpc>
+                <a:spcPct val="150000"/>
+              </a:lnSpc>
+            </a:pPr>
+            <a:r>
+              <a:rPr lang="en-US" altLang="ko-KR" sz="1300" dirty="0"/>
+              <a:t>     1. </a:t>
+            </a:r>
+            <a:r>
+              <a:rPr lang="en-US" altLang="ko-KR" sz="1300" b="1" dirty="0">
+                <a:solidFill>
+                  <a:srgbClr val="FF0000"/>
+                </a:solidFill>
+              </a:rPr>
+              <a:t>NESTED LOOPS JOIN </a:t>
+            </a:r>
+            <a:endParaRPr lang="en-US" altLang="ko-KR" sz="1300" dirty="0"/>
+          </a:p>
+          <a:p>
+            <a:pPr>
+              <a:lnSpc>
+                <a:spcPct val="150000"/>
+              </a:lnSpc>
+            </a:pPr>
+            <a:r>
+              <a:rPr lang="en-US" altLang="ko-KR" sz="1300" dirty="0"/>
+              <a:t>     2. SORT MERGE JOIN</a:t>
+            </a:r>
+          </a:p>
+          <a:p>
+            <a:pPr>
+              <a:lnSpc>
+                <a:spcPct val="150000"/>
+              </a:lnSpc>
+            </a:pPr>
+            <a:r>
+              <a:rPr lang="en-US" altLang="ko-KR" sz="1300" dirty="0"/>
+              <a:t>     3. </a:t>
+            </a:r>
+            <a:r>
+              <a:rPr lang="en-US" altLang="ko-KR" sz="1300" b="1" dirty="0">
+                <a:solidFill>
+                  <a:srgbClr val="FF0000"/>
+                </a:solidFill>
+              </a:rPr>
+              <a:t>HASH JOIN</a:t>
+            </a:r>
+          </a:p>
+        </p:txBody>
+      </p:sp>
+    </p:spTree>
+    <p:extLst>
+      <p:ext uri="{BB962C8B-B14F-4D97-AF65-F5344CB8AC3E}">
+        <p14:creationId xmlns:p14="http://schemas.microsoft.com/office/powerpoint/2010/main" val="4187868611"/>
+      </p:ext>
+    </p:extLst>
+  </p:cSld>
+  <p:clrMapOvr>
+    <a:masterClrMapping/>
+  </p:clrMapOvr>
+</p:sld>
+</file>
+
+<file path=ppt/slides/slide39.xml><?xml version="1.0" encoding="utf-8"?>
+<p:sld xmlns:a="http://schemas.openxmlformats.org/drawingml/2006/main" xmlns:r="http://schemas.openxmlformats.org/officeDocument/2006/relationships" xmlns:p="http://schemas.openxmlformats.org/presentationml/2006/main">
+  <p:cSld>
+    <p:spTree>
+      <p:nvGrpSpPr>
+        <p:cNvPr id="1" name=""/>
+        <p:cNvGrpSpPr/>
+        <p:nvPr/>
+      </p:nvGrpSpPr>
+      <p:grpSpPr>
+        <a:xfrm>
+          <a:off x="0" y="0"/>
+          <a:ext cx="0" cy="0"/>
+          <a:chOff x="0" y="0"/>
+          <a:chExt cx="0" cy="0"/>
+        </a:xfrm>
+      </p:grpSpPr>
+      <p:sp>
+        <p:nvSpPr>
+          <p:cNvPr id="2" name="제목 1">
+            <a:extLst>
+              <a:ext uri="{FF2B5EF4-FFF2-40B4-BE49-F238E27FC236}">
+                <a16:creationId xmlns:a16="http://schemas.microsoft.com/office/drawing/2014/main" id="{F35C43C8-4428-4D97-87C2-6ACA5057AB6C}"/>
+              </a:ext>
+            </a:extLst>
+          </p:cNvPr>
+          <p:cNvSpPr>
+            <a:spLocks noGrp="1"/>
+          </p:cNvSpPr>
+          <p:nvPr>
+            <p:ph type="title"/>
+          </p:nvPr>
+        </p:nvSpPr>
+        <p:spPr/>
+        <p:txBody>
+          <a:bodyPr/>
+          <a:lstStyle/>
+          <a:p>
+            <a:r>
+              <a:rPr lang="en-US" altLang="ko-KR" dirty="0">
+                <a:latin typeface="나눔고딕" panose="020B0600000101010101" charset="-127"/>
+                <a:ea typeface="나눔고딕" panose="020B0600000101010101" charset="-127"/>
+              </a:rPr>
+              <a:t>11. NESTED LOOPS JOIN</a:t>
             </a:r>
             <a:endParaRPr lang="ko-KR" altLang="en-US" dirty="0">
               <a:latin typeface="나눔고딕" panose="020B0600000101010101" charset="-127"/>
@@ -23517,7 +27415,7 @@
                 <a:latin typeface="나눔고딕" panose="020B0600000101010101" charset="-127"/>
                 <a:ea typeface="나눔고딕" panose="020B0600000101010101" charset="-127"/>
               </a:rPr>
-              <a:t>33</a:t>
+              <a:t>38</a:t>
             </a:fld>
             <a:endParaRPr lang="ko-KR" altLang="en-US" dirty="0">
               <a:latin typeface="나눔고딕" panose="020B0600000101010101" charset="-127"/>
@@ -23540,10 +27438,10 @@
         </p:nvGrpSpPr>
         <p:grpSpPr>
           <a:xfrm>
-            <a:off x="4983662" y="713751"/>
-            <a:ext cx="4716981" cy="3039987"/>
-            <a:chOff x="5025490" y="646639"/>
-            <a:chExt cx="4716981" cy="3039987"/>
+            <a:off x="4975273" y="713751"/>
+            <a:ext cx="4725370" cy="3039987"/>
+            <a:chOff x="5017101" y="646639"/>
+            <a:chExt cx="4725370" cy="3039987"/>
           </a:xfrm>
         </p:grpSpPr>
         <p:pic>
@@ -23659,7 +27557,7 @@
           </p:nvSpPr>
           <p:spPr bwMode="gray">
             <a:xfrm>
-              <a:off x="5025490" y="646639"/>
+              <a:off x="5017101" y="646639"/>
               <a:ext cx="1825543" cy="352174"/>
             </a:xfrm>
             <a:custGeom>
@@ -23842,10 +27740,332 @@
           </p:txBody>
         </p:sp>
       </p:grpSp>
+      <p:sp>
+        <p:nvSpPr>
+          <p:cNvPr id="14" name="TextBox 13">
+            <a:extLst>
+              <a:ext uri="{FF2B5EF4-FFF2-40B4-BE49-F238E27FC236}">
+                <a16:creationId xmlns:a16="http://schemas.microsoft.com/office/drawing/2014/main" id="{86BD3D58-1B11-41D0-A96A-9288AD604DA5}"/>
+              </a:ext>
+            </a:extLst>
+          </p:cNvPr>
+          <p:cNvSpPr txBox="1"/>
+          <p:nvPr/>
+        </p:nvSpPr>
+        <p:spPr>
+          <a:xfrm>
+            <a:off x="172733" y="3989096"/>
+            <a:ext cx="9724137" cy="2154244"/>
+          </a:xfrm>
+          <a:prstGeom prst="rect">
+            <a:avLst/>
+          </a:prstGeom>
+          <a:noFill/>
+        </p:spPr>
+        <p:txBody>
+          <a:bodyPr wrap="none" rtlCol="0">
+            <a:spAutoFit/>
+          </a:bodyPr>
+          <a:lstStyle/>
+          <a:p>
+            <a:pPr marL="285750" indent="-285750">
+              <a:lnSpc>
+                <a:spcPct val="150000"/>
+              </a:lnSpc>
+              <a:buFont typeface="Arial" panose="020B0604020202020204" pitchFamily="34" charset="0"/>
+              <a:buChar char="•"/>
+            </a:pPr>
+            <a:r>
+              <a:rPr lang="ko-KR" altLang="en-US" sz="1300" dirty="0"/>
+              <a:t>선행테이블</a:t>
+            </a:r>
+            <a:r>
+              <a:rPr lang="en-US" altLang="ko-KR" sz="1300" dirty="0"/>
+              <a:t>(Outer Table) </a:t>
+            </a:r>
+            <a:r>
+              <a:rPr lang="ko-KR" altLang="en-US" sz="1300" dirty="0"/>
+              <a:t>결정 후</a:t>
+            </a:r>
+            <a:r>
+              <a:rPr lang="en-US" altLang="ko-KR" sz="1300" dirty="0"/>
+              <a:t>, </a:t>
+            </a:r>
+            <a:r>
+              <a:rPr lang="ko-KR" altLang="en-US" sz="1300" dirty="0"/>
+              <a:t>후행 테이블</a:t>
+            </a:r>
+            <a:r>
+              <a:rPr lang="en-US" altLang="ko-KR" sz="1300" dirty="0"/>
+              <a:t>(Inner Table)</a:t>
+            </a:r>
+            <a:r>
+              <a:rPr lang="ko-KR" altLang="en-US" sz="1300" dirty="0"/>
+              <a:t>에 반복적인 접근 실시</a:t>
+            </a:r>
+            <a:endParaRPr lang="en-US" altLang="ko-KR" sz="1300" dirty="0"/>
+          </a:p>
+          <a:p>
+            <a:pPr marL="285750" indent="-285750">
+              <a:lnSpc>
+                <a:spcPct val="150000"/>
+              </a:lnSpc>
+              <a:buFont typeface="Arial" panose="020B0604020202020204" pitchFamily="34" charset="0"/>
+              <a:buChar char="•"/>
+            </a:pPr>
+            <a:r>
+              <a:rPr lang="ko-KR" altLang="en-US" sz="1300" dirty="0"/>
+              <a:t>소량의 데이터를 조인 시 사용</a:t>
+            </a:r>
+            <a:endParaRPr lang="en-US" altLang="ko-KR" sz="1300" dirty="0"/>
+          </a:p>
+          <a:p>
+            <a:pPr marL="285750" indent="-285750">
+              <a:lnSpc>
+                <a:spcPct val="150000"/>
+              </a:lnSpc>
+              <a:buFont typeface="Arial" panose="020B0604020202020204" pitchFamily="34" charset="0"/>
+              <a:buChar char="•"/>
+            </a:pPr>
+            <a:r>
+              <a:rPr lang="ko-KR" altLang="en-US" sz="1300" dirty="0"/>
+              <a:t>많은 레코드를 가진 두 테이블을 조인 시</a:t>
+            </a:r>
+            <a:r>
+              <a:rPr lang="en-US" altLang="ko-KR" sz="1300" dirty="0"/>
+              <a:t> </a:t>
+            </a:r>
+            <a:r>
+              <a:rPr lang="ko-KR" altLang="en-US" sz="1300" dirty="0"/>
+              <a:t>다량의 디스크 </a:t>
+            </a:r>
+            <a:r>
+              <a:rPr lang="en-US" altLang="ko-KR" sz="1300" dirty="0"/>
+              <a:t>I/O</a:t>
+            </a:r>
+            <a:r>
+              <a:rPr lang="ko-KR" altLang="en-US" sz="1300" dirty="0"/>
+              <a:t>가 발생하기 때문에</a:t>
+            </a:r>
+            <a:r>
+              <a:rPr lang="en-US" altLang="ko-KR" sz="1300" dirty="0"/>
+              <a:t>, </a:t>
+            </a:r>
+            <a:r>
+              <a:rPr lang="ko-KR" altLang="en-US" sz="1300" dirty="0"/>
+              <a:t>조인 속도가 매우 느려질 수 있음</a:t>
+            </a:r>
+            <a:endParaRPr lang="en-US" altLang="ko-KR" sz="1300" dirty="0"/>
+          </a:p>
+          <a:p>
+            <a:pPr>
+              <a:lnSpc>
+                <a:spcPct val="150000"/>
+              </a:lnSpc>
+            </a:pPr>
+            <a:r>
+              <a:rPr lang="en-US" altLang="ko-KR" sz="1300" dirty="0"/>
+              <a:t>     (</a:t>
+            </a:r>
+            <a:r>
+              <a:rPr lang="ko-KR" altLang="en-US" sz="1300" dirty="0"/>
+              <a:t>모든 </a:t>
+            </a:r>
+            <a:r>
+              <a:rPr lang="en-US" altLang="ko-KR" sz="1300" dirty="0"/>
+              <a:t>DBMS</a:t>
+            </a:r>
+            <a:r>
+              <a:rPr lang="ko-KR" altLang="en-US" sz="1300" dirty="0"/>
+              <a:t>는 읽고자 하는 블록을 먼저 </a:t>
+            </a:r>
+            <a:r>
+              <a:rPr lang="en-US" altLang="ko-KR" sz="1300" dirty="0"/>
+              <a:t>‘</a:t>
+            </a:r>
+            <a:r>
+              <a:rPr lang="ko-KR" altLang="en-US" sz="1300" dirty="0"/>
+              <a:t>버퍼 캐시</a:t>
+            </a:r>
+            <a:r>
+              <a:rPr lang="en-US" altLang="ko-KR" sz="1300" dirty="0"/>
+              <a:t>’</a:t>
+            </a:r>
+            <a:r>
+              <a:rPr lang="ko-KR" altLang="en-US" sz="1300" dirty="0"/>
+              <a:t>에서 찾아보고</a:t>
+            </a:r>
+            <a:r>
+              <a:rPr lang="en-US" altLang="ko-KR" sz="1300" dirty="0"/>
+              <a:t>, </a:t>
+            </a:r>
+            <a:r>
+              <a:rPr lang="ko-KR" altLang="en-US" sz="1300" dirty="0"/>
+              <a:t>해당 블록이 버퍼 캐시에 없을 경우에만 디스크에서 읽어</a:t>
+            </a:r>
+            <a:endParaRPr lang="en-US" altLang="ko-KR" sz="1300" dirty="0"/>
+          </a:p>
+          <a:p>
+            <a:pPr>
+              <a:lnSpc>
+                <a:spcPct val="150000"/>
+              </a:lnSpc>
+            </a:pPr>
+            <a:r>
+              <a:rPr lang="en-US" altLang="ko-KR" sz="1300" dirty="0"/>
+              <a:t>      </a:t>
+            </a:r>
+            <a:r>
+              <a:rPr lang="ko-KR" altLang="en-US" sz="1300" dirty="0"/>
+              <a:t>버퍼 캐시에 적재한 후 </a:t>
+            </a:r>
+            <a:r>
+              <a:rPr lang="en-US" altLang="ko-KR" sz="1300" dirty="0"/>
+              <a:t>‘</a:t>
+            </a:r>
+            <a:r>
+              <a:rPr lang="ko-KR" altLang="en-US" sz="1300" dirty="0"/>
+              <a:t>읽기</a:t>
+            </a:r>
+            <a:r>
+              <a:rPr lang="en-US" altLang="ko-KR" sz="1300" dirty="0"/>
+              <a:t>/</a:t>
+            </a:r>
+            <a:r>
+              <a:rPr lang="ko-KR" altLang="en-US" sz="1300" dirty="0"/>
+              <a:t>쓰기</a:t>
+            </a:r>
+            <a:r>
+              <a:rPr lang="en-US" altLang="ko-KR" sz="1300" dirty="0"/>
+              <a:t>’ </a:t>
+            </a:r>
+            <a:r>
+              <a:rPr lang="ko-KR" altLang="en-US" sz="1300" dirty="0"/>
+              <a:t>작업을 수행</a:t>
+            </a:r>
+            <a:r>
+              <a:rPr lang="en-US" altLang="ko-KR" sz="1300" dirty="0"/>
+              <a:t>)</a:t>
+            </a:r>
+          </a:p>
+          <a:p>
+            <a:pPr marL="285750" indent="-285750">
+              <a:lnSpc>
+                <a:spcPct val="150000"/>
+              </a:lnSpc>
+              <a:buFont typeface="Arial" panose="020B0604020202020204" pitchFamily="34" charset="0"/>
+              <a:buChar char="•"/>
+            </a:pPr>
+            <a:r>
+              <a:rPr lang="ko-KR" altLang="en-US" sz="1300" b="1" dirty="0">
+                <a:solidFill>
+                  <a:srgbClr val="FF0000"/>
+                </a:solidFill>
+              </a:rPr>
+              <a:t>적은 레코드를 가진 결과를 </a:t>
+            </a:r>
+            <a:r>
+              <a:rPr lang="en-US" altLang="ko-KR" sz="1300" b="1" dirty="0">
+                <a:solidFill>
+                  <a:srgbClr val="FF0000"/>
+                </a:solidFill>
+              </a:rPr>
+              <a:t>Outer Table</a:t>
+            </a:r>
+            <a:r>
+              <a:rPr lang="ko-KR" altLang="en-US" sz="1300" b="1" dirty="0">
+                <a:solidFill>
+                  <a:srgbClr val="FF0000"/>
+                </a:solidFill>
+              </a:rPr>
+              <a:t>로 선정해야 함</a:t>
+            </a:r>
+            <a:endParaRPr lang="en-US" altLang="ko-KR" sz="1300" b="1" dirty="0">
+              <a:solidFill>
+                <a:srgbClr val="FF0000"/>
+              </a:solidFill>
+            </a:endParaRPr>
+          </a:p>
+          <a:p>
+            <a:pPr marL="285750" indent="-285750">
+              <a:lnSpc>
+                <a:spcPct val="150000"/>
+              </a:lnSpc>
+              <a:buFont typeface="Arial" panose="020B0604020202020204" pitchFamily="34" charset="0"/>
+              <a:buChar char="•"/>
+            </a:pPr>
+            <a:r>
+              <a:rPr lang="en-US" altLang="ko-KR" sz="1300" b="1" dirty="0">
+                <a:solidFill>
+                  <a:srgbClr val="FF0000"/>
+                </a:solidFill>
+              </a:rPr>
+              <a:t>Outer Table</a:t>
+            </a:r>
+            <a:r>
+              <a:rPr lang="ko-KR" altLang="en-US" sz="1300" b="1" dirty="0">
+                <a:solidFill>
+                  <a:srgbClr val="FF0000"/>
+                </a:solidFill>
+              </a:rPr>
+              <a:t>를 </a:t>
+            </a:r>
+            <a:r>
+              <a:rPr lang="en-US" altLang="ko-KR" sz="1300" b="1" dirty="0">
+                <a:solidFill>
+                  <a:srgbClr val="FF0000"/>
+                </a:solidFill>
+              </a:rPr>
+              <a:t>Inner Table</a:t>
+            </a:r>
+            <a:r>
+              <a:rPr lang="ko-KR" altLang="en-US" sz="1300" b="1" dirty="0">
+                <a:solidFill>
+                  <a:srgbClr val="FF0000"/>
+                </a:solidFill>
+              </a:rPr>
+              <a:t> 테이블과 조회 시</a:t>
+            </a:r>
+            <a:r>
+              <a:rPr lang="en-US" altLang="ko-KR" sz="1300" b="1" dirty="0">
+                <a:solidFill>
+                  <a:srgbClr val="FF0000"/>
+                </a:solidFill>
+              </a:rPr>
+              <a:t> INDEX SCAN</a:t>
+            </a:r>
+            <a:r>
+              <a:rPr lang="ko-KR" altLang="en-US" sz="1300" b="1" dirty="0">
+                <a:solidFill>
+                  <a:srgbClr val="FF0000"/>
+                </a:solidFill>
+              </a:rPr>
+              <a:t>이 발생하면</a:t>
+            </a:r>
+            <a:r>
+              <a:rPr lang="en-US" altLang="ko-KR" sz="1300" b="1" dirty="0">
+                <a:solidFill>
+                  <a:srgbClr val="FF0000"/>
+                </a:solidFill>
+              </a:rPr>
+              <a:t>, </a:t>
+            </a:r>
+            <a:r>
+              <a:rPr lang="ko-KR" altLang="en-US" sz="1300" b="1" dirty="0">
+                <a:solidFill>
+                  <a:srgbClr val="FF0000"/>
+                </a:solidFill>
+              </a:rPr>
+              <a:t>조인 속도가 향상됨</a:t>
+            </a:r>
+            <a:endParaRPr lang="en-US" altLang="ko-KR" sz="1300" b="1" dirty="0"/>
+          </a:p>
+        </p:txBody>
+      </p:sp>
     </p:spTree>
     <p:extLst>
       <p:ext uri="{BB962C8B-B14F-4D97-AF65-F5344CB8AC3E}">
-        <p14:creationId xmlns:p14="http://schemas.microsoft.com/office/powerpoint/2010/main" val="4187868611"/>
+        <p14:creationId xmlns:p14="http://schemas.microsoft.com/office/powerpoint/2010/main" val="2622285529"/>
       </p:ext>
     </p:extLst>
   </p:cSld>
@@ -25058,6 +29278,3570 @@
     <p:extLst>
       <p:ext uri="{BB962C8B-B14F-4D97-AF65-F5344CB8AC3E}">
         <p14:creationId xmlns:p14="http://schemas.microsoft.com/office/powerpoint/2010/main" val="3937796222"/>
+      </p:ext>
+    </p:extLst>
+  </p:cSld>
+  <p:clrMapOvr>
+    <a:masterClrMapping/>
+  </p:clrMapOvr>
+</p:sld>
+</file>
+
+<file path=ppt/slides/slide40.xml><?xml version="1.0" encoding="utf-8"?>
+<p:sld xmlns:a="http://schemas.openxmlformats.org/drawingml/2006/main" xmlns:r="http://schemas.openxmlformats.org/officeDocument/2006/relationships" xmlns:p="http://schemas.openxmlformats.org/presentationml/2006/main">
+  <p:cSld>
+    <p:spTree>
+      <p:nvGrpSpPr>
+        <p:cNvPr id="1" name=""/>
+        <p:cNvGrpSpPr/>
+        <p:nvPr/>
+      </p:nvGrpSpPr>
+      <p:grpSpPr>
+        <a:xfrm>
+          <a:off x="0" y="0"/>
+          <a:ext cx="0" cy="0"/>
+          <a:chOff x="0" y="0"/>
+          <a:chExt cx="0" cy="0"/>
+        </a:xfrm>
+      </p:grpSpPr>
+      <p:sp>
+        <p:nvSpPr>
+          <p:cNvPr id="2" name="제목 1">
+            <a:extLst>
+              <a:ext uri="{FF2B5EF4-FFF2-40B4-BE49-F238E27FC236}">
+                <a16:creationId xmlns:a16="http://schemas.microsoft.com/office/drawing/2014/main" id="{F35C43C8-4428-4D97-87C2-6ACA5057AB6C}"/>
+              </a:ext>
+            </a:extLst>
+          </p:cNvPr>
+          <p:cNvSpPr>
+            <a:spLocks noGrp="1"/>
+          </p:cNvSpPr>
+          <p:nvPr>
+            <p:ph type="title"/>
+          </p:nvPr>
+        </p:nvSpPr>
+        <p:spPr/>
+        <p:txBody>
+          <a:bodyPr/>
+          <a:lstStyle/>
+          <a:p>
+            <a:r>
+              <a:rPr lang="en-US" altLang="ko-KR" dirty="0">
+                <a:latin typeface="나눔고딕" panose="020B0600000101010101" charset="-127"/>
+                <a:ea typeface="나눔고딕" panose="020B0600000101010101" charset="-127"/>
+              </a:rPr>
+              <a:t>11. NESTED LOOPS JOIN</a:t>
+            </a:r>
+            <a:endParaRPr lang="ko-KR" altLang="en-US" dirty="0">
+              <a:latin typeface="나눔고딕" panose="020B0600000101010101" charset="-127"/>
+              <a:ea typeface="나눔고딕" panose="020B0600000101010101" charset="-127"/>
+            </a:endParaRPr>
+          </a:p>
+        </p:txBody>
+      </p:sp>
+      <p:sp>
+        <p:nvSpPr>
+          <p:cNvPr id="47" name="텍스트 개체 틀 3">
+            <a:extLst>
+              <a:ext uri="{FF2B5EF4-FFF2-40B4-BE49-F238E27FC236}">
+                <a16:creationId xmlns:a16="http://schemas.microsoft.com/office/drawing/2014/main" id="{BD6E26C7-2547-444C-8643-2B2EEE99F2F4}"/>
+              </a:ext>
+            </a:extLst>
+          </p:cNvPr>
+          <p:cNvSpPr>
+            <a:spLocks noGrp="1"/>
+          </p:cNvSpPr>
+          <p:nvPr>
+            <p:ph type="body" sz="quarter" idx="13"/>
+          </p:nvPr>
+        </p:nvSpPr>
+        <p:spPr>
+          <a:xfrm>
+            <a:off x="6747393" y="62621"/>
+            <a:ext cx="2822735" cy="390525"/>
+          </a:xfrm>
+        </p:spPr>
+        <p:txBody>
+          <a:bodyPr/>
+          <a:lstStyle/>
+          <a:p>
+            <a:r>
+              <a:rPr lang="en-US" altLang="ko-KR" dirty="0">
+                <a:latin typeface="나눔고딕" panose="020D0604000000000000" pitchFamily="50" charset="-127"/>
+                <a:ea typeface="나눔고딕" panose="020D0604000000000000" pitchFamily="50" charset="-127"/>
+              </a:rPr>
+              <a:t>Ⅱ. </a:t>
+            </a:r>
+            <a:r>
+              <a:rPr lang="ko-KR" altLang="en-US" dirty="0">
+                <a:latin typeface="나눔고딕" panose="020D0604000000000000" pitchFamily="50" charset="-127"/>
+                <a:ea typeface="나눔고딕" panose="020D0604000000000000" pitchFamily="50" charset="-127"/>
+              </a:rPr>
+              <a:t>실행계획</a:t>
+            </a:r>
+          </a:p>
+        </p:txBody>
+      </p:sp>
+      <p:sp>
+        <p:nvSpPr>
+          <p:cNvPr id="8" name="슬라이드 번호 개체 틀 2">
+            <a:extLst>
+              <a:ext uri="{FF2B5EF4-FFF2-40B4-BE49-F238E27FC236}">
+                <a16:creationId xmlns:a16="http://schemas.microsoft.com/office/drawing/2014/main" id="{04551D9F-A373-412B-9564-CCFAEDE5BC72}"/>
+              </a:ext>
+            </a:extLst>
+          </p:cNvPr>
+          <p:cNvSpPr>
+            <a:spLocks noGrp="1"/>
+          </p:cNvSpPr>
+          <p:nvPr>
+            <p:ph type="sldNum" sz="quarter" idx="12"/>
+          </p:nvPr>
+        </p:nvSpPr>
+        <p:spPr>
+          <a:xfrm>
+            <a:off x="4439346" y="6528442"/>
+            <a:ext cx="1029301" cy="276999"/>
+          </a:xfrm>
+        </p:spPr>
+        <p:txBody>
+          <a:bodyPr>
+            <a:normAutofit fontScale="92500"/>
+          </a:bodyPr>
+          <a:lstStyle/>
+          <a:p>
+            <a:fld id="{EBB166B3-33A6-45CA-B81B-F13BE7654232}" type="slidenum">
+              <a:rPr lang="ko-KR" altLang="en-US" smtClean="0">
+                <a:latin typeface="나눔고딕" panose="020B0600000101010101" charset="-127"/>
+                <a:ea typeface="나눔고딕" panose="020B0600000101010101" charset="-127"/>
+              </a:rPr>
+              <a:t>39</a:t>
+            </a:fld>
+            <a:endParaRPr lang="ko-KR" altLang="en-US" dirty="0">
+              <a:latin typeface="나눔고딕" panose="020B0600000101010101" charset="-127"/>
+              <a:ea typeface="나눔고딕" panose="020B0600000101010101" charset="-127"/>
+            </a:endParaRPr>
+          </a:p>
+        </p:txBody>
+      </p:sp>
+      <p:grpSp>
+        <p:nvGrpSpPr>
+          <p:cNvPr id="16" name="그룹 15">
+            <a:extLst>
+              <a:ext uri="{FF2B5EF4-FFF2-40B4-BE49-F238E27FC236}">
+                <a16:creationId xmlns:a16="http://schemas.microsoft.com/office/drawing/2014/main" id="{E6F72CC5-D66C-46E2-A801-14627DB420DA}"/>
+              </a:ext>
+            </a:extLst>
+          </p:cNvPr>
+          <p:cNvGrpSpPr/>
+          <p:nvPr/>
+        </p:nvGrpSpPr>
+        <p:grpSpPr>
+          <a:xfrm>
+            <a:off x="965663" y="2050182"/>
+            <a:ext cx="7974673" cy="2757636"/>
+            <a:chOff x="355595" y="1294247"/>
+            <a:chExt cx="7756559" cy="2607954"/>
+          </a:xfrm>
+        </p:grpSpPr>
+        <p:pic>
+          <p:nvPicPr>
+            <p:cNvPr id="9" name="그림 8">
+              <a:extLst>
+                <a:ext uri="{FF2B5EF4-FFF2-40B4-BE49-F238E27FC236}">
+                  <a16:creationId xmlns:a16="http://schemas.microsoft.com/office/drawing/2014/main" id="{1CC008CE-3373-4A9C-9316-113F09BDDC1F}"/>
+                </a:ext>
+              </a:extLst>
+            </p:cNvPr>
+            <p:cNvPicPr>
+              <a:picLocks noChangeAspect="1"/>
+            </p:cNvPicPr>
+            <p:nvPr/>
+          </p:nvPicPr>
+          <p:blipFill>
+            <a:blip r:embed="rId2"/>
+            <a:stretch>
+              <a:fillRect/>
+            </a:stretch>
+          </p:blipFill>
+          <p:spPr>
+            <a:xfrm>
+              <a:off x="3640734" y="1732981"/>
+              <a:ext cx="4471420" cy="2169220"/>
+            </a:xfrm>
+            <a:prstGeom prst="rect">
+              <a:avLst/>
+            </a:prstGeom>
+          </p:spPr>
+        </p:pic>
+        <p:pic>
+          <p:nvPicPr>
+            <p:cNvPr id="15" name="그림 14">
+              <a:extLst>
+                <a:ext uri="{FF2B5EF4-FFF2-40B4-BE49-F238E27FC236}">
+                  <a16:creationId xmlns:a16="http://schemas.microsoft.com/office/drawing/2014/main" id="{06E18A7C-9957-4A70-BC6A-EF3529EEEC69}"/>
+                </a:ext>
+              </a:extLst>
+            </p:cNvPr>
+            <p:cNvPicPr>
+              <a:picLocks noChangeAspect="1"/>
+            </p:cNvPicPr>
+            <p:nvPr/>
+          </p:nvPicPr>
+          <p:blipFill>
+            <a:blip r:embed="rId3"/>
+            <a:stretch>
+              <a:fillRect/>
+            </a:stretch>
+          </p:blipFill>
+          <p:spPr>
+            <a:xfrm>
+              <a:off x="512166" y="1732981"/>
+              <a:ext cx="2724150" cy="1847850"/>
+            </a:xfrm>
+            <a:prstGeom prst="rect">
+              <a:avLst/>
+            </a:prstGeom>
+          </p:spPr>
+        </p:pic>
+        <p:sp>
+          <p:nvSpPr>
+            <p:cNvPr id="18" name="직사각형 17">
+              <a:extLst>
+                <a:ext uri="{FF2B5EF4-FFF2-40B4-BE49-F238E27FC236}">
+                  <a16:creationId xmlns:a16="http://schemas.microsoft.com/office/drawing/2014/main" id="{7B14FA45-1C98-49A5-A7F6-60A1F059097D}"/>
+                </a:ext>
+              </a:extLst>
+            </p:cNvPr>
+            <p:cNvSpPr/>
+            <p:nvPr/>
+          </p:nvSpPr>
+          <p:spPr>
+            <a:xfrm>
+              <a:off x="363984" y="1655073"/>
+              <a:ext cx="7748170" cy="2247128"/>
+            </a:xfrm>
+            <a:prstGeom prst="rect">
+              <a:avLst/>
+            </a:prstGeom>
+            <a:noFill/>
+          </p:spPr>
+          <p:style>
+            <a:lnRef idx="2">
+              <a:schemeClr val="accent1">
+                <a:shade val="50000"/>
+              </a:schemeClr>
+            </a:lnRef>
+            <a:fillRef idx="1">
+              <a:schemeClr val="accent1"/>
+            </a:fillRef>
+            <a:effectRef idx="0">
+              <a:schemeClr val="accent1"/>
+            </a:effectRef>
+            <a:fontRef idx="minor">
+              <a:schemeClr val="lt1"/>
+            </a:fontRef>
+          </p:style>
+          <p:txBody>
+            <a:bodyPr rtlCol="0" anchor="ctr"/>
+            <a:lstStyle/>
+            <a:p>
+              <a:pPr algn="ctr"/>
+              <a:endParaRPr lang="ko-KR" altLang="en-US">
+                <a:latin typeface="나눔고딕" panose="020B0600000101010101" charset="-127"/>
+                <a:ea typeface="나눔고딕" panose="020B0600000101010101" charset="-127"/>
+              </a:endParaRPr>
+            </a:p>
+          </p:txBody>
+        </p:sp>
+        <p:sp>
+          <p:nvSpPr>
+            <p:cNvPr id="19" name="자유형 23">
+              <a:extLst>
+                <a:ext uri="{FF2B5EF4-FFF2-40B4-BE49-F238E27FC236}">
+                  <a16:creationId xmlns:a16="http://schemas.microsoft.com/office/drawing/2014/main" id="{624AFC07-93B0-4B45-82F1-183128502416}"/>
+                </a:ext>
+              </a:extLst>
+            </p:cNvPr>
+            <p:cNvSpPr>
+              <a:spLocks noChangeArrowheads="1"/>
+            </p:cNvSpPr>
+            <p:nvPr/>
+          </p:nvSpPr>
+          <p:spPr bwMode="gray">
+            <a:xfrm>
+              <a:off x="355595" y="1294247"/>
+              <a:ext cx="1825543" cy="352174"/>
+            </a:xfrm>
+            <a:custGeom>
+              <a:avLst/>
+              <a:gdLst>
+                <a:gd name="connsiteX0" fmla="*/ 48729 w 1587995"/>
+                <a:gd name="connsiteY0" fmla="*/ 0 h 292361"/>
+                <a:gd name="connsiteX1" fmla="*/ 1539267 w 1587995"/>
+                <a:gd name="connsiteY1" fmla="*/ 0 h 292361"/>
+                <a:gd name="connsiteX2" fmla="*/ 1587995 w 1587995"/>
+                <a:gd name="connsiteY2" fmla="*/ 48728 h 292361"/>
+                <a:gd name="connsiteX3" fmla="*/ 1587995 w 1587995"/>
+                <a:gd name="connsiteY3" fmla="*/ 243633 h 292361"/>
+                <a:gd name="connsiteX4" fmla="*/ 1587994 w 1587995"/>
+                <a:gd name="connsiteY4" fmla="*/ 243636 h 292361"/>
+                <a:gd name="connsiteX5" fmla="*/ 1587994 w 1587995"/>
+                <a:gd name="connsiteY5" fmla="*/ 292361 h 292361"/>
+                <a:gd name="connsiteX6" fmla="*/ 1539267 w 1587995"/>
+                <a:gd name="connsiteY6" fmla="*/ 292361 h 292361"/>
+                <a:gd name="connsiteX7" fmla="*/ 48729 w 1587995"/>
+                <a:gd name="connsiteY7" fmla="*/ 292361 h 292361"/>
+                <a:gd name="connsiteX8" fmla="*/ 0 w 1587995"/>
+                <a:gd name="connsiteY8" fmla="*/ 292361 h 292361"/>
+                <a:gd name="connsiteX9" fmla="*/ 0 w 1587995"/>
+                <a:gd name="connsiteY9" fmla="*/ 152400 h 292361"/>
+                <a:gd name="connsiteX10" fmla="*/ 1 w 1587995"/>
+                <a:gd name="connsiteY10" fmla="*/ 152400 h 292361"/>
+                <a:gd name="connsiteX11" fmla="*/ 1 w 1587995"/>
+                <a:gd name="connsiteY11" fmla="*/ 48728 h 292361"/>
+                <a:gd name="connsiteX12" fmla="*/ 48729 w 1587995"/>
+                <a:gd name="connsiteY12" fmla="*/ 0 h 292361"/>
+              </a:gdLst>
+              <a:ahLst/>
+              <a:cxnLst>
+                <a:cxn ang="0">
+                  <a:pos x="connsiteX0" y="connsiteY0"/>
+                </a:cxn>
+                <a:cxn ang="0">
+                  <a:pos x="connsiteX1" y="connsiteY1"/>
+                </a:cxn>
+                <a:cxn ang="0">
+                  <a:pos x="connsiteX2" y="connsiteY2"/>
+                </a:cxn>
+                <a:cxn ang="0">
+                  <a:pos x="connsiteX3" y="connsiteY3"/>
+                </a:cxn>
+                <a:cxn ang="0">
+                  <a:pos x="connsiteX4" y="connsiteY4"/>
+                </a:cxn>
+                <a:cxn ang="0">
+                  <a:pos x="connsiteX5" y="connsiteY5"/>
+                </a:cxn>
+                <a:cxn ang="0">
+                  <a:pos x="connsiteX6" y="connsiteY6"/>
+                </a:cxn>
+                <a:cxn ang="0">
+                  <a:pos x="connsiteX7" y="connsiteY7"/>
+                </a:cxn>
+                <a:cxn ang="0">
+                  <a:pos x="connsiteX8" y="connsiteY8"/>
+                </a:cxn>
+                <a:cxn ang="0">
+                  <a:pos x="connsiteX9" y="connsiteY9"/>
+                </a:cxn>
+                <a:cxn ang="0">
+                  <a:pos x="connsiteX10" y="connsiteY10"/>
+                </a:cxn>
+                <a:cxn ang="0">
+                  <a:pos x="connsiteX11" y="connsiteY11"/>
+                </a:cxn>
+                <a:cxn ang="0">
+                  <a:pos x="connsiteX12" y="connsiteY12"/>
+                </a:cxn>
+              </a:cxnLst>
+              <a:rect l="l" t="t" r="r" b="b"/>
+              <a:pathLst>
+                <a:path w="1587995" h="292361">
+                  <a:moveTo>
+                    <a:pt x="48729" y="0"/>
+                  </a:moveTo>
+                  <a:lnTo>
+                    <a:pt x="1539267" y="0"/>
+                  </a:lnTo>
+                  <a:cubicBezTo>
+                    <a:pt x="1566179" y="0"/>
+                    <a:pt x="1587995" y="21816"/>
+                    <a:pt x="1587995" y="48728"/>
+                  </a:cubicBezTo>
+                  <a:lnTo>
+                    <a:pt x="1587995" y="243633"/>
+                  </a:lnTo>
+                  <a:lnTo>
+                    <a:pt x="1587994" y="243636"/>
+                  </a:lnTo>
+                  <a:lnTo>
+                    <a:pt x="1587994" y="292361"/>
+                  </a:lnTo>
+                  <a:lnTo>
+                    <a:pt x="1539267" y="292361"/>
+                  </a:lnTo>
+                  <a:lnTo>
+                    <a:pt x="48729" y="292361"/>
+                  </a:lnTo>
+                  <a:lnTo>
+                    <a:pt x="0" y="292361"/>
+                  </a:lnTo>
+                  <a:lnTo>
+                    <a:pt x="0" y="152400"/>
+                  </a:lnTo>
+                  <a:lnTo>
+                    <a:pt x="1" y="152400"/>
+                  </a:lnTo>
+                  <a:lnTo>
+                    <a:pt x="1" y="48728"/>
+                  </a:lnTo>
+                  <a:cubicBezTo>
+                    <a:pt x="1" y="21816"/>
+                    <a:pt x="21817" y="0"/>
+                    <a:pt x="48729" y="0"/>
+                  </a:cubicBezTo>
+                  <a:close/>
+                </a:path>
+              </a:pathLst>
+            </a:custGeom>
+            <a:solidFill>
+              <a:srgbClr val="002060"/>
+            </a:solidFill>
+            <a:ln w="9525" algn="ctr">
+              <a:solidFill>
+                <a:srgbClr val="002060"/>
+              </a:solidFill>
+              <a:miter lim="800000"/>
+              <a:headEnd/>
+              <a:tailEnd/>
+            </a:ln>
+            <a:effectLst>
+              <a:outerShdw blurRad="50800" dist="38100" dir="2700000" algn="tl" rotWithShape="0">
+                <a:prstClr val="black">
+                  <a:alpha val="40000"/>
+                </a:prstClr>
+              </a:outerShdw>
+            </a:effectLst>
+          </p:spPr>
+          <p:txBody>
+            <a:bodyPr wrap="square" lIns="72000" tIns="36000" rIns="72000" bIns="36000" anchor="ctr">
+              <a:noAutofit/>
+            </a:bodyPr>
+            <a:lstStyle/>
+            <a:p>
+              <a:pPr marR="0" lvl="0" algn="ctr" defTabSz="411163" eaLnBrk="0" fontAlgn="base" latinLnBrk="0" hangingPunct="0">
+                <a:spcBef>
+                  <a:spcPct val="0"/>
+                </a:spcBef>
+                <a:spcAft>
+                  <a:spcPct val="0"/>
+                </a:spcAft>
+                <a:buSzPct val="90000"/>
+                <a:tabLst>
+                  <a:tab pos="85725" algn="l"/>
+                </a:tabLst>
+                <a:defRPr/>
+              </a:pPr>
+              <a:r>
+                <a:rPr kumimoji="1" lang="en-US" altLang="ko-KR" sz="1200" b="1" i="0" u="none" strike="noStrike" kern="0" cap="none" spc="0" normalizeH="0" baseline="0" noProof="0" dirty="0">
+                  <a:ln>
+                    <a:noFill/>
+                  </a:ln>
+                  <a:solidFill>
+                    <a:schemeClr val="bg1"/>
+                  </a:solidFill>
+                  <a:effectLst/>
+                  <a:uLnTx/>
+                  <a:uFillTx/>
+                  <a:latin typeface="나눔고딕" panose="020B0600000101010101" charset="-127"/>
+                  <a:ea typeface="나눔고딕" panose="020B0600000101010101" charset="-127"/>
+                </a:rPr>
+                <a:t>NL JOIN without INDEX</a:t>
+              </a:r>
+            </a:p>
+          </p:txBody>
+        </p:sp>
+      </p:grpSp>
+    </p:spTree>
+    <p:extLst>
+      <p:ext uri="{BB962C8B-B14F-4D97-AF65-F5344CB8AC3E}">
+        <p14:creationId xmlns:p14="http://schemas.microsoft.com/office/powerpoint/2010/main" val="4119247954"/>
+      </p:ext>
+    </p:extLst>
+  </p:cSld>
+  <p:clrMapOvr>
+    <a:masterClrMapping/>
+  </p:clrMapOvr>
+</p:sld>
+</file>
+
+<file path=ppt/slides/slide41.xml><?xml version="1.0" encoding="utf-8"?>
+<p:sld xmlns:a="http://schemas.openxmlformats.org/drawingml/2006/main" xmlns:r="http://schemas.openxmlformats.org/officeDocument/2006/relationships" xmlns:p="http://schemas.openxmlformats.org/presentationml/2006/main">
+  <p:cSld>
+    <p:spTree>
+      <p:nvGrpSpPr>
+        <p:cNvPr id="1" name=""/>
+        <p:cNvGrpSpPr/>
+        <p:nvPr/>
+      </p:nvGrpSpPr>
+      <p:grpSpPr>
+        <a:xfrm>
+          <a:off x="0" y="0"/>
+          <a:ext cx="0" cy="0"/>
+          <a:chOff x="0" y="0"/>
+          <a:chExt cx="0" cy="0"/>
+        </a:xfrm>
+      </p:grpSpPr>
+      <p:sp>
+        <p:nvSpPr>
+          <p:cNvPr id="2" name="제목 1">
+            <a:extLst>
+              <a:ext uri="{FF2B5EF4-FFF2-40B4-BE49-F238E27FC236}">
+                <a16:creationId xmlns:a16="http://schemas.microsoft.com/office/drawing/2014/main" id="{F35C43C8-4428-4D97-87C2-6ACA5057AB6C}"/>
+              </a:ext>
+            </a:extLst>
+          </p:cNvPr>
+          <p:cNvSpPr>
+            <a:spLocks noGrp="1"/>
+          </p:cNvSpPr>
+          <p:nvPr>
+            <p:ph type="title"/>
+          </p:nvPr>
+        </p:nvSpPr>
+        <p:spPr/>
+        <p:txBody>
+          <a:bodyPr/>
+          <a:lstStyle/>
+          <a:p>
+            <a:r>
+              <a:rPr lang="en-US" altLang="ko-KR" dirty="0">
+                <a:latin typeface="나눔고딕" panose="020B0600000101010101" charset="-127"/>
+                <a:ea typeface="나눔고딕" panose="020B0600000101010101" charset="-127"/>
+              </a:rPr>
+              <a:t>11. NESTED LOOPS JOIN</a:t>
+            </a:r>
+            <a:endParaRPr lang="ko-KR" altLang="en-US" dirty="0">
+              <a:latin typeface="나눔고딕" panose="020B0600000101010101" charset="-127"/>
+              <a:ea typeface="나눔고딕" panose="020B0600000101010101" charset="-127"/>
+            </a:endParaRPr>
+          </a:p>
+        </p:txBody>
+      </p:sp>
+      <p:sp>
+        <p:nvSpPr>
+          <p:cNvPr id="47" name="텍스트 개체 틀 3">
+            <a:extLst>
+              <a:ext uri="{FF2B5EF4-FFF2-40B4-BE49-F238E27FC236}">
+                <a16:creationId xmlns:a16="http://schemas.microsoft.com/office/drawing/2014/main" id="{BD6E26C7-2547-444C-8643-2B2EEE99F2F4}"/>
+              </a:ext>
+            </a:extLst>
+          </p:cNvPr>
+          <p:cNvSpPr>
+            <a:spLocks noGrp="1"/>
+          </p:cNvSpPr>
+          <p:nvPr>
+            <p:ph type="body" sz="quarter" idx="13"/>
+          </p:nvPr>
+        </p:nvSpPr>
+        <p:spPr>
+          <a:xfrm>
+            <a:off x="6747393" y="62621"/>
+            <a:ext cx="2822735" cy="390525"/>
+          </a:xfrm>
+        </p:spPr>
+        <p:txBody>
+          <a:bodyPr/>
+          <a:lstStyle/>
+          <a:p>
+            <a:r>
+              <a:rPr lang="en-US" altLang="ko-KR" dirty="0">
+                <a:latin typeface="나눔고딕" panose="020D0604000000000000" pitchFamily="50" charset="-127"/>
+                <a:ea typeface="나눔고딕" panose="020D0604000000000000" pitchFamily="50" charset="-127"/>
+              </a:rPr>
+              <a:t>Ⅱ. </a:t>
+            </a:r>
+            <a:r>
+              <a:rPr lang="ko-KR" altLang="en-US" dirty="0">
+                <a:latin typeface="나눔고딕" panose="020D0604000000000000" pitchFamily="50" charset="-127"/>
+                <a:ea typeface="나눔고딕" panose="020D0604000000000000" pitchFamily="50" charset="-127"/>
+              </a:rPr>
+              <a:t>실행계획</a:t>
+            </a:r>
+          </a:p>
+        </p:txBody>
+      </p:sp>
+      <p:sp>
+        <p:nvSpPr>
+          <p:cNvPr id="8" name="슬라이드 번호 개체 틀 2">
+            <a:extLst>
+              <a:ext uri="{FF2B5EF4-FFF2-40B4-BE49-F238E27FC236}">
+                <a16:creationId xmlns:a16="http://schemas.microsoft.com/office/drawing/2014/main" id="{04551D9F-A373-412B-9564-CCFAEDE5BC72}"/>
+              </a:ext>
+            </a:extLst>
+          </p:cNvPr>
+          <p:cNvSpPr>
+            <a:spLocks noGrp="1"/>
+          </p:cNvSpPr>
+          <p:nvPr>
+            <p:ph type="sldNum" sz="quarter" idx="12"/>
+          </p:nvPr>
+        </p:nvSpPr>
+        <p:spPr>
+          <a:xfrm>
+            <a:off x="4439346" y="6528442"/>
+            <a:ext cx="1029301" cy="276999"/>
+          </a:xfrm>
+        </p:spPr>
+        <p:txBody>
+          <a:bodyPr>
+            <a:normAutofit fontScale="92500"/>
+          </a:bodyPr>
+          <a:lstStyle/>
+          <a:p>
+            <a:fld id="{EBB166B3-33A6-45CA-B81B-F13BE7654232}" type="slidenum">
+              <a:rPr lang="ko-KR" altLang="en-US" smtClean="0">
+                <a:latin typeface="나눔고딕" panose="020B0600000101010101" charset="-127"/>
+                <a:ea typeface="나눔고딕" panose="020B0600000101010101" charset="-127"/>
+              </a:rPr>
+              <a:t>40</a:t>
+            </a:fld>
+            <a:endParaRPr lang="ko-KR" altLang="en-US" dirty="0">
+              <a:latin typeface="나눔고딕" panose="020B0600000101010101" charset="-127"/>
+              <a:ea typeface="나눔고딕" panose="020B0600000101010101" charset="-127"/>
+            </a:endParaRPr>
+          </a:p>
+        </p:txBody>
+      </p:sp>
+      <p:grpSp>
+        <p:nvGrpSpPr>
+          <p:cNvPr id="6" name="그룹 5">
+            <a:extLst>
+              <a:ext uri="{FF2B5EF4-FFF2-40B4-BE49-F238E27FC236}">
+                <a16:creationId xmlns:a16="http://schemas.microsoft.com/office/drawing/2014/main" id="{3E03FAF6-0FF5-46BE-954D-50C9995715FB}"/>
+              </a:ext>
+            </a:extLst>
+          </p:cNvPr>
+          <p:cNvGrpSpPr/>
+          <p:nvPr/>
+        </p:nvGrpSpPr>
+        <p:grpSpPr>
+          <a:xfrm>
+            <a:off x="481430" y="726551"/>
+            <a:ext cx="6145873" cy="5536981"/>
+            <a:chOff x="363984" y="746373"/>
+            <a:chExt cx="6145873" cy="5536981"/>
+          </a:xfrm>
+        </p:grpSpPr>
+        <p:sp>
+          <p:nvSpPr>
+            <p:cNvPr id="13" name="직사각형 12">
+              <a:extLst>
+                <a:ext uri="{FF2B5EF4-FFF2-40B4-BE49-F238E27FC236}">
+                  <a16:creationId xmlns:a16="http://schemas.microsoft.com/office/drawing/2014/main" id="{C4A9B500-794F-4B9E-8EA8-DEBEB5F3C1CE}"/>
+                </a:ext>
+              </a:extLst>
+            </p:cNvPr>
+            <p:cNvSpPr/>
+            <p:nvPr/>
+          </p:nvSpPr>
+          <p:spPr>
+            <a:xfrm>
+              <a:off x="372609" y="1127908"/>
+              <a:ext cx="6137248" cy="5155446"/>
+            </a:xfrm>
+            <a:prstGeom prst="rect">
+              <a:avLst/>
+            </a:prstGeom>
+            <a:noFill/>
+          </p:spPr>
+          <p:style>
+            <a:lnRef idx="2">
+              <a:schemeClr val="accent1">
+                <a:shade val="50000"/>
+              </a:schemeClr>
+            </a:lnRef>
+            <a:fillRef idx="1">
+              <a:schemeClr val="accent1"/>
+            </a:fillRef>
+            <a:effectRef idx="0">
+              <a:schemeClr val="accent1"/>
+            </a:effectRef>
+            <a:fontRef idx="minor">
+              <a:schemeClr val="lt1"/>
+            </a:fontRef>
+          </p:style>
+          <p:txBody>
+            <a:bodyPr rtlCol="0" anchor="ctr"/>
+            <a:lstStyle/>
+            <a:p>
+              <a:pPr algn="ctr"/>
+              <a:endParaRPr lang="ko-KR" altLang="en-US">
+                <a:latin typeface="나눔고딕" panose="020B0600000101010101" charset="-127"/>
+                <a:ea typeface="나눔고딕" panose="020B0600000101010101" charset="-127"/>
+              </a:endParaRPr>
+            </a:p>
+          </p:txBody>
+        </p:sp>
+        <p:sp>
+          <p:nvSpPr>
+            <p:cNvPr id="14" name="자유형 23">
+              <a:extLst>
+                <a:ext uri="{FF2B5EF4-FFF2-40B4-BE49-F238E27FC236}">
+                  <a16:creationId xmlns:a16="http://schemas.microsoft.com/office/drawing/2014/main" id="{1CAACC7D-3FA4-4D8B-8714-E90B100CBA78}"/>
+                </a:ext>
+              </a:extLst>
+            </p:cNvPr>
+            <p:cNvSpPr>
+              <a:spLocks noChangeArrowheads="1"/>
+            </p:cNvSpPr>
+            <p:nvPr/>
+          </p:nvSpPr>
+          <p:spPr bwMode="gray">
+            <a:xfrm>
+              <a:off x="363984" y="746373"/>
+              <a:ext cx="1876877" cy="372387"/>
+            </a:xfrm>
+            <a:custGeom>
+              <a:avLst/>
+              <a:gdLst>
+                <a:gd name="connsiteX0" fmla="*/ 48729 w 1587995"/>
+                <a:gd name="connsiteY0" fmla="*/ 0 h 292361"/>
+                <a:gd name="connsiteX1" fmla="*/ 1539267 w 1587995"/>
+                <a:gd name="connsiteY1" fmla="*/ 0 h 292361"/>
+                <a:gd name="connsiteX2" fmla="*/ 1587995 w 1587995"/>
+                <a:gd name="connsiteY2" fmla="*/ 48728 h 292361"/>
+                <a:gd name="connsiteX3" fmla="*/ 1587995 w 1587995"/>
+                <a:gd name="connsiteY3" fmla="*/ 243633 h 292361"/>
+                <a:gd name="connsiteX4" fmla="*/ 1587994 w 1587995"/>
+                <a:gd name="connsiteY4" fmla="*/ 243636 h 292361"/>
+                <a:gd name="connsiteX5" fmla="*/ 1587994 w 1587995"/>
+                <a:gd name="connsiteY5" fmla="*/ 292361 h 292361"/>
+                <a:gd name="connsiteX6" fmla="*/ 1539267 w 1587995"/>
+                <a:gd name="connsiteY6" fmla="*/ 292361 h 292361"/>
+                <a:gd name="connsiteX7" fmla="*/ 48729 w 1587995"/>
+                <a:gd name="connsiteY7" fmla="*/ 292361 h 292361"/>
+                <a:gd name="connsiteX8" fmla="*/ 0 w 1587995"/>
+                <a:gd name="connsiteY8" fmla="*/ 292361 h 292361"/>
+                <a:gd name="connsiteX9" fmla="*/ 0 w 1587995"/>
+                <a:gd name="connsiteY9" fmla="*/ 152400 h 292361"/>
+                <a:gd name="connsiteX10" fmla="*/ 1 w 1587995"/>
+                <a:gd name="connsiteY10" fmla="*/ 152400 h 292361"/>
+                <a:gd name="connsiteX11" fmla="*/ 1 w 1587995"/>
+                <a:gd name="connsiteY11" fmla="*/ 48728 h 292361"/>
+                <a:gd name="connsiteX12" fmla="*/ 48729 w 1587995"/>
+                <a:gd name="connsiteY12" fmla="*/ 0 h 292361"/>
+              </a:gdLst>
+              <a:ahLst/>
+              <a:cxnLst>
+                <a:cxn ang="0">
+                  <a:pos x="connsiteX0" y="connsiteY0"/>
+                </a:cxn>
+                <a:cxn ang="0">
+                  <a:pos x="connsiteX1" y="connsiteY1"/>
+                </a:cxn>
+                <a:cxn ang="0">
+                  <a:pos x="connsiteX2" y="connsiteY2"/>
+                </a:cxn>
+                <a:cxn ang="0">
+                  <a:pos x="connsiteX3" y="connsiteY3"/>
+                </a:cxn>
+                <a:cxn ang="0">
+                  <a:pos x="connsiteX4" y="connsiteY4"/>
+                </a:cxn>
+                <a:cxn ang="0">
+                  <a:pos x="connsiteX5" y="connsiteY5"/>
+                </a:cxn>
+                <a:cxn ang="0">
+                  <a:pos x="connsiteX6" y="connsiteY6"/>
+                </a:cxn>
+                <a:cxn ang="0">
+                  <a:pos x="connsiteX7" y="connsiteY7"/>
+                </a:cxn>
+                <a:cxn ang="0">
+                  <a:pos x="connsiteX8" y="connsiteY8"/>
+                </a:cxn>
+                <a:cxn ang="0">
+                  <a:pos x="connsiteX9" y="connsiteY9"/>
+                </a:cxn>
+                <a:cxn ang="0">
+                  <a:pos x="connsiteX10" y="connsiteY10"/>
+                </a:cxn>
+                <a:cxn ang="0">
+                  <a:pos x="connsiteX11" y="connsiteY11"/>
+                </a:cxn>
+                <a:cxn ang="0">
+                  <a:pos x="connsiteX12" y="connsiteY12"/>
+                </a:cxn>
+              </a:cxnLst>
+              <a:rect l="l" t="t" r="r" b="b"/>
+              <a:pathLst>
+                <a:path w="1587995" h="292361">
+                  <a:moveTo>
+                    <a:pt x="48729" y="0"/>
+                  </a:moveTo>
+                  <a:lnTo>
+                    <a:pt x="1539267" y="0"/>
+                  </a:lnTo>
+                  <a:cubicBezTo>
+                    <a:pt x="1566179" y="0"/>
+                    <a:pt x="1587995" y="21816"/>
+                    <a:pt x="1587995" y="48728"/>
+                  </a:cubicBezTo>
+                  <a:lnTo>
+                    <a:pt x="1587995" y="243633"/>
+                  </a:lnTo>
+                  <a:lnTo>
+                    <a:pt x="1587994" y="243636"/>
+                  </a:lnTo>
+                  <a:lnTo>
+                    <a:pt x="1587994" y="292361"/>
+                  </a:lnTo>
+                  <a:lnTo>
+                    <a:pt x="1539267" y="292361"/>
+                  </a:lnTo>
+                  <a:lnTo>
+                    <a:pt x="48729" y="292361"/>
+                  </a:lnTo>
+                  <a:lnTo>
+                    <a:pt x="0" y="292361"/>
+                  </a:lnTo>
+                  <a:lnTo>
+                    <a:pt x="0" y="152400"/>
+                  </a:lnTo>
+                  <a:lnTo>
+                    <a:pt x="1" y="152400"/>
+                  </a:lnTo>
+                  <a:lnTo>
+                    <a:pt x="1" y="48728"/>
+                  </a:lnTo>
+                  <a:cubicBezTo>
+                    <a:pt x="1" y="21816"/>
+                    <a:pt x="21817" y="0"/>
+                    <a:pt x="48729" y="0"/>
+                  </a:cubicBezTo>
+                  <a:close/>
+                </a:path>
+              </a:pathLst>
+            </a:custGeom>
+            <a:solidFill>
+              <a:srgbClr val="002060"/>
+            </a:solidFill>
+            <a:ln w="9525" algn="ctr">
+              <a:solidFill>
+                <a:srgbClr val="002060"/>
+              </a:solidFill>
+              <a:miter lim="800000"/>
+              <a:headEnd/>
+              <a:tailEnd/>
+            </a:ln>
+            <a:effectLst>
+              <a:outerShdw blurRad="50800" dist="38100" dir="2700000" algn="tl" rotWithShape="0">
+                <a:prstClr val="black">
+                  <a:alpha val="40000"/>
+                </a:prstClr>
+              </a:outerShdw>
+            </a:effectLst>
+          </p:spPr>
+          <p:txBody>
+            <a:bodyPr wrap="square" lIns="72000" tIns="36000" rIns="72000" bIns="36000" anchor="ctr">
+              <a:noAutofit/>
+            </a:bodyPr>
+            <a:lstStyle/>
+            <a:p>
+              <a:pPr marR="0" lvl="0" algn="ctr" defTabSz="411163" eaLnBrk="0" fontAlgn="base" latinLnBrk="0" hangingPunct="0">
+                <a:spcBef>
+                  <a:spcPct val="0"/>
+                </a:spcBef>
+                <a:spcAft>
+                  <a:spcPct val="0"/>
+                </a:spcAft>
+                <a:buSzPct val="90000"/>
+                <a:tabLst>
+                  <a:tab pos="85725" algn="l"/>
+                </a:tabLst>
+                <a:defRPr/>
+              </a:pPr>
+              <a:r>
+                <a:rPr kumimoji="1" lang="en-US" altLang="ko-KR" sz="1200" b="1" i="0" u="none" strike="noStrike" kern="0" cap="none" spc="0" normalizeH="0" baseline="0" noProof="0" dirty="0">
+                  <a:ln>
+                    <a:noFill/>
+                  </a:ln>
+                  <a:solidFill>
+                    <a:schemeClr val="bg1"/>
+                  </a:solidFill>
+                  <a:effectLst/>
+                  <a:uLnTx/>
+                  <a:uFillTx/>
+                  <a:latin typeface="나눔고딕" panose="020B0600000101010101" charset="-127"/>
+                  <a:ea typeface="나눔고딕" panose="020B0600000101010101" charset="-127"/>
+                </a:rPr>
+                <a:t>NL JOIN with INDEX</a:t>
+              </a:r>
+            </a:p>
+          </p:txBody>
+        </p:sp>
+        <p:pic>
+          <p:nvPicPr>
+            <p:cNvPr id="4" name="그림 3">
+              <a:extLst>
+                <a:ext uri="{FF2B5EF4-FFF2-40B4-BE49-F238E27FC236}">
+                  <a16:creationId xmlns:a16="http://schemas.microsoft.com/office/drawing/2014/main" id="{2172B517-3DB0-4E26-A6AD-979445CB7010}"/>
+                </a:ext>
+              </a:extLst>
+            </p:cNvPr>
+            <p:cNvPicPr>
+              <a:picLocks noChangeAspect="1"/>
+            </p:cNvPicPr>
+            <p:nvPr/>
+          </p:nvPicPr>
+          <p:blipFill>
+            <a:blip r:embed="rId2"/>
+            <a:stretch>
+              <a:fillRect/>
+            </a:stretch>
+          </p:blipFill>
+          <p:spPr>
+            <a:xfrm>
+              <a:off x="541736" y="1271261"/>
+              <a:ext cx="5857875" cy="1981200"/>
+            </a:xfrm>
+            <a:prstGeom prst="rect">
+              <a:avLst/>
+            </a:prstGeom>
+          </p:spPr>
+        </p:pic>
+        <p:pic>
+          <p:nvPicPr>
+            <p:cNvPr id="5" name="그림 4">
+              <a:extLst>
+                <a:ext uri="{FF2B5EF4-FFF2-40B4-BE49-F238E27FC236}">
+                  <a16:creationId xmlns:a16="http://schemas.microsoft.com/office/drawing/2014/main" id="{65532564-F9CA-4CBE-8AA4-818234722760}"/>
+                </a:ext>
+              </a:extLst>
+            </p:cNvPr>
+            <p:cNvPicPr>
+              <a:picLocks noChangeAspect="1"/>
+            </p:cNvPicPr>
+            <p:nvPr/>
+          </p:nvPicPr>
+          <p:blipFill>
+            <a:blip r:embed="rId3"/>
+            <a:stretch>
+              <a:fillRect/>
+            </a:stretch>
+          </p:blipFill>
+          <p:spPr>
+            <a:xfrm>
+              <a:off x="541735" y="3429000"/>
+              <a:ext cx="5857875" cy="2635653"/>
+            </a:xfrm>
+            <a:prstGeom prst="rect">
+              <a:avLst/>
+            </a:prstGeom>
+          </p:spPr>
+        </p:pic>
+      </p:grpSp>
+      <p:sp>
+        <p:nvSpPr>
+          <p:cNvPr id="7" name="원호 6">
+            <a:extLst>
+              <a:ext uri="{FF2B5EF4-FFF2-40B4-BE49-F238E27FC236}">
+                <a16:creationId xmlns:a16="http://schemas.microsoft.com/office/drawing/2014/main" id="{9C2C1F9E-C222-4B5E-84FD-53B6D675C7C9}"/>
+              </a:ext>
+            </a:extLst>
+          </p:cNvPr>
+          <p:cNvSpPr/>
+          <p:nvPr/>
+        </p:nvSpPr>
+        <p:spPr>
+          <a:xfrm rot="1336770">
+            <a:off x="1639160" y="4024214"/>
+            <a:ext cx="316822" cy="354998"/>
+          </a:xfrm>
+          <a:prstGeom prst="arc">
+            <a:avLst/>
+          </a:prstGeom>
+          <a:ln>
+            <a:solidFill>
+              <a:srgbClr val="FF0000"/>
+            </a:solidFill>
+          </a:ln>
+        </p:spPr>
+        <p:style>
+          <a:lnRef idx="1">
+            <a:schemeClr val="accent1"/>
+          </a:lnRef>
+          <a:fillRef idx="0">
+            <a:schemeClr val="accent1"/>
+          </a:fillRef>
+          <a:effectRef idx="0">
+            <a:schemeClr val="accent1"/>
+          </a:effectRef>
+          <a:fontRef idx="minor">
+            <a:schemeClr val="tx1"/>
+          </a:fontRef>
+        </p:style>
+        <p:txBody>
+          <a:bodyPr rtlCol="0" anchor="ctr"/>
+          <a:lstStyle/>
+          <a:p>
+            <a:pPr algn="ctr"/>
+            <a:endParaRPr lang="ko-KR" altLang="en-US"/>
+          </a:p>
+        </p:txBody>
+      </p:sp>
+      <p:cxnSp>
+        <p:nvCxnSpPr>
+          <p:cNvPr id="12" name="직선 화살표 연결선 11">
+            <a:extLst>
+              <a:ext uri="{FF2B5EF4-FFF2-40B4-BE49-F238E27FC236}">
+                <a16:creationId xmlns:a16="http://schemas.microsoft.com/office/drawing/2014/main" id="{E2C336E7-C9EA-4FE5-8310-0C04BA879174}"/>
+              </a:ext>
+            </a:extLst>
+          </p:cNvPr>
+          <p:cNvCxnSpPr>
+            <a:cxnSpLocks/>
+            <a:stCxn id="22" idx="1"/>
+          </p:cNvCxnSpPr>
+          <p:nvPr/>
+        </p:nvCxnSpPr>
+        <p:spPr>
+          <a:xfrm flipH="1">
+            <a:off x="1942991" y="3047539"/>
+            <a:ext cx="4804402" cy="1084235"/>
+          </a:xfrm>
+          <a:prstGeom prst="straightConnector1">
+            <a:avLst/>
+          </a:prstGeom>
+          <a:ln>
+            <a:solidFill>
+              <a:srgbClr val="FF0000"/>
+            </a:solidFill>
+            <a:tailEnd type="triangle"/>
+          </a:ln>
+        </p:spPr>
+        <p:style>
+          <a:lnRef idx="1">
+            <a:schemeClr val="accent1"/>
+          </a:lnRef>
+          <a:fillRef idx="0">
+            <a:schemeClr val="accent1"/>
+          </a:fillRef>
+          <a:effectRef idx="0">
+            <a:schemeClr val="accent1"/>
+          </a:effectRef>
+          <a:fontRef idx="minor">
+            <a:schemeClr val="tx1"/>
+          </a:fontRef>
+        </p:style>
+      </p:cxnSp>
+      <p:sp>
+        <p:nvSpPr>
+          <p:cNvPr id="22" name="TextBox 21">
+            <a:extLst>
+              <a:ext uri="{FF2B5EF4-FFF2-40B4-BE49-F238E27FC236}">
+                <a16:creationId xmlns:a16="http://schemas.microsoft.com/office/drawing/2014/main" id="{A2BBFD05-6CFD-41A2-B985-16C1FF225FB9}"/>
+              </a:ext>
+            </a:extLst>
+          </p:cNvPr>
+          <p:cNvSpPr txBox="1"/>
+          <p:nvPr/>
+        </p:nvSpPr>
+        <p:spPr>
+          <a:xfrm>
+            <a:off x="6747393" y="2847484"/>
+            <a:ext cx="3234879" cy="400110"/>
+          </a:xfrm>
+          <a:prstGeom prst="rect">
+            <a:avLst/>
+          </a:prstGeom>
+          <a:noFill/>
+        </p:spPr>
+        <p:txBody>
+          <a:bodyPr wrap="square" rtlCol="0">
+            <a:spAutoFit/>
+          </a:bodyPr>
+          <a:lstStyle/>
+          <a:p>
+            <a:r>
+              <a:rPr lang="en-US" altLang="ko-KR" sz="1000" dirty="0"/>
+              <a:t>SQL </a:t>
+            </a:r>
+            <a:r>
+              <a:rPr lang="ko-KR" altLang="en-US" sz="1000" dirty="0"/>
+              <a:t>코드상으로는 </a:t>
+            </a:r>
+            <a:r>
+              <a:rPr lang="en-US" altLang="ko-KR" sz="1000" dirty="0"/>
+              <a:t>NL Join</a:t>
+            </a:r>
+            <a:r>
+              <a:rPr lang="ko-KR" altLang="en-US" sz="1000" dirty="0"/>
+              <a:t>이 한 번 발생하는 건데</a:t>
+            </a:r>
+            <a:r>
+              <a:rPr lang="en-US" altLang="ko-KR" sz="1000" dirty="0"/>
+              <a:t>, </a:t>
+            </a:r>
+          </a:p>
+          <a:p>
+            <a:r>
+              <a:rPr lang="ko-KR" altLang="en-US" sz="1000" dirty="0"/>
+              <a:t>실행계획상으로 해당 조인이 두 번  발생하는 이유는</a:t>
+            </a:r>
+            <a:r>
+              <a:rPr lang="en-US" altLang="ko-KR" sz="1000" dirty="0"/>
+              <a:t>?</a:t>
+            </a:r>
+            <a:endParaRPr lang="ko-KR" altLang="en-US" sz="1000" dirty="0"/>
+          </a:p>
+        </p:txBody>
+      </p:sp>
+    </p:spTree>
+    <p:extLst>
+      <p:ext uri="{BB962C8B-B14F-4D97-AF65-F5344CB8AC3E}">
+        <p14:creationId xmlns:p14="http://schemas.microsoft.com/office/powerpoint/2010/main" val="3422718718"/>
+      </p:ext>
+    </p:extLst>
+  </p:cSld>
+  <p:clrMapOvr>
+    <a:masterClrMapping/>
+  </p:clrMapOvr>
+</p:sld>
+</file>
+
+<file path=ppt/slides/slide42.xml><?xml version="1.0" encoding="utf-8"?>
+<p:sld xmlns:a="http://schemas.openxmlformats.org/drawingml/2006/main" xmlns:r="http://schemas.openxmlformats.org/officeDocument/2006/relationships" xmlns:p="http://schemas.openxmlformats.org/presentationml/2006/main">
+  <p:cSld>
+    <p:spTree>
+      <p:nvGrpSpPr>
+        <p:cNvPr id="1" name=""/>
+        <p:cNvGrpSpPr/>
+        <p:nvPr/>
+      </p:nvGrpSpPr>
+      <p:grpSpPr>
+        <a:xfrm>
+          <a:off x="0" y="0"/>
+          <a:ext cx="0" cy="0"/>
+          <a:chOff x="0" y="0"/>
+          <a:chExt cx="0" cy="0"/>
+        </a:xfrm>
+      </p:grpSpPr>
+      <p:sp>
+        <p:nvSpPr>
+          <p:cNvPr id="2" name="제목 1">
+            <a:extLst>
+              <a:ext uri="{FF2B5EF4-FFF2-40B4-BE49-F238E27FC236}">
+                <a16:creationId xmlns:a16="http://schemas.microsoft.com/office/drawing/2014/main" id="{F35C43C8-4428-4D97-87C2-6ACA5057AB6C}"/>
+              </a:ext>
+            </a:extLst>
+          </p:cNvPr>
+          <p:cNvSpPr>
+            <a:spLocks noGrp="1"/>
+          </p:cNvSpPr>
+          <p:nvPr>
+            <p:ph type="title"/>
+          </p:nvPr>
+        </p:nvSpPr>
+        <p:spPr/>
+        <p:txBody>
+          <a:bodyPr/>
+          <a:lstStyle/>
+          <a:p>
+            <a:r>
+              <a:rPr lang="en-US" altLang="ko-KR" dirty="0">
+                <a:latin typeface="나눔고딕" panose="020B0600000101010101" charset="-127"/>
+                <a:ea typeface="나눔고딕" panose="020B0600000101010101" charset="-127"/>
+              </a:rPr>
+              <a:t>12. SORT MERGE JOIN</a:t>
+            </a:r>
+            <a:endParaRPr lang="ko-KR" altLang="en-US" dirty="0">
+              <a:latin typeface="나눔고딕" panose="020B0600000101010101" charset="-127"/>
+              <a:ea typeface="나눔고딕" panose="020B0600000101010101" charset="-127"/>
+            </a:endParaRPr>
+          </a:p>
+        </p:txBody>
+      </p:sp>
+      <p:sp>
+        <p:nvSpPr>
+          <p:cNvPr id="47" name="텍스트 개체 틀 3">
+            <a:extLst>
+              <a:ext uri="{FF2B5EF4-FFF2-40B4-BE49-F238E27FC236}">
+                <a16:creationId xmlns:a16="http://schemas.microsoft.com/office/drawing/2014/main" id="{BD6E26C7-2547-444C-8643-2B2EEE99F2F4}"/>
+              </a:ext>
+            </a:extLst>
+          </p:cNvPr>
+          <p:cNvSpPr>
+            <a:spLocks noGrp="1"/>
+          </p:cNvSpPr>
+          <p:nvPr>
+            <p:ph type="body" sz="quarter" idx="13"/>
+          </p:nvPr>
+        </p:nvSpPr>
+        <p:spPr>
+          <a:xfrm>
+            <a:off x="6747393" y="62621"/>
+            <a:ext cx="2822735" cy="390525"/>
+          </a:xfrm>
+        </p:spPr>
+        <p:txBody>
+          <a:bodyPr/>
+          <a:lstStyle/>
+          <a:p>
+            <a:r>
+              <a:rPr lang="en-US" altLang="ko-KR" dirty="0">
+                <a:latin typeface="나눔고딕" panose="020D0604000000000000" pitchFamily="50" charset="-127"/>
+                <a:ea typeface="나눔고딕" panose="020D0604000000000000" pitchFamily="50" charset="-127"/>
+              </a:rPr>
+              <a:t>Ⅱ. </a:t>
+            </a:r>
+            <a:r>
+              <a:rPr lang="ko-KR" altLang="en-US" dirty="0">
+                <a:latin typeface="나눔고딕" panose="020D0604000000000000" pitchFamily="50" charset="-127"/>
+                <a:ea typeface="나눔고딕" panose="020D0604000000000000" pitchFamily="50" charset="-127"/>
+              </a:rPr>
+              <a:t>실행계획</a:t>
+            </a:r>
+          </a:p>
+        </p:txBody>
+      </p:sp>
+      <p:sp>
+        <p:nvSpPr>
+          <p:cNvPr id="8" name="슬라이드 번호 개체 틀 2">
+            <a:extLst>
+              <a:ext uri="{FF2B5EF4-FFF2-40B4-BE49-F238E27FC236}">
+                <a16:creationId xmlns:a16="http://schemas.microsoft.com/office/drawing/2014/main" id="{04551D9F-A373-412B-9564-CCFAEDE5BC72}"/>
+              </a:ext>
+            </a:extLst>
+          </p:cNvPr>
+          <p:cNvSpPr>
+            <a:spLocks noGrp="1"/>
+          </p:cNvSpPr>
+          <p:nvPr>
+            <p:ph type="sldNum" sz="quarter" idx="12"/>
+          </p:nvPr>
+        </p:nvSpPr>
+        <p:spPr>
+          <a:xfrm>
+            <a:off x="4439346" y="6528442"/>
+            <a:ext cx="1029301" cy="276999"/>
+          </a:xfrm>
+        </p:spPr>
+        <p:txBody>
+          <a:bodyPr>
+            <a:normAutofit fontScale="92500"/>
+          </a:bodyPr>
+          <a:lstStyle/>
+          <a:p>
+            <a:fld id="{EBB166B3-33A6-45CA-B81B-F13BE7654232}" type="slidenum">
+              <a:rPr lang="ko-KR" altLang="en-US" smtClean="0">
+                <a:latin typeface="나눔고딕" panose="020B0600000101010101" charset="-127"/>
+                <a:ea typeface="나눔고딕" panose="020B0600000101010101" charset="-127"/>
+              </a:rPr>
+              <a:t>41</a:t>
+            </a:fld>
+            <a:endParaRPr lang="ko-KR" altLang="en-US" dirty="0">
+              <a:latin typeface="나눔고딕" panose="020B0600000101010101" charset="-127"/>
+              <a:ea typeface="나눔고딕" panose="020B0600000101010101" charset="-127"/>
+            </a:endParaRPr>
+          </a:p>
+        </p:txBody>
+      </p:sp>
+      <p:grpSp>
+        <p:nvGrpSpPr>
+          <p:cNvPr id="3" name="그룹 2">
+            <a:extLst>
+              <a:ext uri="{FF2B5EF4-FFF2-40B4-BE49-F238E27FC236}">
+                <a16:creationId xmlns:a16="http://schemas.microsoft.com/office/drawing/2014/main" id="{216EA46F-C591-4F3F-BA08-F83BE3D4491F}"/>
+              </a:ext>
+            </a:extLst>
+          </p:cNvPr>
+          <p:cNvGrpSpPr/>
+          <p:nvPr/>
+        </p:nvGrpSpPr>
+        <p:grpSpPr>
+          <a:xfrm>
+            <a:off x="363984" y="864868"/>
+            <a:ext cx="6947894" cy="2698355"/>
+            <a:chOff x="233082" y="730645"/>
+            <a:chExt cx="6947894" cy="2698355"/>
+          </a:xfrm>
+        </p:grpSpPr>
+        <p:pic>
+          <p:nvPicPr>
+            <p:cNvPr id="1026" name="Picture 2">
+              <a:extLst>
+                <a:ext uri="{FF2B5EF4-FFF2-40B4-BE49-F238E27FC236}">
+                  <a16:creationId xmlns:a16="http://schemas.microsoft.com/office/drawing/2014/main" id="{3D8D6C0E-B234-441C-A8E7-F2A7223F7331}"/>
+                </a:ext>
+              </a:extLst>
+            </p:cNvPr>
+            <p:cNvPicPr>
+              <a:picLocks noChangeAspect="1" noChangeArrowheads="1"/>
+            </p:cNvPicPr>
+            <p:nvPr/>
+          </p:nvPicPr>
+          <p:blipFill>
+            <a:blip r:embed="rId2">
+              <a:extLst>
+                <a:ext uri="{28A0092B-C50C-407E-A947-70E740481C1C}">
+                  <a14:useLocalDpi xmlns:a14="http://schemas.microsoft.com/office/drawing/2010/main" val="0"/>
+                </a:ext>
+              </a:extLst>
+            </a:blip>
+            <a:srcRect/>
+            <a:stretch>
+              <a:fillRect/>
+            </a:stretch>
+          </p:blipFill>
+          <p:spPr bwMode="auto">
+            <a:xfrm>
+              <a:off x="333624" y="1202991"/>
+              <a:ext cx="6728428" cy="2152605"/>
+            </a:xfrm>
+            <a:prstGeom prst="rect">
+              <a:avLst/>
+            </a:prstGeom>
+            <a:noFill/>
+            <a:extLst>
+              <a:ext uri="{909E8E84-426E-40DD-AFC4-6F175D3DCCD1}">
+                <a14:hiddenFill xmlns:a14="http://schemas.microsoft.com/office/drawing/2010/main">
+                  <a:solidFill>
+                    <a:srgbClr val="FFFFFF"/>
+                  </a:solidFill>
+                </a14:hiddenFill>
+              </a:ext>
+            </a:extLst>
+          </p:spPr>
+        </p:pic>
+        <p:sp>
+          <p:nvSpPr>
+            <p:cNvPr id="15" name="직사각형 14">
+              <a:extLst>
+                <a:ext uri="{FF2B5EF4-FFF2-40B4-BE49-F238E27FC236}">
+                  <a16:creationId xmlns:a16="http://schemas.microsoft.com/office/drawing/2014/main" id="{7680BF94-0B19-4CDB-AB67-699A736A5682}"/>
+                </a:ext>
+              </a:extLst>
+            </p:cNvPr>
+            <p:cNvSpPr/>
+            <p:nvPr/>
+          </p:nvSpPr>
+          <p:spPr>
+            <a:xfrm>
+              <a:off x="241471" y="1124125"/>
+              <a:ext cx="6939505" cy="2304875"/>
+            </a:xfrm>
+            <a:prstGeom prst="rect">
+              <a:avLst/>
+            </a:prstGeom>
+            <a:noFill/>
+          </p:spPr>
+          <p:style>
+            <a:lnRef idx="2">
+              <a:schemeClr val="accent1">
+                <a:shade val="50000"/>
+              </a:schemeClr>
+            </a:lnRef>
+            <a:fillRef idx="1">
+              <a:schemeClr val="accent1"/>
+            </a:fillRef>
+            <a:effectRef idx="0">
+              <a:schemeClr val="accent1"/>
+            </a:effectRef>
+            <a:fontRef idx="minor">
+              <a:schemeClr val="lt1"/>
+            </a:fontRef>
+          </p:style>
+          <p:txBody>
+            <a:bodyPr rtlCol="0" anchor="ctr"/>
+            <a:lstStyle/>
+            <a:p>
+              <a:pPr algn="ctr"/>
+              <a:endParaRPr lang="ko-KR" altLang="en-US">
+                <a:latin typeface="나눔고딕" panose="020B0600000101010101" charset="-127"/>
+                <a:ea typeface="나눔고딕" panose="020B0600000101010101" charset="-127"/>
+              </a:endParaRPr>
+            </a:p>
+          </p:txBody>
+        </p:sp>
+        <p:sp>
+          <p:nvSpPr>
+            <p:cNvPr id="16" name="자유형 23">
+              <a:extLst>
+                <a:ext uri="{FF2B5EF4-FFF2-40B4-BE49-F238E27FC236}">
+                  <a16:creationId xmlns:a16="http://schemas.microsoft.com/office/drawing/2014/main" id="{4D9672F6-EFEF-4351-A292-B119DD3449FE}"/>
+                </a:ext>
+              </a:extLst>
+            </p:cNvPr>
+            <p:cNvSpPr>
+              <a:spLocks noChangeArrowheads="1"/>
+            </p:cNvSpPr>
+            <p:nvPr/>
+          </p:nvSpPr>
+          <p:spPr bwMode="gray">
+            <a:xfrm>
+              <a:off x="233082" y="730645"/>
+              <a:ext cx="2099434" cy="373775"/>
+            </a:xfrm>
+            <a:custGeom>
+              <a:avLst/>
+              <a:gdLst>
+                <a:gd name="connsiteX0" fmla="*/ 48729 w 1587995"/>
+                <a:gd name="connsiteY0" fmla="*/ 0 h 292361"/>
+                <a:gd name="connsiteX1" fmla="*/ 1539267 w 1587995"/>
+                <a:gd name="connsiteY1" fmla="*/ 0 h 292361"/>
+                <a:gd name="connsiteX2" fmla="*/ 1587995 w 1587995"/>
+                <a:gd name="connsiteY2" fmla="*/ 48728 h 292361"/>
+                <a:gd name="connsiteX3" fmla="*/ 1587995 w 1587995"/>
+                <a:gd name="connsiteY3" fmla="*/ 243633 h 292361"/>
+                <a:gd name="connsiteX4" fmla="*/ 1587994 w 1587995"/>
+                <a:gd name="connsiteY4" fmla="*/ 243636 h 292361"/>
+                <a:gd name="connsiteX5" fmla="*/ 1587994 w 1587995"/>
+                <a:gd name="connsiteY5" fmla="*/ 292361 h 292361"/>
+                <a:gd name="connsiteX6" fmla="*/ 1539267 w 1587995"/>
+                <a:gd name="connsiteY6" fmla="*/ 292361 h 292361"/>
+                <a:gd name="connsiteX7" fmla="*/ 48729 w 1587995"/>
+                <a:gd name="connsiteY7" fmla="*/ 292361 h 292361"/>
+                <a:gd name="connsiteX8" fmla="*/ 0 w 1587995"/>
+                <a:gd name="connsiteY8" fmla="*/ 292361 h 292361"/>
+                <a:gd name="connsiteX9" fmla="*/ 0 w 1587995"/>
+                <a:gd name="connsiteY9" fmla="*/ 152400 h 292361"/>
+                <a:gd name="connsiteX10" fmla="*/ 1 w 1587995"/>
+                <a:gd name="connsiteY10" fmla="*/ 152400 h 292361"/>
+                <a:gd name="connsiteX11" fmla="*/ 1 w 1587995"/>
+                <a:gd name="connsiteY11" fmla="*/ 48728 h 292361"/>
+                <a:gd name="connsiteX12" fmla="*/ 48729 w 1587995"/>
+                <a:gd name="connsiteY12" fmla="*/ 0 h 292361"/>
+              </a:gdLst>
+              <a:ahLst/>
+              <a:cxnLst>
+                <a:cxn ang="0">
+                  <a:pos x="connsiteX0" y="connsiteY0"/>
+                </a:cxn>
+                <a:cxn ang="0">
+                  <a:pos x="connsiteX1" y="connsiteY1"/>
+                </a:cxn>
+                <a:cxn ang="0">
+                  <a:pos x="connsiteX2" y="connsiteY2"/>
+                </a:cxn>
+                <a:cxn ang="0">
+                  <a:pos x="connsiteX3" y="connsiteY3"/>
+                </a:cxn>
+                <a:cxn ang="0">
+                  <a:pos x="connsiteX4" y="connsiteY4"/>
+                </a:cxn>
+                <a:cxn ang="0">
+                  <a:pos x="connsiteX5" y="connsiteY5"/>
+                </a:cxn>
+                <a:cxn ang="0">
+                  <a:pos x="connsiteX6" y="connsiteY6"/>
+                </a:cxn>
+                <a:cxn ang="0">
+                  <a:pos x="connsiteX7" y="connsiteY7"/>
+                </a:cxn>
+                <a:cxn ang="0">
+                  <a:pos x="connsiteX8" y="connsiteY8"/>
+                </a:cxn>
+                <a:cxn ang="0">
+                  <a:pos x="connsiteX9" y="connsiteY9"/>
+                </a:cxn>
+                <a:cxn ang="0">
+                  <a:pos x="connsiteX10" y="connsiteY10"/>
+                </a:cxn>
+                <a:cxn ang="0">
+                  <a:pos x="connsiteX11" y="connsiteY11"/>
+                </a:cxn>
+                <a:cxn ang="0">
+                  <a:pos x="connsiteX12" y="connsiteY12"/>
+                </a:cxn>
+              </a:cxnLst>
+              <a:rect l="l" t="t" r="r" b="b"/>
+              <a:pathLst>
+                <a:path w="1587995" h="292361">
+                  <a:moveTo>
+                    <a:pt x="48729" y="0"/>
+                  </a:moveTo>
+                  <a:lnTo>
+                    <a:pt x="1539267" y="0"/>
+                  </a:lnTo>
+                  <a:cubicBezTo>
+                    <a:pt x="1566179" y="0"/>
+                    <a:pt x="1587995" y="21816"/>
+                    <a:pt x="1587995" y="48728"/>
+                  </a:cubicBezTo>
+                  <a:lnTo>
+                    <a:pt x="1587995" y="243633"/>
+                  </a:lnTo>
+                  <a:lnTo>
+                    <a:pt x="1587994" y="243636"/>
+                  </a:lnTo>
+                  <a:lnTo>
+                    <a:pt x="1587994" y="292361"/>
+                  </a:lnTo>
+                  <a:lnTo>
+                    <a:pt x="1539267" y="292361"/>
+                  </a:lnTo>
+                  <a:lnTo>
+                    <a:pt x="48729" y="292361"/>
+                  </a:lnTo>
+                  <a:lnTo>
+                    <a:pt x="0" y="292361"/>
+                  </a:lnTo>
+                  <a:lnTo>
+                    <a:pt x="0" y="152400"/>
+                  </a:lnTo>
+                  <a:lnTo>
+                    <a:pt x="1" y="152400"/>
+                  </a:lnTo>
+                  <a:lnTo>
+                    <a:pt x="1" y="48728"/>
+                  </a:lnTo>
+                  <a:cubicBezTo>
+                    <a:pt x="1" y="21816"/>
+                    <a:pt x="21817" y="0"/>
+                    <a:pt x="48729" y="0"/>
+                  </a:cubicBezTo>
+                  <a:close/>
+                </a:path>
+              </a:pathLst>
+            </a:custGeom>
+            <a:solidFill>
+              <a:srgbClr val="002060"/>
+            </a:solidFill>
+            <a:ln w="9525" algn="ctr">
+              <a:solidFill>
+                <a:srgbClr val="002060"/>
+              </a:solidFill>
+              <a:miter lim="800000"/>
+              <a:headEnd/>
+              <a:tailEnd/>
+            </a:ln>
+            <a:effectLst>
+              <a:outerShdw blurRad="50800" dist="38100" dir="2700000" algn="tl" rotWithShape="0">
+                <a:prstClr val="black">
+                  <a:alpha val="40000"/>
+                </a:prstClr>
+              </a:outerShdw>
+            </a:effectLst>
+          </p:spPr>
+          <p:txBody>
+            <a:bodyPr wrap="square" lIns="72000" tIns="36000" rIns="72000" bIns="36000" anchor="ctr">
+              <a:noAutofit/>
+            </a:bodyPr>
+            <a:lstStyle/>
+            <a:p>
+              <a:pPr marR="0" lvl="0" algn="ctr" defTabSz="411163" eaLnBrk="0" fontAlgn="base" latinLnBrk="0" hangingPunct="0">
+                <a:spcBef>
+                  <a:spcPct val="0"/>
+                </a:spcBef>
+                <a:spcAft>
+                  <a:spcPct val="0"/>
+                </a:spcAft>
+                <a:buSzPct val="90000"/>
+                <a:tabLst>
+                  <a:tab pos="85725" algn="l"/>
+                </a:tabLst>
+                <a:defRPr/>
+              </a:pPr>
+              <a:r>
+                <a:rPr kumimoji="1" lang="en-US" altLang="ko-KR" sz="1200" b="1" kern="0" dirty="0">
+                  <a:solidFill>
+                    <a:schemeClr val="bg1"/>
+                  </a:solidFill>
+                  <a:latin typeface="나눔고딕" panose="020B0600000101010101" charset="-127"/>
+                  <a:ea typeface="나눔고딕" panose="020B0600000101010101" charset="-127"/>
+                </a:rPr>
+                <a:t>SORT MERGE JOIN</a:t>
+              </a:r>
+              <a:endParaRPr kumimoji="1" lang="en-US" altLang="ko-KR" sz="1200" b="1" i="0" u="none" strike="noStrike" kern="0" cap="none" spc="0" normalizeH="0" baseline="0" noProof="0" dirty="0">
+                <a:ln>
+                  <a:noFill/>
+                </a:ln>
+                <a:solidFill>
+                  <a:schemeClr val="bg1"/>
+                </a:solidFill>
+                <a:effectLst/>
+                <a:uLnTx/>
+                <a:uFillTx/>
+                <a:latin typeface="나눔고딕" panose="020B0600000101010101" charset="-127"/>
+                <a:ea typeface="나눔고딕" panose="020B0600000101010101" charset="-127"/>
+              </a:endParaRPr>
+            </a:p>
+          </p:txBody>
+        </p:sp>
+      </p:grpSp>
+      <p:sp>
+        <p:nvSpPr>
+          <p:cNvPr id="18" name="TextBox 17">
+            <a:extLst>
+              <a:ext uri="{FF2B5EF4-FFF2-40B4-BE49-F238E27FC236}">
+                <a16:creationId xmlns:a16="http://schemas.microsoft.com/office/drawing/2014/main" id="{1B358C88-F339-447F-A84E-423F1F7A99F0}"/>
+              </a:ext>
+            </a:extLst>
+          </p:cNvPr>
+          <p:cNvSpPr txBox="1"/>
+          <p:nvPr/>
+        </p:nvSpPr>
+        <p:spPr>
+          <a:xfrm>
+            <a:off x="291805" y="3712259"/>
+            <a:ext cx="8448531" cy="1854162"/>
+          </a:xfrm>
+          <a:prstGeom prst="rect">
+            <a:avLst/>
+          </a:prstGeom>
+          <a:noFill/>
+        </p:spPr>
+        <p:txBody>
+          <a:bodyPr wrap="none" rtlCol="0">
+            <a:spAutoFit/>
+          </a:bodyPr>
+          <a:lstStyle/>
+          <a:p>
+            <a:pPr marL="285750" indent="-285750">
+              <a:lnSpc>
+                <a:spcPct val="150000"/>
+              </a:lnSpc>
+              <a:buFont typeface="Arial" panose="020B0604020202020204" pitchFamily="34" charset="0"/>
+              <a:buChar char="•"/>
+            </a:pPr>
+            <a:r>
+              <a:rPr lang="ko-KR" altLang="en-US" sz="1300" dirty="0"/>
+              <a:t>조인 대상이 되는 두 결과를 조인 </a:t>
+            </a:r>
+            <a:r>
+              <a:rPr lang="en-US" altLang="ko-KR" sz="1300" dirty="0"/>
+              <a:t>KEY</a:t>
+            </a:r>
+            <a:r>
+              <a:rPr lang="ko-KR" altLang="en-US" sz="1300" dirty="0"/>
+              <a:t>를 기준으로 </a:t>
+            </a:r>
+            <a:r>
+              <a:rPr lang="en-US" altLang="ko-KR" sz="1300" dirty="0"/>
+              <a:t>SORT</a:t>
+            </a:r>
+            <a:r>
+              <a:rPr lang="ko-KR" altLang="en-US" sz="1300" dirty="0"/>
+              <a:t>한 후</a:t>
+            </a:r>
+            <a:r>
+              <a:rPr lang="en-US" altLang="ko-KR" sz="1300" dirty="0"/>
+              <a:t>, SORT</a:t>
+            </a:r>
+            <a:r>
+              <a:rPr lang="ko-KR" altLang="en-US" sz="1300" dirty="0"/>
+              <a:t>된 결과를 차례로 </a:t>
+            </a:r>
+            <a:r>
+              <a:rPr lang="en-US" altLang="ko-KR" sz="1300" dirty="0"/>
+              <a:t>SCAN</a:t>
+            </a:r>
+            <a:r>
+              <a:rPr lang="ko-KR" altLang="en-US" sz="1300" dirty="0"/>
+              <a:t>하며 </a:t>
+            </a:r>
+            <a:r>
+              <a:rPr lang="en-US" altLang="ko-KR" sz="1300" dirty="0"/>
+              <a:t>JOIN </a:t>
+            </a:r>
+            <a:r>
+              <a:rPr lang="ko-KR" altLang="en-US" sz="1300" dirty="0"/>
+              <a:t>실시</a:t>
+            </a:r>
+            <a:endParaRPr lang="en-US" altLang="ko-KR" sz="1300" dirty="0"/>
+          </a:p>
+          <a:p>
+            <a:pPr marL="285750" indent="-285750">
+              <a:lnSpc>
+                <a:spcPct val="150000"/>
+              </a:lnSpc>
+              <a:buFont typeface="Arial" panose="020B0604020202020204" pitchFamily="34" charset="0"/>
+              <a:buChar char="•"/>
+            </a:pPr>
+            <a:r>
+              <a:rPr lang="ko-KR" altLang="en-US" sz="1300" dirty="0"/>
+              <a:t>조인 </a:t>
+            </a:r>
+            <a:r>
+              <a:rPr lang="en-US" altLang="ko-KR" sz="1300" dirty="0"/>
+              <a:t>KEY</a:t>
+            </a:r>
+            <a:r>
+              <a:rPr lang="ko-KR" altLang="en-US" sz="1300" dirty="0"/>
+              <a:t>에 대한 조인 조건으로</a:t>
+            </a:r>
+            <a:r>
+              <a:rPr lang="en-US" altLang="ko-KR" sz="1300" dirty="0"/>
+              <a:t>, ‘&lt;, &gt;, &lt;=, &gt;=’</a:t>
+            </a:r>
+            <a:r>
+              <a:rPr lang="ko-KR" altLang="en-US" sz="1300" dirty="0"/>
+              <a:t>와 같은 범위 비교 연산자가 사용 된 경우 발생</a:t>
+            </a:r>
+            <a:endParaRPr lang="en-US" altLang="ko-KR" sz="1300" dirty="0"/>
+          </a:p>
+          <a:p>
+            <a:pPr marL="285750" indent="-285750">
+              <a:lnSpc>
+                <a:spcPct val="150000"/>
+              </a:lnSpc>
+              <a:buFont typeface="Arial" panose="020B0604020202020204" pitchFamily="34" charset="0"/>
+              <a:buChar char="•"/>
+            </a:pPr>
+            <a:r>
+              <a:rPr lang="ko-KR" altLang="en-US" sz="1300" dirty="0"/>
+              <a:t>동작 방식 </a:t>
+            </a:r>
+            <a:r>
+              <a:rPr lang="en-US" altLang="ko-KR" sz="1300" dirty="0"/>
+              <a:t>:</a:t>
+            </a:r>
+          </a:p>
+          <a:p>
+            <a:pPr>
+              <a:lnSpc>
+                <a:spcPct val="150000"/>
+              </a:lnSpc>
+            </a:pPr>
+            <a:r>
+              <a:rPr lang="en-US" altLang="ko-KR" sz="1300" dirty="0"/>
+              <a:t>     1. </a:t>
+            </a:r>
+            <a:r>
+              <a:rPr lang="ko-KR" altLang="en-US" sz="1300" dirty="0"/>
+              <a:t>각 테이블에 대해 동시에 독립적으로 레코드를 읽음</a:t>
+            </a:r>
+            <a:endParaRPr lang="en-US" altLang="ko-KR" sz="1300" dirty="0"/>
+          </a:p>
+          <a:p>
+            <a:pPr>
+              <a:lnSpc>
+                <a:spcPct val="150000"/>
+              </a:lnSpc>
+            </a:pPr>
+            <a:r>
+              <a:rPr lang="en-US" altLang="ko-KR" sz="1300" dirty="0"/>
+              <a:t>     2. </a:t>
+            </a:r>
+            <a:r>
+              <a:rPr lang="ko-KR" altLang="en-US" sz="1300" dirty="0"/>
+              <a:t>읽혀진 각 테이블의 레코드를 조인하기 위해</a:t>
+            </a:r>
+            <a:r>
+              <a:rPr lang="en-US" altLang="ko-KR" sz="1300" dirty="0"/>
+              <a:t>, </a:t>
+            </a:r>
+            <a:r>
+              <a:rPr lang="ko-KR" altLang="en-US" sz="1300" dirty="0"/>
+              <a:t>조인 </a:t>
+            </a:r>
+            <a:r>
+              <a:rPr lang="en-US" altLang="ko-KR" sz="1300" dirty="0"/>
+              <a:t>KEY</a:t>
+            </a:r>
+            <a:r>
+              <a:rPr lang="ko-KR" altLang="en-US" sz="1300" dirty="0"/>
+              <a:t>를 기준으로 </a:t>
+            </a:r>
+            <a:r>
+              <a:rPr lang="en-US" altLang="ko-KR" sz="1300" dirty="0"/>
+              <a:t>SORT </a:t>
+            </a:r>
+            <a:r>
+              <a:rPr lang="ko-KR" altLang="en-US" sz="1300" dirty="0"/>
+              <a:t>실시</a:t>
+            </a:r>
+            <a:endParaRPr lang="en-US" altLang="ko-KR" sz="1300" dirty="0"/>
+          </a:p>
+          <a:p>
+            <a:pPr>
+              <a:lnSpc>
+                <a:spcPct val="150000"/>
+              </a:lnSpc>
+            </a:pPr>
+            <a:r>
+              <a:rPr lang="en-US" altLang="ko-KR" sz="1300" dirty="0"/>
+              <a:t>     3. SORT</a:t>
+            </a:r>
+            <a:r>
+              <a:rPr lang="ko-KR" altLang="en-US" sz="1300" dirty="0"/>
+              <a:t>작업이 끝난 후</a:t>
+            </a:r>
+            <a:r>
+              <a:rPr lang="en-US" altLang="ko-KR" sz="1300" dirty="0"/>
+              <a:t>, </a:t>
+            </a:r>
+            <a:r>
+              <a:rPr lang="ko-KR" altLang="en-US" sz="1300" dirty="0"/>
+              <a:t>조인 실시</a:t>
+            </a:r>
+            <a:endParaRPr lang="en-US" altLang="ko-KR" sz="1300" dirty="0"/>
+          </a:p>
+        </p:txBody>
+      </p:sp>
+    </p:spTree>
+    <p:extLst>
+      <p:ext uri="{BB962C8B-B14F-4D97-AF65-F5344CB8AC3E}">
+        <p14:creationId xmlns:p14="http://schemas.microsoft.com/office/powerpoint/2010/main" val="4134688220"/>
+      </p:ext>
+    </p:extLst>
+  </p:cSld>
+  <p:clrMapOvr>
+    <a:masterClrMapping/>
+  </p:clrMapOvr>
+</p:sld>
+</file>
+
+<file path=ppt/slides/slide43.xml><?xml version="1.0" encoding="utf-8"?>
+<p:sld xmlns:a="http://schemas.openxmlformats.org/drawingml/2006/main" xmlns:r="http://schemas.openxmlformats.org/officeDocument/2006/relationships" xmlns:p="http://schemas.openxmlformats.org/presentationml/2006/main">
+  <p:cSld>
+    <p:spTree>
+      <p:nvGrpSpPr>
+        <p:cNvPr id="1" name=""/>
+        <p:cNvGrpSpPr/>
+        <p:nvPr/>
+      </p:nvGrpSpPr>
+      <p:grpSpPr>
+        <a:xfrm>
+          <a:off x="0" y="0"/>
+          <a:ext cx="0" cy="0"/>
+          <a:chOff x="0" y="0"/>
+          <a:chExt cx="0" cy="0"/>
+        </a:xfrm>
+      </p:grpSpPr>
+      <p:sp>
+        <p:nvSpPr>
+          <p:cNvPr id="2" name="제목 1">
+            <a:extLst>
+              <a:ext uri="{FF2B5EF4-FFF2-40B4-BE49-F238E27FC236}">
+                <a16:creationId xmlns:a16="http://schemas.microsoft.com/office/drawing/2014/main" id="{F35C43C8-4428-4D97-87C2-6ACA5057AB6C}"/>
+              </a:ext>
+            </a:extLst>
+          </p:cNvPr>
+          <p:cNvSpPr>
+            <a:spLocks noGrp="1"/>
+          </p:cNvSpPr>
+          <p:nvPr>
+            <p:ph type="title"/>
+          </p:nvPr>
+        </p:nvSpPr>
+        <p:spPr/>
+        <p:txBody>
+          <a:bodyPr/>
+          <a:lstStyle/>
+          <a:p>
+            <a:r>
+              <a:rPr lang="en-US" altLang="ko-KR" dirty="0">
+                <a:latin typeface="나눔고딕" panose="020B0600000101010101" charset="-127"/>
+                <a:ea typeface="나눔고딕" panose="020B0600000101010101" charset="-127"/>
+              </a:rPr>
+              <a:t>12. SORT MERGE JOIN</a:t>
+            </a:r>
+            <a:endParaRPr lang="ko-KR" altLang="en-US" dirty="0">
+              <a:latin typeface="나눔고딕" panose="020B0600000101010101" charset="-127"/>
+              <a:ea typeface="나눔고딕" panose="020B0600000101010101" charset="-127"/>
+            </a:endParaRPr>
+          </a:p>
+        </p:txBody>
+      </p:sp>
+      <p:sp>
+        <p:nvSpPr>
+          <p:cNvPr id="47" name="텍스트 개체 틀 3">
+            <a:extLst>
+              <a:ext uri="{FF2B5EF4-FFF2-40B4-BE49-F238E27FC236}">
+                <a16:creationId xmlns:a16="http://schemas.microsoft.com/office/drawing/2014/main" id="{BD6E26C7-2547-444C-8643-2B2EEE99F2F4}"/>
+              </a:ext>
+            </a:extLst>
+          </p:cNvPr>
+          <p:cNvSpPr>
+            <a:spLocks noGrp="1"/>
+          </p:cNvSpPr>
+          <p:nvPr>
+            <p:ph type="body" sz="quarter" idx="13"/>
+          </p:nvPr>
+        </p:nvSpPr>
+        <p:spPr>
+          <a:xfrm>
+            <a:off x="6747393" y="62621"/>
+            <a:ext cx="2822735" cy="390525"/>
+          </a:xfrm>
+        </p:spPr>
+        <p:txBody>
+          <a:bodyPr/>
+          <a:lstStyle/>
+          <a:p>
+            <a:r>
+              <a:rPr lang="en-US" altLang="ko-KR" dirty="0">
+                <a:latin typeface="나눔고딕" panose="020D0604000000000000" pitchFamily="50" charset="-127"/>
+                <a:ea typeface="나눔고딕" panose="020D0604000000000000" pitchFamily="50" charset="-127"/>
+              </a:rPr>
+              <a:t>Ⅱ. </a:t>
+            </a:r>
+            <a:r>
+              <a:rPr lang="ko-KR" altLang="en-US" dirty="0">
+                <a:latin typeface="나눔고딕" panose="020D0604000000000000" pitchFamily="50" charset="-127"/>
+                <a:ea typeface="나눔고딕" panose="020D0604000000000000" pitchFamily="50" charset="-127"/>
+              </a:rPr>
+              <a:t>실행계획</a:t>
+            </a:r>
+          </a:p>
+        </p:txBody>
+      </p:sp>
+      <p:sp>
+        <p:nvSpPr>
+          <p:cNvPr id="8" name="슬라이드 번호 개체 틀 2">
+            <a:extLst>
+              <a:ext uri="{FF2B5EF4-FFF2-40B4-BE49-F238E27FC236}">
+                <a16:creationId xmlns:a16="http://schemas.microsoft.com/office/drawing/2014/main" id="{04551D9F-A373-412B-9564-CCFAEDE5BC72}"/>
+              </a:ext>
+            </a:extLst>
+          </p:cNvPr>
+          <p:cNvSpPr>
+            <a:spLocks noGrp="1"/>
+          </p:cNvSpPr>
+          <p:nvPr>
+            <p:ph type="sldNum" sz="quarter" idx="12"/>
+          </p:nvPr>
+        </p:nvSpPr>
+        <p:spPr>
+          <a:xfrm>
+            <a:off x="4439346" y="6528442"/>
+            <a:ext cx="1029301" cy="276999"/>
+          </a:xfrm>
+        </p:spPr>
+        <p:txBody>
+          <a:bodyPr>
+            <a:normAutofit fontScale="92500"/>
+          </a:bodyPr>
+          <a:lstStyle/>
+          <a:p>
+            <a:fld id="{EBB166B3-33A6-45CA-B81B-F13BE7654232}" type="slidenum">
+              <a:rPr lang="ko-KR" altLang="en-US" smtClean="0">
+                <a:latin typeface="나눔고딕" panose="020B0600000101010101" charset="-127"/>
+                <a:ea typeface="나눔고딕" panose="020B0600000101010101" charset="-127"/>
+              </a:rPr>
+              <a:t>42</a:t>
+            </a:fld>
+            <a:endParaRPr lang="ko-KR" altLang="en-US" dirty="0">
+              <a:latin typeface="나눔고딕" panose="020B0600000101010101" charset="-127"/>
+              <a:ea typeface="나눔고딕" panose="020B0600000101010101" charset="-127"/>
+            </a:endParaRPr>
+          </a:p>
+        </p:txBody>
+      </p:sp>
+      <p:grpSp>
+        <p:nvGrpSpPr>
+          <p:cNvPr id="9" name="그룹 8">
+            <a:extLst>
+              <a:ext uri="{FF2B5EF4-FFF2-40B4-BE49-F238E27FC236}">
+                <a16:creationId xmlns:a16="http://schemas.microsoft.com/office/drawing/2014/main" id="{1F026C04-0EAA-4C63-BDB2-5801146E5F73}"/>
+              </a:ext>
+            </a:extLst>
+          </p:cNvPr>
+          <p:cNvGrpSpPr/>
+          <p:nvPr/>
+        </p:nvGrpSpPr>
+        <p:grpSpPr>
+          <a:xfrm>
+            <a:off x="898551" y="1428626"/>
+            <a:ext cx="8108897" cy="4000747"/>
+            <a:chOff x="363984" y="864868"/>
+            <a:chExt cx="8108897" cy="4000747"/>
+          </a:xfrm>
+        </p:grpSpPr>
+        <p:sp>
+          <p:nvSpPr>
+            <p:cNvPr id="15" name="직사각형 14">
+              <a:extLst>
+                <a:ext uri="{FF2B5EF4-FFF2-40B4-BE49-F238E27FC236}">
+                  <a16:creationId xmlns:a16="http://schemas.microsoft.com/office/drawing/2014/main" id="{7680BF94-0B19-4CDB-AB67-699A736A5682}"/>
+                </a:ext>
+              </a:extLst>
+            </p:cNvPr>
+            <p:cNvSpPr/>
+            <p:nvPr/>
+          </p:nvSpPr>
+          <p:spPr>
+            <a:xfrm>
+              <a:off x="372373" y="1258348"/>
+              <a:ext cx="8100508" cy="3607267"/>
+            </a:xfrm>
+            <a:prstGeom prst="rect">
+              <a:avLst/>
+            </a:prstGeom>
+            <a:noFill/>
+          </p:spPr>
+          <p:style>
+            <a:lnRef idx="2">
+              <a:schemeClr val="accent1">
+                <a:shade val="50000"/>
+              </a:schemeClr>
+            </a:lnRef>
+            <a:fillRef idx="1">
+              <a:schemeClr val="accent1"/>
+            </a:fillRef>
+            <a:effectRef idx="0">
+              <a:schemeClr val="accent1"/>
+            </a:effectRef>
+            <a:fontRef idx="minor">
+              <a:schemeClr val="lt1"/>
+            </a:fontRef>
+          </p:style>
+          <p:txBody>
+            <a:bodyPr rtlCol="0" anchor="ctr"/>
+            <a:lstStyle/>
+            <a:p>
+              <a:pPr algn="ctr"/>
+              <a:endParaRPr lang="ko-KR" altLang="en-US">
+                <a:latin typeface="나눔고딕" panose="020B0600000101010101" charset="-127"/>
+                <a:ea typeface="나눔고딕" panose="020B0600000101010101" charset="-127"/>
+              </a:endParaRPr>
+            </a:p>
+          </p:txBody>
+        </p:sp>
+        <p:sp>
+          <p:nvSpPr>
+            <p:cNvPr id="16" name="자유형 23">
+              <a:extLst>
+                <a:ext uri="{FF2B5EF4-FFF2-40B4-BE49-F238E27FC236}">
+                  <a16:creationId xmlns:a16="http://schemas.microsoft.com/office/drawing/2014/main" id="{4D9672F6-EFEF-4351-A292-B119DD3449FE}"/>
+                </a:ext>
+              </a:extLst>
+            </p:cNvPr>
+            <p:cNvSpPr>
+              <a:spLocks noChangeArrowheads="1"/>
+            </p:cNvSpPr>
+            <p:nvPr/>
+          </p:nvSpPr>
+          <p:spPr bwMode="gray">
+            <a:xfrm>
+              <a:off x="363984" y="864868"/>
+              <a:ext cx="2099434" cy="373775"/>
+            </a:xfrm>
+            <a:custGeom>
+              <a:avLst/>
+              <a:gdLst>
+                <a:gd name="connsiteX0" fmla="*/ 48729 w 1587995"/>
+                <a:gd name="connsiteY0" fmla="*/ 0 h 292361"/>
+                <a:gd name="connsiteX1" fmla="*/ 1539267 w 1587995"/>
+                <a:gd name="connsiteY1" fmla="*/ 0 h 292361"/>
+                <a:gd name="connsiteX2" fmla="*/ 1587995 w 1587995"/>
+                <a:gd name="connsiteY2" fmla="*/ 48728 h 292361"/>
+                <a:gd name="connsiteX3" fmla="*/ 1587995 w 1587995"/>
+                <a:gd name="connsiteY3" fmla="*/ 243633 h 292361"/>
+                <a:gd name="connsiteX4" fmla="*/ 1587994 w 1587995"/>
+                <a:gd name="connsiteY4" fmla="*/ 243636 h 292361"/>
+                <a:gd name="connsiteX5" fmla="*/ 1587994 w 1587995"/>
+                <a:gd name="connsiteY5" fmla="*/ 292361 h 292361"/>
+                <a:gd name="connsiteX6" fmla="*/ 1539267 w 1587995"/>
+                <a:gd name="connsiteY6" fmla="*/ 292361 h 292361"/>
+                <a:gd name="connsiteX7" fmla="*/ 48729 w 1587995"/>
+                <a:gd name="connsiteY7" fmla="*/ 292361 h 292361"/>
+                <a:gd name="connsiteX8" fmla="*/ 0 w 1587995"/>
+                <a:gd name="connsiteY8" fmla="*/ 292361 h 292361"/>
+                <a:gd name="connsiteX9" fmla="*/ 0 w 1587995"/>
+                <a:gd name="connsiteY9" fmla="*/ 152400 h 292361"/>
+                <a:gd name="connsiteX10" fmla="*/ 1 w 1587995"/>
+                <a:gd name="connsiteY10" fmla="*/ 152400 h 292361"/>
+                <a:gd name="connsiteX11" fmla="*/ 1 w 1587995"/>
+                <a:gd name="connsiteY11" fmla="*/ 48728 h 292361"/>
+                <a:gd name="connsiteX12" fmla="*/ 48729 w 1587995"/>
+                <a:gd name="connsiteY12" fmla="*/ 0 h 292361"/>
+              </a:gdLst>
+              <a:ahLst/>
+              <a:cxnLst>
+                <a:cxn ang="0">
+                  <a:pos x="connsiteX0" y="connsiteY0"/>
+                </a:cxn>
+                <a:cxn ang="0">
+                  <a:pos x="connsiteX1" y="connsiteY1"/>
+                </a:cxn>
+                <a:cxn ang="0">
+                  <a:pos x="connsiteX2" y="connsiteY2"/>
+                </a:cxn>
+                <a:cxn ang="0">
+                  <a:pos x="connsiteX3" y="connsiteY3"/>
+                </a:cxn>
+                <a:cxn ang="0">
+                  <a:pos x="connsiteX4" y="connsiteY4"/>
+                </a:cxn>
+                <a:cxn ang="0">
+                  <a:pos x="connsiteX5" y="connsiteY5"/>
+                </a:cxn>
+                <a:cxn ang="0">
+                  <a:pos x="connsiteX6" y="connsiteY6"/>
+                </a:cxn>
+                <a:cxn ang="0">
+                  <a:pos x="connsiteX7" y="connsiteY7"/>
+                </a:cxn>
+                <a:cxn ang="0">
+                  <a:pos x="connsiteX8" y="connsiteY8"/>
+                </a:cxn>
+                <a:cxn ang="0">
+                  <a:pos x="connsiteX9" y="connsiteY9"/>
+                </a:cxn>
+                <a:cxn ang="0">
+                  <a:pos x="connsiteX10" y="connsiteY10"/>
+                </a:cxn>
+                <a:cxn ang="0">
+                  <a:pos x="connsiteX11" y="connsiteY11"/>
+                </a:cxn>
+                <a:cxn ang="0">
+                  <a:pos x="connsiteX12" y="connsiteY12"/>
+                </a:cxn>
+              </a:cxnLst>
+              <a:rect l="l" t="t" r="r" b="b"/>
+              <a:pathLst>
+                <a:path w="1587995" h="292361">
+                  <a:moveTo>
+                    <a:pt x="48729" y="0"/>
+                  </a:moveTo>
+                  <a:lnTo>
+                    <a:pt x="1539267" y="0"/>
+                  </a:lnTo>
+                  <a:cubicBezTo>
+                    <a:pt x="1566179" y="0"/>
+                    <a:pt x="1587995" y="21816"/>
+                    <a:pt x="1587995" y="48728"/>
+                  </a:cubicBezTo>
+                  <a:lnTo>
+                    <a:pt x="1587995" y="243633"/>
+                  </a:lnTo>
+                  <a:lnTo>
+                    <a:pt x="1587994" y="243636"/>
+                  </a:lnTo>
+                  <a:lnTo>
+                    <a:pt x="1587994" y="292361"/>
+                  </a:lnTo>
+                  <a:lnTo>
+                    <a:pt x="1539267" y="292361"/>
+                  </a:lnTo>
+                  <a:lnTo>
+                    <a:pt x="48729" y="292361"/>
+                  </a:lnTo>
+                  <a:lnTo>
+                    <a:pt x="0" y="292361"/>
+                  </a:lnTo>
+                  <a:lnTo>
+                    <a:pt x="0" y="152400"/>
+                  </a:lnTo>
+                  <a:lnTo>
+                    <a:pt x="1" y="152400"/>
+                  </a:lnTo>
+                  <a:lnTo>
+                    <a:pt x="1" y="48728"/>
+                  </a:lnTo>
+                  <a:cubicBezTo>
+                    <a:pt x="1" y="21816"/>
+                    <a:pt x="21817" y="0"/>
+                    <a:pt x="48729" y="0"/>
+                  </a:cubicBezTo>
+                  <a:close/>
+                </a:path>
+              </a:pathLst>
+            </a:custGeom>
+            <a:solidFill>
+              <a:srgbClr val="002060"/>
+            </a:solidFill>
+            <a:ln w="9525" algn="ctr">
+              <a:solidFill>
+                <a:srgbClr val="002060"/>
+              </a:solidFill>
+              <a:miter lim="800000"/>
+              <a:headEnd/>
+              <a:tailEnd/>
+            </a:ln>
+            <a:effectLst>
+              <a:outerShdw blurRad="50800" dist="38100" dir="2700000" algn="tl" rotWithShape="0">
+                <a:prstClr val="black">
+                  <a:alpha val="40000"/>
+                </a:prstClr>
+              </a:outerShdw>
+            </a:effectLst>
+          </p:spPr>
+          <p:txBody>
+            <a:bodyPr wrap="square" lIns="72000" tIns="36000" rIns="72000" bIns="36000" anchor="ctr">
+              <a:noAutofit/>
+            </a:bodyPr>
+            <a:lstStyle/>
+            <a:p>
+              <a:pPr marR="0" lvl="0" algn="ctr" defTabSz="411163" eaLnBrk="0" fontAlgn="base" latinLnBrk="0" hangingPunct="0">
+                <a:spcBef>
+                  <a:spcPct val="0"/>
+                </a:spcBef>
+                <a:spcAft>
+                  <a:spcPct val="0"/>
+                </a:spcAft>
+                <a:buSzPct val="90000"/>
+                <a:tabLst>
+                  <a:tab pos="85725" algn="l"/>
+                </a:tabLst>
+                <a:defRPr/>
+              </a:pPr>
+              <a:r>
+                <a:rPr kumimoji="1" lang="en-US" altLang="ko-KR" sz="1200" b="1" kern="0" dirty="0">
+                  <a:solidFill>
+                    <a:schemeClr val="bg1"/>
+                  </a:solidFill>
+                  <a:latin typeface="나눔고딕" panose="020B0600000101010101" charset="-127"/>
+                  <a:ea typeface="나눔고딕" panose="020B0600000101010101" charset="-127"/>
+                </a:rPr>
+                <a:t>SORT MERGE JOIN</a:t>
+              </a:r>
+              <a:endParaRPr kumimoji="1" lang="en-US" altLang="ko-KR" sz="1200" b="1" i="0" u="none" strike="noStrike" kern="0" cap="none" spc="0" normalizeH="0" baseline="0" noProof="0" dirty="0">
+                <a:ln>
+                  <a:noFill/>
+                </a:ln>
+                <a:solidFill>
+                  <a:schemeClr val="bg1"/>
+                </a:solidFill>
+                <a:effectLst/>
+                <a:uLnTx/>
+                <a:uFillTx/>
+                <a:latin typeface="나눔고딕" panose="020B0600000101010101" charset="-127"/>
+                <a:ea typeface="나눔고딕" panose="020B0600000101010101" charset="-127"/>
+              </a:endParaRPr>
+            </a:p>
+          </p:txBody>
+        </p:sp>
+        <p:pic>
+          <p:nvPicPr>
+            <p:cNvPr id="5" name="그림 4">
+              <a:extLst>
+                <a:ext uri="{FF2B5EF4-FFF2-40B4-BE49-F238E27FC236}">
+                  <a16:creationId xmlns:a16="http://schemas.microsoft.com/office/drawing/2014/main" id="{B3EBF576-3227-4674-A7EB-9C1B20092611}"/>
+                </a:ext>
+              </a:extLst>
+            </p:cNvPr>
+            <p:cNvPicPr>
+              <a:picLocks noChangeAspect="1"/>
+            </p:cNvPicPr>
+            <p:nvPr/>
+          </p:nvPicPr>
+          <p:blipFill>
+            <a:blip r:embed="rId2"/>
+            <a:stretch>
+              <a:fillRect/>
+            </a:stretch>
+          </p:blipFill>
+          <p:spPr>
+            <a:xfrm>
+              <a:off x="487217" y="1403801"/>
+              <a:ext cx="2790825" cy="2238375"/>
+            </a:xfrm>
+            <a:prstGeom prst="rect">
+              <a:avLst/>
+            </a:prstGeom>
+          </p:spPr>
+        </p:pic>
+        <p:pic>
+          <p:nvPicPr>
+            <p:cNvPr id="7" name="그림 6">
+              <a:extLst>
+                <a:ext uri="{FF2B5EF4-FFF2-40B4-BE49-F238E27FC236}">
+                  <a16:creationId xmlns:a16="http://schemas.microsoft.com/office/drawing/2014/main" id="{DE0CB43C-E4F6-489B-B001-CC3669FECF97}"/>
+                </a:ext>
+              </a:extLst>
+            </p:cNvPr>
+            <p:cNvPicPr>
+              <a:picLocks noChangeAspect="1"/>
+            </p:cNvPicPr>
+            <p:nvPr/>
+          </p:nvPicPr>
+          <p:blipFill>
+            <a:blip r:embed="rId3"/>
+            <a:stretch>
+              <a:fillRect/>
+            </a:stretch>
+          </p:blipFill>
+          <p:spPr>
+            <a:xfrm>
+              <a:off x="3657600" y="1343404"/>
+              <a:ext cx="4725055" cy="3456751"/>
+            </a:xfrm>
+            <a:prstGeom prst="rect">
+              <a:avLst/>
+            </a:prstGeom>
+          </p:spPr>
+        </p:pic>
+      </p:grpSp>
+    </p:spTree>
+    <p:extLst>
+      <p:ext uri="{BB962C8B-B14F-4D97-AF65-F5344CB8AC3E}">
+        <p14:creationId xmlns:p14="http://schemas.microsoft.com/office/powerpoint/2010/main" val="1263628838"/>
+      </p:ext>
+    </p:extLst>
+  </p:cSld>
+  <p:clrMapOvr>
+    <a:masterClrMapping/>
+  </p:clrMapOvr>
+</p:sld>
+</file>
+
+<file path=ppt/slides/slide44.xml><?xml version="1.0" encoding="utf-8"?>
+<p:sld xmlns:a="http://schemas.openxmlformats.org/drawingml/2006/main" xmlns:r="http://schemas.openxmlformats.org/officeDocument/2006/relationships" xmlns:p="http://schemas.openxmlformats.org/presentationml/2006/main">
+  <p:cSld>
+    <p:spTree>
+      <p:nvGrpSpPr>
+        <p:cNvPr id="1" name=""/>
+        <p:cNvGrpSpPr/>
+        <p:nvPr/>
+      </p:nvGrpSpPr>
+      <p:grpSpPr>
+        <a:xfrm>
+          <a:off x="0" y="0"/>
+          <a:ext cx="0" cy="0"/>
+          <a:chOff x="0" y="0"/>
+          <a:chExt cx="0" cy="0"/>
+        </a:xfrm>
+      </p:grpSpPr>
+      <p:sp>
+        <p:nvSpPr>
+          <p:cNvPr id="2" name="제목 1">
+            <a:extLst>
+              <a:ext uri="{FF2B5EF4-FFF2-40B4-BE49-F238E27FC236}">
+                <a16:creationId xmlns:a16="http://schemas.microsoft.com/office/drawing/2014/main" id="{F35C43C8-4428-4D97-87C2-6ACA5057AB6C}"/>
+              </a:ext>
+            </a:extLst>
+          </p:cNvPr>
+          <p:cNvSpPr>
+            <a:spLocks noGrp="1"/>
+          </p:cNvSpPr>
+          <p:nvPr>
+            <p:ph type="title"/>
+          </p:nvPr>
+        </p:nvSpPr>
+        <p:spPr/>
+        <p:txBody>
+          <a:bodyPr/>
+          <a:lstStyle/>
+          <a:p>
+            <a:r>
+              <a:rPr lang="en-US" altLang="ko-KR" dirty="0">
+                <a:latin typeface="나눔고딕" panose="020B0600000101010101" charset="-127"/>
+                <a:ea typeface="나눔고딕" panose="020B0600000101010101" charset="-127"/>
+              </a:rPr>
+              <a:t>13. HASH JOIN</a:t>
+            </a:r>
+            <a:endParaRPr lang="ko-KR" altLang="en-US" dirty="0">
+              <a:latin typeface="나눔고딕" panose="020B0600000101010101" charset="-127"/>
+              <a:ea typeface="나눔고딕" panose="020B0600000101010101" charset="-127"/>
+            </a:endParaRPr>
+          </a:p>
+        </p:txBody>
+      </p:sp>
+      <p:sp>
+        <p:nvSpPr>
+          <p:cNvPr id="47" name="텍스트 개체 틀 3">
+            <a:extLst>
+              <a:ext uri="{FF2B5EF4-FFF2-40B4-BE49-F238E27FC236}">
+                <a16:creationId xmlns:a16="http://schemas.microsoft.com/office/drawing/2014/main" id="{BD6E26C7-2547-444C-8643-2B2EEE99F2F4}"/>
+              </a:ext>
+            </a:extLst>
+          </p:cNvPr>
+          <p:cNvSpPr>
+            <a:spLocks noGrp="1"/>
+          </p:cNvSpPr>
+          <p:nvPr>
+            <p:ph type="body" sz="quarter" idx="13"/>
+          </p:nvPr>
+        </p:nvSpPr>
+        <p:spPr>
+          <a:xfrm>
+            <a:off x="6747393" y="62621"/>
+            <a:ext cx="2822735" cy="390525"/>
+          </a:xfrm>
+        </p:spPr>
+        <p:txBody>
+          <a:bodyPr/>
+          <a:lstStyle/>
+          <a:p>
+            <a:r>
+              <a:rPr lang="en-US" altLang="ko-KR" dirty="0">
+                <a:latin typeface="나눔고딕" panose="020D0604000000000000" pitchFamily="50" charset="-127"/>
+                <a:ea typeface="나눔고딕" panose="020D0604000000000000" pitchFamily="50" charset="-127"/>
+              </a:rPr>
+              <a:t>Ⅱ. </a:t>
+            </a:r>
+            <a:r>
+              <a:rPr lang="ko-KR" altLang="en-US" dirty="0">
+                <a:latin typeface="나눔고딕" panose="020D0604000000000000" pitchFamily="50" charset="-127"/>
+                <a:ea typeface="나눔고딕" panose="020D0604000000000000" pitchFamily="50" charset="-127"/>
+              </a:rPr>
+              <a:t>실행계획</a:t>
+            </a:r>
+          </a:p>
+        </p:txBody>
+      </p:sp>
+      <p:sp>
+        <p:nvSpPr>
+          <p:cNvPr id="8" name="슬라이드 번호 개체 틀 2">
+            <a:extLst>
+              <a:ext uri="{FF2B5EF4-FFF2-40B4-BE49-F238E27FC236}">
+                <a16:creationId xmlns:a16="http://schemas.microsoft.com/office/drawing/2014/main" id="{04551D9F-A373-412B-9564-CCFAEDE5BC72}"/>
+              </a:ext>
+            </a:extLst>
+          </p:cNvPr>
+          <p:cNvSpPr>
+            <a:spLocks noGrp="1"/>
+          </p:cNvSpPr>
+          <p:nvPr>
+            <p:ph type="sldNum" sz="quarter" idx="12"/>
+          </p:nvPr>
+        </p:nvSpPr>
+        <p:spPr>
+          <a:xfrm>
+            <a:off x="4439346" y="6528442"/>
+            <a:ext cx="1029301" cy="276999"/>
+          </a:xfrm>
+        </p:spPr>
+        <p:txBody>
+          <a:bodyPr>
+            <a:normAutofit fontScale="92500"/>
+          </a:bodyPr>
+          <a:lstStyle/>
+          <a:p>
+            <a:fld id="{EBB166B3-33A6-45CA-B81B-F13BE7654232}" type="slidenum">
+              <a:rPr lang="ko-KR" altLang="en-US" smtClean="0">
+                <a:latin typeface="나눔고딕" panose="020B0600000101010101" charset="-127"/>
+                <a:ea typeface="나눔고딕" panose="020B0600000101010101" charset="-127"/>
+              </a:rPr>
+              <a:t>43</a:t>
+            </a:fld>
+            <a:endParaRPr lang="ko-KR" altLang="en-US" dirty="0">
+              <a:latin typeface="나눔고딕" panose="020B0600000101010101" charset="-127"/>
+              <a:ea typeface="나눔고딕" panose="020B0600000101010101" charset="-127"/>
+            </a:endParaRPr>
+          </a:p>
+        </p:txBody>
+      </p:sp>
+      <p:grpSp>
+        <p:nvGrpSpPr>
+          <p:cNvPr id="4" name="그룹 3">
+            <a:extLst>
+              <a:ext uri="{FF2B5EF4-FFF2-40B4-BE49-F238E27FC236}">
+                <a16:creationId xmlns:a16="http://schemas.microsoft.com/office/drawing/2014/main" id="{3E577580-3A6D-4DE5-92A1-2C5422270D78}"/>
+              </a:ext>
+            </a:extLst>
+          </p:cNvPr>
+          <p:cNvGrpSpPr/>
+          <p:nvPr/>
+        </p:nvGrpSpPr>
+        <p:grpSpPr>
+          <a:xfrm>
+            <a:off x="363984" y="789367"/>
+            <a:ext cx="7462944" cy="3723910"/>
+            <a:chOff x="363984" y="864868"/>
+            <a:chExt cx="7462944" cy="3723910"/>
+          </a:xfrm>
+        </p:grpSpPr>
+        <p:sp>
+          <p:nvSpPr>
+            <p:cNvPr id="15" name="직사각형 14">
+              <a:extLst>
+                <a:ext uri="{FF2B5EF4-FFF2-40B4-BE49-F238E27FC236}">
+                  <a16:creationId xmlns:a16="http://schemas.microsoft.com/office/drawing/2014/main" id="{7680BF94-0B19-4CDB-AB67-699A736A5682}"/>
+                </a:ext>
+              </a:extLst>
+            </p:cNvPr>
+            <p:cNvSpPr/>
+            <p:nvPr/>
+          </p:nvSpPr>
+          <p:spPr>
+            <a:xfrm>
+              <a:off x="372373" y="1258348"/>
+              <a:ext cx="7454555" cy="3330430"/>
+            </a:xfrm>
+            <a:prstGeom prst="rect">
+              <a:avLst/>
+            </a:prstGeom>
+            <a:noFill/>
+          </p:spPr>
+          <p:style>
+            <a:lnRef idx="2">
+              <a:schemeClr val="accent1">
+                <a:shade val="50000"/>
+              </a:schemeClr>
+            </a:lnRef>
+            <a:fillRef idx="1">
+              <a:schemeClr val="accent1"/>
+            </a:fillRef>
+            <a:effectRef idx="0">
+              <a:schemeClr val="accent1"/>
+            </a:effectRef>
+            <a:fontRef idx="minor">
+              <a:schemeClr val="lt1"/>
+            </a:fontRef>
+          </p:style>
+          <p:txBody>
+            <a:bodyPr rtlCol="0" anchor="ctr"/>
+            <a:lstStyle/>
+            <a:p>
+              <a:pPr algn="ctr"/>
+              <a:endParaRPr lang="ko-KR" altLang="en-US" dirty="0">
+                <a:latin typeface="나눔고딕" panose="020B0600000101010101" charset="-127"/>
+                <a:ea typeface="나눔고딕" panose="020B0600000101010101" charset="-127"/>
+              </a:endParaRPr>
+            </a:p>
+          </p:txBody>
+        </p:sp>
+        <p:sp>
+          <p:nvSpPr>
+            <p:cNvPr id="16" name="자유형 23">
+              <a:extLst>
+                <a:ext uri="{FF2B5EF4-FFF2-40B4-BE49-F238E27FC236}">
+                  <a16:creationId xmlns:a16="http://schemas.microsoft.com/office/drawing/2014/main" id="{4D9672F6-EFEF-4351-A292-B119DD3449FE}"/>
+                </a:ext>
+              </a:extLst>
+            </p:cNvPr>
+            <p:cNvSpPr>
+              <a:spLocks noChangeArrowheads="1"/>
+            </p:cNvSpPr>
+            <p:nvPr/>
+          </p:nvSpPr>
+          <p:spPr bwMode="gray">
+            <a:xfrm>
+              <a:off x="363984" y="864868"/>
+              <a:ext cx="2099434" cy="373775"/>
+            </a:xfrm>
+            <a:custGeom>
+              <a:avLst/>
+              <a:gdLst>
+                <a:gd name="connsiteX0" fmla="*/ 48729 w 1587995"/>
+                <a:gd name="connsiteY0" fmla="*/ 0 h 292361"/>
+                <a:gd name="connsiteX1" fmla="*/ 1539267 w 1587995"/>
+                <a:gd name="connsiteY1" fmla="*/ 0 h 292361"/>
+                <a:gd name="connsiteX2" fmla="*/ 1587995 w 1587995"/>
+                <a:gd name="connsiteY2" fmla="*/ 48728 h 292361"/>
+                <a:gd name="connsiteX3" fmla="*/ 1587995 w 1587995"/>
+                <a:gd name="connsiteY3" fmla="*/ 243633 h 292361"/>
+                <a:gd name="connsiteX4" fmla="*/ 1587994 w 1587995"/>
+                <a:gd name="connsiteY4" fmla="*/ 243636 h 292361"/>
+                <a:gd name="connsiteX5" fmla="*/ 1587994 w 1587995"/>
+                <a:gd name="connsiteY5" fmla="*/ 292361 h 292361"/>
+                <a:gd name="connsiteX6" fmla="*/ 1539267 w 1587995"/>
+                <a:gd name="connsiteY6" fmla="*/ 292361 h 292361"/>
+                <a:gd name="connsiteX7" fmla="*/ 48729 w 1587995"/>
+                <a:gd name="connsiteY7" fmla="*/ 292361 h 292361"/>
+                <a:gd name="connsiteX8" fmla="*/ 0 w 1587995"/>
+                <a:gd name="connsiteY8" fmla="*/ 292361 h 292361"/>
+                <a:gd name="connsiteX9" fmla="*/ 0 w 1587995"/>
+                <a:gd name="connsiteY9" fmla="*/ 152400 h 292361"/>
+                <a:gd name="connsiteX10" fmla="*/ 1 w 1587995"/>
+                <a:gd name="connsiteY10" fmla="*/ 152400 h 292361"/>
+                <a:gd name="connsiteX11" fmla="*/ 1 w 1587995"/>
+                <a:gd name="connsiteY11" fmla="*/ 48728 h 292361"/>
+                <a:gd name="connsiteX12" fmla="*/ 48729 w 1587995"/>
+                <a:gd name="connsiteY12" fmla="*/ 0 h 292361"/>
+              </a:gdLst>
+              <a:ahLst/>
+              <a:cxnLst>
+                <a:cxn ang="0">
+                  <a:pos x="connsiteX0" y="connsiteY0"/>
+                </a:cxn>
+                <a:cxn ang="0">
+                  <a:pos x="connsiteX1" y="connsiteY1"/>
+                </a:cxn>
+                <a:cxn ang="0">
+                  <a:pos x="connsiteX2" y="connsiteY2"/>
+                </a:cxn>
+                <a:cxn ang="0">
+                  <a:pos x="connsiteX3" y="connsiteY3"/>
+                </a:cxn>
+                <a:cxn ang="0">
+                  <a:pos x="connsiteX4" y="connsiteY4"/>
+                </a:cxn>
+                <a:cxn ang="0">
+                  <a:pos x="connsiteX5" y="connsiteY5"/>
+                </a:cxn>
+                <a:cxn ang="0">
+                  <a:pos x="connsiteX6" y="connsiteY6"/>
+                </a:cxn>
+                <a:cxn ang="0">
+                  <a:pos x="connsiteX7" y="connsiteY7"/>
+                </a:cxn>
+                <a:cxn ang="0">
+                  <a:pos x="connsiteX8" y="connsiteY8"/>
+                </a:cxn>
+                <a:cxn ang="0">
+                  <a:pos x="connsiteX9" y="connsiteY9"/>
+                </a:cxn>
+                <a:cxn ang="0">
+                  <a:pos x="connsiteX10" y="connsiteY10"/>
+                </a:cxn>
+                <a:cxn ang="0">
+                  <a:pos x="connsiteX11" y="connsiteY11"/>
+                </a:cxn>
+                <a:cxn ang="0">
+                  <a:pos x="connsiteX12" y="connsiteY12"/>
+                </a:cxn>
+              </a:cxnLst>
+              <a:rect l="l" t="t" r="r" b="b"/>
+              <a:pathLst>
+                <a:path w="1587995" h="292361">
+                  <a:moveTo>
+                    <a:pt x="48729" y="0"/>
+                  </a:moveTo>
+                  <a:lnTo>
+                    <a:pt x="1539267" y="0"/>
+                  </a:lnTo>
+                  <a:cubicBezTo>
+                    <a:pt x="1566179" y="0"/>
+                    <a:pt x="1587995" y="21816"/>
+                    <a:pt x="1587995" y="48728"/>
+                  </a:cubicBezTo>
+                  <a:lnTo>
+                    <a:pt x="1587995" y="243633"/>
+                  </a:lnTo>
+                  <a:lnTo>
+                    <a:pt x="1587994" y="243636"/>
+                  </a:lnTo>
+                  <a:lnTo>
+                    <a:pt x="1587994" y="292361"/>
+                  </a:lnTo>
+                  <a:lnTo>
+                    <a:pt x="1539267" y="292361"/>
+                  </a:lnTo>
+                  <a:lnTo>
+                    <a:pt x="48729" y="292361"/>
+                  </a:lnTo>
+                  <a:lnTo>
+                    <a:pt x="0" y="292361"/>
+                  </a:lnTo>
+                  <a:lnTo>
+                    <a:pt x="0" y="152400"/>
+                  </a:lnTo>
+                  <a:lnTo>
+                    <a:pt x="1" y="152400"/>
+                  </a:lnTo>
+                  <a:lnTo>
+                    <a:pt x="1" y="48728"/>
+                  </a:lnTo>
+                  <a:cubicBezTo>
+                    <a:pt x="1" y="21816"/>
+                    <a:pt x="21817" y="0"/>
+                    <a:pt x="48729" y="0"/>
+                  </a:cubicBezTo>
+                  <a:close/>
+                </a:path>
+              </a:pathLst>
+            </a:custGeom>
+            <a:solidFill>
+              <a:srgbClr val="002060"/>
+            </a:solidFill>
+            <a:ln w="9525" algn="ctr">
+              <a:solidFill>
+                <a:srgbClr val="002060"/>
+              </a:solidFill>
+              <a:miter lim="800000"/>
+              <a:headEnd/>
+              <a:tailEnd/>
+            </a:ln>
+            <a:effectLst>
+              <a:outerShdw blurRad="50800" dist="38100" dir="2700000" algn="tl" rotWithShape="0">
+                <a:prstClr val="black">
+                  <a:alpha val="40000"/>
+                </a:prstClr>
+              </a:outerShdw>
+            </a:effectLst>
+          </p:spPr>
+          <p:txBody>
+            <a:bodyPr wrap="square" lIns="72000" tIns="36000" rIns="72000" bIns="36000" anchor="ctr">
+              <a:noAutofit/>
+            </a:bodyPr>
+            <a:lstStyle/>
+            <a:p>
+              <a:pPr marR="0" lvl="0" algn="ctr" defTabSz="411163" eaLnBrk="0" fontAlgn="base" latinLnBrk="0" hangingPunct="0">
+                <a:spcBef>
+                  <a:spcPct val="0"/>
+                </a:spcBef>
+                <a:spcAft>
+                  <a:spcPct val="0"/>
+                </a:spcAft>
+                <a:buSzPct val="90000"/>
+                <a:tabLst>
+                  <a:tab pos="85725" algn="l"/>
+                </a:tabLst>
+                <a:defRPr/>
+              </a:pPr>
+              <a:r>
+                <a:rPr kumimoji="1" lang="en-US" altLang="ko-KR" sz="1200" b="1" kern="0" dirty="0">
+                  <a:solidFill>
+                    <a:schemeClr val="bg1"/>
+                  </a:solidFill>
+                  <a:latin typeface="나눔고딕" panose="020B0600000101010101" charset="-127"/>
+                  <a:ea typeface="나눔고딕" panose="020B0600000101010101" charset="-127"/>
+                </a:rPr>
+                <a:t>HASH JOIN</a:t>
+              </a:r>
+              <a:endParaRPr kumimoji="1" lang="en-US" altLang="ko-KR" sz="1200" b="1" i="0" u="none" strike="noStrike" kern="0" cap="none" spc="0" normalizeH="0" baseline="0" noProof="0" dirty="0">
+                <a:ln>
+                  <a:noFill/>
+                </a:ln>
+                <a:solidFill>
+                  <a:schemeClr val="bg1"/>
+                </a:solidFill>
+                <a:effectLst/>
+                <a:uLnTx/>
+                <a:uFillTx/>
+                <a:latin typeface="나눔고딕" panose="020B0600000101010101" charset="-127"/>
+                <a:ea typeface="나눔고딕" panose="020B0600000101010101" charset="-127"/>
+              </a:endParaRPr>
+            </a:p>
+          </p:txBody>
+        </p:sp>
+        <p:pic>
+          <p:nvPicPr>
+            <p:cNvPr id="3074" name="Picture 2">
+              <a:extLst>
+                <a:ext uri="{FF2B5EF4-FFF2-40B4-BE49-F238E27FC236}">
+                  <a16:creationId xmlns:a16="http://schemas.microsoft.com/office/drawing/2014/main" id="{C9B2981A-1218-4F56-8B3B-D98A9CD7A8AD}"/>
+                </a:ext>
+              </a:extLst>
+            </p:cNvPr>
+            <p:cNvPicPr>
+              <a:picLocks noChangeAspect="1" noChangeArrowheads="1"/>
+            </p:cNvPicPr>
+            <p:nvPr/>
+          </p:nvPicPr>
+          <p:blipFill>
+            <a:blip r:embed="rId2">
+              <a:extLst>
+                <a:ext uri="{28A0092B-C50C-407E-A947-70E740481C1C}">
+                  <a14:useLocalDpi xmlns:a14="http://schemas.microsoft.com/office/drawing/2010/main" val="0"/>
+                </a:ext>
+              </a:extLst>
+            </a:blip>
+            <a:srcRect/>
+            <a:stretch>
+              <a:fillRect/>
+            </a:stretch>
+          </p:blipFill>
+          <p:spPr bwMode="auto">
+            <a:xfrm>
+              <a:off x="449030" y="1357663"/>
+              <a:ext cx="7229475" cy="3152775"/>
+            </a:xfrm>
+            <a:prstGeom prst="rect">
+              <a:avLst/>
+            </a:prstGeom>
+            <a:noFill/>
+            <a:extLst>
+              <a:ext uri="{909E8E84-426E-40DD-AFC4-6F175D3DCCD1}">
+                <a14:hiddenFill xmlns:a14="http://schemas.microsoft.com/office/drawing/2010/main">
+                  <a:solidFill>
+                    <a:srgbClr val="FFFFFF"/>
+                  </a:solidFill>
+                </a14:hiddenFill>
+              </a:ext>
+            </a:extLst>
+          </p:spPr>
+        </p:pic>
+      </p:grpSp>
+      <p:sp>
+        <p:nvSpPr>
+          <p:cNvPr id="12" name="TextBox 11">
+            <a:extLst>
+              <a:ext uri="{FF2B5EF4-FFF2-40B4-BE49-F238E27FC236}">
+                <a16:creationId xmlns:a16="http://schemas.microsoft.com/office/drawing/2014/main" id="{60145F63-8DAD-45EF-ADEC-75AFEB316106}"/>
+              </a:ext>
+            </a:extLst>
+          </p:cNvPr>
+          <p:cNvSpPr txBox="1"/>
+          <p:nvPr/>
+        </p:nvSpPr>
+        <p:spPr>
+          <a:xfrm>
+            <a:off x="271705" y="4743819"/>
+            <a:ext cx="9334030" cy="1441613"/>
+          </a:xfrm>
+          <a:prstGeom prst="rect">
+            <a:avLst/>
+          </a:prstGeom>
+          <a:noFill/>
+        </p:spPr>
+        <p:txBody>
+          <a:bodyPr wrap="none" rtlCol="0">
+            <a:spAutoFit/>
+          </a:bodyPr>
+          <a:lstStyle/>
+          <a:p>
+            <a:pPr marL="285750" indent="-285750">
+              <a:lnSpc>
+                <a:spcPct val="150000"/>
+              </a:lnSpc>
+              <a:buFont typeface="Arial" panose="020B0604020202020204" pitchFamily="34" charset="0"/>
+              <a:buChar char="•"/>
+            </a:pPr>
+            <a:r>
+              <a:rPr lang="ko-KR" altLang="en-US" sz="1200" dirty="0"/>
+              <a:t>조인의 대상이 되는 두 집합</a:t>
+            </a:r>
+            <a:r>
+              <a:rPr lang="en-US" altLang="ko-KR" sz="1200" dirty="0"/>
+              <a:t> </a:t>
+            </a:r>
+            <a:r>
+              <a:rPr lang="ko-KR" altLang="en-US" sz="1200" dirty="0"/>
+              <a:t>중 작은 집합을 </a:t>
+            </a:r>
+            <a:r>
+              <a:rPr lang="en-US" altLang="ko-KR" sz="1200" dirty="0"/>
+              <a:t>Build Input</a:t>
+            </a:r>
+            <a:r>
+              <a:rPr lang="ko-KR" altLang="en-US" sz="1200" dirty="0"/>
+              <a:t>으로 정의하고</a:t>
+            </a:r>
+            <a:r>
+              <a:rPr lang="en-US" altLang="ko-KR" sz="1200" dirty="0"/>
+              <a:t>,</a:t>
+            </a:r>
+            <a:r>
+              <a:rPr lang="ko-KR" altLang="en-US" sz="1200" dirty="0"/>
+              <a:t> 해당 </a:t>
+            </a:r>
+            <a:r>
+              <a:rPr lang="en-US" altLang="ko-KR" sz="1200" dirty="0"/>
+              <a:t>Build Input</a:t>
+            </a:r>
+            <a:r>
+              <a:rPr lang="ko-KR" altLang="en-US" sz="1200" dirty="0"/>
+              <a:t>을 읽어 </a:t>
+            </a:r>
+            <a:r>
+              <a:rPr lang="en-US" altLang="ko-KR" sz="1200" dirty="0"/>
+              <a:t>Hash Area</a:t>
+            </a:r>
+            <a:r>
+              <a:rPr lang="ko-KR" altLang="en-US" sz="1200" dirty="0"/>
+              <a:t>에 해시 테이블을 생성</a:t>
+            </a:r>
+            <a:endParaRPr lang="en-US" altLang="ko-KR" sz="1200" dirty="0"/>
+          </a:p>
+          <a:p>
+            <a:pPr marL="285750" indent="-285750">
+              <a:lnSpc>
+                <a:spcPct val="150000"/>
+              </a:lnSpc>
+              <a:buFont typeface="Arial" panose="020B0604020202020204" pitchFamily="34" charset="0"/>
+              <a:buChar char="•"/>
+            </a:pPr>
+            <a:r>
+              <a:rPr lang="ko-KR" altLang="en-US" sz="1200" dirty="0"/>
+              <a:t>나머지 집합을 </a:t>
+            </a:r>
+            <a:r>
+              <a:rPr lang="en-US" altLang="ko-KR" sz="1200" dirty="0"/>
+              <a:t>Probe Input</a:t>
+            </a:r>
+            <a:r>
+              <a:rPr lang="ko-KR" altLang="en-US" sz="1200" dirty="0"/>
+              <a:t>으로 정의하고</a:t>
+            </a:r>
+            <a:r>
+              <a:rPr lang="en-US" altLang="ko-KR" sz="1200" dirty="0"/>
+              <a:t>, </a:t>
+            </a:r>
+            <a:r>
+              <a:rPr lang="ko-KR" altLang="en-US" sz="1200" dirty="0"/>
+              <a:t> 해당 </a:t>
+            </a:r>
+            <a:r>
+              <a:rPr lang="en-US" altLang="ko-KR" sz="1200" dirty="0"/>
+              <a:t>Probe Input</a:t>
+            </a:r>
+            <a:r>
+              <a:rPr lang="ko-KR" altLang="en-US" sz="1200" dirty="0"/>
+              <a:t>을 읽어 해시 테이블을 탐색하며 조인 실시</a:t>
+            </a:r>
+            <a:endParaRPr lang="en-US" altLang="ko-KR" sz="1200" dirty="0"/>
+          </a:p>
+          <a:p>
+            <a:pPr marL="285750" indent="-285750">
+              <a:lnSpc>
+                <a:spcPct val="150000"/>
+              </a:lnSpc>
+              <a:buFont typeface="Arial" panose="020B0604020202020204" pitchFamily="34" charset="0"/>
+              <a:buChar char="•"/>
+            </a:pPr>
+            <a:r>
+              <a:rPr lang="ko-KR" altLang="en-US" sz="1200" dirty="0"/>
+              <a:t>해시 테이블을 생성할 때나 탐색할 때 모두 해시 함수 사용</a:t>
+            </a:r>
+            <a:endParaRPr lang="en-US" altLang="ko-KR" sz="1200" dirty="0"/>
+          </a:p>
+          <a:p>
+            <a:pPr marL="285750" indent="-285750">
+              <a:lnSpc>
+                <a:spcPct val="150000"/>
+              </a:lnSpc>
+              <a:buFont typeface="Arial" panose="020B0604020202020204" pitchFamily="34" charset="0"/>
+              <a:buChar char="•"/>
+            </a:pPr>
+            <a:r>
+              <a:rPr lang="en-US" altLang="ko-KR" sz="1200" dirty="0"/>
+              <a:t>Hash Area</a:t>
+            </a:r>
+            <a:r>
+              <a:rPr lang="ko-KR" altLang="en-US" sz="1200" dirty="0"/>
+              <a:t>는 </a:t>
+            </a:r>
+            <a:r>
+              <a:rPr lang="en-US" altLang="ko-KR" sz="1200" dirty="0"/>
+              <a:t>PGA </a:t>
+            </a:r>
+            <a:r>
+              <a:rPr lang="ko-KR" altLang="en-US" sz="1200" dirty="0"/>
+              <a:t>메모리에 할당되는데</a:t>
+            </a:r>
+            <a:r>
+              <a:rPr lang="en-US" altLang="ko-KR" sz="1200" dirty="0"/>
+              <a:t>, Build Input</a:t>
+            </a:r>
+            <a:r>
+              <a:rPr lang="ko-KR" altLang="en-US" sz="1200" dirty="0"/>
+              <a:t>이 </a:t>
+            </a:r>
+            <a:r>
+              <a:rPr lang="en-US" altLang="ko-KR" sz="1200" dirty="0" err="1"/>
+              <a:t>hash_area_size</a:t>
+            </a:r>
+            <a:r>
+              <a:rPr lang="ko-KR" altLang="en-US" sz="1200" dirty="0"/>
+              <a:t>값을 초과하게 되면</a:t>
+            </a:r>
+            <a:r>
+              <a:rPr lang="en-US" altLang="ko-KR" sz="1200" dirty="0"/>
+              <a:t> </a:t>
+            </a:r>
+            <a:r>
+              <a:rPr lang="ko-KR" altLang="en-US" sz="1200" dirty="0"/>
+              <a:t>추가적인 디스크 </a:t>
+            </a:r>
+            <a:r>
+              <a:rPr lang="en-US" altLang="ko-KR" sz="1200" dirty="0"/>
+              <a:t>I/O</a:t>
+            </a:r>
+            <a:r>
+              <a:rPr lang="ko-KR" altLang="en-US" sz="1200" dirty="0"/>
+              <a:t>가 발생하여</a:t>
+            </a:r>
+            <a:endParaRPr lang="en-US" altLang="ko-KR" sz="1200" dirty="0"/>
+          </a:p>
+          <a:p>
+            <a:pPr>
+              <a:lnSpc>
+                <a:spcPct val="150000"/>
+              </a:lnSpc>
+            </a:pPr>
+            <a:r>
+              <a:rPr lang="en-US" altLang="ko-KR" sz="1200" dirty="0"/>
+              <a:t>     </a:t>
+            </a:r>
+            <a:r>
+              <a:rPr lang="ko-KR" altLang="en-US" sz="1200" dirty="0"/>
+              <a:t>조인 속도가 저하됨</a:t>
+            </a:r>
+            <a:endParaRPr lang="en-US" altLang="ko-KR" sz="1200" dirty="0"/>
+          </a:p>
+        </p:txBody>
+      </p:sp>
+    </p:spTree>
+    <p:extLst>
+      <p:ext uri="{BB962C8B-B14F-4D97-AF65-F5344CB8AC3E}">
+        <p14:creationId xmlns:p14="http://schemas.microsoft.com/office/powerpoint/2010/main" val="2202768404"/>
+      </p:ext>
+    </p:extLst>
+  </p:cSld>
+  <p:clrMapOvr>
+    <a:masterClrMapping/>
+  </p:clrMapOvr>
+</p:sld>
+</file>
+
+<file path=ppt/slides/slide45.xml><?xml version="1.0" encoding="utf-8"?>
+<p:sld xmlns:a="http://schemas.openxmlformats.org/drawingml/2006/main" xmlns:r="http://schemas.openxmlformats.org/officeDocument/2006/relationships" xmlns:p="http://schemas.openxmlformats.org/presentationml/2006/main">
+  <p:cSld>
+    <p:spTree>
+      <p:nvGrpSpPr>
+        <p:cNvPr id="1" name=""/>
+        <p:cNvGrpSpPr/>
+        <p:nvPr/>
+      </p:nvGrpSpPr>
+      <p:grpSpPr>
+        <a:xfrm>
+          <a:off x="0" y="0"/>
+          <a:ext cx="0" cy="0"/>
+          <a:chOff x="0" y="0"/>
+          <a:chExt cx="0" cy="0"/>
+        </a:xfrm>
+      </p:grpSpPr>
+      <p:sp>
+        <p:nvSpPr>
+          <p:cNvPr id="2" name="제목 1">
+            <a:extLst>
+              <a:ext uri="{FF2B5EF4-FFF2-40B4-BE49-F238E27FC236}">
+                <a16:creationId xmlns:a16="http://schemas.microsoft.com/office/drawing/2014/main" id="{F35C43C8-4428-4D97-87C2-6ACA5057AB6C}"/>
+              </a:ext>
+            </a:extLst>
+          </p:cNvPr>
+          <p:cNvSpPr>
+            <a:spLocks noGrp="1"/>
+          </p:cNvSpPr>
+          <p:nvPr>
+            <p:ph type="title"/>
+          </p:nvPr>
+        </p:nvSpPr>
+        <p:spPr/>
+        <p:txBody>
+          <a:bodyPr/>
+          <a:lstStyle/>
+          <a:p>
+            <a:r>
+              <a:rPr lang="en-US" altLang="ko-KR" dirty="0">
+                <a:latin typeface="나눔고딕" panose="020B0600000101010101" charset="-127"/>
+                <a:ea typeface="나눔고딕" panose="020B0600000101010101" charset="-127"/>
+              </a:rPr>
+              <a:t>13. HASH JOIN</a:t>
+            </a:r>
+            <a:endParaRPr lang="ko-KR" altLang="en-US" dirty="0">
+              <a:latin typeface="나눔고딕" panose="020B0600000101010101" charset="-127"/>
+              <a:ea typeface="나눔고딕" panose="020B0600000101010101" charset="-127"/>
+            </a:endParaRPr>
+          </a:p>
+        </p:txBody>
+      </p:sp>
+      <p:sp>
+        <p:nvSpPr>
+          <p:cNvPr id="47" name="텍스트 개체 틀 3">
+            <a:extLst>
+              <a:ext uri="{FF2B5EF4-FFF2-40B4-BE49-F238E27FC236}">
+                <a16:creationId xmlns:a16="http://schemas.microsoft.com/office/drawing/2014/main" id="{BD6E26C7-2547-444C-8643-2B2EEE99F2F4}"/>
+              </a:ext>
+            </a:extLst>
+          </p:cNvPr>
+          <p:cNvSpPr>
+            <a:spLocks noGrp="1"/>
+          </p:cNvSpPr>
+          <p:nvPr>
+            <p:ph type="body" sz="quarter" idx="13"/>
+          </p:nvPr>
+        </p:nvSpPr>
+        <p:spPr>
+          <a:xfrm>
+            <a:off x="6747393" y="62621"/>
+            <a:ext cx="2822735" cy="390525"/>
+          </a:xfrm>
+        </p:spPr>
+        <p:txBody>
+          <a:bodyPr/>
+          <a:lstStyle/>
+          <a:p>
+            <a:r>
+              <a:rPr lang="en-US" altLang="ko-KR" dirty="0">
+                <a:latin typeface="나눔고딕" panose="020D0604000000000000" pitchFamily="50" charset="-127"/>
+                <a:ea typeface="나눔고딕" panose="020D0604000000000000" pitchFamily="50" charset="-127"/>
+              </a:rPr>
+              <a:t>Ⅱ. </a:t>
+            </a:r>
+            <a:r>
+              <a:rPr lang="ko-KR" altLang="en-US" dirty="0">
+                <a:latin typeface="나눔고딕" panose="020D0604000000000000" pitchFamily="50" charset="-127"/>
+                <a:ea typeface="나눔고딕" panose="020D0604000000000000" pitchFamily="50" charset="-127"/>
+              </a:rPr>
+              <a:t>실행계획</a:t>
+            </a:r>
+          </a:p>
+        </p:txBody>
+      </p:sp>
+      <p:sp>
+        <p:nvSpPr>
+          <p:cNvPr id="8" name="슬라이드 번호 개체 틀 2">
+            <a:extLst>
+              <a:ext uri="{FF2B5EF4-FFF2-40B4-BE49-F238E27FC236}">
+                <a16:creationId xmlns:a16="http://schemas.microsoft.com/office/drawing/2014/main" id="{04551D9F-A373-412B-9564-CCFAEDE5BC72}"/>
+              </a:ext>
+            </a:extLst>
+          </p:cNvPr>
+          <p:cNvSpPr>
+            <a:spLocks noGrp="1"/>
+          </p:cNvSpPr>
+          <p:nvPr>
+            <p:ph type="sldNum" sz="quarter" idx="12"/>
+          </p:nvPr>
+        </p:nvSpPr>
+        <p:spPr>
+          <a:xfrm>
+            <a:off x="4439346" y="6528442"/>
+            <a:ext cx="1029301" cy="276999"/>
+          </a:xfrm>
+        </p:spPr>
+        <p:txBody>
+          <a:bodyPr>
+            <a:normAutofit fontScale="92500"/>
+          </a:bodyPr>
+          <a:lstStyle/>
+          <a:p>
+            <a:fld id="{EBB166B3-33A6-45CA-B81B-F13BE7654232}" type="slidenum">
+              <a:rPr lang="ko-KR" altLang="en-US" smtClean="0">
+                <a:latin typeface="나눔고딕" panose="020B0600000101010101" charset="-127"/>
+                <a:ea typeface="나눔고딕" panose="020B0600000101010101" charset="-127"/>
+              </a:rPr>
+              <a:t>44</a:t>
+            </a:fld>
+            <a:endParaRPr lang="ko-KR" altLang="en-US" dirty="0">
+              <a:latin typeface="나눔고딕" panose="020B0600000101010101" charset="-127"/>
+              <a:ea typeface="나눔고딕" panose="020B0600000101010101" charset="-127"/>
+            </a:endParaRPr>
+          </a:p>
+        </p:txBody>
+      </p:sp>
+      <p:grpSp>
+        <p:nvGrpSpPr>
+          <p:cNvPr id="9" name="그룹 8">
+            <a:extLst>
+              <a:ext uri="{FF2B5EF4-FFF2-40B4-BE49-F238E27FC236}">
+                <a16:creationId xmlns:a16="http://schemas.microsoft.com/office/drawing/2014/main" id="{E6C11644-CD51-4190-84A3-31537625C385}"/>
+              </a:ext>
+            </a:extLst>
+          </p:cNvPr>
+          <p:cNvGrpSpPr/>
+          <p:nvPr/>
+        </p:nvGrpSpPr>
+        <p:grpSpPr>
+          <a:xfrm>
+            <a:off x="1083109" y="1141705"/>
+            <a:ext cx="7739781" cy="2809510"/>
+            <a:chOff x="363984" y="789367"/>
+            <a:chExt cx="7739781" cy="2809510"/>
+          </a:xfrm>
+        </p:grpSpPr>
+        <p:sp>
+          <p:nvSpPr>
+            <p:cNvPr id="15" name="직사각형 14">
+              <a:extLst>
+                <a:ext uri="{FF2B5EF4-FFF2-40B4-BE49-F238E27FC236}">
+                  <a16:creationId xmlns:a16="http://schemas.microsoft.com/office/drawing/2014/main" id="{7680BF94-0B19-4CDB-AB67-699A736A5682}"/>
+                </a:ext>
+              </a:extLst>
+            </p:cNvPr>
+            <p:cNvSpPr/>
+            <p:nvPr/>
+          </p:nvSpPr>
+          <p:spPr>
+            <a:xfrm>
+              <a:off x="372373" y="1182847"/>
+              <a:ext cx="7731392" cy="2416030"/>
+            </a:xfrm>
+            <a:prstGeom prst="rect">
+              <a:avLst/>
+            </a:prstGeom>
+            <a:noFill/>
+          </p:spPr>
+          <p:style>
+            <a:lnRef idx="2">
+              <a:schemeClr val="accent1">
+                <a:shade val="50000"/>
+              </a:schemeClr>
+            </a:lnRef>
+            <a:fillRef idx="1">
+              <a:schemeClr val="accent1"/>
+            </a:fillRef>
+            <a:effectRef idx="0">
+              <a:schemeClr val="accent1"/>
+            </a:effectRef>
+            <a:fontRef idx="minor">
+              <a:schemeClr val="lt1"/>
+            </a:fontRef>
+          </p:style>
+          <p:txBody>
+            <a:bodyPr rtlCol="0" anchor="ctr"/>
+            <a:lstStyle/>
+            <a:p>
+              <a:pPr algn="ctr"/>
+              <a:endParaRPr lang="ko-KR" altLang="en-US" dirty="0">
+                <a:latin typeface="나눔고딕" panose="020B0600000101010101" charset="-127"/>
+                <a:ea typeface="나눔고딕" panose="020B0600000101010101" charset="-127"/>
+              </a:endParaRPr>
+            </a:p>
+          </p:txBody>
+        </p:sp>
+        <p:sp>
+          <p:nvSpPr>
+            <p:cNvPr id="16" name="자유형 23">
+              <a:extLst>
+                <a:ext uri="{FF2B5EF4-FFF2-40B4-BE49-F238E27FC236}">
+                  <a16:creationId xmlns:a16="http://schemas.microsoft.com/office/drawing/2014/main" id="{4D9672F6-EFEF-4351-A292-B119DD3449FE}"/>
+                </a:ext>
+              </a:extLst>
+            </p:cNvPr>
+            <p:cNvSpPr>
+              <a:spLocks noChangeArrowheads="1"/>
+            </p:cNvSpPr>
+            <p:nvPr/>
+          </p:nvSpPr>
+          <p:spPr bwMode="gray">
+            <a:xfrm>
+              <a:off x="363984" y="789367"/>
+              <a:ext cx="2099434" cy="373775"/>
+            </a:xfrm>
+            <a:custGeom>
+              <a:avLst/>
+              <a:gdLst>
+                <a:gd name="connsiteX0" fmla="*/ 48729 w 1587995"/>
+                <a:gd name="connsiteY0" fmla="*/ 0 h 292361"/>
+                <a:gd name="connsiteX1" fmla="*/ 1539267 w 1587995"/>
+                <a:gd name="connsiteY1" fmla="*/ 0 h 292361"/>
+                <a:gd name="connsiteX2" fmla="*/ 1587995 w 1587995"/>
+                <a:gd name="connsiteY2" fmla="*/ 48728 h 292361"/>
+                <a:gd name="connsiteX3" fmla="*/ 1587995 w 1587995"/>
+                <a:gd name="connsiteY3" fmla="*/ 243633 h 292361"/>
+                <a:gd name="connsiteX4" fmla="*/ 1587994 w 1587995"/>
+                <a:gd name="connsiteY4" fmla="*/ 243636 h 292361"/>
+                <a:gd name="connsiteX5" fmla="*/ 1587994 w 1587995"/>
+                <a:gd name="connsiteY5" fmla="*/ 292361 h 292361"/>
+                <a:gd name="connsiteX6" fmla="*/ 1539267 w 1587995"/>
+                <a:gd name="connsiteY6" fmla="*/ 292361 h 292361"/>
+                <a:gd name="connsiteX7" fmla="*/ 48729 w 1587995"/>
+                <a:gd name="connsiteY7" fmla="*/ 292361 h 292361"/>
+                <a:gd name="connsiteX8" fmla="*/ 0 w 1587995"/>
+                <a:gd name="connsiteY8" fmla="*/ 292361 h 292361"/>
+                <a:gd name="connsiteX9" fmla="*/ 0 w 1587995"/>
+                <a:gd name="connsiteY9" fmla="*/ 152400 h 292361"/>
+                <a:gd name="connsiteX10" fmla="*/ 1 w 1587995"/>
+                <a:gd name="connsiteY10" fmla="*/ 152400 h 292361"/>
+                <a:gd name="connsiteX11" fmla="*/ 1 w 1587995"/>
+                <a:gd name="connsiteY11" fmla="*/ 48728 h 292361"/>
+                <a:gd name="connsiteX12" fmla="*/ 48729 w 1587995"/>
+                <a:gd name="connsiteY12" fmla="*/ 0 h 292361"/>
+              </a:gdLst>
+              <a:ahLst/>
+              <a:cxnLst>
+                <a:cxn ang="0">
+                  <a:pos x="connsiteX0" y="connsiteY0"/>
+                </a:cxn>
+                <a:cxn ang="0">
+                  <a:pos x="connsiteX1" y="connsiteY1"/>
+                </a:cxn>
+                <a:cxn ang="0">
+                  <a:pos x="connsiteX2" y="connsiteY2"/>
+                </a:cxn>
+                <a:cxn ang="0">
+                  <a:pos x="connsiteX3" y="connsiteY3"/>
+                </a:cxn>
+                <a:cxn ang="0">
+                  <a:pos x="connsiteX4" y="connsiteY4"/>
+                </a:cxn>
+                <a:cxn ang="0">
+                  <a:pos x="connsiteX5" y="connsiteY5"/>
+                </a:cxn>
+                <a:cxn ang="0">
+                  <a:pos x="connsiteX6" y="connsiteY6"/>
+                </a:cxn>
+                <a:cxn ang="0">
+                  <a:pos x="connsiteX7" y="connsiteY7"/>
+                </a:cxn>
+                <a:cxn ang="0">
+                  <a:pos x="connsiteX8" y="connsiteY8"/>
+                </a:cxn>
+                <a:cxn ang="0">
+                  <a:pos x="connsiteX9" y="connsiteY9"/>
+                </a:cxn>
+                <a:cxn ang="0">
+                  <a:pos x="connsiteX10" y="connsiteY10"/>
+                </a:cxn>
+                <a:cxn ang="0">
+                  <a:pos x="connsiteX11" y="connsiteY11"/>
+                </a:cxn>
+                <a:cxn ang="0">
+                  <a:pos x="connsiteX12" y="connsiteY12"/>
+                </a:cxn>
+              </a:cxnLst>
+              <a:rect l="l" t="t" r="r" b="b"/>
+              <a:pathLst>
+                <a:path w="1587995" h="292361">
+                  <a:moveTo>
+                    <a:pt x="48729" y="0"/>
+                  </a:moveTo>
+                  <a:lnTo>
+                    <a:pt x="1539267" y="0"/>
+                  </a:lnTo>
+                  <a:cubicBezTo>
+                    <a:pt x="1566179" y="0"/>
+                    <a:pt x="1587995" y="21816"/>
+                    <a:pt x="1587995" y="48728"/>
+                  </a:cubicBezTo>
+                  <a:lnTo>
+                    <a:pt x="1587995" y="243633"/>
+                  </a:lnTo>
+                  <a:lnTo>
+                    <a:pt x="1587994" y="243636"/>
+                  </a:lnTo>
+                  <a:lnTo>
+                    <a:pt x="1587994" y="292361"/>
+                  </a:lnTo>
+                  <a:lnTo>
+                    <a:pt x="1539267" y="292361"/>
+                  </a:lnTo>
+                  <a:lnTo>
+                    <a:pt x="48729" y="292361"/>
+                  </a:lnTo>
+                  <a:lnTo>
+                    <a:pt x="0" y="292361"/>
+                  </a:lnTo>
+                  <a:lnTo>
+                    <a:pt x="0" y="152400"/>
+                  </a:lnTo>
+                  <a:lnTo>
+                    <a:pt x="1" y="152400"/>
+                  </a:lnTo>
+                  <a:lnTo>
+                    <a:pt x="1" y="48728"/>
+                  </a:lnTo>
+                  <a:cubicBezTo>
+                    <a:pt x="1" y="21816"/>
+                    <a:pt x="21817" y="0"/>
+                    <a:pt x="48729" y="0"/>
+                  </a:cubicBezTo>
+                  <a:close/>
+                </a:path>
+              </a:pathLst>
+            </a:custGeom>
+            <a:solidFill>
+              <a:srgbClr val="002060"/>
+            </a:solidFill>
+            <a:ln w="9525" algn="ctr">
+              <a:solidFill>
+                <a:srgbClr val="002060"/>
+              </a:solidFill>
+              <a:miter lim="800000"/>
+              <a:headEnd/>
+              <a:tailEnd/>
+            </a:ln>
+            <a:effectLst>
+              <a:outerShdw blurRad="50800" dist="38100" dir="2700000" algn="tl" rotWithShape="0">
+                <a:prstClr val="black">
+                  <a:alpha val="40000"/>
+                </a:prstClr>
+              </a:outerShdw>
+            </a:effectLst>
+          </p:spPr>
+          <p:txBody>
+            <a:bodyPr wrap="square" lIns="72000" tIns="36000" rIns="72000" bIns="36000" anchor="ctr">
+              <a:noAutofit/>
+            </a:bodyPr>
+            <a:lstStyle/>
+            <a:p>
+              <a:pPr marR="0" lvl="0" algn="ctr" defTabSz="411163" eaLnBrk="0" fontAlgn="base" latinLnBrk="0" hangingPunct="0">
+                <a:spcBef>
+                  <a:spcPct val="0"/>
+                </a:spcBef>
+                <a:spcAft>
+                  <a:spcPct val="0"/>
+                </a:spcAft>
+                <a:buSzPct val="90000"/>
+                <a:tabLst>
+                  <a:tab pos="85725" algn="l"/>
+                </a:tabLst>
+                <a:defRPr/>
+              </a:pPr>
+              <a:r>
+                <a:rPr kumimoji="1" lang="en-US" altLang="ko-KR" sz="1200" b="1" kern="0" dirty="0">
+                  <a:solidFill>
+                    <a:schemeClr val="bg1"/>
+                  </a:solidFill>
+                  <a:latin typeface="나눔고딕" panose="020B0600000101010101" charset="-127"/>
+                  <a:ea typeface="나눔고딕" panose="020B0600000101010101" charset="-127"/>
+                </a:rPr>
+                <a:t>HASH JOIN</a:t>
+              </a:r>
+              <a:endParaRPr kumimoji="1" lang="en-US" altLang="ko-KR" sz="1200" b="1" i="0" u="none" strike="noStrike" kern="0" cap="none" spc="0" normalizeH="0" baseline="0" noProof="0" dirty="0">
+                <a:ln>
+                  <a:noFill/>
+                </a:ln>
+                <a:solidFill>
+                  <a:schemeClr val="bg1"/>
+                </a:solidFill>
+                <a:effectLst/>
+                <a:uLnTx/>
+                <a:uFillTx/>
+                <a:latin typeface="나눔고딕" panose="020B0600000101010101" charset="-127"/>
+                <a:ea typeface="나눔고딕" panose="020B0600000101010101" charset="-127"/>
+              </a:endParaRPr>
+            </a:p>
+          </p:txBody>
+        </p:sp>
+        <p:pic>
+          <p:nvPicPr>
+            <p:cNvPr id="5" name="그림 4">
+              <a:extLst>
+                <a:ext uri="{FF2B5EF4-FFF2-40B4-BE49-F238E27FC236}">
+                  <a16:creationId xmlns:a16="http://schemas.microsoft.com/office/drawing/2014/main" id="{90F8DA5A-9D78-4AC0-ACEF-BA7041553D39}"/>
+                </a:ext>
+              </a:extLst>
+            </p:cNvPr>
+            <p:cNvPicPr>
+              <a:picLocks noChangeAspect="1"/>
+            </p:cNvPicPr>
+            <p:nvPr/>
+          </p:nvPicPr>
+          <p:blipFill>
+            <a:blip r:embed="rId2"/>
+            <a:stretch>
+              <a:fillRect/>
+            </a:stretch>
+          </p:blipFill>
+          <p:spPr>
+            <a:xfrm>
+              <a:off x="590156" y="1323363"/>
+              <a:ext cx="2752725" cy="1828800"/>
+            </a:xfrm>
+            <a:prstGeom prst="rect">
+              <a:avLst/>
+            </a:prstGeom>
+          </p:spPr>
+        </p:pic>
+        <p:pic>
+          <p:nvPicPr>
+            <p:cNvPr id="7" name="그림 6">
+              <a:extLst>
+                <a:ext uri="{FF2B5EF4-FFF2-40B4-BE49-F238E27FC236}">
+                  <a16:creationId xmlns:a16="http://schemas.microsoft.com/office/drawing/2014/main" id="{CD1C88F4-98D9-4173-BA03-00167C625FFA}"/>
+                </a:ext>
+              </a:extLst>
+            </p:cNvPr>
+            <p:cNvPicPr>
+              <a:picLocks noChangeAspect="1"/>
+            </p:cNvPicPr>
+            <p:nvPr/>
+          </p:nvPicPr>
+          <p:blipFill>
+            <a:blip r:embed="rId3"/>
+            <a:stretch>
+              <a:fillRect/>
+            </a:stretch>
+          </p:blipFill>
+          <p:spPr>
+            <a:xfrm>
+              <a:off x="3492664" y="1323363"/>
+              <a:ext cx="4552047" cy="2211970"/>
+            </a:xfrm>
+            <a:prstGeom prst="rect">
+              <a:avLst/>
+            </a:prstGeom>
+          </p:spPr>
+        </p:pic>
+      </p:grpSp>
+      <p:sp>
+        <p:nvSpPr>
+          <p:cNvPr id="17" name="TextBox 16">
+            <a:extLst>
+              <a:ext uri="{FF2B5EF4-FFF2-40B4-BE49-F238E27FC236}">
+                <a16:creationId xmlns:a16="http://schemas.microsoft.com/office/drawing/2014/main" id="{2AD39F10-8DD3-48DF-98BA-71463FB0D3D4}"/>
+              </a:ext>
+            </a:extLst>
+          </p:cNvPr>
+          <p:cNvSpPr txBox="1"/>
+          <p:nvPr/>
+        </p:nvSpPr>
+        <p:spPr>
+          <a:xfrm>
+            <a:off x="1091498" y="4223427"/>
+            <a:ext cx="5896999" cy="653833"/>
+          </a:xfrm>
+          <a:prstGeom prst="rect">
+            <a:avLst/>
+          </a:prstGeom>
+          <a:noFill/>
+        </p:spPr>
+        <p:txBody>
+          <a:bodyPr wrap="none" rtlCol="0">
+            <a:spAutoFit/>
+          </a:bodyPr>
+          <a:lstStyle/>
+          <a:p>
+            <a:pPr marL="285750" indent="-285750">
+              <a:lnSpc>
+                <a:spcPct val="150000"/>
+              </a:lnSpc>
+              <a:buFont typeface="Arial" panose="020B0604020202020204" pitchFamily="34" charset="0"/>
+              <a:buChar char="•"/>
+            </a:pPr>
+            <a:r>
+              <a:rPr lang="en-US" altLang="ko-KR" sz="1300" dirty="0"/>
+              <a:t>DEPT</a:t>
+            </a:r>
+            <a:r>
+              <a:rPr lang="ko-KR" altLang="en-US" sz="1300" dirty="0"/>
+              <a:t> 테이블 </a:t>
+            </a:r>
+            <a:r>
+              <a:rPr lang="en-US" altLang="ko-KR" sz="1300" dirty="0"/>
+              <a:t>Scan</a:t>
+            </a:r>
+            <a:r>
+              <a:rPr lang="ko-KR" altLang="en-US" sz="1300" dirty="0"/>
+              <a:t>이 먼저 발생했으니</a:t>
+            </a:r>
+            <a:r>
+              <a:rPr lang="en-US" altLang="ko-KR" sz="1300" dirty="0"/>
+              <a:t>, </a:t>
+            </a:r>
+            <a:r>
+              <a:rPr lang="ko-KR" altLang="en-US" sz="1300" dirty="0"/>
+              <a:t>해당 테이블이 </a:t>
+            </a:r>
+            <a:r>
+              <a:rPr lang="en-US" altLang="ko-KR" sz="1300" dirty="0"/>
+              <a:t>Build Input</a:t>
+            </a:r>
+            <a:r>
+              <a:rPr lang="ko-KR" altLang="en-US" sz="1300" dirty="0"/>
+              <a:t>이 됨</a:t>
+            </a:r>
+            <a:endParaRPr lang="en-US" altLang="ko-KR" sz="1300" dirty="0"/>
+          </a:p>
+          <a:p>
+            <a:pPr marL="285750" indent="-285750">
+              <a:lnSpc>
+                <a:spcPct val="150000"/>
+              </a:lnSpc>
+              <a:buFont typeface="Arial" panose="020B0604020202020204" pitchFamily="34" charset="0"/>
+              <a:buChar char="•"/>
+            </a:pPr>
+            <a:r>
+              <a:rPr lang="en-US" altLang="ko-KR" sz="1300" dirty="0"/>
+              <a:t>EMP </a:t>
+            </a:r>
+            <a:r>
+              <a:rPr lang="ko-KR" altLang="en-US" sz="1300" dirty="0"/>
+              <a:t>테이블 </a:t>
+            </a:r>
+            <a:r>
+              <a:rPr lang="en-US" altLang="ko-KR" sz="1300" dirty="0"/>
+              <a:t>Scan</a:t>
+            </a:r>
+            <a:r>
+              <a:rPr lang="ko-KR" altLang="en-US" sz="1300" dirty="0"/>
+              <a:t>이 나중에 발생했으니</a:t>
+            </a:r>
+            <a:r>
+              <a:rPr lang="en-US" altLang="ko-KR" sz="1300" dirty="0"/>
+              <a:t>, </a:t>
+            </a:r>
+            <a:r>
+              <a:rPr lang="ko-KR" altLang="en-US" sz="1300" dirty="0"/>
+              <a:t>해당 테이블이 </a:t>
+            </a:r>
+            <a:r>
+              <a:rPr lang="en-US" altLang="ko-KR" sz="1300" dirty="0"/>
+              <a:t>Probe Input</a:t>
+            </a:r>
+            <a:r>
+              <a:rPr lang="ko-KR" altLang="en-US" sz="1300" dirty="0"/>
+              <a:t>이 됨</a:t>
+            </a:r>
+            <a:endParaRPr lang="en-US" altLang="ko-KR" sz="1300" dirty="0"/>
+          </a:p>
+        </p:txBody>
+      </p:sp>
+    </p:spTree>
+    <p:extLst>
+      <p:ext uri="{BB962C8B-B14F-4D97-AF65-F5344CB8AC3E}">
+        <p14:creationId xmlns:p14="http://schemas.microsoft.com/office/powerpoint/2010/main" val="2757494236"/>
       </p:ext>
     </p:extLst>
   </p:cSld>

--- a/SQL_seminar/SQL중상급활용_CH2.pptx
+++ b/SQL_seminar/SQL중상급활용_CH2.pptx
@@ -5,7 +5,7 @@
     <p:sldMasterId id="2147483660" r:id="rId1"/>
   </p:sldMasterIdLst>
   <p:notesMasterIdLst>
-    <p:notesMasterId r:id="rId47"/>
+    <p:notesMasterId r:id="rId48"/>
   </p:notesMasterIdLst>
   <p:sldIdLst>
     <p:sldId id="256" r:id="rId2"/>
@@ -41,18 +41,19 @@
     <p:sldId id="331" r:id="rId32"/>
     <p:sldId id="335" r:id="rId33"/>
     <p:sldId id="337" r:id="rId34"/>
-    <p:sldId id="332" r:id="rId35"/>
-    <p:sldId id="339" r:id="rId36"/>
-    <p:sldId id="340" r:id="rId37"/>
-    <p:sldId id="341" r:id="rId38"/>
-    <p:sldId id="329" r:id="rId39"/>
-    <p:sldId id="338" r:id="rId40"/>
-    <p:sldId id="343" r:id="rId41"/>
-    <p:sldId id="347" r:id="rId42"/>
-    <p:sldId id="342" r:id="rId43"/>
-    <p:sldId id="344" r:id="rId44"/>
-    <p:sldId id="345" r:id="rId45"/>
-    <p:sldId id="346" r:id="rId46"/>
+    <p:sldId id="348" r:id="rId35"/>
+    <p:sldId id="332" r:id="rId36"/>
+    <p:sldId id="339" r:id="rId37"/>
+    <p:sldId id="340" r:id="rId38"/>
+    <p:sldId id="341" r:id="rId39"/>
+    <p:sldId id="329" r:id="rId40"/>
+    <p:sldId id="338" r:id="rId41"/>
+    <p:sldId id="343" r:id="rId42"/>
+    <p:sldId id="347" r:id="rId43"/>
+    <p:sldId id="342" r:id="rId44"/>
+    <p:sldId id="344" r:id="rId45"/>
+    <p:sldId id="345" r:id="rId46"/>
+    <p:sldId id="346" r:id="rId47"/>
   </p:sldIdLst>
   <p:sldSz cx="9906000" cy="6858000" type="A4"/>
   <p:notesSz cx="6797675" cy="9926638"/>
@@ -189,6 +190,7 @@
             <p14:sldId id="331"/>
             <p14:sldId id="335"/>
             <p14:sldId id="337"/>
+            <p14:sldId id="348"/>
             <p14:sldId id="332"/>
             <p14:sldId id="339"/>
             <p14:sldId id="340"/>
@@ -23931,7 +23933,7 @@
         </p:nvGrpSpPr>
         <p:grpSpPr>
           <a:xfrm>
-            <a:off x="363984" y="1718138"/>
+            <a:off x="280545" y="1019399"/>
             <a:ext cx="7878215" cy="2275021"/>
             <a:chOff x="272156" y="887628"/>
             <a:chExt cx="7878215" cy="2275021"/>
@@ -24267,7 +24269,7 @@
         </p:nvSpPr>
         <p:spPr>
           <a:xfrm>
-            <a:off x="363984" y="4152743"/>
+            <a:off x="280545" y="3454004"/>
             <a:ext cx="8032776" cy="653833"/>
           </a:xfrm>
           <a:prstGeom prst="rect">
@@ -24384,41 +24386,6 @@
           <a:chExt cx="0" cy="0"/>
         </a:xfrm>
       </p:grpSpPr>
-      <p:sp>
-        <p:nvSpPr>
-          <p:cNvPr id="2" name="제목 1">
-            <a:extLst>
-              <a:ext uri="{FF2B5EF4-FFF2-40B4-BE49-F238E27FC236}">
-                <a16:creationId xmlns:a16="http://schemas.microsoft.com/office/drawing/2014/main" id="{F35C43C8-4428-4D97-87C2-6ACA5057AB6C}"/>
-              </a:ext>
-            </a:extLst>
-          </p:cNvPr>
-          <p:cNvSpPr>
-            <a:spLocks noGrp="1"/>
-          </p:cNvSpPr>
-          <p:nvPr>
-            <p:ph type="title"/>
-          </p:nvPr>
-        </p:nvSpPr>
-        <p:spPr/>
-        <p:txBody>
-          <a:bodyPr/>
-          <a:lstStyle/>
-          <a:p>
-            <a:r>
-              <a:rPr lang="en-US" altLang="ko-KR" dirty="0">
-                <a:latin typeface="나눔고딕" panose="020B0600000101010101" charset="-127"/>
-                <a:ea typeface="나눔고딕" panose="020B0600000101010101" charset="-127"/>
-              </a:rPr>
-              <a:t>6. ROWID SCAN</a:t>
-            </a:r>
-            <a:endParaRPr lang="ko-KR" altLang="en-US" dirty="0">
-              <a:latin typeface="나눔고딕" panose="020B0600000101010101" charset="-127"/>
-              <a:ea typeface="나눔고딕" panose="020B0600000101010101" charset="-127"/>
-            </a:endParaRPr>
-          </a:p>
-        </p:txBody>
-      </p:sp>
       <p:sp>
         <p:nvSpPr>
           <p:cNvPr id="47" name="텍스트 개체 틀 3">
@@ -24506,6 +24473,832 @@
       </p:sp>
       <p:sp>
         <p:nvSpPr>
+          <p:cNvPr id="16" name="제목 1">
+            <a:extLst>
+              <a:ext uri="{FF2B5EF4-FFF2-40B4-BE49-F238E27FC236}">
+                <a16:creationId xmlns:a16="http://schemas.microsoft.com/office/drawing/2014/main" id="{BDE76D3B-C372-4CA3-A4FD-33642B295B4F}"/>
+              </a:ext>
+            </a:extLst>
+          </p:cNvPr>
+          <p:cNvSpPr>
+            <a:spLocks noGrp="1"/>
+          </p:cNvSpPr>
+          <p:nvPr>
+            <p:ph type="title"/>
+          </p:nvPr>
+        </p:nvSpPr>
+        <p:spPr>
+          <a:xfrm>
+            <a:off x="363984" y="53269"/>
+            <a:ext cx="6587232" cy="408372"/>
+          </a:xfrm>
+        </p:spPr>
+        <p:txBody>
+          <a:bodyPr/>
+          <a:lstStyle/>
+          <a:p>
+            <a:r>
+              <a:rPr lang="en-US" altLang="ko-KR" dirty="0">
+                <a:latin typeface="나눔고딕" panose="020B0600000101010101" charset="-127"/>
+                <a:ea typeface="나눔고딕" panose="020B0600000101010101" charset="-127"/>
+              </a:rPr>
+              <a:t>5. INDEX SCAN </a:t>
+            </a:r>
+            <a:endParaRPr lang="ko-KR" altLang="en-US" dirty="0">
+              <a:latin typeface="나눔고딕" panose="020B0600000101010101" charset="-127"/>
+              <a:ea typeface="나눔고딕" panose="020B0600000101010101" charset="-127"/>
+            </a:endParaRPr>
+          </a:p>
+        </p:txBody>
+      </p:sp>
+      <p:sp>
+        <p:nvSpPr>
+          <p:cNvPr id="22" name="TextBox 21">
+            <a:extLst>
+              <a:ext uri="{FF2B5EF4-FFF2-40B4-BE49-F238E27FC236}">
+                <a16:creationId xmlns:a16="http://schemas.microsoft.com/office/drawing/2014/main" id="{0729BF10-7BBC-4E51-8C34-5C81B172B561}"/>
+              </a:ext>
+            </a:extLst>
+          </p:cNvPr>
+          <p:cNvSpPr txBox="1"/>
+          <p:nvPr/>
+        </p:nvSpPr>
+        <p:spPr>
+          <a:xfrm>
+            <a:off x="234588" y="683077"/>
+            <a:ext cx="7974042" cy="1854162"/>
+          </a:xfrm>
+          <a:prstGeom prst="rect">
+            <a:avLst/>
+          </a:prstGeom>
+          <a:noFill/>
+        </p:spPr>
+        <p:txBody>
+          <a:bodyPr wrap="none" rtlCol="0">
+            <a:spAutoFit/>
+          </a:bodyPr>
+          <a:lstStyle/>
+          <a:p>
+            <a:pPr marL="285750" indent="-285750">
+              <a:lnSpc>
+                <a:spcPct val="150000"/>
+              </a:lnSpc>
+              <a:buFont typeface="Arial" panose="020B0604020202020204" pitchFamily="34" charset="0"/>
+              <a:buChar char="•"/>
+            </a:pPr>
+            <a:r>
+              <a:rPr lang="ko-KR" altLang="en-US" sz="1300" dirty="0"/>
+              <a:t>특정 테이블과 특정 </a:t>
+            </a:r>
+            <a:r>
+              <a:rPr lang="en-US" altLang="ko-KR" sz="1300" dirty="0"/>
+              <a:t>VIEW</a:t>
+            </a:r>
+            <a:r>
+              <a:rPr lang="ko-KR" altLang="en-US" sz="1300" dirty="0"/>
+              <a:t>를 </a:t>
+            </a:r>
+            <a:r>
+              <a:rPr lang="en-US" altLang="ko-KR" sz="1300" dirty="0"/>
+              <a:t>Join</a:t>
+            </a:r>
+            <a:r>
+              <a:rPr lang="ko-KR" altLang="en-US" sz="1300" dirty="0"/>
+              <a:t>할 때</a:t>
+            </a:r>
+            <a:r>
+              <a:rPr lang="en-US" altLang="ko-KR" sz="1300" dirty="0"/>
+              <a:t>, </a:t>
+            </a:r>
+            <a:r>
+              <a:rPr lang="ko-KR" altLang="en-US" sz="1300" dirty="0"/>
+              <a:t>해당 </a:t>
+            </a:r>
+            <a:r>
+              <a:rPr lang="en-US" altLang="ko-KR" sz="1300" dirty="0"/>
+              <a:t>VIEW</a:t>
+            </a:r>
+            <a:r>
+              <a:rPr lang="ko-KR" altLang="en-US" sz="1300" dirty="0"/>
+              <a:t>에 </a:t>
+            </a:r>
+            <a:r>
+              <a:rPr lang="en-US" altLang="ko-KR" sz="1300" dirty="0"/>
+              <a:t>INDEX SCAN</a:t>
+            </a:r>
+            <a:r>
+              <a:rPr lang="ko-KR" altLang="en-US" sz="1300" dirty="0"/>
+              <a:t>을 할 수 있을까</a:t>
+            </a:r>
+            <a:r>
+              <a:rPr lang="en-US" altLang="ko-KR" sz="1300" dirty="0"/>
+              <a:t>?</a:t>
+            </a:r>
+          </a:p>
+          <a:p>
+            <a:pPr>
+              <a:lnSpc>
+                <a:spcPct val="150000"/>
+              </a:lnSpc>
+            </a:pPr>
+            <a:r>
+              <a:rPr lang="en-US" altLang="ko-KR" sz="1300" dirty="0"/>
+              <a:t>     1. ‘VIEW’</a:t>
+            </a:r>
+            <a:r>
+              <a:rPr lang="ko-KR" altLang="en-US" sz="1300" dirty="0"/>
+              <a:t>는 단지 해당 쿼리문을 저장하고 있는 것임</a:t>
+            </a:r>
+            <a:endParaRPr lang="en-US" altLang="ko-KR" sz="1300" dirty="0"/>
+          </a:p>
+          <a:p>
+            <a:pPr>
+              <a:lnSpc>
+                <a:spcPct val="150000"/>
+              </a:lnSpc>
+            </a:pPr>
+            <a:r>
+              <a:rPr lang="en-US" altLang="ko-KR" sz="1300" dirty="0"/>
+              <a:t>     2. </a:t>
+            </a:r>
+            <a:r>
+              <a:rPr lang="ko-KR" altLang="en-US" sz="1300" dirty="0"/>
+              <a:t>이에 따라 </a:t>
+            </a:r>
+            <a:r>
+              <a:rPr lang="en-US" altLang="ko-KR" sz="1300" b="1" dirty="0">
+                <a:solidFill>
+                  <a:srgbClr val="FF0000"/>
+                </a:solidFill>
+              </a:rPr>
+              <a:t>VIEW</a:t>
+            </a:r>
+            <a:r>
+              <a:rPr lang="ko-KR" altLang="en-US" sz="1300" b="1" dirty="0">
+                <a:solidFill>
+                  <a:srgbClr val="FF0000"/>
+                </a:solidFill>
+              </a:rPr>
+              <a:t>에 대해선 </a:t>
+            </a:r>
+            <a:r>
+              <a:rPr lang="en-US" altLang="ko-KR" sz="1300" b="1" dirty="0">
+                <a:solidFill>
+                  <a:srgbClr val="FF0000"/>
+                </a:solidFill>
+              </a:rPr>
+              <a:t>INDEX</a:t>
+            </a:r>
+            <a:r>
+              <a:rPr lang="ko-KR" altLang="en-US" sz="1300" b="1" dirty="0">
+                <a:solidFill>
+                  <a:srgbClr val="FF0000"/>
+                </a:solidFill>
+              </a:rPr>
+              <a:t>가 존재하지 않고</a:t>
+            </a:r>
+            <a:r>
+              <a:rPr lang="en-US" altLang="ko-KR" sz="1300" b="1" dirty="0">
+                <a:solidFill>
+                  <a:srgbClr val="FF0000"/>
+                </a:solidFill>
+              </a:rPr>
+              <a:t>, VIEW</a:t>
+            </a:r>
+            <a:r>
+              <a:rPr lang="ko-KR" altLang="en-US" sz="1300" b="1" dirty="0">
+                <a:solidFill>
+                  <a:srgbClr val="FF0000"/>
+                </a:solidFill>
+              </a:rPr>
+              <a:t>에 대해 </a:t>
+            </a:r>
+            <a:r>
+              <a:rPr lang="en-US" altLang="ko-KR" sz="1300" b="1" dirty="0">
+                <a:solidFill>
+                  <a:srgbClr val="FF0000"/>
+                </a:solidFill>
+              </a:rPr>
+              <a:t>INDEX SCAN</a:t>
+            </a:r>
+            <a:r>
+              <a:rPr lang="ko-KR" altLang="en-US" sz="1300" b="1" dirty="0">
+                <a:solidFill>
+                  <a:srgbClr val="FF0000"/>
+                </a:solidFill>
+              </a:rPr>
+              <a:t>을 실시할 수 없음</a:t>
+            </a:r>
+            <a:endParaRPr lang="en-US" altLang="ko-KR" sz="1300" b="1" dirty="0">
+              <a:solidFill>
+                <a:srgbClr val="FF0000"/>
+              </a:solidFill>
+            </a:endParaRPr>
+          </a:p>
+          <a:p>
+            <a:pPr>
+              <a:lnSpc>
+                <a:spcPct val="150000"/>
+              </a:lnSpc>
+            </a:pPr>
+            <a:endParaRPr lang="en-US" altLang="ko-KR" sz="1300" dirty="0"/>
+          </a:p>
+          <a:p>
+            <a:pPr marL="285750" indent="-285750">
+              <a:lnSpc>
+                <a:spcPct val="150000"/>
+              </a:lnSpc>
+              <a:buFont typeface="Arial" panose="020B0604020202020204" pitchFamily="34" charset="0"/>
+              <a:buChar char="•"/>
+            </a:pPr>
+            <a:r>
+              <a:rPr lang="ko-KR" altLang="en-US" sz="1300" dirty="0"/>
+              <a:t>간혹</a:t>
+            </a:r>
+            <a:r>
+              <a:rPr lang="en-US" altLang="ko-KR" sz="1300" dirty="0"/>
+              <a:t>,</a:t>
+            </a:r>
+            <a:r>
+              <a:rPr lang="ko-KR" altLang="en-US" sz="1300" dirty="0"/>
+              <a:t> 실행계획 상으로 </a:t>
+            </a:r>
+            <a:r>
+              <a:rPr lang="en-US" altLang="ko-KR" sz="1300" dirty="0"/>
+              <a:t>VIEW</a:t>
+            </a:r>
+            <a:r>
+              <a:rPr lang="ko-KR" altLang="en-US" sz="1300" dirty="0"/>
+              <a:t>에 </a:t>
+            </a:r>
+            <a:r>
+              <a:rPr lang="en-US" altLang="ko-KR" sz="1300" dirty="0"/>
+              <a:t>INDEX SCAN</a:t>
+            </a:r>
+            <a:r>
+              <a:rPr lang="ko-KR" altLang="en-US" sz="1300" dirty="0"/>
+              <a:t>이 발생된 것을 확인할 수 있음</a:t>
+            </a:r>
+            <a:endParaRPr lang="en-US" altLang="ko-KR" sz="1300" dirty="0"/>
+          </a:p>
+          <a:p>
+            <a:pPr marL="285750" indent="-285750">
+              <a:lnSpc>
+                <a:spcPct val="150000"/>
+              </a:lnSpc>
+              <a:buFont typeface="Arial" panose="020B0604020202020204" pitchFamily="34" charset="0"/>
+              <a:buChar char="•"/>
+            </a:pPr>
+            <a:r>
+              <a:rPr lang="ko-KR" altLang="en-US" sz="1300" dirty="0"/>
+              <a:t>이런 경우는 </a:t>
+            </a:r>
+            <a:r>
+              <a:rPr lang="en-US" altLang="ko-KR" sz="1300" dirty="0"/>
+              <a:t>VIEW</a:t>
+            </a:r>
+            <a:r>
+              <a:rPr lang="ko-KR" altLang="en-US" sz="1300" dirty="0"/>
+              <a:t>가 해체되어 </a:t>
+            </a:r>
+            <a:r>
+              <a:rPr lang="en-US" altLang="ko-KR" sz="1300" dirty="0"/>
+              <a:t>Main Query</a:t>
+            </a:r>
+            <a:r>
+              <a:rPr lang="ko-KR" altLang="en-US" sz="1300" dirty="0"/>
+              <a:t>에 </a:t>
+            </a:r>
+            <a:r>
+              <a:rPr lang="en-US" altLang="ko-KR" sz="1300" dirty="0"/>
+              <a:t>INDEX SCAN</a:t>
+            </a:r>
+            <a:r>
+              <a:rPr lang="ko-KR" altLang="en-US" sz="1300" dirty="0"/>
+              <a:t>이 발생한 것임</a:t>
+            </a:r>
+            <a:endParaRPr lang="en-US" altLang="ko-KR" sz="1300" dirty="0"/>
+          </a:p>
+        </p:txBody>
+      </p:sp>
+      <p:grpSp>
+        <p:nvGrpSpPr>
+          <p:cNvPr id="19" name="그룹 18">
+            <a:extLst>
+              <a:ext uri="{FF2B5EF4-FFF2-40B4-BE49-F238E27FC236}">
+                <a16:creationId xmlns:a16="http://schemas.microsoft.com/office/drawing/2014/main" id="{B5EAF1C2-6914-4433-8EE9-578D628F238A}"/>
+              </a:ext>
+            </a:extLst>
+          </p:cNvPr>
+          <p:cNvGrpSpPr/>
+          <p:nvPr/>
+        </p:nvGrpSpPr>
+        <p:grpSpPr>
+          <a:xfrm>
+            <a:off x="234588" y="2689664"/>
+            <a:ext cx="8193132" cy="2293469"/>
+            <a:chOff x="363984" y="3356677"/>
+            <a:chExt cx="8193132" cy="2293469"/>
+          </a:xfrm>
+        </p:grpSpPr>
+        <p:pic>
+          <p:nvPicPr>
+            <p:cNvPr id="12" name="그림 11">
+              <a:extLst>
+                <a:ext uri="{FF2B5EF4-FFF2-40B4-BE49-F238E27FC236}">
+                  <a16:creationId xmlns:a16="http://schemas.microsoft.com/office/drawing/2014/main" id="{4B10FCAC-0909-4ECB-B664-2C6BE95A48AD}"/>
+                </a:ext>
+              </a:extLst>
+            </p:cNvPr>
+            <p:cNvPicPr>
+              <a:picLocks noChangeAspect="1"/>
+            </p:cNvPicPr>
+            <p:nvPr/>
+          </p:nvPicPr>
+          <p:blipFill>
+            <a:blip r:embed="rId2"/>
+            <a:stretch>
+              <a:fillRect/>
+            </a:stretch>
+          </p:blipFill>
+          <p:spPr>
+            <a:xfrm>
+              <a:off x="3313654" y="3797444"/>
+              <a:ext cx="5167660" cy="1852702"/>
+            </a:xfrm>
+            <a:prstGeom prst="rect">
+              <a:avLst/>
+            </a:prstGeom>
+          </p:spPr>
+        </p:pic>
+        <p:sp>
+          <p:nvSpPr>
+            <p:cNvPr id="18" name="직사각형 17">
+              <a:extLst>
+                <a:ext uri="{FF2B5EF4-FFF2-40B4-BE49-F238E27FC236}">
+                  <a16:creationId xmlns:a16="http://schemas.microsoft.com/office/drawing/2014/main" id="{FF02C949-81AA-4B59-A1DE-64C00CC52C8D}"/>
+                </a:ext>
+              </a:extLst>
+            </p:cNvPr>
+            <p:cNvSpPr/>
+            <p:nvPr/>
+          </p:nvSpPr>
+          <p:spPr>
+            <a:xfrm>
+              <a:off x="363984" y="3719307"/>
+              <a:ext cx="8193132" cy="1930839"/>
+            </a:xfrm>
+            <a:prstGeom prst="rect">
+              <a:avLst/>
+            </a:prstGeom>
+            <a:noFill/>
+          </p:spPr>
+          <p:style>
+            <a:lnRef idx="2">
+              <a:schemeClr val="accent1">
+                <a:shade val="50000"/>
+              </a:schemeClr>
+            </a:lnRef>
+            <a:fillRef idx="1">
+              <a:schemeClr val="accent1"/>
+            </a:fillRef>
+            <a:effectRef idx="0">
+              <a:schemeClr val="accent1"/>
+            </a:effectRef>
+            <a:fontRef idx="minor">
+              <a:schemeClr val="lt1"/>
+            </a:fontRef>
+          </p:style>
+          <p:txBody>
+            <a:bodyPr rtlCol="0" anchor="ctr"/>
+            <a:lstStyle/>
+            <a:p>
+              <a:pPr algn="ctr"/>
+              <a:endParaRPr lang="ko-KR" altLang="en-US">
+                <a:latin typeface="나눔고딕" panose="020B0600000101010101" charset="-127"/>
+                <a:ea typeface="나눔고딕" panose="020B0600000101010101" charset="-127"/>
+              </a:endParaRPr>
+            </a:p>
+          </p:txBody>
+        </p:sp>
+        <p:pic>
+          <p:nvPicPr>
+            <p:cNvPr id="15" name="그림 14">
+              <a:extLst>
+                <a:ext uri="{FF2B5EF4-FFF2-40B4-BE49-F238E27FC236}">
+                  <a16:creationId xmlns:a16="http://schemas.microsoft.com/office/drawing/2014/main" id="{DFBE0EC2-F63A-461E-8BE7-38CF232B5DA4}"/>
+                </a:ext>
+              </a:extLst>
+            </p:cNvPr>
+            <p:cNvPicPr>
+              <a:picLocks noChangeAspect="1"/>
+            </p:cNvPicPr>
+            <p:nvPr/>
+          </p:nvPicPr>
+          <p:blipFill>
+            <a:blip r:embed="rId3"/>
+            <a:stretch>
+              <a:fillRect/>
+            </a:stretch>
+          </p:blipFill>
+          <p:spPr>
+            <a:xfrm>
+              <a:off x="456553" y="3797444"/>
+              <a:ext cx="2781300" cy="1619250"/>
+            </a:xfrm>
+            <a:prstGeom prst="rect">
+              <a:avLst/>
+            </a:prstGeom>
+          </p:spPr>
+        </p:pic>
+        <p:sp>
+          <p:nvSpPr>
+            <p:cNvPr id="21" name="자유형 23">
+              <a:extLst>
+                <a:ext uri="{FF2B5EF4-FFF2-40B4-BE49-F238E27FC236}">
+                  <a16:creationId xmlns:a16="http://schemas.microsoft.com/office/drawing/2014/main" id="{DFC72CF9-CFF1-4944-B1D4-72BB95A1F855}"/>
+                </a:ext>
+              </a:extLst>
+            </p:cNvPr>
+            <p:cNvSpPr>
+              <a:spLocks noChangeArrowheads="1"/>
+            </p:cNvSpPr>
+            <p:nvPr/>
+          </p:nvSpPr>
+          <p:spPr bwMode="gray">
+            <a:xfrm>
+              <a:off x="363984" y="3356677"/>
+              <a:ext cx="4075362" cy="353752"/>
+            </a:xfrm>
+            <a:custGeom>
+              <a:avLst/>
+              <a:gdLst>
+                <a:gd name="connsiteX0" fmla="*/ 48729 w 1587995"/>
+                <a:gd name="connsiteY0" fmla="*/ 0 h 292361"/>
+                <a:gd name="connsiteX1" fmla="*/ 1539267 w 1587995"/>
+                <a:gd name="connsiteY1" fmla="*/ 0 h 292361"/>
+                <a:gd name="connsiteX2" fmla="*/ 1587995 w 1587995"/>
+                <a:gd name="connsiteY2" fmla="*/ 48728 h 292361"/>
+                <a:gd name="connsiteX3" fmla="*/ 1587995 w 1587995"/>
+                <a:gd name="connsiteY3" fmla="*/ 243633 h 292361"/>
+                <a:gd name="connsiteX4" fmla="*/ 1587994 w 1587995"/>
+                <a:gd name="connsiteY4" fmla="*/ 243636 h 292361"/>
+                <a:gd name="connsiteX5" fmla="*/ 1587994 w 1587995"/>
+                <a:gd name="connsiteY5" fmla="*/ 292361 h 292361"/>
+                <a:gd name="connsiteX6" fmla="*/ 1539267 w 1587995"/>
+                <a:gd name="connsiteY6" fmla="*/ 292361 h 292361"/>
+                <a:gd name="connsiteX7" fmla="*/ 48729 w 1587995"/>
+                <a:gd name="connsiteY7" fmla="*/ 292361 h 292361"/>
+                <a:gd name="connsiteX8" fmla="*/ 0 w 1587995"/>
+                <a:gd name="connsiteY8" fmla="*/ 292361 h 292361"/>
+                <a:gd name="connsiteX9" fmla="*/ 0 w 1587995"/>
+                <a:gd name="connsiteY9" fmla="*/ 152400 h 292361"/>
+                <a:gd name="connsiteX10" fmla="*/ 1 w 1587995"/>
+                <a:gd name="connsiteY10" fmla="*/ 152400 h 292361"/>
+                <a:gd name="connsiteX11" fmla="*/ 1 w 1587995"/>
+                <a:gd name="connsiteY11" fmla="*/ 48728 h 292361"/>
+                <a:gd name="connsiteX12" fmla="*/ 48729 w 1587995"/>
+                <a:gd name="connsiteY12" fmla="*/ 0 h 292361"/>
+              </a:gdLst>
+              <a:ahLst/>
+              <a:cxnLst>
+                <a:cxn ang="0">
+                  <a:pos x="connsiteX0" y="connsiteY0"/>
+                </a:cxn>
+                <a:cxn ang="0">
+                  <a:pos x="connsiteX1" y="connsiteY1"/>
+                </a:cxn>
+                <a:cxn ang="0">
+                  <a:pos x="connsiteX2" y="connsiteY2"/>
+                </a:cxn>
+                <a:cxn ang="0">
+                  <a:pos x="connsiteX3" y="connsiteY3"/>
+                </a:cxn>
+                <a:cxn ang="0">
+                  <a:pos x="connsiteX4" y="connsiteY4"/>
+                </a:cxn>
+                <a:cxn ang="0">
+                  <a:pos x="connsiteX5" y="connsiteY5"/>
+                </a:cxn>
+                <a:cxn ang="0">
+                  <a:pos x="connsiteX6" y="connsiteY6"/>
+                </a:cxn>
+                <a:cxn ang="0">
+                  <a:pos x="connsiteX7" y="connsiteY7"/>
+                </a:cxn>
+                <a:cxn ang="0">
+                  <a:pos x="connsiteX8" y="connsiteY8"/>
+                </a:cxn>
+                <a:cxn ang="0">
+                  <a:pos x="connsiteX9" y="connsiteY9"/>
+                </a:cxn>
+                <a:cxn ang="0">
+                  <a:pos x="connsiteX10" y="connsiteY10"/>
+                </a:cxn>
+                <a:cxn ang="0">
+                  <a:pos x="connsiteX11" y="connsiteY11"/>
+                </a:cxn>
+                <a:cxn ang="0">
+                  <a:pos x="connsiteX12" y="connsiteY12"/>
+                </a:cxn>
+              </a:cxnLst>
+              <a:rect l="l" t="t" r="r" b="b"/>
+              <a:pathLst>
+                <a:path w="1587995" h="292361">
+                  <a:moveTo>
+                    <a:pt x="48729" y="0"/>
+                  </a:moveTo>
+                  <a:lnTo>
+                    <a:pt x="1539267" y="0"/>
+                  </a:lnTo>
+                  <a:cubicBezTo>
+                    <a:pt x="1566179" y="0"/>
+                    <a:pt x="1587995" y="21816"/>
+                    <a:pt x="1587995" y="48728"/>
+                  </a:cubicBezTo>
+                  <a:lnTo>
+                    <a:pt x="1587995" y="243633"/>
+                  </a:lnTo>
+                  <a:lnTo>
+                    <a:pt x="1587994" y="243636"/>
+                  </a:lnTo>
+                  <a:lnTo>
+                    <a:pt x="1587994" y="292361"/>
+                  </a:lnTo>
+                  <a:lnTo>
+                    <a:pt x="1539267" y="292361"/>
+                  </a:lnTo>
+                  <a:lnTo>
+                    <a:pt x="48729" y="292361"/>
+                  </a:lnTo>
+                  <a:lnTo>
+                    <a:pt x="0" y="292361"/>
+                  </a:lnTo>
+                  <a:lnTo>
+                    <a:pt x="0" y="152400"/>
+                  </a:lnTo>
+                  <a:lnTo>
+                    <a:pt x="1" y="152400"/>
+                  </a:lnTo>
+                  <a:lnTo>
+                    <a:pt x="1" y="48728"/>
+                  </a:lnTo>
+                  <a:cubicBezTo>
+                    <a:pt x="1" y="21816"/>
+                    <a:pt x="21817" y="0"/>
+                    <a:pt x="48729" y="0"/>
+                  </a:cubicBezTo>
+                  <a:close/>
+                </a:path>
+              </a:pathLst>
+            </a:custGeom>
+            <a:solidFill>
+              <a:srgbClr val="002060"/>
+            </a:solidFill>
+            <a:ln w="9525" algn="ctr">
+              <a:solidFill>
+                <a:srgbClr val="002060"/>
+              </a:solidFill>
+              <a:miter lim="800000"/>
+              <a:headEnd/>
+              <a:tailEnd/>
+            </a:ln>
+            <a:effectLst>
+              <a:outerShdw blurRad="50800" dist="38100" dir="2700000" algn="tl" rotWithShape="0">
+                <a:prstClr val="black">
+                  <a:alpha val="40000"/>
+                </a:prstClr>
+              </a:outerShdw>
+            </a:effectLst>
+          </p:spPr>
+          <p:txBody>
+            <a:bodyPr wrap="square" lIns="72000" tIns="36000" rIns="72000" bIns="36000" anchor="ctr">
+              <a:noAutofit/>
+            </a:bodyPr>
+            <a:lstStyle/>
+            <a:p>
+              <a:pPr marR="0" lvl="0" algn="ctr" defTabSz="411163" eaLnBrk="0" fontAlgn="base" latinLnBrk="0" hangingPunct="0">
+                <a:spcBef>
+                  <a:spcPct val="0"/>
+                </a:spcBef>
+                <a:spcAft>
+                  <a:spcPct val="0"/>
+                </a:spcAft>
+                <a:buSzPct val="90000"/>
+                <a:tabLst>
+                  <a:tab pos="85725" algn="l"/>
+                </a:tabLst>
+                <a:defRPr/>
+              </a:pPr>
+              <a:r>
+                <a:rPr kumimoji="1" lang="en-US" altLang="ko-KR" sz="1200" b="1" kern="0" dirty="0">
+                  <a:solidFill>
+                    <a:schemeClr val="bg1"/>
+                  </a:solidFill>
+                  <a:latin typeface="나눔고딕" panose="020B0600000101010101" charset="-127"/>
+                  <a:ea typeface="나눔고딕" panose="020B0600000101010101" charset="-127"/>
+                </a:rPr>
+                <a:t>VIEW</a:t>
+              </a:r>
+              <a:r>
+                <a:rPr kumimoji="1" lang="ko-KR" altLang="en-US" sz="1200" b="1" kern="0" dirty="0">
+                  <a:solidFill>
+                    <a:schemeClr val="bg1"/>
+                  </a:solidFill>
+                  <a:latin typeface="나눔고딕" panose="020B0600000101010101" charset="-127"/>
+                  <a:ea typeface="나눔고딕" panose="020B0600000101010101" charset="-127"/>
+                </a:rPr>
+                <a:t>에 </a:t>
+              </a:r>
+              <a:r>
+                <a:rPr kumimoji="1" lang="en-US" altLang="ko-KR" sz="1200" b="1" kern="0" dirty="0">
+                  <a:solidFill>
+                    <a:schemeClr val="bg1"/>
+                  </a:solidFill>
+                  <a:latin typeface="나눔고딕" panose="020B0600000101010101" charset="-127"/>
+                  <a:ea typeface="나눔고딕" panose="020B0600000101010101" charset="-127"/>
+                </a:rPr>
+                <a:t>INDEX SCAN</a:t>
+              </a:r>
+              <a:r>
+                <a:rPr kumimoji="1" lang="ko-KR" altLang="en-US" sz="1200" b="1" kern="0" dirty="0">
+                  <a:solidFill>
+                    <a:schemeClr val="bg1"/>
+                  </a:solidFill>
+                  <a:latin typeface="나눔고딕" panose="020B0600000101010101" charset="-127"/>
+                  <a:ea typeface="나눔고딕" panose="020B0600000101010101" charset="-127"/>
+                </a:rPr>
+                <a:t>이 발생된 것처럼 보이는 사례</a:t>
+              </a:r>
+              <a:endParaRPr kumimoji="1" lang="en-US" altLang="ko-KR" sz="1200" b="1" i="0" u="none" strike="noStrike" kern="0" cap="none" spc="0" normalizeH="0" baseline="0" noProof="0" dirty="0">
+                <a:ln>
+                  <a:noFill/>
+                </a:ln>
+                <a:solidFill>
+                  <a:schemeClr val="bg1"/>
+                </a:solidFill>
+                <a:effectLst/>
+                <a:uLnTx/>
+                <a:uFillTx/>
+                <a:latin typeface="나눔고딕" panose="020B0600000101010101" charset="-127"/>
+                <a:ea typeface="나눔고딕" panose="020B0600000101010101" charset="-127"/>
+              </a:endParaRPr>
+            </a:p>
+          </p:txBody>
+        </p:sp>
+      </p:grpSp>
+    </p:spTree>
+    <p:extLst>
+      <p:ext uri="{BB962C8B-B14F-4D97-AF65-F5344CB8AC3E}">
+        <p14:creationId xmlns:p14="http://schemas.microsoft.com/office/powerpoint/2010/main" val="2683974315"/>
+      </p:ext>
+    </p:extLst>
+  </p:cSld>
+  <p:clrMapOvr>
+    <a:masterClrMapping/>
+  </p:clrMapOvr>
+</p:sld>
+</file>
+
+<file path=ppt/slides/slide35.xml><?xml version="1.0" encoding="utf-8"?>
+<p:sld xmlns:a="http://schemas.openxmlformats.org/drawingml/2006/main" xmlns:r="http://schemas.openxmlformats.org/officeDocument/2006/relationships" xmlns:p="http://schemas.openxmlformats.org/presentationml/2006/main">
+  <p:cSld>
+    <p:spTree>
+      <p:nvGrpSpPr>
+        <p:cNvPr id="1" name=""/>
+        <p:cNvGrpSpPr/>
+        <p:nvPr/>
+      </p:nvGrpSpPr>
+      <p:grpSpPr>
+        <a:xfrm>
+          <a:off x="0" y="0"/>
+          <a:ext cx="0" cy="0"/>
+          <a:chOff x="0" y="0"/>
+          <a:chExt cx="0" cy="0"/>
+        </a:xfrm>
+      </p:grpSpPr>
+      <p:sp>
+        <p:nvSpPr>
+          <p:cNvPr id="2" name="제목 1">
+            <a:extLst>
+              <a:ext uri="{FF2B5EF4-FFF2-40B4-BE49-F238E27FC236}">
+                <a16:creationId xmlns:a16="http://schemas.microsoft.com/office/drawing/2014/main" id="{F35C43C8-4428-4D97-87C2-6ACA5057AB6C}"/>
+              </a:ext>
+            </a:extLst>
+          </p:cNvPr>
+          <p:cNvSpPr>
+            <a:spLocks noGrp="1"/>
+          </p:cNvSpPr>
+          <p:nvPr>
+            <p:ph type="title"/>
+          </p:nvPr>
+        </p:nvSpPr>
+        <p:spPr/>
+        <p:txBody>
+          <a:bodyPr/>
+          <a:lstStyle/>
+          <a:p>
+            <a:r>
+              <a:rPr lang="en-US" altLang="ko-KR" dirty="0">
+                <a:latin typeface="나눔고딕" panose="020B0600000101010101" charset="-127"/>
+                <a:ea typeface="나눔고딕" panose="020B0600000101010101" charset="-127"/>
+              </a:rPr>
+              <a:t>6. ROWID SCAN</a:t>
+            </a:r>
+            <a:endParaRPr lang="ko-KR" altLang="en-US" dirty="0">
+              <a:latin typeface="나눔고딕" panose="020B0600000101010101" charset="-127"/>
+              <a:ea typeface="나눔고딕" panose="020B0600000101010101" charset="-127"/>
+            </a:endParaRPr>
+          </a:p>
+        </p:txBody>
+      </p:sp>
+      <p:sp>
+        <p:nvSpPr>
+          <p:cNvPr id="47" name="텍스트 개체 틀 3">
+            <a:extLst>
+              <a:ext uri="{FF2B5EF4-FFF2-40B4-BE49-F238E27FC236}">
+                <a16:creationId xmlns:a16="http://schemas.microsoft.com/office/drawing/2014/main" id="{BD6E26C7-2547-444C-8643-2B2EEE99F2F4}"/>
+              </a:ext>
+            </a:extLst>
+          </p:cNvPr>
+          <p:cNvSpPr>
+            <a:spLocks noGrp="1"/>
+          </p:cNvSpPr>
+          <p:nvPr>
+            <p:ph type="body" sz="quarter" idx="13"/>
+          </p:nvPr>
+        </p:nvSpPr>
+        <p:spPr>
+          <a:xfrm>
+            <a:off x="6747393" y="62621"/>
+            <a:ext cx="2822735" cy="390525"/>
+          </a:xfrm>
+        </p:spPr>
+        <p:txBody>
+          <a:bodyPr/>
+          <a:lstStyle/>
+          <a:p>
+            <a:r>
+              <a:rPr lang="en-US" altLang="ko-KR" dirty="0">
+                <a:latin typeface="나눔고딕" panose="020D0604000000000000" pitchFamily="50" charset="-127"/>
+                <a:ea typeface="나눔고딕" panose="020D0604000000000000" pitchFamily="50" charset="-127"/>
+              </a:rPr>
+              <a:t>Ⅱ. </a:t>
+            </a:r>
+            <a:r>
+              <a:rPr lang="ko-KR" altLang="en-US" dirty="0">
+                <a:latin typeface="나눔고딕" panose="020D0604000000000000" pitchFamily="50" charset="-127"/>
+                <a:ea typeface="나눔고딕" panose="020D0604000000000000" pitchFamily="50" charset="-127"/>
+              </a:rPr>
+              <a:t>실행계획</a:t>
+            </a:r>
+          </a:p>
+        </p:txBody>
+      </p:sp>
+      <p:sp>
+        <p:nvSpPr>
+          <p:cNvPr id="14" name="슬라이드 번호 개체 틀 2">
+            <a:extLst>
+              <a:ext uri="{FF2B5EF4-FFF2-40B4-BE49-F238E27FC236}">
+                <a16:creationId xmlns:a16="http://schemas.microsoft.com/office/drawing/2014/main" id="{E3626C26-BF47-4717-80D4-21BA55993E00}"/>
+              </a:ext>
+            </a:extLst>
+          </p:cNvPr>
+          <p:cNvSpPr>
+            <a:spLocks noGrp="1"/>
+          </p:cNvSpPr>
+          <p:nvPr>
+            <p:ph type="sldNum" sz="quarter" idx="12"/>
+          </p:nvPr>
+        </p:nvSpPr>
+        <p:spPr>
+          <a:xfrm>
+            <a:off x="4439346" y="6528442"/>
+            <a:ext cx="1029301" cy="276999"/>
+          </a:xfrm>
+        </p:spPr>
+        <p:txBody>
+          <a:bodyPr>
+            <a:normAutofit fontScale="92500"/>
+          </a:bodyPr>
+          <a:lstStyle/>
+          <a:p>
+            <a:fld id="{EBB166B3-33A6-45CA-B81B-F13BE7654232}" type="slidenum">
+              <a:rPr lang="ko-KR" altLang="en-US" smtClean="0">
+                <a:latin typeface="나눔고딕" panose="020B0600000101010101" charset="-127"/>
+                <a:ea typeface="나눔고딕" panose="020B0600000101010101" charset="-127"/>
+              </a:rPr>
+              <a:t>34</a:t>
+            </a:fld>
+            <a:endParaRPr lang="ko-KR" altLang="en-US" dirty="0">
+              <a:latin typeface="나눔고딕" panose="020B0600000101010101" charset="-127"/>
+              <a:ea typeface="나눔고딕" panose="020B0600000101010101" charset="-127"/>
+            </a:endParaRPr>
+          </a:p>
+        </p:txBody>
+      </p:sp>
+      <p:sp>
+        <p:nvSpPr>
           <p:cNvPr id="3" name="TextBox 2">
             <a:extLst>
               <a:ext uri="{FF2B5EF4-FFF2-40B4-BE49-F238E27FC236}">
@@ -24518,7 +25311,7 @@
         </p:nvSpPr>
         <p:spPr>
           <a:xfrm>
-            <a:off x="447874" y="3921984"/>
+            <a:off x="288076" y="2741254"/>
             <a:ext cx="5109604" cy="953915"/>
           </a:xfrm>
           <a:prstGeom prst="rect">
@@ -24613,10 +25406,10 @@
         </p:nvGrpSpPr>
         <p:grpSpPr>
           <a:xfrm>
-            <a:off x="439485" y="2114183"/>
-            <a:ext cx="7885206" cy="1634643"/>
-            <a:chOff x="432494" y="2298070"/>
-            <a:chExt cx="7885206" cy="1634643"/>
+            <a:off x="288076" y="942079"/>
+            <a:ext cx="7876817" cy="1626017"/>
+            <a:chOff x="440883" y="2306696"/>
+            <a:chExt cx="7876817" cy="1626017"/>
           </a:xfrm>
         </p:grpSpPr>
         <p:pic>
@@ -24745,7 +25538,7 @@
           </p:nvSpPr>
           <p:spPr bwMode="gray">
             <a:xfrm>
-              <a:off x="432494" y="2298070"/>
+              <a:off x="441120" y="2306696"/>
               <a:ext cx="1724304" cy="353752"/>
             </a:xfrm>
             <a:custGeom>
@@ -24941,7 +25734,7 @@
 </p:sld>
 </file>
 
-<file path=ppt/slides/slide35.xml><?xml version="1.0" encoding="utf-8"?>
+<file path=ppt/slides/slide36.xml><?xml version="1.0" encoding="utf-8"?>
 <p:sld xmlns:a="http://schemas.openxmlformats.org/drawingml/2006/main" xmlns:r="http://schemas.openxmlformats.org/officeDocument/2006/relationships" xmlns:p="http://schemas.openxmlformats.org/presentationml/2006/main">
   <p:cSld>
     <p:spTree>
@@ -25069,7 +25862,7 @@
                 <a:latin typeface="나눔고딕" panose="020B0600000101010101" charset="-127"/>
                 <a:ea typeface="나눔고딕" panose="020B0600000101010101" charset="-127"/>
               </a:rPr>
-              <a:t>34</a:t>
+              <a:t>35</a:t>
             </a:fld>
             <a:endParaRPr lang="ko-KR" altLang="en-US" dirty="0">
               <a:latin typeface="나눔고딕" panose="020B0600000101010101" charset="-127"/>
@@ -25274,7 +26067,7 @@
 </p:sld>
 </file>
 
-<file path=ppt/slides/slide36.xml><?xml version="1.0" encoding="utf-8"?>
+<file path=ppt/slides/slide37.xml><?xml version="1.0" encoding="utf-8"?>
 <p:sld xmlns:a="http://schemas.openxmlformats.org/drawingml/2006/main" xmlns:r="http://schemas.openxmlformats.org/officeDocument/2006/relationships" xmlns:p="http://schemas.openxmlformats.org/presentationml/2006/main">
   <p:cSld>
     <p:spTree>
@@ -25407,7 +26200,7 @@
                 <a:latin typeface="나눔고딕" panose="020B0600000101010101" charset="-127"/>
                 <a:ea typeface="나눔고딕" panose="020B0600000101010101" charset="-127"/>
               </a:rPr>
-              <a:t>35</a:t>
+              <a:t>36</a:t>
             </a:fld>
             <a:endParaRPr lang="ko-KR" altLang="en-US" dirty="0">
               <a:latin typeface="나눔고딕" panose="020B0600000101010101" charset="-127"/>
@@ -26099,7 +26892,7 @@
 </p:sld>
 </file>
 
-<file path=ppt/slides/slide37.xml><?xml version="1.0" encoding="utf-8"?>
+<file path=ppt/slides/slide38.xml><?xml version="1.0" encoding="utf-8"?>
 <p:sld xmlns:a="http://schemas.openxmlformats.org/drawingml/2006/main" xmlns:r="http://schemas.openxmlformats.org/officeDocument/2006/relationships" xmlns:p="http://schemas.openxmlformats.org/presentationml/2006/main">
   <p:cSld>
     <p:spTree>
@@ -26232,7 +27025,7 @@
                 <a:latin typeface="나눔고딕" panose="020B0600000101010101" charset="-127"/>
                 <a:ea typeface="나눔고딕" panose="020B0600000101010101" charset="-127"/>
               </a:rPr>
-              <a:t>36</a:t>
+              <a:t>37</a:t>
             </a:fld>
             <a:endParaRPr lang="ko-KR" altLang="en-US" dirty="0">
               <a:latin typeface="나눔고딕" panose="020B0600000101010101" charset="-127"/>
@@ -26255,10 +27048,10 @@
         </p:nvGrpSpPr>
         <p:grpSpPr>
           <a:xfrm>
-            <a:off x="424573" y="1729427"/>
-            <a:ext cx="8209565" cy="2577025"/>
-            <a:chOff x="355925" y="1718138"/>
-            <a:chExt cx="7886274" cy="2275021"/>
+            <a:off x="372609" y="1030688"/>
+            <a:ext cx="8200939" cy="2577025"/>
+            <a:chOff x="364211" y="1718138"/>
+            <a:chExt cx="7877988" cy="2275021"/>
           </a:xfrm>
         </p:grpSpPr>
         <p:grpSp>
@@ -26275,10 +27068,10 @@
           </p:nvGrpSpPr>
           <p:grpSpPr>
             <a:xfrm>
-              <a:off x="355925" y="1718138"/>
-              <a:ext cx="7886274" cy="2275021"/>
-              <a:chOff x="264097" y="887628"/>
-              <a:chExt cx="7886274" cy="2275021"/>
+              <a:off x="364211" y="1718138"/>
+              <a:ext cx="7877988" cy="2275021"/>
+              <a:chOff x="272383" y="887628"/>
+              <a:chExt cx="7877988" cy="2275021"/>
             </a:xfrm>
           </p:grpSpPr>
           <p:sp>
@@ -26347,7 +27140,7 @@
             </p:nvSpPr>
             <p:spPr bwMode="gray">
               <a:xfrm>
-                <a:off x="264097" y="887628"/>
+                <a:off x="272383" y="887628"/>
                 <a:ext cx="3985895" cy="353752"/>
               </a:xfrm>
               <a:custGeom>
@@ -26612,7 +27405,7 @@
         </p:nvSpPr>
         <p:spPr>
           <a:xfrm>
-            <a:off x="432962" y="4401867"/>
+            <a:off x="372372" y="3703128"/>
             <a:ext cx="9071201" cy="653833"/>
           </a:xfrm>
           <a:prstGeom prst="rect">
@@ -26726,253 +27519,6 @@
     <p:extLst>
       <p:ext uri="{BB962C8B-B14F-4D97-AF65-F5344CB8AC3E}">
         <p14:creationId xmlns:p14="http://schemas.microsoft.com/office/powerpoint/2010/main" val="2918771018"/>
-      </p:ext>
-    </p:extLst>
-  </p:cSld>
-  <p:clrMapOvr>
-    <a:masterClrMapping/>
-  </p:clrMapOvr>
-</p:sld>
-</file>
-
-<file path=ppt/slides/slide38.xml><?xml version="1.0" encoding="utf-8"?>
-<p:sld xmlns:a="http://schemas.openxmlformats.org/drawingml/2006/main" xmlns:r="http://schemas.openxmlformats.org/officeDocument/2006/relationships" xmlns:p="http://schemas.openxmlformats.org/presentationml/2006/main">
-  <p:cSld>
-    <p:spTree>
-      <p:nvGrpSpPr>
-        <p:cNvPr id="1" name=""/>
-        <p:cNvGrpSpPr/>
-        <p:nvPr/>
-      </p:nvGrpSpPr>
-      <p:grpSpPr>
-        <a:xfrm>
-          <a:off x="0" y="0"/>
-          <a:ext cx="0" cy="0"/>
-          <a:chOff x="0" y="0"/>
-          <a:chExt cx="0" cy="0"/>
-        </a:xfrm>
-      </p:grpSpPr>
-      <p:sp>
-        <p:nvSpPr>
-          <p:cNvPr id="2" name="제목 1">
-            <a:extLst>
-              <a:ext uri="{FF2B5EF4-FFF2-40B4-BE49-F238E27FC236}">
-                <a16:creationId xmlns:a16="http://schemas.microsoft.com/office/drawing/2014/main" id="{F35C43C8-4428-4D97-87C2-6ACA5057AB6C}"/>
-              </a:ext>
-            </a:extLst>
-          </p:cNvPr>
-          <p:cNvSpPr>
-            <a:spLocks noGrp="1"/>
-          </p:cNvSpPr>
-          <p:nvPr>
-            <p:ph type="title"/>
-          </p:nvPr>
-        </p:nvSpPr>
-        <p:spPr/>
-        <p:txBody>
-          <a:bodyPr/>
-          <a:lstStyle/>
-          <a:p>
-            <a:r>
-              <a:rPr lang="en-US" altLang="ko-KR" dirty="0">
-                <a:latin typeface="나눔고딕" panose="020B0600000101010101" charset="-127"/>
-                <a:ea typeface="나눔고딕" panose="020B0600000101010101" charset="-127"/>
-              </a:rPr>
-              <a:t>10. JOIN OPERATION</a:t>
-            </a:r>
-            <a:endParaRPr lang="ko-KR" altLang="en-US" dirty="0">
-              <a:latin typeface="나눔고딕" panose="020B0600000101010101" charset="-127"/>
-              <a:ea typeface="나눔고딕" panose="020B0600000101010101" charset="-127"/>
-            </a:endParaRPr>
-          </a:p>
-        </p:txBody>
-      </p:sp>
-      <p:sp>
-        <p:nvSpPr>
-          <p:cNvPr id="47" name="텍스트 개체 틀 3">
-            <a:extLst>
-              <a:ext uri="{FF2B5EF4-FFF2-40B4-BE49-F238E27FC236}">
-                <a16:creationId xmlns:a16="http://schemas.microsoft.com/office/drawing/2014/main" id="{BD6E26C7-2547-444C-8643-2B2EEE99F2F4}"/>
-              </a:ext>
-            </a:extLst>
-          </p:cNvPr>
-          <p:cNvSpPr>
-            <a:spLocks noGrp="1"/>
-          </p:cNvSpPr>
-          <p:nvPr>
-            <p:ph type="body" sz="quarter" idx="13"/>
-          </p:nvPr>
-        </p:nvSpPr>
-        <p:spPr>
-          <a:xfrm>
-            <a:off x="6747393" y="62621"/>
-            <a:ext cx="2822735" cy="390525"/>
-          </a:xfrm>
-        </p:spPr>
-        <p:txBody>
-          <a:bodyPr/>
-          <a:lstStyle/>
-          <a:p>
-            <a:r>
-              <a:rPr lang="en-US" altLang="ko-KR" dirty="0">
-                <a:latin typeface="나눔고딕" panose="020D0604000000000000" pitchFamily="50" charset="-127"/>
-                <a:ea typeface="나눔고딕" panose="020D0604000000000000" pitchFamily="50" charset="-127"/>
-              </a:rPr>
-              <a:t>Ⅱ. </a:t>
-            </a:r>
-            <a:r>
-              <a:rPr lang="ko-KR" altLang="en-US" dirty="0">
-                <a:latin typeface="나눔고딕" panose="020D0604000000000000" pitchFamily="50" charset="-127"/>
-                <a:ea typeface="나눔고딕" panose="020D0604000000000000" pitchFamily="50" charset="-127"/>
-              </a:rPr>
-              <a:t>실행계획</a:t>
-            </a:r>
-          </a:p>
-        </p:txBody>
-      </p:sp>
-      <p:sp>
-        <p:nvSpPr>
-          <p:cNvPr id="8" name="슬라이드 번호 개체 틀 2">
-            <a:extLst>
-              <a:ext uri="{FF2B5EF4-FFF2-40B4-BE49-F238E27FC236}">
-                <a16:creationId xmlns:a16="http://schemas.microsoft.com/office/drawing/2014/main" id="{04551D9F-A373-412B-9564-CCFAEDE5BC72}"/>
-              </a:ext>
-            </a:extLst>
-          </p:cNvPr>
-          <p:cNvSpPr>
-            <a:spLocks noGrp="1"/>
-          </p:cNvSpPr>
-          <p:nvPr>
-            <p:ph type="sldNum" sz="quarter" idx="12"/>
-          </p:nvPr>
-        </p:nvSpPr>
-        <p:spPr>
-          <a:xfrm>
-            <a:off x="4439346" y="6528442"/>
-            <a:ext cx="1029301" cy="276999"/>
-          </a:xfrm>
-        </p:spPr>
-        <p:txBody>
-          <a:bodyPr>
-            <a:normAutofit fontScale="92500"/>
-          </a:bodyPr>
-          <a:lstStyle/>
-          <a:p>
-            <a:fld id="{EBB166B3-33A6-45CA-B81B-F13BE7654232}" type="slidenum">
-              <a:rPr lang="ko-KR" altLang="en-US" smtClean="0">
-                <a:latin typeface="나눔고딕" panose="020B0600000101010101" charset="-127"/>
-                <a:ea typeface="나눔고딕" panose="020B0600000101010101" charset="-127"/>
-              </a:rPr>
-              <a:t>37</a:t>
-            </a:fld>
-            <a:endParaRPr lang="ko-KR" altLang="en-US" dirty="0">
-              <a:latin typeface="나눔고딕" panose="020B0600000101010101" charset="-127"/>
-              <a:ea typeface="나눔고딕" panose="020B0600000101010101" charset="-127"/>
-            </a:endParaRPr>
-          </a:p>
-        </p:txBody>
-      </p:sp>
-      <p:sp>
-        <p:nvSpPr>
-          <p:cNvPr id="15" name="TextBox 14">
-            <a:extLst>
-              <a:ext uri="{FF2B5EF4-FFF2-40B4-BE49-F238E27FC236}">
-                <a16:creationId xmlns:a16="http://schemas.microsoft.com/office/drawing/2014/main" id="{573FF14A-2EB5-4DCD-B682-E23C008B831F}"/>
-              </a:ext>
-            </a:extLst>
-          </p:cNvPr>
-          <p:cNvSpPr txBox="1"/>
-          <p:nvPr/>
-        </p:nvSpPr>
-        <p:spPr>
-          <a:xfrm>
-            <a:off x="363984" y="883219"/>
-            <a:ext cx="2400209" cy="1253998"/>
-          </a:xfrm>
-          <a:prstGeom prst="rect">
-            <a:avLst/>
-          </a:prstGeom>
-          <a:noFill/>
-        </p:spPr>
-        <p:txBody>
-          <a:bodyPr wrap="none" rtlCol="0">
-            <a:spAutoFit/>
-          </a:bodyPr>
-          <a:lstStyle/>
-          <a:p>
-            <a:pPr marL="285750" indent="-285750">
-              <a:lnSpc>
-                <a:spcPct val="150000"/>
-              </a:lnSpc>
-              <a:buFont typeface="Arial" panose="020B0604020202020204" pitchFamily="34" charset="0"/>
-              <a:buChar char="•"/>
-            </a:pPr>
-            <a:r>
-              <a:rPr lang="en-US" altLang="ko-KR" sz="1300" dirty="0"/>
-              <a:t>JOIN OPERATION</a:t>
-            </a:r>
-            <a:r>
-              <a:rPr lang="ko-KR" altLang="en-US" sz="1300" dirty="0"/>
-              <a:t>의 종류</a:t>
-            </a:r>
-            <a:endParaRPr lang="en-US" altLang="ko-KR" sz="1300" dirty="0"/>
-          </a:p>
-          <a:p>
-            <a:pPr>
-              <a:lnSpc>
-                <a:spcPct val="150000"/>
-              </a:lnSpc>
-            </a:pPr>
-            <a:r>
-              <a:rPr lang="en-US" altLang="ko-KR" sz="1300" dirty="0"/>
-              <a:t>     1. </a:t>
-            </a:r>
-            <a:r>
-              <a:rPr lang="en-US" altLang="ko-KR" sz="1300" b="1" dirty="0">
-                <a:solidFill>
-                  <a:srgbClr val="FF0000"/>
-                </a:solidFill>
-              </a:rPr>
-              <a:t>NESTED LOOPS JOIN </a:t>
-            </a:r>
-            <a:endParaRPr lang="en-US" altLang="ko-KR" sz="1300" dirty="0"/>
-          </a:p>
-          <a:p>
-            <a:pPr>
-              <a:lnSpc>
-                <a:spcPct val="150000"/>
-              </a:lnSpc>
-            </a:pPr>
-            <a:r>
-              <a:rPr lang="en-US" altLang="ko-KR" sz="1300" dirty="0"/>
-              <a:t>     2. SORT MERGE JOIN</a:t>
-            </a:r>
-          </a:p>
-          <a:p>
-            <a:pPr>
-              <a:lnSpc>
-                <a:spcPct val="150000"/>
-              </a:lnSpc>
-            </a:pPr>
-            <a:r>
-              <a:rPr lang="en-US" altLang="ko-KR" sz="1300" dirty="0"/>
-              <a:t>     3. </a:t>
-            </a:r>
-            <a:r>
-              <a:rPr lang="en-US" altLang="ko-KR" sz="1300" b="1" dirty="0">
-                <a:solidFill>
-                  <a:srgbClr val="FF0000"/>
-                </a:solidFill>
-              </a:rPr>
-              <a:t>HASH JOIN</a:t>
-            </a:r>
-          </a:p>
-        </p:txBody>
-      </p:sp>
-    </p:spTree>
-    <p:extLst>
-      <p:ext uri="{BB962C8B-B14F-4D97-AF65-F5344CB8AC3E}">
-        <p14:creationId xmlns:p14="http://schemas.microsoft.com/office/powerpoint/2010/main" val="4187868611"/>
       </p:ext>
     </p:extLst>
   </p:cSld>
@@ -27025,7 +27571,7 @@
                 <a:latin typeface="나눔고딕" panose="020B0600000101010101" charset="-127"/>
                 <a:ea typeface="나눔고딕" panose="020B0600000101010101" charset="-127"/>
               </a:rPr>
-              <a:t>11. NESTED LOOPS JOIN</a:t>
+              <a:t>10. JOIN OPERATION</a:t>
             </a:r>
             <a:endParaRPr lang="ko-KR" altLang="en-US" dirty="0">
               <a:latin typeface="나눔고딕" panose="020B0600000101010101" charset="-127"/>
@@ -27077,311 +27623,6 @@
           </a:p>
         </p:txBody>
       </p:sp>
-      <p:grpSp>
-        <p:nvGrpSpPr>
-          <p:cNvPr id="4" name="그룹 3">
-            <a:extLst>
-              <a:ext uri="{FF2B5EF4-FFF2-40B4-BE49-F238E27FC236}">
-                <a16:creationId xmlns:a16="http://schemas.microsoft.com/office/drawing/2014/main" id="{C5E50402-97B9-450F-A65F-508207D7E6DE}"/>
-              </a:ext>
-            </a:extLst>
-          </p:cNvPr>
-          <p:cNvGrpSpPr/>
-          <p:nvPr/>
-        </p:nvGrpSpPr>
-        <p:grpSpPr>
-          <a:xfrm>
-            <a:off x="172733" y="693113"/>
-            <a:ext cx="4725370" cy="3048376"/>
-            <a:chOff x="425470" y="2698082"/>
-            <a:chExt cx="4725370" cy="3048376"/>
-          </a:xfrm>
-        </p:grpSpPr>
-        <p:pic>
-          <p:nvPicPr>
-            <p:cNvPr id="5" name="그림 4">
-              <a:extLst>
-                <a:ext uri="{FF2B5EF4-FFF2-40B4-BE49-F238E27FC236}">
-                  <a16:creationId xmlns:a16="http://schemas.microsoft.com/office/drawing/2014/main" id="{D755B991-9261-435E-BF9C-C8D7BDB5E9FC}"/>
-                </a:ext>
-              </a:extLst>
-            </p:cNvPr>
-            <p:cNvPicPr>
-              <a:picLocks noChangeAspect="1"/>
-            </p:cNvPicPr>
-            <p:nvPr/>
-          </p:nvPicPr>
-          <p:blipFill>
-            <a:blip r:embed="rId2">
-              <a:extLst>
-                <a:ext uri="{28A0092B-C50C-407E-A947-70E740481C1C}">
-                  <a14:useLocalDpi xmlns:a14="http://schemas.microsoft.com/office/drawing/2010/main" val="0"/>
-                </a:ext>
-              </a:extLst>
-            </a:blip>
-            <a:stretch>
-              <a:fillRect/>
-            </a:stretch>
-          </p:blipFill>
-          <p:spPr>
-            <a:xfrm>
-              <a:off x="511029" y="3107858"/>
-              <a:ext cx="4572000" cy="2571750"/>
-            </a:xfrm>
-            <a:prstGeom prst="rect">
-              <a:avLst/>
-            </a:prstGeom>
-          </p:spPr>
-        </p:pic>
-        <p:sp>
-          <p:nvSpPr>
-            <p:cNvPr id="13" name="직사각형 12">
-              <a:extLst>
-                <a:ext uri="{FF2B5EF4-FFF2-40B4-BE49-F238E27FC236}">
-                  <a16:creationId xmlns:a16="http://schemas.microsoft.com/office/drawing/2014/main" id="{F19982E0-A5EE-40EA-B9C1-30E22B346A18}"/>
-                </a:ext>
-              </a:extLst>
-            </p:cNvPr>
-            <p:cNvSpPr/>
-            <p:nvPr/>
-          </p:nvSpPr>
-          <p:spPr>
-            <a:xfrm>
-              <a:off x="433859" y="3058645"/>
-              <a:ext cx="4716981" cy="2687813"/>
-            </a:xfrm>
-            <a:prstGeom prst="rect">
-              <a:avLst/>
-            </a:prstGeom>
-            <a:noFill/>
-          </p:spPr>
-          <p:style>
-            <a:lnRef idx="2">
-              <a:schemeClr val="accent1">
-                <a:shade val="50000"/>
-              </a:schemeClr>
-            </a:lnRef>
-            <a:fillRef idx="1">
-              <a:schemeClr val="accent1"/>
-            </a:fillRef>
-            <a:effectRef idx="0">
-              <a:schemeClr val="accent1"/>
-            </a:effectRef>
-            <a:fontRef idx="minor">
-              <a:schemeClr val="lt1"/>
-            </a:fontRef>
-          </p:style>
-          <p:txBody>
-            <a:bodyPr rtlCol="0" anchor="ctr"/>
-            <a:lstStyle/>
-            <a:p>
-              <a:pPr algn="ctr"/>
-              <a:endParaRPr lang="ko-KR" altLang="en-US">
-                <a:latin typeface="나눔고딕" panose="020B0600000101010101" charset="-127"/>
-                <a:ea typeface="나눔고딕" panose="020B0600000101010101" charset="-127"/>
-              </a:endParaRPr>
-            </a:p>
-          </p:txBody>
-        </p:sp>
-        <p:sp>
-          <p:nvSpPr>
-            <p:cNvPr id="7" name="자유형 23">
-              <a:extLst>
-                <a:ext uri="{FF2B5EF4-FFF2-40B4-BE49-F238E27FC236}">
-                  <a16:creationId xmlns:a16="http://schemas.microsoft.com/office/drawing/2014/main" id="{1196CE5A-FAE6-444C-AE26-03AA546BE4E6}"/>
-                </a:ext>
-              </a:extLst>
-            </p:cNvPr>
-            <p:cNvSpPr>
-              <a:spLocks noChangeArrowheads="1"/>
-            </p:cNvSpPr>
-            <p:nvPr/>
-          </p:nvSpPr>
-          <p:spPr bwMode="gray">
-            <a:xfrm>
-              <a:off x="425470" y="2698082"/>
-              <a:ext cx="1825543" cy="352174"/>
-            </a:xfrm>
-            <a:custGeom>
-              <a:avLst/>
-              <a:gdLst>
-                <a:gd name="connsiteX0" fmla="*/ 48729 w 1587995"/>
-                <a:gd name="connsiteY0" fmla="*/ 0 h 292361"/>
-                <a:gd name="connsiteX1" fmla="*/ 1539267 w 1587995"/>
-                <a:gd name="connsiteY1" fmla="*/ 0 h 292361"/>
-                <a:gd name="connsiteX2" fmla="*/ 1587995 w 1587995"/>
-                <a:gd name="connsiteY2" fmla="*/ 48728 h 292361"/>
-                <a:gd name="connsiteX3" fmla="*/ 1587995 w 1587995"/>
-                <a:gd name="connsiteY3" fmla="*/ 243633 h 292361"/>
-                <a:gd name="connsiteX4" fmla="*/ 1587994 w 1587995"/>
-                <a:gd name="connsiteY4" fmla="*/ 243636 h 292361"/>
-                <a:gd name="connsiteX5" fmla="*/ 1587994 w 1587995"/>
-                <a:gd name="connsiteY5" fmla="*/ 292361 h 292361"/>
-                <a:gd name="connsiteX6" fmla="*/ 1539267 w 1587995"/>
-                <a:gd name="connsiteY6" fmla="*/ 292361 h 292361"/>
-                <a:gd name="connsiteX7" fmla="*/ 48729 w 1587995"/>
-                <a:gd name="connsiteY7" fmla="*/ 292361 h 292361"/>
-                <a:gd name="connsiteX8" fmla="*/ 0 w 1587995"/>
-                <a:gd name="connsiteY8" fmla="*/ 292361 h 292361"/>
-                <a:gd name="connsiteX9" fmla="*/ 0 w 1587995"/>
-                <a:gd name="connsiteY9" fmla="*/ 152400 h 292361"/>
-                <a:gd name="connsiteX10" fmla="*/ 1 w 1587995"/>
-                <a:gd name="connsiteY10" fmla="*/ 152400 h 292361"/>
-                <a:gd name="connsiteX11" fmla="*/ 1 w 1587995"/>
-                <a:gd name="connsiteY11" fmla="*/ 48728 h 292361"/>
-                <a:gd name="connsiteX12" fmla="*/ 48729 w 1587995"/>
-                <a:gd name="connsiteY12" fmla="*/ 0 h 292361"/>
-              </a:gdLst>
-              <a:ahLst/>
-              <a:cxnLst>
-                <a:cxn ang="0">
-                  <a:pos x="connsiteX0" y="connsiteY0"/>
-                </a:cxn>
-                <a:cxn ang="0">
-                  <a:pos x="connsiteX1" y="connsiteY1"/>
-                </a:cxn>
-                <a:cxn ang="0">
-                  <a:pos x="connsiteX2" y="connsiteY2"/>
-                </a:cxn>
-                <a:cxn ang="0">
-                  <a:pos x="connsiteX3" y="connsiteY3"/>
-                </a:cxn>
-                <a:cxn ang="0">
-                  <a:pos x="connsiteX4" y="connsiteY4"/>
-                </a:cxn>
-                <a:cxn ang="0">
-                  <a:pos x="connsiteX5" y="connsiteY5"/>
-                </a:cxn>
-                <a:cxn ang="0">
-                  <a:pos x="connsiteX6" y="connsiteY6"/>
-                </a:cxn>
-                <a:cxn ang="0">
-                  <a:pos x="connsiteX7" y="connsiteY7"/>
-                </a:cxn>
-                <a:cxn ang="0">
-                  <a:pos x="connsiteX8" y="connsiteY8"/>
-                </a:cxn>
-                <a:cxn ang="0">
-                  <a:pos x="connsiteX9" y="connsiteY9"/>
-                </a:cxn>
-                <a:cxn ang="0">
-                  <a:pos x="connsiteX10" y="connsiteY10"/>
-                </a:cxn>
-                <a:cxn ang="0">
-                  <a:pos x="connsiteX11" y="connsiteY11"/>
-                </a:cxn>
-                <a:cxn ang="0">
-                  <a:pos x="connsiteX12" y="connsiteY12"/>
-                </a:cxn>
-              </a:cxnLst>
-              <a:rect l="l" t="t" r="r" b="b"/>
-              <a:pathLst>
-                <a:path w="1587995" h="292361">
-                  <a:moveTo>
-                    <a:pt x="48729" y="0"/>
-                  </a:moveTo>
-                  <a:lnTo>
-                    <a:pt x="1539267" y="0"/>
-                  </a:lnTo>
-                  <a:cubicBezTo>
-                    <a:pt x="1566179" y="0"/>
-                    <a:pt x="1587995" y="21816"/>
-                    <a:pt x="1587995" y="48728"/>
-                  </a:cubicBezTo>
-                  <a:lnTo>
-                    <a:pt x="1587995" y="243633"/>
-                  </a:lnTo>
-                  <a:lnTo>
-                    <a:pt x="1587994" y="243636"/>
-                  </a:lnTo>
-                  <a:lnTo>
-                    <a:pt x="1587994" y="292361"/>
-                  </a:lnTo>
-                  <a:lnTo>
-                    <a:pt x="1539267" y="292361"/>
-                  </a:lnTo>
-                  <a:lnTo>
-                    <a:pt x="48729" y="292361"/>
-                  </a:lnTo>
-                  <a:lnTo>
-                    <a:pt x="0" y="292361"/>
-                  </a:lnTo>
-                  <a:lnTo>
-                    <a:pt x="0" y="152400"/>
-                  </a:lnTo>
-                  <a:lnTo>
-                    <a:pt x="1" y="152400"/>
-                  </a:lnTo>
-                  <a:lnTo>
-                    <a:pt x="1" y="48728"/>
-                  </a:lnTo>
-                  <a:cubicBezTo>
-                    <a:pt x="1" y="21816"/>
-                    <a:pt x="21817" y="0"/>
-                    <a:pt x="48729" y="0"/>
-                  </a:cubicBezTo>
-                  <a:close/>
-                </a:path>
-              </a:pathLst>
-            </a:custGeom>
-            <a:solidFill>
-              <a:srgbClr val="002060"/>
-            </a:solidFill>
-            <a:ln w="9525" algn="ctr">
-              <a:solidFill>
-                <a:srgbClr val="002060"/>
-              </a:solidFill>
-              <a:miter lim="800000"/>
-              <a:headEnd/>
-              <a:tailEnd/>
-            </a:ln>
-            <a:effectLst>
-              <a:outerShdw blurRad="50800" dist="38100" dir="2700000" algn="tl" rotWithShape="0">
-                <a:prstClr val="black">
-                  <a:alpha val="40000"/>
-                </a:prstClr>
-              </a:outerShdw>
-            </a:effectLst>
-          </p:spPr>
-          <p:txBody>
-            <a:bodyPr wrap="square" lIns="72000" tIns="36000" rIns="72000" bIns="36000" anchor="ctr">
-              <a:noAutofit/>
-            </a:bodyPr>
-            <a:lstStyle/>
-            <a:p>
-              <a:pPr marR="0" lvl="0" algn="ctr" defTabSz="411163" eaLnBrk="0" fontAlgn="base" latinLnBrk="0" hangingPunct="0">
-                <a:spcBef>
-                  <a:spcPct val="0"/>
-                </a:spcBef>
-                <a:spcAft>
-                  <a:spcPct val="0"/>
-                </a:spcAft>
-                <a:buSzPct val="90000"/>
-                <a:tabLst>
-                  <a:tab pos="85725" algn="l"/>
-                </a:tabLst>
-                <a:defRPr/>
-              </a:pPr>
-              <a:r>
-                <a:rPr kumimoji="1" lang="en-US" altLang="ko-KR" sz="1200" b="1" i="0" u="none" strike="noStrike" kern="0" cap="none" spc="0" normalizeH="0" baseline="0" noProof="0" dirty="0">
-                  <a:ln>
-                    <a:noFill/>
-                  </a:ln>
-                  <a:solidFill>
-                    <a:schemeClr val="bg1"/>
-                  </a:solidFill>
-                  <a:effectLst/>
-                  <a:uLnTx/>
-                  <a:uFillTx/>
-                  <a:latin typeface="나눔고딕" panose="020B0600000101010101" charset="-127"/>
-                  <a:ea typeface="나눔고딕" panose="020B0600000101010101" charset="-127"/>
-                </a:rPr>
-                <a:t>NL JOIN without INDEX</a:t>
-              </a:r>
-            </a:p>
-          </p:txBody>
-        </p:sp>
-      </p:grpSp>
       <p:sp>
         <p:nvSpPr>
           <p:cNvPr id="8" name="슬라이드 번호 개체 틀 2">
@@ -27424,328 +27665,12 @@
           </a:p>
         </p:txBody>
       </p:sp>
-      <p:grpSp>
-        <p:nvGrpSpPr>
-          <p:cNvPr id="6" name="그룹 5">
+      <p:sp>
+        <p:nvSpPr>
+          <p:cNvPr id="15" name="TextBox 14">
             <a:extLst>
               <a:ext uri="{FF2B5EF4-FFF2-40B4-BE49-F238E27FC236}">
-                <a16:creationId xmlns:a16="http://schemas.microsoft.com/office/drawing/2014/main" id="{4E9C9C04-B49B-4D5A-82F3-F22E79586362}"/>
-              </a:ext>
-            </a:extLst>
-          </p:cNvPr>
-          <p:cNvGrpSpPr/>
-          <p:nvPr/>
-        </p:nvGrpSpPr>
-        <p:grpSpPr>
-          <a:xfrm>
-            <a:off x="4975273" y="713751"/>
-            <a:ext cx="4725370" cy="3039987"/>
-            <a:chOff x="5017101" y="646639"/>
-            <a:chExt cx="4725370" cy="3039987"/>
-          </a:xfrm>
-        </p:grpSpPr>
-        <p:pic>
-          <p:nvPicPr>
-            <p:cNvPr id="2050" name="Picture 2" descr="nest-loops-sorted-50fps-2">
-              <a:extLst>
-                <a:ext uri="{FF2B5EF4-FFF2-40B4-BE49-F238E27FC236}">
-                  <a16:creationId xmlns:a16="http://schemas.microsoft.com/office/drawing/2014/main" id="{9B769E3E-BBEF-40CA-9B67-82E22D613A18}"/>
-                </a:ext>
-              </a:extLst>
-            </p:cNvPr>
-            <p:cNvPicPr>
-              <a:picLocks noChangeAspect="1" noChangeArrowheads="1" noCrop="1"/>
-            </p:cNvPicPr>
-            <p:nvPr/>
-          </p:nvPicPr>
-          <p:blipFill>
-            <a:blip r:embed="rId3">
-              <a:extLst>
-                <a:ext uri="{28A0092B-C50C-407E-A947-70E740481C1C}">
-                  <a14:useLocalDpi xmlns:a14="http://schemas.microsoft.com/office/drawing/2010/main" val="0"/>
-                </a:ext>
-              </a:extLst>
-            </a:blip>
-            <a:srcRect/>
-            <a:stretch>
-              <a:fillRect/>
-            </a:stretch>
-          </p:blipFill>
-          <p:spPr bwMode="auto">
-            <a:xfrm>
-              <a:off x="5097981" y="1080460"/>
-              <a:ext cx="4572000" cy="2571750"/>
-            </a:xfrm>
-            <a:prstGeom prst="rect">
-              <a:avLst/>
-            </a:prstGeom>
-            <a:noFill/>
-            <a:extLst>
-              <a:ext uri="{909E8E84-426E-40DD-AFC4-6F175D3DCCD1}">
-                <a14:hiddenFill xmlns:a14="http://schemas.microsoft.com/office/drawing/2010/main">
-                  <a:solidFill>
-                    <a:srgbClr val="FFFFFF"/>
-                  </a:solidFill>
-                </a14:hiddenFill>
-              </a:ext>
-            </a:extLst>
-          </p:spPr>
-        </p:pic>
-        <p:sp>
-          <p:nvSpPr>
-            <p:cNvPr id="11" name="직사각형 10">
-              <a:extLst>
-                <a:ext uri="{FF2B5EF4-FFF2-40B4-BE49-F238E27FC236}">
-                  <a16:creationId xmlns:a16="http://schemas.microsoft.com/office/drawing/2014/main" id="{D2F24618-130B-4BC9-BE56-8D7E8B7E1596}"/>
-                </a:ext>
-              </a:extLst>
-            </p:cNvPr>
-            <p:cNvSpPr/>
-            <p:nvPr/>
-          </p:nvSpPr>
-          <p:spPr>
-            <a:xfrm>
-              <a:off x="5025490" y="998813"/>
-              <a:ext cx="4716981" cy="2687813"/>
-            </a:xfrm>
-            <a:prstGeom prst="rect">
-              <a:avLst/>
-            </a:prstGeom>
-            <a:noFill/>
-          </p:spPr>
-          <p:style>
-            <a:lnRef idx="2">
-              <a:schemeClr val="accent1">
-                <a:shade val="50000"/>
-              </a:schemeClr>
-            </a:lnRef>
-            <a:fillRef idx="1">
-              <a:schemeClr val="accent1"/>
-            </a:fillRef>
-            <a:effectRef idx="0">
-              <a:schemeClr val="accent1"/>
-            </a:effectRef>
-            <a:fontRef idx="minor">
-              <a:schemeClr val="lt1"/>
-            </a:fontRef>
-          </p:style>
-          <p:txBody>
-            <a:bodyPr rtlCol="0" anchor="ctr"/>
-            <a:lstStyle/>
-            <a:p>
-              <a:pPr algn="ctr"/>
-              <a:endParaRPr lang="ko-KR" altLang="en-US">
-                <a:latin typeface="나눔고딕" panose="020B0600000101010101" charset="-127"/>
-                <a:ea typeface="나눔고딕" panose="020B0600000101010101" charset="-127"/>
-              </a:endParaRPr>
-            </a:p>
-          </p:txBody>
-        </p:sp>
-        <p:sp>
-          <p:nvSpPr>
-            <p:cNvPr id="12" name="자유형 23">
-              <a:extLst>
-                <a:ext uri="{FF2B5EF4-FFF2-40B4-BE49-F238E27FC236}">
-                  <a16:creationId xmlns:a16="http://schemas.microsoft.com/office/drawing/2014/main" id="{DE649775-2192-482A-A5DF-BDC5851113A1}"/>
-                </a:ext>
-              </a:extLst>
-            </p:cNvPr>
-            <p:cNvSpPr>
-              <a:spLocks noChangeArrowheads="1"/>
-            </p:cNvSpPr>
-            <p:nvPr/>
-          </p:nvSpPr>
-          <p:spPr bwMode="gray">
-            <a:xfrm>
-              <a:off x="5017101" y="646639"/>
-              <a:ext cx="1825543" cy="352174"/>
-            </a:xfrm>
-            <a:custGeom>
-              <a:avLst/>
-              <a:gdLst>
-                <a:gd name="connsiteX0" fmla="*/ 48729 w 1587995"/>
-                <a:gd name="connsiteY0" fmla="*/ 0 h 292361"/>
-                <a:gd name="connsiteX1" fmla="*/ 1539267 w 1587995"/>
-                <a:gd name="connsiteY1" fmla="*/ 0 h 292361"/>
-                <a:gd name="connsiteX2" fmla="*/ 1587995 w 1587995"/>
-                <a:gd name="connsiteY2" fmla="*/ 48728 h 292361"/>
-                <a:gd name="connsiteX3" fmla="*/ 1587995 w 1587995"/>
-                <a:gd name="connsiteY3" fmla="*/ 243633 h 292361"/>
-                <a:gd name="connsiteX4" fmla="*/ 1587994 w 1587995"/>
-                <a:gd name="connsiteY4" fmla="*/ 243636 h 292361"/>
-                <a:gd name="connsiteX5" fmla="*/ 1587994 w 1587995"/>
-                <a:gd name="connsiteY5" fmla="*/ 292361 h 292361"/>
-                <a:gd name="connsiteX6" fmla="*/ 1539267 w 1587995"/>
-                <a:gd name="connsiteY6" fmla="*/ 292361 h 292361"/>
-                <a:gd name="connsiteX7" fmla="*/ 48729 w 1587995"/>
-                <a:gd name="connsiteY7" fmla="*/ 292361 h 292361"/>
-                <a:gd name="connsiteX8" fmla="*/ 0 w 1587995"/>
-                <a:gd name="connsiteY8" fmla="*/ 292361 h 292361"/>
-                <a:gd name="connsiteX9" fmla="*/ 0 w 1587995"/>
-                <a:gd name="connsiteY9" fmla="*/ 152400 h 292361"/>
-                <a:gd name="connsiteX10" fmla="*/ 1 w 1587995"/>
-                <a:gd name="connsiteY10" fmla="*/ 152400 h 292361"/>
-                <a:gd name="connsiteX11" fmla="*/ 1 w 1587995"/>
-                <a:gd name="connsiteY11" fmla="*/ 48728 h 292361"/>
-                <a:gd name="connsiteX12" fmla="*/ 48729 w 1587995"/>
-                <a:gd name="connsiteY12" fmla="*/ 0 h 292361"/>
-              </a:gdLst>
-              <a:ahLst/>
-              <a:cxnLst>
-                <a:cxn ang="0">
-                  <a:pos x="connsiteX0" y="connsiteY0"/>
-                </a:cxn>
-                <a:cxn ang="0">
-                  <a:pos x="connsiteX1" y="connsiteY1"/>
-                </a:cxn>
-                <a:cxn ang="0">
-                  <a:pos x="connsiteX2" y="connsiteY2"/>
-                </a:cxn>
-                <a:cxn ang="0">
-                  <a:pos x="connsiteX3" y="connsiteY3"/>
-                </a:cxn>
-                <a:cxn ang="0">
-                  <a:pos x="connsiteX4" y="connsiteY4"/>
-                </a:cxn>
-                <a:cxn ang="0">
-                  <a:pos x="connsiteX5" y="connsiteY5"/>
-                </a:cxn>
-                <a:cxn ang="0">
-                  <a:pos x="connsiteX6" y="connsiteY6"/>
-                </a:cxn>
-                <a:cxn ang="0">
-                  <a:pos x="connsiteX7" y="connsiteY7"/>
-                </a:cxn>
-                <a:cxn ang="0">
-                  <a:pos x="connsiteX8" y="connsiteY8"/>
-                </a:cxn>
-                <a:cxn ang="0">
-                  <a:pos x="connsiteX9" y="connsiteY9"/>
-                </a:cxn>
-                <a:cxn ang="0">
-                  <a:pos x="connsiteX10" y="connsiteY10"/>
-                </a:cxn>
-                <a:cxn ang="0">
-                  <a:pos x="connsiteX11" y="connsiteY11"/>
-                </a:cxn>
-                <a:cxn ang="0">
-                  <a:pos x="connsiteX12" y="connsiteY12"/>
-                </a:cxn>
-              </a:cxnLst>
-              <a:rect l="l" t="t" r="r" b="b"/>
-              <a:pathLst>
-                <a:path w="1587995" h="292361">
-                  <a:moveTo>
-                    <a:pt x="48729" y="0"/>
-                  </a:moveTo>
-                  <a:lnTo>
-                    <a:pt x="1539267" y="0"/>
-                  </a:lnTo>
-                  <a:cubicBezTo>
-                    <a:pt x="1566179" y="0"/>
-                    <a:pt x="1587995" y="21816"/>
-                    <a:pt x="1587995" y="48728"/>
-                  </a:cubicBezTo>
-                  <a:lnTo>
-                    <a:pt x="1587995" y="243633"/>
-                  </a:lnTo>
-                  <a:lnTo>
-                    <a:pt x="1587994" y="243636"/>
-                  </a:lnTo>
-                  <a:lnTo>
-                    <a:pt x="1587994" y="292361"/>
-                  </a:lnTo>
-                  <a:lnTo>
-                    <a:pt x="1539267" y="292361"/>
-                  </a:lnTo>
-                  <a:lnTo>
-                    <a:pt x="48729" y="292361"/>
-                  </a:lnTo>
-                  <a:lnTo>
-                    <a:pt x="0" y="292361"/>
-                  </a:lnTo>
-                  <a:lnTo>
-                    <a:pt x="0" y="152400"/>
-                  </a:lnTo>
-                  <a:lnTo>
-                    <a:pt x="1" y="152400"/>
-                  </a:lnTo>
-                  <a:lnTo>
-                    <a:pt x="1" y="48728"/>
-                  </a:lnTo>
-                  <a:cubicBezTo>
-                    <a:pt x="1" y="21816"/>
-                    <a:pt x="21817" y="0"/>
-                    <a:pt x="48729" y="0"/>
-                  </a:cubicBezTo>
-                  <a:close/>
-                </a:path>
-              </a:pathLst>
-            </a:custGeom>
-            <a:solidFill>
-              <a:srgbClr val="002060"/>
-            </a:solidFill>
-            <a:ln w="9525" algn="ctr">
-              <a:solidFill>
-                <a:srgbClr val="002060"/>
-              </a:solidFill>
-              <a:miter lim="800000"/>
-              <a:headEnd/>
-              <a:tailEnd/>
-            </a:ln>
-            <a:effectLst>
-              <a:outerShdw blurRad="50800" dist="38100" dir="2700000" algn="tl" rotWithShape="0">
-                <a:prstClr val="black">
-                  <a:alpha val="40000"/>
-                </a:prstClr>
-              </a:outerShdw>
-            </a:effectLst>
-          </p:spPr>
-          <p:txBody>
-            <a:bodyPr wrap="square" lIns="72000" tIns="36000" rIns="72000" bIns="36000" anchor="ctr">
-              <a:noAutofit/>
-            </a:bodyPr>
-            <a:lstStyle/>
-            <a:p>
-              <a:pPr marR="0" lvl="0" algn="ctr" defTabSz="411163" eaLnBrk="0" fontAlgn="base" latinLnBrk="0" hangingPunct="0">
-                <a:spcBef>
-                  <a:spcPct val="0"/>
-                </a:spcBef>
-                <a:spcAft>
-                  <a:spcPct val="0"/>
-                </a:spcAft>
-                <a:buSzPct val="90000"/>
-                <a:tabLst>
-                  <a:tab pos="85725" algn="l"/>
-                </a:tabLst>
-                <a:defRPr/>
-              </a:pPr>
-              <a:r>
-                <a:rPr kumimoji="1" lang="en-US" altLang="ko-KR" sz="1200" b="1" i="0" u="none" strike="noStrike" kern="0" cap="none" spc="0" normalizeH="0" baseline="0" noProof="0" dirty="0">
-                  <a:ln>
-                    <a:noFill/>
-                  </a:ln>
-                  <a:solidFill>
-                    <a:schemeClr val="bg1"/>
-                  </a:solidFill>
-                  <a:effectLst/>
-                  <a:uLnTx/>
-                  <a:uFillTx/>
-                  <a:latin typeface="나눔고딕" panose="020B0600000101010101" charset="-127"/>
-                  <a:ea typeface="나눔고딕" panose="020B0600000101010101" charset="-127"/>
-                </a:rPr>
-                <a:t>NL JOIN with INDEX</a:t>
-              </a:r>
-            </a:p>
-          </p:txBody>
-        </p:sp>
-      </p:grpSp>
-      <p:sp>
-        <p:nvSpPr>
-          <p:cNvPr id="14" name="TextBox 13">
-            <a:extLst>
-              <a:ext uri="{FF2B5EF4-FFF2-40B4-BE49-F238E27FC236}">
-                <a16:creationId xmlns:a16="http://schemas.microsoft.com/office/drawing/2014/main" id="{86BD3D58-1B11-41D0-A96A-9288AD604DA5}"/>
+                <a16:creationId xmlns:a16="http://schemas.microsoft.com/office/drawing/2014/main" id="{573FF14A-2EB5-4DCD-B682-E23C008B831F}"/>
               </a:ext>
             </a:extLst>
           </p:cNvPr>
@@ -27754,8 +27679,8 @@
         </p:nvSpPr>
         <p:spPr>
           <a:xfrm>
-            <a:off x="172733" y="3989096"/>
-            <a:ext cx="9724137" cy="2154244"/>
+            <a:off x="363984" y="883219"/>
+            <a:ext cx="2400209" cy="1253998"/>
           </a:xfrm>
           <a:prstGeom prst="rect">
             <a:avLst/>
@@ -27776,84 +27701,12 @@
               <a:buChar char="•"/>
             </a:pPr>
             <a:r>
+              <a:rPr lang="en-US" altLang="ko-KR" sz="1300" dirty="0"/>
+              <a:t>JOIN OPERATION</a:t>
+            </a:r>
+            <a:r>
               <a:rPr lang="ko-KR" altLang="en-US" sz="1300" dirty="0"/>
-              <a:t>선행테이블</a:t>
-            </a:r>
-            <a:r>
-              <a:rPr lang="en-US" altLang="ko-KR" sz="1300" dirty="0"/>
-              <a:t>(Outer Table) </a:t>
-            </a:r>
-            <a:r>
-              <a:rPr lang="ko-KR" altLang="en-US" sz="1300" dirty="0"/>
-              <a:t>결정 후</a:t>
-            </a:r>
-            <a:r>
-              <a:rPr lang="en-US" altLang="ko-KR" sz="1300" dirty="0"/>
-              <a:t>, </a:t>
-            </a:r>
-            <a:r>
-              <a:rPr lang="ko-KR" altLang="en-US" sz="1300" dirty="0"/>
-              <a:t>후행 테이블</a:t>
-            </a:r>
-            <a:r>
-              <a:rPr lang="en-US" altLang="ko-KR" sz="1300" dirty="0"/>
-              <a:t>(Inner Table)</a:t>
-            </a:r>
-            <a:r>
-              <a:rPr lang="ko-KR" altLang="en-US" sz="1300" dirty="0"/>
-              <a:t>에 반복적인 접근 실시</a:t>
-            </a:r>
-            <a:endParaRPr lang="en-US" altLang="ko-KR" sz="1300" dirty="0"/>
-          </a:p>
-          <a:p>
-            <a:pPr marL="285750" indent="-285750">
-              <a:lnSpc>
-                <a:spcPct val="150000"/>
-              </a:lnSpc>
-              <a:buFont typeface="Arial" panose="020B0604020202020204" pitchFamily="34" charset="0"/>
-              <a:buChar char="•"/>
-            </a:pPr>
-            <a:r>
-              <a:rPr lang="ko-KR" altLang="en-US" sz="1300" dirty="0"/>
-              <a:t>소량의 데이터를 조인 시 사용</a:t>
-            </a:r>
-            <a:endParaRPr lang="en-US" altLang="ko-KR" sz="1300" dirty="0"/>
-          </a:p>
-          <a:p>
-            <a:pPr marL="285750" indent="-285750">
-              <a:lnSpc>
-                <a:spcPct val="150000"/>
-              </a:lnSpc>
-              <a:buFont typeface="Arial" panose="020B0604020202020204" pitchFamily="34" charset="0"/>
-              <a:buChar char="•"/>
-            </a:pPr>
-            <a:r>
-              <a:rPr lang="ko-KR" altLang="en-US" sz="1300" dirty="0"/>
-              <a:t>많은 레코드를 가진 두 테이블을 조인 시</a:t>
-            </a:r>
-            <a:r>
-              <a:rPr lang="en-US" altLang="ko-KR" sz="1300" dirty="0"/>
-              <a:t> </a:t>
-            </a:r>
-            <a:r>
-              <a:rPr lang="ko-KR" altLang="en-US" sz="1300" dirty="0"/>
-              <a:t>다량의 디스크 </a:t>
-            </a:r>
-            <a:r>
-              <a:rPr lang="en-US" altLang="ko-KR" sz="1300" dirty="0"/>
-              <a:t>I/O</a:t>
-            </a:r>
-            <a:r>
-              <a:rPr lang="ko-KR" altLang="en-US" sz="1300" dirty="0"/>
-              <a:t>가 발생하기 때문에</a:t>
-            </a:r>
-            <a:r>
-              <a:rPr lang="en-US" altLang="ko-KR" sz="1300" dirty="0"/>
-              <a:t>, </a:t>
-            </a:r>
-            <a:r>
-              <a:rPr lang="ko-KR" altLang="en-US" sz="1300" dirty="0"/>
-              <a:t>조인 속도가 매우 느려질 수 있음</a:t>
+              <a:t>의 종류</a:t>
             </a:r>
             <a:endParaRPr lang="en-US" altLang="ko-KR" sz="1300" dirty="0"/>
           </a:p>
@@ -27865,43 +27718,15 @@
             </a:pPr>
             <a:r>
               <a:rPr lang="en-US" altLang="ko-KR" sz="1300" dirty="0"/>
-              <a:t>     (</a:t>
-            </a:r>
-            <a:r>
-              <a:rPr lang="ko-KR" altLang="en-US" sz="1300" dirty="0"/>
-              <a:t>모든 </a:t>
-            </a:r>
-            <a:r>
-              <a:rPr lang="en-US" altLang="ko-KR" sz="1300" dirty="0"/>
-              <a:t>DBMS</a:t>
-            </a:r>
-            <a:r>
-              <a:rPr lang="ko-KR" altLang="en-US" sz="1300" dirty="0"/>
-              <a:t>는 읽고자 하는 블록을 먼저 </a:t>
-            </a:r>
-            <a:r>
-              <a:rPr lang="en-US" altLang="ko-KR" sz="1300" dirty="0"/>
-              <a:t>‘</a:t>
-            </a:r>
-            <a:r>
-              <a:rPr lang="ko-KR" altLang="en-US" sz="1300" dirty="0"/>
-              <a:t>버퍼 캐시</a:t>
-            </a:r>
-            <a:r>
-              <a:rPr lang="en-US" altLang="ko-KR" sz="1300" dirty="0"/>
-              <a:t>’</a:t>
-            </a:r>
-            <a:r>
-              <a:rPr lang="ko-KR" altLang="en-US" sz="1300" dirty="0"/>
-              <a:t>에서 찾아보고</a:t>
-            </a:r>
-            <a:r>
-              <a:rPr lang="en-US" altLang="ko-KR" sz="1300" dirty="0"/>
-              <a:t>, </a:t>
-            </a:r>
-            <a:r>
-              <a:rPr lang="ko-KR" altLang="en-US" sz="1300" dirty="0"/>
-              <a:t>해당 블록이 버퍼 캐시에 없을 경우에만 디스크에서 읽어</a:t>
+              <a:t>     1. </a:t>
+            </a:r>
+            <a:r>
+              <a:rPr lang="en-US" altLang="ko-KR" sz="1300" b="1" dirty="0">
+                <a:solidFill>
+                  <a:srgbClr val="FF0000"/>
+                </a:solidFill>
+              </a:rPr>
+              <a:t>NESTED LOOPS JOIN </a:t>
             </a:r>
             <a:endParaRPr lang="en-US" altLang="ko-KR" sz="1300" dirty="0"/>
           </a:p>
@@ -27913,56 +27738,18 @@
             </a:pPr>
             <a:r>
               <a:rPr lang="en-US" altLang="ko-KR" sz="1300" dirty="0"/>
-              <a:t>      </a:t>
-            </a:r>
-            <a:r>
-              <a:rPr lang="ko-KR" altLang="en-US" sz="1300" dirty="0"/>
-              <a:t>버퍼 캐시에 적재한 후 </a:t>
-            </a:r>
-            <a:r>
-              <a:rPr lang="en-US" altLang="ko-KR" sz="1300" dirty="0"/>
-              <a:t>‘</a:t>
-            </a:r>
-            <a:r>
-              <a:rPr lang="ko-KR" altLang="en-US" sz="1300" dirty="0"/>
-              <a:t>읽기</a:t>
-            </a:r>
-            <a:r>
-              <a:rPr lang="en-US" altLang="ko-KR" sz="1300" dirty="0"/>
-              <a:t>/</a:t>
-            </a:r>
-            <a:r>
-              <a:rPr lang="ko-KR" altLang="en-US" sz="1300" dirty="0"/>
-              <a:t>쓰기</a:t>
-            </a:r>
-            <a:r>
-              <a:rPr lang="en-US" altLang="ko-KR" sz="1300" dirty="0"/>
-              <a:t>’ </a:t>
-            </a:r>
-            <a:r>
-              <a:rPr lang="ko-KR" altLang="en-US" sz="1300" dirty="0"/>
-              <a:t>작업을 수행</a:t>
-            </a:r>
-            <a:r>
-              <a:rPr lang="en-US" altLang="ko-KR" sz="1300" dirty="0"/>
-              <a:t>)</a:t>
+              <a:t>     2. SORT MERGE JOIN</a:t>
             </a:r>
           </a:p>
           <a:p>
-            <a:pPr marL="285750" indent="-285750">
+            <a:pPr>
               <a:lnSpc>
                 <a:spcPct val="150000"/>
               </a:lnSpc>
-              <a:buFont typeface="Arial" panose="020B0604020202020204" pitchFamily="34" charset="0"/>
-              <a:buChar char="•"/>
             </a:pPr>
             <a:r>
-              <a:rPr lang="ko-KR" altLang="en-US" sz="1300" b="1" dirty="0">
-                <a:solidFill>
-                  <a:srgbClr val="FF0000"/>
-                </a:solidFill>
-              </a:rPr>
-              <a:t>적은 레코드를 가진 결과를 </a:t>
+              <a:rPr lang="en-US" altLang="ko-KR" sz="1300" dirty="0"/>
+              <a:t>     3. </a:t>
             </a:r>
             <a:r>
               <a:rPr lang="en-US" altLang="ko-KR" sz="1300" b="1" dirty="0">
@@ -27970,102 +27757,15 @@
                   <a:srgbClr val="FF0000"/>
                 </a:solidFill>
               </a:rPr>
-              <a:t>Outer Table</a:t>
-            </a:r>
-            <a:r>
-              <a:rPr lang="ko-KR" altLang="en-US" sz="1300" b="1" dirty="0">
-                <a:solidFill>
-                  <a:srgbClr val="FF0000"/>
-                </a:solidFill>
-              </a:rPr>
-              <a:t>로 선정해야 함</a:t>
-            </a:r>
-            <a:endParaRPr lang="en-US" altLang="ko-KR" sz="1300" b="1" dirty="0">
-              <a:solidFill>
-                <a:srgbClr val="FF0000"/>
-              </a:solidFill>
-            </a:endParaRPr>
-          </a:p>
-          <a:p>
-            <a:pPr marL="285750" indent="-285750">
-              <a:lnSpc>
-                <a:spcPct val="150000"/>
-              </a:lnSpc>
-              <a:buFont typeface="Arial" panose="020B0604020202020204" pitchFamily="34" charset="0"/>
-              <a:buChar char="•"/>
-            </a:pPr>
-            <a:r>
-              <a:rPr lang="en-US" altLang="ko-KR" sz="1300" b="1" dirty="0">
-                <a:solidFill>
-                  <a:srgbClr val="FF0000"/>
-                </a:solidFill>
-              </a:rPr>
-              <a:t>Outer Table</a:t>
-            </a:r>
-            <a:r>
-              <a:rPr lang="ko-KR" altLang="en-US" sz="1300" b="1" dirty="0">
-                <a:solidFill>
-                  <a:srgbClr val="FF0000"/>
-                </a:solidFill>
-              </a:rPr>
-              <a:t>를 </a:t>
-            </a:r>
-            <a:r>
-              <a:rPr lang="en-US" altLang="ko-KR" sz="1300" b="1" dirty="0">
-                <a:solidFill>
-                  <a:srgbClr val="FF0000"/>
-                </a:solidFill>
-              </a:rPr>
-              <a:t>Inner Table</a:t>
-            </a:r>
-            <a:r>
-              <a:rPr lang="ko-KR" altLang="en-US" sz="1300" b="1" dirty="0">
-                <a:solidFill>
-                  <a:srgbClr val="FF0000"/>
-                </a:solidFill>
-              </a:rPr>
-              <a:t> 테이블과 조회 시</a:t>
-            </a:r>
-            <a:r>
-              <a:rPr lang="en-US" altLang="ko-KR" sz="1300" b="1" dirty="0">
-                <a:solidFill>
-                  <a:srgbClr val="FF0000"/>
-                </a:solidFill>
-              </a:rPr>
-              <a:t> INDEX SCAN</a:t>
-            </a:r>
-            <a:r>
-              <a:rPr lang="ko-KR" altLang="en-US" sz="1300" b="1" dirty="0">
-                <a:solidFill>
-                  <a:srgbClr val="FF0000"/>
-                </a:solidFill>
-              </a:rPr>
-              <a:t>이 발생하면</a:t>
-            </a:r>
-            <a:r>
-              <a:rPr lang="en-US" altLang="ko-KR" sz="1300" b="1" dirty="0">
-                <a:solidFill>
-                  <a:srgbClr val="FF0000"/>
-                </a:solidFill>
-              </a:rPr>
-              <a:t>, </a:t>
-            </a:r>
-            <a:r>
-              <a:rPr lang="ko-KR" altLang="en-US" sz="1300" b="1" dirty="0">
-                <a:solidFill>
-                  <a:srgbClr val="FF0000"/>
-                </a:solidFill>
-              </a:rPr>
-              <a:t>조인 속도가 향상됨</a:t>
-            </a:r>
-            <a:endParaRPr lang="en-US" altLang="ko-KR" sz="1300" b="1" dirty="0"/>
+              <a:t>HASH JOIN</a:t>
+            </a:r>
           </a:p>
         </p:txBody>
       </p:sp>
     </p:spTree>
     <p:extLst>
       <p:ext uri="{BB962C8B-B14F-4D97-AF65-F5344CB8AC3E}">
-        <p14:creationId xmlns:p14="http://schemas.microsoft.com/office/powerpoint/2010/main" val="2622285529"/>
+        <p14:creationId xmlns:p14="http://schemas.microsoft.com/office/powerpoint/2010/main" val="4187868611"/>
       </p:ext>
     </p:extLst>
   </p:cSld>
@@ -29382,6 +29082,311 @@
           </a:p>
         </p:txBody>
       </p:sp>
+      <p:grpSp>
+        <p:nvGrpSpPr>
+          <p:cNvPr id="4" name="그룹 3">
+            <a:extLst>
+              <a:ext uri="{FF2B5EF4-FFF2-40B4-BE49-F238E27FC236}">
+                <a16:creationId xmlns:a16="http://schemas.microsoft.com/office/drawing/2014/main" id="{C5E50402-97B9-450F-A65F-508207D7E6DE}"/>
+              </a:ext>
+            </a:extLst>
+          </p:cNvPr>
+          <p:cNvGrpSpPr/>
+          <p:nvPr/>
+        </p:nvGrpSpPr>
+        <p:grpSpPr>
+          <a:xfrm>
+            <a:off x="172733" y="693113"/>
+            <a:ext cx="4725370" cy="3048376"/>
+            <a:chOff x="425470" y="2698082"/>
+            <a:chExt cx="4725370" cy="3048376"/>
+          </a:xfrm>
+        </p:grpSpPr>
+        <p:pic>
+          <p:nvPicPr>
+            <p:cNvPr id="5" name="그림 4">
+              <a:extLst>
+                <a:ext uri="{FF2B5EF4-FFF2-40B4-BE49-F238E27FC236}">
+                  <a16:creationId xmlns:a16="http://schemas.microsoft.com/office/drawing/2014/main" id="{D755B991-9261-435E-BF9C-C8D7BDB5E9FC}"/>
+                </a:ext>
+              </a:extLst>
+            </p:cNvPr>
+            <p:cNvPicPr>
+              <a:picLocks noChangeAspect="1"/>
+            </p:cNvPicPr>
+            <p:nvPr/>
+          </p:nvPicPr>
+          <p:blipFill>
+            <a:blip r:embed="rId2">
+              <a:extLst>
+                <a:ext uri="{28A0092B-C50C-407E-A947-70E740481C1C}">
+                  <a14:useLocalDpi xmlns:a14="http://schemas.microsoft.com/office/drawing/2010/main" val="0"/>
+                </a:ext>
+              </a:extLst>
+            </a:blip>
+            <a:stretch>
+              <a:fillRect/>
+            </a:stretch>
+          </p:blipFill>
+          <p:spPr>
+            <a:xfrm>
+              <a:off x="511029" y="3107858"/>
+              <a:ext cx="4572000" cy="2571750"/>
+            </a:xfrm>
+            <a:prstGeom prst="rect">
+              <a:avLst/>
+            </a:prstGeom>
+          </p:spPr>
+        </p:pic>
+        <p:sp>
+          <p:nvSpPr>
+            <p:cNvPr id="13" name="직사각형 12">
+              <a:extLst>
+                <a:ext uri="{FF2B5EF4-FFF2-40B4-BE49-F238E27FC236}">
+                  <a16:creationId xmlns:a16="http://schemas.microsoft.com/office/drawing/2014/main" id="{F19982E0-A5EE-40EA-B9C1-30E22B346A18}"/>
+                </a:ext>
+              </a:extLst>
+            </p:cNvPr>
+            <p:cNvSpPr/>
+            <p:nvPr/>
+          </p:nvSpPr>
+          <p:spPr>
+            <a:xfrm>
+              <a:off x="433859" y="3058645"/>
+              <a:ext cx="4716981" cy="2687813"/>
+            </a:xfrm>
+            <a:prstGeom prst="rect">
+              <a:avLst/>
+            </a:prstGeom>
+            <a:noFill/>
+          </p:spPr>
+          <p:style>
+            <a:lnRef idx="2">
+              <a:schemeClr val="accent1">
+                <a:shade val="50000"/>
+              </a:schemeClr>
+            </a:lnRef>
+            <a:fillRef idx="1">
+              <a:schemeClr val="accent1"/>
+            </a:fillRef>
+            <a:effectRef idx="0">
+              <a:schemeClr val="accent1"/>
+            </a:effectRef>
+            <a:fontRef idx="minor">
+              <a:schemeClr val="lt1"/>
+            </a:fontRef>
+          </p:style>
+          <p:txBody>
+            <a:bodyPr rtlCol="0" anchor="ctr"/>
+            <a:lstStyle/>
+            <a:p>
+              <a:pPr algn="ctr"/>
+              <a:endParaRPr lang="ko-KR" altLang="en-US">
+                <a:latin typeface="나눔고딕" panose="020B0600000101010101" charset="-127"/>
+                <a:ea typeface="나눔고딕" panose="020B0600000101010101" charset="-127"/>
+              </a:endParaRPr>
+            </a:p>
+          </p:txBody>
+        </p:sp>
+        <p:sp>
+          <p:nvSpPr>
+            <p:cNvPr id="7" name="자유형 23">
+              <a:extLst>
+                <a:ext uri="{FF2B5EF4-FFF2-40B4-BE49-F238E27FC236}">
+                  <a16:creationId xmlns:a16="http://schemas.microsoft.com/office/drawing/2014/main" id="{1196CE5A-FAE6-444C-AE26-03AA546BE4E6}"/>
+                </a:ext>
+              </a:extLst>
+            </p:cNvPr>
+            <p:cNvSpPr>
+              <a:spLocks noChangeArrowheads="1"/>
+            </p:cNvSpPr>
+            <p:nvPr/>
+          </p:nvSpPr>
+          <p:spPr bwMode="gray">
+            <a:xfrm>
+              <a:off x="425470" y="2698082"/>
+              <a:ext cx="1825543" cy="352174"/>
+            </a:xfrm>
+            <a:custGeom>
+              <a:avLst/>
+              <a:gdLst>
+                <a:gd name="connsiteX0" fmla="*/ 48729 w 1587995"/>
+                <a:gd name="connsiteY0" fmla="*/ 0 h 292361"/>
+                <a:gd name="connsiteX1" fmla="*/ 1539267 w 1587995"/>
+                <a:gd name="connsiteY1" fmla="*/ 0 h 292361"/>
+                <a:gd name="connsiteX2" fmla="*/ 1587995 w 1587995"/>
+                <a:gd name="connsiteY2" fmla="*/ 48728 h 292361"/>
+                <a:gd name="connsiteX3" fmla="*/ 1587995 w 1587995"/>
+                <a:gd name="connsiteY3" fmla="*/ 243633 h 292361"/>
+                <a:gd name="connsiteX4" fmla="*/ 1587994 w 1587995"/>
+                <a:gd name="connsiteY4" fmla="*/ 243636 h 292361"/>
+                <a:gd name="connsiteX5" fmla="*/ 1587994 w 1587995"/>
+                <a:gd name="connsiteY5" fmla="*/ 292361 h 292361"/>
+                <a:gd name="connsiteX6" fmla="*/ 1539267 w 1587995"/>
+                <a:gd name="connsiteY6" fmla="*/ 292361 h 292361"/>
+                <a:gd name="connsiteX7" fmla="*/ 48729 w 1587995"/>
+                <a:gd name="connsiteY7" fmla="*/ 292361 h 292361"/>
+                <a:gd name="connsiteX8" fmla="*/ 0 w 1587995"/>
+                <a:gd name="connsiteY8" fmla="*/ 292361 h 292361"/>
+                <a:gd name="connsiteX9" fmla="*/ 0 w 1587995"/>
+                <a:gd name="connsiteY9" fmla="*/ 152400 h 292361"/>
+                <a:gd name="connsiteX10" fmla="*/ 1 w 1587995"/>
+                <a:gd name="connsiteY10" fmla="*/ 152400 h 292361"/>
+                <a:gd name="connsiteX11" fmla="*/ 1 w 1587995"/>
+                <a:gd name="connsiteY11" fmla="*/ 48728 h 292361"/>
+                <a:gd name="connsiteX12" fmla="*/ 48729 w 1587995"/>
+                <a:gd name="connsiteY12" fmla="*/ 0 h 292361"/>
+              </a:gdLst>
+              <a:ahLst/>
+              <a:cxnLst>
+                <a:cxn ang="0">
+                  <a:pos x="connsiteX0" y="connsiteY0"/>
+                </a:cxn>
+                <a:cxn ang="0">
+                  <a:pos x="connsiteX1" y="connsiteY1"/>
+                </a:cxn>
+                <a:cxn ang="0">
+                  <a:pos x="connsiteX2" y="connsiteY2"/>
+                </a:cxn>
+                <a:cxn ang="0">
+                  <a:pos x="connsiteX3" y="connsiteY3"/>
+                </a:cxn>
+                <a:cxn ang="0">
+                  <a:pos x="connsiteX4" y="connsiteY4"/>
+                </a:cxn>
+                <a:cxn ang="0">
+                  <a:pos x="connsiteX5" y="connsiteY5"/>
+                </a:cxn>
+                <a:cxn ang="0">
+                  <a:pos x="connsiteX6" y="connsiteY6"/>
+                </a:cxn>
+                <a:cxn ang="0">
+                  <a:pos x="connsiteX7" y="connsiteY7"/>
+                </a:cxn>
+                <a:cxn ang="0">
+                  <a:pos x="connsiteX8" y="connsiteY8"/>
+                </a:cxn>
+                <a:cxn ang="0">
+                  <a:pos x="connsiteX9" y="connsiteY9"/>
+                </a:cxn>
+                <a:cxn ang="0">
+                  <a:pos x="connsiteX10" y="connsiteY10"/>
+                </a:cxn>
+                <a:cxn ang="0">
+                  <a:pos x="connsiteX11" y="connsiteY11"/>
+                </a:cxn>
+                <a:cxn ang="0">
+                  <a:pos x="connsiteX12" y="connsiteY12"/>
+                </a:cxn>
+              </a:cxnLst>
+              <a:rect l="l" t="t" r="r" b="b"/>
+              <a:pathLst>
+                <a:path w="1587995" h="292361">
+                  <a:moveTo>
+                    <a:pt x="48729" y="0"/>
+                  </a:moveTo>
+                  <a:lnTo>
+                    <a:pt x="1539267" y="0"/>
+                  </a:lnTo>
+                  <a:cubicBezTo>
+                    <a:pt x="1566179" y="0"/>
+                    <a:pt x="1587995" y="21816"/>
+                    <a:pt x="1587995" y="48728"/>
+                  </a:cubicBezTo>
+                  <a:lnTo>
+                    <a:pt x="1587995" y="243633"/>
+                  </a:lnTo>
+                  <a:lnTo>
+                    <a:pt x="1587994" y="243636"/>
+                  </a:lnTo>
+                  <a:lnTo>
+                    <a:pt x="1587994" y="292361"/>
+                  </a:lnTo>
+                  <a:lnTo>
+                    <a:pt x="1539267" y="292361"/>
+                  </a:lnTo>
+                  <a:lnTo>
+                    <a:pt x="48729" y="292361"/>
+                  </a:lnTo>
+                  <a:lnTo>
+                    <a:pt x="0" y="292361"/>
+                  </a:lnTo>
+                  <a:lnTo>
+                    <a:pt x="0" y="152400"/>
+                  </a:lnTo>
+                  <a:lnTo>
+                    <a:pt x="1" y="152400"/>
+                  </a:lnTo>
+                  <a:lnTo>
+                    <a:pt x="1" y="48728"/>
+                  </a:lnTo>
+                  <a:cubicBezTo>
+                    <a:pt x="1" y="21816"/>
+                    <a:pt x="21817" y="0"/>
+                    <a:pt x="48729" y="0"/>
+                  </a:cubicBezTo>
+                  <a:close/>
+                </a:path>
+              </a:pathLst>
+            </a:custGeom>
+            <a:solidFill>
+              <a:srgbClr val="002060"/>
+            </a:solidFill>
+            <a:ln w="9525" algn="ctr">
+              <a:solidFill>
+                <a:srgbClr val="002060"/>
+              </a:solidFill>
+              <a:miter lim="800000"/>
+              <a:headEnd/>
+              <a:tailEnd/>
+            </a:ln>
+            <a:effectLst>
+              <a:outerShdw blurRad="50800" dist="38100" dir="2700000" algn="tl" rotWithShape="0">
+                <a:prstClr val="black">
+                  <a:alpha val="40000"/>
+                </a:prstClr>
+              </a:outerShdw>
+            </a:effectLst>
+          </p:spPr>
+          <p:txBody>
+            <a:bodyPr wrap="square" lIns="72000" tIns="36000" rIns="72000" bIns="36000" anchor="ctr">
+              <a:noAutofit/>
+            </a:bodyPr>
+            <a:lstStyle/>
+            <a:p>
+              <a:pPr marR="0" lvl="0" algn="ctr" defTabSz="411163" eaLnBrk="0" fontAlgn="base" latinLnBrk="0" hangingPunct="0">
+                <a:spcBef>
+                  <a:spcPct val="0"/>
+                </a:spcBef>
+                <a:spcAft>
+                  <a:spcPct val="0"/>
+                </a:spcAft>
+                <a:buSzPct val="90000"/>
+                <a:tabLst>
+                  <a:tab pos="85725" algn="l"/>
+                </a:tabLst>
+                <a:defRPr/>
+              </a:pPr>
+              <a:r>
+                <a:rPr kumimoji="1" lang="en-US" altLang="ko-KR" sz="1200" b="1" i="0" u="none" strike="noStrike" kern="0" cap="none" spc="0" normalizeH="0" baseline="0" noProof="0" dirty="0">
+                  <a:ln>
+                    <a:noFill/>
+                  </a:ln>
+                  <a:solidFill>
+                    <a:schemeClr val="bg1"/>
+                  </a:solidFill>
+                  <a:effectLst/>
+                  <a:uLnTx/>
+                  <a:uFillTx/>
+                  <a:latin typeface="나눔고딕" panose="020B0600000101010101" charset="-127"/>
+                  <a:ea typeface="나눔고딕" panose="020B0600000101010101" charset="-127"/>
+                </a:rPr>
+                <a:t>NL JOIN without INDEX</a:t>
+              </a:r>
+            </a:p>
+          </p:txBody>
+        </p:sp>
+      </p:grpSp>
       <p:sp>
         <p:nvSpPr>
           <p:cNvPr id="8" name="슬라이드 번호 개체 틀 2">
@@ -29426,6 +29431,794 @@
       </p:sp>
       <p:grpSp>
         <p:nvGrpSpPr>
+          <p:cNvPr id="6" name="그룹 5">
+            <a:extLst>
+              <a:ext uri="{FF2B5EF4-FFF2-40B4-BE49-F238E27FC236}">
+                <a16:creationId xmlns:a16="http://schemas.microsoft.com/office/drawing/2014/main" id="{4E9C9C04-B49B-4D5A-82F3-F22E79586362}"/>
+              </a:ext>
+            </a:extLst>
+          </p:cNvPr>
+          <p:cNvGrpSpPr/>
+          <p:nvPr/>
+        </p:nvGrpSpPr>
+        <p:grpSpPr>
+          <a:xfrm>
+            <a:off x="4975273" y="713751"/>
+            <a:ext cx="4725370" cy="3039987"/>
+            <a:chOff x="5017101" y="646639"/>
+            <a:chExt cx="4725370" cy="3039987"/>
+          </a:xfrm>
+        </p:grpSpPr>
+        <p:pic>
+          <p:nvPicPr>
+            <p:cNvPr id="2050" name="Picture 2" descr="nest-loops-sorted-50fps-2">
+              <a:extLst>
+                <a:ext uri="{FF2B5EF4-FFF2-40B4-BE49-F238E27FC236}">
+                  <a16:creationId xmlns:a16="http://schemas.microsoft.com/office/drawing/2014/main" id="{9B769E3E-BBEF-40CA-9B67-82E22D613A18}"/>
+                </a:ext>
+              </a:extLst>
+            </p:cNvPr>
+            <p:cNvPicPr>
+              <a:picLocks noChangeAspect="1" noChangeArrowheads="1" noCrop="1"/>
+            </p:cNvPicPr>
+            <p:nvPr/>
+          </p:nvPicPr>
+          <p:blipFill>
+            <a:blip r:embed="rId3">
+              <a:extLst>
+                <a:ext uri="{28A0092B-C50C-407E-A947-70E740481C1C}">
+                  <a14:useLocalDpi xmlns:a14="http://schemas.microsoft.com/office/drawing/2010/main" val="0"/>
+                </a:ext>
+              </a:extLst>
+            </a:blip>
+            <a:srcRect/>
+            <a:stretch>
+              <a:fillRect/>
+            </a:stretch>
+          </p:blipFill>
+          <p:spPr bwMode="auto">
+            <a:xfrm>
+              <a:off x="5097981" y="1080460"/>
+              <a:ext cx="4572000" cy="2571750"/>
+            </a:xfrm>
+            <a:prstGeom prst="rect">
+              <a:avLst/>
+            </a:prstGeom>
+            <a:noFill/>
+            <a:extLst>
+              <a:ext uri="{909E8E84-426E-40DD-AFC4-6F175D3DCCD1}">
+                <a14:hiddenFill xmlns:a14="http://schemas.microsoft.com/office/drawing/2010/main">
+                  <a:solidFill>
+                    <a:srgbClr val="FFFFFF"/>
+                  </a:solidFill>
+                </a14:hiddenFill>
+              </a:ext>
+            </a:extLst>
+          </p:spPr>
+        </p:pic>
+        <p:sp>
+          <p:nvSpPr>
+            <p:cNvPr id="11" name="직사각형 10">
+              <a:extLst>
+                <a:ext uri="{FF2B5EF4-FFF2-40B4-BE49-F238E27FC236}">
+                  <a16:creationId xmlns:a16="http://schemas.microsoft.com/office/drawing/2014/main" id="{D2F24618-130B-4BC9-BE56-8D7E8B7E1596}"/>
+                </a:ext>
+              </a:extLst>
+            </p:cNvPr>
+            <p:cNvSpPr/>
+            <p:nvPr/>
+          </p:nvSpPr>
+          <p:spPr>
+            <a:xfrm>
+              <a:off x="5025490" y="998813"/>
+              <a:ext cx="4716981" cy="2687813"/>
+            </a:xfrm>
+            <a:prstGeom prst="rect">
+              <a:avLst/>
+            </a:prstGeom>
+            <a:noFill/>
+          </p:spPr>
+          <p:style>
+            <a:lnRef idx="2">
+              <a:schemeClr val="accent1">
+                <a:shade val="50000"/>
+              </a:schemeClr>
+            </a:lnRef>
+            <a:fillRef idx="1">
+              <a:schemeClr val="accent1"/>
+            </a:fillRef>
+            <a:effectRef idx="0">
+              <a:schemeClr val="accent1"/>
+            </a:effectRef>
+            <a:fontRef idx="minor">
+              <a:schemeClr val="lt1"/>
+            </a:fontRef>
+          </p:style>
+          <p:txBody>
+            <a:bodyPr rtlCol="0" anchor="ctr"/>
+            <a:lstStyle/>
+            <a:p>
+              <a:pPr algn="ctr"/>
+              <a:endParaRPr lang="ko-KR" altLang="en-US">
+                <a:latin typeface="나눔고딕" panose="020B0600000101010101" charset="-127"/>
+                <a:ea typeface="나눔고딕" panose="020B0600000101010101" charset="-127"/>
+              </a:endParaRPr>
+            </a:p>
+          </p:txBody>
+        </p:sp>
+        <p:sp>
+          <p:nvSpPr>
+            <p:cNvPr id="12" name="자유형 23">
+              <a:extLst>
+                <a:ext uri="{FF2B5EF4-FFF2-40B4-BE49-F238E27FC236}">
+                  <a16:creationId xmlns:a16="http://schemas.microsoft.com/office/drawing/2014/main" id="{DE649775-2192-482A-A5DF-BDC5851113A1}"/>
+                </a:ext>
+              </a:extLst>
+            </p:cNvPr>
+            <p:cNvSpPr>
+              <a:spLocks noChangeArrowheads="1"/>
+            </p:cNvSpPr>
+            <p:nvPr/>
+          </p:nvSpPr>
+          <p:spPr bwMode="gray">
+            <a:xfrm>
+              <a:off x="5017101" y="646639"/>
+              <a:ext cx="1825543" cy="352174"/>
+            </a:xfrm>
+            <a:custGeom>
+              <a:avLst/>
+              <a:gdLst>
+                <a:gd name="connsiteX0" fmla="*/ 48729 w 1587995"/>
+                <a:gd name="connsiteY0" fmla="*/ 0 h 292361"/>
+                <a:gd name="connsiteX1" fmla="*/ 1539267 w 1587995"/>
+                <a:gd name="connsiteY1" fmla="*/ 0 h 292361"/>
+                <a:gd name="connsiteX2" fmla="*/ 1587995 w 1587995"/>
+                <a:gd name="connsiteY2" fmla="*/ 48728 h 292361"/>
+                <a:gd name="connsiteX3" fmla="*/ 1587995 w 1587995"/>
+                <a:gd name="connsiteY3" fmla="*/ 243633 h 292361"/>
+                <a:gd name="connsiteX4" fmla="*/ 1587994 w 1587995"/>
+                <a:gd name="connsiteY4" fmla="*/ 243636 h 292361"/>
+                <a:gd name="connsiteX5" fmla="*/ 1587994 w 1587995"/>
+                <a:gd name="connsiteY5" fmla="*/ 292361 h 292361"/>
+                <a:gd name="connsiteX6" fmla="*/ 1539267 w 1587995"/>
+                <a:gd name="connsiteY6" fmla="*/ 292361 h 292361"/>
+                <a:gd name="connsiteX7" fmla="*/ 48729 w 1587995"/>
+                <a:gd name="connsiteY7" fmla="*/ 292361 h 292361"/>
+                <a:gd name="connsiteX8" fmla="*/ 0 w 1587995"/>
+                <a:gd name="connsiteY8" fmla="*/ 292361 h 292361"/>
+                <a:gd name="connsiteX9" fmla="*/ 0 w 1587995"/>
+                <a:gd name="connsiteY9" fmla="*/ 152400 h 292361"/>
+                <a:gd name="connsiteX10" fmla="*/ 1 w 1587995"/>
+                <a:gd name="connsiteY10" fmla="*/ 152400 h 292361"/>
+                <a:gd name="connsiteX11" fmla="*/ 1 w 1587995"/>
+                <a:gd name="connsiteY11" fmla="*/ 48728 h 292361"/>
+                <a:gd name="connsiteX12" fmla="*/ 48729 w 1587995"/>
+                <a:gd name="connsiteY12" fmla="*/ 0 h 292361"/>
+              </a:gdLst>
+              <a:ahLst/>
+              <a:cxnLst>
+                <a:cxn ang="0">
+                  <a:pos x="connsiteX0" y="connsiteY0"/>
+                </a:cxn>
+                <a:cxn ang="0">
+                  <a:pos x="connsiteX1" y="connsiteY1"/>
+                </a:cxn>
+                <a:cxn ang="0">
+                  <a:pos x="connsiteX2" y="connsiteY2"/>
+                </a:cxn>
+                <a:cxn ang="0">
+                  <a:pos x="connsiteX3" y="connsiteY3"/>
+                </a:cxn>
+                <a:cxn ang="0">
+                  <a:pos x="connsiteX4" y="connsiteY4"/>
+                </a:cxn>
+                <a:cxn ang="0">
+                  <a:pos x="connsiteX5" y="connsiteY5"/>
+                </a:cxn>
+                <a:cxn ang="0">
+                  <a:pos x="connsiteX6" y="connsiteY6"/>
+                </a:cxn>
+                <a:cxn ang="0">
+                  <a:pos x="connsiteX7" y="connsiteY7"/>
+                </a:cxn>
+                <a:cxn ang="0">
+                  <a:pos x="connsiteX8" y="connsiteY8"/>
+                </a:cxn>
+                <a:cxn ang="0">
+                  <a:pos x="connsiteX9" y="connsiteY9"/>
+                </a:cxn>
+                <a:cxn ang="0">
+                  <a:pos x="connsiteX10" y="connsiteY10"/>
+                </a:cxn>
+                <a:cxn ang="0">
+                  <a:pos x="connsiteX11" y="connsiteY11"/>
+                </a:cxn>
+                <a:cxn ang="0">
+                  <a:pos x="connsiteX12" y="connsiteY12"/>
+                </a:cxn>
+              </a:cxnLst>
+              <a:rect l="l" t="t" r="r" b="b"/>
+              <a:pathLst>
+                <a:path w="1587995" h="292361">
+                  <a:moveTo>
+                    <a:pt x="48729" y="0"/>
+                  </a:moveTo>
+                  <a:lnTo>
+                    <a:pt x="1539267" y="0"/>
+                  </a:lnTo>
+                  <a:cubicBezTo>
+                    <a:pt x="1566179" y="0"/>
+                    <a:pt x="1587995" y="21816"/>
+                    <a:pt x="1587995" y="48728"/>
+                  </a:cubicBezTo>
+                  <a:lnTo>
+                    <a:pt x="1587995" y="243633"/>
+                  </a:lnTo>
+                  <a:lnTo>
+                    <a:pt x="1587994" y="243636"/>
+                  </a:lnTo>
+                  <a:lnTo>
+                    <a:pt x="1587994" y="292361"/>
+                  </a:lnTo>
+                  <a:lnTo>
+                    <a:pt x="1539267" y="292361"/>
+                  </a:lnTo>
+                  <a:lnTo>
+                    <a:pt x="48729" y="292361"/>
+                  </a:lnTo>
+                  <a:lnTo>
+                    <a:pt x="0" y="292361"/>
+                  </a:lnTo>
+                  <a:lnTo>
+                    <a:pt x="0" y="152400"/>
+                  </a:lnTo>
+                  <a:lnTo>
+                    <a:pt x="1" y="152400"/>
+                  </a:lnTo>
+                  <a:lnTo>
+                    <a:pt x="1" y="48728"/>
+                  </a:lnTo>
+                  <a:cubicBezTo>
+                    <a:pt x="1" y="21816"/>
+                    <a:pt x="21817" y="0"/>
+                    <a:pt x="48729" y="0"/>
+                  </a:cubicBezTo>
+                  <a:close/>
+                </a:path>
+              </a:pathLst>
+            </a:custGeom>
+            <a:solidFill>
+              <a:srgbClr val="002060"/>
+            </a:solidFill>
+            <a:ln w="9525" algn="ctr">
+              <a:solidFill>
+                <a:srgbClr val="002060"/>
+              </a:solidFill>
+              <a:miter lim="800000"/>
+              <a:headEnd/>
+              <a:tailEnd/>
+            </a:ln>
+            <a:effectLst>
+              <a:outerShdw blurRad="50800" dist="38100" dir="2700000" algn="tl" rotWithShape="0">
+                <a:prstClr val="black">
+                  <a:alpha val="40000"/>
+                </a:prstClr>
+              </a:outerShdw>
+            </a:effectLst>
+          </p:spPr>
+          <p:txBody>
+            <a:bodyPr wrap="square" lIns="72000" tIns="36000" rIns="72000" bIns="36000" anchor="ctr">
+              <a:noAutofit/>
+            </a:bodyPr>
+            <a:lstStyle/>
+            <a:p>
+              <a:pPr marR="0" lvl="0" algn="ctr" defTabSz="411163" eaLnBrk="0" fontAlgn="base" latinLnBrk="0" hangingPunct="0">
+                <a:spcBef>
+                  <a:spcPct val="0"/>
+                </a:spcBef>
+                <a:spcAft>
+                  <a:spcPct val="0"/>
+                </a:spcAft>
+                <a:buSzPct val="90000"/>
+                <a:tabLst>
+                  <a:tab pos="85725" algn="l"/>
+                </a:tabLst>
+                <a:defRPr/>
+              </a:pPr>
+              <a:r>
+                <a:rPr kumimoji="1" lang="en-US" altLang="ko-KR" sz="1200" b="1" i="0" u="none" strike="noStrike" kern="0" cap="none" spc="0" normalizeH="0" baseline="0" noProof="0" dirty="0">
+                  <a:ln>
+                    <a:noFill/>
+                  </a:ln>
+                  <a:solidFill>
+                    <a:schemeClr val="bg1"/>
+                  </a:solidFill>
+                  <a:effectLst/>
+                  <a:uLnTx/>
+                  <a:uFillTx/>
+                  <a:latin typeface="나눔고딕" panose="020B0600000101010101" charset="-127"/>
+                  <a:ea typeface="나눔고딕" panose="020B0600000101010101" charset="-127"/>
+                </a:rPr>
+                <a:t>NL JOIN with INDEX</a:t>
+              </a:r>
+            </a:p>
+          </p:txBody>
+        </p:sp>
+      </p:grpSp>
+      <p:sp>
+        <p:nvSpPr>
+          <p:cNvPr id="14" name="TextBox 13">
+            <a:extLst>
+              <a:ext uri="{FF2B5EF4-FFF2-40B4-BE49-F238E27FC236}">
+                <a16:creationId xmlns:a16="http://schemas.microsoft.com/office/drawing/2014/main" id="{86BD3D58-1B11-41D0-A96A-9288AD604DA5}"/>
+              </a:ext>
+            </a:extLst>
+          </p:cNvPr>
+          <p:cNvSpPr txBox="1"/>
+          <p:nvPr/>
+        </p:nvSpPr>
+        <p:spPr>
+          <a:xfrm>
+            <a:off x="172733" y="3989096"/>
+            <a:ext cx="9724137" cy="2154244"/>
+          </a:xfrm>
+          <a:prstGeom prst="rect">
+            <a:avLst/>
+          </a:prstGeom>
+          <a:noFill/>
+        </p:spPr>
+        <p:txBody>
+          <a:bodyPr wrap="none" rtlCol="0">
+            <a:spAutoFit/>
+          </a:bodyPr>
+          <a:lstStyle/>
+          <a:p>
+            <a:pPr marL="285750" indent="-285750">
+              <a:lnSpc>
+                <a:spcPct val="150000"/>
+              </a:lnSpc>
+              <a:buFont typeface="Arial" panose="020B0604020202020204" pitchFamily="34" charset="0"/>
+              <a:buChar char="•"/>
+            </a:pPr>
+            <a:r>
+              <a:rPr lang="ko-KR" altLang="en-US" sz="1300" dirty="0"/>
+              <a:t>선행테이블</a:t>
+            </a:r>
+            <a:r>
+              <a:rPr lang="en-US" altLang="ko-KR" sz="1300" dirty="0"/>
+              <a:t>(Outer Table) </a:t>
+            </a:r>
+            <a:r>
+              <a:rPr lang="ko-KR" altLang="en-US" sz="1300" dirty="0"/>
+              <a:t>결정 후</a:t>
+            </a:r>
+            <a:r>
+              <a:rPr lang="en-US" altLang="ko-KR" sz="1300" dirty="0"/>
+              <a:t>, </a:t>
+            </a:r>
+            <a:r>
+              <a:rPr lang="ko-KR" altLang="en-US" sz="1300" dirty="0"/>
+              <a:t>후행 테이블</a:t>
+            </a:r>
+            <a:r>
+              <a:rPr lang="en-US" altLang="ko-KR" sz="1300" dirty="0"/>
+              <a:t>(Inner Table)</a:t>
+            </a:r>
+            <a:r>
+              <a:rPr lang="ko-KR" altLang="en-US" sz="1300" dirty="0"/>
+              <a:t>에 반복적인 접근 실시</a:t>
+            </a:r>
+            <a:endParaRPr lang="en-US" altLang="ko-KR" sz="1300" dirty="0"/>
+          </a:p>
+          <a:p>
+            <a:pPr marL="285750" indent="-285750">
+              <a:lnSpc>
+                <a:spcPct val="150000"/>
+              </a:lnSpc>
+              <a:buFont typeface="Arial" panose="020B0604020202020204" pitchFamily="34" charset="0"/>
+              <a:buChar char="•"/>
+            </a:pPr>
+            <a:r>
+              <a:rPr lang="ko-KR" altLang="en-US" sz="1300" dirty="0"/>
+              <a:t>소량의 데이터를 조인 시 사용</a:t>
+            </a:r>
+            <a:endParaRPr lang="en-US" altLang="ko-KR" sz="1300" dirty="0"/>
+          </a:p>
+          <a:p>
+            <a:pPr marL="285750" indent="-285750">
+              <a:lnSpc>
+                <a:spcPct val="150000"/>
+              </a:lnSpc>
+              <a:buFont typeface="Arial" panose="020B0604020202020204" pitchFamily="34" charset="0"/>
+              <a:buChar char="•"/>
+            </a:pPr>
+            <a:r>
+              <a:rPr lang="ko-KR" altLang="en-US" sz="1300" dirty="0"/>
+              <a:t>많은 레코드를 가진 두 테이블을 조인 시</a:t>
+            </a:r>
+            <a:r>
+              <a:rPr lang="en-US" altLang="ko-KR" sz="1300" dirty="0"/>
+              <a:t> </a:t>
+            </a:r>
+            <a:r>
+              <a:rPr lang="ko-KR" altLang="en-US" sz="1300" dirty="0"/>
+              <a:t>다량의 디스크 </a:t>
+            </a:r>
+            <a:r>
+              <a:rPr lang="en-US" altLang="ko-KR" sz="1300" dirty="0"/>
+              <a:t>I/O</a:t>
+            </a:r>
+            <a:r>
+              <a:rPr lang="ko-KR" altLang="en-US" sz="1300" dirty="0"/>
+              <a:t>가 발생하기 때문에</a:t>
+            </a:r>
+            <a:r>
+              <a:rPr lang="en-US" altLang="ko-KR" sz="1300" dirty="0"/>
+              <a:t>, </a:t>
+            </a:r>
+            <a:r>
+              <a:rPr lang="ko-KR" altLang="en-US" sz="1300" dirty="0"/>
+              <a:t>조인 속도가 매우 느려질 수 있음</a:t>
+            </a:r>
+            <a:endParaRPr lang="en-US" altLang="ko-KR" sz="1300" dirty="0"/>
+          </a:p>
+          <a:p>
+            <a:pPr>
+              <a:lnSpc>
+                <a:spcPct val="150000"/>
+              </a:lnSpc>
+            </a:pPr>
+            <a:r>
+              <a:rPr lang="en-US" altLang="ko-KR" sz="1300" dirty="0"/>
+              <a:t>     (</a:t>
+            </a:r>
+            <a:r>
+              <a:rPr lang="ko-KR" altLang="en-US" sz="1300" dirty="0"/>
+              <a:t>모든 </a:t>
+            </a:r>
+            <a:r>
+              <a:rPr lang="en-US" altLang="ko-KR" sz="1300" dirty="0"/>
+              <a:t>DBMS</a:t>
+            </a:r>
+            <a:r>
+              <a:rPr lang="ko-KR" altLang="en-US" sz="1300" dirty="0"/>
+              <a:t>는 읽고자 하는 블록을 먼저 </a:t>
+            </a:r>
+            <a:r>
+              <a:rPr lang="en-US" altLang="ko-KR" sz="1300" dirty="0"/>
+              <a:t>‘</a:t>
+            </a:r>
+            <a:r>
+              <a:rPr lang="ko-KR" altLang="en-US" sz="1300" dirty="0"/>
+              <a:t>버퍼 캐시</a:t>
+            </a:r>
+            <a:r>
+              <a:rPr lang="en-US" altLang="ko-KR" sz="1300" dirty="0"/>
+              <a:t>’</a:t>
+            </a:r>
+            <a:r>
+              <a:rPr lang="ko-KR" altLang="en-US" sz="1300" dirty="0"/>
+              <a:t>에서 찾아보고</a:t>
+            </a:r>
+            <a:r>
+              <a:rPr lang="en-US" altLang="ko-KR" sz="1300" dirty="0"/>
+              <a:t>, </a:t>
+            </a:r>
+            <a:r>
+              <a:rPr lang="ko-KR" altLang="en-US" sz="1300" dirty="0"/>
+              <a:t>해당 블록이 버퍼 캐시에 없을 경우에만 디스크에서 읽어</a:t>
+            </a:r>
+            <a:endParaRPr lang="en-US" altLang="ko-KR" sz="1300" dirty="0"/>
+          </a:p>
+          <a:p>
+            <a:pPr>
+              <a:lnSpc>
+                <a:spcPct val="150000"/>
+              </a:lnSpc>
+            </a:pPr>
+            <a:r>
+              <a:rPr lang="en-US" altLang="ko-KR" sz="1300" dirty="0"/>
+              <a:t>      </a:t>
+            </a:r>
+            <a:r>
+              <a:rPr lang="ko-KR" altLang="en-US" sz="1300" dirty="0"/>
+              <a:t>버퍼 캐시에 적재한 후 </a:t>
+            </a:r>
+            <a:r>
+              <a:rPr lang="en-US" altLang="ko-KR" sz="1300" dirty="0"/>
+              <a:t>‘</a:t>
+            </a:r>
+            <a:r>
+              <a:rPr lang="ko-KR" altLang="en-US" sz="1300" dirty="0"/>
+              <a:t>읽기</a:t>
+            </a:r>
+            <a:r>
+              <a:rPr lang="en-US" altLang="ko-KR" sz="1300" dirty="0"/>
+              <a:t>/</a:t>
+            </a:r>
+            <a:r>
+              <a:rPr lang="ko-KR" altLang="en-US" sz="1300" dirty="0"/>
+              <a:t>쓰기</a:t>
+            </a:r>
+            <a:r>
+              <a:rPr lang="en-US" altLang="ko-KR" sz="1300" dirty="0"/>
+              <a:t>’ </a:t>
+            </a:r>
+            <a:r>
+              <a:rPr lang="ko-KR" altLang="en-US" sz="1300" dirty="0"/>
+              <a:t>작업을 수행</a:t>
+            </a:r>
+            <a:r>
+              <a:rPr lang="en-US" altLang="ko-KR" sz="1300" dirty="0"/>
+              <a:t>)</a:t>
+            </a:r>
+          </a:p>
+          <a:p>
+            <a:pPr marL="285750" indent="-285750">
+              <a:lnSpc>
+                <a:spcPct val="150000"/>
+              </a:lnSpc>
+              <a:buFont typeface="Arial" panose="020B0604020202020204" pitchFamily="34" charset="0"/>
+              <a:buChar char="•"/>
+            </a:pPr>
+            <a:r>
+              <a:rPr lang="ko-KR" altLang="en-US" sz="1300" b="1" dirty="0">
+                <a:solidFill>
+                  <a:srgbClr val="FF0000"/>
+                </a:solidFill>
+              </a:rPr>
+              <a:t>적은 레코드를 가진 결과를 </a:t>
+            </a:r>
+            <a:r>
+              <a:rPr lang="en-US" altLang="ko-KR" sz="1300" b="1" dirty="0">
+                <a:solidFill>
+                  <a:srgbClr val="FF0000"/>
+                </a:solidFill>
+              </a:rPr>
+              <a:t>Outer Table</a:t>
+            </a:r>
+            <a:r>
+              <a:rPr lang="ko-KR" altLang="en-US" sz="1300" b="1" dirty="0">
+                <a:solidFill>
+                  <a:srgbClr val="FF0000"/>
+                </a:solidFill>
+              </a:rPr>
+              <a:t>로 선정해야 함</a:t>
+            </a:r>
+            <a:endParaRPr lang="en-US" altLang="ko-KR" sz="1300" b="1" dirty="0">
+              <a:solidFill>
+                <a:srgbClr val="FF0000"/>
+              </a:solidFill>
+            </a:endParaRPr>
+          </a:p>
+          <a:p>
+            <a:pPr marL="285750" indent="-285750">
+              <a:lnSpc>
+                <a:spcPct val="150000"/>
+              </a:lnSpc>
+              <a:buFont typeface="Arial" panose="020B0604020202020204" pitchFamily="34" charset="0"/>
+              <a:buChar char="•"/>
+            </a:pPr>
+            <a:r>
+              <a:rPr lang="en-US" altLang="ko-KR" sz="1300" b="1" dirty="0">
+                <a:solidFill>
+                  <a:srgbClr val="FF0000"/>
+                </a:solidFill>
+              </a:rPr>
+              <a:t>Outer Table</a:t>
+            </a:r>
+            <a:r>
+              <a:rPr lang="ko-KR" altLang="en-US" sz="1300" b="1" dirty="0">
+                <a:solidFill>
+                  <a:srgbClr val="FF0000"/>
+                </a:solidFill>
+              </a:rPr>
+              <a:t>를 </a:t>
+            </a:r>
+            <a:r>
+              <a:rPr lang="en-US" altLang="ko-KR" sz="1300" b="1" dirty="0">
+                <a:solidFill>
+                  <a:srgbClr val="FF0000"/>
+                </a:solidFill>
+              </a:rPr>
+              <a:t>Inner Table</a:t>
+            </a:r>
+            <a:r>
+              <a:rPr lang="ko-KR" altLang="en-US" sz="1300" b="1" dirty="0">
+                <a:solidFill>
+                  <a:srgbClr val="FF0000"/>
+                </a:solidFill>
+              </a:rPr>
+              <a:t> 테이블과 조회 시</a:t>
+            </a:r>
+            <a:r>
+              <a:rPr lang="en-US" altLang="ko-KR" sz="1300" b="1" dirty="0">
+                <a:solidFill>
+                  <a:srgbClr val="FF0000"/>
+                </a:solidFill>
+              </a:rPr>
+              <a:t> INDEX SCAN</a:t>
+            </a:r>
+            <a:r>
+              <a:rPr lang="ko-KR" altLang="en-US" sz="1300" b="1" dirty="0">
+                <a:solidFill>
+                  <a:srgbClr val="FF0000"/>
+                </a:solidFill>
+              </a:rPr>
+              <a:t>이 발생하면</a:t>
+            </a:r>
+            <a:r>
+              <a:rPr lang="en-US" altLang="ko-KR" sz="1300" b="1" dirty="0">
+                <a:solidFill>
+                  <a:srgbClr val="FF0000"/>
+                </a:solidFill>
+              </a:rPr>
+              <a:t>, </a:t>
+            </a:r>
+            <a:r>
+              <a:rPr lang="ko-KR" altLang="en-US" sz="1300" b="1" dirty="0">
+                <a:solidFill>
+                  <a:srgbClr val="FF0000"/>
+                </a:solidFill>
+              </a:rPr>
+              <a:t>조인 속도가 향상됨</a:t>
+            </a:r>
+            <a:endParaRPr lang="en-US" altLang="ko-KR" sz="1300" b="1" dirty="0"/>
+          </a:p>
+        </p:txBody>
+      </p:sp>
+    </p:spTree>
+    <p:extLst>
+      <p:ext uri="{BB962C8B-B14F-4D97-AF65-F5344CB8AC3E}">
+        <p14:creationId xmlns:p14="http://schemas.microsoft.com/office/powerpoint/2010/main" val="2622285529"/>
+      </p:ext>
+    </p:extLst>
+  </p:cSld>
+  <p:clrMapOvr>
+    <a:masterClrMapping/>
+  </p:clrMapOvr>
+</p:sld>
+</file>
+
+<file path=ppt/slides/slide41.xml><?xml version="1.0" encoding="utf-8"?>
+<p:sld xmlns:a="http://schemas.openxmlformats.org/drawingml/2006/main" xmlns:r="http://schemas.openxmlformats.org/officeDocument/2006/relationships" xmlns:p="http://schemas.openxmlformats.org/presentationml/2006/main">
+  <p:cSld>
+    <p:spTree>
+      <p:nvGrpSpPr>
+        <p:cNvPr id="1" name=""/>
+        <p:cNvGrpSpPr/>
+        <p:nvPr/>
+      </p:nvGrpSpPr>
+      <p:grpSpPr>
+        <a:xfrm>
+          <a:off x="0" y="0"/>
+          <a:ext cx="0" cy="0"/>
+          <a:chOff x="0" y="0"/>
+          <a:chExt cx="0" cy="0"/>
+        </a:xfrm>
+      </p:grpSpPr>
+      <p:sp>
+        <p:nvSpPr>
+          <p:cNvPr id="2" name="제목 1">
+            <a:extLst>
+              <a:ext uri="{FF2B5EF4-FFF2-40B4-BE49-F238E27FC236}">
+                <a16:creationId xmlns:a16="http://schemas.microsoft.com/office/drawing/2014/main" id="{F35C43C8-4428-4D97-87C2-6ACA5057AB6C}"/>
+              </a:ext>
+            </a:extLst>
+          </p:cNvPr>
+          <p:cNvSpPr>
+            <a:spLocks noGrp="1"/>
+          </p:cNvSpPr>
+          <p:nvPr>
+            <p:ph type="title"/>
+          </p:nvPr>
+        </p:nvSpPr>
+        <p:spPr/>
+        <p:txBody>
+          <a:bodyPr/>
+          <a:lstStyle/>
+          <a:p>
+            <a:r>
+              <a:rPr lang="en-US" altLang="ko-KR" dirty="0">
+                <a:latin typeface="나눔고딕" panose="020B0600000101010101" charset="-127"/>
+                <a:ea typeface="나눔고딕" panose="020B0600000101010101" charset="-127"/>
+              </a:rPr>
+              <a:t>11. NESTED LOOPS JOIN</a:t>
+            </a:r>
+            <a:endParaRPr lang="ko-KR" altLang="en-US" dirty="0">
+              <a:latin typeface="나눔고딕" panose="020B0600000101010101" charset="-127"/>
+              <a:ea typeface="나눔고딕" panose="020B0600000101010101" charset="-127"/>
+            </a:endParaRPr>
+          </a:p>
+        </p:txBody>
+      </p:sp>
+      <p:sp>
+        <p:nvSpPr>
+          <p:cNvPr id="47" name="텍스트 개체 틀 3">
+            <a:extLst>
+              <a:ext uri="{FF2B5EF4-FFF2-40B4-BE49-F238E27FC236}">
+                <a16:creationId xmlns:a16="http://schemas.microsoft.com/office/drawing/2014/main" id="{BD6E26C7-2547-444C-8643-2B2EEE99F2F4}"/>
+              </a:ext>
+            </a:extLst>
+          </p:cNvPr>
+          <p:cNvSpPr>
+            <a:spLocks noGrp="1"/>
+          </p:cNvSpPr>
+          <p:nvPr>
+            <p:ph type="body" sz="quarter" idx="13"/>
+          </p:nvPr>
+        </p:nvSpPr>
+        <p:spPr>
+          <a:xfrm>
+            <a:off x="6747393" y="62621"/>
+            <a:ext cx="2822735" cy="390525"/>
+          </a:xfrm>
+        </p:spPr>
+        <p:txBody>
+          <a:bodyPr/>
+          <a:lstStyle/>
+          <a:p>
+            <a:r>
+              <a:rPr lang="en-US" altLang="ko-KR" dirty="0">
+                <a:latin typeface="나눔고딕" panose="020D0604000000000000" pitchFamily="50" charset="-127"/>
+                <a:ea typeface="나눔고딕" panose="020D0604000000000000" pitchFamily="50" charset="-127"/>
+              </a:rPr>
+              <a:t>Ⅱ. </a:t>
+            </a:r>
+            <a:r>
+              <a:rPr lang="ko-KR" altLang="en-US" dirty="0">
+                <a:latin typeface="나눔고딕" panose="020D0604000000000000" pitchFamily="50" charset="-127"/>
+                <a:ea typeface="나눔고딕" panose="020D0604000000000000" pitchFamily="50" charset="-127"/>
+              </a:rPr>
+              <a:t>실행계획</a:t>
+            </a:r>
+          </a:p>
+        </p:txBody>
+      </p:sp>
+      <p:sp>
+        <p:nvSpPr>
+          <p:cNvPr id="8" name="슬라이드 번호 개체 틀 2">
+            <a:extLst>
+              <a:ext uri="{FF2B5EF4-FFF2-40B4-BE49-F238E27FC236}">
+                <a16:creationId xmlns:a16="http://schemas.microsoft.com/office/drawing/2014/main" id="{04551D9F-A373-412B-9564-CCFAEDE5BC72}"/>
+              </a:ext>
+            </a:extLst>
+          </p:cNvPr>
+          <p:cNvSpPr>
+            <a:spLocks noGrp="1"/>
+          </p:cNvSpPr>
+          <p:nvPr>
+            <p:ph type="sldNum" sz="quarter" idx="12"/>
+          </p:nvPr>
+        </p:nvSpPr>
+        <p:spPr>
+          <a:xfrm>
+            <a:off x="4439346" y="6528442"/>
+            <a:ext cx="1029301" cy="276999"/>
+          </a:xfrm>
+        </p:spPr>
+        <p:txBody>
+          <a:bodyPr>
+            <a:normAutofit fontScale="92500"/>
+          </a:bodyPr>
+          <a:lstStyle/>
+          <a:p>
+            <a:fld id="{EBB166B3-33A6-45CA-B81B-F13BE7654232}" type="slidenum">
+              <a:rPr lang="ko-KR" altLang="en-US" smtClean="0">
+                <a:latin typeface="나눔고딕" panose="020B0600000101010101" charset="-127"/>
+                <a:ea typeface="나눔고딕" panose="020B0600000101010101" charset="-127"/>
+              </a:rPr>
+              <a:t>40</a:t>
+            </a:fld>
+            <a:endParaRPr lang="ko-KR" altLang="en-US" dirty="0">
+              <a:latin typeface="나눔고딕" panose="020B0600000101010101" charset="-127"/>
+              <a:ea typeface="나눔고딕" panose="020B0600000101010101" charset="-127"/>
+            </a:endParaRPr>
+          </a:p>
+        </p:txBody>
+      </p:sp>
+      <p:grpSp>
+        <p:nvGrpSpPr>
           <p:cNvPr id="16" name="그룹 15">
             <a:extLst>
               <a:ext uri="{FF2B5EF4-FFF2-40B4-BE49-F238E27FC236}">
@@ -29438,10 +30231,10 @@
         </p:nvGrpSpPr>
         <p:grpSpPr>
           <a:xfrm>
-            <a:off x="965663" y="2050182"/>
-            <a:ext cx="7974673" cy="2757636"/>
-            <a:chOff x="355595" y="1294247"/>
-            <a:chExt cx="7756559" cy="2607954"/>
+            <a:off x="372609" y="1032265"/>
+            <a:ext cx="7966048" cy="2757636"/>
+            <a:chOff x="363984" y="1294247"/>
+            <a:chExt cx="7748170" cy="2607954"/>
           </a:xfrm>
         </p:grpSpPr>
         <p:pic>
@@ -29570,7 +30363,7 @@
           </p:nvSpPr>
           <p:spPr bwMode="gray">
             <a:xfrm>
-              <a:off x="355595" y="1294247"/>
+              <a:off x="363985" y="1294247"/>
               <a:ext cx="1825543" cy="352174"/>
             </a:xfrm>
             <a:custGeom>
@@ -29766,7 +30559,7 @@
 </p:sld>
 </file>
 
-<file path=ppt/slides/slide41.xml><?xml version="1.0" encoding="utf-8"?>
+<file path=ppt/slides/slide42.xml><?xml version="1.0" encoding="utf-8"?>
 <p:sld xmlns:a="http://schemas.openxmlformats.org/drawingml/2006/main" xmlns:r="http://schemas.openxmlformats.org/officeDocument/2006/relationships" xmlns:p="http://schemas.openxmlformats.org/presentationml/2006/main">
   <p:cSld>
     <p:spTree>
@@ -29894,7 +30687,7 @@
                 <a:latin typeface="나눔고딕" panose="020B0600000101010101" charset="-127"/>
                 <a:ea typeface="나눔고딕" panose="020B0600000101010101" charset="-127"/>
               </a:rPr>
-              <a:t>40</a:t>
+              <a:t>41</a:t>
             </a:fld>
             <a:endParaRPr lang="ko-KR" altLang="en-US" dirty="0">
               <a:latin typeface="나눔고딕" panose="020B0600000101010101" charset="-127"/>
@@ -30401,7 +31194,7 @@
 </p:sld>
 </file>
 
-<file path=ppt/slides/slide42.xml><?xml version="1.0" encoding="utf-8"?>
+<file path=ppt/slides/slide43.xml><?xml version="1.0" encoding="utf-8"?>
 <p:sld xmlns:a="http://schemas.openxmlformats.org/drawingml/2006/main" xmlns:r="http://schemas.openxmlformats.org/officeDocument/2006/relationships" xmlns:p="http://schemas.openxmlformats.org/presentationml/2006/main">
   <p:cSld>
     <p:spTree>
@@ -30529,7 +31322,7 @@
                 <a:latin typeface="나눔고딕" panose="020B0600000101010101" charset="-127"/>
                 <a:ea typeface="나눔고딕" panose="020B0600000101010101" charset="-127"/>
               </a:rPr>
-              <a:t>41</a:t>
+              <a:t>42</a:t>
             </a:fld>
             <a:endParaRPr lang="ko-KR" altLang="en-US" dirty="0">
               <a:latin typeface="나눔고딕" panose="020B0600000101010101" charset="-127"/>
@@ -30552,10 +31345,10 @@
         </p:nvGrpSpPr>
         <p:grpSpPr>
           <a:xfrm>
-            <a:off x="363984" y="864868"/>
-            <a:ext cx="6947894" cy="2698355"/>
-            <a:chOff x="233082" y="730645"/>
-            <a:chExt cx="6947894" cy="2698355"/>
+            <a:off x="372373" y="873494"/>
+            <a:ext cx="6939505" cy="2689729"/>
+            <a:chOff x="241471" y="739271"/>
+            <a:chExt cx="6939505" cy="2689729"/>
           </a:xfrm>
         </p:grpSpPr>
         <p:pic>
@@ -30671,7 +31464,7 @@
           </p:nvSpPr>
           <p:spPr bwMode="gray">
             <a:xfrm>
-              <a:off x="233082" y="730645"/>
+              <a:off x="241708" y="739271"/>
               <a:ext cx="2099434" cy="373775"/>
             </a:xfrm>
             <a:custGeom>
@@ -31084,7 +31877,7 @@
 </p:sld>
 </file>
 
-<file path=ppt/slides/slide43.xml><?xml version="1.0" encoding="utf-8"?>
+<file path=ppt/slides/slide44.xml><?xml version="1.0" encoding="utf-8"?>
 <p:sld xmlns:a="http://schemas.openxmlformats.org/drawingml/2006/main" xmlns:r="http://schemas.openxmlformats.org/officeDocument/2006/relationships" xmlns:p="http://schemas.openxmlformats.org/presentationml/2006/main">
   <p:cSld>
     <p:spTree>
@@ -31212,7 +32005,7 @@
                 <a:latin typeface="나눔고딕" panose="020B0600000101010101" charset="-127"/>
                 <a:ea typeface="나눔고딕" panose="020B0600000101010101" charset="-127"/>
               </a:rPr>
-              <a:t>42</a:t>
+              <a:t>43</a:t>
             </a:fld>
             <a:endParaRPr lang="ko-KR" altLang="en-US" dirty="0">
               <a:latin typeface="나눔고딕" panose="020B0600000101010101" charset="-127"/>
@@ -31235,10 +32028,10 @@
         </p:nvGrpSpPr>
         <p:grpSpPr>
           <a:xfrm>
-            <a:off x="898551" y="1428626"/>
-            <a:ext cx="8108897" cy="4000747"/>
-            <a:chOff x="363984" y="864868"/>
-            <a:chExt cx="8108897" cy="4000747"/>
+            <a:off x="363984" y="1049063"/>
+            <a:ext cx="8100508" cy="3992121"/>
+            <a:chOff x="372373" y="873494"/>
+            <a:chExt cx="8100508" cy="3992121"/>
           </a:xfrm>
         </p:grpSpPr>
         <p:sp>
@@ -31307,7 +32100,7 @@
           </p:nvSpPr>
           <p:spPr bwMode="gray">
             <a:xfrm>
-              <a:off x="363984" y="864868"/>
+              <a:off x="372610" y="873494"/>
               <a:ext cx="2099434" cy="373775"/>
             </a:xfrm>
             <a:custGeom>
@@ -31570,7 +32363,7 @@
 </p:sld>
 </file>
 
-<file path=ppt/slides/slide44.xml><?xml version="1.0" encoding="utf-8"?>
+<file path=ppt/slides/slide45.xml><?xml version="1.0" encoding="utf-8"?>
 <p:sld xmlns:a="http://schemas.openxmlformats.org/drawingml/2006/main" xmlns:r="http://schemas.openxmlformats.org/officeDocument/2006/relationships" xmlns:p="http://schemas.openxmlformats.org/presentationml/2006/main">
   <p:cSld>
     <p:spTree>
@@ -31698,7 +32491,7 @@
                 <a:latin typeface="나눔고딕" panose="020B0600000101010101" charset="-127"/>
                 <a:ea typeface="나눔고딕" panose="020B0600000101010101" charset="-127"/>
               </a:rPr>
-              <a:t>43</a:t>
+              <a:t>44</a:t>
             </a:fld>
             <a:endParaRPr lang="ko-KR" altLang="en-US" dirty="0">
               <a:latin typeface="나눔고딕" panose="020B0600000101010101" charset="-127"/>
@@ -31721,10 +32514,10 @@
         </p:nvGrpSpPr>
         <p:grpSpPr>
           <a:xfrm>
-            <a:off x="363984" y="789367"/>
-            <a:ext cx="7462944" cy="3723910"/>
-            <a:chOff x="363984" y="864868"/>
-            <a:chExt cx="7462944" cy="3723910"/>
+            <a:off x="372373" y="797993"/>
+            <a:ext cx="7454555" cy="3715284"/>
+            <a:chOff x="372373" y="873494"/>
+            <a:chExt cx="7454555" cy="3715284"/>
           </a:xfrm>
         </p:grpSpPr>
         <p:sp>
@@ -31793,7 +32586,7 @@
           </p:nvSpPr>
           <p:spPr bwMode="gray">
             <a:xfrm>
-              <a:off x="363984" y="864868"/>
+              <a:off x="372610" y="873494"/>
               <a:ext cx="2099434" cy="373775"/>
             </a:xfrm>
             <a:custGeom>
@@ -32252,7 +33045,7 @@
 </p:sld>
 </file>
 
-<file path=ppt/slides/slide45.xml><?xml version="1.0" encoding="utf-8"?>
+<file path=ppt/slides/slide46.xml><?xml version="1.0" encoding="utf-8"?>
 <p:sld xmlns:a="http://schemas.openxmlformats.org/drawingml/2006/main" xmlns:r="http://schemas.openxmlformats.org/officeDocument/2006/relationships" xmlns:p="http://schemas.openxmlformats.org/presentationml/2006/main">
   <p:cSld>
     <p:spTree>
@@ -32380,7 +33173,7 @@
                 <a:latin typeface="나눔고딕" panose="020B0600000101010101" charset="-127"/>
                 <a:ea typeface="나눔고딕" panose="020B0600000101010101" charset="-127"/>
               </a:rPr>
-              <a:t>44</a:t>
+              <a:t>45</a:t>
             </a:fld>
             <a:endParaRPr lang="ko-KR" altLang="en-US" dirty="0">
               <a:latin typeface="나눔고딕" panose="020B0600000101010101" charset="-127"/>
@@ -32403,10 +33196,10 @@
         </p:nvGrpSpPr>
         <p:grpSpPr>
           <a:xfrm>
-            <a:off x="1083109" y="1141705"/>
-            <a:ext cx="7739781" cy="2809510"/>
-            <a:chOff x="363984" y="789367"/>
-            <a:chExt cx="7739781" cy="2809510"/>
+            <a:off x="372373" y="977802"/>
+            <a:ext cx="7731392" cy="2800884"/>
+            <a:chOff x="372373" y="797993"/>
+            <a:chExt cx="7731392" cy="2800884"/>
           </a:xfrm>
         </p:grpSpPr>
         <p:sp>
@@ -32475,7 +33268,7 @@
           </p:nvSpPr>
           <p:spPr bwMode="gray">
             <a:xfrm>
-              <a:off x="363984" y="789367"/>
+              <a:off x="372610" y="797993"/>
               <a:ext cx="2099434" cy="373775"/>
             </a:xfrm>
             <a:custGeom>
@@ -32739,7 +33532,7 @@
         </p:nvSpPr>
         <p:spPr>
           <a:xfrm>
-            <a:off x="1091498" y="4223427"/>
+            <a:off x="372373" y="4050898"/>
             <a:ext cx="5896999" cy="653833"/>
           </a:xfrm>
           <a:prstGeom prst="rect">

--- a/SQL_seminar/SQL중상급활용_CH2.pptx
+++ b/SQL_seminar/SQL중상급활용_CH2.pptx
@@ -5,7 +5,7 @@
     <p:sldMasterId id="2147483660" r:id="rId1"/>
   </p:sldMasterIdLst>
   <p:notesMasterIdLst>
-    <p:notesMasterId r:id="rId48"/>
+    <p:notesMasterId r:id="rId50"/>
   </p:notesMasterIdLst>
   <p:sldIdLst>
     <p:sldId id="256" r:id="rId2"/>
@@ -40,20 +40,22 @@
     <p:sldId id="334" r:id="rId31"/>
     <p:sldId id="331" r:id="rId32"/>
     <p:sldId id="335" r:id="rId33"/>
-    <p:sldId id="337" r:id="rId34"/>
-    <p:sldId id="348" r:id="rId35"/>
-    <p:sldId id="332" r:id="rId36"/>
-    <p:sldId id="339" r:id="rId37"/>
-    <p:sldId id="340" r:id="rId38"/>
-    <p:sldId id="341" r:id="rId39"/>
-    <p:sldId id="329" r:id="rId40"/>
-    <p:sldId id="338" r:id="rId41"/>
-    <p:sldId id="343" r:id="rId42"/>
-    <p:sldId id="347" r:id="rId43"/>
-    <p:sldId id="342" r:id="rId44"/>
-    <p:sldId id="344" r:id="rId45"/>
-    <p:sldId id="345" r:id="rId46"/>
-    <p:sldId id="346" r:id="rId47"/>
+    <p:sldId id="349" r:id="rId34"/>
+    <p:sldId id="337" r:id="rId35"/>
+    <p:sldId id="348" r:id="rId36"/>
+    <p:sldId id="332" r:id="rId37"/>
+    <p:sldId id="339" r:id="rId38"/>
+    <p:sldId id="340" r:id="rId39"/>
+    <p:sldId id="341" r:id="rId40"/>
+    <p:sldId id="329" r:id="rId41"/>
+    <p:sldId id="338" r:id="rId42"/>
+    <p:sldId id="343" r:id="rId43"/>
+    <p:sldId id="347" r:id="rId44"/>
+    <p:sldId id="350" r:id="rId45"/>
+    <p:sldId id="342" r:id="rId46"/>
+    <p:sldId id="344" r:id="rId47"/>
+    <p:sldId id="345" r:id="rId48"/>
+    <p:sldId id="346" r:id="rId49"/>
   </p:sldIdLst>
   <p:sldSz cx="9906000" cy="6858000" type="A4"/>
   <p:notesSz cx="6797675" cy="9926638"/>
@@ -189,6 +191,7 @@
             <p14:sldId id="334"/>
             <p14:sldId id="331"/>
             <p14:sldId id="335"/>
+            <p14:sldId id="349"/>
             <p14:sldId id="337"/>
             <p14:sldId id="348"/>
             <p14:sldId id="332"/>
@@ -199,6 +202,7 @@
             <p14:sldId id="338"/>
             <p14:sldId id="343"/>
             <p14:sldId id="347"/>
+            <p14:sldId id="350"/>
             <p14:sldId id="342"/>
             <p14:sldId id="344"/>
             <p14:sldId id="345"/>
@@ -327,7 +331,7 @@
           <a:p>
             <a:fld id="{D8A39DB1-8325-48EE-BEF6-3041915F6829}" type="datetimeFigureOut">
               <a:rPr lang="ko-KR" altLang="en-US" smtClean="0"/>
-              <a:t>2021-10-19</a:t>
+              <a:t>2021-10-21</a:t>
             </a:fld>
             <a:endParaRPr lang="ko-KR" altLang="en-US"/>
           </a:p>
@@ -7339,54 +7343,6 @@
       </p:grpSp>
       <p:sp>
         <p:nvSpPr>
-          <p:cNvPr id="18" name="원호 17">
-            <a:extLst>
-              <a:ext uri="{FF2B5EF4-FFF2-40B4-BE49-F238E27FC236}">
-                <a16:creationId xmlns:a16="http://schemas.microsoft.com/office/drawing/2014/main" id="{17C3D1B0-38F0-408A-B56E-72E75252FBC3}"/>
-              </a:ext>
-            </a:extLst>
-          </p:cNvPr>
-          <p:cNvSpPr/>
-          <p:nvPr/>
-        </p:nvSpPr>
-        <p:spPr>
-          <a:xfrm rot="19523944">
-            <a:off x="4114631" y="1314253"/>
-            <a:ext cx="766877" cy="784042"/>
-          </a:xfrm>
-          <a:prstGeom prst="arc">
-            <a:avLst/>
-          </a:prstGeom>
-          <a:ln>
-            <a:headEnd type="none"/>
-            <a:tailEnd type="triangle"/>
-          </a:ln>
-        </p:spPr>
-        <p:style>
-          <a:lnRef idx="1">
-            <a:schemeClr val="accent1"/>
-          </a:lnRef>
-          <a:fillRef idx="0">
-            <a:schemeClr val="accent1"/>
-          </a:fillRef>
-          <a:effectRef idx="0">
-            <a:schemeClr val="accent1"/>
-          </a:effectRef>
-          <a:fontRef idx="minor">
-            <a:schemeClr val="tx1"/>
-          </a:fontRef>
-        </p:style>
-        <p:txBody>
-          <a:bodyPr rtlCol="0" anchor="ctr"/>
-          <a:lstStyle/>
-          <a:p>
-            <a:pPr algn="ctr"/>
-            <a:endParaRPr lang="ko-KR" altLang="en-US"/>
-          </a:p>
-        </p:txBody>
-      </p:sp>
-      <p:sp>
-        <p:nvSpPr>
           <p:cNvPr id="19" name="TextBox 18">
             <a:extLst>
               <a:ext uri="{FF2B5EF4-FFF2-40B4-BE49-F238E27FC236}">
@@ -7399,7 +7355,7 @@
         </p:nvSpPr>
         <p:spPr>
           <a:xfrm>
-            <a:off x="4393524" y="1570272"/>
+            <a:off x="4322483" y="970711"/>
             <a:ext cx="5257465" cy="2454326"/>
           </a:xfrm>
           <a:prstGeom prst="rect">
@@ -9803,10 +9759,10 @@
       </p:sp>
       <p:grpSp>
         <p:nvGrpSpPr>
-          <p:cNvPr id="10" name="그룹 9">
+          <p:cNvPr id="4" name="그룹 3">
             <a:extLst>
               <a:ext uri="{FF2B5EF4-FFF2-40B4-BE49-F238E27FC236}">
-                <a16:creationId xmlns:a16="http://schemas.microsoft.com/office/drawing/2014/main" id="{5389A32A-5087-484E-8109-667F1C356645}"/>
+                <a16:creationId xmlns:a16="http://schemas.microsoft.com/office/drawing/2014/main" id="{2AD93030-2757-4259-B9CD-251A7C90D247}"/>
               </a:ext>
             </a:extLst>
           </p:cNvPr>
@@ -9815,527 +9771,548 @@
         </p:nvGrpSpPr>
         <p:grpSpPr>
           <a:xfrm>
-            <a:off x="1586534" y="1481388"/>
-            <a:ext cx="6850377" cy="3895223"/>
-            <a:chOff x="481601" y="811001"/>
-            <a:chExt cx="5716158" cy="3398088"/>
+            <a:off x="363984" y="783452"/>
+            <a:ext cx="6850377" cy="4232433"/>
+            <a:chOff x="1586534" y="1144178"/>
+            <a:chExt cx="6850377" cy="4232433"/>
           </a:xfrm>
         </p:grpSpPr>
-        <p:pic>
-          <p:nvPicPr>
-            <p:cNvPr id="6" name="그림 5">
+        <p:grpSp>
+          <p:nvGrpSpPr>
+            <p:cNvPr id="10" name="그룹 9">
               <a:extLst>
                 <a:ext uri="{FF2B5EF4-FFF2-40B4-BE49-F238E27FC236}">
-                  <a16:creationId xmlns:a16="http://schemas.microsoft.com/office/drawing/2014/main" id="{E6465D9E-1A1C-42BE-B253-BBD314B1FA0D}"/>
+                  <a16:creationId xmlns:a16="http://schemas.microsoft.com/office/drawing/2014/main" id="{5389A32A-5087-484E-8109-667F1C356645}"/>
                 </a:ext>
               </a:extLst>
             </p:cNvPr>
-            <p:cNvPicPr>
-              <a:picLocks noChangeAspect="1"/>
-            </p:cNvPicPr>
+            <p:cNvGrpSpPr/>
             <p:nvPr/>
-          </p:nvPicPr>
-          <p:blipFill>
-            <a:blip r:embed="rId2"/>
-            <a:stretch>
-              <a:fillRect/>
-            </a:stretch>
-          </p:blipFill>
-          <p:spPr>
+          </p:nvGrpSpPr>
+          <p:grpSpPr>
             <a:xfrm>
-              <a:off x="587534" y="1291861"/>
-              <a:ext cx="5610225" cy="1724025"/>
+              <a:off x="1586534" y="1481388"/>
+              <a:ext cx="6850377" cy="3895223"/>
+              <a:chOff x="481601" y="811001"/>
+              <a:chExt cx="5716158" cy="3398088"/>
             </a:xfrm>
-            <a:prstGeom prst="rect">
-              <a:avLst/>
-            </a:prstGeom>
-          </p:spPr>
-        </p:pic>
-        <p:pic>
-          <p:nvPicPr>
-            <p:cNvPr id="9" name="그림 8">
+          </p:grpSpPr>
+          <p:pic>
+            <p:nvPicPr>
+              <p:cNvPr id="6" name="그림 5">
+                <a:extLst>
+                  <a:ext uri="{FF2B5EF4-FFF2-40B4-BE49-F238E27FC236}">
+                    <a16:creationId xmlns:a16="http://schemas.microsoft.com/office/drawing/2014/main" id="{E6465D9E-1A1C-42BE-B253-BBD314B1FA0D}"/>
+                  </a:ext>
+                </a:extLst>
+              </p:cNvPr>
+              <p:cNvPicPr>
+                <a:picLocks noChangeAspect="1"/>
+              </p:cNvPicPr>
+              <p:nvPr/>
+            </p:nvPicPr>
+            <p:blipFill>
+              <a:blip r:embed="rId2"/>
+              <a:stretch>
+                <a:fillRect/>
+              </a:stretch>
+            </p:blipFill>
+            <p:spPr>
+              <a:xfrm>
+                <a:off x="587534" y="1291861"/>
+                <a:ext cx="5610225" cy="1724025"/>
+              </a:xfrm>
+              <a:prstGeom prst="rect">
+                <a:avLst/>
+              </a:prstGeom>
+            </p:spPr>
+          </p:pic>
+          <p:pic>
+            <p:nvPicPr>
+              <p:cNvPr id="9" name="그림 8">
+                <a:extLst>
+                  <a:ext uri="{FF2B5EF4-FFF2-40B4-BE49-F238E27FC236}">
+                    <a16:creationId xmlns:a16="http://schemas.microsoft.com/office/drawing/2014/main" id="{67F6D81F-4110-4584-95D4-E980556A7484}"/>
+                  </a:ext>
+                </a:extLst>
+              </p:cNvPr>
+              <p:cNvPicPr>
+                <a:picLocks noChangeAspect="1"/>
+              </p:cNvPicPr>
+              <p:nvPr/>
+            </p:nvPicPr>
+            <p:blipFill>
+              <a:blip r:embed="rId3"/>
+              <a:stretch>
+                <a:fillRect/>
+              </a:stretch>
+            </p:blipFill>
+            <p:spPr>
+              <a:xfrm>
+                <a:off x="587534" y="3303121"/>
+                <a:ext cx="3134873" cy="813733"/>
+              </a:xfrm>
+              <a:prstGeom prst="rect">
+                <a:avLst/>
+              </a:prstGeom>
+            </p:spPr>
+          </p:pic>
+          <p:sp>
+            <p:nvSpPr>
+              <p:cNvPr id="21" name="직사각형 20">
+                <a:extLst>
+                  <a:ext uri="{FF2B5EF4-FFF2-40B4-BE49-F238E27FC236}">
+                    <a16:creationId xmlns:a16="http://schemas.microsoft.com/office/drawing/2014/main" id="{646D4DF7-15A3-4CCB-8D14-C4B3E353E8B1}"/>
+                  </a:ext>
+                </a:extLst>
+              </p:cNvPr>
+              <p:cNvSpPr/>
+              <p:nvPr/>
+            </p:nvSpPr>
+            <p:spPr>
+              <a:xfrm>
+                <a:off x="489990" y="1179390"/>
+                <a:ext cx="5707769" cy="3029699"/>
+              </a:xfrm>
+              <a:prstGeom prst="rect">
+                <a:avLst/>
+              </a:prstGeom>
+              <a:noFill/>
+            </p:spPr>
+            <p:style>
+              <a:lnRef idx="2">
+                <a:schemeClr val="accent1">
+                  <a:shade val="50000"/>
+                </a:schemeClr>
+              </a:lnRef>
+              <a:fillRef idx="1">
+                <a:schemeClr val="accent1"/>
+              </a:fillRef>
+              <a:effectRef idx="0">
+                <a:schemeClr val="accent1"/>
+              </a:effectRef>
+              <a:fontRef idx="minor">
+                <a:schemeClr val="lt1"/>
+              </a:fontRef>
+            </p:style>
+            <p:txBody>
+              <a:bodyPr rtlCol="0" anchor="ctr"/>
+              <a:lstStyle/>
+              <a:p>
+                <a:pPr algn="ctr"/>
+                <a:endParaRPr lang="ko-KR" altLang="en-US">
+                  <a:latin typeface="나눔고딕" panose="020B0600000101010101" charset="-127"/>
+                  <a:ea typeface="나눔고딕" panose="020B0600000101010101" charset="-127"/>
+                </a:endParaRPr>
+              </a:p>
+            </p:txBody>
+          </p:sp>
+          <p:sp>
+            <p:nvSpPr>
+              <p:cNvPr id="22" name="자유형 23">
+                <a:extLst>
+                  <a:ext uri="{FF2B5EF4-FFF2-40B4-BE49-F238E27FC236}">
+                    <a16:creationId xmlns:a16="http://schemas.microsoft.com/office/drawing/2014/main" id="{4B3505BB-BDA7-415D-8CE1-2D57E1A91770}"/>
+                  </a:ext>
+                </a:extLst>
+              </p:cNvPr>
+              <p:cNvSpPr>
+                <a:spLocks noChangeArrowheads="1"/>
+              </p:cNvSpPr>
+              <p:nvPr/>
+            </p:nvSpPr>
+            <p:spPr bwMode="gray">
+              <a:xfrm>
+                <a:off x="481601" y="811001"/>
+                <a:ext cx="1297944" cy="360000"/>
+              </a:xfrm>
+              <a:custGeom>
+                <a:avLst/>
+                <a:gdLst>
+                  <a:gd name="connsiteX0" fmla="*/ 48729 w 1587995"/>
+                  <a:gd name="connsiteY0" fmla="*/ 0 h 292361"/>
+                  <a:gd name="connsiteX1" fmla="*/ 1539267 w 1587995"/>
+                  <a:gd name="connsiteY1" fmla="*/ 0 h 292361"/>
+                  <a:gd name="connsiteX2" fmla="*/ 1587995 w 1587995"/>
+                  <a:gd name="connsiteY2" fmla="*/ 48728 h 292361"/>
+                  <a:gd name="connsiteX3" fmla="*/ 1587995 w 1587995"/>
+                  <a:gd name="connsiteY3" fmla="*/ 243633 h 292361"/>
+                  <a:gd name="connsiteX4" fmla="*/ 1587994 w 1587995"/>
+                  <a:gd name="connsiteY4" fmla="*/ 243636 h 292361"/>
+                  <a:gd name="connsiteX5" fmla="*/ 1587994 w 1587995"/>
+                  <a:gd name="connsiteY5" fmla="*/ 292361 h 292361"/>
+                  <a:gd name="connsiteX6" fmla="*/ 1539267 w 1587995"/>
+                  <a:gd name="connsiteY6" fmla="*/ 292361 h 292361"/>
+                  <a:gd name="connsiteX7" fmla="*/ 48729 w 1587995"/>
+                  <a:gd name="connsiteY7" fmla="*/ 292361 h 292361"/>
+                  <a:gd name="connsiteX8" fmla="*/ 0 w 1587995"/>
+                  <a:gd name="connsiteY8" fmla="*/ 292361 h 292361"/>
+                  <a:gd name="connsiteX9" fmla="*/ 0 w 1587995"/>
+                  <a:gd name="connsiteY9" fmla="*/ 152400 h 292361"/>
+                  <a:gd name="connsiteX10" fmla="*/ 1 w 1587995"/>
+                  <a:gd name="connsiteY10" fmla="*/ 152400 h 292361"/>
+                  <a:gd name="connsiteX11" fmla="*/ 1 w 1587995"/>
+                  <a:gd name="connsiteY11" fmla="*/ 48728 h 292361"/>
+                  <a:gd name="connsiteX12" fmla="*/ 48729 w 1587995"/>
+                  <a:gd name="connsiteY12" fmla="*/ 0 h 292361"/>
+                </a:gdLst>
+                <a:ahLst/>
+                <a:cxnLst>
+                  <a:cxn ang="0">
+                    <a:pos x="connsiteX0" y="connsiteY0"/>
+                  </a:cxn>
+                  <a:cxn ang="0">
+                    <a:pos x="connsiteX1" y="connsiteY1"/>
+                  </a:cxn>
+                  <a:cxn ang="0">
+                    <a:pos x="connsiteX2" y="connsiteY2"/>
+                  </a:cxn>
+                  <a:cxn ang="0">
+                    <a:pos x="connsiteX3" y="connsiteY3"/>
+                  </a:cxn>
+                  <a:cxn ang="0">
+                    <a:pos x="connsiteX4" y="connsiteY4"/>
+                  </a:cxn>
+                  <a:cxn ang="0">
+                    <a:pos x="connsiteX5" y="connsiteY5"/>
+                  </a:cxn>
+                  <a:cxn ang="0">
+                    <a:pos x="connsiteX6" y="connsiteY6"/>
+                  </a:cxn>
+                  <a:cxn ang="0">
+                    <a:pos x="connsiteX7" y="connsiteY7"/>
+                  </a:cxn>
+                  <a:cxn ang="0">
+                    <a:pos x="connsiteX8" y="connsiteY8"/>
+                  </a:cxn>
+                  <a:cxn ang="0">
+                    <a:pos x="connsiteX9" y="connsiteY9"/>
+                  </a:cxn>
+                  <a:cxn ang="0">
+                    <a:pos x="connsiteX10" y="connsiteY10"/>
+                  </a:cxn>
+                  <a:cxn ang="0">
+                    <a:pos x="connsiteX11" y="connsiteY11"/>
+                  </a:cxn>
+                  <a:cxn ang="0">
+                    <a:pos x="connsiteX12" y="connsiteY12"/>
+                  </a:cxn>
+                </a:cxnLst>
+                <a:rect l="l" t="t" r="r" b="b"/>
+                <a:pathLst>
+                  <a:path w="1587995" h="292361">
+                    <a:moveTo>
+                      <a:pt x="48729" y="0"/>
+                    </a:moveTo>
+                    <a:lnTo>
+                      <a:pt x="1539267" y="0"/>
+                    </a:lnTo>
+                    <a:cubicBezTo>
+                      <a:pt x="1566179" y="0"/>
+                      <a:pt x="1587995" y="21816"/>
+                      <a:pt x="1587995" y="48728"/>
+                    </a:cubicBezTo>
+                    <a:lnTo>
+                      <a:pt x="1587995" y="243633"/>
+                    </a:lnTo>
+                    <a:lnTo>
+                      <a:pt x="1587994" y="243636"/>
+                    </a:lnTo>
+                    <a:lnTo>
+                      <a:pt x="1587994" y="292361"/>
+                    </a:lnTo>
+                    <a:lnTo>
+                      <a:pt x="1539267" y="292361"/>
+                    </a:lnTo>
+                    <a:lnTo>
+                      <a:pt x="48729" y="292361"/>
+                    </a:lnTo>
+                    <a:lnTo>
+                      <a:pt x="0" y="292361"/>
+                    </a:lnTo>
+                    <a:lnTo>
+                      <a:pt x="0" y="152400"/>
+                    </a:lnTo>
+                    <a:lnTo>
+                      <a:pt x="1" y="152400"/>
+                    </a:lnTo>
+                    <a:lnTo>
+                      <a:pt x="1" y="48728"/>
+                    </a:lnTo>
+                    <a:cubicBezTo>
+                      <a:pt x="1" y="21816"/>
+                      <a:pt x="21817" y="0"/>
+                      <a:pt x="48729" y="0"/>
+                    </a:cubicBezTo>
+                    <a:close/>
+                  </a:path>
+                </a:pathLst>
+              </a:custGeom>
+              <a:solidFill>
+                <a:srgbClr val="002060"/>
+              </a:solidFill>
+              <a:ln w="9525" algn="ctr">
+                <a:solidFill>
+                  <a:srgbClr val="002060"/>
+                </a:solidFill>
+                <a:miter lim="800000"/>
+                <a:headEnd/>
+                <a:tailEnd/>
+              </a:ln>
+              <a:effectLst>
+                <a:outerShdw blurRad="50800" dist="38100" dir="2700000" algn="tl" rotWithShape="0">
+                  <a:prstClr val="black">
+                    <a:alpha val="40000"/>
+                  </a:prstClr>
+                </a:outerShdw>
+              </a:effectLst>
+            </p:spPr>
+            <p:txBody>
+              <a:bodyPr wrap="square" lIns="72000" tIns="36000" rIns="72000" bIns="36000" anchor="ctr">
+                <a:noAutofit/>
+              </a:bodyPr>
+              <a:lstStyle/>
+              <a:p>
+                <a:pPr marR="0" lvl="0" algn="ctr" defTabSz="411163" eaLnBrk="0" fontAlgn="base" latinLnBrk="0" hangingPunct="0">
+                  <a:spcBef>
+                    <a:spcPct val="0"/>
+                  </a:spcBef>
+                  <a:spcAft>
+                    <a:spcPct val="0"/>
+                  </a:spcAft>
+                  <a:buSzPct val="90000"/>
+                  <a:tabLst>
+                    <a:tab pos="85725" algn="l"/>
+                  </a:tabLst>
+                  <a:defRPr/>
+                </a:pPr>
+                <a:r>
+                  <a:rPr kumimoji="1" lang="en-US" altLang="ko-KR" sz="1300" b="1" i="0" u="none" strike="noStrike" kern="0" cap="none" spc="0" normalizeH="0" baseline="0" noProof="0" dirty="0">
+                    <a:ln>
+                      <a:noFill/>
+                    </a:ln>
+                    <a:solidFill>
+                      <a:schemeClr val="bg1"/>
+                    </a:solidFill>
+                    <a:effectLst/>
+                    <a:uLnTx/>
+                    <a:uFillTx/>
+                    <a:latin typeface="나눔고딕" panose="020B0600000101010101" charset="-127"/>
+                    <a:ea typeface="나눔고딕" panose="020B0600000101010101" charset="-127"/>
+                  </a:rPr>
+                  <a:t>NESTED SUBQ</a:t>
+                </a:r>
+              </a:p>
+            </p:txBody>
+          </p:sp>
+        </p:grpSp>
+        <p:cxnSp>
+          <p:nvCxnSpPr>
+            <p:cNvPr id="5" name="직선 연결선 4">
               <a:extLst>
                 <a:ext uri="{FF2B5EF4-FFF2-40B4-BE49-F238E27FC236}">
-                  <a16:creationId xmlns:a16="http://schemas.microsoft.com/office/drawing/2014/main" id="{67F6D81F-4110-4584-95D4-E980556A7484}"/>
+                  <a16:creationId xmlns:a16="http://schemas.microsoft.com/office/drawing/2014/main" id="{0CC4DB50-BDA8-4A24-B178-16753C25D936}"/>
                 </a:ext>
               </a:extLst>
             </p:cNvPr>
-            <p:cNvPicPr>
-              <a:picLocks noChangeAspect="1"/>
-            </p:cNvPicPr>
+            <p:cNvCxnSpPr/>
             <p:nvPr/>
-          </p:nvPicPr>
-          <p:blipFill>
-            <a:blip r:embed="rId3"/>
-            <a:stretch>
-              <a:fillRect/>
-            </a:stretch>
-          </p:blipFill>
+          </p:nvCxnSpPr>
           <p:spPr>
             <a:xfrm>
-              <a:off x="587534" y="3303121"/>
-              <a:ext cx="3134873" cy="813733"/>
+              <a:off x="2203892" y="2217720"/>
+              <a:ext cx="2340528" cy="0"/>
             </a:xfrm>
-            <a:prstGeom prst="rect">
+            <a:prstGeom prst="line">
               <a:avLst/>
             </a:prstGeom>
+            <a:ln>
+              <a:solidFill>
+                <a:srgbClr val="FF0000"/>
+              </a:solidFill>
+            </a:ln>
           </p:spPr>
-        </p:pic>
-        <p:sp>
-          <p:nvSpPr>
-            <p:cNvPr id="21" name="직사각형 20">
+          <p:style>
+            <a:lnRef idx="1">
+              <a:schemeClr val="accent1"/>
+            </a:lnRef>
+            <a:fillRef idx="0">
+              <a:schemeClr val="accent1"/>
+            </a:fillRef>
+            <a:effectRef idx="0">
+              <a:schemeClr val="accent1"/>
+            </a:effectRef>
+            <a:fontRef idx="minor">
+              <a:schemeClr val="tx1"/>
+            </a:fontRef>
+          </p:style>
+        </p:cxnSp>
+        <p:cxnSp>
+          <p:nvCxnSpPr>
+            <p:cNvPr id="12" name="직선 연결선 11">
               <a:extLst>
                 <a:ext uri="{FF2B5EF4-FFF2-40B4-BE49-F238E27FC236}">
-                  <a16:creationId xmlns:a16="http://schemas.microsoft.com/office/drawing/2014/main" id="{646D4DF7-15A3-4CCB-8D14-C4B3E353E8B1}"/>
+                  <a16:creationId xmlns:a16="http://schemas.microsoft.com/office/drawing/2014/main" id="{F7BC6FE3-9493-4C55-B763-BC4C49152795}"/>
                 </a:ext>
               </a:extLst>
             </p:cNvPr>
-            <p:cNvSpPr/>
+            <p:cNvCxnSpPr>
+              <a:cxnSpLocks/>
+            </p:cNvCxnSpPr>
+            <p:nvPr/>
+          </p:nvCxnSpPr>
+          <p:spPr>
+            <a:xfrm>
+              <a:off x="3723698" y="3888527"/>
+              <a:ext cx="2011959" cy="0"/>
+            </a:xfrm>
+            <a:prstGeom prst="line">
+              <a:avLst/>
+            </a:prstGeom>
+            <a:ln>
+              <a:solidFill>
+                <a:srgbClr val="FF0000"/>
+              </a:solidFill>
+            </a:ln>
+          </p:spPr>
+          <p:style>
+            <a:lnRef idx="1">
+              <a:schemeClr val="accent1"/>
+            </a:lnRef>
+            <a:fillRef idx="0">
+              <a:schemeClr val="accent1"/>
+            </a:fillRef>
+            <a:effectRef idx="0">
+              <a:schemeClr val="accent1"/>
+            </a:effectRef>
+            <a:fontRef idx="minor">
+              <a:schemeClr val="tx1"/>
+            </a:fontRef>
+          </p:style>
+        </p:cxnSp>
+        <p:cxnSp>
+          <p:nvCxnSpPr>
+            <p:cNvPr id="13" name="직선 연결선 12">
+              <a:extLst>
+                <a:ext uri="{FF2B5EF4-FFF2-40B4-BE49-F238E27FC236}">
+                  <a16:creationId xmlns:a16="http://schemas.microsoft.com/office/drawing/2014/main" id="{38277291-F735-41C4-899F-57230C7F90EF}"/>
+                </a:ext>
+              </a:extLst>
+            </p:cNvPr>
+            <p:cNvCxnSpPr>
+              <a:cxnSpLocks/>
+            </p:cNvCxnSpPr>
+            <p:nvPr/>
+          </p:nvCxnSpPr>
+          <p:spPr>
+            <a:xfrm flipV="1">
+              <a:off x="4141749" y="1546601"/>
+              <a:ext cx="1611658" cy="485998"/>
+            </a:xfrm>
+            <a:prstGeom prst="line">
+              <a:avLst/>
+            </a:prstGeom>
+            <a:ln>
+              <a:solidFill>
+                <a:srgbClr val="FF0000"/>
+              </a:solidFill>
+            </a:ln>
+          </p:spPr>
+          <p:style>
+            <a:lnRef idx="1">
+              <a:schemeClr val="accent1"/>
+            </a:lnRef>
+            <a:fillRef idx="0">
+              <a:schemeClr val="accent1"/>
+            </a:fillRef>
+            <a:effectRef idx="0">
+              <a:schemeClr val="accent1"/>
+            </a:effectRef>
+            <a:fontRef idx="minor">
+              <a:schemeClr val="tx1"/>
+            </a:fontRef>
+          </p:style>
+        </p:cxnSp>
+        <p:cxnSp>
+          <p:nvCxnSpPr>
+            <p:cNvPr id="17" name="직선 연결선 16">
+              <a:extLst>
+                <a:ext uri="{FF2B5EF4-FFF2-40B4-BE49-F238E27FC236}">
+                  <a16:creationId xmlns:a16="http://schemas.microsoft.com/office/drawing/2014/main" id="{5EF2FF6C-3BDB-42C4-AD65-C8D4AA75A4B1}"/>
+                </a:ext>
+              </a:extLst>
+            </p:cNvPr>
+            <p:cNvCxnSpPr>
+              <a:cxnSpLocks/>
+            </p:cNvCxnSpPr>
+            <p:nvPr/>
+          </p:nvCxnSpPr>
+          <p:spPr>
+            <a:xfrm flipV="1">
+              <a:off x="5232317" y="1546601"/>
+              <a:ext cx="521090" cy="2093540"/>
+            </a:xfrm>
+            <a:prstGeom prst="line">
+              <a:avLst/>
+            </a:prstGeom>
+            <a:ln>
+              <a:solidFill>
+                <a:srgbClr val="FF0000"/>
+              </a:solidFill>
+            </a:ln>
+          </p:spPr>
+          <p:style>
+            <a:lnRef idx="1">
+              <a:schemeClr val="accent1"/>
+            </a:lnRef>
+            <a:fillRef idx="0">
+              <a:schemeClr val="accent1"/>
+            </a:fillRef>
+            <a:effectRef idx="0">
+              <a:schemeClr val="accent1"/>
+            </a:effectRef>
+            <a:fontRef idx="minor">
+              <a:schemeClr val="tx1"/>
+            </a:fontRef>
+          </p:style>
+        </p:cxnSp>
+        <p:sp>
+          <p:nvSpPr>
+            <p:cNvPr id="19" name="TextBox 18">
+              <a:extLst>
+                <a:ext uri="{FF2B5EF4-FFF2-40B4-BE49-F238E27FC236}">
+                  <a16:creationId xmlns:a16="http://schemas.microsoft.com/office/drawing/2014/main" id="{D0843C8E-FF77-4B35-8BD6-456CB89224C9}"/>
+                </a:ext>
+              </a:extLst>
+            </p:cNvPr>
+            <p:cNvSpPr txBox="1"/>
             <p:nvPr/>
           </p:nvSpPr>
           <p:spPr>
             <a:xfrm>
-              <a:off x="489990" y="1179390"/>
-              <a:ext cx="5707769" cy="3029699"/>
+              <a:off x="5470392" y="1144178"/>
+              <a:ext cx="620683" cy="369332"/>
             </a:xfrm>
             <a:prstGeom prst="rect">
               <a:avLst/>
             </a:prstGeom>
             <a:noFill/>
           </p:spPr>
-          <p:style>
-            <a:lnRef idx="2">
-              <a:schemeClr val="accent1">
-                <a:shade val="50000"/>
-              </a:schemeClr>
-            </a:lnRef>
-            <a:fillRef idx="1">
-              <a:schemeClr val="accent1"/>
-            </a:fillRef>
-            <a:effectRef idx="0">
-              <a:schemeClr val="accent1"/>
-            </a:effectRef>
-            <a:fontRef idx="minor">
-              <a:schemeClr val="lt1"/>
-            </a:fontRef>
-          </p:style>
           <p:txBody>
-            <a:bodyPr rtlCol="0" anchor="ctr"/>
-            <a:lstStyle/>
-            <a:p>
-              <a:pPr algn="ctr"/>
-              <a:endParaRPr lang="ko-KR" altLang="en-US">
-                <a:latin typeface="나눔고딕" panose="020B0600000101010101" charset="-127"/>
-                <a:ea typeface="나눔고딕" panose="020B0600000101010101" charset="-127"/>
-              </a:endParaRPr>
-            </a:p>
-          </p:txBody>
-        </p:sp>
-        <p:sp>
-          <p:nvSpPr>
-            <p:cNvPr id="22" name="자유형 23">
-              <a:extLst>
-                <a:ext uri="{FF2B5EF4-FFF2-40B4-BE49-F238E27FC236}">
-                  <a16:creationId xmlns:a16="http://schemas.microsoft.com/office/drawing/2014/main" id="{4B3505BB-BDA7-415D-8CE1-2D57E1A91770}"/>
-                </a:ext>
-              </a:extLst>
-            </p:cNvPr>
-            <p:cNvSpPr>
-              <a:spLocks noChangeArrowheads="1"/>
-            </p:cNvSpPr>
-            <p:nvPr/>
-          </p:nvSpPr>
-          <p:spPr bwMode="gray">
-            <a:xfrm>
-              <a:off x="481601" y="811001"/>
-              <a:ext cx="1297944" cy="360000"/>
-            </a:xfrm>
-            <a:custGeom>
-              <a:avLst/>
-              <a:gdLst>
-                <a:gd name="connsiteX0" fmla="*/ 48729 w 1587995"/>
-                <a:gd name="connsiteY0" fmla="*/ 0 h 292361"/>
-                <a:gd name="connsiteX1" fmla="*/ 1539267 w 1587995"/>
-                <a:gd name="connsiteY1" fmla="*/ 0 h 292361"/>
-                <a:gd name="connsiteX2" fmla="*/ 1587995 w 1587995"/>
-                <a:gd name="connsiteY2" fmla="*/ 48728 h 292361"/>
-                <a:gd name="connsiteX3" fmla="*/ 1587995 w 1587995"/>
-                <a:gd name="connsiteY3" fmla="*/ 243633 h 292361"/>
-                <a:gd name="connsiteX4" fmla="*/ 1587994 w 1587995"/>
-                <a:gd name="connsiteY4" fmla="*/ 243636 h 292361"/>
-                <a:gd name="connsiteX5" fmla="*/ 1587994 w 1587995"/>
-                <a:gd name="connsiteY5" fmla="*/ 292361 h 292361"/>
-                <a:gd name="connsiteX6" fmla="*/ 1539267 w 1587995"/>
-                <a:gd name="connsiteY6" fmla="*/ 292361 h 292361"/>
-                <a:gd name="connsiteX7" fmla="*/ 48729 w 1587995"/>
-                <a:gd name="connsiteY7" fmla="*/ 292361 h 292361"/>
-                <a:gd name="connsiteX8" fmla="*/ 0 w 1587995"/>
-                <a:gd name="connsiteY8" fmla="*/ 292361 h 292361"/>
-                <a:gd name="connsiteX9" fmla="*/ 0 w 1587995"/>
-                <a:gd name="connsiteY9" fmla="*/ 152400 h 292361"/>
-                <a:gd name="connsiteX10" fmla="*/ 1 w 1587995"/>
-                <a:gd name="connsiteY10" fmla="*/ 152400 h 292361"/>
-                <a:gd name="connsiteX11" fmla="*/ 1 w 1587995"/>
-                <a:gd name="connsiteY11" fmla="*/ 48728 h 292361"/>
-                <a:gd name="connsiteX12" fmla="*/ 48729 w 1587995"/>
-                <a:gd name="connsiteY12" fmla="*/ 0 h 292361"/>
-              </a:gdLst>
-              <a:ahLst/>
-              <a:cxnLst>
-                <a:cxn ang="0">
-                  <a:pos x="connsiteX0" y="connsiteY0"/>
-                </a:cxn>
-                <a:cxn ang="0">
-                  <a:pos x="connsiteX1" y="connsiteY1"/>
-                </a:cxn>
-                <a:cxn ang="0">
-                  <a:pos x="connsiteX2" y="connsiteY2"/>
-                </a:cxn>
-                <a:cxn ang="0">
-                  <a:pos x="connsiteX3" y="connsiteY3"/>
-                </a:cxn>
-                <a:cxn ang="0">
-                  <a:pos x="connsiteX4" y="connsiteY4"/>
-                </a:cxn>
-                <a:cxn ang="0">
-                  <a:pos x="connsiteX5" y="connsiteY5"/>
-                </a:cxn>
-                <a:cxn ang="0">
-                  <a:pos x="connsiteX6" y="connsiteY6"/>
-                </a:cxn>
-                <a:cxn ang="0">
-                  <a:pos x="connsiteX7" y="connsiteY7"/>
-                </a:cxn>
-                <a:cxn ang="0">
-                  <a:pos x="connsiteX8" y="connsiteY8"/>
-                </a:cxn>
-                <a:cxn ang="0">
-                  <a:pos x="connsiteX9" y="connsiteY9"/>
-                </a:cxn>
-                <a:cxn ang="0">
-                  <a:pos x="connsiteX10" y="connsiteY10"/>
-                </a:cxn>
-                <a:cxn ang="0">
-                  <a:pos x="connsiteX11" y="connsiteY11"/>
-                </a:cxn>
-                <a:cxn ang="0">
-                  <a:pos x="connsiteX12" y="connsiteY12"/>
-                </a:cxn>
-              </a:cxnLst>
-              <a:rect l="l" t="t" r="r" b="b"/>
-              <a:pathLst>
-                <a:path w="1587995" h="292361">
-                  <a:moveTo>
-                    <a:pt x="48729" y="0"/>
-                  </a:moveTo>
-                  <a:lnTo>
-                    <a:pt x="1539267" y="0"/>
-                  </a:lnTo>
-                  <a:cubicBezTo>
-                    <a:pt x="1566179" y="0"/>
-                    <a:pt x="1587995" y="21816"/>
-                    <a:pt x="1587995" y="48728"/>
-                  </a:cubicBezTo>
-                  <a:lnTo>
-                    <a:pt x="1587995" y="243633"/>
-                  </a:lnTo>
-                  <a:lnTo>
-                    <a:pt x="1587994" y="243636"/>
-                  </a:lnTo>
-                  <a:lnTo>
-                    <a:pt x="1587994" y="292361"/>
-                  </a:lnTo>
-                  <a:lnTo>
-                    <a:pt x="1539267" y="292361"/>
-                  </a:lnTo>
-                  <a:lnTo>
-                    <a:pt x="48729" y="292361"/>
-                  </a:lnTo>
-                  <a:lnTo>
-                    <a:pt x="0" y="292361"/>
-                  </a:lnTo>
-                  <a:lnTo>
-                    <a:pt x="0" y="152400"/>
-                  </a:lnTo>
-                  <a:lnTo>
-                    <a:pt x="1" y="152400"/>
-                  </a:lnTo>
-                  <a:lnTo>
-                    <a:pt x="1" y="48728"/>
-                  </a:lnTo>
-                  <a:cubicBezTo>
-                    <a:pt x="1" y="21816"/>
-                    <a:pt x="21817" y="0"/>
-                    <a:pt x="48729" y="0"/>
-                  </a:cubicBezTo>
-                  <a:close/>
-                </a:path>
-              </a:pathLst>
-            </a:custGeom>
-            <a:solidFill>
-              <a:srgbClr val="002060"/>
-            </a:solidFill>
-            <a:ln w="9525" algn="ctr">
-              <a:solidFill>
-                <a:srgbClr val="002060"/>
-              </a:solidFill>
-              <a:miter lim="800000"/>
-              <a:headEnd/>
-              <a:tailEnd/>
-            </a:ln>
-            <a:effectLst>
-              <a:outerShdw blurRad="50800" dist="38100" dir="2700000" algn="tl" rotWithShape="0">
-                <a:prstClr val="black">
-                  <a:alpha val="40000"/>
-                </a:prstClr>
-              </a:outerShdw>
-            </a:effectLst>
-          </p:spPr>
-          <p:txBody>
-            <a:bodyPr wrap="square" lIns="72000" tIns="36000" rIns="72000" bIns="36000" anchor="ctr">
-              <a:noAutofit/>
+            <a:bodyPr wrap="none" rtlCol="0">
+              <a:spAutoFit/>
             </a:bodyPr>
             <a:lstStyle/>
             <a:p>
-              <a:pPr marR="0" lvl="0" algn="ctr" defTabSz="411163" eaLnBrk="0" fontAlgn="base" latinLnBrk="0" hangingPunct="0">
-                <a:spcBef>
-                  <a:spcPct val="0"/>
-                </a:spcBef>
-                <a:spcAft>
-                  <a:spcPct val="0"/>
-                </a:spcAft>
-                <a:buSzPct val="90000"/>
-                <a:tabLst>
-                  <a:tab pos="85725" algn="l"/>
-                </a:tabLst>
-                <a:defRPr/>
-              </a:pPr>
               <a:r>
-                <a:rPr kumimoji="1" lang="en-US" altLang="ko-KR" sz="1300" b="1" i="0" u="none" strike="noStrike" kern="0" cap="none" spc="0" normalizeH="0" baseline="0" noProof="0" dirty="0">
-                  <a:ln>
-                    <a:noFill/>
-                  </a:ln>
-                  <a:solidFill>
-                    <a:schemeClr val="bg1"/>
-                  </a:solidFill>
-                  <a:effectLst/>
-                  <a:uLnTx/>
-                  <a:uFillTx/>
-                  <a:latin typeface="나눔고딕" panose="020B0600000101010101" charset="-127"/>
-                  <a:ea typeface="나눔고딕" panose="020B0600000101010101" charset="-127"/>
-                </a:rPr>
-                <a:t>NESTED SUBQ</a:t>
+                <a:rPr lang="en-US" altLang="ko-KR" dirty="0"/>
+                <a:t>Hint</a:t>
               </a:r>
+              <a:endParaRPr lang="ko-KR" altLang="en-US" dirty="0"/>
             </a:p>
           </p:txBody>
         </p:sp>
       </p:grpSp>
-      <p:cxnSp>
-        <p:nvCxnSpPr>
-          <p:cNvPr id="5" name="직선 연결선 4">
-            <a:extLst>
-              <a:ext uri="{FF2B5EF4-FFF2-40B4-BE49-F238E27FC236}">
-                <a16:creationId xmlns:a16="http://schemas.microsoft.com/office/drawing/2014/main" id="{0CC4DB50-BDA8-4A24-B178-16753C25D936}"/>
-              </a:ext>
-            </a:extLst>
-          </p:cNvPr>
-          <p:cNvCxnSpPr/>
-          <p:nvPr/>
-        </p:nvCxnSpPr>
-        <p:spPr>
-          <a:xfrm>
-            <a:off x="2203892" y="2217720"/>
-            <a:ext cx="2340528" cy="0"/>
-          </a:xfrm>
-          <a:prstGeom prst="line">
-            <a:avLst/>
-          </a:prstGeom>
-          <a:ln>
-            <a:solidFill>
-              <a:srgbClr val="FF0000"/>
-            </a:solidFill>
-          </a:ln>
-        </p:spPr>
-        <p:style>
-          <a:lnRef idx="1">
-            <a:schemeClr val="accent1"/>
-          </a:lnRef>
-          <a:fillRef idx="0">
-            <a:schemeClr val="accent1"/>
-          </a:fillRef>
-          <a:effectRef idx="0">
-            <a:schemeClr val="accent1"/>
-          </a:effectRef>
-          <a:fontRef idx="minor">
-            <a:schemeClr val="tx1"/>
-          </a:fontRef>
-        </p:style>
-      </p:cxnSp>
-      <p:cxnSp>
-        <p:nvCxnSpPr>
-          <p:cNvPr id="12" name="직선 연결선 11">
-            <a:extLst>
-              <a:ext uri="{FF2B5EF4-FFF2-40B4-BE49-F238E27FC236}">
-                <a16:creationId xmlns:a16="http://schemas.microsoft.com/office/drawing/2014/main" id="{F7BC6FE3-9493-4C55-B763-BC4C49152795}"/>
-              </a:ext>
-            </a:extLst>
-          </p:cNvPr>
-          <p:cNvCxnSpPr>
-            <a:cxnSpLocks/>
-          </p:cNvCxnSpPr>
-          <p:nvPr/>
-        </p:nvCxnSpPr>
-        <p:spPr>
-          <a:xfrm>
-            <a:off x="3723698" y="3888527"/>
-            <a:ext cx="2011959" cy="0"/>
-          </a:xfrm>
-          <a:prstGeom prst="line">
-            <a:avLst/>
-          </a:prstGeom>
-          <a:ln>
-            <a:solidFill>
-              <a:srgbClr val="FF0000"/>
-            </a:solidFill>
-          </a:ln>
-        </p:spPr>
-        <p:style>
-          <a:lnRef idx="1">
-            <a:schemeClr val="accent1"/>
-          </a:lnRef>
-          <a:fillRef idx="0">
-            <a:schemeClr val="accent1"/>
-          </a:fillRef>
-          <a:effectRef idx="0">
-            <a:schemeClr val="accent1"/>
-          </a:effectRef>
-          <a:fontRef idx="minor">
-            <a:schemeClr val="tx1"/>
-          </a:fontRef>
-        </p:style>
-      </p:cxnSp>
-      <p:cxnSp>
-        <p:nvCxnSpPr>
-          <p:cNvPr id="13" name="직선 연결선 12">
-            <a:extLst>
-              <a:ext uri="{FF2B5EF4-FFF2-40B4-BE49-F238E27FC236}">
-                <a16:creationId xmlns:a16="http://schemas.microsoft.com/office/drawing/2014/main" id="{38277291-F735-41C4-899F-57230C7F90EF}"/>
-              </a:ext>
-            </a:extLst>
-          </p:cNvPr>
-          <p:cNvCxnSpPr>
-            <a:cxnSpLocks/>
-          </p:cNvCxnSpPr>
-          <p:nvPr/>
-        </p:nvCxnSpPr>
-        <p:spPr>
-          <a:xfrm flipV="1">
-            <a:off x="4141749" y="1546601"/>
-            <a:ext cx="1611658" cy="485998"/>
-          </a:xfrm>
-          <a:prstGeom prst="line">
-            <a:avLst/>
-          </a:prstGeom>
-          <a:ln>
-            <a:solidFill>
-              <a:srgbClr val="FF0000"/>
-            </a:solidFill>
-          </a:ln>
-        </p:spPr>
-        <p:style>
-          <a:lnRef idx="1">
-            <a:schemeClr val="accent1"/>
-          </a:lnRef>
-          <a:fillRef idx="0">
-            <a:schemeClr val="accent1"/>
-          </a:fillRef>
-          <a:effectRef idx="0">
-            <a:schemeClr val="accent1"/>
-          </a:effectRef>
-          <a:fontRef idx="minor">
-            <a:schemeClr val="tx1"/>
-          </a:fontRef>
-        </p:style>
-      </p:cxnSp>
-      <p:cxnSp>
-        <p:nvCxnSpPr>
-          <p:cNvPr id="17" name="직선 연결선 16">
-            <a:extLst>
-              <a:ext uri="{FF2B5EF4-FFF2-40B4-BE49-F238E27FC236}">
-                <a16:creationId xmlns:a16="http://schemas.microsoft.com/office/drawing/2014/main" id="{5EF2FF6C-3BDB-42C4-AD65-C8D4AA75A4B1}"/>
-              </a:ext>
-            </a:extLst>
-          </p:cNvPr>
-          <p:cNvCxnSpPr>
-            <a:cxnSpLocks/>
-          </p:cNvCxnSpPr>
-          <p:nvPr/>
-        </p:nvCxnSpPr>
-        <p:spPr>
-          <a:xfrm flipV="1">
-            <a:off x="5232317" y="1546601"/>
-            <a:ext cx="521090" cy="2093540"/>
-          </a:xfrm>
-          <a:prstGeom prst="line">
-            <a:avLst/>
-          </a:prstGeom>
-          <a:ln>
-            <a:solidFill>
-              <a:srgbClr val="FF0000"/>
-            </a:solidFill>
-          </a:ln>
-        </p:spPr>
-        <p:style>
-          <a:lnRef idx="1">
-            <a:schemeClr val="accent1"/>
-          </a:lnRef>
-          <a:fillRef idx="0">
-            <a:schemeClr val="accent1"/>
-          </a:fillRef>
-          <a:effectRef idx="0">
-            <a:schemeClr val="accent1"/>
-          </a:effectRef>
-          <a:fontRef idx="minor">
-            <a:schemeClr val="tx1"/>
-          </a:fontRef>
-        </p:style>
-      </p:cxnSp>
-      <p:sp>
-        <p:nvSpPr>
-          <p:cNvPr id="19" name="TextBox 18">
-            <a:extLst>
-              <a:ext uri="{FF2B5EF4-FFF2-40B4-BE49-F238E27FC236}">
-                <a16:creationId xmlns:a16="http://schemas.microsoft.com/office/drawing/2014/main" id="{D0843C8E-FF77-4B35-8BD6-456CB89224C9}"/>
-              </a:ext>
-            </a:extLst>
-          </p:cNvPr>
-          <p:cNvSpPr txBox="1"/>
-          <p:nvPr/>
-        </p:nvSpPr>
-        <p:spPr>
-          <a:xfrm>
-            <a:off x="5470392" y="1144178"/>
-            <a:ext cx="620683" cy="369332"/>
-          </a:xfrm>
-          <a:prstGeom prst="rect">
-            <a:avLst/>
-          </a:prstGeom>
-          <a:noFill/>
-        </p:spPr>
-        <p:txBody>
-          <a:bodyPr wrap="none" rtlCol="0">
-            <a:spAutoFit/>
-          </a:bodyPr>
-          <a:lstStyle/>
-          <a:p>
-            <a:r>
-              <a:rPr lang="en-US" altLang="ko-KR" dirty="0"/>
-              <a:t>Hint</a:t>
-            </a:r>
-            <a:endParaRPr lang="ko-KR" altLang="en-US" dirty="0"/>
-          </a:p>
-        </p:txBody>
-      </p:sp>
     </p:spTree>
     <p:extLst>
       <p:ext uri="{BB962C8B-B14F-4D97-AF65-F5344CB8AC3E}">
@@ -16419,7 +16396,7 @@
           </p:nvSpPr>
           <p:spPr>
             <a:xfrm>
-              <a:off x="5986977" y="2803529"/>
+              <a:off x="5986977" y="2795140"/>
               <a:ext cx="154070" cy="166913"/>
             </a:xfrm>
             <a:prstGeom prst="ellipse">
@@ -16611,7 +16588,7 @@
           </p:nvSpPr>
           <p:spPr>
             <a:xfrm>
-              <a:off x="5980117" y="2396043"/>
+              <a:off x="5988506" y="2387654"/>
               <a:ext cx="154069" cy="166913"/>
             </a:xfrm>
             <a:prstGeom prst="ellipse">
@@ -16676,8 +16653,8 @@
         </p:nvSpPr>
         <p:spPr>
           <a:xfrm>
-            <a:off x="272006" y="4557600"/>
-            <a:ext cx="8273419" cy="1778949"/>
+            <a:off x="272006" y="4465321"/>
+            <a:ext cx="6688049" cy="1718612"/>
           </a:xfrm>
           <a:prstGeom prst="rect">
             <a:avLst/>
@@ -16698,11 +16675,11 @@
               <a:buChar char="•"/>
             </a:pPr>
             <a:r>
-              <a:rPr lang="ko-KR" altLang="en-US" sz="1500" dirty="0"/>
+              <a:rPr lang="ko-KR" altLang="en-US" sz="1200" dirty="0"/>
               <a:t>실행계획 해석 규칙 </a:t>
             </a:r>
             <a:r>
-              <a:rPr lang="en-US" altLang="ko-KR" sz="1500" dirty="0"/>
+              <a:rPr lang="en-US" altLang="ko-KR" sz="1200" dirty="0"/>
               <a:t>: </a:t>
             </a:r>
           </a:p>
@@ -16713,14 +16690,14 @@
               </a:lnSpc>
             </a:pPr>
             <a:r>
-              <a:rPr lang="en-US" altLang="ko-KR" sz="1500" dirty="0"/>
+              <a:rPr lang="en-US" altLang="ko-KR" sz="1200" dirty="0"/>
               <a:t>     1. </a:t>
             </a:r>
             <a:r>
-              <a:rPr lang="ko-KR" altLang="en-US" sz="1500" dirty="0"/>
+              <a:rPr lang="ko-KR" altLang="en-US" sz="1200" dirty="0"/>
               <a:t>위에서 아래로 읽어 내려가면서 제일 먼저 읽을 단계를 찾음</a:t>
             </a:r>
-            <a:endParaRPr lang="en-US" altLang="ko-KR" sz="1500" dirty="0"/>
+            <a:endParaRPr lang="en-US" altLang="ko-KR" sz="1200" dirty="0"/>
           </a:p>
           <a:p>
             <a:pPr>
@@ -16729,38 +16706,38 @@
               </a:lnSpc>
             </a:pPr>
             <a:r>
-              <a:rPr lang="en-US" altLang="ko-KR" sz="1500" dirty="0"/>
+              <a:rPr lang="en-US" altLang="ko-KR" sz="1200" dirty="0"/>
               <a:t>     2. </a:t>
             </a:r>
             <a:r>
-              <a:rPr lang="ko-KR" altLang="en-US" sz="1500" dirty="0"/>
+              <a:rPr lang="ko-KR" altLang="en-US" sz="1200" dirty="0"/>
               <a:t>내려가는 과정에서 같은 들여 쓰기가 존재한다면</a:t>
             </a:r>
             <a:r>
-              <a:rPr lang="en-US" altLang="ko-KR" sz="1500" dirty="0"/>
+              <a:rPr lang="en-US" altLang="ko-KR" sz="1200" dirty="0"/>
               <a:t>, </a:t>
             </a:r>
             <a:r>
-              <a:rPr lang="ko-KR" altLang="en-US" sz="1500" dirty="0"/>
+              <a:rPr lang="ko-KR" altLang="en-US" sz="1200" dirty="0"/>
               <a:t>무조건 </a:t>
             </a:r>
             <a:r>
-              <a:rPr lang="en-US" altLang="ko-KR" sz="1500" dirty="0"/>
+              <a:rPr lang="en-US" altLang="ko-KR" sz="1200" dirty="0"/>
               <a:t>‘</a:t>
             </a:r>
             <a:r>
-              <a:rPr lang="ko-KR" altLang="en-US" sz="1500" dirty="0"/>
+              <a:rPr lang="ko-KR" altLang="en-US" sz="1200" dirty="0"/>
               <a:t>위에서 아래</a:t>
             </a:r>
             <a:r>
-              <a:rPr lang="en-US" altLang="ko-KR" sz="1500" dirty="0"/>
+              <a:rPr lang="en-US" altLang="ko-KR" sz="1200" dirty="0"/>
               <a:t>’</a:t>
             </a:r>
             <a:r>
-              <a:rPr lang="ko-KR" altLang="en-US" sz="1500" dirty="0"/>
+              <a:rPr lang="ko-KR" altLang="en-US" sz="1200" dirty="0"/>
               <a:t>순으로 읽어야 함</a:t>
             </a:r>
-            <a:endParaRPr lang="en-US" altLang="ko-KR" sz="1500" dirty="0"/>
+            <a:endParaRPr lang="en-US" altLang="ko-KR" sz="1200" dirty="0"/>
           </a:p>
           <a:p>
             <a:pPr>
@@ -16769,15 +16746,15 @@
               </a:lnSpc>
             </a:pPr>
             <a:r>
-              <a:rPr lang="en-US" altLang="ko-KR" sz="1500" dirty="0"/>
+              <a:rPr lang="en-US" altLang="ko-KR" sz="1200" dirty="0"/>
               <a:t>     3. </a:t>
             </a:r>
             <a:r>
-              <a:rPr lang="ko-KR" altLang="en-US" sz="1500" dirty="0"/>
+              <a:rPr lang="ko-KR" altLang="en-US" sz="1200" dirty="0"/>
               <a:t>읽고자 하는 단계보다 더 들여 쓰기가 된 하위 단계가 존재한다면</a:t>
             </a:r>
             <a:r>
-              <a:rPr lang="en-US" altLang="ko-KR" sz="1500" dirty="0"/>
+              <a:rPr lang="en-US" altLang="ko-KR" sz="1200" dirty="0"/>
               <a:t>,</a:t>
             </a:r>
           </a:p>
@@ -16788,14 +16765,60 @@
               </a:lnSpc>
             </a:pPr>
             <a:r>
-              <a:rPr lang="en-US" altLang="ko-KR" sz="1500" dirty="0"/>
+              <a:rPr lang="en-US" altLang="ko-KR" sz="1200" dirty="0"/>
               <a:t>        </a:t>
             </a:r>
             <a:r>
-              <a:rPr lang="ko-KR" altLang="en-US" sz="1500" dirty="0"/>
+              <a:rPr lang="ko-KR" altLang="en-US" sz="1200" dirty="0"/>
               <a:t>가장 안쪽으로 들여쓰기 된 단계를 시작으로 하여 한 단계씩 상위 단계를 읽어 나감 </a:t>
             </a:r>
-            <a:endParaRPr lang="en-US" altLang="ko-KR" sz="1500" dirty="0"/>
+            <a:endParaRPr lang="en-US" altLang="ko-KR" sz="1200" dirty="0"/>
+          </a:p>
+          <a:p>
+            <a:pPr marL="285750" indent="-285750">
+              <a:lnSpc>
+                <a:spcPct val="150000"/>
+              </a:lnSpc>
+              <a:buFont typeface="Arial" panose="020B0604020202020204" pitchFamily="34" charset="0"/>
+              <a:buChar char="•"/>
+            </a:pPr>
+            <a:r>
+              <a:rPr lang="en-US" altLang="ko-KR" sz="1200" b="1" dirty="0">
+                <a:solidFill>
+                  <a:srgbClr val="FF0000"/>
+                </a:solidFill>
+              </a:rPr>
+              <a:t>2</a:t>
+            </a:r>
+            <a:r>
+              <a:rPr lang="ko-KR" altLang="en-US" sz="1200" b="1" dirty="0">
+                <a:solidFill>
+                  <a:srgbClr val="FF0000"/>
+                </a:solidFill>
+              </a:rPr>
+              <a:t>번 규칙을 </a:t>
+            </a:r>
+            <a:r>
+              <a:rPr lang="en-US" altLang="ko-KR" sz="1200" b="1" dirty="0">
+                <a:solidFill>
+                  <a:srgbClr val="FF0000"/>
+                </a:solidFill>
+              </a:rPr>
+              <a:t>3</a:t>
+            </a:r>
+            <a:r>
+              <a:rPr lang="ko-KR" altLang="en-US" sz="1200" b="1" dirty="0">
+                <a:solidFill>
+                  <a:srgbClr val="FF0000"/>
+                </a:solidFill>
+              </a:rPr>
+              <a:t>번 규칙보다 우선적으로 고려해야 함</a:t>
+            </a:r>
+            <a:endParaRPr lang="en-US" altLang="ko-KR" sz="1200" b="1" dirty="0">
+              <a:solidFill>
+                <a:srgbClr val="FF0000"/>
+              </a:solidFill>
+            </a:endParaRPr>
           </a:p>
         </p:txBody>
       </p:sp>
@@ -23106,10 +23129,10 @@
         </p:nvGrpSpPr>
         <p:grpSpPr>
           <a:xfrm>
-            <a:off x="263767" y="887628"/>
-            <a:ext cx="7886604" cy="2275021"/>
-            <a:chOff x="200383" y="703071"/>
-            <a:chExt cx="7886604" cy="2275021"/>
+            <a:off x="272156" y="887628"/>
+            <a:ext cx="7878215" cy="2275021"/>
+            <a:chOff x="208772" y="703071"/>
+            <a:chExt cx="7878215" cy="2275021"/>
           </a:xfrm>
         </p:grpSpPr>
         <p:pic>
@@ -23208,7 +23231,7 @@
           </p:nvSpPr>
           <p:spPr bwMode="gray">
             <a:xfrm>
-              <a:off x="200383" y="703071"/>
+              <a:off x="208772" y="703071"/>
               <a:ext cx="1724304" cy="353752"/>
             </a:xfrm>
             <a:custGeom>
@@ -23921,6 +23944,1164 @@
       </p:sp>
       <p:grpSp>
         <p:nvGrpSpPr>
+          <p:cNvPr id="12" name="그룹 11">
+            <a:extLst>
+              <a:ext uri="{FF2B5EF4-FFF2-40B4-BE49-F238E27FC236}">
+                <a16:creationId xmlns:a16="http://schemas.microsoft.com/office/drawing/2014/main" id="{ABEE1316-7F16-4FD7-8525-B747652C70BD}"/>
+              </a:ext>
+            </a:extLst>
+          </p:cNvPr>
+          <p:cNvGrpSpPr/>
+          <p:nvPr/>
+        </p:nvGrpSpPr>
+        <p:grpSpPr>
+          <a:xfrm>
+            <a:off x="273554" y="781837"/>
+            <a:ext cx="4679446" cy="3041299"/>
+            <a:chOff x="200382" y="703071"/>
+            <a:chExt cx="4679446" cy="3041299"/>
+          </a:xfrm>
+        </p:grpSpPr>
+        <p:pic>
+          <p:nvPicPr>
+            <p:cNvPr id="6" name="그림 5">
+              <a:extLst>
+                <a:ext uri="{FF2B5EF4-FFF2-40B4-BE49-F238E27FC236}">
+                  <a16:creationId xmlns:a16="http://schemas.microsoft.com/office/drawing/2014/main" id="{0A904A8C-EF71-45E1-9783-C42BD16A195C}"/>
+                </a:ext>
+              </a:extLst>
+            </p:cNvPr>
+            <p:cNvPicPr>
+              <a:picLocks noChangeAspect="1"/>
+            </p:cNvPicPr>
+            <p:nvPr/>
+          </p:nvPicPr>
+          <p:blipFill>
+            <a:blip r:embed="rId2"/>
+            <a:stretch>
+              <a:fillRect/>
+            </a:stretch>
+          </p:blipFill>
+          <p:spPr>
+            <a:xfrm>
+              <a:off x="332606" y="2130006"/>
+              <a:ext cx="4532947" cy="1557784"/>
+            </a:xfrm>
+            <a:prstGeom prst="rect">
+              <a:avLst/>
+            </a:prstGeom>
+          </p:spPr>
+        </p:pic>
+        <p:sp>
+          <p:nvSpPr>
+            <p:cNvPr id="10" name="직사각형 9">
+              <a:extLst>
+                <a:ext uri="{FF2B5EF4-FFF2-40B4-BE49-F238E27FC236}">
+                  <a16:creationId xmlns:a16="http://schemas.microsoft.com/office/drawing/2014/main" id="{3AC52778-A9B5-4A6C-9C9A-EC5AE87687F3}"/>
+                </a:ext>
+              </a:extLst>
+            </p:cNvPr>
+            <p:cNvSpPr/>
+            <p:nvPr/>
+          </p:nvSpPr>
+          <p:spPr>
+            <a:xfrm>
+              <a:off x="210170" y="1066971"/>
+              <a:ext cx="4669658" cy="2677399"/>
+            </a:xfrm>
+            <a:prstGeom prst="rect">
+              <a:avLst/>
+            </a:prstGeom>
+            <a:noFill/>
+          </p:spPr>
+          <p:style>
+            <a:lnRef idx="2">
+              <a:schemeClr val="accent1">
+                <a:shade val="50000"/>
+              </a:schemeClr>
+            </a:lnRef>
+            <a:fillRef idx="1">
+              <a:schemeClr val="accent1"/>
+            </a:fillRef>
+            <a:effectRef idx="0">
+              <a:schemeClr val="accent1"/>
+            </a:effectRef>
+            <a:fontRef idx="minor">
+              <a:schemeClr val="lt1"/>
+            </a:fontRef>
+          </p:style>
+          <p:txBody>
+            <a:bodyPr rtlCol="0" anchor="ctr"/>
+            <a:lstStyle/>
+            <a:p>
+              <a:pPr algn="ctr"/>
+              <a:endParaRPr lang="ko-KR" altLang="en-US">
+                <a:latin typeface="나눔고딕" panose="020B0600000101010101" charset="-127"/>
+                <a:ea typeface="나눔고딕" panose="020B0600000101010101" charset="-127"/>
+              </a:endParaRPr>
+            </a:p>
+          </p:txBody>
+        </p:sp>
+        <p:sp>
+          <p:nvSpPr>
+            <p:cNvPr id="11" name="자유형 23">
+              <a:extLst>
+                <a:ext uri="{FF2B5EF4-FFF2-40B4-BE49-F238E27FC236}">
+                  <a16:creationId xmlns:a16="http://schemas.microsoft.com/office/drawing/2014/main" id="{845B6D43-EC7C-41C0-B5DB-F5128B2CE458}"/>
+                </a:ext>
+              </a:extLst>
+            </p:cNvPr>
+            <p:cNvSpPr>
+              <a:spLocks noChangeArrowheads="1"/>
+            </p:cNvSpPr>
+            <p:nvPr/>
+          </p:nvSpPr>
+          <p:spPr bwMode="gray">
+            <a:xfrm>
+              <a:off x="200382" y="703071"/>
+              <a:ext cx="2512989" cy="353752"/>
+            </a:xfrm>
+            <a:custGeom>
+              <a:avLst/>
+              <a:gdLst>
+                <a:gd name="connsiteX0" fmla="*/ 48729 w 1587995"/>
+                <a:gd name="connsiteY0" fmla="*/ 0 h 292361"/>
+                <a:gd name="connsiteX1" fmla="*/ 1539267 w 1587995"/>
+                <a:gd name="connsiteY1" fmla="*/ 0 h 292361"/>
+                <a:gd name="connsiteX2" fmla="*/ 1587995 w 1587995"/>
+                <a:gd name="connsiteY2" fmla="*/ 48728 h 292361"/>
+                <a:gd name="connsiteX3" fmla="*/ 1587995 w 1587995"/>
+                <a:gd name="connsiteY3" fmla="*/ 243633 h 292361"/>
+                <a:gd name="connsiteX4" fmla="*/ 1587994 w 1587995"/>
+                <a:gd name="connsiteY4" fmla="*/ 243636 h 292361"/>
+                <a:gd name="connsiteX5" fmla="*/ 1587994 w 1587995"/>
+                <a:gd name="connsiteY5" fmla="*/ 292361 h 292361"/>
+                <a:gd name="connsiteX6" fmla="*/ 1539267 w 1587995"/>
+                <a:gd name="connsiteY6" fmla="*/ 292361 h 292361"/>
+                <a:gd name="connsiteX7" fmla="*/ 48729 w 1587995"/>
+                <a:gd name="connsiteY7" fmla="*/ 292361 h 292361"/>
+                <a:gd name="connsiteX8" fmla="*/ 0 w 1587995"/>
+                <a:gd name="connsiteY8" fmla="*/ 292361 h 292361"/>
+                <a:gd name="connsiteX9" fmla="*/ 0 w 1587995"/>
+                <a:gd name="connsiteY9" fmla="*/ 152400 h 292361"/>
+                <a:gd name="connsiteX10" fmla="*/ 1 w 1587995"/>
+                <a:gd name="connsiteY10" fmla="*/ 152400 h 292361"/>
+                <a:gd name="connsiteX11" fmla="*/ 1 w 1587995"/>
+                <a:gd name="connsiteY11" fmla="*/ 48728 h 292361"/>
+                <a:gd name="connsiteX12" fmla="*/ 48729 w 1587995"/>
+                <a:gd name="connsiteY12" fmla="*/ 0 h 292361"/>
+              </a:gdLst>
+              <a:ahLst/>
+              <a:cxnLst>
+                <a:cxn ang="0">
+                  <a:pos x="connsiteX0" y="connsiteY0"/>
+                </a:cxn>
+                <a:cxn ang="0">
+                  <a:pos x="connsiteX1" y="connsiteY1"/>
+                </a:cxn>
+                <a:cxn ang="0">
+                  <a:pos x="connsiteX2" y="connsiteY2"/>
+                </a:cxn>
+                <a:cxn ang="0">
+                  <a:pos x="connsiteX3" y="connsiteY3"/>
+                </a:cxn>
+                <a:cxn ang="0">
+                  <a:pos x="connsiteX4" y="connsiteY4"/>
+                </a:cxn>
+                <a:cxn ang="0">
+                  <a:pos x="connsiteX5" y="connsiteY5"/>
+                </a:cxn>
+                <a:cxn ang="0">
+                  <a:pos x="connsiteX6" y="connsiteY6"/>
+                </a:cxn>
+                <a:cxn ang="0">
+                  <a:pos x="connsiteX7" y="connsiteY7"/>
+                </a:cxn>
+                <a:cxn ang="0">
+                  <a:pos x="connsiteX8" y="connsiteY8"/>
+                </a:cxn>
+                <a:cxn ang="0">
+                  <a:pos x="connsiteX9" y="connsiteY9"/>
+                </a:cxn>
+                <a:cxn ang="0">
+                  <a:pos x="connsiteX10" y="connsiteY10"/>
+                </a:cxn>
+                <a:cxn ang="0">
+                  <a:pos x="connsiteX11" y="connsiteY11"/>
+                </a:cxn>
+                <a:cxn ang="0">
+                  <a:pos x="connsiteX12" y="connsiteY12"/>
+                </a:cxn>
+              </a:cxnLst>
+              <a:rect l="l" t="t" r="r" b="b"/>
+              <a:pathLst>
+                <a:path w="1587995" h="292361">
+                  <a:moveTo>
+                    <a:pt x="48729" y="0"/>
+                  </a:moveTo>
+                  <a:lnTo>
+                    <a:pt x="1539267" y="0"/>
+                  </a:lnTo>
+                  <a:cubicBezTo>
+                    <a:pt x="1566179" y="0"/>
+                    <a:pt x="1587995" y="21816"/>
+                    <a:pt x="1587995" y="48728"/>
+                  </a:cubicBezTo>
+                  <a:lnTo>
+                    <a:pt x="1587995" y="243633"/>
+                  </a:lnTo>
+                  <a:lnTo>
+                    <a:pt x="1587994" y="243636"/>
+                  </a:lnTo>
+                  <a:lnTo>
+                    <a:pt x="1587994" y="292361"/>
+                  </a:lnTo>
+                  <a:lnTo>
+                    <a:pt x="1539267" y="292361"/>
+                  </a:lnTo>
+                  <a:lnTo>
+                    <a:pt x="48729" y="292361"/>
+                  </a:lnTo>
+                  <a:lnTo>
+                    <a:pt x="0" y="292361"/>
+                  </a:lnTo>
+                  <a:lnTo>
+                    <a:pt x="0" y="152400"/>
+                  </a:lnTo>
+                  <a:lnTo>
+                    <a:pt x="1" y="152400"/>
+                  </a:lnTo>
+                  <a:lnTo>
+                    <a:pt x="1" y="48728"/>
+                  </a:lnTo>
+                  <a:cubicBezTo>
+                    <a:pt x="1" y="21816"/>
+                    <a:pt x="21817" y="0"/>
+                    <a:pt x="48729" y="0"/>
+                  </a:cubicBezTo>
+                  <a:close/>
+                </a:path>
+              </a:pathLst>
+            </a:custGeom>
+            <a:solidFill>
+              <a:srgbClr val="002060"/>
+            </a:solidFill>
+            <a:ln w="9525" algn="ctr">
+              <a:solidFill>
+                <a:srgbClr val="002060"/>
+              </a:solidFill>
+              <a:miter lim="800000"/>
+              <a:headEnd/>
+              <a:tailEnd/>
+            </a:ln>
+            <a:effectLst>
+              <a:outerShdw blurRad="50800" dist="38100" dir="2700000" algn="tl" rotWithShape="0">
+                <a:prstClr val="black">
+                  <a:alpha val="40000"/>
+                </a:prstClr>
+              </a:outerShdw>
+            </a:effectLst>
+          </p:spPr>
+          <p:txBody>
+            <a:bodyPr wrap="square" lIns="72000" tIns="36000" rIns="72000" bIns="36000" anchor="ctr">
+              <a:noAutofit/>
+            </a:bodyPr>
+            <a:lstStyle/>
+            <a:p>
+              <a:pPr marR="0" lvl="0" algn="ctr" defTabSz="411163" eaLnBrk="0" fontAlgn="base" latinLnBrk="0" hangingPunct="0">
+                <a:spcBef>
+                  <a:spcPct val="0"/>
+                </a:spcBef>
+                <a:spcAft>
+                  <a:spcPct val="0"/>
+                </a:spcAft>
+                <a:buSzPct val="90000"/>
+                <a:tabLst>
+                  <a:tab pos="85725" algn="l"/>
+                </a:tabLst>
+                <a:defRPr/>
+              </a:pPr>
+              <a:r>
+                <a:rPr kumimoji="1" lang="en-US" altLang="ko-KR" sz="1200" b="1" i="0" u="none" strike="noStrike" kern="0" cap="none" spc="0" normalizeH="0" baseline="0" noProof="0" dirty="0">
+                  <a:ln>
+                    <a:noFill/>
+                  </a:ln>
+                  <a:solidFill>
+                    <a:schemeClr val="bg1"/>
+                  </a:solidFill>
+                  <a:effectLst/>
+                  <a:uLnTx/>
+                  <a:uFillTx/>
+                  <a:latin typeface="나눔고딕" panose="020B0600000101010101" charset="-127"/>
+                  <a:ea typeface="나눔고딕" panose="020B0600000101010101" charset="-127"/>
+                </a:rPr>
+                <a:t>SELECT</a:t>
+              </a:r>
+              <a:r>
+                <a:rPr kumimoji="1" lang="ko-KR" altLang="en-US" sz="1200" b="1" i="0" u="none" strike="noStrike" kern="0" cap="none" spc="0" normalizeH="0" baseline="0" noProof="0" dirty="0">
+                  <a:ln>
+                    <a:noFill/>
+                  </a:ln>
+                  <a:solidFill>
+                    <a:schemeClr val="bg1"/>
+                  </a:solidFill>
+                  <a:effectLst/>
+                  <a:uLnTx/>
+                  <a:uFillTx/>
+                  <a:latin typeface="나눔고딕" panose="020B0600000101010101" charset="-127"/>
+                  <a:ea typeface="나눔고딕" panose="020B0600000101010101" charset="-127"/>
+                </a:rPr>
+                <a:t>절에 전체 컬럼 입력</a:t>
+              </a:r>
+              <a:endParaRPr kumimoji="1" lang="en-US" altLang="ko-KR" sz="1200" b="1" i="0" u="none" strike="noStrike" kern="0" cap="none" spc="0" normalizeH="0" baseline="0" noProof="0" dirty="0">
+                <a:ln>
+                  <a:noFill/>
+                </a:ln>
+                <a:solidFill>
+                  <a:schemeClr val="bg1"/>
+                </a:solidFill>
+                <a:effectLst/>
+                <a:uLnTx/>
+                <a:uFillTx/>
+                <a:latin typeface="나눔고딕" panose="020B0600000101010101" charset="-127"/>
+                <a:ea typeface="나눔고딕" panose="020B0600000101010101" charset="-127"/>
+              </a:endParaRPr>
+            </a:p>
+          </p:txBody>
+        </p:sp>
+        <p:pic>
+          <p:nvPicPr>
+            <p:cNvPr id="9" name="그림 8">
+              <a:extLst>
+                <a:ext uri="{FF2B5EF4-FFF2-40B4-BE49-F238E27FC236}">
+                  <a16:creationId xmlns:a16="http://schemas.microsoft.com/office/drawing/2014/main" id="{A0D1C394-D55D-478A-A99E-C145A082798B}"/>
+                </a:ext>
+              </a:extLst>
+            </p:cNvPr>
+            <p:cNvPicPr>
+              <a:picLocks noChangeAspect="1"/>
+            </p:cNvPicPr>
+            <p:nvPr/>
+          </p:nvPicPr>
+          <p:blipFill rotWithShape="1">
+            <a:blip r:embed="rId3"/>
+            <a:srcRect b="8146"/>
+            <a:stretch/>
+          </p:blipFill>
+          <p:spPr>
+            <a:xfrm>
+              <a:off x="335421" y="1127213"/>
+              <a:ext cx="2099715" cy="959089"/>
+            </a:xfrm>
+            <a:prstGeom prst="rect">
+              <a:avLst/>
+            </a:prstGeom>
+          </p:spPr>
+        </p:pic>
+      </p:grpSp>
+      <p:grpSp>
+        <p:nvGrpSpPr>
+          <p:cNvPr id="7" name="그룹 6">
+            <a:extLst>
+              <a:ext uri="{FF2B5EF4-FFF2-40B4-BE49-F238E27FC236}">
+                <a16:creationId xmlns:a16="http://schemas.microsoft.com/office/drawing/2014/main" id="{F7E69B9F-C3CD-4F35-B350-863C134233B9}"/>
+              </a:ext>
+            </a:extLst>
+          </p:cNvPr>
+          <p:cNvGrpSpPr/>
+          <p:nvPr/>
+        </p:nvGrpSpPr>
+        <p:grpSpPr>
+          <a:xfrm>
+            <a:off x="5087226" y="797634"/>
+            <a:ext cx="4530645" cy="3025502"/>
+            <a:chOff x="282046" y="3556766"/>
+            <a:chExt cx="4530645" cy="3025502"/>
+          </a:xfrm>
+        </p:grpSpPr>
+        <p:pic>
+          <p:nvPicPr>
+            <p:cNvPr id="3" name="그림 2">
+              <a:extLst>
+                <a:ext uri="{FF2B5EF4-FFF2-40B4-BE49-F238E27FC236}">
+                  <a16:creationId xmlns:a16="http://schemas.microsoft.com/office/drawing/2014/main" id="{0BA782FC-3FAD-4964-B691-949F317CC45F}"/>
+                </a:ext>
+              </a:extLst>
+            </p:cNvPr>
+            <p:cNvPicPr>
+              <a:picLocks noChangeAspect="1"/>
+            </p:cNvPicPr>
+            <p:nvPr/>
+          </p:nvPicPr>
+          <p:blipFill>
+            <a:blip r:embed="rId4"/>
+            <a:stretch>
+              <a:fillRect/>
+            </a:stretch>
+          </p:blipFill>
+          <p:spPr>
+            <a:xfrm>
+              <a:off x="363984" y="3961032"/>
+              <a:ext cx="2151418" cy="1008941"/>
+            </a:xfrm>
+            <a:prstGeom prst="rect">
+              <a:avLst/>
+            </a:prstGeom>
+          </p:spPr>
+        </p:pic>
+        <p:pic>
+          <p:nvPicPr>
+            <p:cNvPr id="5" name="그림 4">
+              <a:extLst>
+                <a:ext uri="{FF2B5EF4-FFF2-40B4-BE49-F238E27FC236}">
+                  <a16:creationId xmlns:a16="http://schemas.microsoft.com/office/drawing/2014/main" id="{2D3AE05F-C826-4837-8C4D-C5AFD1B40A7C}"/>
+                </a:ext>
+              </a:extLst>
+            </p:cNvPr>
+            <p:cNvPicPr>
+              <a:picLocks noChangeAspect="1"/>
+            </p:cNvPicPr>
+            <p:nvPr/>
+          </p:nvPicPr>
+          <p:blipFill>
+            <a:blip r:embed="rId5"/>
+            <a:stretch>
+              <a:fillRect/>
+            </a:stretch>
+          </p:blipFill>
+          <p:spPr>
+            <a:xfrm>
+              <a:off x="363983" y="4969973"/>
+              <a:ext cx="4390035" cy="1537956"/>
+            </a:xfrm>
+            <a:prstGeom prst="rect">
+              <a:avLst/>
+            </a:prstGeom>
+          </p:spPr>
+        </p:pic>
+        <p:sp>
+          <p:nvSpPr>
+            <p:cNvPr id="22" name="직사각형 21">
+              <a:extLst>
+                <a:ext uri="{FF2B5EF4-FFF2-40B4-BE49-F238E27FC236}">
+                  <a16:creationId xmlns:a16="http://schemas.microsoft.com/office/drawing/2014/main" id="{97DC1A3A-E663-4A76-90DB-4166F9181104}"/>
+                </a:ext>
+              </a:extLst>
+            </p:cNvPr>
+            <p:cNvSpPr/>
+            <p:nvPr/>
+          </p:nvSpPr>
+          <p:spPr>
+            <a:xfrm>
+              <a:off x="290434" y="3910518"/>
+              <a:ext cx="4522257" cy="2671750"/>
+            </a:xfrm>
+            <a:prstGeom prst="rect">
+              <a:avLst/>
+            </a:prstGeom>
+            <a:noFill/>
+          </p:spPr>
+          <p:style>
+            <a:lnRef idx="2">
+              <a:schemeClr val="accent1">
+                <a:shade val="50000"/>
+              </a:schemeClr>
+            </a:lnRef>
+            <a:fillRef idx="1">
+              <a:schemeClr val="accent1"/>
+            </a:fillRef>
+            <a:effectRef idx="0">
+              <a:schemeClr val="accent1"/>
+            </a:effectRef>
+            <a:fontRef idx="minor">
+              <a:schemeClr val="lt1"/>
+            </a:fontRef>
+          </p:style>
+          <p:txBody>
+            <a:bodyPr rtlCol="0" anchor="ctr"/>
+            <a:lstStyle/>
+            <a:p>
+              <a:pPr algn="ctr"/>
+              <a:endParaRPr lang="ko-KR" altLang="en-US">
+                <a:latin typeface="나눔고딕" panose="020B0600000101010101" charset="-127"/>
+                <a:ea typeface="나눔고딕" panose="020B0600000101010101" charset="-127"/>
+              </a:endParaRPr>
+            </a:p>
+          </p:txBody>
+        </p:sp>
+        <p:sp>
+          <p:nvSpPr>
+            <p:cNvPr id="23" name="자유형 23">
+              <a:extLst>
+                <a:ext uri="{FF2B5EF4-FFF2-40B4-BE49-F238E27FC236}">
+                  <a16:creationId xmlns:a16="http://schemas.microsoft.com/office/drawing/2014/main" id="{D8E4D315-0F19-4AD6-BF85-BB59BDEE81EA}"/>
+                </a:ext>
+              </a:extLst>
+            </p:cNvPr>
+            <p:cNvSpPr>
+              <a:spLocks noChangeArrowheads="1"/>
+            </p:cNvSpPr>
+            <p:nvPr/>
+          </p:nvSpPr>
+          <p:spPr bwMode="gray">
+            <a:xfrm>
+              <a:off x="282046" y="3556766"/>
+              <a:ext cx="3316831" cy="353752"/>
+            </a:xfrm>
+            <a:custGeom>
+              <a:avLst/>
+              <a:gdLst>
+                <a:gd name="connsiteX0" fmla="*/ 48729 w 1587995"/>
+                <a:gd name="connsiteY0" fmla="*/ 0 h 292361"/>
+                <a:gd name="connsiteX1" fmla="*/ 1539267 w 1587995"/>
+                <a:gd name="connsiteY1" fmla="*/ 0 h 292361"/>
+                <a:gd name="connsiteX2" fmla="*/ 1587995 w 1587995"/>
+                <a:gd name="connsiteY2" fmla="*/ 48728 h 292361"/>
+                <a:gd name="connsiteX3" fmla="*/ 1587995 w 1587995"/>
+                <a:gd name="connsiteY3" fmla="*/ 243633 h 292361"/>
+                <a:gd name="connsiteX4" fmla="*/ 1587994 w 1587995"/>
+                <a:gd name="connsiteY4" fmla="*/ 243636 h 292361"/>
+                <a:gd name="connsiteX5" fmla="*/ 1587994 w 1587995"/>
+                <a:gd name="connsiteY5" fmla="*/ 292361 h 292361"/>
+                <a:gd name="connsiteX6" fmla="*/ 1539267 w 1587995"/>
+                <a:gd name="connsiteY6" fmla="*/ 292361 h 292361"/>
+                <a:gd name="connsiteX7" fmla="*/ 48729 w 1587995"/>
+                <a:gd name="connsiteY7" fmla="*/ 292361 h 292361"/>
+                <a:gd name="connsiteX8" fmla="*/ 0 w 1587995"/>
+                <a:gd name="connsiteY8" fmla="*/ 292361 h 292361"/>
+                <a:gd name="connsiteX9" fmla="*/ 0 w 1587995"/>
+                <a:gd name="connsiteY9" fmla="*/ 152400 h 292361"/>
+                <a:gd name="connsiteX10" fmla="*/ 1 w 1587995"/>
+                <a:gd name="connsiteY10" fmla="*/ 152400 h 292361"/>
+                <a:gd name="connsiteX11" fmla="*/ 1 w 1587995"/>
+                <a:gd name="connsiteY11" fmla="*/ 48728 h 292361"/>
+                <a:gd name="connsiteX12" fmla="*/ 48729 w 1587995"/>
+                <a:gd name="connsiteY12" fmla="*/ 0 h 292361"/>
+              </a:gdLst>
+              <a:ahLst/>
+              <a:cxnLst>
+                <a:cxn ang="0">
+                  <a:pos x="connsiteX0" y="connsiteY0"/>
+                </a:cxn>
+                <a:cxn ang="0">
+                  <a:pos x="connsiteX1" y="connsiteY1"/>
+                </a:cxn>
+                <a:cxn ang="0">
+                  <a:pos x="connsiteX2" y="connsiteY2"/>
+                </a:cxn>
+                <a:cxn ang="0">
+                  <a:pos x="connsiteX3" y="connsiteY3"/>
+                </a:cxn>
+                <a:cxn ang="0">
+                  <a:pos x="connsiteX4" y="connsiteY4"/>
+                </a:cxn>
+                <a:cxn ang="0">
+                  <a:pos x="connsiteX5" y="connsiteY5"/>
+                </a:cxn>
+                <a:cxn ang="0">
+                  <a:pos x="connsiteX6" y="connsiteY6"/>
+                </a:cxn>
+                <a:cxn ang="0">
+                  <a:pos x="connsiteX7" y="connsiteY7"/>
+                </a:cxn>
+                <a:cxn ang="0">
+                  <a:pos x="connsiteX8" y="connsiteY8"/>
+                </a:cxn>
+                <a:cxn ang="0">
+                  <a:pos x="connsiteX9" y="connsiteY9"/>
+                </a:cxn>
+                <a:cxn ang="0">
+                  <a:pos x="connsiteX10" y="connsiteY10"/>
+                </a:cxn>
+                <a:cxn ang="0">
+                  <a:pos x="connsiteX11" y="connsiteY11"/>
+                </a:cxn>
+                <a:cxn ang="0">
+                  <a:pos x="connsiteX12" y="connsiteY12"/>
+                </a:cxn>
+              </a:cxnLst>
+              <a:rect l="l" t="t" r="r" b="b"/>
+              <a:pathLst>
+                <a:path w="1587995" h="292361">
+                  <a:moveTo>
+                    <a:pt x="48729" y="0"/>
+                  </a:moveTo>
+                  <a:lnTo>
+                    <a:pt x="1539267" y="0"/>
+                  </a:lnTo>
+                  <a:cubicBezTo>
+                    <a:pt x="1566179" y="0"/>
+                    <a:pt x="1587995" y="21816"/>
+                    <a:pt x="1587995" y="48728"/>
+                  </a:cubicBezTo>
+                  <a:lnTo>
+                    <a:pt x="1587995" y="243633"/>
+                  </a:lnTo>
+                  <a:lnTo>
+                    <a:pt x="1587994" y="243636"/>
+                  </a:lnTo>
+                  <a:lnTo>
+                    <a:pt x="1587994" y="292361"/>
+                  </a:lnTo>
+                  <a:lnTo>
+                    <a:pt x="1539267" y="292361"/>
+                  </a:lnTo>
+                  <a:lnTo>
+                    <a:pt x="48729" y="292361"/>
+                  </a:lnTo>
+                  <a:lnTo>
+                    <a:pt x="0" y="292361"/>
+                  </a:lnTo>
+                  <a:lnTo>
+                    <a:pt x="0" y="152400"/>
+                  </a:lnTo>
+                  <a:lnTo>
+                    <a:pt x="1" y="152400"/>
+                  </a:lnTo>
+                  <a:lnTo>
+                    <a:pt x="1" y="48728"/>
+                  </a:lnTo>
+                  <a:cubicBezTo>
+                    <a:pt x="1" y="21816"/>
+                    <a:pt x="21817" y="0"/>
+                    <a:pt x="48729" y="0"/>
+                  </a:cubicBezTo>
+                  <a:close/>
+                </a:path>
+              </a:pathLst>
+            </a:custGeom>
+            <a:solidFill>
+              <a:srgbClr val="002060"/>
+            </a:solidFill>
+            <a:ln w="9525" algn="ctr">
+              <a:solidFill>
+                <a:srgbClr val="002060"/>
+              </a:solidFill>
+              <a:miter lim="800000"/>
+              <a:headEnd/>
+              <a:tailEnd/>
+            </a:ln>
+            <a:effectLst>
+              <a:outerShdw blurRad="50800" dist="38100" dir="2700000" algn="tl" rotWithShape="0">
+                <a:prstClr val="black">
+                  <a:alpha val="40000"/>
+                </a:prstClr>
+              </a:outerShdw>
+            </a:effectLst>
+          </p:spPr>
+          <p:txBody>
+            <a:bodyPr wrap="square" lIns="72000" tIns="36000" rIns="72000" bIns="36000" anchor="ctr">
+              <a:noAutofit/>
+            </a:bodyPr>
+            <a:lstStyle/>
+            <a:p>
+              <a:pPr marR="0" lvl="0" algn="ctr" defTabSz="411163" eaLnBrk="0" fontAlgn="base" latinLnBrk="0" hangingPunct="0">
+                <a:spcBef>
+                  <a:spcPct val="0"/>
+                </a:spcBef>
+                <a:spcAft>
+                  <a:spcPct val="0"/>
+                </a:spcAft>
+                <a:buSzPct val="90000"/>
+                <a:tabLst>
+                  <a:tab pos="85725" algn="l"/>
+                </a:tabLst>
+                <a:defRPr/>
+              </a:pPr>
+              <a:r>
+                <a:rPr kumimoji="1" lang="en-US" altLang="ko-KR" sz="1200" b="1" i="0" u="none" strike="noStrike" kern="0" cap="none" spc="0" normalizeH="0" baseline="0" noProof="0" dirty="0">
+                  <a:ln>
+                    <a:noFill/>
+                  </a:ln>
+                  <a:solidFill>
+                    <a:schemeClr val="bg1"/>
+                  </a:solidFill>
+                  <a:effectLst/>
+                  <a:uLnTx/>
+                  <a:uFillTx/>
+                  <a:latin typeface="나눔고딕" panose="020B0600000101010101" charset="-127"/>
+                  <a:ea typeface="나눔고딕" panose="020B0600000101010101" charset="-127"/>
+                </a:rPr>
+                <a:t>SELECT</a:t>
+              </a:r>
+              <a:r>
+                <a:rPr kumimoji="1" lang="ko-KR" altLang="en-US" sz="1200" b="1" i="0" u="none" strike="noStrike" kern="0" cap="none" spc="0" normalizeH="0" baseline="0" noProof="0" dirty="0">
+                  <a:ln>
+                    <a:noFill/>
+                  </a:ln>
+                  <a:solidFill>
+                    <a:schemeClr val="bg1"/>
+                  </a:solidFill>
+                  <a:effectLst/>
+                  <a:uLnTx/>
+                  <a:uFillTx/>
+                  <a:latin typeface="나눔고딕" panose="020B0600000101010101" charset="-127"/>
+                  <a:ea typeface="나눔고딕" panose="020B0600000101010101" charset="-127"/>
+                </a:rPr>
+                <a:t>절에 </a:t>
+              </a:r>
+              <a:r>
+                <a:rPr kumimoji="1" lang="en-US" altLang="ko-KR" sz="1200" b="1" i="0" u="none" strike="noStrike" kern="0" cap="none" spc="0" normalizeH="0" baseline="0" noProof="0" dirty="0">
+                  <a:ln>
+                    <a:noFill/>
+                  </a:ln>
+                  <a:solidFill>
+                    <a:schemeClr val="bg1"/>
+                  </a:solidFill>
+                  <a:effectLst/>
+                  <a:uLnTx/>
+                  <a:uFillTx/>
+                  <a:latin typeface="나눔고딕" panose="020B0600000101010101" charset="-127"/>
+                  <a:ea typeface="나눔고딕" panose="020B0600000101010101" charset="-127"/>
+                </a:rPr>
+                <a:t>INDEX</a:t>
+              </a:r>
+              <a:r>
+                <a:rPr kumimoji="1" lang="ko-KR" altLang="en-US" sz="1200" b="1" i="0" u="none" strike="noStrike" kern="0" cap="none" spc="0" normalizeH="0" baseline="0" noProof="0" dirty="0">
+                  <a:ln>
+                    <a:noFill/>
+                  </a:ln>
+                  <a:solidFill>
+                    <a:schemeClr val="bg1"/>
+                  </a:solidFill>
+                  <a:effectLst/>
+                  <a:uLnTx/>
+                  <a:uFillTx/>
+                  <a:latin typeface="나눔고딕" panose="020B0600000101010101" charset="-127"/>
+                  <a:ea typeface="나눔고딕" panose="020B0600000101010101" charset="-127"/>
+                </a:rPr>
+                <a:t>에 존재하는 컬럼만 입력</a:t>
+              </a:r>
+              <a:endParaRPr kumimoji="1" lang="en-US" altLang="ko-KR" sz="1200" b="1" i="0" u="none" strike="noStrike" kern="0" cap="none" spc="0" normalizeH="0" baseline="0" noProof="0" dirty="0">
+                <a:ln>
+                  <a:noFill/>
+                </a:ln>
+                <a:solidFill>
+                  <a:schemeClr val="bg1"/>
+                </a:solidFill>
+                <a:effectLst/>
+                <a:uLnTx/>
+                <a:uFillTx/>
+                <a:latin typeface="나눔고딕" panose="020B0600000101010101" charset="-127"/>
+                <a:ea typeface="나눔고딕" panose="020B0600000101010101" charset="-127"/>
+              </a:endParaRPr>
+            </a:p>
+          </p:txBody>
+        </p:sp>
+      </p:grpSp>
+      <p:sp>
+        <p:nvSpPr>
+          <p:cNvPr id="24" name="TextBox 23">
+            <a:extLst>
+              <a:ext uri="{FF2B5EF4-FFF2-40B4-BE49-F238E27FC236}">
+                <a16:creationId xmlns:a16="http://schemas.microsoft.com/office/drawing/2014/main" id="{7F2D2C56-764D-4FF6-9160-90DFC4BA4B17}"/>
+              </a:ext>
+            </a:extLst>
+          </p:cNvPr>
+          <p:cNvSpPr txBox="1"/>
+          <p:nvPr/>
+        </p:nvSpPr>
+        <p:spPr>
+          <a:xfrm>
+            <a:off x="139329" y="3883378"/>
+            <a:ext cx="9630200" cy="1854162"/>
+          </a:xfrm>
+          <a:prstGeom prst="rect">
+            <a:avLst/>
+          </a:prstGeom>
+          <a:noFill/>
+        </p:spPr>
+        <p:txBody>
+          <a:bodyPr wrap="none" rtlCol="0">
+            <a:spAutoFit/>
+          </a:bodyPr>
+          <a:lstStyle/>
+          <a:p>
+            <a:pPr marL="285750" indent="-285750">
+              <a:lnSpc>
+                <a:spcPct val="150000"/>
+              </a:lnSpc>
+              <a:buFont typeface="Arial" panose="020B0604020202020204" pitchFamily="34" charset="0"/>
+              <a:buChar char="•"/>
+            </a:pPr>
+            <a:r>
+              <a:rPr lang="en-US" altLang="ko-KR" sz="1300" dirty="0"/>
+              <a:t>‘SCORE_SNO_CNO_PK’INDEX</a:t>
+            </a:r>
+            <a:r>
+              <a:rPr lang="ko-KR" altLang="en-US" sz="1300" dirty="0"/>
+              <a:t>에는 </a:t>
+            </a:r>
+            <a:r>
+              <a:rPr lang="en-US" altLang="ko-KR" sz="1300" dirty="0"/>
+              <a:t>‘SNO’, ‘CNO’</a:t>
+            </a:r>
+            <a:r>
+              <a:rPr lang="ko-KR" altLang="en-US" sz="1300" dirty="0"/>
+              <a:t>컬럼이 </a:t>
+            </a:r>
+            <a:r>
+              <a:rPr lang="en-US" altLang="ko-KR" sz="1300" dirty="0"/>
+              <a:t>INDEX KEY</a:t>
+            </a:r>
+            <a:r>
+              <a:rPr lang="ko-KR" altLang="en-US" sz="1300" dirty="0"/>
+              <a:t>로 설정되어 있음</a:t>
+            </a:r>
+            <a:endParaRPr lang="en-US" altLang="ko-KR" sz="1300" dirty="0"/>
+          </a:p>
+          <a:p>
+            <a:pPr marL="285750" indent="-285750">
+              <a:lnSpc>
+                <a:spcPct val="150000"/>
+              </a:lnSpc>
+              <a:buFont typeface="Arial" panose="020B0604020202020204" pitchFamily="34" charset="0"/>
+              <a:buChar char="•"/>
+            </a:pPr>
+            <a:r>
+              <a:rPr lang="ko-KR" altLang="en-US" sz="1300" dirty="0"/>
+              <a:t>이에 따라</a:t>
+            </a:r>
+            <a:r>
+              <a:rPr lang="en-US" altLang="ko-KR" sz="1300" dirty="0"/>
+              <a:t> INDEX</a:t>
+            </a:r>
+            <a:r>
+              <a:rPr lang="ko-KR" altLang="en-US" sz="1300" dirty="0"/>
+              <a:t>에 존재하지 않은 </a:t>
+            </a:r>
+            <a:r>
+              <a:rPr lang="en-US" altLang="ko-KR" sz="1300" dirty="0"/>
+              <a:t>‘RESULT’</a:t>
+            </a:r>
+            <a:r>
+              <a:rPr lang="ko-KR" altLang="en-US" sz="1300" dirty="0"/>
+              <a:t>컬럼까지 조회하려면</a:t>
+            </a:r>
+            <a:r>
+              <a:rPr lang="en-US" altLang="ko-KR" sz="1300" dirty="0"/>
+              <a:t>, INDEX SCAN </a:t>
+            </a:r>
+            <a:r>
+              <a:rPr lang="ko-KR" altLang="en-US" sz="1300" dirty="0"/>
+              <a:t>결과를 기반으로 </a:t>
+            </a:r>
+            <a:r>
+              <a:rPr lang="en-US" altLang="ko-KR" sz="1300" dirty="0"/>
+              <a:t>‘SCORE’TABLE</a:t>
+            </a:r>
+            <a:r>
+              <a:rPr lang="ko-KR" altLang="en-US" sz="1300" dirty="0"/>
+              <a:t>에 접근하여</a:t>
+            </a:r>
+            <a:endParaRPr lang="en-US" altLang="ko-KR" sz="1300" dirty="0"/>
+          </a:p>
+          <a:p>
+            <a:pPr>
+              <a:lnSpc>
+                <a:spcPct val="150000"/>
+              </a:lnSpc>
+            </a:pPr>
+            <a:r>
+              <a:rPr lang="en-US" altLang="ko-KR" sz="1300" dirty="0"/>
+              <a:t>     </a:t>
+            </a:r>
+            <a:r>
+              <a:rPr lang="ko-KR" altLang="en-US" sz="1300" dirty="0"/>
+              <a:t>결과 레코드들의 </a:t>
+            </a:r>
+            <a:r>
+              <a:rPr lang="en-US" altLang="ko-KR" sz="1300" dirty="0"/>
+              <a:t>‘RESULT’</a:t>
+            </a:r>
+            <a:r>
+              <a:rPr lang="ko-KR" altLang="en-US" sz="1300" dirty="0" err="1"/>
+              <a:t>컬럼값을</a:t>
+            </a:r>
+            <a:r>
+              <a:rPr lang="ko-KR" altLang="en-US" sz="1300" dirty="0"/>
+              <a:t> 가져와야 함</a:t>
+            </a:r>
+            <a:endParaRPr lang="en-US" altLang="ko-KR" sz="1300" dirty="0"/>
+          </a:p>
+          <a:p>
+            <a:pPr>
+              <a:lnSpc>
+                <a:spcPct val="150000"/>
+              </a:lnSpc>
+            </a:pPr>
+            <a:r>
+              <a:rPr lang="en-US" altLang="ko-KR" sz="1300" dirty="0"/>
+              <a:t>     (</a:t>
+            </a:r>
+            <a:r>
+              <a:rPr lang="ko-KR" altLang="en-US" sz="1300" dirty="0"/>
+              <a:t>즉</a:t>
+            </a:r>
+            <a:r>
+              <a:rPr lang="en-US" altLang="ko-KR" sz="1300" dirty="0"/>
+              <a:t>, ‘TABLE ACCESS BY INDEX </a:t>
+            </a:r>
+            <a:r>
+              <a:rPr lang="en-US" altLang="ko-KR" sz="1300" dirty="0" err="1"/>
+              <a:t>ROWID’Operation</a:t>
+            </a:r>
+            <a:r>
+              <a:rPr lang="en-US" altLang="ko-KR" sz="1300" dirty="0"/>
+              <a:t> </a:t>
+            </a:r>
+            <a:r>
+              <a:rPr lang="ko-KR" altLang="en-US" sz="1300" dirty="0"/>
+              <a:t>발생</a:t>
+            </a:r>
+            <a:r>
+              <a:rPr lang="en-US" altLang="ko-KR" sz="1300" dirty="0"/>
+              <a:t>)</a:t>
+            </a:r>
+          </a:p>
+          <a:p>
+            <a:pPr marL="285750" indent="-285750">
+              <a:lnSpc>
+                <a:spcPct val="150000"/>
+              </a:lnSpc>
+              <a:buFont typeface="Arial" panose="020B0604020202020204" pitchFamily="34" charset="0"/>
+              <a:buChar char="•"/>
+            </a:pPr>
+            <a:r>
+              <a:rPr lang="ko-KR" altLang="en-US" sz="1300" dirty="0"/>
+              <a:t>만약 </a:t>
+            </a:r>
+            <a:r>
+              <a:rPr lang="en-US" altLang="ko-KR" sz="1300" dirty="0"/>
+              <a:t>INDEX SCAN </a:t>
+            </a:r>
+            <a:r>
+              <a:rPr lang="ko-KR" altLang="en-US" sz="1300" dirty="0"/>
+              <a:t>후 해당 </a:t>
+            </a:r>
+            <a:r>
+              <a:rPr lang="en-US" altLang="ko-KR" sz="1300" dirty="0"/>
+              <a:t>INDEX</a:t>
+            </a:r>
+            <a:r>
+              <a:rPr lang="ko-KR" altLang="en-US" sz="1300" dirty="0"/>
+              <a:t>에 포함되어 있는 </a:t>
+            </a:r>
+            <a:r>
+              <a:rPr lang="en-US" altLang="ko-KR" sz="1300" dirty="0"/>
+              <a:t>‘SNO’</a:t>
+            </a:r>
+            <a:r>
+              <a:rPr lang="ko-KR" altLang="en-US" sz="1300" dirty="0"/>
+              <a:t>컬럼만 조회한다면</a:t>
+            </a:r>
+            <a:r>
+              <a:rPr lang="en-US" altLang="ko-KR" sz="1300" dirty="0"/>
+              <a:t>, ‘SCORE’TABLE</a:t>
+            </a:r>
+            <a:r>
+              <a:rPr lang="ko-KR" altLang="en-US" sz="1300" dirty="0"/>
+              <a:t>에 접근할 필요가 없음</a:t>
+            </a:r>
+            <a:r>
+              <a:rPr lang="en-US" altLang="ko-KR" sz="1300" dirty="0"/>
+              <a:t> </a:t>
+            </a:r>
+          </a:p>
+          <a:p>
+            <a:pPr>
+              <a:lnSpc>
+                <a:spcPct val="150000"/>
+              </a:lnSpc>
+            </a:pPr>
+            <a:r>
+              <a:rPr lang="en-US" altLang="ko-KR" sz="1300" dirty="0"/>
+              <a:t>     (</a:t>
+            </a:r>
+            <a:r>
+              <a:rPr lang="ko-KR" altLang="en-US" sz="1300" dirty="0"/>
+              <a:t>즉</a:t>
+            </a:r>
+            <a:r>
+              <a:rPr lang="en-US" altLang="ko-KR" sz="1300" dirty="0"/>
+              <a:t>, ‘TABLE ACCESS BY INDEX </a:t>
+            </a:r>
+            <a:r>
+              <a:rPr lang="en-US" altLang="ko-KR" sz="1300" dirty="0" err="1"/>
+              <a:t>ROWID’Operation</a:t>
+            </a:r>
+            <a:r>
+              <a:rPr lang="en-US" altLang="ko-KR" sz="1300" dirty="0"/>
+              <a:t> </a:t>
+            </a:r>
+            <a:r>
+              <a:rPr lang="ko-KR" altLang="en-US" sz="1300" dirty="0"/>
+              <a:t>발생하지 않음</a:t>
+            </a:r>
+            <a:r>
+              <a:rPr lang="en-US" altLang="ko-KR" sz="1300" dirty="0"/>
+              <a:t>)</a:t>
+            </a:r>
+          </a:p>
+        </p:txBody>
+      </p:sp>
+    </p:spTree>
+    <p:extLst>
+      <p:ext uri="{BB962C8B-B14F-4D97-AF65-F5344CB8AC3E}">
+        <p14:creationId xmlns:p14="http://schemas.microsoft.com/office/powerpoint/2010/main" val="1682376503"/>
+      </p:ext>
+    </p:extLst>
+  </p:cSld>
+  <p:clrMapOvr>
+    <a:masterClrMapping/>
+  </p:clrMapOvr>
+</p:sld>
+</file>
+
+<file path=ppt/slides/slide34.xml><?xml version="1.0" encoding="utf-8"?>
+<p:sld xmlns:a="http://schemas.openxmlformats.org/drawingml/2006/main" xmlns:r="http://schemas.openxmlformats.org/officeDocument/2006/relationships" xmlns:p="http://schemas.openxmlformats.org/presentationml/2006/main">
+  <p:cSld>
+    <p:spTree>
+      <p:nvGrpSpPr>
+        <p:cNvPr id="1" name=""/>
+        <p:cNvGrpSpPr/>
+        <p:nvPr/>
+      </p:nvGrpSpPr>
+      <p:grpSpPr>
+        <a:xfrm>
+          <a:off x="0" y="0"/>
+          <a:ext cx="0" cy="0"/>
+          <a:chOff x="0" y="0"/>
+          <a:chExt cx="0" cy="0"/>
+        </a:xfrm>
+      </p:grpSpPr>
+      <p:sp>
+        <p:nvSpPr>
+          <p:cNvPr id="47" name="텍스트 개체 틀 3">
+            <a:extLst>
+              <a:ext uri="{FF2B5EF4-FFF2-40B4-BE49-F238E27FC236}">
+                <a16:creationId xmlns:a16="http://schemas.microsoft.com/office/drawing/2014/main" id="{BD6E26C7-2547-444C-8643-2B2EEE99F2F4}"/>
+              </a:ext>
+            </a:extLst>
+          </p:cNvPr>
+          <p:cNvSpPr>
+            <a:spLocks noGrp="1"/>
+          </p:cNvSpPr>
+          <p:nvPr>
+            <p:ph type="body" sz="quarter" idx="13"/>
+          </p:nvPr>
+        </p:nvSpPr>
+        <p:spPr>
+          <a:xfrm>
+            <a:off x="6747393" y="62621"/>
+            <a:ext cx="2822735" cy="390525"/>
+          </a:xfrm>
+        </p:spPr>
+        <p:txBody>
+          <a:bodyPr/>
+          <a:lstStyle/>
+          <a:p>
+            <a:r>
+              <a:rPr lang="en-US" altLang="ko-KR" dirty="0">
+                <a:latin typeface="나눔고딕" panose="020D0604000000000000" pitchFamily="50" charset="-127"/>
+                <a:ea typeface="나눔고딕" panose="020D0604000000000000" pitchFamily="50" charset="-127"/>
+              </a:rPr>
+              <a:t>Ⅱ. </a:t>
+            </a:r>
+            <a:r>
+              <a:rPr lang="ko-KR" altLang="en-US" dirty="0">
+                <a:latin typeface="나눔고딕" panose="020D0604000000000000" pitchFamily="50" charset="-127"/>
+                <a:ea typeface="나눔고딕" panose="020D0604000000000000" pitchFamily="50" charset="-127"/>
+              </a:rPr>
+              <a:t>실행계획</a:t>
+            </a:r>
+          </a:p>
+        </p:txBody>
+      </p:sp>
+      <p:sp>
+        <p:nvSpPr>
+          <p:cNvPr id="14" name="슬라이드 번호 개체 틀 2">
+            <a:extLst>
+              <a:ext uri="{FF2B5EF4-FFF2-40B4-BE49-F238E27FC236}">
+                <a16:creationId xmlns:a16="http://schemas.microsoft.com/office/drawing/2014/main" id="{E3626C26-BF47-4717-80D4-21BA55993E00}"/>
+              </a:ext>
+            </a:extLst>
+          </p:cNvPr>
+          <p:cNvSpPr>
+            <a:spLocks noGrp="1"/>
+          </p:cNvSpPr>
+          <p:nvPr>
+            <p:ph type="sldNum" sz="quarter" idx="12"/>
+          </p:nvPr>
+        </p:nvSpPr>
+        <p:spPr>
+          <a:xfrm>
+            <a:off x="4439346" y="6528442"/>
+            <a:ext cx="1029301" cy="276999"/>
+          </a:xfrm>
+        </p:spPr>
+        <p:txBody>
+          <a:bodyPr>
+            <a:normAutofit fontScale="92500"/>
+          </a:bodyPr>
+          <a:lstStyle/>
+          <a:p>
+            <a:fld id="{EBB166B3-33A6-45CA-B81B-F13BE7654232}" type="slidenum">
+              <a:rPr lang="ko-KR" altLang="en-US" smtClean="0">
+                <a:latin typeface="나눔고딕" panose="020B0600000101010101" charset="-127"/>
+                <a:ea typeface="나눔고딕" panose="020B0600000101010101" charset="-127"/>
+              </a:rPr>
+              <a:t>33</a:t>
+            </a:fld>
+            <a:endParaRPr lang="ko-KR" altLang="en-US" dirty="0">
+              <a:latin typeface="나눔고딕" panose="020B0600000101010101" charset="-127"/>
+              <a:ea typeface="나눔고딕" panose="020B0600000101010101" charset="-127"/>
+            </a:endParaRPr>
+          </a:p>
+        </p:txBody>
+      </p:sp>
+      <p:sp>
+        <p:nvSpPr>
+          <p:cNvPr id="16" name="제목 1">
+            <a:extLst>
+              <a:ext uri="{FF2B5EF4-FFF2-40B4-BE49-F238E27FC236}">
+                <a16:creationId xmlns:a16="http://schemas.microsoft.com/office/drawing/2014/main" id="{BDE76D3B-C372-4CA3-A4FD-33642B295B4F}"/>
+              </a:ext>
+            </a:extLst>
+          </p:cNvPr>
+          <p:cNvSpPr>
+            <a:spLocks noGrp="1"/>
+          </p:cNvSpPr>
+          <p:nvPr>
+            <p:ph type="title"/>
+          </p:nvPr>
+        </p:nvSpPr>
+        <p:spPr>
+          <a:xfrm>
+            <a:off x="363984" y="53269"/>
+            <a:ext cx="6587232" cy="408372"/>
+          </a:xfrm>
+        </p:spPr>
+        <p:txBody>
+          <a:bodyPr/>
+          <a:lstStyle/>
+          <a:p>
+            <a:r>
+              <a:rPr lang="en-US" altLang="ko-KR" dirty="0">
+                <a:latin typeface="나눔고딕" panose="020B0600000101010101" charset="-127"/>
+                <a:ea typeface="나눔고딕" panose="020B0600000101010101" charset="-127"/>
+              </a:rPr>
+              <a:t>5. INDEX SCAN </a:t>
+            </a:r>
+            <a:endParaRPr lang="ko-KR" altLang="en-US" dirty="0">
+              <a:latin typeface="나눔고딕" panose="020B0600000101010101" charset="-127"/>
+              <a:ea typeface="나눔고딕" panose="020B0600000101010101" charset="-127"/>
+            </a:endParaRPr>
+          </a:p>
+        </p:txBody>
+      </p:sp>
+      <p:grpSp>
+        <p:nvGrpSpPr>
           <p:cNvPr id="7" name="그룹 6">
             <a:extLst>
               <a:ext uri="{FF2B5EF4-FFF2-40B4-BE49-F238E27FC236}">
@@ -24369,7 +25550,7 @@
 </p:sld>
 </file>
 
-<file path=ppt/slides/slide34.xml><?xml version="1.0" encoding="utf-8"?>
+<file path=ppt/slides/slide35.xml><?xml version="1.0" encoding="utf-8"?>
 <p:sld xmlns:a="http://schemas.openxmlformats.org/drawingml/2006/main" xmlns:r="http://schemas.openxmlformats.org/officeDocument/2006/relationships" xmlns:p="http://schemas.openxmlformats.org/presentationml/2006/main">
   <p:cSld>
     <p:spTree>
@@ -24462,7 +25643,7 @@
                 <a:latin typeface="나눔고딕" panose="020B0600000101010101" charset="-127"/>
                 <a:ea typeface="나눔고딕" panose="020B0600000101010101" charset="-127"/>
               </a:rPr>
-              <a:t>33</a:t>
+              <a:t>34</a:t>
             </a:fld>
             <a:endParaRPr lang="ko-KR" altLang="en-US" dirty="0">
               <a:latin typeface="나눔고딕" panose="020B0600000101010101" charset="-127"/>
@@ -24526,7 +25707,7 @@
         <p:spPr>
           <a:xfrm>
             <a:off x="234588" y="683077"/>
-            <a:ext cx="7974042" cy="1854162"/>
+            <a:ext cx="7837402" cy="2154244"/>
           </a:xfrm>
           <a:prstGeom prst="rect">
             <a:avLst/>
@@ -24603,11 +25784,75 @@
             </a:pPr>
             <a:r>
               <a:rPr lang="en-US" altLang="ko-KR" sz="1300" dirty="0"/>
-              <a:t>     1. ‘VIEW’</a:t>
+              <a:t>     1. </a:t>
+            </a:r>
+            <a:r>
+              <a:rPr lang="en-US" altLang="ko-KR" sz="1300" b="1" dirty="0">
+                <a:solidFill>
+                  <a:srgbClr val="FF0000"/>
+                </a:solidFill>
+              </a:rPr>
+              <a:t>‘VIEW’</a:t>
+            </a:r>
+            <a:r>
+              <a:rPr lang="ko-KR" altLang="en-US" sz="1300" b="1" dirty="0">
+                <a:solidFill>
+                  <a:srgbClr val="FF0000"/>
+                </a:solidFill>
+              </a:rPr>
+              <a:t>는 단지 해당 쿼리문을 저장하고 있는 것임</a:t>
+            </a:r>
+            <a:endParaRPr lang="en-US" altLang="ko-KR" sz="1300" b="1" dirty="0">
+              <a:solidFill>
+                <a:srgbClr val="FF0000"/>
+              </a:solidFill>
+            </a:endParaRPr>
+          </a:p>
+          <a:p>
+            <a:pPr>
+              <a:lnSpc>
+                <a:spcPct val="150000"/>
+              </a:lnSpc>
+            </a:pPr>
+            <a:r>
+              <a:rPr lang="en-US" altLang="ko-KR" sz="1300" dirty="0"/>
+              <a:t>     2. </a:t>
             </a:r>
             <a:r>
               <a:rPr lang="ko-KR" altLang="en-US" sz="1300" dirty="0"/>
-              <a:t>는 단지 해당 쿼리문을 저장하고 있는 것임</a:t>
+              <a:t>이에 따라 </a:t>
+            </a:r>
+            <a:r>
+              <a:rPr lang="en-US" altLang="ko-KR" sz="1300" dirty="0"/>
+              <a:t>VIEW</a:t>
+            </a:r>
+            <a:r>
+              <a:rPr lang="ko-KR" altLang="en-US" sz="1300" dirty="0"/>
+              <a:t>에 대해선 </a:t>
+            </a:r>
+            <a:r>
+              <a:rPr lang="en-US" altLang="ko-KR" sz="1300" dirty="0"/>
+              <a:t>INDEX</a:t>
+            </a:r>
+            <a:r>
+              <a:rPr lang="ko-KR" altLang="en-US" sz="1300" dirty="0"/>
+              <a:t>가 존재하지 않고</a:t>
+            </a:r>
+            <a:r>
+              <a:rPr lang="en-US" altLang="ko-KR" sz="1300" dirty="0"/>
+              <a:t>, VIEW</a:t>
+            </a:r>
+            <a:r>
+              <a:rPr lang="ko-KR" altLang="en-US" sz="1300" dirty="0"/>
+              <a:t>에 대해 </a:t>
+            </a:r>
+            <a:r>
+              <a:rPr lang="en-US" altLang="ko-KR" sz="1300" dirty="0"/>
+              <a:t>INDEX SCAN</a:t>
+            </a:r>
+            <a:r>
+              <a:rPr lang="ko-KR" altLang="en-US" sz="1300" dirty="0"/>
+              <a:t>을 실시할 수 없음</a:t>
             </a:r>
             <a:endParaRPr lang="en-US" altLang="ko-KR" sz="1300" dirty="0"/>
           </a:p>
@@ -24619,81 +25864,40 @@
             </a:pPr>
             <a:r>
               <a:rPr lang="en-US" altLang="ko-KR" sz="1300" dirty="0"/>
-              <a:t>     2. </a:t>
+              <a:t>        (</a:t>
             </a:r>
             <a:r>
               <a:rPr lang="ko-KR" altLang="en-US" sz="1300" dirty="0"/>
-              <a:t>이에 따라 </a:t>
-            </a:r>
-            <a:r>
-              <a:rPr lang="en-US" altLang="ko-KR" sz="1300" b="1" dirty="0">
-                <a:solidFill>
-                  <a:srgbClr val="FF0000"/>
-                </a:solidFill>
-              </a:rPr>
-              <a:t>VIEW</a:t>
-            </a:r>
-            <a:r>
-              <a:rPr lang="ko-KR" altLang="en-US" sz="1300" b="1" dirty="0">
-                <a:solidFill>
-                  <a:srgbClr val="FF0000"/>
-                </a:solidFill>
-              </a:rPr>
-              <a:t>에 대해선 </a:t>
-            </a:r>
-            <a:r>
-              <a:rPr lang="en-US" altLang="ko-KR" sz="1300" b="1" dirty="0">
-                <a:solidFill>
-                  <a:srgbClr val="FF0000"/>
-                </a:solidFill>
-              </a:rPr>
-              <a:t>INDEX</a:t>
-            </a:r>
-            <a:r>
-              <a:rPr lang="ko-KR" altLang="en-US" sz="1300" b="1" dirty="0">
-                <a:solidFill>
-                  <a:srgbClr val="FF0000"/>
-                </a:solidFill>
-              </a:rPr>
-              <a:t>가 존재하지 않고</a:t>
-            </a:r>
-            <a:r>
-              <a:rPr lang="en-US" altLang="ko-KR" sz="1300" b="1" dirty="0">
-                <a:solidFill>
-                  <a:srgbClr val="FF0000"/>
-                </a:solidFill>
-              </a:rPr>
-              <a:t>, VIEW</a:t>
-            </a:r>
-            <a:r>
-              <a:rPr lang="ko-KR" altLang="en-US" sz="1300" b="1" dirty="0">
-                <a:solidFill>
-                  <a:srgbClr val="FF0000"/>
-                </a:solidFill>
-              </a:rPr>
-              <a:t>에 대해 </a:t>
-            </a:r>
-            <a:r>
-              <a:rPr lang="en-US" altLang="ko-KR" sz="1300" b="1" dirty="0">
-                <a:solidFill>
-                  <a:srgbClr val="FF0000"/>
-                </a:solidFill>
-              </a:rPr>
-              <a:t>INDEX SCAN</a:t>
-            </a:r>
-            <a:r>
-              <a:rPr lang="ko-KR" altLang="en-US" sz="1300" b="1" dirty="0">
-                <a:solidFill>
-                  <a:srgbClr val="FF0000"/>
-                </a:solidFill>
-              </a:rPr>
-              <a:t>을 실시할 수 없음</a:t>
-            </a:r>
-            <a:endParaRPr lang="en-US" altLang="ko-KR" sz="1300" b="1" dirty="0">
-              <a:solidFill>
-                <a:srgbClr val="FF0000"/>
-              </a:solidFill>
-            </a:endParaRPr>
+              <a:t>이 때문에 </a:t>
+            </a:r>
+            <a:r>
+              <a:rPr lang="en-US" altLang="ko-KR" sz="1300" dirty="0"/>
+              <a:t>INLINE VIEW</a:t>
+            </a:r>
+            <a:r>
+              <a:rPr lang="ko-KR" altLang="en-US" sz="1300" dirty="0"/>
+              <a:t>나 </a:t>
+            </a:r>
+            <a:r>
+              <a:rPr lang="en-US" altLang="ko-KR" sz="1300" dirty="0"/>
+              <a:t>WITH</a:t>
+            </a:r>
+            <a:r>
+              <a:rPr lang="ko-KR" altLang="en-US" sz="1300" dirty="0"/>
+              <a:t>을 사용하면</a:t>
+            </a:r>
+            <a:r>
+              <a:rPr lang="en-US" altLang="ko-KR" sz="1300" dirty="0"/>
+              <a:t>, </a:t>
+            </a:r>
+            <a:r>
+              <a:rPr lang="ko-KR" altLang="en-US" sz="1300" dirty="0"/>
+              <a:t>속도저하가 발생할 가능성이 높아짐</a:t>
+            </a:r>
+            <a:r>
+              <a:rPr lang="en-US" altLang="ko-KR" sz="1300" dirty="0"/>
+              <a:t>)</a:t>
+            </a:r>
           </a:p>
           <a:p>
             <a:pPr>
@@ -24783,10 +25987,10 @@
       </p:sp>
       <p:grpSp>
         <p:nvGrpSpPr>
-          <p:cNvPr id="19" name="그룹 18">
+          <p:cNvPr id="10" name="그룹 9">
             <a:extLst>
               <a:ext uri="{FF2B5EF4-FFF2-40B4-BE49-F238E27FC236}">
-                <a16:creationId xmlns:a16="http://schemas.microsoft.com/office/drawing/2014/main" id="{B5EAF1C2-6914-4433-8EE9-578D628F238A}"/>
+                <a16:creationId xmlns:a16="http://schemas.microsoft.com/office/drawing/2014/main" id="{27FAF593-2202-4A44-AB59-438E362C50A6}"/>
               </a:ext>
             </a:extLst>
           </p:cNvPr>
@@ -24795,48 +25999,384 @@
         </p:nvGrpSpPr>
         <p:grpSpPr>
           <a:xfrm>
-            <a:off x="234588" y="2689664"/>
+            <a:off x="363984" y="2986347"/>
             <a:ext cx="8193132" cy="2293469"/>
-            <a:chOff x="363984" y="3356677"/>
+            <a:chOff x="234588" y="3006027"/>
             <a:chExt cx="8193132" cy="2293469"/>
           </a:xfrm>
         </p:grpSpPr>
-        <p:pic>
-          <p:nvPicPr>
-            <p:cNvPr id="12" name="그림 11">
+        <p:grpSp>
+          <p:nvGrpSpPr>
+            <p:cNvPr id="9" name="그룹 8">
               <a:extLst>
                 <a:ext uri="{FF2B5EF4-FFF2-40B4-BE49-F238E27FC236}">
-                  <a16:creationId xmlns:a16="http://schemas.microsoft.com/office/drawing/2014/main" id="{4B10FCAC-0909-4ECB-B664-2C6BE95A48AD}"/>
+                  <a16:creationId xmlns:a16="http://schemas.microsoft.com/office/drawing/2014/main" id="{4DFFA634-B315-4E3F-A163-C03B3C857217}"/>
                 </a:ext>
               </a:extLst>
             </p:cNvPr>
-            <p:cNvPicPr>
-              <a:picLocks noChangeAspect="1"/>
-            </p:cNvPicPr>
+            <p:cNvGrpSpPr/>
             <p:nvPr/>
-          </p:nvPicPr>
-          <p:blipFill>
-            <a:blip r:embed="rId2"/>
-            <a:stretch>
-              <a:fillRect/>
-            </a:stretch>
-          </p:blipFill>
-          <p:spPr>
+          </p:nvGrpSpPr>
+          <p:grpSpPr>
             <a:xfrm>
-              <a:off x="3313654" y="3797444"/>
-              <a:ext cx="5167660" cy="1852702"/>
+              <a:off x="234588" y="3006027"/>
+              <a:ext cx="8193132" cy="2293469"/>
+              <a:chOff x="234588" y="3006027"/>
+              <a:chExt cx="8193132" cy="2293469"/>
             </a:xfrm>
-            <a:prstGeom prst="rect">
-              <a:avLst/>
-            </a:prstGeom>
-          </p:spPr>
-        </p:pic>
+          </p:grpSpPr>
+          <p:pic>
+            <p:nvPicPr>
+              <p:cNvPr id="12" name="그림 11">
+                <a:extLst>
+                  <a:ext uri="{FF2B5EF4-FFF2-40B4-BE49-F238E27FC236}">
+                    <a16:creationId xmlns:a16="http://schemas.microsoft.com/office/drawing/2014/main" id="{4B10FCAC-0909-4ECB-B664-2C6BE95A48AD}"/>
+                  </a:ext>
+                </a:extLst>
+              </p:cNvPr>
+              <p:cNvPicPr>
+                <a:picLocks noChangeAspect="1"/>
+              </p:cNvPicPr>
+              <p:nvPr/>
+            </p:nvPicPr>
+            <p:blipFill>
+              <a:blip r:embed="rId2"/>
+              <a:stretch>
+                <a:fillRect/>
+              </a:stretch>
+            </p:blipFill>
+            <p:spPr>
+              <a:xfrm>
+                <a:off x="3184258" y="3446794"/>
+                <a:ext cx="5167660" cy="1852702"/>
+              </a:xfrm>
+              <a:prstGeom prst="rect">
+                <a:avLst/>
+              </a:prstGeom>
+            </p:spPr>
+          </p:pic>
+          <p:sp>
+            <p:nvSpPr>
+              <p:cNvPr id="18" name="직사각형 17">
+                <a:extLst>
+                  <a:ext uri="{FF2B5EF4-FFF2-40B4-BE49-F238E27FC236}">
+                    <a16:creationId xmlns:a16="http://schemas.microsoft.com/office/drawing/2014/main" id="{FF02C949-81AA-4B59-A1DE-64C00CC52C8D}"/>
+                  </a:ext>
+                </a:extLst>
+              </p:cNvPr>
+              <p:cNvSpPr/>
+              <p:nvPr/>
+            </p:nvSpPr>
+            <p:spPr>
+              <a:xfrm>
+                <a:off x="234588" y="3368657"/>
+                <a:ext cx="8193132" cy="1930839"/>
+              </a:xfrm>
+              <a:prstGeom prst="rect">
+                <a:avLst/>
+              </a:prstGeom>
+              <a:noFill/>
+            </p:spPr>
+            <p:style>
+              <a:lnRef idx="2">
+                <a:schemeClr val="accent1">
+                  <a:shade val="50000"/>
+                </a:schemeClr>
+              </a:lnRef>
+              <a:fillRef idx="1">
+                <a:schemeClr val="accent1"/>
+              </a:fillRef>
+              <a:effectRef idx="0">
+                <a:schemeClr val="accent1"/>
+              </a:effectRef>
+              <a:fontRef idx="minor">
+                <a:schemeClr val="lt1"/>
+              </a:fontRef>
+            </p:style>
+            <p:txBody>
+              <a:bodyPr rtlCol="0" anchor="ctr"/>
+              <a:lstStyle/>
+              <a:p>
+                <a:pPr algn="ctr"/>
+                <a:endParaRPr lang="ko-KR" altLang="en-US">
+                  <a:latin typeface="나눔고딕" panose="020B0600000101010101" charset="-127"/>
+                  <a:ea typeface="나눔고딕" panose="020B0600000101010101" charset="-127"/>
+                </a:endParaRPr>
+              </a:p>
+            </p:txBody>
+          </p:sp>
+          <p:pic>
+            <p:nvPicPr>
+              <p:cNvPr id="15" name="그림 14">
+                <a:extLst>
+                  <a:ext uri="{FF2B5EF4-FFF2-40B4-BE49-F238E27FC236}">
+                    <a16:creationId xmlns:a16="http://schemas.microsoft.com/office/drawing/2014/main" id="{DFBE0EC2-F63A-461E-8BE7-38CF232B5DA4}"/>
+                  </a:ext>
+                </a:extLst>
+              </p:cNvPr>
+              <p:cNvPicPr>
+                <a:picLocks noChangeAspect="1"/>
+              </p:cNvPicPr>
+              <p:nvPr/>
+            </p:nvPicPr>
+            <p:blipFill>
+              <a:blip r:embed="rId3"/>
+              <a:stretch>
+                <a:fillRect/>
+              </a:stretch>
+            </p:blipFill>
+            <p:spPr>
+              <a:xfrm>
+                <a:off x="327157" y="3446794"/>
+                <a:ext cx="2781300" cy="1619250"/>
+              </a:xfrm>
+              <a:prstGeom prst="rect">
+                <a:avLst/>
+              </a:prstGeom>
+            </p:spPr>
+          </p:pic>
+          <p:sp>
+            <p:nvSpPr>
+              <p:cNvPr id="21" name="자유형 23">
+                <a:extLst>
+                  <a:ext uri="{FF2B5EF4-FFF2-40B4-BE49-F238E27FC236}">
+                    <a16:creationId xmlns:a16="http://schemas.microsoft.com/office/drawing/2014/main" id="{DFC72CF9-CFF1-4944-B1D4-72BB95A1F855}"/>
+                  </a:ext>
+                </a:extLst>
+              </p:cNvPr>
+              <p:cNvSpPr>
+                <a:spLocks noChangeArrowheads="1"/>
+              </p:cNvSpPr>
+              <p:nvPr/>
+            </p:nvSpPr>
+            <p:spPr bwMode="gray">
+              <a:xfrm>
+                <a:off x="234588" y="3006027"/>
+                <a:ext cx="4075362" cy="353752"/>
+              </a:xfrm>
+              <a:custGeom>
+                <a:avLst/>
+                <a:gdLst>
+                  <a:gd name="connsiteX0" fmla="*/ 48729 w 1587995"/>
+                  <a:gd name="connsiteY0" fmla="*/ 0 h 292361"/>
+                  <a:gd name="connsiteX1" fmla="*/ 1539267 w 1587995"/>
+                  <a:gd name="connsiteY1" fmla="*/ 0 h 292361"/>
+                  <a:gd name="connsiteX2" fmla="*/ 1587995 w 1587995"/>
+                  <a:gd name="connsiteY2" fmla="*/ 48728 h 292361"/>
+                  <a:gd name="connsiteX3" fmla="*/ 1587995 w 1587995"/>
+                  <a:gd name="connsiteY3" fmla="*/ 243633 h 292361"/>
+                  <a:gd name="connsiteX4" fmla="*/ 1587994 w 1587995"/>
+                  <a:gd name="connsiteY4" fmla="*/ 243636 h 292361"/>
+                  <a:gd name="connsiteX5" fmla="*/ 1587994 w 1587995"/>
+                  <a:gd name="connsiteY5" fmla="*/ 292361 h 292361"/>
+                  <a:gd name="connsiteX6" fmla="*/ 1539267 w 1587995"/>
+                  <a:gd name="connsiteY6" fmla="*/ 292361 h 292361"/>
+                  <a:gd name="connsiteX7" fmla="*/ 48729 w 1587995"/>
+                  <a:gd name="connsiteY7" fmla="*/ 292361 h 292361"/>
+                  <a:gd name="connsiteX8" fmla="*/ 0 w 1587995"/>
+                  <a:gd name="connsiteY8" fmla="*/ 292361 h 292361"/>
+                  <a:gd name="connsiteX9" fmla="*/ 0 w 1587995"/>
+                  <a:gd name="connsiteY9" fmla="*/ 152400 h 292361"/>
+                  <a:gd name="connsiteX10" fmla="*/ 1 w 1587995"/>
+                  <a:gd name="connsiteY10" fmla="*/ 152400 h 292361"/>
+                  <a:gd name="connsiteX11" fmla="*/ 1 w 1587995"/>
+                  <a:gd name="connsiteY11" fmla="*/ 48728 h 292361"/>
+                  <a:gd name="connsiteX12" fmla="*/ 48729 w 1587995"/>
+                  <a:gd name="connsiteY12" fmla="*/ 0 h 292361"/>
+                </a:gdLst>
+                <a:ahLst/>
+                <a:cxnLst>
+                  <a:cxn ang="0">
+                    <a:pos x="connsiteX0" y="connsiteY0"/>
+                  </a:cxn>
+                  <a:cxn ang="0">
+                    <a:pos x="connsiteX1" y="connsiteY1"/>
+                  </a:cxn>
+                  <a:cxn ang="0">
+                    <a:pos x="connsiteX2" y="connsiteY2"/>
+                  </a:cxn>
+                  <a:cxn ang="0">
+                    <a:pos x="connsiteX3" y="connsiteY3"/>
+                  </a:cxn>
+                  <a:cxn ang="0">
+                    <a:pos x="connsiteX4" y="connsiteY4"/>
+                  </a:cxn>
+                  <a:cxn ang="0">
+                    <a:pos x="connsiteX5" y="connsiteY5"/>
+                  </a:cxn>
+                  <a:cxn ang="0">
+                    <a:pos x="connsiteX6" y="connsiteY6"/>
+                  </a:cxn>
+                  <a:cxn ang="0">
+                    <a:pos x="connsiteX7" y="connsiteY7"/>
+                  </a:cxn>
+                  <a:cxn ang="0">
+                    <a:pos x="connsiteX8" y="connsiteY8"/>
+                  </a:cxn>
+                  <a:cxn ang="0">
+                    <a:pos x="connsiteX9" y="connsiteY9"/>
+                  </a:cxn>
+                  <a:cxn ang="0">
+                    <a:pos x="connsiteX10" y="connsiteY10"/>
+                  </a:cxn>
+                  <a:cxn ang="0">
+                    <a:pos x="connsiteX11" y="connsiteY11"/>
+                  </a:cxn>
+                  <a:cxn ang="0">
+                    <a:pos x="connsiteX12" y="connsiteY12"/>
+                  </a:cxn>
+                </a:cxnLst>
+                <a:rect l="l" t="t" r="r" b="b"/>
+                <a:pathLst>
+                  <a:path w="1587995" h="292361">
+                    <a:moveTo>
+                      <a:pt x="48729" y="0"/>
+                    </a:moveTo>
+                    <a:lnTo>
+                      <a:pt x="1539267" y="0"/>
+                    </a:lnTo>
+                    <a:cubicBezTo>
+                      <a:pt x="1566179" y="0"/>
+                      <a:pt x="1587995" y="21816"/>
+                      <a:pt x="1587995" y="48728"/>
+                    </a:cubicBezTo>
+                    <a:lnTo>
+                      <a:pt x="1587995" y="243633"/>
+                    </a:lnTo>
+                    <a:lnTo>
+                      <a:pt x="1587994" y="243636"/>
+                    </a:lnTo>
+                    <a:lnTo>
+                      <a:pt x="1587994" y="292361"/>
+                    </a:lnTo>
+                    <a:lnTo>
+                      <a:pt x="1539267" y="292361"/>
+                    </a:lnTo>
+                    <a:lnTo>
+                      <a:pt x="48729" y="292361"/>
+                    </a:lnTo>
+                    <a:lnTo>
+                      <a:pt x="0" y="292361"/>
+                    </a:lnTo>
+                    <a:lnTo>
+                      <a:pt x="0" y="152400"/>
+                    </a:lnTo>
+                    <a:lnTo>
+                      <a:pt x="1" y="152400"/>
+                    </a:lnTo>
+                    <a:lnTo>
+                      <a:pt x="1" y="48728"/>
+                    </a:lnTo>
+                    <a:cubicBezTo>
+                      <a:pt x="1" y="21816"/>
+                      <a:pt x="21817" y="0"/>
+                      <a:pt x="48729" y="0"/>
+                    </a:cubicBezTo>
+                    <a:close/>
+                  </a:path>
+                </a:pathLst>
+              </a:custGeom>
+              <a:solidFill>
+                <a:srgbClr val="002060"/>
+              </a:solidFill>
+              <a:ln w="9525" algn="ctr">
+                <a:solidFill>
+                  <a:srgbClr val="002060"/>
+                </a:solidFill>
+                <a:miter lim="800000"/>
+                <a:headEnd/>
+                <a:tailEnd/>
+              </a:ln>
+              <a:effectLst>
+                <a:outerShdw blurRad="50800" dist="38100" dir="2700000" algn="tl" rotWithShape="0">
+                  <a:prstClr val="black">
+                    <a:alpha val="40000"/>
+                  </a:prstClr>
+                </a:outerShdw>
+              </a:effectLst>
+            </p:spPr>
+            <p:txBody>
+              <a:bodyPr wrap="square" lIns="72000" tIns="36000" rIns="72000" bIns="36000" anchor="ctr">
+                <a:noAutofit/>
+              </a:bodyPr>
+              <a:lstStyle/>
+              <a:p>
+                <a:pPr marR="0" lvl="0" algn="ctr" defTabSz="411163" eaLnBrk="0" fontAlgn="base" latinLnBrk="0" hangingPunct="0">
+                  <a:spcBef>
+                    <a:spcPct val="0"/>
+                  </a:spcBef>
+                  <a:spcAft>
+                    <a:spcPct val="0"/>
+                  </a:spcAft>
+                  <a:buSzPct val="90000"/>
+                  <a:tabLst>
+                    <a:tab pos="85725" algn="l"/>
+                  </a:tabLst>
+                  <a:defRPr/>
+                </a:pPr>
+                <a:r>
+                  <a:rPr kumimoji="1" lang="en-US" altLang="ko-KR" sz="1200" b="1" kern="0" dirty="0">
+                    <a:solidFill>
+                      <a:schemeClr val="bg1"/>
+                    </a:solidFill>
+                    <a:latin typeface="나눔고딕" panose="020B0600000101010101" charset="-127"/>
+                    <a:ea typeface="나눔고딕" panose="020B0600000101010101" charset="-127"/>
+                  </a:rPr>
+                  <a:t>VIEW</a:t>
+                </a:r>
+                <a:r>
+                  <a:rPr kumimoji="1" lang="ko-KR" altLang="en-US" sz="1200" b="1" kern="0" dirty="0">
+                    <a:solidFill>
+                      <a:schemeClr val="bg1"/>
+                    </a:solidFill>
+                    <a:latin typeface="나눔고딕" panose="020B0600000101010101" charset="-127"/>
+                    <a:ea typeface="나눔고딕" panose="020B0600000101010101" charset="-127"/>
+                  </a:rPr>
+                  <a:t>에 </a:t>
+                </a:r>
+                <a:r>
+                  <a:rPr kumimoji="1" lang="en-US" altLang="ko-KR" sz="1200" b="1" kern="0" dirty="0">
+                    <a:solidFill>
+                      <a:schemeClr val="bg1"/>
+                    </a:solidFill>
+                    <a:latin typeface="나눔고딕" panose="020B0600000101010101" charset="-127"/>
+                    <a:ea typeface="나눔고딕" panose="020B0600000101010101" charset="-127"/>
+                  </a:rPr>
+                  <a:t>INDEX SCAN</a:t>
+                </a:r>
+                <a:r>
+                  <a:rPr kumimoji="1" lang="ko-KR" altLang="en-US" sz="1200" b="1" kern="0" dirty="0">
+                    <a:solidFill>
+                      <a:schemeClr val="bg1"/>
+                    </a:solidFill>
+                    <a:latin typeface="나눔고딕" panose="020B0600000101010101" charset="-127"/>
+                    <a:ea typeface="나눔고딕" panose="020B0600000101010101" charset="-127"/>
+                  </a:rPr>
+                  <a:t>이 발생된 것처럼 보이는 사례</a:t>
+                </a:r>
+                <a:endParaRPr kumimoji="1" lang="en-US" altLang="ko-KR" sz="1200" b="1" i="0" u="none" strike="noStrike" kern="0" cap="none" spc="0" normalizeH="0" baseline="0" noProof="0" dirty="0">
+                  <a:ln>
+                    <a:noFill/>
+                  </a:ln>
+                  <a:solidFill>
+                    <a:schemeClr val="bg1"/>
+                  </a:solidFill>
+                  <a:effectLst/>
+                  <a:uLnTx/>
+                  <a:uFillTx/>
+                  <a:latin typeface="나눔고딕" panose="020B0600000101010101" charset="-127"/>
+                  <a:ea typeface="나눔고딕" panose="020B0600000101010101" charset="-127"/>
+                </a:endParaRPr>
+              </a:p>
+            </p:txBody>
+          </p:sp>
+        </p:grpSp>
         <p:sp>
           <p:nvSpPr>
-            <p:cNvPr id="18" name="직사각형 17">
+            <p:cNvPr id="3" name="직사각형 2">
               <a:extLst>
                 <a:ext uri="{FF2B5EF4-FFF2-40B4-BE49-F238E27FC236}">
-                  <a16:creationId xmlns:a16="http://schemas.microsoft.com/office/drawing/2014/main" id="{FF02C949-81AA-4B59-A1DE-64C00CC52C8D}"/>
+                  <a16:creationId xmlns:a16="http://schemas.microsoft.com/office/drawing/2014/main" id="{9833BF89-E639-4ABA-B70C-F2FA2F39A126}"/>
                 </a:ext>
               </a:extLst>
             </p:cNvPr>
@@ -24845,13 +26385,19 @@
           </p:nvSpPr>
           <p:spPr>
             <a:xfrm>
-              <a:off x="363984" y="3719307"/>
-              <a:ext cx="8193132" cy="1930839"/>
+              <a:off x="304060" y="3807608"/>
+              <a:ext cx="1759631" cy="722447"/>
             </a:xfrm>
             <a:prstGeom prst="rect">
               <a:avLst/>
             </a:prstGeom>
             <a:noFill/>
+            <a:ln>
+              <a:solidFill>
+                <a:srgbClr val="FF0000"/>
+              </a:solidFill>
+              <a:prstDash val="sysDash"/>
+            </a:ln>
           </p:spPr>
           <p:style>
             <a:lnRef idx="2">
@@ -24874,279 +26420,203 @@
             <a:lstStyle/>
             <a:p>
               <a:pPr algn="ctr"/>
-              <a:endParaRPr lang="ko-KR" altLang="en-US">
-                <a:latin typeface="나눔고딕" panose="020B0600000101010101" charset="-127"/>
-                <a:ea typeface="나눔고딕" panose="020B0600000101010101" charset="-127"/>
-              </a:endParaRPr>
-            </a:p>
-          </p:txBody>
-        </p:sp>
-        <p:pic>
-          <p:nvPicPr>
-            <p:cNvPr id="15" name="그림 14">
-              <a:extLst>
-                <a:ext uri="{FF2B5EF4-FFF2-40B4-BE49-F238E27FC236}">
-                  <a16:creationId xmlns:a16="http://schemas.microsoft.com/office/drawing/2014/main" id="{DFBE0EC2-F63A-461E-8BE7-38CF232B5DA4}"/>
-                </a:ext>
-              </a:extLst>
-            </p:cNvPr>
-            <p:cNvPicPr>
-              <a:picLocks noChangeAspect="1"/>
-            </p:cNvPicPr>
-            <p:nvPr/>
-          </p:nvPicPr>
-          <p:blipFill>
-            <a:blip r:embed="rId3"/>
-            <a:stretch>
-              <a:fillRect/>
-            </a:stretch>
-          </p:blipFill>
-          <p:spPr>
-            <a:xfrm>
-              <a:off x="456553" y="3797444"/>
-              <a:ext cx="2781300" cy="1619250"/>
-            </a:xfrm>
-            <a:prstGeom prst="rect">
-              <a:avLst/>
-            </a:prstGeom>
-          </p:spPr>
-        </p:pic>
-        <p:sp>
-          <p:nvSpPr>
-            <p:cNvPr id="21" name="자유형 23">
-              <a:extLst>
-                <a:ext uri="{FF2B5EF4-FFF2-40B4-BE49-F238E27FC236}">
-                  <a16:creationId xmlns:a16="http://schemas.microsoft.com/office/drawing/2014/main" id="{DFC72CF9-CFF1-4944-B1D4-72BB95A1F855}"/>
-                </a:ext>
-              </a:extLst>
-            </p:cNvPr>
-            <p:cNvSpPr>
-              <a:spLocks noChangeArrowheads="1"/>
-            </p:cNvSpPr>
-            <p:nvPr/>
-          </p:nvSpPr>
-          <p:spPr bwMode="gray">
-            <a:xfrm>
-              <a:off x="363984" y="3356677"/>
-              <a:ext cx="4075362" cy="353752"/>
-            </a:xfrm>
-            <a:custGeom>
-              <a:avLst/>
-              <a:gdLst>
-                <a:gd name="connsiteX0" fmla="*/ 48729 w 1587995"/>
-                <a:gd name="connsiteY0" fmla="*/ 0 h 292361"/>
-                <a:gd name="connsiteX1" fmla="*/ 1539267 w 1587995"/>
-                <a:gd name="connsiteY1" fmla="*/ 0 h 292361"/>
-                <a:gd name="connsiteX2" fmla="*/ 1587995 w 1587995"/>
-                <a:gd name="connsiteY2" fmla="*/ 48728 h 292361"/>
-                <a:gd name="connsiteX3" fmla="*/ 1587995 w 1587995"/>
-                <a:gd name="connsiteY3" fmla="*/ 243633 h 292361"/>
-                <a:gd name="connsiteX4" fmla="*/ 1587994 w 1587995"/>
-                <a:gd name="connsiteY4" fmla="*/ 243636 h 292361"/>
-                <a:gd name="connsiteX5" fmla="*/ 1587994 w 1587995"/>
-                <a:gd name="connsiteY5" fmla="*/ 292361 h 292361"/>
-                <a:gd name="connsiteX6" fmla="*/ 1539267 w 1587995"/>
-                <a:gd name="connsiteY6" fmla="*/ 292361 h 292361"/>
-                <a:gd name="connsiteX7" fmla="*/ 48729 w 1587995"/>
-                <a:gd name="connsiteY7" fmla="*/ 292361 h 292361"/>
-                <a:gd name="connsiteX8" fmla="*/ 0 w 1587995"/>
-                <a:gd name="connsiteY8" fmla="*/ 292361 h 292361"/>
-                <a:gd name="connsiteX9" fmla="*/ 0 w 1587995"/>
-                <a:gd name="connsiteY9" fmla="*/ 152400 h 292361"/>
-                <a:gd name="connsiteX10" fmla="*/ 1 w 1587995"/>
-                <a:gd name="connsiteY10" fmla="*/ 152400 h 292361"/>
-                <a:gd name="connsiteX11" fmla="*/ 1 w 1587995"/>
-                <a:gd name="connsiteY11" fmla="*/ 48728 h 292361"/>
-                <a:gd name="connsiteX12" fmla="*/ 48729 w 1587995"/>
-                <a:gd name="connsiteY12" fmla="*/ 0 h 292361"/>
-              </a:gdLst>
-              <a:ahLst/>
-              <a:cxnLst>
-                <a:cxn ang="0">
-                  <a:pos x="connsiteX0" y="connsiteY0"/>
-                </a:cxn>
-                <a:cxn ang="0">
-                  <a:pos x="connsiteX1" y="connsiteY1"/>
-                </a:cxn>
-                <a:cxn ang="0">
-                  <a:pos x="connsiteX2" y="connsiteY2"/>
-                </a:cxn>
-                <a:cxn ang="0">
-                  <a:pos x="connsiteX3" y="connsiteY3"/>
-                </a:cxn>
-                <a:cxn ang="0">
-                  <a:pos x="connsiteX4" y="connsiteY4"/>
-                </a:cxn>
-                <a:cxn ang="0">
-                  <a:pos x="connsiteX5" y="connsiteY5"/>
-                </a:cxn>
-                <a:cxn ang="0">
-                  <a:pos x="connsiteX6" y="connsiteY6"/>
-                </a:cxn>
-                <a:cxn ang="0">
-                  <a:pos x="connsiteX7" y="connsiteY7"/>
-                </a:cxn>
-                <a:cxn ang="0">
-                  <a:pos x="connsiteX8" y="connsiteY8"/>
-                </a:cxn>
-                <a:cxn ang="0">
-                  <a:pos x="connsiteX9" y="connsiteY9"/>
-                </a:cxn>
-                <a:cxn ang="0">
-                  <a:pos x="connsiteX10" y="connsiteY10"/>
-                </a:cxn>
-                <a:cxn ang="0">
-                  <a:pos x="connsiteX11" y="connsiteY11"/>
-                </a:cxn>
-                <a:cxn ang="0">
-                  <a:pos x="connsiteX12" y="connsiteY12"/>
-                </a:cxn>
-              </a:cxnLst>
-              <a:rect l="l" t="t" r="r" b="b"/>
-              <a:pathLst>
-                <a:path w="1587995" h="292361">
-                  <a:moveTo>
-                    <a:pt x="48729" y="0"/>
-                  </a:moveTo>
-                  <a:lnTo>
-                    <a:pt x="1539267" y="0"/>
-                  </a:lnTo>
-                  <a:cubicBezTo>
-                    <a:pt x="1566179" y="0"/>
-                    <a:pt x="1587995" y="21816"/>
-                    <a:pt x="1587995" y="48728"/>
-                  </a:cubicBezTo>
-                  <a:lnTo>
-                    <a:pt x="1587995" y="243633"/>
-                  </a:lnTo>
-                  <a:lnTo>
-                    <a:pt x="1587994" y="243636"/>
-                  </a:lnTo>
-                  <a:lnTo>
-                    <a:pt x="1587994" y="292361"/>
-                  </a:lnTo>
-                  <a:lnTo>
-                    <a:pt x="1539267" y="292361"/>
-                  </a:lnTo>
-                  <a:lnTo>
-                    <a:pt x="48729" y="292361"/>
-                  </a:lnTo>
-                  <a:lnTo>
-                    <a:pt x="0" y="292361"/>
-                  </a:lnTo>
-                  <a:lnTo>
-                    <a:pt x="0" y="152400"/>
-                  </a:lnTo>
-                  <a:lnTo>
-                    <a:pt x="1" y="152400"/>
-                  </a:lnTo>
-                  <a:lnTo>
-                    <a:pt x="1" y="48728"/>
-                  </a:lnTo>
-                  <a:cubicBezTo>
-                    <a:pt x="1" y="21816"/>
-                    <a:pt x="21817" y="0"/>
-                    <a:pt x="48729" y="0"/>
-                  </a:cubicBezTo>
-                  <a:close/>
-                </a:path>
-              </a:pathLst>
-            </a:custGeom>
-            <a:solidFill>
-              <a:srgbClr val="002060"/>
-            </a:solidFill>
-            <a:ln w="9525" algn="ctr">
-              <a:solidFill>
-                <a:srgbClr val="002060"/>
-              </a:solidFill>
-              <a:miter lim="800000"/>
-              <a:headEnd/>
-              <a:tailEnd/>
-            </a:ln>
-            <a:effectLst>
-              <a:outerShdw blurRad="50800" dist="38100" dir="2700000" algn="tl" rotWithShape="0">
-                <a:prstClr val="black">
-                  <a:alpha val="40000"/>
-                </a:prstClr>
-              </a:outerShdw>
-            </a:effectLst>
-          </p:spPr>
-          <p:txBody>
-            <a:bodyPr wrap="square" lIns="72000" tIns="36000" rIns="72000" bIns="36000" anchor="ctr">
-              <a:noAutofit/>
-            </a:bodyPr>
-            <a:lstStyle/>
-            <a:p>
-              <a:pPr marR="0" lvl="0" algn="ctr" defTabSz="411163" eaLnBrk="0" fontAlgn="base" latinLnBrk="0" hangingPunct="0">
-                <a:spcBef>
-                  <a:spcPct val="0"/>
-                </a:spcBef>
-                <a:spcAft>
-                  <a:spcPct val="0"/>
-                </a:spcAft>
-                <a:buSzPct val="90000"/>
-                <a:tabLst>
-                  <a:tab pos="85725" algn="l"/>
-                </a:tabLst>
-                <a:defRPr/>
-              </a:pPr>
-              <a:r>
-                <a:rPr kumimoji="1" lang="en-US" altLang="ko-KR" sz="1200" b="1" kern="0" dirty="0">
-                  <a:solidFill>
-                    <a:schemeClr val="bg1"/>
-                  </a:solidFill>
-                  <a:latin typeface="나눔고딕" panose="020B0600000101010101" charset="-127"/>
-                  <a:ea typeface="나눔고딕" panose="020B0600000101010101" charset="-127"/>
-                </a:rPr>
-                <a:t>VIEW</a:t>
-              </a:r>
-              <a:r>
-                <a:rPr kumimoji="1" lang="ko-KR" altLang="en-US" sz="1200" b="1" kern="0" dirty="0">
-                  <a:solidFill>
-                    <a:schemeClr val="bg1"/>
-                  </a:solidFill>
-                  <a:latin typeface="나눔고딕" panose="020B0600000101010101" charset="-127"/>
-                  <a:ea typeface="나눔고딕" panose="020B0600000101010101" charset="-127"/>
-                </a:rPr>
-                <a:t>에 </a:t>
-              </a:r>
-              <a:r>
-                <a:rPr kumimoji="1" lang="en-US" altLang="ko-KR" sz="1200" b="1" kern="0" dirty="0">
-                  <a:solidFill>
-                    <a:schemeClr val="bg1"/>
-                  </a:solidFill>
-                  <a:latin typeface="나눔고딕" panose="020B0600000101010101" charset="-127"/>
-                  <a:ea typeface="나눔고딕" panose="020B0600000101010101" charset="-127"/>
-                </a:rPr>
-                <a:t>INDEX SCAN</a:t>
-              </a:r>
-              <a:r>
-                <a:rPr kumimoji="1" lang="ko-KR" altLang="en-US" sz="1200" b="1" kern="0" dirty="0">
-                  <a:solidFill>
-                    <a:schemeClr val="bg1"/>
-                  </a:solidFill>
-                  <a:latin typeface="나눔고딕" panose="020B0600000101010101" charset="-127"/>
-                  <a:ea typeface="나눔고딕" panose="020B0600000101010101" charset="-127"/>
-                </a:rPr>
-                <a:t>이 발생된 것처럼 보이는 사례</a:t>
-              </a:r>
-              <a:endParaRPr kumimoji="1" lang="en-US" altLang="ko-KR" sz="1200" b="1" i="0" u="none" strike="noStrike" kern="0" cap="none" spc="0" normalizeH="0" baseline="0" noProof="0" dirty="0">
-                <a:ln>
-                  <a:noFill/>
-                </a:ln>
-                <a:solidFill>
-                  <a:schemeClr val="bg1"/>
-                </a:solidFill>
-                <a:effectLst/>
-                <a:uLnTx/>
-                <a:uFillTx/>
-                <a:latin typeface="나눔고딕" panose="020B0600000101010101" charset="-127"/>
-                <a:ea typeface="나눔고딕" panose="020B0600000101010101" charset="-127"/>
-              </a:endParaRPr>
+              <a:endParaRPr lang="ko-KR" altLang="en-US"/>
             </a:p>
           </p:txBody>
         </p:sp>
       </p:grpSp>
+      <p:cxnSp>
+        <p:nvCxnSpPr>
+          <p:cNvPr id="5" name="직선 화살표 연결선 4">
+            <a:extLst>
+              <a:ext uri="{FF2B5EF4-FFF2-40B4-BE49-F238E27FC236}">
+                <a16:creationId xmlns:a16="http://schemas.microsoft.com/office/drawing/2014/main" id="{0B473AB9-DF72-4D3A-B76F-0ED048557BCE}"/>
+              </a:ext>
+            </a:extLst>
+          </p:cNvPr>
+          <p:cNvCxnSpPr>
+            <a:cxnSpLocks/>
+            <a:endCxn id="3" idx="3"/>
+          </p:cNvCxnSpPr>
+          <p:nvPr/>
+        </p:nvCxnSpPr>
+        <p:spPr>
+          <a:xfrm flipH="1" flipV="1">
+            <a:off x="2193087" y="4149152"/>
+            <a:ext cx="999089" cy="1379714"/>
+          </a:xfrm>
+          <a:prstGeom prst="straightConnector1">
+            <a:avLst/>
+          </a:prstGeom>
+          <a:ln>
+            <a:solidFill>
+              <a:srgbClr val="FF0000"/>
+            </a:solidFill>
+            <a:tailEnd type="triangle"/>
+          </a:ln>
+        </p:spPr>
+        <p:style>
+          <a:lnRef idx="1">
+            <a:schemeClr val="accent1"/>
+          </a:lnRef>
+          <a:fillRef idx="0">
+            <a:schemeClr val="accent1"/>
+          </a:fillRef>
+          <a:effectRef idx="0">
+            <a:schemeClr val="accent1"/>
+          </a:effectRef>
+          <a:fontRef idx="minor">
+            <a:schemeClr val="tx1"/>
+          </a:fontRef>
+        </p:style>
+      </p:cxnSp>
+      <p:sp>
+        <p:nvSpPr>
+          <p:cNvPr id="8" name="TextBox 7">
+            <a:extLst>
+              <a:ext uri="{FF2B5EF4-FFF2-40B4-BE49-F238E27FC236}">
+                <a16:creationId xmlns:a16="http://schemas.microsoft.com/office/drawing/2014/main" id="{0605EE12-ED76-459C-B966-6B0C7C801D72}"/>
+              </a:ext>
+            </a:extLst>
+          </p:cNvPr>
+          <p:cNvSpPr txBox="1"/>
+          <p:nvPr/>
+        </p:nvSpPr>
+        <p:spPr>
+          <a:xfrm>
+            <a:off x="3192176" y="5520371"/>
+            <a:ext cx="5793574" cy="821379"/>
+          </a:xfrm>
+          <a:prstGeom prst="rect">
+            <a:avLst/>
+          </a:prstGeom>
+          <a:noFill/>
+        </p:spPr>
+        <p:txBody>
+          <a:bodyPr wrap="none" rtlCol="0">
+            <a:spAutoFit/>
+          </a:bodyPr>
+          <a:lstStyle/>
+          <a:p>
+            <a:pPr marL="171450" indent="-171450">
+              <a:lnSpc>
+                <a:spcPct val="150000"/>
+              </a:lnSpc>
+              <a:buFont typeface="Arial" panose="020B0604020202020204" pitchFamily="34" charset="0"/>
+              <a:buChar char="•"/>
+            </a:pPr>
+            <a:r>
+              <a:rPr lang="en-US" altLang="ko-KR" sz="1100" dirty="0"/>
+              <a:t>INLINE VIEW</a:t>
+            </a:r>
+            <a:r>
+              <a:rPr lang="ko-KR" altLang="en-US" sz="1100" dirty="0"/>
+              <a:t>를 사용했음에도 불구하고</a:t>
+            </a:r>
+            <a:r>
+              <a:rPr lang="en-US" altLang="ko-KR" sz="1100" dirty="0"/>
+              <a:t>, </a:t>
+            </a:r>
+            <a:r>
+              <a:rPr lang="ko-KR" altLang="en-US" sz="1100" dirty="0"/>
+              <a:t>실행계획상 </a:t>
+            </a:r>
+            <a:r>
+              <a:rPr lang="en-US" altLang="ko-KR" sz="1100" dirty="0"/>
+              <a:t>‘</a:t>
+            </a:r>
+            <a:r>
+              <a:rPr lang="en-US" altLang="ko-KR" sz="1100" dirty="0" err="1"/>
+              <a:t>VIEW’Operation</a:t>
+            </a:r>
+            <a:r>
+              <a:rPr lang="ko-KR" altLang="en-US" sz="1100" dirty="0"/>
+              <a:t>이 발생하지 않음</a:t>
+            </a:r>
+            <a:endParaRPr lang="en-US" altLang="ko-KR" sz="1100" dirty="0"/>
+          </a:p>
+          <a:p>
+            <a:pPr>
+              <a:lnSpc>
+                <a:spcPct val="150000"/>
+              </a:lnSpc>
+            </a:pPr>
+            <a:r>
+              <a:rPr lang="en-US" altLang="ko-KR" sz="1100" dirty="0"/>
+              <a:t>   (</a:t>
+            </a:r>
+            <a:r>
+              <a:rPr lang="ko-KR" altLang="en-US" sz="1100" dirty="0"/>
+              <a:t>즉</a:t>
+            </a:r>
+            <a:r>
+              <a:rPr lang="en-US" altLang="ko-KR" sz="1100" dirty="0"/>
+              <a:t>, </a:t>
+            </a:r>
+            <a:r>
+              <a:rPr lang="ko-KR" altLang="en-US" sz="1100" dirty="0"/>
+              <a:t>해당 </a:t>
+            </a:r>
+            <a:r>
+              <a:rPr lang="en-US" altLang="ko-KR" sz="1100" dirty="0"/>
+              <a:t>INLINE VIEW</a:t>
+            </a:r>
+            <a:r>
+              <a:rPr lang="ko-KR" altLang="en-US" sz="1100" dirty="0"/>
+              <a:t>가 해체됨</a:t>
+            </a:r>
+            <a:r>
+              <a:rPr lang="en-US" altLang="ko-KR" sz="1100" dirty="0"/>
+              <a:t>)</a:t>
+            </a:r>
+          </a:p>
+          <a:p>
+            <a:pPr marL="171450" indent="-171450">
+              <a:lnSpc>
+                <a:spcPct val="150000"/>
+              </a:lnSpc>
+              <a:buFont typeface="Arial" panose="020B0604020202020204" pitchFamily="34" charset="0"/>
+              <a:buChar char="•"/>
+            </a:pPr>
+            <a:r>
+              <a:rPr lang="en-US" altLang="ko-KR" sz="1100" dirty="0"/>
+              <a:t>‘</a:t>
+            </a:r>
+            <a:r>
+              <a:rPr lang="en-US" altLang="ko-KR" sz="1100" dirty="0" err="1"/>
+              <a:t>VIEW’Operation</a:t>
+            </a:r>
+            <a:r>
+              <a:rPr lang="ko-KR" altLang="en-US" sz="1100" dirty="0"/>
+              <a:t>이 발생해야</a:t>
+            </a:r>
+            <a:r>
+              <a:rPr lang="en-US" altLang="ko-KR" sz="1100" dirty="0"/>
+              <a:t> </a:t>
+            </a:r>
+            <a:r>
+              <a:rPr lang="ko-KR" altLang="en-US" sz="1100" dirty="0"/>
+              <a:t>작성한 </a:t>
+            </a:r>
+            <a:r>
+              <a:rPr lang="en-US" altLang="ko-KR" sz="1100" dirty="0"/>
+              <a:t>INLINE VIEW</a:t>
+            </a:r>
+            <a:r>
+              <a:rPr lang="ko-KR" altLang="en-US" sz="1100" dirty="0"/>
+              <a:t>가 </a:t>
+            </a:r>
+            <a:r>
+              <a:rPr lang="en-US" altLang="ko-KR" sz="1100" dirty="0"/>
+              <a:t>VIEW</a:t>
+            </a:r>
+            <a:r>
+              <a:rPr lang="ko-KR" altLang="en-US" sz="1100" dirty="0"/>
+              <a:t>로 생성되는 것임</a:t>
+            </a:r>
+          </a:p>
+        </p:txBody>
+      </p:sp>
     </p:spTree>
     <p:extLst>
       <p:ext uri="{BB962C8B-B14F-4D97-AF65-F5344CB8AC3E}">
@@ -25160,7 +26630,7 @@
 </p:sld>
 </file>
 
-<file path=ppt/slides/slide35.xml><?xml version="1.0" encoding="utf-8"?>
+<file path=ppt/slides/slide36.xml><?xml version="1.0" encoding="utf-8"?>
 <p:sld xmlns:a="http://schemas.openxmlformats.org/drawingml/2006/main" xmlns:r="http://schemas.openxmlformats.org/officeDocument/2006/relationships" xmlns:p="http://schemas.openxmlformats.org/presentationml/2006/main">
   <p:cSld>
     <p:spTree>
@@ -25288,7 +26758,7 @@
                 <a:latin typeface="나눔고딕" panose="020B0600000101010101" charset="-127"/>
                 <a:ea typeface="나눔고딕" panose="020B0600000101010101" charset="-127"/>
               </a:rPr>
-              <a:t>34</a:t>
+              <a:t>35</a:t>
             </a:fld>
             <a:endParaRPr lang="ko-KR" altLang="en-US" dirty="0">
               <a:latin typeface="나눔고딕" panose="020B0600000101010101" charset="-127"/>
@@ -25734,7 +27204,7 @@
 </p:sld>
 </file>
 
-<file path=ppt/slides/slide36.xml><?xml version="1.0" encoding="utf-8"?>
+<file path=ppt/slides/slide37.xml><?xml version="1.0" encoding="utf-8"?>
 <p:sld xmlns:a="http://schemas.openxmlformats.org/drawingml/2006/main" xmlns:r="http://schemas.openxmlformats.org/officeDocument/2006/relationships" xmlns:p="http://schemas.openxmlformats.org/presentationml/2006/main">
   <p:cSld>
     <p:spTree>
@@ -25862,7 +27332,7 @@
                 <a:latin typeface="나눔고딕" panose="020B0600000101010101" charset="-127"/>
                 <a:ea typeface="나눔고딕" panose="020B0600000101010101" charset="-127"/>
               </a:rPr>
-              <a:t>35</a:t>
+              <a:t>36</a:t>
             </a:fld>
             <a:endParaRPr lang="ko-KR" altLang="en-US" dirty="0">
               <a:latin typeface="나눔고딕" panose="020B0600000101010101" charset="-127"/>
@@ -26067,7 +27537,7 @@
 </p:sld>
 </file>
 
-<file path=ppt/slides/slide37.xml><?xml version="1.0" encoding="utf-8"?>
+<file path=ppt/slides/slide38.xml><?xml version="1.0" encoding="utf-8"?>
 <p:sld xmlns:a="http://schemas.openxmlformats.org/drawingml/2006/main" xmlns:r="http://schemas.openxmlformats.org/officeDocument/2006/relationships" xmlns:p="http://schemas.openxmlformats.org/presentationml/2006/main">
   <p:cSld>
     <p:spTree>
@@ -26200,7 +27670,7 @@
                 <a:latin typeface="나눔고딕" panose="020B0600000101010101" charset="-127"/>
                 <a:ea typeface="나눔고딕" panose="020B0600000101010101" charset="-127"/>
               </a:rPr>
-              <a:t>36</a:t>
+              <a:t>37</a:t>
             </a:fld>
             <a:endParaRPr lang="ko-KR" altLang="en-US" dirty="0">
               <a:latin typeface="나눔고딕" panose="020B0600000101010101" charset="-127"/>
@@ -26892,7 +28362,7 @@
 </p:sld>
 </file>
 
-<file path=ppt/slides/slide38.xml><?xml version="1.0" encoding="utf-8"?>
+<file path=ppt/slides/slide39.xml><?xml version="1.0" encoding="utf-8"?>
 <p:sld xmlns:a="http://schemas.openxmlformats.org/drawingml/2006/main" xmlns:r="http://schemas.openxmlformats.org/officeDocument/2006/relationships" xmlns:p="http://schemas.openxmlformats.org/presentationml/2006/main">
   <p:cSld>
     <p:spTree>
@@ -27025,7 +28495,7 @@
                 <a:latin typeface="나눔고딕" panose="020B0600000101010101" charset="-127"/>
                 <a:ea typeface="나눔고딕" panose="020B0600000101010101" charset="-127"/>
               </a:rPr>
-              <a:t>37</a:t>
+              <a:t>38</a:t>
             </a:fld>
             <a:endParaRPr lang="ko-KR" altLang="en-US" dirty="0">
               <a:latin typeface="나눔고딕" panose="020B0600000101010101" charset="-127"/>
@@ -27528,253 +28998,6 @@
 </p:sld>
 </file>
 
-<file path=ppt/slides/slide39.xml><?xml version="1.0" encoding="utf-8"?>
-<p:sld xmlns:a="http://schemas.openxmlformats.org/drawingml/2006/main" xmlns:r="http://schemas.openxmlformats.org/officeDocument/2006/relationships" xmlns:p="http://schemas.openxmlformats.org/presentationml/2006/main">
-  <p:cSld>
-    <p:spTree>
-      <p:nvGrpSpPr>
-        <p:cNvPr id="1" name=""/>
-        <p:cNvGrpSpPr/>
-        <p:nvPr/>
-      </p:nvGrpSpPr>
-      <p:grpSpPr>
-        <a:xfrm>
-          <a:off x="0" y="0"/>
-          <a:ext cx="0" cy="0"/>
-          <a:chOff x="0" y="0"/>
-          <a:chExt cx="0" cy="0"/>
-        </a:xfrm>
-      </p:grpSpPr>
-      <p:sp>
-        <p:nvSpPr>
-          <p:cNvPr id="2" name="제목 1">
-            <a:extLst>
-              <a:ext uri="{FF2B5EF4-FFF2-40B4-BE49-F238E27FC236}">
-                <a16:creationId xmlns:a16="http://schemas.microsoft.com/office/drawing/2014/main" id="{F35C43C8-4428-4D97-87C2-6ACA5057AB6C}"/>
-              </a:ext>
-            </a:extLst>
-          </p:cNvPr>
-          <p:cNvSpPr>
-            <a:spLocks noGrp="1"/>
-          </p:cNvSpPr>
-          <p:nvPr>
-            <p:ph type="title"/>
-          </p:nvPr>
-        </p:nvSpPr>
-        <p:spPr/>
-        <p:txBody>
-          <a:bodyPr/>
-          <a:lstStyle/>
-          <a:p>
-            <a:r>
-              <a:rPr lang="en-US" altLang="ko-KR" dirty="0">
-                <a:latin typeface="나눔고딕" panose="020B0600000101010101" charset="-127"/>
-                <a:ea typeface="나눔고딕" panose="020B0600000101010101" charset="-127"/>
-              </a:rPr>
-              <a:t>10. JOIN OPERATION</a:t>
-            </a:r>
-            <a:endParaRPr lang="ko-KR" altLang="en-US" dirty="0">
-              <a:latin typeface="나눔고딕" panose="020B0600000101010101" charset="-127"/>
-              <a:ea typeface="나눔고딕" panose="020B0600000101010101" charset="-127"/>
-            </a:endParaRPr>
-          </a:p>
-        </p:txBody>
-      </p:sp>
-      <p:sp>
-        <p:nvSpPr>
-          <p:cNvPr id="47" name="텍스트 개체 틀 3">
-            <a:extLst>
-              <a:ext uri="{FF2B5EF4-FFF2-40B4-BE49-F238E27FC236}">
-                <a16:creationId xmlns:a16="http://schemas.microsoft.com/office/drawing/2014/main" id="{BD6E26C7-2547-444C-8643-2B2EEE99F2F4}"/>
-              </a:ext>
-            </a:extLst>
-          </p:cNvPr>
-          <p:cNvSpPr>
-            <a:spLocks noGrp="1"/>
-          </p:cNvSpPr>
-          <p:nvPr>
-            <p:ph type="body" sz="quarter" idx="13"/>
-          </p:nvPr>
-        </p:nvSpPr>
-        <p:spPr>
-          <a:xfrm>
-            <a:off x="6747393" y="62621"/>
-            <a:ext cx="2822735" cy="390525"/>
-          </a:xfrm>
-        </p:spPr>
-        <p:txBody>
-          <a:bodyPr/>
-          <a:lstStyle/>
-          <a:p>
-            <a:r>
-              <a:rPr lang="en-US" altLang="ko-KR" dirty="0">
-                <a:latin typeface="나눔고딕" panose="020D0604000000000000" pitchFamily="50" charset="-127"/>
-                <a:ea typeface="나눔고딕" panose="020D0604000000000000" pitchFamily="50" charset="-127"/>
-              </a:rPr>
-              <a:t>Ⅱ. </a:t>
-            </a:r>
-            <a:r>
-              <a:rPr lang="ko-KR" altLang="en-US" dirty="0">
-                <a:latin typeface="나눔고딕" panose="020D0604000000000000" pitchFamily="50" charset="-127"/>
-                <a:ea typeface="나눔고딕" panose="020D0604000000000000" pitchFamily="50" charset="-127"/>
-              </a:rPr>
-              <a:t>실행계획</a:t>
-            </a:r>
-          </a:p>
-        </p:txBody>
-      </p:sp>
-      <p:sp>
-        <p:nvSpPr>
-          <p:cNvPr id="8" name="슬라이드 번호 개체 틀 2">
-            <a:extLst>
-              <a:ext uri="{FF2B5EF4-FFF2-40B4-BE49-F238E27FC236}">
-                <a16:creationId xmlns:a16="http://schemas.microsoft.com/office/drawing/2014/main" id="{04551D9F-A373-412B-9564-CCFAEDE5BC72}"/>
-              </a:ext>
-            </a:extLst>
-          </p:cNvPr>
-          <p:cNvSpPr>
-            <a:spLocks noGrp="1"/>
-          </p:cNvSpPr>
-          <p:nvPr>
-            <p:ph type="sldNum" sz="quarter" idx="12"/>
-          </p:nvPr>
-        </p:nvSpPr>
-        <p:spPr>
-          <a:xfrm>
-            <a:off x="4439346" y="6528442"/>
-            <a:ext cx="1029301" cy="276999"/>
-          </a:xfrm>
-        </p:spPr>
-        <p:txBody>
-          <a:bodyPr>
-            <a:normAutofit fontScale="92500"/>
-          </a:bodyPr>
-          <a:lstStyle/>
-          <a:p>
-            <a:fld id="{EBB166B3-33A6-45CA-B81B-F13BE7654232}" type="slidenum">
-              <a:rPr lang="ko-KR" altLang="en-US" smtClean="0">
-                <a:latin typeface="나눔고딕" panose="020B0600000101010101" charset="-127"/>
-                <a:ea typeface="나눔고딕" panose="020B0600000101010101" charset="-127"/>
-              </a:rPr>
-              <a:t>38</a:t>
-            </a:fld>
-            <a:endParaRPr lang="ko-KR" altLang="en-US" dirty="0">
-              <a:latin typeface="나눔고딕" panose="020B0600000101010101" charset="-127"/>
-              <a:ea typeface="나눔고딕" panose="020B0600000101010101" charset="-127"/>
-            </a:endParaRPr>
-          </a:p>
-        </p:txBody>
-      </p:sp>
-      <p:sp>
-        <p:nvSpPr>
-          <p:cNvPr id="15" name="TextBox 14">
-            <a:extLst>
-              <a:ext uri="{FF2B5EF4-FFF2-40B4-BE49-F238E27FC236}">
-                <a16:creationId xmlns:a16="http://schemas.microsoft.com/office/drawing/2014/main" id="{573FF14A-2EB5-4DCD-B682-E23C008B831F}"/>
-              </a:ext>
-            </a:extLst>
-          </p:cNvPr>
-          <p:cNvSpPr txBox="1"/>
-          <p:nvPr/>
-        </p:nvSpPr>
-        <p:spPr>
-          <a:xfrm>
-            <a:off x="363984" y="883219"/>
-            <a:ext cx="2400209" cy="1253998"/>
-          </a:xfrm>
-          <a:prstGeom prst="rect">
-            <a:avLst/>
-          </a:prstGeom>
-          <a:noFill/>
-        </p:spPr>
-        <p:txBody>
-          <a:bodyPr wrap="none" rtlCol="0">
-            <a:spAutoFit/>
-          </a:bodyPr>
-          <a:lstStyle/>
-          <a:p>
-            <a:pPr marL="285750" indent="-285750">
-              <a:lnSpc>
-                <a:spcPct val="150000"/>
-              </a:lnSpc>
-              <a:buFont typeface="Arial" panose="020B0604020202020204" pitchFamily="34" charset="0"/>
-              <a:buChar char="•"/>
-            </a:pPr>
-            <a:r>
-              <a:rPr lang="en-US" altLang="ko-KR" sz="1300" dirty="0"/>
-              <a:t>JOIN OPERATION</a:t>
-            </a:r>
-            <a:r>
-              <a:rPr lang="ko-KR" altLang="en-US" sz="1300" dirty="0"/>
-              <a:t>의 종류</a:t>
-            </a:r>
-            <a:endParaRPr lang="en-US" altLang="ko-KR" sz="1300" dirty="0"/>
-          </a:p>
-          <a:p>
-            <a:pPr>
-              <a:lnSpc>
-                <a:spcPct val="150000"/>
-              </a:lnSpc>
-            </a:pPr>
-            <a:r>
-              <a:rPr lang="en-US" altLang="ko-KR" sz="1300" dirty="0"/>
-              <a:t>     1. </a:t>
-            </a:r>
-            <a:r>
-              <a:rPr lang="en-US" altLang="ko-KR" sz="1300" b="1" dirty="0">
-                <a:solidFill>
-                  <a:srgbClr val="FF0000"/>
-                </a:solidFill>
-              </a:rPr>
-              <a:t>NESTED LOOPS JOIN </a:t>
-            </a:r>
-            <a:endParaRPr lang="en-US" altLang="ko-KR" sz="1300" dirty="0"/>
-          </a:p>
-          <a:p>
-            <a:pPr>
-              <a:lnSpc>
-                <a:spcPct val="150000"/>
-              </a:lnSpc>
-            </a:pPr>
-            <a:r>
-              <a:rPr lang="en-US" altLang="ko-KR" sz="1300" dirty="0"/>
-              <a:t>     2. SORT MERGE JOIN</a:t>
-            </a:r>
-          </a:p>
-          <a:p>
-            <a:pPr>
-              <a:lnSpc>
-                <a:spcPct val="150000"/>
-              </a:lnSpc>
-            </a:pPr>
-            <a:r>
-              <a:rPr lang="en-US" altLang="ko-KR" sz="1300" dirty="0"/>
-              <a:t>     3. </a:t>
-            </a:r>
-            <a:r>
-              <a:rPr lang="en-US" altLang="ko-KR" sz="1300" b="1" dirty="0">
-                <a:solidFill>
-                  <a:srgbClr val="FF0000"/>
-                </a:solidFill>
-              </a:rPr>
-              <a:t>HASH JOIN</a:t>
-            </a:r>
-          </a:p>
-        </p:txBody>
-      </p:sp>
-    </p:spTree>
-    <p:extLst>
-      <p:ext uri="{BB962C8B-B14F-4D97-AF65-F5344CB8AC3E}">
-        <p14:creationId xmlns:p14="http://schemas.microsoft.com/office/powerpoint/2010/main" val="4187868611"/>
-      </p:ext>
-    </p:extLst>
-  </p:cSld>
-  <p:clrMapOvr>
-    <a:masterClrMapping/>
-  </p:clrMapOvr>
-</p:sld>
-</file>
-
 <file path=ppt/slides/slide4.xml><?xml version="1.0" encoding="utf-8"?>
 <p:sld xmlns:a="http://schemas.openxmlformats.org/drawingml/2006/main" xmlns:r="http://schemas.openxmlformats.org/officeDocument/2006/relationships" xmlns:p="http://schemas.openxmlformats.org/presentationml/2006/main">
   <p:cSld>
@@ -29030,6 +30253,253 @@
                 <a:latin typeface="나눔고딕" panose="020B0600000101010101" charset="-127"/>
                 <a:ea typeface="나눔고딕" panose="020B0600000101010101" charset="-127"/>
               </a:rPr>
+              <a:t>10. JOIN OPERATION</a:t>
+            </a:r>
+            <a:endParaRPr lang="ko-KR" altLang="en-US" dirty="0">
+              <a:latin typeface="나눔고딕" panose="020B0600000101010101" charset="-127"/>
+              <a:ea typeface="나눔고딕" panose="020B0600000101010101" charset="-127"/>
+            </a:endParaRPr>
+          </a:p>
+        </p:txBody>
+      </p:sp>
+      <p:sp>
+        <p:nvSpPr>
+          <p:cNvPr id="47" name="텍스트 개체 틀 3">
+            <a:extLst>
+              <a:ext uri="{FF2B5EF4-FFF2-40B4-BE49-F238E27FC236}">
+                <a16:creationId xmlns:a16="http://schemas.microsoft.com/office/drawing/2014/main" id="{BD6E26C7-2547-444C-8643-2B2EEE99F2F4}"/>
+              </a:ext>
+            </a:extLst>
+          </p:cNvPr>
+          <p:cNvSpPr>
+            <a:spLocks noGrp="1"/>
+          </p:cNvSpPr>
+          <p:nvPr>
+            <p:ph type="body" sz="quarter" idx="13"/>
+          </p:nvPr>
+        </p:nvSpPr>
+        <p:spPr>
+          <a:xfrm>
+            <a:off x="6747393" y="62621"/>
+            <a:ext cx="2822735" cy="390525"/>
+          </a:xfrm>
+        </p:spPr>
+        <p:txBody>
+          <a:bodyPr/>
+          <a:lstStyle/>
+          <a:p>
+            <a:r>
+              <a:rPr lang="en-US" altLang="ko-KR" dirty="0">
+                <a:latin typeface="나눔고딕" panose="020D0604000000000000" pitchFamily="50" charset="-127"/>
+                <a:ea typeface="나눔고딕" panose="020D0604000000000000" pitchFamily="50" charset="-127"/>
+              </a:rPr>
+              <a:t>Ⅱ. </a:t>
+            </a:r>
+            <a:r>
+              <a:rPr lang="ko-KR" altLang="en-US" dirty="0">
+                <a:latin typeface="나눔고딕" panose="020D0604000000000000" pitchFamily="50" charset="-127"/>
+                <a:ea typeface="나눔고딕" panose="020D0604000000000000" pitchFamily="50" charset="-127"/>
+              </a:rPr>
+              <a:t>실행계획</a:t>
+            </a:r>
+          </a:p>
+        </p:txBody>
+      </p:sp>
+      <p:sp>
+        <p:nvSpPr>
+          <p:cNvPr id="8" name="슬라이드 번호 개체 틀 2">
+            <a:extLst>
+              <a:ext uri="{FF2B5EF4-FFF2-40B4-BE49-F238E27FC236}">
+                <a16:creationId xmlns:a16="http://schemas.microsoft.com/office/drawing/2014/main" id="{04551D9F-A373-412B-9564-CCFAEDE5BC72}"/>
+              </a:ext>
+            </a:extLst>
+          </p:cNvPr>
+          <p:cNvSpPr>
+            <a:spLocks noGrp="1"/>
+          </p:cNvSpPr>
+          <p:nvPr>
+            <p:ph type="sldNum" sz="quarter" idx="12"/>
+          </p:nvPr>
+        </p:nvSpPr>
+        <p:spPr>
+          <a:xfrm>
+            <a:off x="4439346" y="6528442"/>
+            <a:ext cx="1029301" cy="276999"/>
+          </a:xfrm>
+        </p:spPr>
+        <p:txBody>
+          <a:bodyPr>
+            <a:normAutofit fontScale="92500"/>
+          </a:bodyPr>
+          <a:lstStyle/>
+          <a:p>
+            <a:fld id="{EBB166B3-33A6-45CA-B81B-F13BE7654232}" type="slidenum">
+              <a:rPr lang="ko-KR" altLang="en-US" smtClean="0">
+                <a:latin typeface="나눔고딕" panose="020B0600000101010101" charset="-127"/>
+                <a:ea typeface="나눔고딕" panose="020B0600000101010101" charset="-127"/>
+              </a:rPr>
+              <a:t>39</a:t>
+            </a:fld>
+            <a:endParaRPr lang="ko-KR" altLang="en-US" dirty="0">
+              <a:latin typeface="나눔고딕" panose="020B0600000101010101" charset="-127"/>
+              <a:ea typeface="나눔고딕" panose="020B0600000101010101" charset="-127"/>
+            </a:endParaRPr>
+          </a:p>
+        </p:txBody>
+      </p:sp>
+      <p:sp>
+        <p:nvSpPr>
+          <p:cNvPr id="15" name="TextBox 14">
+            <a:extLst>
+              <a:ext uri="{FF2B5EF4-FFF2-40B4-BE49-F238E27FC236}">
+                <a16:creationId xmlns:a16="http://schemas.microsoft.com/office/drawing/2014/main" id="{573FF14A-2EB5-4DCD-B682-E23C008B831F}"/>
+              </a:ext>
+            </a:extLst>
+          </p:cNvPr>
+          <p:cNvSpPr txBox="1"/>
+          <p:nvPr/>
+        </p:nvSpPr>
+        <p:spPr>
+          <a:xfrm>
+            <a:off x="363984" y="883219"/>
+            <a:ext cx="2400209" cy="1253998"/>
+          </a:xfrm>
+          <a:prstGeom prst="rect">
+            <a:avLst/>
+          </a:prstGeom>
+          <a:noFill/>
+        </p:spPr>
+        <p:txBody>
+          <a:bodyPr wrap="none" rtlCol="0">
+            <a:spAutoFit/>
+          </a:bodyPr>
+          <a:lstStyle/>
+          <a:p>
+            <a:pPr marL="285750" indent="-285750">
+              <a:lnSpc>
+                <a:spcPct val="150000"/>
+              </a:lnSpc>
+              <a:buFont typeface="Arial" panose="020B0604020202020204" pitchFamily="34" charset="0"/>
+              <a:buChar char="•"/>
+            </a:pPr>
+            <a:r>
+              <a:rPr lang="en-US" altLang="ko-KR" sz="1300" dirty="0"/>
+              <a:t>JOIN OPERATION</a:t>
+            </a:r>
+            <a:r>
+              <a:rPr lang="ko-KR" altLang="en-US" sz="1300" dirty="0"/>
+              <a:t>의 종류</a:t>
+            </a:r>
+            <a:endParaRPr lang="en-US" altLang="ko-KR" sz="1300" dirty="0"/>
+          </a:p>
+          <a:p>
+            <a:pPr>
+              <a:lnSpc>
+                <a:spcPct val="150000"/>
+              </a:lnSpc>
+            </a:pPr>
+            <a:r>
+              <a:rPr lang="en-US" altLang="ko-KR" sz="1300" dirty="0"/>
+              <a:t>     1. </a:t>
+            </a:r>
+            <a:r>
+              <a:rPr lang="en-US" altLang="ko-KR" sz="1300" b="1" dirty="0">
+                <a:solidFill>
+                  <a:srgbClr val="FF0000"/>
+                </a:solidFill>
+              </a:rPr>
+              <a:t>NESTED LOOPS JOIN </a:t>
+            </a:r>
+            <a:endParaRPr lang="en-US" altLang="ko-KR" sz="1300" dirty="0"/>
+          </a:p>
+          <a:p>
+            <a:pPr>
+              <a:lnSpc>
+                <a:spcPct val="150000"/>
+              </a:lnSpc>
+            </a:pPr>
+            <a:r>
+              <a:rPr lang="en-US" altLang="ko-KR" sz="1300" dirty="0"/>
+              <a:t>     2. SORT MERGE JOIN</a:t>
+            </a:r>
+          </a:p>
+          <a:p>
+            <a:pPr>
+              <a:lnSpc>
+                <a:spcPct val="150000"/>
+              </a:lnSpc>
+            </a:pPr>
+            <a:r>
+              <a:rPr lang="en-US" altLang="ko-KR" sz="1300" dirty="0"/>
+              <a:t>     3. </a:t>
+            </a:r>
+            <a:r>
+              <a:rPr lang="en-US" altLang="ko-KR" sz="1300" b="1" dirty="0">
+                <a:solidFill>
+                  <a:srgbClr val="FF0000"/>
+                </a:solidFill>
+              </a:rPr>
+              <a:t>HASH JOIN</a:t>
+            </a:r>
+          </a:p>
+        </p:txBody>
+      </p:sp>
+    </p:spTree>
+    <p:extLst>
+      <p:ext uri="{BB962C8B-B14F-4D97-AF65-F5344CB8AC3E}">
+        <p14:creationId xmlns:p14="http://schemas.microsoft.com/office/powerpoint/2010/main" val="4187868611"/>
+      </p:ext>
+    </p:extLst>
+  </p:cSld>
+  <p:clrMapOvr>
+    <a:masterClrMapping/>
+  </p:clrMapOvr>
+</p:sld>
+</file>
+
+<file path=ppt/slides/slide41.xml><?xml version="1.0" encoding="utf-8"?>
+<p:sld xmlns:a="http://schemas.openxmlformats.org/drawingml/2006/main" xmlns:r="http://schemas.openxmlformats.org/officeDocument/2006/relationships" xmlns:p="http://schemas.openxmlformats.org/presentationml/2006/main">
+  <p:cSld>
+    <p:spTree>
+      <p:nvGrpSpPr>
+        <p:cNvPr id="1" name=""/>
+        <p:cNvGrpSpPr/>
+        <p:nvPr/>
+      </p:nvGrpSpPr>
+      <p:grpSpPr>
+        <a:xfrm>
+          <a:off x="0" y="0"/>
+          <a:ext cx="0" cy="0"/>
+          <a:chOff x="0" y="0"/>
+          <a:chExt cx="0" cy="0"/>
+        </a:xfrm>
+      </p:grpSpPr>
+      <p:sp>
+        <p:nvSpPr>
+          <p:cNvPr id="2" name="제목 1">
+            <a:extLst>
+              <a:ext uri="{FF2B5EF4-FFF2-40B4-BE49-F238E27FC236}">
+                <a16:creationId xmlns:a16="http://schemas.microsoft.com/office/drawing/2014/main" id="{F35C43C8-4428-4D97-87C2-6ACA5057AB6C}"/>
+              </a:ext>
+            </a:extLst>
+          </p:cNvPr>
+          <p:cNvSpPr>
+            <a:spLocks noGrp="1"/>
+          </p:cNvSpPr>
+          <p:nvPr>
+            <p:ph type="title"/>
+          </p:nvPr>
+        </p:nvSpPr>
+        <p:spPr/>
+        <p:txBody>
+          <a:bodyPr/>
+          <a:lstStyle/>
+          <a:p>
+            <a:r>
+              <a:rPr lang="en-US" altLang="ko-KR" dirty="0">
+                <a:latin typeface="나눔고딕" panose="020B0600000101010101" charset="-127"/>
+                <a:ea typeface="나눔고딕" panose="020B0600000101010101" charset="-127"/>
+              </a:rPr>
               <a:t>11. NESTED LOOPS JOIN</a:t>
             </a:r>
             <a:endParaRPr lang="ko-KR" altLang="en-US" dirty="0">
@@ -29420,7 +30890,7 @@
                 <a:latin typeface="나눔고딕" panose="020B0600000101010101" charset="-127"/>
                 <a:ea typeface="나눔고딕" panose="020B0600000101010101" charset="-127"/>
               </a:rPr>
-              <a:t>39</a:t>
+              <a:t>40</a:t>
             </a:fld>
             <a:endParaRPr lang="ko-KR" altLang="en-US" dirty="0">
               <a:latin typeface="나눔고딕" panose="020B0600000101010101" charset="-127"/>
@@ -30080,7 +31550,7 @@
 </p:sld>
 </file>
 
-<file path=ppt/slides/slide41.xml><?xml version="1.0" encoding="utf-8"?>
+<file path=ppt/slides/slide42.xml><?xml version="1.0" encoding="utf-8"?>
 <p:sld xmlns:a="http://schemas.openxmlformats.org/drawingml/2006/main" xmlns:r="http://schemas.openxmlformats.org/officeDocument/2006/relationships" xmlns:p="http://schemas.openxmlformats.org/presentationml/2006/main">
   <p:cSld>
     <p:spTree>
@@ -30208,7 +31678,7 @@
                 <a:latin typeface="나눔고딕" panose="020B0600000101010101" charset="-127"/>
                 <a:ea typeface="나눔고딕" panose="020B0600000101010101" charset="-127"/>
               </a:rPr>
-              <a:t>40</a:t>
+              <a:t>41</a:t>
             </a:fld>
             <a:endParaRPr lang="ko-KR" altLang="en-US" dirty="0">
               <a:latin typeface="나눔고딕" panose="020B0600000101010101" charset="-127"/>
@@ -30559,7 +32029,7 @@
 </p:sld>
 </file>
 
-<file path=ppt/slides/slide42.xml><?xml version="1.0" encoding="utf-8"?>
+<file path=ppt/slides/slide43.xml><?xml version="1.0" encoding="utf-8"?>
 <p:sld xmlns:a="http://schemas.openxmlformats.org/drawingml/2006/main" xmlns:r="http://schemas.openxmlformats.org/officeDocument/2006/relationships" xmlns:p="http://schemas.openxmlformats.org/presentationml/2006/main">
   <p:cSld>
     <p:spTree>
@@ -30687,7 +32157,7 @@
                 <a:latin typeface="나눔고딕" panose="020B0600000101010101" charset="-127"/>
                 <a:ea typeface="나눔고딕" panose="020B0600000101010101" charset="-127"/>
               </a:rPr>
-              <a:t>41</a:t>
+              <a:t>42</a:t>
             </a:fld>
             <a:endParaRPr lang="ko-KR" altLang="en-US" dirty="0">
               <a:latin typeface="나눔고딕" panose="020B0600000101010101" charset="-127"/>
@@ -31091,8 +32561,8 @@
         </p:nvCxnSpPr>
         <p:spPr>
           <a:xfrm flipH="1">
-            <a:off x="1942991" y="3047539"/>
-            <a:ext cx="4804402" cy="1084235"/>
+            <a:off x="1942991" y="3109607"/>
+            <a:ext cx="4804402" cy="1022167"/>
           </a:xfrm>
           <a:prstGeom prst="straightConnector1">
             <a:avLst/>
@@ -31134,7 +32604,7 @@
         <p:spPr>
           <a:xfrm>
             <a:off x="6747393" y="2847484"/>
-            <a:ext cx="3234879" cy="400110"/>
+            <a:ext cx="3234879" cy="524246"/>
           </a:xfrm>
           <a:prstGeom prst="rect">
             <a:avLst/>
@@ -31147,6 +32617,11 @@
           </a:bodyPr>
           <a:lstStyle/>
           <a:p>
+            <a:pPr>
+              <a:lnSpc>
+                <a:spcPct val="150000"/>
+              </a:lnSpc>
+            </a:pPr>
             <a:r>
               <a:rPr lang="en-US" altLang="ko-KR" sz="1000" dirty="0"/>
               <a:t>SQL </a:t>
@@ -31169,6 +32644,11 @@
             </a:r>
           </a:p>
           <a:p>
+            <a:pPr>
+              <a:lnSpc>
+                <a:spcPct val="150000"/>
+              </a:lnSpc>
+            </a:pPr>
             <a:r>
               <a:rPr lang="ko-KR" altLang="en-US" sz="1000" dirty="0"/>
               <a:t>실행계획상으로 해당 조인이 두 번  발생하는 이유는</a:t>
@@ -31194,7 +32674,7 @@
 </p:sld>
 </file>
 
-<file path=ppt/slides/slide43.xml><?xml version="1.0" encoding="utf-8"?>
+<file path=ppt/slides/slide44.xml><?xml version="1.0" encoding="utf-8"?>
 <p:sld xmlns:a="http://schemas.openxmlformats.org/drawingml/2006/main" xmlns:r="http://schemas.openxmlformats.org/officeDocument/2006/relationships" xmlns:p="http://schemas.openxmlformats.org/presentationml/2006/main">
   <p:cSld>
     <p:spTree>
@@ -31237,7 +32717,7 @@
                 <a:latin typeface="나눔고딕" panose="020B0600000101010101" charset="-127"/>
                 <a:ea typeface="나눔고딕" panose="020B0600000101010101" charset="-127"/>
               </a:rPr>
-              <a:t>12. SORT MERGE JOIN</a:t>
+              <a:t>11. NESTED LOOPS JOIN</a:t>
             </a:r>
             <a:endParaRPr lang="ko-KR" altLang="en-US" dirty="0">
               <a:latin typeface="나눔고딕" panose="020B0600000101010101" charset="-127"/>
@@ -31322,7 +32802,814 @@
                 <a:latin typeface="나눔고딕" panose="020B0600000101010101" charset="-127"/>
                 <a:ea typeface="나눔고딕" panose="020B0600000101010101" charset="-127"/>
               </a:rPr>
-              <a:t>42</a:t>
+              <a:t>43</a:t>
+            </a:fld>
+            <a:endParaRPr lang="ko-KR" altLang="en-US" dirty="0">
+              <a:latin typeface="나눔고딕" panose="020B0600000101010101" charset="-127"/>
+              <a:ea typeface="나눔고딕" panose="020B0600000101010101" charset="-127"/>
+            </a:endParaRPr>
+          </a:p>
+        </p:txBody>
+      </p:sp>
+      <p:grpSp>
+        <p:nvGrpSpPr>
+          <p:cNvPr id="6" name="그룹 5">
+            <a:extLst>
+              <a:ext uri="{FF2B5EF4-FFF2-40B4-BE49-F238E27FC236}">
+                <a16:creationId xmlns:a16="http://schemas.microsoft.com/office/drawing/2014/main" id="{3E03FAF6-0FF5-46BE-954D-50C9995715FB}"/>
+              </a:ext>
+            </a:extLst>
+          </p:cNvPr>
+          <p:cNvGrpSpPr/>
+          <p:nvPr/>
+        </p:nvGrpSpPr>
+        <p:grpSpPr>
+          <a:xfrm>
+            <a:off x="271705" y="660509"/>
+            <a:ext cx="6145873" cy="5536981"/>
+            <a:chOff x="363984" y="746373"/>
+            <a:chExt cx="6145873" cy="5536981"/>
+          </a:xfrm>
+        </p:grpSpPr>
+        <p:sp>
+          <p:nvSpPr>
+            <p:cNvPr id="13" name="직사각형 12">
+              <a:extLst>
+                <a:ext uri="{FF2B5EF4-FFF2-40B4-BE49-F238E27FC236}">
+                  <a16:creationId xmlns:a16="http://schemas.microsoft.com/office/drawing/2014/main" id="{C4A9B500-794F-4B9E-8EA8-DEBEB5F3C1CE}"/>
+                </a:ext>
+              </a:extLst>
+            </p:cNvPr>
+            <p:cNvSpPr/>
+            <p:nvPr/>
+          </p:nvSpPr>
+          <p:spPr>
+            <a:xfrm>
+              <a:off x="372609" y="1127908"/>
+              <a:ext cx="6137248" cy="5155446"/>
+            </a:xfrm>
+            <a:prstGeom prst="rect">
+              <a:avLst/>
+            </a:prstGeom>
+            <a:noFill/>
+          </p:spPr>
+          <p:style>
+            <a:lnRef idx="2">
+              <a:schemeClr val="accent1">
+                <a:shade val="50000"/>
+              </a:schemeClr>
+            </a:lnRef>
+            <a:fillRef idx="1">
+              <a:schemeClr val="accent1"/>
+            </a:fillRef>
+            <a:effectRef idx="0">
+              <a:schemeClr val="accent1"/>
+            </a:effectRef>
+            <a:fontRef idx="minor">
+              <a:schemeClr val="lt1"/>
+            </a:fontRef>
+          </p:style>
+          <p:txBody>
+            <a:bodyPr rtlCol="0" anchor="ctr"/>
+            <a:lstStyle/>
+            <a:p>
+              <a:pPr algn="ctr"/>
+              <a:endParaRPr lang="ko-KR" altLang="en-US">
+                <a:latin typeface="나눔고딕" panose="020B0600000101010101" charset="-127"/>
+                <a:ea typeface="나눔고딕" panose="020B0600000101010101" charset="-127"/>
+              </a:endParaRPr>
+            </a:p>
+          </p:txBody>
+        </p:sp>
+        <p:sp>
+          <p:nvSpPr>
+            <p:cNvPr id="14" name="자유형 23">
+              <a:extLst>
+                <a:ext uri="{FF2B5EF4-FFF2-40B4-BE49-F238E27FC236}">
+                  <a16:creationId xmlns:a16="http://schemas.microsoft.com/office/drawing/2014/main" id="{1CAACC7D-3FA4-4D8B-8714-E90B100CBA78}"/>
+                </a:ext>
+              </a:extLst>
+            </p:cNvPr>
+            <p:cNvSpPr>
+              <a:spLocks noChangeArrowheads="1"/>
+            </p:cNvSpPr>
+            <p:nvPr/>
+          </p:nvSpPr>
+          <p:spPr bwMode="gray">
+            <a:xfrm>
+              <a:off x="363984" y="746373"/>
+              <a:ext cx="1876877" cy="372387"/>
+            </a:xfrm>
+            <a:custGeom>
+              <a:avLst/>
+              <a:gdLst>
+                <a:gd name="connsiteX0" fmla="*/ 48729 w 1587995"/>
+                <a:gd name="connsiteY0" fmla="*/ 0 h 292361"/>
+                <a:gd name="connsiteX1" fmla="*/ 1539267 w 1587995"/>
+                <a:gd name="connsiteY1" fmla="*/ 0 h 292361"/>
+                <a:gd name="connsiteX2" fmla="*/ 1587995 w 1587995"/>
+                <a:gd name="connsiteY2" fmla="*/ 48728 h 292361"/>
+                <a:gd name="connsiteX3" fmla="*/ 1587995 w 1587995"/>
+                <a:gd name="connsiteY3" fmla="*/ 243633 h 292361"/>
+                <a:gd name="connsiteX4" fmla="*/ 1587994 w 1587995"/>
+                <a:gd name="connsiteY4" fmla="*/ 243636 h 292361"/>
+                <a:gd name="connsiteX5" fmla="*/ 1587994 w 1587995"/>
+                <a:gd name="connsiteY5" fmla="*/ 292361 h 292361"/>
+                <a:gd name="connsiteX6" fmla="*/ 1539267 w 1587995"/>
+                <a:gd name="connsiteY6" fmla="*/ 292361 h 292361"/>
+                <a:gd name="connsiteX7" fmla="*/ 48729 w 1587995"/>
+                <a:gd name="connsiteY7" fmla="*/ 292361 h 292361"/>
+                <a:gd name="connsiteX8" fmla="*/ 0 w 1587995"/>
+                <a:gd name="connsiteY8" fmla="*/ 292361 h 292361"/>
+                <a:gd name="connsiteX9" fmla="*/ 0 w 1587995"/>
+                <a:gd name="connsiteY9" fmla="*/ 152400 h 292361"/>
+                <a:gd name="connsiteX10" fmla="*/ 1 w 1587995"/>
+                <a:gd name="connsiteY10" fmla="*/ 152400 h 292361"/>
+                <a:gd name="connsiteX11" fmla="*/ 1 w 1587995"/>
+                <a:gd name="connsiteY11" fmla="*/ 48728 h 292361"/>
+                <a:gd name="connsiteX12" fmla="*/ 48729 w 1587995"/>
+                <a:gd name="connsiteY12" fmla="*/ 0 h 292361"/>
+              </a:gdLst>
+              <a:ahLst/>
+              <a:cxnLst>
+                <a:cxn ang="0">
+                  <a:pos x="connsiteX0" y="connsiteY0"/>
+                </a:cxn>
+                <a:cxn ang="0">
+                  <a:pos x="connsiteX1" y="connsiteY1"/>
+                </a:cxn>
+                <a:cxn ang="0">
+                  <a:pos x="connsiteX2" y="connsiteY2"/>
+                </a:cxn>
+                <a:cxn ang="0">
+                  <a:pos x="connsiteX3" y="connsiteY3"/>
+                </a:cxn>
+                <a:cxn ang="0">
+                  <a:pos x="connsiteX4" y="connsiteY4"/>
+                </a:cxn>
+                <a:cxn ang="0">
+                  <a:pos x="connsiteX5" y="connsiteY5"/>
+                </a:cxn>
+                <a:cxn ang="0">
+                  <a:pos x="connsiteX6" y="connsiteY6"/>
+                </a:cxn>
+                <a:cxn ang="0">
+                  <a:pos x="connsiteX7" y="connsiteY7"/>
+                </a:cxn>
+                <a:cxn ang="0">
+                  <a:pos x="connsiteX8" y="connsiteY8"/>
+                </a:cxn>
+                <a:cxn ang="0">
+                  <a:pos x="connsiteX9" y="connsiteY9"/>
+                </a:cxn>
+                <a:cxn ang="0">
+                  <a:pos x="connsiteX10" y="connsiteY10"/>
+                </a:cxn>
+                <a:cxn ang="0">
+                  <a:pos x="connsiteX11" y="connsiteY11"/>
+                </a:cxn>
+                <a:cxn ang="0">
+                  <a:pos x="connsiteX12" y="connsiteY12"/>
+                </a:cxn>
+              </a:cxnLst>
+              <a:rect l="l" t="t" r="r" b="b"/>
+              <a:pathLst>
+                <a:path w="1587995" h="292361">
+                  <a:moveTo>
+                    <a:pt x="48729" y="0"/>
+                  </a:moveTo>
+                  <a:lnTo>
+                    <a:pt x="1539267" y="0"/>
+                  </a:lnTo>
+                  <a:cubicBezTo>
+                    <a:pt x="1566179" y="0"/>
+                    <a:pt x="1587995" y="21816"/>
+                    <a:pt x="1587995" y="48728"/>
+                  </a:cubicBezTo>
+                  <a:lnTo>
+                    <a:pt x="1587995" y="243633"/>
+                  </a:lnTo>
+                  <a:lnTo>
+                    <a:pt x="1587994" y="243636"/>
+                  </a:lnTo>
+                  <a:lnTo>
+                    <a:pt x="1587994" y="292361"/>
+                  </a:lnTo>
+                  <a:lnTo>
+                    <a:pt x="1539267" y="292361"/>
+                  </a:lnTo>
+                  <a:lnTo>
+                    <a:pt x="48729" y="292361"/>
+                  </a:lnTo>
+                  <a:lnTo>
+                    <a:pt x="0" y="292361"/>
+                  </a:lnTo>
+                  <a:lnTo>
+                    <a:pt x="0" y="152400"/>
+                  </a:lnTo>
+                  <a:lnTo>
+                    <a:pt x="1" y="152400"/>
+                  </a:lnTo>
+                  <a:lnTo>
+                    <a:pt x="1" y="48728"/>
+                  </a:lnTo>
+                  <a:cubicBezTo>
+                    <a:pt x="1" y="21816"/>
+                    <a:pt x="21817" y="0"/>
+                    <a:pt x="48729" y="0"/>
+                  </a:cubicBezTo>
+                  <a:close/>
+                </a:path>
+              </a:pathLst>
+            </a:custGeom>
+            <a:solidFill>
+              <a:srgbClr val="002060"/>
+            </a:solidFill>
+            <a:ln w="9525" algn="ctr">
+              <a:solidFill>
+                <a:srgbClr val="002060"/>
+              </a:solidFill>
+              <a:miter lim="800000"/>
+              <a:headEnd/>
+              <a:tailEnd/>
+            </a:ln>
+            <a:effectLst>
+              <a:outerShdw blurRad="50800" dist="38100" dir="2700000" algn="tl" rotWithShape="0">
+                <a:prstClr val="black">
+                  <a:alpha val="40000"/>
+                </a:prstClr>
+              </a:outerShdw>
+            </a:effectLst>
+          </p:spPr>
+          <p:txBody>
+            <a:bodyPr wrap="square" lIns="72000" tIns="36000" rIns="72000" bIns="36000" anchor="ctr">
+              <a:noAutofit/>
+            </a:bodyPr>
+            <a:lstStyle/>
+            <a:p>
+              <a:pPr marR="0" lvl="0" algn="ctr" defTabSz="411163" eaLnBrk="0" fontAlgn="base" latinLnBrk="0" hangingPunct="0">
+                <a:spcBef>
+                  <a:spcPct val="0"/>
+                </a:spcBef>
+                <a:spcAft>
+                  <a:spcPct val="0"/>
+                </a:spcAft>
+                <a:buSzPct val="90000"/>
+                <a:tabLst>
+                  <a:tab pos="85725" algn="l"/>
+                </a:tabLst>
+                <a:defRPr/>
+              </a:pPr>
+              <a:r>
+                <a:rPr kumimoji="1" lang="en-US" altLang="ko-KR" sz="1200" b="1" i="0" u="none" strike="noStrike" kern="0" cap="none" spc="0" normalizeH="0" baseline="0" noProof="0" dirty="0">
+                  <a:ln>
+                    <a:noFill/>
+                  </a:ln>
+                  <a:solidFill>
+                    <a:schemeClr val="bg1"/>
+                  </a:solidFill>
+                  <a:effectLst/>
+                  <a:uLnTx/>
+                  <a:uFillTx/>
+                  <a:latin typeface="나눔고딕" panose="020B0600000101010101" charset="-127"/>
+                  <a:ea typeface="나눔고딕" panose="020B0600000101010101" charset="-127"/>
+                </a:rPr>
+                <a:t>NL JOIN with INDEX</a:t>
+              </a:r>
+            </a:p>
+          </p:txBody>
+        </p:sp>
+        <p:pic>
+          <p:nvPicPr>
+            <p:cNvPr id="4" name="그림 3">
+              <a:extLst>
+                <a:ext uri="{FF2B5EF4-FFF2-40B4-BE49-F238E27FC236}">
+                  <a16:creationId xmlns:a16="http://schemas.microsoft.com/office/drawing/2014/main" id="{2172B517-3DB0-4E26-A6AD-979445CB7010}"/>
+                </a:ext>
+              </a:extLst>
+            </p:cNvPr>
+            <p:cNvPicPr>
+              <a:picLocks noChangeAspect="1"/>
+            </p:cNvPicPr>
+            <p:nvPr/>
+          </p:nvPicPr>
+          <p:blipFill>
+            <a:blip r:embed="rId2"/>
+            <a:stretch>
+              <a:fillRect/>
+            </a:stretch>
+          </p:blipFill>
+          <p:spPr>
+            <a:xfrm>
+              <a:off x="541736" y="1271261"/>
+              <a:ext cx="5857875" cy="1981200"/>
+            </a:xfrm>
+            <a:prstGeom prst="rect">
+              <a:avLst/>
+            </a:prstGeom>
+          </p:spPr>
+        </p:pic>
+        <p:pic>
+          <p:nvPicPr>
+            <p:cNvPr id="5" name="그림 4">
+              <a:extLst>
+                <a:ext uri="{FF2B5EF4-FFF2-40B4-BE49-F238E27FC236}">
+                  <a16:creationId xmlns:a16="http://schemas.microsoft.com/office/drawing/2014/main" id="{65532564-F9CA-4CBE-8AA4-818234722760}"/>
+                </a:ext>
+              </a:extLst>
+            </p:cNvPr>
+            <p:cNvPicPr>
+              <a:picLocks noChangeAspect="1"/>
+            </p:cNvPicPr>
+            <p:nvPr/>
+          </p:nvPicPr>
+          <p:blipFill>
+            <a:blip r:embed="rId3"/>
+            <a:stretch>
+              <a:fillRect/>
+            </a:stretch>
+          </p:blipFill>
+          <p:spPr>
+            <a:xfrm>
+              <a:off x="541735" y="3429000"/>
+              <a:ext cx="5857875" cy="2635653"/>
+            </a:xfrm>
+            <a:prstGeom prst="rect">
+              <a:avLst/>
+            </a:prstGeom>
+          </p:spPr>
+        </p:pic>
+      </p:grpSp>
+      <p:sp>
+        <p:nvSpPr>
+          <p:cNvPr id="22" name="TextBox 21">
+            <a:extLst>
+              <a:ext uri="{FF2B5EF4-FFF2-40B4-BE49-F238E27FC236}">
+                <a16:creationId xmlns:a16="http://schemas.microsoft.com/office/drawing/2014/main" id="{A2BBFD05-6CFD-41A2-B985-16C1FF225FB9}"/>
+              </a:ext>
+            </a:extLst>
+          </p:cNvPr>
+          <p:cNvSpPr txBox="1"/>
+          <p:nvPr/>
+        </p:nvSpPr>
+        <p:spPr>
+          <a:xfrm>
+            <a:off x="6459681" y="1042044"/>
+            <a:ext cx="3357689" cy="1678408"/>
+          </a:xfrm>
+          <a:prstGeom prst="rect">
+            <a:avLst/>
+          </a:prstGeom>
+          <a:noFill/>
+        </p:spPr>
+        <p:txBody>
+          <a:bodyPr wrap="square" rtlCol="0">
+            <a:spAutoFit/>
+          </a:bodyPr>
+          <a:lstStyle/>
+          <a:p>
+            <a:pPr marL="171450" indent="-171450">
+              <a:lnSpc>
+                <a:spcPct val="150000"/>
+              </a:lnSpc>
+              <a:buFont typeface="Arial" panose="020B0604020202020204" pitchFamily="34" charset="0"/>
+              <a:buChar char="•"/>
+            </a:pPr>
+            <a:r>
+              <a:rPr lang="ko-KR" altLang="en-US" sz="1000" dirty="0"/>
+              <a:t>첫번째 </a:t>
+            </a:r>
+            <a:r>
+              <a:rPr lang="en-US" altLang="ko-KR" sz="1000" dirty="0"/>
+              <a:t>NL Join</a:t>
+            </a:r>
+            <a:r>
+              <a:rPr lang="ko-KR" altLang="en-US" sz="1000" dirty="0"/>
+              <a:t>결과에는 </a:t>
+            </a:r>
+            <a:r>
+              <a:rPr lang="en-US" altLang="ko-KR" sz="1000" dirty="0"/>
+              <a:t>‘COURSE’TABLE</a:t>
+            </a:r>
+            <a:r>
+              <a:rPr lang="ko-KR" altLang="en-US" sz="1000" dirty="0"/>
+              <a:t>의 전체 </a:t>
+            </a:r>
+            <a:endParaRPr lang="en-US" altLang="ko-KR" sz="1000" dirty="0"/>
+          </a:p>
+          <a:p>
+            <a:pPr>
+              <a:lnSpc>
+                <a:spcPct val="150000"/>
+              </a:lnSpc>
+            </a:pPr>
+            <a:r>
+              <a:rPr lang="en-US" altLang="ko-KR" sz="1000" dirty="0"/>
+              <a:t>   </a:t>
+            </a:r>
+            <a:r>
+              <a:rPr lang="ko-KR" altLang="en-US" sz="1000" dirty="0"/>
+              <a:t>컬럼과 </a:t>
+            </a:r>
+            <a:r>
+              <a:rPr lang="en-US" altLang="ko-KR" sz="1000" dirty="0"/>
+              <a:t>‘PROFESSOR_PNO_PK’INDEX</a:t>
+            </a:r>
+            <a:r>
+              <a:rPr lang="ko-KR" altLang="en-US" sz="1000" dirty="0"/>
+              <a:t>의 </a:t>
+            </a:r>
+            <a:r>
+              <a:rPr lang="en-US" altLang="ko-KR" sz="1000" dirty="0"/>
+              <a:t>‘PNO’</a:t>
+            </a:r>
+            <a:r>
+              <a:rPr lang="ko-KR" altLang="en-US" sz="1000" dirty="0"/>
+              <a:t>컬럼이   </a:t>
+            </a:r>
+            <a:endParaRPr lang="en-US" altLang="ko-KR" sz="1000" dirty="0"/>
+          </a:p>
+          <a:p>
+            <a:pPr>
+              <a:lnSpc>
+                <a:spcPct val="150000"/>
+              </a:lnSpc>
+            </a:pPr>
+            <a:r>
+              <a:rPr lang="en-US" altLang="ko-KR" sz="1000" dirty="0"/>
+              <a:t>   </a:t>
+            </a:r>
+            <a:r>
+              <a:rPr lang="ko-KR" altLang="en-US" sz="1000" dirty="0"/>
+              <a:t>존재함</a:t>
+            </a:r>
+            <a:endParaRPr lang="en-US" altLang="ko-KR" sz="1000" dirty="0"/>
+          </a:p>
+          <a:p>
+            <a:pPr marL="171450" indent="-171450">
+              <a:lnSpc>
+                <a:spcPct val="150000"/>
+              </a:lnSpc>
+              <a:buFont typeface="Arial" panose="020B0604020202020204" pitchFamily="34" charset="0"/>
+              <a:buChar char="•"/>
+            </a:pPr>
+            <a:r>
+              <a:rPr lang="en-US" altLang="ko-KR" sz="1000" dirty="0"/>
+              <a:t>MAIN QUERY</a:t>
+            </a:r>
+            <a:r>
+              <a:rPr lang="ko-KR" altLang="en-US" sz="1000" dirty="0"/>
+              <a:t>에서 </a:t>
+            </a:r>
+            <a:r>
+              <a:rPr lang="en-US" altLang="ko-KR" sz="1000" dirty="0"/>
+              <a:t>‘PNAME’</a:t>
+            </a:r>
+            <a:r>
+              <a:rPr lang="ko-KR" altLang="en-US" sz="1000" dirty="0"/>
+              <a:t>컬럼까지 조회하기 </a:t>
+            </a:r>
+            <a:endParaRPr lang="en-US" altLang="ko-KR" sz="1000" dirty="0"/>
+          </a:p>
+          <a:p>
+            <a:pPr>
+              <a:lnSpc>
+                <a:spcPct val="150000"/>
+              </a:lnSpc>
+            </a:pPr>
+            <a:r>
+              <a:rPr lang="en-US" altLang="ko-KR" sz="1000" dirty="0"/>
+              <a:t>    </a:t>
+            </a:r>
+            <a:r>
+              <a:rPr lang="ko-KR" altLang="en-US" sz="1000" dirty="0"/>
+              <a:t>때문에</a:t>
+            </a:r>
+            <a:r>
+              <a:rPr lang="en-US" altLang="ko-KR" sz="1000" dirty="0"/>
+              <a:t>, </a:t>
+            </a:r>
+            <a:r>
+              <a:rPr lang="ko-KR" altLang="en-US" sz="1000" dirty="0"/>
+              <a:t>첫번째 </a:t>
+            </a:r>
+            <a:r>
+              <a:rPr lang="en-US" altLang="ko-KR" sz="1000" dirty="0"/>
+              <a:t>NL Join</a:t>
+            </a:r>
+            <a:r>
+              <a:rPr lang="ko-KR" altLang="en-US" sz="1000" dirty="0"/>
+              <a:t>결과와 </a:t>
+            </a:r>
+            <a:r>
+              <a:rPr lang="en-US" altLang="ko-KR" sz="1000" dirty="0"/>
+              <a:t>‘PROFESSOR’TABLE</a:t>
+            </a:r>
+            <a:r>
+              <a:rPr lang="ko-KR" altLang="en-US" sz="1000" dirty="0"/>
+              <a:t>을</a:t>
+            </a:r>
+            <a:endParaRPr lang="en-US" altLang="ko-KR" sz="1000" dirty="0"/>
+          </a:p>
+          <a:p>
+            <a:pPr>
+              <a:lnSpc>
+                <a:spcPct val="150000"/>
+              </a:lnSpc>
+            </a:pPr>
+            <a:r>
+              <a:rPr lang="en-US" altLang="ko-KR" sz="1000" dirty="0"/>
+              <a:t>   </a:t>
+            </a:r>
+            <a:r>
+              <a:rPr lang="ko-KR" altLang="en-US" sz="1000" dirty="0"/>
+              <a:t> </a:t>
+            </a:r>
+            <a:r>
+              <a:rPr lang="en-US" altLang="ko-KR" sz="1000" dirty="0"/>
+              <a:t>NL Join</a:t>
+            </a:r>
+            <a:r>
+              <a:rPr lang="ko-KR" altLang="en-US" sz="1000" dirty="0"/>
+              <a:t>하여</a:t>
+            </a:r>
+            <a:r>
+              <a:rPr lang="en-US" altLang="ko-KR" sz="1000" dirty="0"/>
+              <a:t> ‘PNAME’</a:t>
+            </a:r>
+            <a:r>
+              <a:rPr lang="ko-KR" altLang="en-US" sz="1000" dirty="0" err="1"/>
+              <a:t>컬럼값을</a:t>
+            </a:r>
+            <a:r>
+              <a:rPr lang="ko-KR" altLang="en-US" sz="1000" dirty="0"/>
+              <a:t> 가져옴</a:t>
+            </a:r>
+            <a:endParaRPr lang="en-US" altLang="ko-KR" sz="1000" dirty="0"/>
+          </a:p>
+          <a:p>
+            <a:pPr marL="171450" indent="-171450">
+              <a:lnSpc>
+                <a:spcPct val="150000"/>
+              </a:lnSpc>
+              <a:buFont typeface="Arial" panose="020B0604020202020204" pitchFamily="34" charset="0"/>
+              <a:buChar char="•"/>
+            </a:pPr>
+            <a:r>
+              <a:rPr lang="ko-KR" altLang="en-US" sz="1000" dirty="0"/>
+              <a:t>이에 따라 </a:t>
+            </a:r>
+            <a:r>
+              <a:rPr lang="en-US" altLang="ko-KR" sz="1000" dirty="0"/>
+              <a:t>NL Join</a:t>
+            </a:r>
+            <a:r>
+              <a:rPr lang="ko-KR" altLang="en-US" sz="1000" dirty="0"/>
+              <a:t>이 두 번 발생할 수 밖에 없음</a:t>
+            </a:r>
+          </a:p>
+        </p:txBody>
+      </p:sp>
+      <p:sp>
+        <p:nvSpPr>
+          <p:cNvPr id="3" name="사각형: 둥근 모서리 2">
+            <a:extLst>
+              <a:ext uri="{FF2B5EF4-FFF2-40B4-BE49-F238E27FC236}">
+                <a16:creationId xmlns:a16="http://schemas.microsoft.com/office/drawing/2014/main" id="{F3453F08-C723-4F63-8CDF-BFAA0BF37521}"/>
+              </a:ext>
+            </a:extLst>
+          </p:cNvPr>
+          <p:cNvSpPr/>
+          <p:nvPr/>
+        </p:nvSpPr>
+        <p:spPr>
+          <a:xfrm>
+            <a:off x="822121" y="4110523"/>
+            <a:ext cx="3229761" cy="580403"/>
+          </a:xfrm>
+          <a:prstGeom prst="roundRect">
+            <a:avLst/>
+          </a:prstGeom>
+          <a:noFill/>
+          <a:ln>
+            <a:solidFill>
+              <a:srgbClr val="FF0000"/>
+            </a:solidFill>
+            <a:prstDash val="sysDot"/>
+          </a:ln>
+        </p:spPr>
+        <p:style>
+          <a:lnRef idx="2">
+            <a:schemeClr val="accent1">
+              <a:shade val="50000"/>
+            </a:schemeClr>
+          </a:lnRef>
+          <a:fillRef idx="1">
+            <a:schemeClr val="accent1"/>
+          </a:fillRef>
+          <a:effectRef idx="0">
+            <a:schemeClr val="accent1"/>
+          </a:effectRef>
+          <a:fontRef idx="minor">
+            <a:schemeClr val="lt1"/>
+          </a:fontRef>
+        </p:style>
+        <p:txBody>
+          <a:bodyPr rtlCol="0" anchor="ctr"/>
+          <a:lstStyle/>
+          <a:p>
+            <a:pPr algn="ctr"/>
+            <a:endParaRPr lang="ko-KR" altLang="en-US"/>
+          </a:p>
+        </p:txBody>
+      </p:sp>
+      <p:cxnSp>
+        <p:nvCxnSpPr>
+          <p:cNvPr id="10" name="직선 화살표 연결선 9">
+            <a:extLst>
+              <a:ext uri="{FF2B5EF4-FFF2-40B4-BE49-F238E27FC236}">
+                <a16:creationId xmlns:a16="http://schemas.microsoft.com/office/drawing/2014/main" id="{5AC0A1FB-E101-4D85-BBA2-68E5AF718DB2}"/>
+              </a:ext>
+            </a:extLst>
+          </p:cNvPr>
+          <p:cNvCxnSpPr>
+            <a:cxnSpLocks/>
+            <a:endCxn id="3" idx="0"/>
+          </p:cNvCxnSpPr>
+          <p:nvPr/>
+        </p:nvCxnSpPr>
+        <p:spPr>
+          <a:xfrm flipH="1">
+            <a:off x="2437002" y="1258349"/>
+            <a:ext cx="4249024" cy="2852174"/>
+          </a:xfrm>
+          <a:prstGeom prst="straightConnector1">
+            <a:avLst/>
+          </a:prstGeom>
+          <a:ln>
+            <a:solidFill>
+              <a:srgbClr val="FF0000"/>
+            </a:solidFill>
+            <a:tailEnd type="triangle"/>
+          </a:ln>
+        </p:spPr>
+        <p:style>
+          <a:lnRef idx="1">
+            <a:schemeClr val="accent1"/>
+          </a:lnRef>
+          <a:fillRef idx="0">
+            <a:schemeClr val="accent1"/>
+          </a:fillRef>
+          <a:effectRef idx="0">
+            <a:schemeClr val="accent1"/>
+          </a:effectRef>
+          <a:fontRef idx="minor">
+            <a:schemeClr val="tx1"/>
+          </a:fontRef>
+        </p:style>
+      </p:cxnSp>
+    </p:spTree>
+    <p:extLst>
+      <p:ext uri="{BB962C8B-B14F-4D97-AF65-F5344CB8AC3E}">
+        <p14:creationId xmlns:p14="http://schemas.microsoft.com/office/powerpoint/2010/main" val="3695914346"/>
+      </p:ext>
+    </p:extLst>
+  </p:cSld>
+  <p:clrMapOvr>
+    <a:masterClrMapping/>
+  </p:clrMapOvr>
+</p:sld>
+</file>
+
+<file path=ppt/slides/slide45.xml><?xml version="1.0" encoding="utf-8"?>
+<p:sld xmlns:a="http://schemas.openxmlformats.org/drawingml/2006/main" xmlns:r="http://schemas.openxmlformats.org/officeDocument/2006/relationships" xmlns:p="http://schemas.openxmlformats.org/presentationml/2006/main">
+  <p:cSld>
+    <p:spTree>
+      <p:nvGrpSpPr>
+        <p:cNvPr id="1" name=""/>
+        <p:cNvGrpSpPr/>
+        <p:nvPr/>
+      </p:nvGrpSpPr>
+      <p:grpSpPr>
+        <a:xfrm>
+          <a:off x="0" y="0"/>
+          <a:ext cx="0" cy="0"/>
+          <a:chOff x="0" y="0"/>
+          <a:chExt cx="0" cy="0"/>
+        </a:xfrm>
+      </p:grpSpPr>
+      <p:sp>
+        <p:nvSpPr>
+          <p:cNvPr id="2" name="제목 1">
+            <a:extLst>
+              <a:ext uri="{FF2B5EF4-FFF2-40B4-BE49-F238E27FC236}">
+                <a16:creationId xmlns:a16="http://schemas.microsoft.com/office/drawing/2014/main" id="{F35C43C8-4428-4D97-87C2-6ACA5057AB6C}"/>
+              </a:ext>
+            </a:extLst>
+          </p:cNvPr>
+          <p:cNvSpPr>
+            <a:spLocks noGrp="1"/>
+          </p:cNvSpPr>
+          <p:nvPr>
+            <p:ph type="title"/>
+          </p:nvPr>
+        </p:nvSpPr>
+        <p:spPr/>
+        <p:txBody>
+          <a:bodyPr/>
+          <a:lstStyle/>
+          <a:p>
+            <a:r>
+              <a:rPr lang="en-US" altLang="ko-KR" dirty="0">
+                <a:latin typeface="나눔고딕" panose="020B0600000101010101" charset="-127"/>
+                <a:ea typeface="나눔고딕" panose="020B0600000101010101" charset="-127"/>
+              </a:rPr>
+              <a:t>12. SORT MERGE JOIN</a:t>
+            </a:r>
+            <a:endParaRPr lang="ko-KR" altLang="en-US" dirty="0">
+              <a:latin typeface="나눔고딕" panose="020B0600000101010101" charset="-127"/>
+              <a:ea typeface="나눔고딕" panose="020B0600000101010101" charset="-127"/>
+            </a:endParaRPr>
+          </a:p>
+        </p:txBody>
+      </p:sp>
+      <p:sp>
+        <p:nvSpPr>
+          <p:cNvPr id="47" name="텍스트 개체 틀 3">
+            <a:extLst>
+              <a:ext uri="{FF2B5EF4-FFF2-40B4-BE49-F238E27FC236}">
+                <a16:creationId xmlns:a16="http://schemas.microsoft.com/office/drawing/2014/main" id="{BD6E26C7-2547-444C-8643-2B2EEE99F2F4}"/>
+              </a:ext>
+            </a:extLst>
+          </p:cNvPr>
+          <p:cNvSpPr>
+            <a:spLocks noGrp="1"/>
+          </p:cNvSpPr>
+          <p:nvPr>
+            <p:ph type="body" sz="quarter" idx="13"/>
+          </p:nvPr>
+        </p:nvSpPr>
+        <p:spPr>
+          <a:xfrm>
+            <a:off x="6747393" y="62621"/>
+            <a:ext cx="2822735" cy="390525"/>
+          </a:xfrm>
+        </p:spPr>
+        <p:txBody>
+          <a:bodyPr/>
+          <a:lstStyle/>
+          <a:p>
+            <a:r>
+              <a:rPr lang="en-US" altLang="ko-KR" dirty="0">
+                <a:latin typeface="나눔고딕" panose="020D0604000000000000" pitchFamily="50" charset="-127"/>
+                <a:ea typeface="나눔고딕" panose="020D0604000000000000" pitchFamily="50" charset="-127"/>
+              </a:rPr>
+              <a:t>Ⅱ. </a:t>
+            </a:r>
+            <a:r>
+              <a:rPr lang="ko-KR" altLang="en-US" dirty="0">
+                <a:latin typeface="나눔고딕" panose="020D0604000000000000" pitchFamily="50" charset="-127"/>
+                <a:ea typeface="나눔고딕" panose="020D0604000000000000" pitchFamily="50" charset="-127"/>
+              </a:rPr>
+              <a:t>실행계획</a:t>
+            </a:r>
+          </a:p>
+        </p:txBody>
+      </p:sp>
+      <p:sp>
+        <p:nvSpPr>
+          <p:cNvPr id="8" name="슬라이드 번호 개체 틀 2">
+            <a:extLst>
+              <a:ext uri="{FF2B5EF4-FFF2-40B4-BE49-F238E27FC236}">
+                <a16:creationId xmlns:a16="http://schemas.microsoft.com/office/drawing/2014/main" id="{04551D9F-A373-412B-9564-CCFAEDE5BC72}"/>
+              </a:ext>
+            </a:extLst>
+          </p:cNvPr>
+          <p:cNvSpPr>
+            <a:spLocks noGrp="1"/>
+          </p:cNvSpPr>
+          <p:nvPr>
+            <p:ph type="sldNum" sz="quarter" idx="12"/>
+          </p:nvPr>
+        </p:nvSpPr>
+        <p:spPr>
+          <a:xfrm>
+            <a:off x="4439346" y="6528442"/>
+            <a:ext cx="1029301" cy="276999"/>
+          </a:xfrm>
+        </p:spPr>
+        <p:txBody>
+          <a:bodyPr>
+            <a:normAutofit fontScale="92500"/>
+          </a:bodyPr>
+          <a:lstStyle/>
+          <a:p>
+            <a:fld id="{EBB166B3-33A6-45CA-B81B-F13BE7654232}" type="slidenum">
+              <a:rPr lang="ko-KR" altLang="en-US" smtClean="0">
+                <a:latin typeface="나눔고딕" panose="020B0600000101010101" charset="-127"/>
+                <a:ea typeface="나눔고딕" panose="020B0600000101010101" charset="-127"/>
+              </a:rPr>
+              <a:t>44</a:t>
             </a:fld>
             <a:endParaRPr lang="ko-KR" altLang="en-US" dirty="0">
               <a:latin typeface="나눔고딕" panose="020B0600000101010101" charset="-127"/>
@@ -31877,7 +34164,7 @@
 </p:sld>
 </file>
 
-<file path=ppt/slides/slide44.xml><?xml version="1.0" encoding="utf-8"?>
+<file path=ppt/slides/slide46.xml><?xml version="1.0" encoding="utf-8"?>
 <p:sld xmlns:a="http://schemas.openxmlformats.org/drawingml/2006/main" xmlns:r="http://schemas.openxmlformats.org/officeDocument/2006/relationships" xmlns:p="http://schemas.openxmlformats.org/presentationml/2006/main">
   <p:cSld>
     <p:spTree>
@@ -32005,7 +34292,7 @@
                 <a:latin typeface="나눔고딕" panose="020B0600000101010101" charset="-127"/>
                 <a:ea typeface="나눔고딕" panose="020B0600000101010101" charset="-127"/>
               </a:rPr>
-              <a:t>43</a:t>
+              <a:t>45</a:t>
             </a:fld>
             <a:endParaRPr lang="ko-KR" altLang="en-US" dirty="0">
               <a:latin typeface="나눔고딕" panose="020B0600000101010101" charset="-127"/>
@@ -32363,7 +34650,7 @@
 </p:sld>
 </file>
 
-<file path=ppt/slides/slide45.xml><?xml version="1.0" encoding="utf-8"?>
+<file path=ppt/slides/slide47.xml><?xml version="1.0" encoding="utf-8"?>
 <p:sld xmlns:a="http://schemas.openxmlformats.org/drawingml/2006/main" xmlns:r="http://schemas.openxmlformats.org/officeDocument/2006/relationships" xmlns:p="http://schemas.openxmlformats.org/presentationml/2006/main">
   <p:cSld>
     <p:spTree>
@@ -32491,7 +34778,7 @@
                 <a:latin typeface="나눔고딕" panose="020B0600000101010101" charset="-127"/>
                 <a:ea typeface="나눔고딕" panose="020B0600000101010101" charset="-127"/>
               </a:rPr>
-              <a:t>44</a:t>
+              <a:t>46</a:t>
             </a:fld>
             <a:endParaRPr lang="ko-KR" altLang="en-US" dirty="0">
               <a:latin typeface="나눔고딕" panose="020B0600000101010101" charset="-127"/>
@@ -33045,7 +35332,7 @@
 </p:sld>
 </file>
 
-<file path=ppt/slides/slide46.xml><?xml version="1.0" encoding="utf-8"?>
+<file path=ppt/slides/slide48.xml><?xml version="1.0" encoding="utf-8"?>
 <p:sld xmlns:a="http://schemas.openxmlformats.org/drawingml/2006/main" xmlns:r="http://schemas.openxmlformats.org/officeDocument/2006/relationships" xmlns:p="http://schemas.openxmlformats.org/presentationml/2006/main">
   <p:cSld>
     <p:spTree>
@@ -33173,7 +35460,7 @@
                 <a:latin typeface="나눔고딕" panose="020B0600000101010101" charset="-127"/>
                 <a:ea typeface="나눔고딕" panose="020B0600000101010101" charset="-127"/>
               </a:rPr>
-              <a:t>45</a:t>
+              <a:t>47</a:t>
             </a:fld>
             <a:endParaRPr lang="ko-KR" altLang="en-US" dirty="0">
               <a:latin typeface="나눔고딕" panose="020B0600000101010101" charset="-127"/>
@@ -33532,7 +35819,7 @@
         </p:nvSpPr>
         <p:spPr>
           <a:xfrm>
-            <a:off x="372373" y="4050898"/>
+            <a:off x="372373" y="3919202"/>
             <a:ext cx="5896999" cy="653833"/>
           </a:xfrm>
           <a:prstGeom prst="rect">
